--- a/help/data-sheets/assets/EliteSupportDatasheet.pptx
+++ b/help/data-sheets/assets/EliteSupportDatasheet.pptx
@@ -2271,8 +2271,8 @@
         </p:nvSpPr>
         <p:spPr>
           <a:xfrm>
-            <a:off x="502828" y="65103"/>
-            <a:ext cx="4450172" cy="366767"/>
+            <a:off x="502827" y="65103"/>
+            <a:ext cx="4725793" cy="366767"/>
           </a:xfrm>
           <a:prstGeom prst="rect">
             <a:avLst/>
@@ -2293,10 +2293,10 @@
               </a:spcBef>
             </a:pPr>
             <a:r>
-              <a:rPr lang="es-ES" sz="2300" dirty="0">
+              <a:rPr lang="pt-BR" sz="2300" dirty="0">
                 <a:latin typeface="Adobe Clean" panose="020B0503020404020204" pitchFamily="34" charset="0"/>
               </a:rPr>
-              <a:t>OFERTA DE ASISTENCIA DE ADOBE</a:t>
+              <a:t>SERVIÇOS DE SUPORTE ADOBE</a:t>
             </a:r>
           </a:p>
         </p:txBody>
@@ -2309,8 +2309,8 @@
         </p:nvSpPr>
         <p:spPr>
           <a:xfrm>
-            <a:off x="159523" y="560755"/>
-            <a:ext cx="6927078" cy="1466427"/>
+            <a:off x="159522" y="560755"/>
+            <a:ext cx="7003277" cy="1466427"/>
           </a:xfrm>
           <a:prstGeom prst="rect">
             <a:avLst/>
@@ -2331,7 +2331,7 @@
               </a:spcBef>
             </a:pPr>
             <a:r>
-              <a:rPr lang="es-ES" sz="1100" dirty="0">
+              <a:rPr lang="pt-BR" sz="1100" dirty="0">
                 <a:solidFill>
                   <a:srgbClr val="FFFFFF"/>
                 </a:solidFill>
@@ -2341,7 +2341,7 @@
               <a:t>Online | Business | Enterprise | </a:t>
             </a:r>
             <a:r>
-              <a:rPr lang="es-ES" sz="1100" b="1" dirty="0">
+              <a:rPr lang="pt-BR" sz="1100" b="1" dirty="0">
                 <a:solidFill>
                   <a:srgbClr val="FFFFFF"/>
                 </a:solidFill>
@@ -2358,16 +2358,16 @@
               </a:spcBef>
             </a:pPr>
             <a:r>
-              <a:rPr lang="es-ES" sz="900" spc="-40" dirty="0">
+              <a:rPr lang="pt-BR" sz="900" dirty="0">
                 <a:solidFill>
                   <a:schemeClr val="bg1"/>
                 </a:solidFill>
                 <a:latin typeface="Adobe Clean SemiLight" panose="020B0403020404020204" pitchFamily="34" charset="0"/>
               </a:rPr>
-              <a:t>Adobe ofrece una amplia variedad de recursos técnicos para ayudar a su negocio, incluidos como parte de su suscripción de licencia </a:t>
+              <a:t>A Adobe oferece uma ampla gama de recursos técnicos para prestar suporte à sua empresa, incluídos na sua assinatura </a:t>
             </a:r>
             <a:br>
-              <a:rPr lang="sk-SK" sz="900" spc="-40" dirty="0">
+              <a:rPr lang="sk-SK" sz="900" dirty="0">
                 <a:solidFill>
                   <a:schemeClr val="bg1"/>
                 </a:solidFill>
@@ -2375,85 +2375,98 @@
               </a:rPr>
             </a:br>
             <a:r>
-              <a:rPr lang="es-ES" sz="900" spc="-40" dirty="0">
+              <a:rPr lang="pt-BR" sz="900" dirty="0">
                 <a:solidFill>
                   <a:schemeClr val="bg1"/>
                 </a:solidFill>
                 <a:latin typeface="Adobe Clean SemiLight" panose="020B0403020404020204" pitchFamily="34" charset="0"/>
               </a:rPr>
-              <a:t>de </a:t>
-            </a:r>
-            <a:r>
-              <a:rPr lang="es-ES" sz="900" spc="-40" dirty="0" err="1">
+              <a:t>da Experience Cloud e com melhorias adicionais no pacote de suporte ELITE. O Suporte ELITE inclui acesso a caminhos </a:t>
+            </a:r>
+            <a:br>
+              <a:rPr lang="sk-SK" sz="900" dirty="0">
                 <a:solidFill>
                   <a:schemeClr val="bg1"/>
                 </a:solidFill>
                 <a:latin typeface="Adobe Clean SemiLight" panose="020B0403020404020204" pitchFamily="34" charset="0"/>
               </a:rPr>
-              <a:t>Experience</a:t>
-            </a:r>
-            <a:r>
-              <a:rPr lang="es-ES" sz="900" spc="-40" dirty="0">
+            </a:br>
+            <a:r>
+              <a:rPr lang="pt-BR" sz="900" dirty="0">
                 <a:solidFill>
                   <a:schemeClr val="bg1"/>
                 </a:solidFill>
                 <a:latin typeface="Adobe Clean SemiLight" panose="020B0403020404020204" pitchFamily="34" charset="0"/>
               </a:rPr>
-              <a:t> Cloud y todavía más mejorados en el paquete de soporte ELITE. El paquete ELITE incluye acceso a rutas de aprendizaje personalizadas y foros de la comunidad monitorizados a través de Adobe </a:t>
-            </a:r>
-            <a:r>
-              <a:rPr lang="es-ES" sz="900" spc="-40" dirty="0" err="1">
+              <a:t>de aprendizagem personalizados e a fóruns monitorados da comunidade na Adobe Experience League. Você tem à sua disposição </a:t>
+            </a:r>
+            <a:br>
+              <a:rPr lang="sk-SK" sz="900" dirty="0">
                 <a:solidFill>
                   <a:schemeClr val="bg1"/>
                 </a:solidFill>
                 <a:latin typeface="Adobe Clean SemiLight" panose="020B0403020404020204" pitchFamily="34" charset="0"/>
               </a:rPr>
-              <a:t>Experience</a:t>
-            </a:r>
-            <a:r>
-              <a:rPr lang="es-ES" sz="900" spc="-40" dirty="0">
+            </a:br>
+            <a:r>
+              <a:rPr lang="pt-BR" sz="900" dirty="0">
                 <a:solidFill>
                   <a:schemeClr val="bg1"/>
                 </a:solidFill>
                 <a:latin typeface="Adobe Clean SemiLight" panose="020B0403020404020204" pitchFamily="34" charset="0"/>
               </a:rPr>
-              <a:t> League. También puede disfrutar de documentación técnica completa y detallada sobre productos y notas de la versión actual. Los clientes del paquete ELITE también podrán contar con un ingeniero de asistencia técnica especializado además de un gestor técnico de cuentas que trabajarán codo con codo con usted para proporcionar la asistencia idónea y proactiva y, a su vez, serán sus puntos de contacto para cualquier problema técnico dentro del equipo de Soporte de Adobe. Su equipo de Soporte, que cuenta con una amplia experiencia en su soluciones de </a:t>
-            </a:r>
-            <a:r>
-              <a:rPr lang="es-ES" sz="900" spc="-40" dirty="0" err="1">
+              <a:t>a nossa documentação técnica de produto, com todos os detalhes, e as notas de versão atuais. Os clientes ELITE também contam com um Engenheiro de suporte nomeado e um Gerente técnico de conta, que atuam como contato técnico designado na Equipe de suporte da Adobe e colaboram com você para prestar um suporte superior, rápido e proativo. Com ampla experiência </a:t>
+            </a:r>
+            <a:br>
+              <a:rPr lang="sk-SK" sz="900" dirty="0">
                 <a:solidFill>
                   <a:schemeClr val="bg1"/>
                 </a:solidFill>
                 <a:latin typeface="Adobe Clean SemiLight" panose="020B0403020404020204" pitchFamily="34" charset="0"/>
               </a:rPr>
-              <a:t>Experience</a:t>
-            </a:r>
-            <a:r>
-              <a:rPr lang="es-ES" sz="900" spc="-40" dirty="0">
+            </a:br>
+            <a:r>
+              <a:rPr lang="pt-BR" sz="900" dirty="0">
                 <a:solidFill>
                   <a:schemeClr val="bg1"/>
                 </a:solidFill>
                 <a:latin typeface="Adobe Clean SemiLight" panose="020B0403020404020204" pitchFamily="34" charset="0"/>
               </a:rPr>
-              <a:t> Cloud, trabajará para asegurarse de que pueden estar con usted de principio a fin para solucionar cualquier problema, sin importar su complejidad, de forma que pueda sacar el máximo provecho a su inversión en las soluciones de Adobe </a:t>
-            </a:r>
-            <a:r>
-              <a:rPr lang="es-ES" sz="900" spc="-40" dirty="0" err="1">
+              <a:t>em soluções da Experience Cloud, a Equipe de suporte trabalha para garantir que a Adobe esteja ao seu lado seja qual for </a:t>
+            </a:r>
+            <a:br>
+              <a:rPr lang="sk-SK" sz="900" dirty="0">
                 <a:solidFill>
                   <a:schemeClr val="bg1"/>
                 </a:solidFill>
                 <a:latin typeface="Adobe Clean SemiLight" panose="020B0403020404020204" pitchFamily="34" charset="0"/>
               </a:rPr>
-              <a:t>Experience</a:t>
-            </a:r>
-            <a:r>
-              <a:rPr lang="es-ES" sz="900" spc="-40" dirty="0">
+            </a:br>
+            <a:r>
+              <a:rPr lang="pt-BR" sz="900" dirty="0">
                 <a:solidFill>
                   <a:schemeClr val="bg1"/>
                 </a:solidFill>
                 <a:latin typeface="Adobe Clean SemiLight" panose="020B0403020404020204" pitchFamily="34" charset="0"/>
               </a:rPr>
-              <a:t> Cloud y para ayudarle a evitar problemas antes de que se conviertan en realidad.</a:t>
+              <a:t>a complexidade do problema, atuando de maneira preventiva para que você aproveite ao máximo seu investimento na </a:t>
+            </a:r>
+            <a:br>
+              <a:rPr lang="sk-SK" sz="900" dirty="0">
+                <a:solidFill>
+                  <a:schemeClr val="bg1"/>
+                </a:solidFill>
+                <a:latin typeface="Adobe Clean SemiLight" panose="020B0403020404020204" pitchFamily="34" charset="0"/>
+              </a:rPr>
+            </a:br>
+            <a:r>
+              <a:rPr lang="pt-BR" sz="900" dirty="0">
+                <a:solidFill>
+                  <a:schemeClr val="bg1"/>
+                </a:solidFill>
+                <a:latin typeface="Adobe Clean SemiLight" panose="020B0403020404020204" pitchFamily="34" charset="0"/>
+              </a:rPr>
+              <a:t>Adobe Experience Cloud.</a:t>
             </a:r>
           </a:p>
         </p:txBody>
@@ -2467,7 +2480,7 @@
         <p:spPr>
           <a:xfrm>
             <a:off x="168564" y="7024371"/>
-            <a:ext cx="4174836" cy="228268"/>
+            <a:ext cx="3565236" cy="228268"/>
           </a:xfrm>
           <a:prstGeom prst="rect">
             <a:avLst/>
@@ -2488,7 +2501,7 @@
               </a:spcBef>
             </a:pPr>
             <a:r>
-              <a:rPr lang="es-ES" sz="1400" b="1" u="heavy" dirty="0">
+              <a:rPr lang="pt-BR" sz="1400" b="1" u="heavy" dirty="0">
                 <a:solidFill>
                   <a:srgbClr val="020302"/>
                 </a:solidFill>
@@ -2500,7 +2513,7 @@
                 <a:latin typeface="Adobe Clean"/>
                 <a:cs typeface="Adobe Clean"/>
               </a:rPr>
-              <a:t>Destinatarios de nivel de servicio: Respuesta inicial</a:t>
+              <a:t>Metas de nível de serviço: Resposta inicial</a:t>
             </a:r>
           </a:p>
         </p:txBody>
@@ -2514,14 +2527,14 @@
           <p:nvPr>
             <p:extLst>
               <p:ext uri="{D42A27DB-BD31-4B8C-83A1-F6EECF244321}">
-                <p14:modId xmlns:p14="http://schemas.microsoft.com/office/powerpoint/2010/main" val="3604647190"/>
+                <p14:modId xmlns:p14="http://schemas.microsoft.com/office/powerpoint/2010/main" val="4025285192"/>
               </p:ext>
             </p:extLst>
           </p:nvPr>
         </p:nvGraphicFramePr>
         <p:xfrm>
-          <a:off x="145668" y="7473158"/>
-          <a:ext cx="7409815" cy="2386721"/>
+          <a:off x="145668" y="7341479"/>
+          <a:ext cx="7409815" cy="2259721"/>
         </p:xfrm>
         <a:graphic>
           <a:graphicData uri="http://schemas.openxmlformats.org/drawingml/2006/table">
@@ -2567,14 +2580,14 @@
                         </a:spcBef>
                       </a:pPr>
                       <a:r>
-                        <a:rPr lang="es-ES" sz="900">
+                        <a:rPr lang="pt-BR" sz="900">
                           <a:solidFill>
                             <a:srgbClr val="020302"/>
                           </a:solidFill>
                           <a:latin typeface="Adobe Clean"/>
                           <a:cs typeface="Adobe Clean"/>
                         </a:rPr>
-                        <a:t>Prioridad</a:t>
+                        <a:t>Prioridade</a:t>
                       </a:r>
                     </a:p>
                   </a:txBody>
@@ -2622,14 +2635,14 @@
                         </a:spcBef>
                       </a:pPr>
                       <a:r>
-                        <a:rPr lang="es-ES" sz="900">
+                        <a:rPr lang="pt-BR" sz="900">
                           <a:solidFill>
                             <a:srgbClr val="020302"/>
                           </a:solidFill>
                           <a:latin typeface="Adobe Clean"/>
                           <a:cs typeface="Adobe Clean"/>
                         </a:rPr>
-                        <a:t>Soporte Online</a:t>
+                        <a:t>Suporte Online</a:t>
                       </a:r>
                     </a:p>
                   </a:txBody>
@@ -2680,14 +2693,14 @@
                         </a:spcBef>
                       </a:pPr>
                       <a:r>
-                        <a:rPr lang="es-ES" sz="900">
+                        <a:rPr lang="pt-BR" sz="900">
                           <a:solidFill>
                             <a:srgbClr val="FFFFFF"/>
                           </a:solidFill>
                           <a:latin typeface="Adobe Clean"/>
                           <a:cs typeface="Adobe Clean"/>
                         </a:rPr>
-                        <a:t>Soporte Elite</a:t>
+                        <a:t>Suporte Elite</a:t>
                       </a:r>
                     </a:p>
                   </a:txBody>
@@ -2745,14 +2758,14 @@
                         </a:spcBef>
                       </a:pPr>
                       <a:r>
-                        <a:rPr lang="es-ES" sz="900" b="1" dirty="0">
+                        <a:rPr lang="pt-BR" sz="900" b="1" dirty="0">
                           <a:solidFill>
                             <a:srgbClr val="020302"/>
                           </a:solidFill>
                           <a:latin typeface="Adobe Clean"/>
                           <a:cs typeface="Adobe Clean"/>
                         </a:rPr>
-                        <a:t>PRIORIDAD 1</a:t>
+                        <a:t>PRIORIDADE 1</a:t>
                       </a:r>
                     </a:p>
                     <a:p>
@@ -2765,13 +2778,13 @@
                         </a:spcBef>
                       </a:pPr>
                       <a:r>
-                        <a:rPr lang="es-ES" sz="900" b="0" i="0" u="none" strike="noStrike" dirty="0">
+                        <a:rPr lang="pt-BR" sz="900" b="0" i="0" u="none" strike="noStrike" dirty="0">
                           <a:solidFill>
                             <a:srgbClr val="000000"/>
                           </a:solidFill>
                           <a:latin typeface="Adobe Clean Light" panose="020B0303020404020204" pitchFamily="34" charset="0"/>
                         </a:rPr>
-                        <a:t>Las funciones empresariales de producción del cliente no están activadas o pierden datos </a:t>
+                        <a:t>As funções de produção do cliente estão inativas ou têm perda significativa de dados </a:t>
                       </a:r>
                       <a:br>
                         <a:rPr lang="sk-SK" sz="900" b="0" i="0" u="none" strike="noStrike" dirty="0">
@@ -2782,13 +2795,30 @@
                         </a:rPr>
                       </a:br>
                       <a:r>
-                        <a:rPr lang="es-ES" sz="900" b="0" i="0" u="none" strike="noStrike" dirty="0">
+                        <a:rPr lang="pt-BR" sz="900" b="0" i="0" u="none" strike="noStrike" dirty="0">
                           <a:solidFill>
                             <a:srgbClr val="000000"/>
                           </a:solidFill>
                           <a:latin typeface="Adobe Clean Light" panose="020B0303020404020204" pitchFamily="34" charset="0"/>
                         </a:rPr>
-                        <a:t>o presentan una degradación del servicio significativa, por lo que se requiere atención inmediata para restaurar la funcionalidad y facilidad de uso.</a:t>
+                        <a:t>ou degradação de serviços, e é necessária atenção imediata para restaurar a funcionalidade </a:t>
+                      </a:r>
+                      <a:br>
+                        <a:rPr lang="sk-SK" sz="900" b="0" i="0" u="none" strike="noStrike" dirty="0">
+                          <a:solidFill>
+                            <a:srgbClr val="000000"/>
+                          </a:solidFill>
+                          <a:latin typeface="Adobe Clean Light" panose="020B0303020404020204" pitchFamily="34" charset="0"/>
+                        </a:rPr>
+                      </a:br>
+                      <a:r>
+                        <a:rPr lang="pt-BR" sz="900" b="0" i="0" u="none" strike="noStrike" dirty="0">
+                          <a:solidFill>
+                            <a:srgbClr val="000000"/>
+                          </a:solidFill>
+                          <a:latin typeface="Adobe Clean Light" panose="020B0303020404020204" pitchFamily="34" charset="0"/>
+                        </a:rPr>
+                        <a:t>e a usabilidade</a:t>
                       </a:r>
                     </a:p>
                   </a:txBody>
@@ -2833,33 +2863,14 @@
                         </a:lnSpc>
                       </a:pPr>
                       <a:r>
-                        <a:rPr lang="es-ES" sz="900" dirty="0">
+                        <a:rPr lang="pt-BR" sz="900" dirty="0">
                           <a:solidFill>
                             <a:srgbClr val="020302"/>
                           </a:solidFill>
                           <a:latin typeface="AdobeClean-Light"/>
                           <a:cs typeface="AdobeClean-Light"/>
                         </a:rPr>
-                        <a:t>24x7 /</a:t>
-                      </a:r>
-                      <a:br>
-                        <a:rPr lang="sk-SK" sz="900" dirty="0">
-                          <a:solidFill>
-                            <a:srgbClr val="020302"/>
-                          </a:solidFill>
-                          <a:latin typeface="AdobeClean-Light"/>
-                          <a:cs typeface="AdobeClean-Light"/>
-                        </a:rPr>
-                      </a:br>
-                      <a:r>
-                        <a:rPr lang="es-ES" sz="900" dirty="0">
-                          <a:solidFill>
-                            <a:srgbClr val="020302"/>
-                          </a:solidFill>
-                          <a:latin typeface="AdobeClean-Light"/>
-                          <a:cs typeface="AdobeClean-Light"/>
-                        </a:rPr>
-                        <a:t>1 hora</a:t>
+                        <a:t>24x7 /              1 hora</a:t>
                       </a:r>
                     </a:p>
                   </a:txBody>
@@ -2904,14 +2915,14 @@
                         </a:lnSpc>
                       </a:pPr>
                       <a:r>
-                        <a:rPr lang="es-ES" sz="900">
+                        <a:rPr lang="pt-BR" sz="900">
                           <a:solidFill>
                             <a:srgbClr val="020302"/>
                           </a:solidFill>
                           <a:latin typeface="AdobeClean-Light"/>
                           <a:cs typeface="AdobeClean-Light"/>
                         </a:rPr>
-                        <a:t>24x7 /   15 minutos</a:t>
+                        <a:t>24x7 /         15 minutos</a:t>
                       </a:r>
                     </a:p>
                   </a:txBody>
@@ -2974,14 +2985,14 @@
                         </a:spcBef>
                       </a:pPr>
                       <a:r>
-                        <a:rPr lang="es-ES" sz="900" b="1" dirty="0">
+                        <a:rPr lang="pt-BR" sz="900" b="1">
                           <a:solidFill>
                             <a:srgbClr val="020302"/>
                           </a:solidFill>
                           <a:latin typeface="Adobe Clean"/>
                           <a:cs typeface="Adobe Clean"/>
                         </a:rPr>
-                        <a:t>PRIORIDAD 2</a:t>
+                        <a:t>PRIORIDADE 2</a:t>
                       </a:r>
                     </a:p>
                     <a:p>
@@ -2994,13 +3005,13 @@
                         </a:spcBef>
                       </a:pPr>
                       <a:r>
-                        <a:rPr lang="es-ES" sz="900" b="0" i="0" u="none" strike="noStrike" dirty="0">
+                        <a:rPr lang="pt-BR" sz="900" b="0" i="0" u="none" strike="noStrike">
                           <a:solidFill>
                             <a:srgbClr val="000000"/>
                           </a:solidFill>
                           <a:latin typeface="Adobe Clean Light" panose="020B0303020404020204" pitchFamily="34" charset="0"/>
                         </a:rPr>
-                        <a:t>Las funciones empresariales del cliente presentan una importante degradación del servicio o hay una posible pérdida de datos, o una función clave se está viendo afectada.</a:t>
+                        <a:t>As funções empresariais do cliente têm grande degradação de serviços, perda potencial de dados ou foi afetado um recurso importante</a:t>
                       </a:r>
                     </a:p>
                   </a:txBody>
@@ -3039,59 +3050,20 @@
                     <a:bodyPr/>
                     <a:lstStyle/>
                     <a:p>
-                      <a:pPr marL="174625" marR="343535" indent="-60325" algn="ctr">
+                      <a:pPr marL="342900" marR="343535" indent="-44450" algn="ctr">
                         <a:lnSpc>
                           <a:spcPct val="102200"/>
                         </a:lnSpc>
                       </a:pPr>
                       <a:r>
-                        <a:rPr lang="es-ES" sz="900" dirty="0">
+                        <a:rPr lang="pt-BR" sz="900" dirty="0">
                           <a:solidFill>
                             <a:srgbClr val="020302"/>
                           </a:solidFill>
                           <a:latin typeface="AdobeClean-Light"/>
                           <a:cs typeface="AdobeClean-Light"/>
                         </a:rPr>
-                        <a:t>Horario de trabajo</a:t>
-                      </a:r>
-                      <a:r>
-                        <a:rPr lang="sk-SK" sz="900" dirty="0">
-                          <a:solidFill>
-                            <a:srgbClr val="020302"/>
-                          </a:solidFill>
-                          <a:latin typeface="AdobeClean-Light"/>
-                          <a:cs typeface="AdobeClean-Light"/>
-                        </a:rPr>
-                        <a:t> </a:t>
-                      </a:r>
-                      <a:r>
-                        <a:rPr lang="es-ES" sz="900" dirty="0">
-                          <a:solidFill>
-                            <a:srgbClr val="020302"/>
-                          </a:solidFill>
-                          <a:latin typeface="AdobeClean-Light"/>
-                          <a:cs typeface="AdobeClean-Light"/>
-                        </a:rPr>
-                        <a:t>/ </a:t>
-                      </a:r>
-                      <a:br>
-                        <a:rPr lang="sk-SK" sz="900" dirty="0">
-                          <a:solidFill>
-                            <a:srgbClr val="020302"/>
-                          </a:solidFill>
-                          <a:latin typeface="AdobeClean-Light"/>
-                          <a:cs typeface="AdobeClean-Light"/>
-                        </a:rPr>
-                      </a:br>
-                      <a:r>
-                        <a:rPr lang="es-ES" sz="900" dirty="0">
-                          <a:solidFill>
-                            <a:srgbClr val="020302"/>
-                          </a:solidFill>
-                          <a:latin typeface="AdobeClean-Light"/>
-                          <a:cs typeface="AdobeClean-Light"/>
-                        </a:rPr>
-                        <a:t>4 horas</a:t>
+                        <a:t>Horário comercial/           4 horas</a:t>
                       </a:r>
                     </a:p>
                   </a:txBody>
@@ -3133,14 +3105,14 @@
                         </a:lnSpc>
                       </a:pPr>
                       <a:r>
-                        <a:rPr lang="es-ES" sz="900">
+                        <a:rPr lang="pt-BR" sz="900" dirty="0">
                           <a:solidFill>
                             <a:srgbClr val="020302"/>
                           </a:solidFill>
                           <a:latin typeface="AdobeClean-Light"/>
                           <a:cs typeface="AdobeClean-Light"/>
                         </a:rPr>
-                        <a:t>24x5 /  30 minutos</a:t>
+                        <a:t>24x5 /           30 minutos</a:t>
                       </a:r>
                     </a:p>
                   </a:txBody>
@@ -3185,7 +3157,7 @@
                   </a:ext>
                 </a:extLst>
               </a:tr>
-              <a:tr h="394800">
+              <a:tr h="380435">
                 <a:tc>
                   <a:txBody>
                     <a:bodyPr/>
@@ -3200,14 +3172,14 @@
                         </a:spcBef>
                       </a:pPr>
                       <a:r>
-                        <a:rPr lang="es-ES" sz="900" b="1" dirty="0">
+                        <a:rPr lang="pt-BR" sz="900" b="1">
                           <a:solidFill>
                             <a:srgbClr val="020302"/>
                           </a:solidFill>
                           <a:latin typeface="Adobe Clean"/>
                           <a:cs typeface="Adobe Clean"/>
                         </a:rPr>
-                        <a:t>PRIORIDAD 3</a:t>
+                        <a:t>PRIORIDADE 3</a:t>
                       </a:r>
                     </a:p>
                     <a:p>
@@ -3220,30 +3192,13 @@
                         </a:spcBef>
                       </a:pPr>
                       <a:r>
-                        <a:rPr lang="es-ES" sz="900" b="0" i="0" u="none" strike="noStrike" dirty="0">
+                        <a:rPr lang="pt-BR" sz="900" b="0" i="0" u="none" strike="noStrike">
                           <a:solidFill>
                             <a:srgbClr val="000000"/>
                           </a:solidFill>
                           <a:latin typeface="Adobe Clean Light" panose="020B0303020404020204" pitchFamily="34" charset="0"/>
                         </a:rPr>
-                        <a:t>Las funciones empresariales del cliente presentan una menor degradación del servicio, </a:t>
-                      </a:r>
-                      <a:br>
-                        <a:rPr lang="sk-SK" sz="900" b="0" i="0" u="none" strike="noStrike" dirty="0">
-                          <a:solidFill>
-                            <a:srgbClr val="000000"/>
-                          </a:solidFill>
-                          <a:latin typeface="Adobe Clean Light" panose="020B0303020404020204" pitchFamily="34" charset="0"/>
-                        </a:rPr>
-                      </a:br>
-                      <a:r>
-                        <a:rPr lang="es-ES" sz="900" b="0" i="0" u="none" strike="noStrike" dirty="0">
-                          <a:solidFill>
-                            <a:srgbClr val="000000"/>
-                          </a:solidFill>
-                          <a:latin typeface="Adobe Clean Light" panose="020B0303020404020204" pitchFamily="34" charset="0"/>
-                        </a:rPr>
-                        <a:t>o ninguna degradación en absoluto, pero existe una solución que permite que las funciones empresariales sigan funcionando como de normal.</a:t>
+                        <a:t>As funções empresariais do cliente têm pouca degradação dos serviços, e há uma solução/solução alternativa que permite que as funções empresariais continuem normalmente</a:t>
                       </a:r>
                     </a:p>
                   </a:txBody>
@@ -3282,59 +3237,20 @@
                     <a:bodyPr/>
                     <a:lstStyle/>
                     <a:p>
-                      <a:pPr marL="174625" marR="343535" indent="-60325" algn="ctr">
+                      <a:pPr marL="285750" marR="343535" indent="12700" algn="ctr">
                         <a:lnSpc>
                           <a:spcPct val="102200"/>
                         </a:lnSpc>
                       </a:pPr>
                       <a:r>
-                        <a:rPr lang="es-ES" sz="900" dirty="0">
+                        <a:rPr lang="pt-BR" sz="900" dirty="0">
                           <a:solidFill>
                             <a:srgbClr val="020302"/>
                           </a:solidFill>
                           <a:latin typeface="AdobeClean-Light"/>
                           <a:cs typeface="AdobeClean-Light"/>
                         </a:rPr>
-                        <a:t>Horario de trabajo</a:t>
-                      </a:r>
-                      <a:r>
-                        <a:rPr lang="sk-SK" sz="900" dirty="0">
-                          <a:solidFill>
-                            <a:srgbClr val="020302"/>
-                          </a:solidFill>
-                          <a:latin typeface="AdobeClean-Light"/>
-                          <a:cs typeface="AdobeClean-Light"/>
-                        </a:rPr>
-                        <a:t> </a:t>
-                      </a:r>
-                      <a:r>
-                        <a:rPr lang="es-ES" sz="900" dirty="0">
-                          <a:solidFill>
-                            <a:srgbClr val="020302"/>
-                          </a:solidFill>
-                          <a:latin typeface="AdobeClean-Light"/>
-                          <a:cs typeface="AdobeClean-Light"/>
-                        </a:rPr>
-                        <a:t>/ </a:t>
-                      </a:r>
-                      <a:br>
-                        <a:rPr lang="sk-SK" sz="900" dirty="0">
-                          <a:solidFill>
-                            <a:srgbClr val="020302"/>
-                          </a:solidFill>
-                          <a:latin typeface="AdobeClean-Light"/>
-                          <a:cs typeface="AdobeClean-Light"/>
-                        </a:rPr>
-                      </a:br>
-                      <a:r>
-                        <a:rPr lang="es-ES" sz="900" dirty="0">
-                          <a:solidFill>
-                            <a:srgbClr val="020302"/>
-                          </a:solidFill>
-                          <a:latin typeface="AdobeClean-Light"/>
-                          <a:cs typeface="AdobeClean-Light"/>
-                        </a:rPr>
-                        <a:t>6 horas</a:t>
+                        <a:t>Horário comercial/           6 horas</a:t>
                       </a:r>
                     </a:p>
                   </a:txBody>
@@ -3376,7 +3292,7 @@
                         </a:lnSpc>
                       </a:pPr>
                       <a:r>
-                        <a:rPr lang="es-ES" sz="900" dirty="0">
+                        <a:rPr lang="pt-BR" sz="900" dirty="0">
                           <a:solidFill>
                             <a:srgbClr val="020302"/>
                           </a:solidFill>
@@ -3387,7 +3303,7 @@
                         <a:t>2</a:t>
                       </a:r>
                       <a:r>
-                        <a:rPr lang="es-ES" sz="900" dirty="0">
+                        <a:rPr lang="pt-BR" sz="900" dirty="0">
                           <a:solidFill>
                             <a:srgbClr val="020302"/>
                           </a:solidFill>
@@ -3395,29 +3311,7 @@
                           <a:ea typeface="+mn-ea"/>
                           <a:cs typeface="AdobeClean-Light"/>
                         </a:rPr>
-                        <a:t>4x5</a:t>
-                      </a:r>
-                      <a:r>
-                        <a:rPr lang="sk-SK" sz="900" dirty="0">
-                          <a:solidFill>
-                            <a:srgbClr val="020302"/>
-                          </a:solidFill>
-                          <a:latin typeface="AdobeClean-Light"/>
-                          <a:ea typeface="+mn-ea"/>
-                          <a:cs typeface="AdobeClean-Light"/>
-                        </a:rPr>
-                        <a:t> </a:t>
-                      </a:r>
-                      <a:r>
-                        <a:rPr lang="es-ES" sz="900" dirty="0">
-                          <a:solidFill>
-                            <a:srgbClr val="020302"/>
-                          </a:solidFill>
-                          <a:latin typeface="AdobeClean-Light"/>
-                          <a:ea typeface="+mn-ea"/>
-                          <a:cs typeface="AdobeClean-Light"/>
-                        </a:rPr>
-                        <a:t>/   1 hora</a:t>
+                        <a:t>4x5 /   1 hora</a:t>
                       </a:r>
                     </a:p>
                   </a:txBody>
@@ -3477,14 +3371,14 @@
                         </a:spcBef>
                       </a:pPr>
                       <a:r>
-                        <a:rPr lang="es-ES" sz="900" b="1" dirty="0">
+                        <a:rPr lang="pt-BR" sz="900" b="1">
                           <a:solidFill>
                             <a:srgbClr val="020302"/>
                           </a:solidFill>
                           <a:latin typeface="Adobe Clean"/>
                           <a:cs typeface="Adobe Clean"/>
                         </a:rPr>
-                        <a:t>PRIORIDAD 4</a:t>
+                        <a:t>PRIORIDADE 4</a:t>
                       </a:r>
                     </a:p>
                     <a:p>
@@ -3497,13 +3391,13 @@
                         </a:spcBef>
                       </a:pPr>
                       <a:r>
-                        <a:rPr lang="es-ES" sz="900" b="0" i="0" u="none" strike="noStrike" dirty="0">
+                        <a:rPr lang="pt-BR" sz="900" b="0" i="0" u="none" strike="noStrike">
                           <a:solidFill>
                             <a:srgbClr val="000000"/>
                           </a:solidFill>
                           <a:latin typeface="Adobe Clean Light" panose="020B0303020404020204" pitchFamily="34" charset="0"/>
                         </a:rPr>
-                        <a:t>Pregunta general sobre la funcionalidad actual del producto o una solicitud de mejora.</a:t>
+                        <a:t>Pergunta geral sobre a funcionalidade atual do produto ou solicitação de melhoria</a:t>
                       </a:r>
                     </a:p>
                   </a:txBody>
@@ -3542,22 +3436,22 @@
                     <a:bodyPr/>
                     <a:lstStyle/>
                     <a:p>
-                      <a:pPr marL="288925" marR="343535" indent="-60325" algn="ctr">
+                      <a:pPr marL="285750" marR="343535" indent="12700" algn="ctr">
                         <a:lnSpc>
                           <a:spcPct val="102200"/>
                         </a:lnSpc>
                       </a:pPr>
                       <a:r>
-                        <a:rPr lang="es-ES" sz="900" dirty="0">
+                        <a:rPr lang="pt-BR" sz="900" dirty="0">
                           <a:solidFill>
                             <a:srgbClr val="020302"/>
                           </a:solidFill>
                           <a:latin typeface="AdobeClean-Light"/>
                           <a:cs typeface="AdobeClean-Light"/>
                         </a:rPr>
-                        <a:t>Días laborables</a:t>
+                        <a:t>Dias úteis/ </a:t>
                       </a:r>
-                      <a:r>
+                      <a:br>
                         <a:rPr lang="sk-SK" sz="900" dirty="0">
                           <a:solidFill>
                             <a:srgbClr val="020302"/>
@@ -3565,37 +3459,16 @@
                           <a:latin typeface="AdobeClean-Light"/>
                           <a:cs typeface="AdobeClean-Light"/>
                         </a:rPr>
-                        <a:t> </a:t>
-                      </a:r>
+                      </a:br>
                       <a:r>
-                        <a:rPr lang="es-ES" sz="900" dirty="0">
+                        <a:rPr lang="pt-BR" sz="900" dirty="0">
                           <a:solidFill>
                             <a:srgbClr val="020302"/>
                           </a:solidFill>
                           <a:latin typeface="AdobeClean-Light"/>
                           <a:cs typeface="AdobeClean-Light"/>
                         </a:rPr>
-                        <a:t>/</a:t>
-                      </a:r>
-                      <a:r>
-                        <a:rPr lang="sk-SK" sz="900" dirty="0">
-                          <a:solidFill>
-                            <a:srgbClr val="020302"/>
-                          </a:solidFill>
-                          <a:latin typeface="AdobeClean-Light"/>
-                          <a:cs typeface="AdobeClean-Light"/>
-                        </a:rPr>
-                        <a:t> </a:t>
-                      </a:r>
-                      <a:r>
-                        <a:rPr lang="es-ES" sz="900" dirty="0">
-                          <a:solidFill>
-                            <a:srgbClr val="020302"/>
-                          </a:solidFill>
-                          <a:latin typeface="AdobeClean-Light"/>
-                          <a:cs typeface="AdobeClean-Light"/>
-                        </a:rPr>
-                        <a:t>3 días</a:t>
+                        <a:t>3 dias</a:t>
                       </a:r>
                     </a:p>
                   </a:txBody>
@@ -3637,14 +3510,14 @@
                         </a:lnSpc>
                       </a:pPr>
                       <a:r>
-                        <a:rPr lang="es-ES" sz="900" dirty="0">
+                        <a:rPr lang="pt-BR" sz="900" dirty="0">
                           <a:solidFill>
                             <a:srgbClr val="020302"/>
                           </a:solidFill>
                           <a:latin typeface="AdobeClean-Light"/>
                           <a:cs typeface="AdobeClean-Light"/>
                         </a:rPr>
-                        <a:t>Días laborables /      1 día</a:t>
+                        <a:t>Dia útil / 1 dia</a:t>
                       </a:r>
                     </a:p>
                   </a:txBody>
@@ -3724,7 +3597,7 @@
         <p:spPr>
           <a:xfrm>
             <a:off x="97786" y="9888626"/>
-            <a:ext cx="2950213" cy="133370"/>
+            <a:ext cx="2721613" cy="133370"/>
           </a:xfrm>
           <a:prstGeom prst="rect">
             <a:avLst/>
@@ -3745,94 +3618,14 @@
               </a:spcBef>
             </a:pPr>
             <a:r>
-              <a:rPr lang="es-ES" sz="800" dirty="0">
+              <a:rPr lang="pt-BR" sz="800" dirty="0">
                 <a:solidFill>
                   <a:srgbClr val="6D6D6D"/>
                 </a:solidFill>
                 <a:latin typeface="Adobe Clean"/>
                 <a:cs typeface="Adobe Clean"/>
               </a:rPr>
-              <a:t>©2021 Adobe. </a:t>
-            </a:r>
-            <a:r>
-              <a:rPr lang="es-ES" sz="800" dirty="0" err="1">
-                <a:solidFill>
-                  <a:srgbClr val="6D6D6D"/>
-                </a:solidFill>
-                <a:latin typeface="Adobe Clean"/>
-                <a:cs typeface="Adobe Clean"/>
-              </a:rPr>
-              <a:t>All</a:t>
-            </a:r>
-            <a:r>
-              <a:rPr lang="es-ES" sz="800" dirty="0">
-                <a:solidFill>
-                  <a:srgbClr val="6D6D6D"/>
-                </a:solidFill>
-                <a:latin typeface="Adobe Clean"/>
-                <a:cs typeface="Adobe Clean"/>
-              </a:rPr>
-              <a:t> </a:t>
-            </a:r>
-            <a:r>
-              <a:rPr lang="es-ES" sz="800" dirty="0" err="1">
-                <a:solidFill>
-                  <a:srgbClr val="6D6D6D"/>
-                </a:solidFill>
-                <a:latin typeface="Adobe Clean"/>
-                <a:cs typeface="Adobe Clean"/>
-              </a:rPr>
-              <a:t>Rights</a:t>
-            </a:r>
-            <a:r>
-              <a:rPr lang="es-ES" sz="800" dirty="0">
-                <a:solidFill>
-                  <a:srgbClr val="6D6D6D"/>
-                </a:solidFill>
-                <a:latin typeface="Adobe Clean"/>
-                <a:cs typeface="Adobe Clean"/>
-              </a:rPr>
-              <a:t> </a:t>
-            </a:r>
-            <a:r>
-              <a:rPr lang="es-ES" sz="800" dirty="0" err="1">
-                <a:solidFill>
-                  <a:srgbClr val="6D6D6D"/>
-                </a:solidFill>
-                <a:latin typeface="Adobe Clean"/>
-                <a:cs typeface="Adobe Clean"/>
-              </a:rPr>
-              <a:t>Reserved</a:t>
-            </a:r>
-            <a:r>
-              <a:rPr lang="es-ES" sz="800" dirty="0">
-                <a:solidFill>
-                  <a:srgbClr val="6D6D6D"/>
-                </a:solidFill>
-                <a:latin typeface="Adobe Clean"/>
-                <a:cs typeface="Adobe Clean"/>
-              </a:rPr>
-              <a:t>. Adobe </a:t>
-            </a:r>
-            <a:r>
-              <a:rPr lang="es-ES" sz="800" dirty="0" err="1">
-                <a:solidFill>
-                  <a:srgbClr val="6D6D6D"/>
-                </a:solidFill>
-                <a:latin typeface="Adobe Clean"/>
-                <a:cs typeface="Adobe Clean"/>
-              </a:rPr>
-              <a:t>Confidential</a:t>
-            </a:r>
-            <a:r>
-              <a:rPr lang="es-ES" sz="800" dirty="0">
-                <a:solidFill>
-                  <a:srgbClr val="6D6D6D"/>
-                </a:solidFill>
-                <a:latin typeface="Adobe Clean"/>
-                <a:cs typeface="Adobe Clean"/>
-              </a:rPr>
-              <a:t>.</a:t>
+              <a:t>©2021 Adobe. All Rights Reserved. Adobe Confidential.</a:t>
             </a:r>
           </a:p>
         </p:txBody>
@@ -3866,7 +3659,7 @@
           <a:lstStyle/>
           <a:p>
             <a:r>
-              <a:rPr lang="es-ES" sz="700" i="1">
+              <a:rPr lang="pt-BR" sz="700" i="1">
                 <a:solidFill>
                   <a:schemeClr val="bg1"/>
                 </a:solidFill>
@@ -3891,7 +3684,7 @@
           <p:nvPr>
             <p:extLst>
               <p:ext uri="{D42A27DB-BD31-4B8C-83A1-F6EECF244321}">
-                <p14:modId xmlns:p14="http://schemas.microsoft.com/office/powerpoint/2010/main" val="1959389403"/>
+                <p14:modId xmlns:p14="http://schemas.microsoft.com/office/powerpoint/2010/main" val="1734001763"/>
               </p:ext>
             </p:extLst>
           </p:nvPr>
@@ -3980,14 +3773,14 @@
                         <a:defRPr/>
                       </a:pPr>
                       <a:r>
-                        <a:rPr lang="es-ES" sz="900">
+                        <a:rPr lang="pt-BR" sz="900">
                           <a:solidFill>
                             <a:srgbClr val="404040"/>
                           </a:solidFill>
                           <a:latin typeface="Adobe Clean"/>
                           <a:cs typeface="Adobe Clean"/>
                         </a:rPr>
-                        <a:t>Soporte Online</a:t>
+                        <a:t>Suporte Online</a:t>
                       </a:r>
                     </a:p>
                   </a:txBody>
@@ -4029,14 +3822,14 @@
                         </a:spcBef>
                       </a:pPr>
                       <a:r>
-                        <a:rPr lang="es-ES" sz="900">
+                        <a:rPr lang="pt-BR" sz="900">
                           <a:solidFill>
                             <a:srgbClr val="FFFFFF"/>
                           </a:solidFill>
                           <a:latin typeface="Adobe Clean"/>
                           <a:cs typeface="Adobe Clean"/>
                         </a:rPr>
-                        <a:t>Soporte Elite</a:t>
+                        <a:t>Suporte Elite</a:t>
                       </a:r>
                     </a:p>
                   </a:txBody>
@@ -4183,13 +3976,13 @@
                         <a:defRPr/>
                       </a:pPr>
                       <a:r>
-                        <a:rPr lang="es-ES" sz="800" i="1">
+                        <a:rPr lang="pt-BR" sz="800" i="1">
                           <a:solidFill>
                             <a:schemeClr val="bg1"/>
                           </a:solidFill>
                           <a:latin typeface="Adobe Clean Light" panose="020B0303020404020204" pitchFamily="34" charset="0"/>
                         </a:rPr>
-                        <a:t>Soporte de pago ($)</a:t>
+                        <a:t>Suporte pago ($)</a:t>
                       </a:r>
                     </a:p>
                   </a:txBody>
@@ -4253,14 +4046,14 @@
                         </a:spcBef>
                       </a:pPr>
                       <a:r>
-                        <a:rPr lang="es-ES" sz="1000" b="1" i="0">
+                        <a:rPr lang="pt-BR" sz="1000" b="1" i="0">
                           <a:solidFill>
                             <a:schemeClr val="bg1"/>
                           </a:solidFill>
                           <a:latin typeface="Adobe Clean" panose="020B0503020404020204" pitchFamily="34" charset="0"/>
                           <a:cs typeface="AdobeClean-Light"/>
                         </a:rPr>
-                        <a:t>Expertos asignados</a:t>
+                        <a:t>Especialistas atribuídos</a:t>
                       </a:r>
                     </a:p>
                   </a:txBody>
@@ -4308,14 +4101,14 @@
                         </a:spcBef>
                       </a:pPr>
                       <a:r>
-                        <a:rPr lang="es-ES" sz="900">
+                        <a:rPr lang="pt-BR" sz="900">
                           <a:solidFill>
                             <a:srgbClr val="020302"/>
                           </a:solidFill>
                           <a:latin typeface="AdobeClean-Light"/>
                           <a:cs typeface="AdobeClean-Light"/>
                         </a:rPr>
-                        <a:t>Responsable de la asistencia técnica de la cuenta</a:t>
+                        <a:t>Líder de suporte da conta</a:t>
                       </a:r>
                     </a:p>
                   </a:txBody>
@@ -4481,14 +4274,14 @@
                         </a:spcBef>
                       </a:pPr>
                       <a:r>
-                        <a:rPr lang="es-ES" sz="900">
+                        <a:rPr lang="pt-BR" sz="900" dirty="0">
                           <a:solidFill>
                             <a:srgbClr val="020302"/>
                           </a:solidFill>
                           <a:latin typeface="AdobeClean-Light"/>
                           <a:cs typeface="AdobeClean-Light"/>
                         </a:rPr>
-                        <a:t>Ingeniero de asistencia técnica especializado</a:t>
+                        <a:t>Engenheiro de suporte nomeado</a:t>
                       </a:r>
                     </a:p>
                   </a:txBody>
@@ -4559,7 +4352,7 @@
                         <a:defRPr/>
                       </a:pPr>
                       <a:r>
-                        <a:rPr lang="es-ES" sz="900">
+                        <a:rPr lang="pt-BR" sz="900">
                           <a:solidFill>
                             <a:srgbClr val="020302"/>
                           </a:solidFill>
@@ -4648,14 +4441,14 @@
                         </a:spcBef>
                       </a:pPr>
                       <a:r>
-                        <a:rPr lang="es-ES" sz="900">
+                        <a:rPr lang="pt-BR" sz="900">
                           <a:solidFill>
                             <a:srgbClr val="020302"/>
                           </a:solidFill>
                           <a:latin typeface="AdobeClean-Light"/>
                           <a:cs typeface="AdobeClean-Light"/>
                         </a:rPr>
-                        <a:t>Gestor técnico de cuentas</a:t>
+                        <a:t>Gerente técnico de conta</a:t>
                       </a:r>
                     </a:p>
                   </a:txBody>
@@ -4741,7 +4534,7 @@
                         <a:defRPr/>
                       </a:pPr>
                       <a:r>
-                        <a:rPr lang="es-ES" sz="900">
+                        <a:rPr lang="pt-BR" sz="900">
                           <a:solidFill>
                             <a:srgbClr val="020302"/>
                           </a:solidFill>
@@ -4790,14 +4583,14 @@
                         </a:spcBef>
                       </a:pPr>
                       <a:r>
-                        <a:rPr lang="es-ES" sz="1000" b="1" i="0">
+                        <a:rPr lang="pt-BR" sz="1000" b="1" i="0">
                           <a:solidFill>
                             <a:schemeClr val="bg1"/>
                           </a:solidFill>
                           <a:latin typeface="Adobe Clean" panose="020B0503020404020204" pitchFamily="34" charset="0"/>
                           <a:cs typeface="AdobeClean-Light"/>
                         </a:rPr>
-                        <a:t>Servicios de soporte</a:t>
+                        <a:t>Serviços de suporte</a:t>
                       </a:r>
                     </a:p>
                   </a:txBody>
@@ -4854,14 +4647,14 @@
                         </a:spcBef>
                       </a:pPr>
                       <a:r>
-                        <a:rPr lang="es-ES" sz="900">
+                        <a:rPr lang="pt-BR" sz="900">
                           <a:solidFill>
                             <a:srgbClr val="020302"/>
                           </a:solidFill>
                           <a:latin typeface="AdobeClean-Light"/>
                           <a:cs typeface="AdobeClean-Light"/>
                         </a:rPr>
-                        <a:t>Soporte Online</a:t>
+                        <a:t>Suporte Online</a:t>
                       </a:r>
                     </a:p>
                   </a:txBody>
@@ -4900,14 +4693,14 @@
                         </a:spcBef>
                       </a:pPr>
                       <a:r>
-                        <a:rPr lang="es-ES" sz="900">
+                        <a:rPr lang="pt-BR" sz="900">
                           <a:solidFill>
                             <a:srgbClr val="020302"/>
                           </a:solidFill>
                           <a:latin typeface="AdobeClean-Light"/>
                           <a:cs typeface="AdobeClean-Light"/>
                         </a:rPr>
-                        <a:t>Horario de trabajo</a:t>
+                        <a:t>Horário comercial</a:t>
                       </a:r>
                     </a:p>
                   </a:txBody>
@@ -4947,14 +4740,14 @@
                         </a:spcBef>
                       </a:pPr>
                       <a:r>
-                        <a:rPr lang="es-ES" sz="900">
+                        <a:rPr lang="pt-BR" sz="900">
                           <a:solidFill>
                             <a:srgbClr val="020302"/>
                           </a:solidFill>
                           <a:latin typeface="AdobeClean-Light"/>
                           <a:cs typeface="AdobeClean-Light"/>
                         </a:rPr>
-                        <a:t>24 x 5</a:t>
+                        <a:t>24x5</a:t>
                       </a:r>
                     </a:p>
                   </a:txBody>
@@ -5036,14 +4829,14 @@
                         </a:spcBef>
                       </a:pPr>
                       <a:r>
-                        <a:rPr lang="es-ES" sz="900">
+                        <a:rPr lang="pt-BR" sz="900">
                           <a:solidFill>
                             <a:srgbClr val="020302"/>
                           </a:solidFill>
                           <a:latin typeface="AdobeClean-Light"/>
                           <a:cs typeface="AdobeClean-Light"/>
                         </a:rPr>
-                        <a:t>Soporte con problemas P1 24 x 7 x 365</a:t>
+                        <a:t>Suporte 24x7x365 para prioridades P1</a:t>
                       </a:r>
                     </a:p>
                   </a:txBody>
@@ -5076,7 +4869,7 @@
                         </a:spcBef>
                       </a:pPr>
                       <a:r>
-                        <a:rPr lang="es-ES" sz="900">
+                        <a:rPr lang="pt-BR" sz="900">
                           <a:solidFill>
                             <a:srgbClr val="020302"/>
                           </a:solidFill>
@@ -5114,7 +4907,7 @@
                         </a:spcBef>
                       </a:pPr>
                       <a:r>
-                        <a:rPr lang="es-ES" sz="900">
+                        <a:rPr lang="pt-BR" sz="900">
                           <a:solidFill>
                             <a:srgbClr val="020302"/>
                           </a:solidFill>
@@ -5203,14 +4996,14 @@
                         </a:spcBef>
                       </a:pPr>
                       <a:r>
-                        <a:rPr lang="es-ES" sz="900">
+                        <a:rPr lang="pt-BR" sz="900">
                           <a:solidFill>
                             <a:srgbClr val="020302"/>
                           </a:solidFill>
                           <a:latin typeface="AdobeClean-Light"/>
                           <a:cs typeface="AdobeClean-Light"/>
                         </a:rPr>
-                        <a:t>Contactos de soporte particulares (por producto)</a:t>
+                        <a:t>Contatos de suporte nomeados (por produto)</a:t>
                       </a:r>
                     </a:p>
                   </a:txBody>
@@ -5249,7 +5042,7 @@
                         </a:spcBef>
                       </a:pPr>
                       <a:r>
-                        <a:rPr lang="es-ES" sz="900">
+                        <a:rPr lang="pt-BR" sz="900">
                           <a:solidFill>
                             <a:srgbClr val="020302"/>
                           </a:solidFill>
@@ -5287,7 +5080,7 @@
                         </a:spcBef>
                       </a:pPr>
                       <a:r>
-                        <a:rPr lang="es-ES" sz="900">
+                        <a:rPr lang="pt-BR" sz="900">
                           <a:solidFill>
                             <a:srgbClr val="020302"/>
                           </a:solidFill>
@@ -5367,14 +5160,14 @@
                         </a:spcBef>
                       </a:pPr>
                       <a:r>
-                        <a:rPr lang="es-ES" sz="900">
+                        <a:rPr lang="pt-BR" sz="900">
                           <a:solidFill>
                             <a:srgbClr val="020302"/>
                           </a:solidFill>
                           <a:latin typeface="AdobeClean-Light"/>
                           <a:cs typeface="AdobeClean-Light"/>
                         </a:rPr>
-                        <a:t>Asistencia telefónica en directo</a:t>
+                        <a:t>Suporte telefônico ao vivo</a:t>
                       </a:r>
                     </a:p>
                   </a:txBody>
@@ -5439,7 +5232,7 @@
                         </a:spcBef>
                       </a:pPr>
                       <a:r>
-                        <a:rPr lang="es-ES" sz="900">
+                        <a:rPr lang="pt-BR" sz="900">
                           <a:solidFill>
                             <a:srgbClr val="020302"/>
                           </a:solidFill>
@@ -5519,14 +5312,14 @@
                         </a:spcBef>
                       </a:pPr>
                       <a:r>
-                        <a:rPr lang="es-ES" sz="900">
+                        <a:rPr lang="pt-BR" sz="900">
                           <a:solidFill>
                             <a:srgbClr val="020302"/>
                           </a:solidFill>
                           <a:latin typeface="AdobeClean-Light"/>
                           <a:cs typeface="AdobeClean-Light"/>
                         </a:rPr>
-                        <a:t>Administración de la escalabilidad</a:t>
+                        <a:t>Gestão de encaminhamento</a:t>
                       </a:r>
                     </a:p>
                   </a:txBody>
@@ -5591,7 +5384,7 @@
                         </a:spcBef>
                       </a:pPr>
                       <a:r>
-                        <a:rPr lang="es-ES" sz="900">
+                        <a:rPr lang="pt-BR" sz="900">
                           <a:solidFill>
                             <a:srgbClr val="020302"/>
                           </a:solidFill>
@@ -5671,14 +5464,14 @@
                         </a:spcBef>
                       </a:pPr>
                       <a:r>
-                        <a:rPr lang="es-ES" sz="900">
+                        <a:rPr lang="pt-BR" sz="900" dirty="0">
                           <a:solidFill>
                             <a:srgbClr val="020302"/>
                           </a:solidFill>
                           <a:latin typeface="AdobeClean-Light"/>
                           <a:cs typeface="AdobeClean-Light"/>
                         </a:rPr>
-                        <a:t>Revisiones de servicio al año</a:t>
+                        <a:t>Revisões de serviço por ano</a:t>
                       </a:r>
                     </a:p>
                   </a:txBody>
@@ -5737,7 +5530,7 @@
                         </a:lnSpc>
                       </a:pPr>
                       <a:r>
-                        <a:rPr lang="es-ES" sz="900">
+                        <a:rPr lang="pt-BR" sz="900">
                           <a:latin typeface="Times New Roman"/>
                           <a:cs typeface="Times New Roman"/>
                         </a:rPr>
@@ -5784,11 +5577,11 @@
                         </a:spcBef>
                       </a:pPr>
                       <a:r>
-                        <a:rPr lang="es-ES" sz="900">
+                        <a:rPr lang="pt-BR" sz="900">
                           <a:latin typeface="AdobeClean-Light"/>
                           <a:cs typeface="AdobeClean-Light"/>
                         </a:rPr>
-                        <a:t>Sesiones con expertos al año</a:t>
+                        <a:t>Sessões de especialistas por ano</a:t>
                       </a:r>
                     </a:p>
                   </a:txBody>
@@ -5853,7 +5646,7 @@
                         </a:lnSpc>
                       </a:pPr>
                       <a:r>
-                        <a:rPr lang="es-ES" sz="900">
+                        <a:rPr lang="pt-BR" sz="900">
                           <a:latin typeface="Times New Roman"/>
                           <a:cs typeface="Times New Roman"/>
                         </a:rPr>
@@ -5900,11 +5693,11 @@
                         </a:spcBef>
                       </a:pPr>
                       <a:r>
-                        <a:rPr lang="es-ES" sz="900">
+                        <a:rPr lang="pt-BR" sz="900">
                           <a:latin typeface="AdobeClean-Light"/>
                           <a:cs typeface="AdobeClean-Light"/>
                         </a:rPr>
-                        <a:t>Reseñas de casos</a:t>
+                        <a:t>Revisões de caso</a:t>
                       </a:r>
                     </a:p>
                   </a:txBody>
@@ -5981,7 +5774,7 @@
                         <a:defRPr/>
                       </a:pPr>
                       <a:r>
-                        <a:rPr lang="es-ES" sz="900">
+                        <a:rPr lang="pt-BR" sz="900">
                           <a:solidFill>
                             <a:srgbClr val="020302"/>
                           </a:solidFill>
@@ -6070,14 +5863,14 @@
                         </a:spcBef>
                       </a:pPr>
                       <a:r>
-                        <a:rPr lang="es-ES" sz="900" dirty="0">
+                        <a:rPr lang="pt-BR" sz="900">
                           <a:solidFill>
                             <a:srgbClr val="020302"/>
                           </a:solidFill>
                           <a:latin typeface="AdobeClean-Light"/>
                           <a:cs typeface="AdobeClean-Light"/>
                         </a:rPr>
-                        <a:t>Gestión de eventos</a:t>
+                        <a:t>Gerenciamento de eventos</a:t>
                       </a:r>
                     </a:p>
                   </a:txBody>
@@ -6154,7 +5947,7 @@
                         <a:defRPr/>
                       </a:pPr>
                       <a:r>
-                        <a:rPr lang="es-ES" sz="900">
+                        <a:rPr lang="pt-BR" sz="900">
                           <a:solidFill>
                             <a:srgbClr val="020302"/>
                           </a:solidFill>
@@ -6234,14 +6027,14 @@
                         </a:spcBef>
                       </a:pPr>
                       <a:r>
-                        <a:rPr lang="es-ES" sz="900">
+                        <a:rPr lang="pt-BR" sz="900">
                           <a:solidFill>
                             <a:srgbClr val="020302"/>
                           </a:solidFill>
                           <a:latin typeface="AdobeClean-Light"/>
                           <a:cs typeface="AdobeClean-Light"/>
                         </a:rPr>
-                        <a:t>Revisión, mantenimiento y monitorización del entorno</a:t>
+                        <a:t>Revisão, manutenção e monitoramento do ambiente</a:t>
                       </a:r>
                     </a:p>
                   </a:txBody>
@@ -6312,7 +6105,7 @@
                         <a:defRPr/>
                       </a:pPr>
                       <a:r>
-                        <a:rPr lang="es-ES" sz="900">
+                        <a:rPr lang="pt-BR" sz="900">
                           <a:solidFill>
                             <a:srgbClr val="020302"/>
                           </a:solidFill>
@@ -6392,14 +6185,14 @@
                         </a:spcBef>
                       </a:pPr>
                       <a:r>
-                        <a:rPr lang="es-ES" sz="850" spc="-40" baseline="0" dirty="0">
+                        <a:rPr lang="pt-BR" sz="900">
                           <a:solidFill>
                             <a:srgbClr val="020302"/>
                           </a:solidFill>
                           <a:latin typeface="AdobeClean-Light"/>
                           <a:cs typeface="AdobeClean-Light"/>
                         </a:rPr>
-                        <a:t>Lanzamiento, migración, actualización y revisión de la hoja de ruta del producto</a:t>
+                        <a:t>Revisão de versão, migração, atualização e roteiro de produtos</a:t>
                       </a:r>
                     </a:p>
                   </a:txBody>
@@ -6470,7 +6263,7 @@
                         <a:defRPr/>
                       </a:pPr>
                       <a:r>
-                        <a:rPr lang="es-ES" sz="900">
+                        <a:rPr lang="pt-BR" sz="900">
                           <a:solidFill>
                             <a:srgbClr val="020302"/>
                           </a:solidFill>
@@ -6559,11 +6352,11 @@
                         </a:spcBef>
                       </a:pPr>
                       <a:r>
-                        <a:rPr lang="es-ES" sz="900">
+                        <a:rPr lang="pt-BR" sz="900">
                           <a:latin typeface="AdobeClean-Light"/>
                           <a:cs typeface="AdobeClean-Light"/>
                         </a:rPr>
-                        <a:t>Actividades de asistencia en la nube: Experience Manager as Cloud</a:t>
+                        <a:t>Atividades de suporte na nuvem — Experience Manager as Cloud</a:t>
                       </a:r>
                     </a:p>
                   </a:txBody>
@@ -6649,7 +6442,7 @@
                         <a:defRPr/>
                       </a:pPr>
                       <a:r>
-                        <a:rPr lang="es-ES" sz="900">
+                        <a:rPr lang="pt-BR" sz="900">
                           <a:solidFill>
                             <a:srgbClr val="020302"/>
                           </a:solidFill>
@@ -6698,14 +6491,14 @@
                         </a:spcBef>
                       </a:pPr>
                       <a:r>
-                        <a:rPr lang="es-ES" sz="1000" b="1" i="0">
+                        <a:rPr lang="pt-BR" sz="1000" b="1" i="0">
                           <a:solidFill>
                             <a:schemeClr val="bg1"/>
                           </a:solidFill>
                           <a:latin typeface="Adobe Clean" panose="020B0503020404020204" pitchFamily="34" charset="0"/>
                           <a:cs typeface="AdobeClean-Light"/>
                         </a:rPr>
-                        <a:t>Servicios de campo</a:t>
+                        <a:t>Serviços de campo</a:t>
                       </a:r>
                     </a:p>
                   </a:txBody>
@@ -6759,14 +6552,14 @@
                         </a:spcBef>
                       </a:pPr>
                       <a:r>
-                        <a:rPr lang="es-ES" sz="900">
+                        <a:rPr lang="pt-BR" sz="900">
                           <a:solidFill>
                             <a:srgbClr val="020302"/>
                           </a:solidFill>
                           <a:latin typeface="AdobeClean-Light"/>
                           <a:cs typeface="AdobeClean-Light"/>
                         </a:rPr>
-                        <a:t>Servicios de Launch Advisory: primer año de la nueva solución</a:t>
+                        <a:t>Launch Advisory Services — primeiro ano da nova solução</a:t>
                       </a:r>
                     </a:p>
                   </a:txBody>
@@ -6878,7 +6671,7 @@
                         <a:defRPr/>
                       </a:pPr>
                       <a:r>
-                        <a:rPr lang="es-ES" sz="900">
+                        <a:rPr lang="pt-BR" sz="900">
                           <a:solidFill>
                             <a:srgbClr val="020302"/>
                           </a:solidFill>
@@ -6965,11 +6758,11 @@
                         <a:defRPr/>
                       </a:pPr>
                       <a:r>
-                        <a:rPr lang="es-ES" sz="900">
+                        <a:rPr lang="pt-BR" sz="900">
                           <a:latin typeface="AdobeClean-Light"/>
                           <a:cs typeface="AdobeClean-Light"/>
                         </a:rPr>
-                        <a:t>Actividades del servicio de campo </a:t>
+                        <a:t>Atividades de serviço de campo </a:t>
                       </a:r>
                     </a:p>
                   </a:txBody>
@@ -7052,7 +6845,7 @@
                     <a:p>
                       <a:pPr algn="ctr"/>
                       <a:r>
-                        <a:rPr lang="es-ES" sz="900" dirty="0">
+                        <a:rPr lang="pt-BR" sz="900" dirty="0">
                           <a:latin typeface="Times New Roman"/>
                           <a:cs typeface="Times New Roman"/>
                         </a:rPr>
@@ -7149,7 +6942,7 @@
         <p:spPr>
           <a:xfrm>
             <a:off x="357339" y="897486"/>
-            <a:ext cx="2004860" cy="45719"/>
+            <a:ext cx="1942628" cy="45719"/>
           </a:xfrm>
           <a:custGeom>
             <a:avLst/>
@@ -7190,8 +6983,8 @@
         </p:nvSpPr>
         <p:spPr>
           <a:xfrm>
-            <a:off x="357338" y="608961"/>
-            <a:ext cx="2004861" cy="228268"/>
+            <a:off x="357339" y="608961"/>
+            <a:ext cx="2407636" cy="228268"/>
           </a:xfrm>
           <a:prstGeom prst="rect">
             <a:avLst/>
@@ -7212,14 +7005,14 @@
               </a:spcBef>
             </a:pPr>
             <a:r>
-              <a:rPr lang="es-ES" sz="1400" b="1" dirty="0">
+              <a:rPr lang="pt-BR" sz="1400" b="1" dirty="0">
                 <a:solidFill>
                   <a:srgbClr val="020302"/>
                 </a:solidFill>
                 <a:latin typeface="Adobe Clean"/>
                 <a:cs typeface="Adobe Clean"/>
               </a:rPr>
-              <a:t>Funciones de soporte Elite</a:t>
+              <a:t>Recursos do Suporte Elite</a:t>
             </a:r>
           </a:p>
         </p:txBody>
@@ -7233,7 +7026,7 @@
         <p:spPr>
           <a:xfrm>
             <a:off x="2868167" y="1433668"/>
-            <a:ext cx="2465198" cy="936154"/>
+            <a:ext cx="2194560" cy="936154"/>
           </a:xfrm>
           <a:prstGeom prst="rect">
             <a:avLst/>
@@ -7254,14 +7047,14 @@
               </a:spcBef>
             </a:pPr>
             <a:r>
-              <a:rPr lang="es-ES" sz="1000" dirty="0">
+              <a:rPr lang="pt-BR" sz="1000" dirty="0">
                 <a:solidFill>
                   <a:srgbClr val="4B4B4B"/>
                 </a:solidFill>
                 <a:latin typeface="AdobeClean-Light"/>
                 <a:cs typeface="AdobeClean-Light"/>
               </a:rPr>
-              <a:t>Un ingeniero de asistencia técnica </a:t>
+              <a:t>Um engenheiro de suporte designado, familiarizado com seu ambiente de solução e objetivos de negócios. O engenheiro </a:t>
             </a:r>
             <a:br>
               <a:rPr lang="sk-SK" sz="1000" dirty="0">
@@ -7273,14 +7066,14 @@
               </a:rPr>
             </a:br>
             <a:r>
-              <a:rPr lang="es-ES" sz="1000" dirty="0">
+              <a:rPr lang="pt-BR" sz="1000" dirty="0">
                 <a:solidFill>
                   <a:srgbClr val="4B4B4B"/>
                 </a:solidFill>
                 <a:latin typeface="AdobeClean-Light"/>
                 <a:cs typeface="AdobeClean-Light"/>
               </a:rPr>
-              <a:t>especializado que esté familiarizado con </a:t>
+              <a:t>é um profissional experiente que ajuda </a:t>
             </a:r>
             <a:br>
               <a:rPr lang="sk-SK" sz="1000" dirty="0">
@@ -7292,14 +7085,14 @@
               </a:rPr>
             </a:br>
             <a:r>
-              <a:rPr lang="es-ES" sz="1000" dirty="0">
+              <a:rPr lang="pt-BR" sz="1000" dirty="0">
                 <a:solidFill>
                   <a:srgbClr val="4B4B4B"/>
                 </a:solidFill>
                 <a:latin typeface="AdobeClean-Light"/>
                 <a:cs typeface="AdobeClean-Light"/>
               </a:rPr>
-              <a:t>el entorno de su solución y sus objetivos empresariales. Es un ingeniero de asistencia técnica experimentado que le ayudará </a:t>
+              <a:t>a coordenar sua experiência </a:t>
             </a:r>
             <a:br>
               <a:rPr lang="sk-SK" sz="1000" dirty="0">
@@ -7311,14 +7104,14 @@
               </a:rPr>
             </a:br>
             <a:r>
-              <a:rPr lang="es-ES" sz="1000" dirty="0">
+              <a:rPr lang="pt-BR" sz="1000" dirty="0">
                 <a:solidFill>
                   <a:srgbClr val="4B4B4B"/>
                 </a:solidFill>
                 <a:latin typeface="AdobeClean-Light"/>
                 <a:cs typeface="AdobeClean-Light"/>
               </a:rPr>
-              <a:t>a coordinar su experiencia de soporte Enterprise.</a:t>
+              <a:t>no Suporte Enterprise.</a:t>
             </a:r>
           </a:p>
         </p:txBody>
@@ -7339,7 +7132,7 @@
         </p:blipFill>
         <p:spPr>
           <a:xfrm>
-            <a:off x="2768925" y="973601"/>
+            <a:off x="2768925" y="1066800"/>
             <a:ext cx="365760" cy="365760"/>
           </a:xfrm>
           <a:prstGeom prst="rect">
@@ -7379,8 +7172,8 @@
         </p:nvSpPr>
         <p:spPr>
           <a:xfrm>
-            <a:off x="5333364" y="1433668"/>
-            <a:ext cx="2461775" cy="843821"/>
+            <a:off x="5333365" y="1433668"/>
+            <a:ext cx="2413310" cy="936154"/>
           </a:xfrm>
           <a:prstGeom prst="rect">
             <a:avLst/>
@@ -7401,52 +7194,14 @@
               </a:spcBef>
             </a:pPr>
             <a:r>
-              <a:rPr lang="es-ES" sz="900" dirty="0">
+              <a:rPr lang="pt-BR" sz="1000" dirty="0">
                 <a:solidFill>
                   <a:srgbClr val="4B4B4B"/>
                 </a:solidFill>
                 <a:latin typeface="AdobeClean-Light"/>
                 <a:cs typeface="AdobeClean-Light"/>
               </a:rPr>
-              <a:t>Revisión programada periódica de las solicitudes </a:t>
-            </a:r>
-            <a:br>
-              <a:rPr lang="sk-SK" sz="900" dirty="0">
-                <a:solidFill>
-                  <a:srgbClr val="4B4B4B"/>
-                </a:solidFill>
-                <a:latin typeface="AdobeClean-Light"/>
-                <a:cs typeface="AdobeClean-Light"/>
-              </a:rPr>
-            </a:br>
-            <a:r>
-              <a:rPr lang="es-ES" sz="900" dirty="0">
-                <a:solidFill>
-                  <a:srgbClr val="4B4B4B"/>
-                </a:solidFill>
-                <a:latin typeface="AdobeClean-Light"/>
-                <a:cs typeface="AdobeClean-Light"/>
-              </a:rPr>
-              <a:t>de soporte abiertas, lo que garantiza la alineación del cliente en la descripción de casos, el impacto empresarial, el estado, la prioridad y el acuerdo </a:t>
-            </a:r>
-            <a:br>
-              <a:rPr lang="sk-SK" sz="900" dirty="0">
-                <a:solidFill>
-                  <a:srgbClr val="4B4B4B"/>
-                </a:solidFill>
-                <a:latin typeface="AdobeClean-Light"/>
-                <a:cs typeface="AdobeClean-Light"/>
-              </a:rPr>
-            </a:br>
-            <a:r>
-              <a:rPr lang="es-ES" sz="900" dirty="0">
-                <a:solidFill>
-                  <a:srgbClr val="4B4B4B"/>
-                </a:solidFill>
-                <a:latin typeface="AdobeClean-Light"/>
-                <a:cs typeface="AdobeClean-Light"/>
-              </a:rPr>
-              <a:t>en cuanto a los siguientes pasos necesarios para garantizar una solución adecuada.</a:t>
+              <a:t>Revisão regular das solicitações de suporte abertas, garantindo o alinhamento do cliente considerando a descrição do caso, o impacto nos negócios, o status, a prioridade e o acordo sobre as próximas etapas necessárias para garantir uma resolução adequada.</a:t>
             </a:r>
           </a:p>
         </p:txBody>
@@ -7483,8 +7238,8 @@
         </p:nvSpPr>
         <p:spPr>
           <a:xfrm>
-            <a:off x="324341" y="1433668"/>
-            <a:ext cx="2194560" cy="936154"/>
+            <a:off x="324340" y="1433668"/>
+            <a:ext cx="2413309" cy="782265"/>
           </a:xfrm>
           <a:prstGeom prst="rect">
             <a:avLst/>
@@ -7505,33 +7260,14 @@
               </a:spcBef>
             </a:pPr>
             <a:r>
-              <a:rPr lang="es-ES" sz="1000" dirty="0">
+              <a:rPr lang="pt-BR" sz="1000" dirty="0">
                 <a:solidFill>
                   <a:srgbClr val="020302"/>
                 </a:solidFill>
                 <a:latin typeface="AdobeClean-Light"/>
                 <a:cs typeface="AdobeClean-Light"/>
               </a:rPr>
-              <a:t>Un gestor técnico de cuentas particular para supervisar su experiencia con Elite, coordinar las contrataciones de asistencia y los servicios de campo, y proporcionar servicios proactivos para maximizar </a:t>
-            </a:r>
-            <a:br>
-              <a:rPr lang="sk-SK" sz="1000" dirty="0">
-                <a:solidFill>
-                  <a:srgbClr val="020302"/>
-                </a:solidFill>
-                <a:latin typeface="AdobeClean-Light"/>
-                <a:cs typeface="AdobeClean-Light"/>
-              </a:rPr>
-            </a:br>
-            <a:r>
-              <a:rPr lang="es-ES" sz="1000" dirty="0">
-                <a:solidFill>
-                  <a:srgbClr val="020302"/>
-                </a:solidFill>
-                <a:latin typeface="AdobeClean-Light"/>
-                <a:cs typeface="AdobeClean-Light"/>
-              </a:rPr>
-              <a:t>el valor empresarial.</a:t>
+              <a:t>Um Gerente técnico de conta designado para supervisionar sua experiência com o Elite, coordenar o suporte e os contratos de serviços de campo e fornecer serviços proativos para maximizar o seu valor comercial.</a:t>
             </a:r>
           </a:p>
         </p:txBody>
@@ -7544,7 +7280,7 @@
         </p:nvSpPr>
         <p:spPr>
           <a:xfrm>
-            <a:off x="689237" y="1033046"/>
+            <a:off x="689237" y="1126245"/>
             <a:ext cx="2194560" cy="169277"/>
           </a:xfrm>
           <a:prstGeom prst="rect">
@@ -7566,14 +7302,14 @@
               </a:spcBef>
             </a:pPr>
             <a:r>
-              <a:rPr lang="es-ES" sz="1100" b="1">
+              <a:rPr lang="pt-BR" sz="1100" b="1">
                 <a:solidFill>
                   <a:srgbClr val="020302"/>
                 </a:solidFill>
                 <a:latin typeface="Adobe Clean" panose="020B0503020404020204" pitchFamily="34" charset="0"/>
                 <a:cs typeface="Arial"/>
               </a:rPr>
-              <a:t>Gestor técnico de cuentas</a:t>
+              <a:t>Gerente técnico de conta</a:t>
             </a:r>
           </a:p>
         </p:txBody>
@@ -7594,7 +7330,7 @@
         </p:blipFill>
         <p:spPr>
           <a:xfrm>
-            <a:off x="228600" y="973601"/>
+            <a:off x="228600" y="1066800"/>
             <a:ext cx="365760" cy="365760"/>
           </a:xfrm>
           <a:prstGeom prst="rect">
@@ -7618,7 +7354,7 @@
         </p:blipFill>
         <p:spPr>
           <a:xfrm>
-            <a:off x="5257800" y="973601"/>
+            <a:off x="5257800" y="1066800"/>
             <a:ext cx="365760" cy="365760"/>
           </a:xfrm>
           <a:prstGeom prst="rect">
@@ -7634,8 +7370,8 @@
         </p:nvSpPr>
         <p:spPr>
           <a:xfrm>
-            <a:off x="2791726" y="5243920"/>
-            <a:ext cx="2194560" cy="672172"/>
+            <a:off x="2791725" y="5243920"/>
+            <a:ext cx="2393319" cy="499111"/>
           </a:xfrm>
           <a:prstGeom prst="rect">
             <a:avLst/>
@@ -7656,14 +7392,14 @@
               </a:spcBef>
             </a:pPr>
             <a:r>
-              <a:rPr lang="es-ES" sz="1000" dirty="0">
+              <a:rPr lang="pt-BR" sz="1000" dirty="0">
                 <a:solidFill>
                   <a:srgbClr val="020302"/>
                 </a:solidFill>
                 <a:latin typeface="AdobeClean-Light"/>
                 <a:cs typeface="AdobeClean-Light"/>
               </a:rPr>
-              <a:t>Transferencia de conocimientos en curso del equipo de soporte de Adobe para ofrecer prácticas recomendadas sobre el uso de la solución.</a:t>
+              <a:t>Transferência contínua de conhecimento da equipe de suporte da Adobe para fornecer práticas recomendadas sobre o uso da solução.</a:t>
             </a:r>
           </a:p>
         </p:txBody>
@@ -7676,8 +7412,8 @@
         </p:nvSpPr>
         <p:spPr>
           <a:xfrm>
-            <a:off x="5265660" y="5243920"/>
-            <a:ext cx="2278139" cy="669927"/>
+            <a:off x="5265661" y="5243920"/>
+            <a:ext cx="2194560" cy="669927"/>
           </a:xfrm>
           <a:prstGeom prst="rect">
             <a:avLst/>
@@ -7698,14 +7434,14 @@
               </a:spcBef>
             </a:pPr>
             <a:r>
-              <a:rPr lang="es-ES" sz="1000" dirty="0">
+              <a:rPr lang="pt-BR" sz="1000">
                 <a:solidFill>
                   <a:srgbClr val="020302"/>
                 </a:solidFill>
                 <a:latin typeface="AdobeClean-Light"/>
                 <a:cs typeface="AdobeClean-Light"/>
               </a:rPr>
-              <a:t>Administre eventos clave para garantizar que dispone del nivel adecuado de asistencia, cobertura y plan de mitigación durante esos hitos clave empresariales y de proyecto.</a:t>
+              <a:t>Gerencie eventos importantes para garantir o nível certo de suporte, cobertura e plano de mitigação durante marcos importantes de negócios e projetos.</a:t>
             </a:r>
           </a:p>
         </p:txBody>
@@ -7718,8 +7454,8 @@
         </p:nvSpPr>
         <p:spPr>
           <a:xfrm>
-            <a:off x="324340" y="5262204"/>
-            <a:ext cx="2428139" cy="631070"/>
+            <a:off x="324340" y="5228045"/>
+            <a:ext cx="2374093" cy="791755"/>
           </a:xfrm>
           <a:prstGeom prst="rect">
             <a:avLst/>
@@ -7740,16 +7476,16 @@
               </a:spcBef>
             </a:pPr>
             <a:r>
-              <a:rPr lang="es-ES" sz="900" dirty="0">
+              <a:rPr lang="pt-BR" sz="900" dirty="0">
                 <a:solidFill>
                   <a:srgbClr val="020302"/>
                 </a:solidFill>
                 <a:latin typeface="AdobeClean-Light"/>
                 <a:cs typeface="AdobeClean-Light"/>
               </a:rPr>
-              <a:t>Reciba orientación personalizada sobre las nuevas funciones de los productos para</a:t>
-            </a:r>
-            <a:r>
+              <a:t>Receba orientação personalizada sobre novos recursos do produto para aproveitar as vantagens das inovações mais recentes e solicite aos especialistas da Adobe que revisem os planos </a:t>
+            </a:r>
+            <a:br>
               <a:rPr lang="sk-SK" sz="900" dirty="0">
                 <a:solidFill>
                   <a:srgbClr val="020302"/>
@@ -7757,17 +7493,16 @@
                 <a:latin typeface="AdobeClean-Light"/>
                 <a:cs typeface="AdobeClean-Light"/>
               </a:rPr>
-              <a:t> </a:t>
-            </a:r>
-            <a:r>
-              <a:rPr lang="es-ES" sz="900" dirty="0">
+            </a:br>
+            <a:r>
+              <a:rPr lang="pt-BR" sz="900" dirty="0">
                 <a:solidFill>
                   <a:srgbClr val="020302"/>
                 </a:solidFill>
                 <a:latin typeface="AdobeClean-Light"/>
                 <a:cs typeface="AdobeClean-Light"/>
               </a:rPr>
-              <a:t>aprovechar las últimas innovaciones, y pida a los expertos en Adobe que revisen la versión y el plan de actualización.</a:t>
+              <a:t>de versão e atualização.</a:t>
             </a:r>
           </a:p>
         </p:txBody>
@@ -7780,7 +7515,7 @@
         </p:nvSpPr>
         <p:spPr>
           <a:xfrm>
-            <a:off x="97786" y="9888626"/>
+            <a:off x="97786" y="9888625"/>
             <a:ext cx="2912693" cy="133370"/>
           </a:xfrm>
           <a:prstGeom prst="rect">
@@ -7802,94 +7537,14 @@
               </a:spcBef>
             </a:pPr>
             <a:r>
-              <a:rPr lang="es-ES" sz="800" dirty="0">
+              <a:rPr lang="pt-BR" sz="800" dirty="0">
                 <a:solidFill>
                   <a:srgbClr val="6D6D6D"/>
                 </a:solidFill>
                 <a:latin typeface="Adobe Clean"/>
                 <a:cs typeface="Adobe Clean"/>
               </a:rPr>
-              <a:t>©2021 Adobe. </a:t>
-            </a:r>
-            <a:r>
-              <a:rPr lang="es-ES" sz="800" dirty="0" err="1">
-                <a:solidFill>
-                  <a:srgbClr val="6D6D6D"/>
-                </a:solidFill>
-                <a:latin typeface="Adobe Clean"/>
-                <a:cs typeface="Adobe Clean"/>
-              </a:rPr>
-              <a:t>All</a:t>
-            </a:r>
-            <a:r>
-              <a:rPr lang="es-ES" sz="800" dirty="0">
-                <a:solidFill>
-                  <a:srgbClr val="6D6D6D"/>
-                </a:solidFill>
-                <a:latin typeface="Adobe Clean"/>
-                <a:cs typeface="Adobe Clean"/>
-              </a:rPr>
-              <a:t> </a:t>
-            </a:r>
-            <a:r>
-              <a:rPr lang="es-ES" sz="800" dirty="0" err="1">
-                <a:solidFill>
-                  <a:srgbClr val="6D6D6D"/>
-                </a:solidFill>
-                <a:latin typeface="Adobe Clean"/>
-                <a:cs typeface="Adobe Clean"/>
-              </a:rPr>
-              <a:t>Rights</a:t>
-            </a:r>
-            <a:r>
-              <a:rPr lang="es-ES" sz="800" dirty="0">
-                <a:solidFill>
-                  <a:srgbClr val="6D6D6D"/>
-                </a:solidFill>
-                <a:latin typeface="Adobe Clean"/>
-                <a:cs typeface="Adobe Clean"/>
-              </a:rPr>
-              <a:t> </a:t>
-            </a:r>
-            <a:r>
-              <a:rPr lang="es-ES" sz="800" dirty="0" err="1">
-                <a:solidFill>
-                  <a:srgbClr val="6D6D6D"/>
-                </a:solidFill>
-                <a:latin typeface="Adobe Clean"/>
-                <a:cs typeface="Adobe Clean"/>
-              </a:rPr>
-              <a:t>Reserved</a:t>
-            </a:r>
-            <a:r>
-              <a:rPr lang="es-ES" sz="800" dirty="0">
-                <a:solidFill>
-                  <a:srgbClr val="6D6D6D"/>
-                </a:solidFill>
-                <a:latin typeface="Adobe Clean"/>
-                <a:cs typeface="Adobe Clean"/>
-              </a:rPr>
-              <a:t>. Adobe </a:t>
-            </a:r>
-            <a:r>
-              <a:rPr lang="es-ES" sz="800" dirty="0" err="1">
-                <a:solidFill>
-                  <a:srgbClr val="6D6D6D"/>
-                </a:solidFill>
-                <a:latin typeface="Adobe Clean"/>
-                <a:cs typeface="Adobe Clean"/>
-              </a:rPr>
-              <a:t>Confidential</a:t>
-            </a:r>
-            <a:r>
-              <a:rPr lang="es-ES" sz="800" dirty="0">
-                <a:solidFill>
-                  <a:srgbClr val="6D6D6D"/>
-                </a:solidFill>
-                <a:latin typeface="Adobe Clean"/>
-                <a:cs typeface="Adobe Clean"/>
-              </a:rPr>
-              <a:t>.</a:t>
+              <a:t>©2021 Adobe. All Rights Reserved. Adobe Confidential.</a:t>
             </a:r>
           </a:p>
         </p:txBody>
@@ -7948,7 +7603,7 @@
         <p:spPr>
           <a:xfrm>
             <a:off x="2791726" y="9060487"/>
-            <a:ext cx="2255260" cy="795089"/>
+            <a:ext cx="2194560" cy="641201"/>
           </a:xfrm>
           <a:prstGeom prst="rect">
             <a:avLst/>
@@ -7972,14 +7627,14 @@
               </a:tabLst>
             </a:pPr>
             <a:r>
-              <a:rPr lang="es-ES" sz="1000" dirty="0">
+              <a:rPr lang="pt-BR" sz="1000" dirty="0">
                 <a:solidFill>
                   <a:srgbClr val="020302"/>
                 </a:solidFill>
                 <a:latin typeface="AdobeClean-Light"/>
                 <a:cs typeface="AdobeClean-Light"/>
               </a:rPr>
-              <a:t>Inicie una sesión de chat para obtener respuestas y ayuda con el envío de casos.</a:t>
+              <a:t>Inicie uma sessão de chat para obter respostas e ajuda com o envio de caso</a:t>
             </a:r>
           </a:p>
           <a:p>
@@ -7995,17 +7650,36 @@
               </a:tabLst>
             </a:pPr>
             <a:r>
-              <a:rPr lang="es-ES" sz="1000" i="1" dirty="0">
+              <a:rPr lang="pt-BR" sz="1000" i="1" dirty="0">
                 <a:solidFill>
                   <a:srgbClr val="7A7A7A"/>
                 </a:solidFill>
                 <a:latin typeface="AdobeClean-LightIt"/>
                 <a:cs typeface="AdobeClean-LightIt"/>
               </a:rPr>
-              <a:t>* No todos los productos ofrecen la opción de disfrutar de asistencia mediante chat en directo</a:t>
-            </a:r>
-            <a:r>
-              <a:rPr lang="es-ES" sz="900" i="1" dirty="0">
+              <a:t>*Nem todos os produtos têm suporte </a:t>
+            </a:r>
+            <a:br>
+              <a:rPr lang="sk-SK" sz="1000" i="1" dirty="0">
+                <a:solidFill>
+                  <a:srgbClr val="7A7A7A"/>
+                </a:solidFill>
+                <a:latin typeface="AdobeClean-LightIt"/>
+                <a:cs typeface="AdobeClean-LightIt"/>
+              </a:rPr>
+            </a:br>
+            <a:r>
+              <a:rPr lang="pt-BR" sz="1000" i="1" dirty="0">
+                <a:solidFill>
+                  <a:srgbClr val="7A7A7A"/>
+                </a:solidFill>
+                <a:latin typeface="AdobeClean-LightIt"/>
+                <a:cs typeface="AdobeClean-LightIt"/>
+              </a:rPr>
+              <a:t>de chat ao vivo</a:t>
+            </a:r>
+            <a:r>
+              <a:rPr lang="pt-BR" sz="900" i="1" dirty="0">
                 <a:solidFill>
                   <a:srgbClr val="7A7A7A"/>
                 </a:solidFill>
@@ -8060,12 +7734,12 @@
               <a:defRPr/>
             </a:pPr>
             <a:r>
-              <a:rPr lang="es-ES" sz="1200">
+              <a:rPr lang="pt-BR" sz="1200">
                 <a:solidFill>
                   <a:srgbClr val="000000"/>
                 </a:solidFill>
               </a:rPr>
-              <a:t>Foros de la comunidad</a:t>
+              <a:t>Fóruns da comunidade</a:t>
             </a:r>
           </a:p>
         </p:txBody>
@@ -8108,12 +7782,12 @@
               </a:spcAft>
             </a:pPr>
             <a:r>
-              <a:rPr lang="es-ES" sz="1200" b="1">
+              <a:rPr lang="pt-BR" sz="1200" b="1">
                 <a:latin typeface="+mj-lt"/>
                 <a:ea typeface="Open Sans" pitchFamily="34" charset="0"/>
                 <a:cs typeface="Open Sans" pitchFamily="34" charset="0"/>
               </a:rPr>
-              <a:t>Foros en línea</a:t>
+              <a:t>Fóruns online</a:t>
             </a:r>
           </a:p>
         </p:txBody>
@@ -8133,7 +7807,7 @@
         <p:spPr>
           <a:xfrm>
             <a:off x="324341" y="7152361"/>
-            <a:ext cx="2194560" cy="1267014"/>
+            <a:ext cx="2194560" cy="959237"/>
           </a:xfrm>
           <a:prstGeom prst="rect">
             <a:avLst/>
@@ -8146,115 +7820,13 @@
           <a:lstStyle/>
           <a:p>
             <a:r>
-              <a:rPr lang="es-ES" sz="1000" dirty="0">
+              <a:rPr lang="pt-BR" sz="1000">
                 <a:solidFill>
                   <a:srgbClr val="4B4B4B"/>
                 </a:solidFill>
                 <a:latin typeface="Adobe Clean Light" panose="020B0303020404020204" pitchFamily="34" charset="0"/>
               </a:rPr>
-              <a:t>Acceso continuo en línea a una base </a:t>
-            </a:r>
-            <a:br>
-              <a:rPr lang="sk-SK" sz="1000" dirty="0">
-                <a:solidFill>
-                  <a:srgbClr val="4B4B4B"/>
-                </a:solidFill>
-                <a:latin typeface="Adobe Clean Light" panose="020B0303020404020204" pitchFamily="34" charset="0"/>
-              </a:rPr>
-            </a:br>
-            <a:r>
-              <a:rPr lang="es-ES" sz="1000" dirty="0">
-                <a:solidFill>
-                  <a:srgbClr val="4B4B4B"/>
-                </a:solidFill>
-                <a:latin typeface="Adobe Clean Light" panose="020B0303020404020204" pitchFamily="34" charset="0"/>
-              </a:rPr>
-              <a:t>de datos donde encontrará cada vez más soluciones técnicas, documentación </a:t>
-            </a:r>
-            <a:br>
-              <a:rPr lang="sk-SK" sz="1000" dirty="0">
-                <a:solidFill>
-                  <a:srgbClr val="4B4B4B"/>
-                </a:solidFill>
-                <a:latin typeface="Adobe Clean Light" panose="020B0303020404020204" pitchFamily="34" charset="0"/>
-              </a:rPr>
-            </a:br>
-            <a:r>
-              <a:rPr lang="es-ES" sz="1000" dirty="0">
-                <a:solidFill>
-                  <a:srgbClr val="4B4B4B"/>
-                </a:solidFill>
-                <a:latin typeface="Adobe Clean Light" panose="020B0303020404020204" pitchFamily="34" charset="0"/>
-              </a:rPr>
-              <a:t>de productos, preguntas frecuentes </a:t>
-            </a:r>
-            <a:br>
-              <a:rPr lang="sk-SK" sz="1000" dirty="0">
-                <a:solidFill>
-                  <a:srgbClr val="4B4B4B"/>
-                </a:solidFill>
-                <a:latin typeface="Adobe Clean Light" panose="020B0303020404020204" pitchFamily="34" charset="0"/>
-              </a:rPr>
-            </a:br>
-            <a:r>
-              <a:rPr lang="es-ES" sz="1000" dirty="0">
-                <a:solidFill>
-                  <a:srgbClr val="4B4B4B"/>
-                </a:solidFill>
-                <a:latin typeface="Adobe Clean Light" panose="020B0303020404020204" pitchFamily="34" charset="0"/>
-              </a:rPr>
-              <a:t>y mucho más. Hable con profesionales </a:t>
-            </a:r>
-            <a:br>
-              <a:rPr lang="sk-SK" sz="1000" dirty="0">
-                <a:solidFill>
-                  <a:srgbClr val="4B4B4B"/>
-                </a:solidFill>
-                <a:latin typeface="Adobe Clean Light" panose="020B0303020404020204" pitchFamily="34" charset="0"/>
-              </a:rPr>
-            </a:br>
-            <a:r>
-              <a:rPr lang="es-ES" sz="1000" dirty="0">
-                <a:solidFill>
-                  <a:srgbClr val="4B4B4B"/>
-                </a:solidFill>
-                <a:latin typeface="Adobe Clean Light" panose="020B0303020404020204" pitchFamily="34" charset="0"/>
-              </a:rPr>
-              <a:t>y otros clientes en la Comunidad de Adobe </a:t>
-            </a:r>
-            <a:br>
-              <a:rPr lang="sk-SK" sz="1000" dirty="0">
-                <a:solidFill>
-                  <a:srgbClr val="4B4B4B"/>
-                </a:solidFill>
-                <a:latin typeface="Adobe Clean Light" panose="020B0303020404020204" pitchFamily="34" charset="0"/>
-              </a:rPr>
-            </a:br>
-            <a:r>
-              <a:rPr lang="es-ES" sz="1000" dirty="0">
-                <a:solidFill>
-                  <a:srgbClr val="4B4B4B"/>
-                </a:solidFill>
-                <a:latin typeface="Adobe Clean Light" panose="020B0303020404020204" pitchFamily="34" charset="0"/>
-              </a:rPr>
-              <a:t>para compartir prácticas recomendadas </a:t>
-            </a:r>
-            <a:br>
-              <a:rPr lang="sk-SK" sz="1000" dirty="0">
-                <a:solidFill>
-                  <a:srgbClr val="4B4B4B"/>
-                </a:solidFill>
-                <a:latin typeface="Adobe Clean Light" panose="020B0303020404020204" pitchFamily="34" charset="0"/>
-              </a:rPr>
-            </a:br>
-            <a:r>
-              <a:rPr lang="es-ES" sz="1000" dirty="0">
-                <a:solidFill>
-                  <a:srgbClr val="4B4B4B"/>
-                </a:solidFill>
-                <a:latin typeface="Adobe Clean Light" panose="020B0303020404020204" pitchFamily="34" charset="0"/>
-              </a:rPr>
-              <a:t>y lecciones aprendidas.</a:t>
+              <a:t>Acesso online contínuo a um banco de dados cada vez maior de soluções técnicas, documentação do produto, perguntas frequentes e muito mais. Conecte-se com profissionais e outros clientes na Comunidade da Adobe para compartilhar práticas recomendadas e lições aprendidas</a:t>
             </a:r>
           </a:p>
         </p:txBody>
@@ -8302,7 +7874,7 @@
               <a:defRPr/>
             </a:pPr>
             <a:r>
-              <a:rPr lang="es-ES" sz="1200">
+              <a:rPr lang="pt-BR" sz="1200">
                 <a:solidFill>
                   <a:srgbClr val="000000"/>
                 </a:solidFill>
@@ -8350,12 +7922,12 @@
               </a:spcAft>
             </a:pPr>
             <a:r>
-              <a:rPr lang="es-ES" sz="1200" b="1">
+              <a:rPr lang="pt-BR" sz="1200" b="1">
                 <a:latin typeface="+mj-lt"/>
                 <a:ea typeface="Open Sans" pitchFamily="34" charset="0"/>
                 <a:cs typeface="Open Sans" pitchFamily="34" charset="0"/>
               </a:rPr>
-              <a:t>Recorridos autoguiados</a:t>
+              <a:t>Jornadas autoguiadas</a:t>
             </a:r>
           </a:p>
         </p:txBody>
@@ -8388,67 +7960,98 @@
           <a:lstStyle/>
           <a:p>
             <a:r>
-              <a:rPr lang="es-ES" sz="1000" dirty="0">
+              <a:rPr lang="pt-BR" sz="1000" dirty="0">
                 <a:solidFill>
                   <a:srgbClr val="4B4B4B"/>
                 </a:solidFill>
                 <a:latin typeface="Adobe Clean Light" panose="020B0303020404020204" pitchFamily="34" charset="0"/>
               </a:rPr>
-              <a:t>Los </a:t>
-            </a:r>
-            <a:r>
-              <a:rPr lang="es-ES" sz="1000" dirty="0" err="1">
+              <a:t>A Experience League gera criadores </a:t>
+            </a:r>
+            <a:br>
+              <a:rPr lang="sk-SK" sz="1000" dirty="0">
                 <a:solidFill>
                   <a:srgbClr val="4B4B4B"/>
                 </a:solidFill>
                 <a:latin typeface="Adobe Clean Light" panose="020B0303020404020204" pitchFamily="34" charset="0"/>
               </a:rPr>
-              <a:t>experience</a:t>
-            </a:r>
-            <a:r>
-              <a:rPr lang="es-ES" sz="1000" dirty="0">
+            </a:br>
+            <a:r>
+              <a:rPr lang="pt-BR" sz="1000" dirty="0">
                 <a:solidFill>
                   <a:srgbClr val="4B4B4B"/>
                 </a:solidFill>
                 <a:latin typeface="Adobe Clean Light" panose="020B0303020404020204" pitchFamily="34" charset="0"/>
               </a:rPr>
-              <a:t> </a:t>
-            </a:r>
-            <a:r>
-              <a:rPr lang="es-ES" sz="1000" dirty="0" err="1">
+              <a:t>de experiências. Os clientes podem </a:t>
+            </a:r>
+            <a:br>
+              <a:rPr lang="sk-SK" sz="1000" dirty="0">
                 <a:solidFill>
                   <a:srgbClr val="4B4B4B"/>
                 </a:solidFill>
                 <a:latin typeface="Adobe Clean Light" panose="020B0303020404020204" pitchFamily="34" charset="0"/>
               </a:rPr>
-              <a:t>makers</a:t>
-            </a:r>
-            <a:r>
-              <a:rPr lang="es-ES" sz="1000" dirty="0">
+            </a:br>
+            <a:r>
+              <a:rPr lang="pt-BR" sz="1000" dirty="0">
                 <a:solidFill>
                   <a:srgbClr val="4B4B4B"/>
                 </a:solidFill>
                 <a:latin typeface="Adobe Clean Light" panose="020B0303020404020204" pitchFamily="34" charset="0"/>
               </a:rPr>
-              <a:t> se realizan con </a:t>
-            </a:r>
-            <a:r>
-              <a:rPr lang="es-ES" sz="1000" dirty="0" err="1">
+              <a:t>adquirir habilidades de gerenciamento </a:t>
+            </a:r>
+            <a:br>
+              <a:rPr lang="sk-SK" sz="1000" dirty="0">
                 <a:solidFill>
                   <a:srgbClr val="4B4B4B"/>
                 </a:solidFill>
                 <a:latin typeface="Adobe Clean Light" panose="020B0303020404020204" pitchFamily="34" charset="0"/>
               </a:rPr>
-              <a:t>Experience</a:t>
-            </a:r>
-            <a:r>
-              <a:rPr lang="es-ES" sz="1000" dirty="0">
+            </a:br>
+            <a:r>
+              <a:rPr lang="pt-BR" sz="1000" dirty="0">
                 <a:solidFill>
                   <a:srgbClr val="4B4B4B"/>
                 </a:solidFill>
                 <a:latin typeface="Adobe Clean Light" panose="020B0303020404020204" pitchFamily="34" charset="0"/>
               </a:rPr>
-              <a:t> League. Los clientes pueden aplicar sus conocimientos de administración de la experiencia del cliente con aprendizaje personalizado para desarrollar habilidades, interactuar con la comunidad internacional de compañeros y obtener reconocimiento en su trayectoria profesional.</a:t>
+              <a:t>de experiência do cliente com aprendizagem personalizada, participar </a:t>
+            </a:r>
+            <a:br>
+              <a:rPr lang="sk-SK" sz="1000" dirty="0">
+                <a:solidFill>
+                  <a:srgbClr val="4B4B4B"/>
+                </a:solidFill>
+                <a:latin typeface="Adobe Clean Light" panose="020B0303020404020204" pitchFamily="34" charset="0"/>
+              </a:rPr>
+            </a:br>
+            <a:r>
+              <a:rPr lang="pt-BR" sz="1000" dirty="0">
+                <a:solidFill>
+                  <a:srgbClr val="4B4B4B"/>
+                </a:solidFill>
+                <a:latin typeface="Adobe Clean Light" panose="020B0303020404020204" pitchFamily="34" charset="0"/>
+              </a:rPr>
+              <a:t>de uma comunidade de pares global </a:t>
+            </a:r>
+            <a:br>
+              <a:rPr lang="sk-SK" sz="1000" dirty="0">
+                <a:solidFill>
+                  <a:srgbClr val="4B4B4B"/>
+                </a:solidFill>
+                <a:latin typeface="Adobe Clean Light" panose="020B0303020404020204" pitchFamily="34" charset="0"/>
+              </a:rPr>
+            </a:br>
+            <a:r>
+              <a:rPr lang="pt-BR" sz="1000" dirty="0">
+                <a:solidFill>
+                  <a:srgbClr val="4B4B4B"/>
+                </a:solidFill>
+                <a:latin typeface="Adobe Clean Light" panose="020B0303020404020204" pitchFamily="34" charset="0"/>
+              </a:rPr>
+              <a:t>e conseguir reconhecimento de carreira</a:t>
             </a:r>
           </a:p>
         </p:txBody>
@@ -8470,7 +8073,7 @@
         <p:spPr>
           <a:xfrm>
             <a:off x="3201544" y="8560230"/>
-            <a:ext cx="1903856" cy="369332"/>
+            <a:ext cx="1543003" cy="184666"/>
           </a:xfrm>
           <a:prstGeom prst="rect">
             <a:avLst/>
@@ -8496,12 +8099,12 @@
               <a:defRPr/>
             </a:pPr>
             <a:r>
-              <a:rPr lang="es-ES" sz="1200" dirty="0">
+              <a:rPr lang="pt-BR" sz="1200">
                 <a:solidFill>
                   <a:srgbClr val="000000"/>
                 </a:solidFill>
               </a:rPr>
-              <a:t>Asistencia mediante chat en directo*</a:t>
+              <a:t>Suporte por chat ao vivo*</a:t>
             </a:r>
           </a:p>
         </p:txBody>
@@ -8544,12 +8147,12 @@
               </a:spcAft>
             </a:pPr>
             <a:r>
-              <a:rPr lang="es-ES" sz="1200" b="1">
+              <a:rPr lang="pt-BR" sz="1200" b="1">
                 <a:latin typeface="+mj-lt"/>
                 <a:ea typeface="Open Sans" pitchFamily="34" charset="0"/>
                 <a:cs typeface="Open Sans" pitchFamily="34" charset="0"/>
               </a:rPr>
-              <a:t>Asistencia mediante chat</a:t>
+              <a:t>Suporte por chat</a:t>
             </a:r>
           </a:p>
         </p:txBody>
@@ -8597,12 +8200,12 @@
               <a:defRPr/>
             </a:pPr>
             <a:r>
-              <a:rPr lang="es-ES" sz="1200">
+              <a:rPr lang="pt-BR" sz="1200">
                 <a:solidFill>
                   <a:srgbClr val="000000"/>
                 </a:solidFill>
               </a:rPr>
-              <a:t>24/7 P1 </a:t>
+              <a:t>24X7 prioridades P1 </a:t>
             </a:r>
           </a:p>
         </p:txBody>
@@ -8645,12 +8248,12 @@
               </a:spcAft>
             </a:pPr>
             <a:r>
-              <a:rPr lang="es-ES" sz="1200" b="1">
+              <a:rPr lang="pt-BR" sz="1200" b="1">
                 <a:latin typeface="+mj-lt"/>
                 <a:ea typeface="Open Sans" pitchFamily="34" charset="0"/>
                 <a:cs typeface="Open Sans" pitchFamily="34" charset="0"/>
               </a:rPr>
-              <a:t>Asistencia telefónica</a:t>
+              <a:t>Suporte telefônico</a:t>
             </a:r>
           </a:p>
         </p:txBody>
@@ -8670,7 +8273,7 @@
         <p:spPr>
           <a:xfrm>
             <a:off x="2791726" y="7152361"/>
-            <a:ext cx="2313674" cy="1113125"/>
+            <a:ext cx="2194560" cy="959237"/>
           </a:xfrm>
           <a:prstGeom prst="rect">
             <a:avLst/>
@@ -8683,36 +8286,28 @@
           <a:lstStyle/>
           <a:p>
             <a:r>
-              <a:rPr lang="es-ES" sz="1000" b="1" dirty="0">
+              <a:rPr lang="pt-BR" sz="1000" dirty="0">
                 <a:solidFill>
                   <a:srgbClr val="020302"/>
                 </a:solidFill>
                 <a:latin typeface="AdobeClean-Light"/>
               </a:rPr>
-              <a:t>Los usuarios autorizados o los contactos </a:t>
-            </a:r>
-            <a:br>
-              <a:rPr lang="sk-SK" sz="1000" b="1" dirty="0">
+              <a:t>Usuários autorizados ou </a:t>
+            </a:r>
+            <a:r>
+              <a:rPr lang="pt-BR" sz="1000" b="1" dirty="0">
                 <a:solidFill>
                   <a:srgbClr val="020302"/>
                 </a:solidFill>
                 <a:latin typeface="AdobeClean-Light"/>
               </a:rPr>
-            </a:br>
-            <a:r>
-              <a:rPr lang="es-ES" sz="1000" b="1" dirty="0">
-                <a:solidFill>
-                  <a:srgbClr val="020302"/>
-                </a:solidFill>
-                <a:latin typeface="AdobeClean-Light"/>
-              </a:rPr>
-              <a:t>de soporte particulares</a:t>
-            </a:r>
-            <a:r>
-              <a:rPr lang="es-ES" sz="1000" dirty="0">
+              <a:t>contatos de suporte nomeados</a:t>
+            </a:r>
+            <a:r>
+              <a:rPr lang="pt-BR" sz="1000" dirty="0">
                 <a:latin typeface="Adobe Clean Light" panose="020B0303020404020204" pitchFamily="34" charset="0"/>
               </a:rPr>
-              <a:t> pueden enviar problemas a través de todos los canales disponibles (incluido el teléfono en el caso </a:t>
+              <a:t> podem enviar problemas por todos os canais disponíveis (incluindo por telefone em prioridades P1) </a:t>
             </a:r>
             <a:br>
               <a:rPr lang="sk-SK" sz="1000" dirty="0">
@@ -8720,21 +8315,10 @@
               </a:rPr>
             </a:br>
             <a:r>
-              <a:rPr lang="es-ES" sz="1000" dirty="0">
+              <a:rPr lang="pt-BR" sz="1000" dirty="0">
                 <a:latin typeface="Adobe Clean Light" panose="020B0303020404020204" pitchFamily="34" charset="0"/>
               </a:rPr>
-              <a:t>de los problemas P1) y hablar con nuestro equipo de asistencia en nombre de </a:t>
-            </a:r>
-            <a:br>
-              <a:rPr lang="sk-SK" sz="1000" dirty="0">
-                <a:latin typeface="Adobe Clean Light" panose="020B0303020404020204" pitchFamily="34" charset="0"/>
-              </a:rPr>
-            </a:br>
-            <a:r>
-              <a:rPr lang="es-ES" sz="1000" dirty="0">
-                <a:latin typeface="Adobe Clean Light" panose="020B0303020404020204" pitchFamily="34" charset="0"/>
-              </a:rPr>
-              <a:t>su empresa. </a:t>
+              <a:t>e contatar a equipe de suporte técnico em nome de sua empresa. </a:t>
             </a:r>
           </a:p>
         </p:txBody>
@@ -8753,8 +8337,8 @@
         </p:nvSpPr>
         <p:spPr>
           <a:xfrm>
-            <a:off x="214971" y="6447157"/>
-            <a:ext cx="1848207" cy="45719"/>
+            <a:off x="214971" y="6530426"/>
+            <a:ext cx="2042512" cy="98974"/>
           </a:xfrm>
           <a:custGeom>
             <a:avLst/>
@@ -8804,7 +8388,7 @@
         <p:spPr>
           <a:xfrm>
             <a:off x="689237" y="8560230"/>
-            <a:ext cx="1373941" cy="184666"/>
+            <a:ext cx="991521" cy="184666"/>
           </a:xfrm>
           <a:prstGeom prst="rect">
             <a:avLst/>
@@ -8830,12 +8414,12 @@
               <a:defRPr/>
             </a:pPr>
             <a:r>
-              <a:rPr lang="es-ES" sz="1200" dirty="0">
+              <a:rPr lang="pt-BR" sz="1200">
                 <a:solidFill>
                   <a:srgbClr val="000000"/>
                 </a:solidFill>
               </a:rPr>
-              <a:t>Horario de oficina</a:t>
+              <a:t>Office Hours</a:t>
             </a:r>
           </a:p>
         </p:txBody>
@@ -8878,12 +8462,12 @@
               </a:spcAft>
             </a:pPr>
             <a:r>
-              <a:rPr lang="es-ES" sz="1200" b="1">
+              <a:rPr lang="pt-BR" sz="1200" b="1">
                 <a:latin typeface="+mj-lt"/>
                 <a:ea typeface="Open Sans" pitchFamily="34" charset="0"/>
                 <a:cs typeface="Open Sans" pitchFamily="34" charset="0"/>
               </a:rPr>
-              <a:t>Seminarios web</a:t>
+              <a:t>Webinários</a:t>
             </a:r>
           </a:p>
         </p:txBody>
@@ -8902,8 +8486,8 @@
         </p:nvSpPr>
         <p:spPr>
           <a:xfrm>
-            <a:off x="355867" y="8991600"/>
-            <a:ext cx="2396611" cy="866904"/>
+            <a:off x="355868" y="9026059"/>
+            <a:ext cx="2194560" cy="728405"/>
           </a:xfrm>
           <a:prstGeom prst="rect">
             <a:avLst/>
@@ -8916,13 +8500,13 @@
           <a:lstStyle/>
           <a:p>
             <a:r>
-              <a:rPr lang="es-ES" sz="900" dirty="0">
+              <a:rPr lang="pt-BR" sz="900" dirty="0">
                 <a:solidFill>
                   <a:srgbClr val="4B4B4B"/>
                 </a:solidFill>
                 <a:latin typeface="Adobe Clean Light" panose="020B0303020404020204" pitchFamily="34" charset="0"/>
               </a:rPr>
-              <a:t>En el horario de oficina del equipo de asistencia al cliente de Adobe se incluyen sesiones diseñadas para informar y ayudar a los participantes a solucionar problemas, así como para proporcionar consejos y trucos para que los participantes logren el éxito con las soluciones de Adobe. </a:t>
+              <a:t>O Office Hours, apresentado pela equipe de Suporte ao cliente da Adobe, inclui sessões para informar e ajudar os participantes a solucionar problemas e fornecer dicas e truques para aproveitar ao máximo as soluções da Adobe. </a:t>
             </a:r>
           </a:p>
         </p:txBody>
@@ -8944,7 +8528,7 @@
         <p:spPr>
           <a:xfrm>
             <a:off x="5723508" y="8560230"/>
-            <a:ext cx="1591692" cy="184666"/>
+            <a:ext cx="1303746" cy="184666"/>
           </a:xfrm>
           <a:prstGeom prst="rect">
             <a:avLst/>
@@ -8970,12 +8554,12 @@
               <a:defRPr/>
             </a:pPr>
             <a:r>
-              <a:rPr lang="es-ES" sz="1200" dirty="0">
+              <a:rPr lang="pt-BR" sz="1200">
                 <a:solidFill>
                   <a:srgbClr val="000000"/>
                 </a:solidFill>
               </a:rPr>
-              <a:t>Portales de autoayuda</a:t>
+              <a:t>Portais de autoatendimento</a:t>
             </a:r>
           </a:p>
         </p:txBody>
@@ -9018,12 +8602,12 @@
               </a:spcAft>
             </a:pPr>
             <a:r>
-              <a:rPr lang="es-ES" sz="1200" b="1">
+              <a:rPr lang="pt-BR" sz="1200" b="1">
                 <a:latin typeface="+mj-lt"/>
                 <a:ea typeface="Open Sans" pitchFamily="34" charset="0"/>
                 <a:cs typeface="Open Sans" pitchFamily="34" charset="0"/>
               </a:rPr>
-              <a:t>Portal de asistencia 24/7</a:t>
+              <a:t>Portal de suporte 24/7</a:t>
             </a:r>
           </a:p>
         </p:txBody>
@@ -9043,7 +8627,7 @@
         <p:spPr>
           <a:xfrm>
             <a:off x="5265661" y="8987081"/>
-            <a:ext cx="2396610" cy="959237"/>
+            <a:ext cx="2194560" cy="959237"/>
           </a:xfrm>
           <a:prstGeom prst="rect">
             <a:avLst/>
@@ -9056,13 +8640,30 @@
           <a:lstStyle/>
           <a:p>
             <a:r>
-              <a:rPr lang="es-ES" sz="1000" dirty="0">
+              <a:rPr lang="pt-BR" sz="1000" dirty="0">
                 <a:solidFill>
                   <a:srgbClr val="4B4B4B"/>
                 </a:solidFill>
                 <a:latin typeface="Adobe Clean Light" panose="020B0303020404020204" pitchFamily="34" charset="0"/>
               </a:rPr>
-              <a:t>Acceso al portal de asistencia de autoayuda en línea previa solicitud para enviar solicitudes de asistencia, revisar el estado de los casos y examinar otros recursos, como la base de conocimiento, noticias y alertas, sugerencias destacadas, y mucho más.</a:t>
+              <a:t>Acesso sob demanda ao Portal de autoatendimento online para enviar solicitações de suporte, revisar o status </a:t>
+            </a:r>
+            <a:br>
+              <a:rPr lang="sk-SK" sz="1000" dirty="0">
+                <a:solidFill>
+                  <a:srgbClr val="4B4B4B"/>
+                </a:solidFill>
+                <a:latin typeface="Adobe Clean Light" panose="020B0303020404020204" pitchFamily="34" charset="0"/>
+              </a:rPr>
+            </a:br>
+            <a:r>
+              <a:rPr lang="pt-BR" sz="1000" dirty="0">
+                <a:solidFill>
+                  <a:srgbClr val="4B4B4B"/>
+                </a:solidFill>
+                <a:latin typeface="Adobe Clean Light" panose="020B0303020404020204" pitchFamily="34" charset="0"/>
+              </a:rPr>
+              <a:t>do caso e procurar outros recursos, como nossa base de conhecimento, notícias e alertas, dicas em destaque e muito mais.</a:t>
             </a:r>
           </a:p>
         </p:txBody>
@@ -9370,7 +8971,7 @@
         </p:nvSpPr>
         <p:spPr>
           <a:xfrm>
-            <a:off x="214971" y="6124178"/>
+            <a:off x="214971" y="6207447"/>
             <a:ext cx="1930978" cy="307777"/>
           </a:xfrm>
           <a:prstGeom prst="rect">
@@ -9392,14 +8993,14 @@
               </a:spcBef>
             </a:pPr>
             <a:r>
-              <a:rPr lang="es-ES" sz="1400" b="1">
+              <a:rPr lang="pt-BR" sz="1400" b="1" dirty="0">
                 <a:solidFill>
                   <a:srgbClr val="020302"/>
                 </a:solidFill>
                 <a:latin typeface="Adobe Clean"/>
                 <a:cs typeface="Adobe Clean"/>
               </a:rPr>
-              <a:t>Funciones de soporte Online</a:t>
+              <a:t>Recursos de suporte online</a:t>
             </a:r>
           </a:p>
         </p:txBody>
@@ -9545,7 +9146,7 @@
         </p:nvSpPr>
         <p:spPr>
           <a:xfrm rot="5400000" flipH="1">
-            <a:off x="3863341" y="2034540"/>
+            <a:off x="3863341" y="1912620"/>
             <a:ext cx="45719" cy="5577840"/>
           </a:xfrm>
           <a:custGeom>
@@ -9601,7 +9202,7 @@
         <p:spPr>
           <a:xfrm>
             <a:off x="324341" y="4031705"/>
-            <a:ext cx="2194560" cy="672172"/>
+            <a:ext cx="2194560" cy="499111"/>
           </a:xfrm>
           <a:prstGeom prst="rect">
             <a:avLst/>
@@ -9622,14 +9223,14 @@
               </a:spcBef>
             </a:pPr>
             <a:r>
-              <a:rPr lang="es-ES" sz="1000" dirty="0">
+              <a:rPr lang="pt-BR" sz="1000" dirty="0">
                 <a:solidFill>
                   <a:srgbClr val="020302"/>
                 </a:solidFill>
                 <a:latin typeface="AdobeClean-Light"/>
                 <a:cs typeface="AdobeClean-Light"/>
               </a:rPr>
-              <a:t>Revisión proactiva de la implementación, configuración </a:t>
+              <a:t>Revisão proativa da implantação, configuração e arquitetura geral </a:t>
             </a:r>
             <a:br>
               <a:rPr lang="sk-SK" sz="1000" dirty="0">
@@ -9641,14 +9242,14 @@
               </a:rPr>
             </a:br>
             <a:r>
-              <a:rPr lang="es-ES" sz="1000" dirty="0">
+              <a:rPr lang="pt-BR" sz="1000" dirty="0">
                 <a:solidFill>
                   <a:srgbClr val="020302"/>
                 </a:solidFill>
                 <a:latin typeface="AdobeClean-Light"/>
                 <a:cs typeface="AdobeClean-Light"/>
               </a:rPr>
-              <a:t>y arquitectura general de la solución, incluidas las integraciones.</a:t>
+              <a:t>da solução, incluindo integrações.</a:t>
             </a:r>
           </a:p>
         </p:txBody>
@@ -9668,14 +9269,14 @@
         <p:spPr>
           <a:xfrm>
             <a:off x="5265661" y="4031705"/>
-            <a:ext cx="2194560" cy="821059"/>
+            <a:ext cx="2194560" cy="652615"/>
           </a:xfrm>
           <a:prstGeom prst="rect">
             <a:avLst/>
           </a:prstGeom>
         </p:spPr>
         <p:txBody>
-          <a:bodyPr wrap="square" lIns="0" tIns="0" rIns="0" bIns="0">
+          <a:bodyPr lIns="0" tIns="0" rIns="0" bIns="0">
             <a:spAutoFit/>
           </a:bodyPr>
           <a:lstStyle/>
@@ -9689,52 +9290,14 @@
               </a:spcBef>
             </a:pPr>
             <a:r>
-              <a:rPr lang="es-ES" sz="1000" dirty="0">
+              <a:rPr lang="pt-BR" sz="1000" dirty="0">
                 <a:solidFill>
                   <a:srgbClr val="020302"/>
                 </a:solidFill>
                 <a:latin typeface="AdobeClean-Light"/>
                 <a:cs typeface="AdobeClean-Light"/>
               </a:rPr>
-              <a:t>Reciba las prácticas recomendadas </a:t>
-            </a:r>
-            <a:br>
-              <a:rPr lang="sk-SK" sz="1000" dirty="0">
-                <a:solidFill>
-                  <a:srgbClr val="020302"/>
-                </a:solidFill>
-                <a:latin typeface="AdobeClean-Light"/>
-                <a:cs typeface="AdobeClean-Light"/>
-              </a:rPr>
-            </a:br>
-            <a:r>
-              <a:rPr lang="es-ES" sz="1000" dirty="0">
-                <a:solidFill>
-                  <a:srgbClr val="020302"/>
-                </a:solidFill>
-                <a:latin typeface="AdobeClean-Light"/>
-                <a:cs typeface="AdobeClean-Light"/>
-              </a:rPr>
-              <a:t>de mantenimiento y las correcciones </a:t>
-            </a:r>
-            <a:br>
-              <a:rPr lang="sk-SK" sz="1000" dirty="0">
-                <a:solidFill>
-                  <a:srgbClr val="020302"/>
-                </a:solidFill>
-                <a:latin typeface="AdobeClean-Light"/>
-                <a:cs typeface="AdobeClean-Light"/>
-              </a:rPr>
-            </a:br>
-            <a:r>
-              <a:rPr lang="es-ES" sz="1000" dirty="0">
-                <a:solidFill>
-                  <a:srgbClr val="020302"/>
-                </a:solidFill>
-                <a:latin typeface="AdobeClean-Light"/>
-                <a:cs typeface="AdobeClean-Light"/>
-              </a:rPr>
-              <a:t>más recientes (SP, MR, parches, FP) para mantenerse actualizado en cuando a todas las comprobaciones de mantenimiento</a:t>
+              <a:t>Receba as práticas recomendadas de manutenção e as correções mais recentes (SP, MR, patches, FP) para ficar atualizado em todas as verificações de manutenção</a:t>
             </a:r>
           </a:p>
         </p:txBody>
@@ -9753,15 +9316,15 @@
         </p:nvSpPr>
         <p:spPr>
           <a:xfrm>
-            <a:off x="2852427" y="2847845"/>
-            <a:ext cx="2194560" cy="615553"/>
+            <a:off x="2852426" y="2847845"/>
+            <a:ext cx="2332619" cy="461665"/>
           </a:xfrm>
           <a:prstGeom prst="rect">
             <a:avLst/>
           </a:prstGeom>
         </p:spPr>
         <p:txBody>
-          <a:bodyPr lIns="0" tIns="0" rIns="0" bIns="0">
+          <a:bodyPr wrap="square" lIns="0" tIns="0" rIns="0" bIns="0">
             <a:spAutoFit/>
           </a:bodyPr>
           <a:lstStyle/>
@@ -9772,14 +9335,14 @@
               </a:spcBef>
             </a:pPr>
             <a:r>
-              <a:rPr lang="es-ES" sz="1000">
+              <a:rPr lang="pt-BR" sz="1000" dirty="0">
                 <a:solidFill>
                   <a:srgbClr val="4B4B4B"/>
                 </a:solidFill>
                 <a:latin typeface="AdobeClean-Light"/>
                 <a:cs typeface="AdobeClean-Light"/>
               </a:rPr>
-              <a:t>Una revisión periódica de los servicios del programa Elite, las métricas de soporte y los entregables, incluyendo un plan orientado al futuro.</a:t>
+              <a:t>Revisão regular dos serviços do programa Elite, métricas de suporte e entregas, incluindo um plano de prospectivo</a:t>
             </a:r>
           </a:p>
         </p:txBody>
@@ -9798,8 +9361,8 @@
         </p:nvSpPr>
         <p:spPr>
           <a:xfrm>
-            <a:off x="5431520" y="2854370"/>
-            <a:ext cx="2340880" cy="615553"/>
+            <a:off x="5431519" y="2971800"/>
+            <a:ext cx="2275101" cy="615553"/>
           </a:xfrm>
           <a:prstGeom prst="rect">
             <a:avLst/>
@@ -9817,52 +9380,14 @@
               </a:spcBef>
             </a:pPr>
             <a:r>
-              <a:rPr lang="es-ES" sz="1000" dirty="0">
+              <a:rPr lang="pt-BR" sz="1000" dirty="0">
                 <a:solidFill>
                   <a:srgbClr val="4B4B4B"/>
                 </a:solidFill>
                 <a:latin typeface="AdobeClean-Light"/>
                 <a:cs typeface="AdobeClean-Light"/>
               </a:rPr>
-              <a:t>Una sesión de 60 minutos centrada </a:t>
-            </a:r>
-            <a:br>
-              <a:rPr lang="sk-SK" sz="1000" dirty="0">
-                <a:solidFill>
-                  <a:srgbClr val="4B4B4B"/>
-                </a:solidFill>
-                <a:latin typeface="AdobeClean-Light"/>
-                <a:cs typeface="AdobeClean-Light"/>
-              </a:rPr>
-            </a:br>
-            <a:r>
-              <a:rPr lang="es-ES" sz="1000" dirty="0">
-                <a:solidFill>
-                  <a:srgbClr val="4B4B4B"/>
-                </a:solidFill>
-                <a:latin typeface="AdobeClean-Light"/>
-                <a:cs typeface="AdobeClean-Light"/>
-              </a:rPr>
-              <a:t>en una función específica del producto </a:t>
-            </a:r>
-            <a:br>
-              <a:rPr lang="sk-SK" sz="1000" dirty="0">
-                <a:solidFill>
-                  <a:srgbClr val="4B4B4B"/>
-                </a:solidFill>
-                <a:latin typeface="AdobeClean-Light"/>
-                <a:cs typeface="AdobeClean-Light"/>
-              </a:rPr>
-            </a:br>
-            <a:r>
-              <a:rPr lang="es-ES" sz="1000" dirty="0">
-                <a:solidFill>
-                  <a:srgbClr val="4B4B4B"/>
-                </a:solidFill>
-                <a:latin typeface="AdobeClean-Light"/>
-                <a:cs typeface="AdobeClean-Light"/>
-              </a:rPr>
-              <a:t>y en cómo se puede utilizar para resolver problemas empresariales comunes.</a:t>
+              <a:t>Uma sessão de 60 minutos focada em um recurso específico do produto e em como ele pode ser usado para resolver problemas empresariais comuns.</a:t>
             </a:r>
           </a:p>
         </p:txBody>
@@ -9882,7 +9407,7 @@
         <p:spPr>
           <a:xfrm>
             <a:off x="324341" y="2842848"/>
-            <a:ext cx="2428138" cy="769441"/>
+            <a:ext cx="2374092" cy="769441"/>
           </a:xfrm>
           <a:prstGeom prst="rect">
             <a:avLst/>
@@ -9900,14 +9425,14 @@
               </a:spcBef>
             </a:pPr>
             <a:r>
-              <a:rPr lang="es-ES" sz="1000" dirty="0">
+              <a:rPr lang="pt-BR" sz="1000" dirty="0">
                 <a:solidFill>
                   <a:srgbClr val="4B4B4B"/>
                 </a:solidFill>
                 <a:latin typeface="AdobeClean-Light"/>
                 <a:cs typeface="AdobeClean-Light"/>
               </a:rPr>
-              <a:t>Un punto de contacto designado de Adobe que puede proporcionar asistencia en cuanto a escalabilidad y actualizaciones frecuentes, así como garantizar que se dé prioridad a sus solicitudes de soporte abierto más críticas.</a:t>
+              <a:t>Um ponto de contato designado na Adobe que pode fornecer assistência de encaminhamento, atualizações regulares e garantir que seja dada prioridade àquelas solicitações de suporte abertas que forem mais críticas.</a:t>
             </a:r>
           </a:p>
         </p:txBody>
@@ -9926,8 +9451,8 @@
         </p:nvSpPr>
         <p:spPr>
           <a:xfrm>
-            <a:off x="3153726" y="1033046"/>
-            <a:ext cx="2194560" cy="338554"/>
+            <a:off x="3153726" y="1126245"/>
+            <a:ext cx="2194560" cy="169277"/>
           </a:xfrm>
           <a:prstGeom prst="rect">
             <a:avLst/>
@@ -9945,33 +9470,14 @@
               </a:spcBef>
             </a:pPr>
             <a:r>
-              <a:rPr lang="es-ES" sz="1100" b="1" dirty="0">
+              <a:rPr lang="pt-BR" sz="1100" b="1">
                 <a:solidFill>
                   <a:srgbClr val="020302"/>
                 </a:solidFill>
                 <a:latin typeface="Adobe Clean" panose="020B0503020404020204" pitchFamily="34" charset="0"/>
                 <a:cs typeface="Arial"/>
               </a:rPr>
-              <a:t>Ingeniero de asistencia </a:t>
-            </a:r>
-            <a:br>
-              <a:rPr lang="sk-SK" sz="1100" b="1" dirty="0">
-                <a:solidFill>
-                  <a:srgbClr val="020302"/>
-                </a:solidFill>
-                <a:latin typeface="Adobe Clean" panose="020B0503020404020204" pitchFamily="34" charset="0"/>
-                <a:cs typeface="Arial"/>
-              </a:rPr>
-            </a:br>
-            <a:r>
-              <a:rPr lang="es-ES" sz="1100" b="1" dirty="0">
-                <a:solidFill>
-                  <a:srgbClr val="020302"/>
-                </a:solidFill>
-                <a:latin typeface="Adobe Clean" panose="020B0503020404020204" pitchFamily="34" charset="0"/>
-                <a:cs typeface="Arial"/>
-              </a:rPr>
-              <a:t>técnica especializado</a:t>
+              <a:t>Engenheiro de suporte nomeado</a:t>
             </a:r>
           </a:p>
         </p:txBody>
@@ -9990,7 +9496,7 @@
         </p:nvSpPr>
         <p:spPr>
           <a:xfrm>
-            <a:off x="5723508" y="1033046"/>
+            <a:off x="5723508" y="1126245"/>
             <a:ext cx="2194560" cy="169277"/>
           </a:xfrm>
           <a:prstGeom prst="rect">
@@ -10009,14 +9515,14 @@
               </a:spcBef>
             </a:pPr>
             <a:r>
-              <a:rPr lang="es-ES" sz="1100" b="1">
+              <a:rPr lang="pt-BR" sz="1100" b="1">
                 <a:solidFill>
                   <a:srgbClr val="020302"/>
                 </a:solidFill>
                 <a:latin typeface="Adobe Clean" panose="020B0503020404020204" pitchFamily="34" charset="0"/>
                 <a:cs typeface="Arial"/>
               </a:rPr>
-              <a:t>Reseñas de casos</a:t>
+              <a:t>Revisões de caso</a:t>
             </a:r>
           </a:p>
         </p:txBody>
@@ -10054,14 +9560,14 @@
               </a:spcBef>
             </a:pPr>
             <a:r>
-              <a:rPr lang="es-ES" sz="1100" b="1">
+              <a:rPr lang="pt-BR" sz="1100" b="1">
                 <a:solidFill>
                   <a:srgbClr val="020302"/>
                 </a:solidFill>
                 <a:latin typeface="Adobe Clean" panose="020B0503020404020204" pitchFamily="34" charset="0"/>
                 <a:cs typeface="Adobe Clean"/>
               </a:rPr>
-              <a:t>Mantenimiento y monitorización</a:t>
+              <a:t>Manutenção e monitoramento</a:t>
             </a:r>
           </a:p>
         </p:txBody>
@@ -10099,14 +9605,14 @@
               </a:spcBef>
             </a:pPr>
             <a:r>
-              <a:rPr lang="es-ES" sz="1100" b="1">
+              <a:rPr lang="pt-BR" sz="1100" b="1">
                 <a:solidFill>
                   <a:srgbClr val="020302"/>
                 </a:solidFill>
                 <a:latin typeface="Adobe Clean" panose="020B0503020404020204" pitchFamily="34" charset="0"/>
                 <a:cs typeface="Adobe Clean"/>
               </a:rPr>
-              <a:t>Revisión del plan de las soluciones</a:t>
+              <a:t>Revisão do roteiro da solução</a:t>
             </a:r>
           </a:p>
         </p:txBody>
@@ -10144,14 +9650,14 @@
               </a:spcBef>
             </a:pPr>
             <a:r>
-              <a:rPr lang="es-ES" sz="1100" b="1">
+              <a:rPr lang="pt-BR" sz="1100" b="1">
                 <a:solidFill>
                   <a:srgbClr val="020302"/>
                 </a:solidFill>
                 <a:latin typeface="Adobe Clean" panose="020B0503020404020204" pitchFamily="34" charset="0"/>
                 <a:cs typeface="Adobe Clean"/>
               </a:rPr>
-              <a:t>Revisión del entorno</a:t>
+              <a:t>Revisão do ambiente</a:t>
             </a:r>
           </a:p>
         </p:txBody>
@@ -10189,14 +9695,14 @@
               </a:spcBef>
             </a:pPr>
             <a:r>
-              <a:rPr lang="es-ES" sz="1100" b="1" dirty="0">
+              <a:rPr lang="pt-BR" sz="1100" b="1">
                 <a:solidFill>
                   <a:srgbClr val="020302"/>
                 </a:solidFill>
                 <a:latin typeface="Adobe Clean" panose="020B0503020404020204" pitchFamily="34" charset="0"/>
                 <a:cs typeface="Adobe Clean"/>
               </a:rPr>
-              <a:t>Administración de la escalabilidad</a:t>
+              <a:t>Gestão de encaminhamento</a:t>
             </a:r>
           </a:p>
         </p:txBody>
@@ -10234,14 +9740,14 @@
               </a:spcBef>
             </a:pPr>
             <a:r>
-              <a:rPr lang="es-ES" sz="1100" b="1">
+              <a:rPr lang="pt-BR" sz="1100" b="1">
                 <a:solidFill>
                   <a:srgbClr val="020302"/>
                 </a:solidFill>
                 <a:latin typeface="Adobe Clean" panose="020B0503020404020204" pitchFamily="34" charset="0"/>
                 <a:cs typeface="Adobe Clean"/>
               </a:rPr>
-              <a:t>Revisiones del servicio</a:t>
+              <a:t>Revisões de serviço</a:t>
             </a:r>
           </a:p>
         </p:txBody>
@@ -10279,14 +9785,14 @@
               </a:spcBef>
             </a:pPr>
             <a:r>
-              <a:rPr lang="es-ES" sz="1100" b="1">
+              <a:rPr lang="pt-BR" sz="1100" b="1">
                 <a:solidFill>
                   <a:srgbClr val="020302"/>
                 </a:solidFill>
                 <a:latin typeface="Adobe Clean" panose="020B0503020404020204" pitchFamily="34" charset="0"/>
                 <a:cs typeface="Adobe Clean"/>
               </a:rPr>
-              <a:t>Sesiones de expertos</a:t>
+              <a:t>Sessões com especialistas</a:t>
             </a:r>
           </a:p>
         </p:txBody>
@@ -10305,8 +9811,8 @@
         </p:nvSpPr>
         <p:spPr>
           <a:xfrm>
-            <a:off x="689237" y="4876800"/>
-            <a:ext cx="2194560" cy="338554"/>
+            <a:off x="689237" y="4901022"/>
+            <a:ext cx="2194560" cy="169277"/>
           </a:xfrm>
           <a:prstGeom prst="rect">
             <a:avLst/>
@@ -10324,33 +9830,14 @@
               </a:spcBef>
             </a:pPr>
             <a:r>
-              <a:rPr lang="es-ES" sz="1100" b="1" dirty="0">
+              <a:rPr lang="pt-BR" sz="1100" b="1">
                 <a:solidFill>
                   <a:srgbClr val="020302"/>
                 </a:solidFill>
                 <a:latin typeface="Adobe Clean" panose="020B0503020404020204" pitchFamily="34" charset="0"/>
                 <a:cs typeface="Adobe Clean"/>
               </a:rPr>
-              <a:t>Preparación </a:t>
-            </a:r>
-            <a:br>
-              <a:rPr lang="sk-SK" sz="1100" b="1" dirty="0">
-                <a:solidFill>
-                  <a:srgbClr val="020302"/>
-                </a:solidFill>
-                <a:latin typeface="Adobe Clean" panose="020B0503020404020204" pitchFamily="34" charset="0"/>
-                <a:cs typeface="Adobe Clean"/>
-              </a:rPr>
-            </a:br>
-            <a:r>
-              <a:rPr lang="es-ES" sz="1100" b="1" dirty="0">
-                <a:solidFill>
-                  <a:srgbClr val="020302"/>
-                </a:solidFill>
-                <a:latin typeface="Adobe Clean" panose="020B0503020404020204" pitchFamily="34" charset="0"/>
-                <a:cs typeface="Adobe Clean"/>
-              </a:rPr>
-              <a:t>y revisión de la versión</a:t>
+              <a:t>Preparação e revisão da versão</a:t>
             </a:r>
           </a:p>
         </p:txBody>
@@ -10369,7 +9856,7 @@
         </p:nvSpPr>
         <p:spPr>
           <a:xfrm>
-            <a:off x="3113405" y="4935181"/>
+            <a:off x="3114255" y="4914694"/>
             <a:ext cx="2194560" cy="169277"/>
           </a:xfrm>
           <a:prstGeom prst="rect">
@@ -10391,14 +9878,14 @@
               </a:spcBef>
             </a:pPr>
             <a:r>
-              <a:rPr lang="es-ES" sz="1100" b="1">
+              <a:rPr lang="pt-BR" sz="1100" b="1" dirty="0">
                 <a:solidFill>
                   <a:srgbClr val="020302"/>
                 </a:solidFill>
                 <a:latin typeface="Adobe Clean" panose="020B0503020404020204" pitchFamily="34" charset="0"/>
                 <a:cs typeface="Adobe Clean"/>
               </a:rPr>
-              <a:t>Transferencia de conocimientos</a:t>
+              <a:t>Transferência de conhecimento</a:t>
             </a:r>
           </a:p>
         </p:txBody>
@@ -10417,7 +9904,7 @@
         </p:nvSpPr>
         <p:spPr>
           <a:xfrm>
-            <a:off x="5723508" y="4935181"/>
+            <a:off x="5721544" y="4914900"/>
             <a:ext cx="2194560" cy="169277"/>
           </a:xfrm>
           <a:prstGeom prst="rect">
@@ -10439,14 +9926,14 @@
               </a:spcBef>
             </a:pPr>
             <a:r>
-              <a:rPr lang="es-ES" sz="1100" b="1">
+              <a:rPr lang="pt-BR" sz="1100" b="1" dirty="0">
                 <a:solidFill>
                   <a:srgbClr val="020302"/>
                 </a:solidFill>
                 <a:latin typeface="Adobe Clean" panose="020B0503020404020204" pitchFamily="34" charset="0"/>
                 <a:cs typeface="Adobe Clean"/>
               </a:rPr>
-              <a:t>Gestión de eventos</a:t>
+              <a:t>Gerenciamento de eventos</a:t>
             </a:r>
           </a:p>
         </p:txBody>
@@ -10465,7 +9952,7 @@
         </p:nvSpPr>
         <p:spPr>
           <a:xfrm rot="5400000" flipH="1">
-            <a:off x="3863341" y="815340"/>
+            <a:off x="3863341" y="891540"/>
             <a:ext cx="45719" cy="5577840"/>
           </a:xfrm>
           <a:custGeom>
@@ -10520,7 +10007,7 @@
         </p:nvSpPr>
         <p:spPr>
           <a:xfrm rot="5400000" flipH="1">
-            <a:off x="3863341" y="-327660"/>
+            <a:off x="3863341" y="-322580"/>
             <a:ext cx="45719" cy="5577840"/>
           </a:xfrm>
           <a:custGeom>
@@ -10652,7 +10139,7 @@
         </p:blipFill>
         <p:spPr>
           <a:xfrm>
-            <a:off x="355868" y="4878393"/>
+            <a:off x="355868" y="4844234"/>
             <a:ext cx="240657" cy="300821"/>
           </a:xfrm>
           <a:prstGeom prst="rect">
@@ -10712,7 +10199,7 @@
         </p:blipFill>
         <p:spPr>
           <a:xfrm>
-            <a:off x="5276601" y="4928329"/>
+            <a:off x="5276601" y="4876800"/>
             <a:ext cx="347646" cy="264530"/>
           </a:xfrm>
           <a:prstGeom prst="rect">
@@ -10751,7 +10238,7 @@
         </p:blipFill>
         <p:spPr>
           <a:xfrm>
-            <a:off x="2768925" y="4836780"/>
+            <a:off x="2768925" y="4800600"/>
             <a:ext cx="365760" cy="365760"/>
           </a:xfrm>
           <a:prstGeom prst="rect">
@@ -10774,7 +10261,7 @@
         <p:spPr>
           <a:xfrm>
             <a:off x="2764975" y="4039530"/>
-            <a:ext cx="2282011" cy="881460"/>
+            <a:ext cx="2297752" cy="708399"/>
           </a:xfrm>
           <a:prstGeom prst="rect">
             <a:avLst/>
@@ -10795,33 +10282,14 @@
               </a:spcBef>
             </a:pPr>
             <a:r>
-              <a:rPr lang="es-ES" sz="1000" dirty="0">
+              <a:rPr lang="pt-BR" sz="1000" dirty="0">
                 <a:solidFill>
                   <a:srgbClr val="020302"/>
                 </a:solidFill>
                 <a:latin typeface="AdobeClean-Light"/>
                 <a:cs typeface="AdobeClean-Light"/>
               </a:rPr>
-              <a:t>Compare y alinee la hoja de ruta de la solución de Adobe con la hoja de ruta de su proyecto para mitigar el riesgo </a:t>
-            </a:r>
-            <a:br>
-              <a:rPr lang="sk-SK" sz="1000" dirty="0">
-                <a:solidFill>
-                  <a:srgbClr val="020302"/>
-                </a:solidFill>
-                <a:latin typeface="AdobeClean-Light"/>
-                <a:cs typeface="AdobeClean-Light"/>
-              </a:rPr>
-            </a:br>
-            <a:r>
-              <a:rPr lang="es-ES" sz="1000" dirty="0">
-                <a:solidFill>
-                  <a:srgbClr val="020302"/>
-                </a:solidFill>
-                <a:latin typeface="AdobeClean-Light"/>
-                <a:cs typeface="AdobeClean-Light"/>
-              </a:rPr>
-              <a:t>y prepararse para el futuro.</a:t>
+              <a:t>Compare e alinhe o roteiro da solução Adobe com o roteiro do seu projeto para reduzir riscos e se preparar para o futuro.</a:t>
             </a:r>
           </a:p>
           <a:p>
@@ -10834,7 +10302,7 @@
               </a:spcBef>
             </a:pPr>
             <a:r>
-              <a:rPr lang="es-ES" sz="1000" dirty="0">
+              <a:rPr lang="pt-BR" sz="1000" dirty="0">
                 <a:solidFill>
                   <a:srgbClr val="020302"/>
                 </a:solidFill>
@@ -11128,9 +10596,9 @@
           <p:nvPr/>
         </p:nvSpPr>
         <p:spPr>
-          <a:xfrm>
-            <a:off x="4333468" y="2608959"/>
-            <a:ext cx="2524525" cy="75996"/>
+          <a:xfrm flipV="1">
+            <a:off x="4419600" y="2654676"/>
+            <a:ext cx="2362191" cy="54282"/>
           </a:xfrm>
           <a:custGeom>
             <a:avLst/>
@@ -11171,8 +10639,8 @@
         </p:nvSpPr>
         <p:spPr>
           <a:xfrm>
-            <a:off x="4333468" y="2286000"/>
-            <a:ext cx="2676932" cy="228268"/>
+            <a:off x="4419600" y="2329688"/>
+            <a:ext cx="2533596" cy="228268"/>
           </a:xfrm>
           <a:prstGeom prst="rect">
             <a:avLst/>
@@ -11193,14 +10661,14 @@
               </a:spcBef>
             </a:pPr>
             <a:r>
-              <a:rPr lang="es-ES" sz="1400" b="1" dirty="0">
+              <a:rPr lang="pt-BR" sz="1400" b="1" dirty="0">
                 <a:solidFill>
                   <a:srgbClr val="020302"/>
                 </a:solidFill>
                 <a:latin typeface="Adobe Clean"/>
                 <a:cs typeface="Adobe Clean"/>
               </a:rPr>
-              <a:t>Actividades del servicio de campo</a:t>
+              <a:t>Atividades de serviço de campo</a:t>
             </a:r>
           </a:p>
         </p:txBody>
@@ -11213,8 +10681,8 @@
         </p:nvSpPr>
         <p:spPr>
           <a:xfrm>
-            <a:off x="838200" y="2342312"/>
-            <a:ext cx="1804469" cy="228268"/>
+            <a:off x="914421" y="2342312"/>
+            <a:ext cx="1407769" cy="228268"/>
           </a:xfrm>
           <a:prstGeom prst="rect">
             <a:avLst/>
@@ -11235,42 +10703,15 @@
               </a:spcBef>
             </a:pPr>
             <a:r>
-              <a:rPr lang="es-ES" sz="1400" b="1" dirty="0" err="1">
+              <a:rPr lang="pt-BR" sz="1400" b="1" dirty="0">
                 <a:solidFill>
                   <a:srgbClr val="020302"/>
                 </a:solidFill>
                 <a:latin typeface="Adobe Clean"/>
                 <a:cs typeface="Adobe Clean"/>
               </a:rPr>
-              <a:t>Launch</a:t>
-            </a:r>
-            <a:r>
-              <a:rPr lang="es-ES" sz="1400" b="1" dirty="0">
-                <a:solidFill>
-                  <a:srgbClr val="020302"/>
-                </a:solidFill>
-                <a:latin typeface="Adobe Clean"/>
-                <a:cs typeface="Adobe Clean"/>
-              </a:rPr>
-              <a:t> </a:t>
-            </a:r>
-            <a:r>
-              <a:rPr lang="es-ES" sz="1400" b="1" dirty="0" err="1">
-                <a:solidFill>
-                  <a:srgbClr val="020302"/>
-                </a:solidFill>
-                <a:latin typeface="Adobe Clean"/>
-                <a:cs typeface="Adobe Clean"/>
-              </a:rPr>
-              <a:t>Advisory</a:t>
-            </a:r>
-            <a:endParaRPr lang="es-ES" sz="1400" b="1" dirty="0">
-              <a:solidFill>
-                <a:srgbClr val="020302"/>
-              </a:solidFill>
-              <a:latin typeface="Adobe Clean"/>
-              <a:cs typeface="Adobe Clean"/>
-            </a:endParaRPr>
+              <a:t>Launch Advisory</a:t>
+            </a:r>
           </a:p>
         </p:txBody>
       </p:sp>
@@ -11283,7 +10724,7 @@
         <p:spPr>
           <a:xfrm>
             <a:off x="242187" y="2787904"/>
-            <a:ext cx="3004185" cy="795089"/>
+            <a:ext cx="3004185" cy="782265"/>
           </a:xfrm>
           <a:prstGeom prst="rect">
             <a:avLst/>
@@ -11304,65 +10745,50 @@
               </a:spcBef>
             </a:pPr>
             <a:r>
-              <a:rPr lang="es-ES" sz="1000" dirty="0">
+              <a:rPr lang="pt-BR" sz="1000" dirty="0">
                 <a:solidFill>
                   <a:srgbClr val="1F1F1F"/>
                 </a:solidFill>
                 <a:latin typeface="AdobeClean-Light"/>
                 <a:cs typeface="AdobeClean-Light"/>
               </a:rPr>
-              <a:t>Para los clientes que piensan implementar una </a:t>
-            </a:r>
-            <a:r>
-              <a:rPr lang="es-ES" sz="1000" b="1" dirty="0">
+              <a:t>Para clientes que implementam uma </a:t>
+            </a:r>
+            <a:r>
+              <a:rPr lang="pt-BR" sz="1000" b="1" dirty="0">
                 <a:solidFill>
                   <a:srgbClr val="1F1F1F"/>
                 </a:solidFill>
                 <a:latin typeface="Adobe Clean"/>
                 <a:cs typeface="Adobe Clean"/>
               </a:rPr>
-              <a:t>nueva solución de Adobe </a:t>
-            </a:r>
-            <a:r>
-              <a:rPr lang="es-ES" sz="1000" b="1" dirty="0" err="1">
+              <a:t>nova solução </a:t>
+            </a:r>
+            <a:br>
+              <a:rPr lang="sk-SK" sz="1000" b="1" dirty="0">
                 <a:solidFill>
                   <a:srgbClr val="1F1F1F"/>
                 </a:solidFill>
                 <a:latin typeface="Adobe Clean"/>
                 <a:cs typeface="Adobe Clean"/>
               </a:rPr>
-              <a:t>Experience</a:t>
-            </a:r>
-            <a:r>
-              <a:rPr lang="es-ES" sz="1000" b="1" dirty="0">
+            </a:br>
+            <a:r>
+              <a:rPr lang="pt-BR" sz="1000" b="1" dirty="0">
                 <a:solidFill>
                   <a:srgbClr val="1F1F1F"/>
                 </a:solidFill>
                 <a:latin typeface="Adobe Clean"/>
                 <a:cs typeface="Adobe Clean"/>
               </a:rPr>
-              <a:t> Cloud, </a:t>
-            </a:r>
-            <a:r>
-              <a:rPr lang="es-ES" sz="1000" dirty="0" err="1">
+              <a:t>Adobe Experience Cloud, </a:t>
+            </a:r>
+            <a:r>
+              <a:rPr lang="pt-BR" sz="1000" dirty="0">
                 <a:latin typeface="AdobeClean-Light"/>
                 <a:cs typeface="AdobeClean-Light"/>
               </a:rPr>
-              <a:t>Launch</a:t>
-            </a:r>
-            <a:r>
-              <a:rPr lang="es-ES" sz="1000" dirty="0">
-                <a:latin typeface="AdobeClean-Light"/>
-                <a:cs typeface="AdobeClean-Light"/>
-              </a:rPr>
-              <a:t> </a:t>
-            </a:r>
-            <a:r>
-              <a:rPr lang="es-ES" sz="1000" dirty="0" err="1">
-                <a:latin typeface="AdobeClean-Light"/>
-                <a:cs typeface="AdobeClean-Light"/>
-              </a:rPr>
-              <a:t>Advisory</a:t>
+              <a:t>o Launch Advisory </a:t>
             </a:r>
             <a:br>
               <a:rPr lang="sk-SK" sz="1000" dirty="0">
@@ -11371,84 +10797,83 @@
               </a:rPr>
             </a:br>
             <a:r>
-              <a:rPr lang="es-ES" sz="1000" dirty="0">
+              <a:rPr lang="pt-BR" sz="1000" dirty="0">
+                <a:latin typeface="AdobeClean-Light"/>
+                <a:cs typeface="AdobeClean-Light"/>
+              </a:rPr>
+              <a:t>é um </a:t>
+            </a:r>
+            <a:r>
+              <a:rPr lang="pt-BR" sz="1000" dirty="0"/>
+              <a:t>conjunto essencial de</a:t>
+            </a:r>
+            <a:r>
+              <a:rPr lang="sk-SK" sz="1000" dirty="0"/>
+              <a:t> </a:t>
+            </a:r>
+            <a:r>
+              <a:rPr lang="pt-BR" sz="950" dirty="0">
                 <a:latin typeface="AdobeClean-SemiLight"/>
                 <a:cs typeface="AdobeClean-SemiLight"/>
               </a:rPr>
-              <a:t>es un servicio </a:t>
-            </a:r>
-            <a:r>
-              <a:rPr lang="es-ES" sz="950" dirty="0">
-                <a:latin typeface="AdobeClean-SemiLight"/>
-                <a:cs typeface="AdobeClean-SemiLight"/>
-              </a:rPr>
-              <a:t>esencial de asesoría</a:t>
-            </a:r>
-            <a:r>
-              <a:rPr lang="sk-SK" sz="950" dirty="0">
-                <a:latin typeface="AdobeClean-SemiLight"/>
-                <a:cs typeface="AdobeClean-SemiLight"/>
-              </a:rPr>
-              <a:t> </a:t>
-            </a:r>
-            <a:r>
-              <a:rPr lang="es-ES" sz="950" dirty="0">
-                <a:latin typeface="AdobeClean-SemiLight"/>
-                <a:cs typeface="AdobeClean-SemiLight"/>
-              </a:rPr>
-              <a:t>cuyas </a:t>
-            </a:r>
-            <a:r>
-              <a:rPr lang="es-ES" sz="1000" dirty="0">
+              <a:t>serviços</a:t>
+            </a:r>
+            <a:r>
+              <a:rPr lang="pt-BR" sz="1000" dirty="0">
                 <a:latin typeface="AdobeClean-Light"/>
                 <a:cs typeface="AdobeClean-Light"/>
               </a:rPr>
-              <a:t>recomendaciones ayudan a </a:t>
-            </a:r>
-            <a:r>
-              <a:rPr lang="es-ES" sz="950" dirty="0">
+              <a:t> de consultoria </a:t>
+            </a:r>
+            <a:br>
+              <a:rPr lang="sk-SK" sz="1000" dirty="0">
                 <a:latin typeface="AdobeClean-Light"/>
                 <a:cs typeface="AdobeClean-Light"/>
               </a:rPr>
-              <a:t>conseguir implementaciones adecuadas </a:t>
-            </a:r>
-            <a:r>
-              <a:rPr lang="es-ES" sz="1000" dirty="0">
+            </a:br>
+            <a:r>
+              <a:rPr lang="pt-BR" sz="1000" dirty="0">
                 <a:latin typeface="AdobeClean-Light"/>
                 <a:cs typeface="AdobeClean-Light"/>
               </a:rPr>
-              <a:t>y </a:t>
-            </a:r>
-            <a:r>
-              <a:rPr lang="es-ES" sz="950" dirty="0">
+              <a:t>e recomendações de eficácia </a:t>
+            </a:r>
+            <a:r>
+              <a:rPr lang="pt-BR" sz="950" dirty="0">
                 <a:latin typeface="AdobeClean-Light"/>
                 <a:cs typeface="AdobeClean-Light"/>
               </a:rPr>
-              <a:t>agilizan </a:t>
-            </a:r>
-            <a:endParaRPr lang="sk-SK" sz="950" dirty="0">
-              <a:latin typeface="AdobeClean-Light"/>
-              <a:cs typeface="AdobeClean-Light"/>
-            </a:endParaRPr>
-          </a:p>
-          <a:p>
-            <a:pPr marL="12700" marR="5080">
-              <a:lnSpc>
-                <a:spcPct val="100000"/>
-              </a:lnSpc>
-              <a:spcBef>
-                <a:spcPts val="100"/>
-              </a:spcBef>
-            </a:pPr>
-            <a:r>
-              <a:rPr lang="es-ES" sz="950" dirty="0">
+              <a:t>comprovada que aceleram</a:t>
+            </a:r>
+            <a:r>
+              <a:rPr lang="pt-BR" sz="1000" dirty="0">
                 <a:latin typeface="AdobeClean-Light"/>
                 <a:cs typeface="AdobeClean-Light"/>
               </a:rPr>
-              <a:t>la obtención de rentabilidad</a:t>
-            </a:r>
-            <a:r>
-              <a:rPr lang="es-ES" sz="1000" dirty="0">
+              <a:t> </a:t>
+            </a:r>
+            <a:br>
+              <a:rPr lang="sk-SK" sz="1000" dirty="0">
+                <a:latin typeface="AdobeClean-Light"/>
+                <a:cs typeface="AdobeClean-Light"/>
+              </a:rPr>
+            </a:br>
+            <a:r>
+              <a:rPr lang="pt-BR" sz="1000" dirty="0">
+                <a:latin typeface="AdobeClean-Light"/>
+                <a:cs typeface="AdobeClean-Light"/>
+              </a:rPr>
+              <a:t>o </a:t>
+            </a:r>
+            <a:r>
+              <a:rPr lang="pt-BR" sz="950" dirty="0">
+                <a:latin typeface="AdobeClean-Light"/>
+                <a:cs typeface="AdobeClean-Light"/>
+              </a:rPr>
+              <a:t>tempo de implantação</a:t>
+            </a:r>
+            <a:r>
+              <a:rPr lang="pt-BR" sz="1000" dirty="0">
                 <a:latin typeface="AdobeClean-Light"/>
                 <a:cs typeface="AdobeClean-Light"/>
               </a:rPr>
@@ -11545,7 +10970,7 @@
         <p:spPr>
           <a:xfrm>
             <a:off x="3976901" y="2790952"/>
-            <a:ext cx="3543300" cy="782265"/>
+            <a:ext cx="3543300" cy="628377"/>
           </a:xfrm>
           <a:prstGeom prst="rect">
             <a:avLst/>
@@ -11566,149 +10991,74 @@
               </a:spcBef>
             </a:pPr>
             <a:r>
-              <a:rPr lang="es-ES" sz="1000" dirty="0">
+              <a:rPr lang="pt-BR" sz="1000">
                 <a:solidFill>
                   <a:srgbClr val="4B4B4B"/>
                 </a:solidFill>
                 <a:latin typeface="AdobeClean-Light"/>
                 <a:cs typeface="AdobeClean-Light"/>
               </a:rPr>
-              <a:t>Los servicios de campo se utilizan para</a:t>
-            </a:r>
-            <a:r>
-              <a:rPr lang="es-ES" sz="1000" b="1" dirty="0">
+              <a:t>Os serviços de campo são usados para </a:t>
+            </a:r>
+            <a:r>
+              <a:rPr lang="pt-BR" sz="1000" b="1">
                 <a:solidFill>
                   <a:srgbClr val="4B4B4B"/>
                 </a:solidFill>
                 <a:latin typeface="Adobe Clean"/>
                 <a:cs typeface="Adobe Clean"/>
               </a:rPr>
-              <a:t> fines de resolución rápida</a:t>
-            </a:r>
-            <a:r>
-              <a:rPr lang="es-ES" sz="1000" dirty="0">
+              <a:t>resolução rápida</a:t>
+            </a:r>
+            <a:r>
+              <a:rPr lang="pt-BR" sz="1000">
                 <a:solidFill>
                   <a:srgbClr val="4B4B4B"/>
                 </a:solidFill>
                 <a:latin typeface="AdobeClean-Light"/>
                 <a:cs typeface="AdobeClean-Light"/>
               </a:rPr>
-              <a:t>, éxito centrado en el cliente y</a:t>
-            </a:r>
-            <a:r>
-              <a:rPr lang="es-ES" sz="1000" dirty="0">
-                <a:solidFill>
-                  <a:srgbClr val="4B4B4B"/>
-                </a:solidFill>
-              </a:rPr>
-              <a:t> </a:t>
-            </a:r>
-            <a:r>
-              <a:rPr lang="es-ES" sz="1000" b="1" dirty="0">
+              <a:t>, sucesso focado do cliente e </a:t>
+            </a:r>
+            <a:r>
+              <a:rPr lang="pt-BR" sz="1000" b="1">
                 <a:solidFill>
                   <a:srgbClr val="4B4B4B"/>
                 </a:solidFill>
                 <a:latin typeface="Adobe Clean"/>
                 <a:cs typeface="Adobe Clean"/>
               </a:rPr>
-              <a:t>una obtención de rentabilidad más rápida</a:t>
-            </a:r>
-            <a:r>
-              <a:rPr lang="es-ES" sz="1000" dirty="0">
+              <a:t>tempo de implantação</a:t>
+            </a:r>
+            <a:r>
+              <a:rPr lang="pt-BR" sz="1000">
                 <a:solidFill>
                   <a:srgbClr val="4B4B4B"/>
                 </a:solidFill>
                 <a:latin typeface="AdobeClean-Light"/>
                 <a:cs typeface="AdobeClean-Light"/>
               </a:rPr>
-              <a:t>. Si </a:t>
-            </a:r>
-            <a:r>
-              <a:rPr lang="es-ES" sz="1000" dirty="0" err="1">
+              <a:t> acelerado. Se o Launch Advisory estiver ativo, </a:t>
+            </a:r>
+            <a:r>
+              <a:rPr lang="pt-BR" sz="1000" b="1">
+                <a:solidFill>
+                  <a:srgbClr val="4B4B4B"/>
+                </a:solidFill>
+                <a:latin typeface="Adobe Clean"/>
+                <a:cs typeface="Adobe Clean"/>
+              </a:rPr>
+              <a:t>não haverá Serviços de campo no ano 1</a:t>
+            </a:r>
+            <a:r>
+              <a:rPr lang="pt-BR" sz="1000">
                 <a:solidFill>
                   <a:srgbClr val="4B4B4B"/>
                 </a:solidFill>
                 <a:latin typeface="AdobeClean-Light"/>
                 <a:cs typeface="AdobeClean-Light"/>
               </a:rPr>
-              <a:t>Launch</a:t>
-            </a:r>
-            <a:r>
-              <a:rPr lang="es-ES" sz="1000" dirty="0">
-                <a:solidFill>
-                  <a:srgbClr val="4B4B4B"/>
-                </a:solidFill>
-                <a:latin typeface="AdobeClean-Light"/>
-                <a:cs typeface="AdobeClean-Light"/>
-              </a:rPr>
-              <a:t> </a:t>
-            </a:r>
-            <a:r>
-              <a:rPr lang="es-ES" sz="1000" dirty="0" err="1">
-                <a:solidFill>
-                  <a:srgbClr val="4B4B4B"/>
-                </a:solidFill>
-                <a:latin typeface="AdobeClean-Light"/>
-                <a:cs typeface="AdobeClean-Light"/>
-              </a:rPr>
-              <a:t>Advisory</a:t>
-            </a:r>
-            <a:r>
-              <a:rPr lang="es-ES" sz="1000" dirty="0">
-                <a:solidFill>
-                  <a:srgbClr val="4B4B4B"/>
-                </a:solidFill>
-                <a:latin typeface="AdobeClean-Light"/>
-                <a:cs typeface="AdobeClean-Light"/>
-              </a:rPr>
-              <a:t> está activado,</a:t>
-            </a:r>
-            <a:r>
-              <a:rPr lang="es-ES" sz="1000" dirty="0">
-                <a:solidFill>
-                  <a:srgbClr val="4B4B4B"/>
-                </a:solidFill>
-              </a:rPr>
-              <a:t> </a:t>
-            </a:r>
-            <a:r>
-              <a:rPr lang="es-ES" sz="1000" b="1" dirty="0">
-                <a:solidFill>
-                  <a:srgbClr val="4B4B4B"/>
-                </a:solidFill>
-                <a:latin typeface="Adobe Clean"/>
-                <a:cs typeface="Adobe Clean"/>
-              </a:rPr>
-              <a:t>no habrá ningún servicio </a:t>
-            </a:r>
-            <a:br>
-              <a:rPr lang="sk-SK" sz="1000" b="1" dirty="0">
-                <a:solidFill>
-                  <a:srgbClr val="4B4B4B"/>
-                </a:solidFill>
-                <a:latin typeface="Adobe Clean"/>
-                <a:cs typeface="Adobe Clean"/>
-              </a:rPr>
-            </a:br>
-            <a:r>
-              <a:rPr lang="es-ES" sz="1000" b="1" dirty="0">
-                <a:solidFill>
-                  <a:srgbClr val="4B4B4B"/>
-                </a:solidFill>
-                <a:latin typeface="Adobe Clean"/>
-                <a:cs typeface="Adobe Clean"/>
-              </a:rPr>
-              <a:t>de campo en el año 1</a:t>
-            </a:r>
-            <a:r>
-              <a:rPr lang="es-ES" sz="1000" dirty="0">
-                <a:solidFill>
-                  <a:srgbClr val="4B4B4B"/>
-                </a:solidFill>
-                <a:latin typeface="AdobeClean-Light"/>
-                <a:cs typeface="AdobeClean-Light"/>
-              </a:rPr>
-              <a:t> para ningún producto de solución cubierto por un contrato de soporte de Adobe.</a:t>
+              <a:t> para nenhuma solução coberta por um contrato de suporte da Adobe.</a:t>
             </a:r>
           </a:p>
         </p:txBody>
@@ -11721,7 +11071,7 @@
         </p:nvSpPr>
         <p:spPr>
           <a:xfrm>
-            <a:off x="838200" y="2667378"/>
+            <a:off x="924304" y="2667378"/>
             <a:ext cx="1245870" cy="0"/>
           </a:xfrm>
           <a:custGeom>
@@ -11806,7 +11156,7 @@
         <p:spPr>
           <a:xfrm>
             <a:off x="263464" y="5348732"/>
-            <a:ext cx="3335020" cy="628377"/>
+            <a:ext cx="3428816" cy="482600"/>
           </a:xfrm>
           <a:prstGeom prst="rect">
             <a:avLst/>
@@ -11827,58 +11177,11 @@
               </a:spcBef>
             </a:pPr>
             <a:r>
-              <a:rPr lang="es-ES" sz="1000" dirty="0" err="1">
+              <a:rPr lang="pt-BR" sz="1000" dirty="0">
                 <a:latin typeface="AdobeClean-Light"/>
                 <a:cs typeface="AdobeClean-Light"/>
               </a:rPr>
-              <a:t>Launch</a:t>
-            </a:r>
-            <a:r>
-              <a:rPr lang="es-ES" sz="1000" dirty="0">
-                <a:latin typeface="AdobeClean-Light"/>
-                <a:cs typeface="AdobeClean-Light"/>
-              </a:rPr>
-              <a:t> </a:t>
-            </a:r>
-            <a:r>
-              <a:rPr lang="es-ES" sz="1000" dirty="0" err="1">
-                <a:latin typeface="AdobeClean-Light"/>
-                <a:cs typeface="AdobeClean-Light"/>
-              </a:rPr>
-              <a:t>Advisory</a:t>
-            </a:r>
-            <a:r>
-              <a:rPr lang="es-ES" sz="1000" dirty="0">
-                <a:latin typeface="AdobeClean-Light"/>
-                <a:cs typeface="AdobeClean-Light"/>
-              </a:rPr>
-              <a:t> se alineará con la programación de su proyecto </a:t>
-            </a:r>
-            <a:br>
-              <a:rPr lang="sk-SK" sz="1000" dirty="0">
-                <a:latin typeface="AdobeClean-Light"/>
-                <a:cs typeface="AdobeClean-Light"/>
-              </a:rPr>
-            </a:br>
-            <a:r>
-              <a:rPr lang="es-ES" sz="1000" dirty="0">
-                <a:latin typeface="AdobeClean-Light"/>
-                <a:cs typeface="AdobeClean-Light"/>
-              </a:rPr>
-              <a:t>a través de hitos comunes (inicio, definición, diseño, lanzamiento </a:t>
-            </a:r>
-            <a:br>
-              <a:rPr lang="sk-SK" sz="1000" dirty="0">
-                <a:latin typeface="AdobeClean-Light"/>
-                <a:cs typeface="AdobeClean-Light"/>
-              </a:rPr>
-            </a:br>
-            <a:r>
-              <a:rPr lang="es-ES" sz="1000" dirty="0">
-                <a:latin typeface="AdobeClean-Light"/>
-                <a:cs typeface="AdobeClean-Light"/>
-              </a:rPr>
-              <a:t>y lanzamiento posterior) para guiar, validar, evaluar y hacer recomendaciones.</a:t>
+              <a:t>O Launch Advisory se alinhará com o agendamento do seu projeto por meio de marcos comuns (Início, Definição, Projeto, Lançamento e Pós-lançamento) para guiar, validar, avaliar e fazer recomendações.</a:t>
             </a:r>
           </a:p>
         </p:txBody>
@@ -11891,8 +11194,8 @@
         </p:nvSpPr>
         <p:spPr>
           <a:xfrm>
-            <a:off x="263464" y="6003438"/>
-            <a:ext cx="1972670" cy="168762"/>
+            <a:off x="263464" y="5982714"/>
+            <a:ext cx="1565336" cy="166712"/>
           </a:xfrm>
           <a:prstGeom prst="rect">
             <a:avLst/>
@@ -11913,11 +11216,11 @@
               </a:spcBef>
             </a:pPr>
             <a:r>
-              <a:rPr lang="es-ES" sz="1000" dirty="0">
+              <a:rPr lang="pt-BR" sz="1000" dirty="0">
                 <a:latin typeface="AdobeClean-Light"/>
                 <a:cs typeface="AdobeClean-Light"/>
               </a:rPr>
-              <a:t>Entre los entregables clave se incluyen:</a:t>
+              <a:t>Os principais serviços incluem:</a:t>
             </a:r>
           </a:p>
         </p:txBody>
@@ -11931,7 +11234,7 @@
         <p:spPr>
           <a:xfrm>
             <a:off x="205422" y="6308299"/>
-            <a:ext cx="3737351" cy="592470"/>
+            <a:ext cx="3619633" cy="592470"/>
           </a:xfrm>
           <a:prstGeom prst="rect">
             <a:avLst/>
@@ -11951,12 +11254,12 @@
               <a:buChar char="•"/>
             </a:pPr>
             <a:r>
-              <a:rPr lang="es-ES" sz="1000" dirty="0">
+              <a:rPr lang="pt-BR" sz="1000" dirty="0">
                 <a:solidFill>
                   <a:prstClr val="black"/>
                 </a:solidFill>
               </a:rPr>
-              <a:t>Plan de lanzamiento (incluido el plan de colaboración del proyecto)</a:t>
+              <a:t>Plataforma de início (incluindo plano de colaboração do projeto)</a:t>
             </a:r>
           </a:p>
           <a:p>
@@ -11968,12 +11271,12 @@
               <a:buChar char="•"/>
             </a:pPr>
             <a:r>
-              <a:rPr lang="es-ES" sz="1000" dirty="0">
+              <a:rPr lang="pt-BR" sz="1000" dirty="0">
                 <a:solidFill>
                   <a:prstClr val="black"/>
                 </a:solidFill>
               </a:rPr>
-              <a:t>Documentos de evaluación y recomendaciones</a:t>
+              <a:t>Documentos de avaliação e recomendações</a:t>
             </a:r>
           </a:p>
           <a:p>
@@ -11985,12 +11288,12 @@
               <a:buChar char="•"/>
             </a:pPr>
             <a:r>
-              <a:rPr lang="es-ES" sz="1000" dirty="0">
+              <a:rPr lang="pt-BR" sz="1000" dirty="0">
                 <a:solidFill>
                   <a:prstClr val="black"/>
                 </a:solidFill>
               </a:rPr>
-              <a:t>Resumen de la participación</a:t>
+              <a:t>Resumo de engajamento</a:t>
             </a:r>
           </a:p>
         </p:txBody>
@@ -12025,14 +11328,14 @@
               </a:spcBef>
             </a:pPr>
             <a:r>
-              <a:rPr lang="es-ES" sz="1600" dirty="0">
+              <a:rPr lang="pt-BR" sz="1600" dirty="0">
                 <a:solidFill>
                   <a:srgbClr val="FFFFFF"/>
                 </a:solidFill>
                 <a:latin typeface="Arial"/>
                 <a:cs typeface="Arial"/>
               </a:rPr>
-              <a:t>Implementación</a:t>
+              <a:t>Implementação</a:t>
             </a:r>
           </a:p>
           <a:p>
@@ -12045,39 +11348,32 @@
               </a:spcBef>
             </a:pPr>
             <a:r>
-              <a:rPr lang="es-ES" sz="1000" dirty="0">
+              <a:rPr lang="pt-BR" sz="1000" dirty="0">
                 <a:latin typeface="AdobeClean-Light"/>
                 <a:cs typeface="AdobeClean-Light"/>
               </a:rPr>
-              <a:t>Los expertos en soluciones de Adobe ayudan a validar los requisitos, la arquitectura, el proceso de desarrollo y las revisiones de la preparación de los lanzamientos </a:t>
-            </a:r>
-            <a:r>
-              <a:rPr lang="es-ES" sz="1000" dirty="0" err="1">
+              <a:t>Os especialistas em soluções da Adobe ajudam a validar os requisitos, a arquitetura, o processo de desenvolvimento e iniciam revisões de prontidão </a:t>
+            </a:r>
+            <a:r>
+              <a:rPr lang="pt-BR" sz="1000" dirty="0">
                 <a:latin typeface="AdobeClean-SemiLight"/>
                 <a:cs typeface="AdobeClean-SemiLight"/>
               </a:rPr>
-              <a:t>con</a:t>
-            </a:r>
-            <a:r>
-              <a:rPr lang="es-ES" sz="950" dirty="0" err="1">
+              <a:t>com </a:t>
+            </a:r>
+            <a:r>
+              <a:rPr lang="pt-BR" sz="950" dirty="0">
                 <a:latin typeface="AdobeClean-SemiLight"/>
                 <a:cs typeface="AdobeClean-SemiLight"/>
               </a:rPr>
-              <a:t>directrices</a:t>
-            </a:r>
-            <a:r>
-              <a:rPr lang="es-ES" sz="950" dirty="0">
+              <a:t>orientação baseada em práticas recomendadas</a:t>
+            </a:r>
+            <a:r>
+              <a:rPr lang="pt-BR" sz="1000" dirty="0">
                 <a:latin typeface="AdobeClean-SemiLight"/>
                 <a:cs typeface="AdobeClean-SemiLight"/>
               </a:rPr>
-              <a:t> basadas en prácticas recomendadas</a:t>
-            </a:r>
-            <a:r>
-              <a:rPr lang="es-ES" sz="1000" dirty="0">
-                <a:latin typeface="AdobeClean-SemiLight"/>
-                <a:cs typeface="AdobeClean-SemiLight"/>
-              </a:rPr>
-              <a:t> para los clientes y los socios de implementación.</a:t>
+              <a:t> para clientes e parceiros de implementação.</a:t>
             </a:r>
           </a:p>
         </p:txBody>
@@ -12118,7 +11414,7 @@
         <p:spPr>
           <a:xfrm>
             <a:off x="3947346" y="5363972"/>
-            <a:ext cx="3672654" cy="805029"/>
+            <a:ext cx="3335020" cy="805029"/>
           </a:xfrm>
           <a:prstGeom prst="rect">
             <a:avLst/>
@@ -12139,18 +11435,18 @@
               </a:spcBef>
             </a:pPr>
             <a:r>
-              <a:rPr lang="es-ES" sz="1000" b="1" dirty="0">
+              <a:rPr lang="pt-BR" sz="1000" b="1" dirty="0">
                 <a:latin typeface="Arial"/>
                 <a:cs typeface="Arial"/>
               </a:rPr>
-              <a:t>Las actividades de seguimiento técnicas</a:t>
-            </a:r>
-            <a:r>
-              <a:rPr lang="es-ES" sz="1000" dirty="0">
+              <a:t>As Atividades técnicas</a:t>
+            </a:r>
+            <a:r>
+              <a:rPr lang="pt-BR" sz="1000" dirty="0">
                 <a:latin typeface="AdobeClean-Light"/>
                 <a:cs typeface="AdobeClean-Light"/>
               </a:rPr>
-              <a:t> garantizan que </a:t>
+              <a:t> verificam se os clientes estão apresentando solidez técnica e aproveitando ao máximo sua adoção de ferramentas. Especificamente, essas atividades incluem suporte e recomendações relacionados a configurações </a:t>
             </a:r>
             <a:br>
               <a:rPr lang="sk-SK" sz="1000" dirty="0">
@@ -12159,37 +11455,11 @@
               </a:rPr>
             </a:br>
             <a:r>
-              <a:rPr lang="es-ES" sz="1000" dirty="0">
+              <a:rPr lang="pt-BR" sz="1000" dirty="0">
                 <a:latin typeface="AdobeClean-Light"/>
                 <a:cs typeface="AdobeClean-Light"/>
               </a:rPr>
-              <a:t>los clientes estén técnicamente implementados y maximicen la adopción </a:t>
-            </a:r>
-            <a:br>
-              <a:rPr lang="sk-SK" sz="1000" dirty="0">
-                <a:latin typeface="AdobeClean-Light"/>
-                <a:cs typeface="AdobeClean-Light"/>
-              </a:rPr>
-            </a:br>
-            <a:r>
-              <a:rPr lang="es-ES" sz="1000" dirty="0">
-                <a:latin typeface="AdobeClean-Light"/>
-                <a:cs typeface="AdobeClean-Light"/>
-              </a:rPr>
-              <a:t>de sus herramientas. Específicamente, estos tipos de actividades incluyen soporte y recomendaciones relacionadas con configuraciones </a:t>
-            </a:r>
-            <a:br>
-              <a:rPr lang="sk-SK" sz="1000" dirty="0">
-                <a:latin typeface="AdobeClean-Light"/>
-                <a:cs typeface="AdobeClean-Light"/>
-              </a:rPr>
-            </a:br>
-            <a:r>
-              <a:rPr lang="es-ES" sz="1000" dirty="0">
-                <a:latin typeface="AdobeClean-Light"/>
-                <a:cs typeface="AdobeClean-Light"/>
-              </a:rPr>
-              <a:t>de plataforma, integraciones y resolución de problemas.</a:t>
+              <a:t>da plataforma, integrações e solução de problemas</a:t>
             </a:r>
           </a:p>
         </p:txBody>
@@ -12203,7 +11473,7 @@
         <p:spPr>
           <a:xfrm>
             <a:off x="3947346" y="6174740"/>
-            <a:ext cx="2377254" cy="1436291"/>
+            <a:ext cx="2099310" cy="1436291"/>
           </a:xfrm>
           <a:prstGeom prst="rect">
             <a:avLst/>
@@ -12224,11 +11494,11 @@
               </a:spcBef>
             </a:pPr>
             <a:r>
-              <a:rPr lang="es-ES" sz="1000" dirty="0">
+              <a:rPr lang="pt-BR" sz="1000" dirty="0">
                 <a:latin typeface="AdobeClean-Light"/>
                 <a:cs typeface="AdobeClean-Light"/>
               </a:rPr>
-              <a:t>Tipos de actividades técnicas disponibles:</a:t>
+              <a:t>Tipos de atividades técnicas disponíveis::</a:t>
             </a:r>
           </a:p>
           <a:p>
@@ -12243,12 +11513,12 @@
               <a:buChar char="ü"/>
             </a:pPr>
             <a:r>
-              <a:rPr lang="es-ES" sz="1000" dirty="0">
+              <a:rPr lang="pt-BR" sz="1000" dirty="0">
                 <a:solidFill>
                   <a:prstClr val="black"/>
                 </a:solidFill>
               </a:rPr>
-              <a:t>Auditoría de estado</a:t>
+              <a:t>Auditoria de integridade</a:t>
             </a:r>
           </a:p>
           <a:p>
@@ -12263,12 +11533,12 @@
               <a:buChar char="ü"/>
             </a:pPr>
             <a:r>
-              <a:rPr lang="es-ES" sz="1000" dirty="0">
+              <a:rPr lang="pt-BR" sz="1000" dirty="0">
                 <a:solidFill>
                   <a:prstClr val="black"/>
                 </a:solidFill>
               </a:rPr>
-              <a:t>Auditoría de plataforma</a:t>
+              <a:t>Auditoria da plataforma</a:t>
             </a:r>
           </a:p>
           <a:p>
@@ -12283,12 +11553,12 @@
               <a:buChar char="ü"/>
             </a:pPr>
             <a:r>
-              <a:rPr lang="es-ES" sz="1000" dirty="0">
+              <a:rPr lang="pt-BR" sz="1000" dirty="0">
                 <a:solidFill>
                   <a:prstClr val="black"/>
                 </a:solidFill>
               </a:rPr>
-              <a:t>Habilitación del conjunto de funciones</a:t>
+              <a:t>Ativação do conjunto de recursos</a:t>
             </a:r>
           </a:p>
           <a:p>
@@ -12303,12 +11573,12 @@
               <a:buChar char="ü"/>
             </a:pPr>
             <a:r>
-              <a:rPr lang="es-ES" sz="1000" dirty="0">
+              <a:rPr lang="pt-BR" sz="1000" dirty="0">
                 <a:solidFill>
                   <a:prstClr val="black"/>
                 </a:solidFill>
               </a:rPr>
-              <a:t>Integraciones y configuraciones básicas</a:t>
+              <a:t>Integrações e configurações básicas</a:t>
             </a:r>
           </a:p>
           <a:p>
@@ -12323,12 +11593,12 @@
               <a:buChar char="ü"/>
             </a:pPr>
             <a:r>
-              <a:rPr lang="es-ES" sz="1000" dirty="0">
+              <a:rPr lang="pt-BR" sz="1000" dirty="0">
                 <a:solidFill>
                   <a:prstClr val="black"/>
                 </a:solidFill>
               </a:rPr>
-              <a:t>Solución de problemas del cliente</a:t>
+              <a:t>Solução de problemas do cliente</a:t>
             </a:r>
           </a:p>
           <a:p>
@@ -12343,12 +11613,12 @@
               <a:buChar char="ü"/>
             </a:pPr>
             <a:r>
-              <a:rPr lang="es-ES" sz="1000" dirty="0">
+              <a:rPr lang="pt-BR" sz="1000" dirty="0">
                 <a:solidFill>
                   <a:prstClr val="black"/>
                 </a:solidFill>
               </a:rPr>
-              <a:t>Soporte del servicio en la nube</a:t>
+              <a:t>Suporte ao serviço na nuvem</a:t>
             </a:r>
           </a:p>
         </p:txBody>
@@ -12362,7 +11632,7 @@
         <p:spPr>
           <a:xfrm>
             <a:off x="3942774" y="7717028"/>
-            <a:ext cx="3466298" cy="1989006"/>
+            <a:ext cx="3208655" cy="1989006"/>
           </a:xfrm>
           <a:prstGeom prst="rect">
             <a:avLst/>
@@ -12383,18 +11653,57 @@
               </a:spcBef>
             </a:pPr>
             <a:r>
-              <a:rPr lang="es-ES" sz="1000" b="1" dirty="0">
+              <a:rPr lang="pt-BR" sz="1000" b="1" dirty="0">
                 <a:latin typeface="Arial"/>
                 <a:cs typeface="Arial"/>
               </a:rPr>
-              <a:t>Las actividades de seguimiento estratégicas</a:t>
-            </a:r>
-            <a:r>
-              <a:rPr lang="es-ES" sz="1000" dirty="0">
+              <a:t>As Atividades estratégicas</a:t>
+            </a:r>
+            <a:r>
+              <a:rPr lang="pt-BR" sz="1000" dirty="0">
                 <a:latin typeface="AdobeClean-Light"/>
                 <a:cs typeface="AdobeClean-Light"/>
               </a:rPr>
-              <a:t> localizan oportunidades para garantizar que las soluciones de Adobe de un cliente estén obteniendo valor. Incluyen recomendaciones de soporte relacionadas con la estrategia, la medición y la madurez para impulsar la realización de valor en una o más soluciones de Adobe.</a:t>
+              <a:t> localizam oportunidades para garantir a obtenção de valor com as soluções da Adobe. </a:t>
+            </a:r>
+            <a:br>
+              <a:rPr lang="sk-SK" sz="1000" dirty="0">
+                <a:latin typeface="AdobeClean-Light"/>
+                <a:cs typeface="AdobeClean-Light"/>
+              </a:rPr>
+            </a:br>
+            <a:r>
+              <a:rPr lang="pt-BR" sz="1000" dirty="0">
+                <a:latin typeface="AdobeClean-Light"/>
+                <a:cs typeface="AdobeClean-Light"/>
+              </a:rPr>
+              <a:t>Elas incluem recomendações de suporte relacionadas </a:t>
+            </a:r>
+            <a:br>
+              <a:rPr lang="sk-SK" sz="1000" dirty="0">
+                <a:latin typeface="AdobeClean-Light"/>
+                <a:cs typeface="AdobeClean-Light"/>
+              </a:rPr>
+            </a:br>
+            <a:r>
+              <a:rPr lang="pt-BR" sz="1000" dirty="0">
+                <a:latin typeface="AdobeClean-Light"/>
+                <a:cs typeface="AdobeClean-Light"/>
+              </a:rPr>
+              <a:t>a estratégia, medição e maturidade para impulsionar </a:t>
+            </a:r>
+            <a:br>
+              <a:rPr lang="sk-SK" sz="1000" dirty="0">
+                <a:latin typeface="AdobeClean-Light"/>
+                <a:cs typeface="AdobeClean-Light"/>
+              </a:rPr>
+            </a:br>
+            <a:r>
+              <a:rPr lang="pt-BR" sz="1000" dirty="0">
+                <a:latin typeface="AdobeClean-Light"/>
+                <a:cs typeface="AdobeClean-Light"/>
+              </a:rPr>
+              <a:t>a obtenção de valor com uma ou mais soluções da Adobe.</a:t>
             </a:r>
           </a:p>
           <a:p>
@@ -12418,11 +11727,11 @@
               </a:lnSpc>
             </a:pPr>
             <a:r>
-              <a:rPr lang="es-ES" sz="1000" dirty="0">
+              <a:rPr lang="pt-BR" sz="1000" dirty="0">
                 <a:latin typeface="AdobeClean-Light"/>
                 <a:cs typeface="AdobeClean-Light"/>
               </a:rPr>
-              <a:t>Tipos de actividades estratégicas disponibles:</a:t>
+              <a:t>Tipos de atividades estratégicas disponíveis::</a:t>
             </a:r>
           </a:p>
           <a:p>
@@ -12437,12 +11746,12 @@
               <a:buChar char="ü"/>
             </a:pPr>
             <a:r>
-              <a:rPr lang="es-ES" sz="1000" dirty="0">
+              <a:rPr lang="pt-BR" sz="1000" dirty="0">
                 <a:solidFill>
                   <a:prstClr val="black"/>
                 </a:solidFill>
               </a:rPr>
-              <a:t>Plan de madurez</a:t>
+              <a:t>Roteiro de maturidade</a:t>
             </a:r>
           </a:p>
           <a:p>
@@ -12457,12 +11766,12 @@
               <a:buChar char="ü"/>
             </a:pPr>
             <a:r>
-              <a:rPr lang="es-ES" sz="1000" dirty="0">
+              <a:rPr lang="pt-BR" sz="1000" dirty="0">
                 <a:solidFill>
                   <a:prstClr val="black"/>
                 </a:solidFill>
               </a:rPr>
-              <a:t>Medición y desarrollo de casos de uso</a:t>
+              <a:t>Desenvolvimento/medição de caso de uso</a:t>
             </a:r>
           </a:p>
           <a:p>
@@ -12477,12 +11786,12 @@
               <a:buChar char="ü"/>
             </a:pPr>
             <a:r>
-              <a:rPr lang="es-ES" sz="1000" dirty="0">
+              <a:rPr lang="pt-BR" sz="1000" dirty="0">
                 <a:solidFill>
                   <a:prstClr val="black"/>
                 </a:solidFill>
               </a:rPr>
-              <a:t>Informes y análisis</a:t>
+              <a:t>Relatórios e análise</a:t>
             </a:r>
           </a:p>
           <a:p>
@@ -12497,12 +11806,12 @@
               <a:buChar char="ü"/>
             </a:pPr>
             <a:r>
-              <a:rPr lang="es-ES" sz="1000" dirty="0">
+              <a:rPr lang="pt-BR" sz="1000" dirty="0">
                 <a:solidFill>
                   <a:prstClr val="black"/>
                 </a:solidFill>
               </a:rPr>
-              <a:t>Habilitación de prácticas recomendadas</a:t>
+              <a:t>Ativação de práticas recomendadas</a:t>
             </a:r>
           </a:p>
         </p:txBody>
@@ -12537,14 +11846,14 @@
               </a:spcBef>
             </a:pPr>
             <a:r>
-              <a:rPr lang="es-ES" sz="1600">
+              <a:rPr lang="pt-BR" sz="1600">
                 <a:solidFill>
                   <a:srgbClr val="FFFFFF"/>
                 </a:solidFill>
                 <a:latin typeface="Arial"/>
                 <a:cs typeface="Arial"/>
               </a:rPr>
-              <a:t>Ejecutar y operar</a:t>
+              <a:t>Execução e operação</a:t>
             </a:r>
           </a:p>
           <a:p>
@@ -12557,17 +11866,17 @@
               </a:spcBef>
             </a:pPr>
             <a:r>
-              <a:rPr lang="es-ES" sz="1000">
+              <a:rPr lang="pt-BR" sz="1000">
                 <a:solidFill>
                   <a:srgbClr val="1F1F1F"/>
                 </a:solidFill>
                 <a:latin typeface="Adobe Clean"/>
                 <a:cs typeface="Adobe Clean"/>
               </a:rPr>
-              <a:t>Como cliente Elite, puede realizar </a:t>
-            </a:r>
-            <a:r>
-              <a:rPr lang="es-ES" sz="1200">
+              <a:t>Como cliente Elite, você tem direito a</a:t>
+            </a:r>
+            <a:r>
+              <a:rPr lang="pt-BR" sz="1200">
                 <a:solidFill>
                   <a:srgbClr val="1F1F1F"/>
                 </a:solidFill>
@@ -12582,7 +11891,7 @@
               <a:t> </a:t>
             </a:r>
             <a:r>
-              <a:rPr lang="es-ES" sz="1200" u="sng">
+              <a:rPr lang="pt-BR" sz="1200" u="sng">
                 <a:solidFill>
                   <a:srgbClr val="1F1F1F"/>
                 </a:solidFill>
@@ -12597,7 +11906,7 @@
               <a:t>4</a:t>
             </a:r>
             <a:r>
-              <a:rPr lang="es-ES" sz="1200" b="1">
+              <a:rPr lang="pt-BR" sz="1200" b="1">
                 <a:solidFill>
                   <a:srgbClr val="1F1F1F"/>
                 </a:solidFill>
@@ -12607,14 +11916,14 @@
               <a:t> </a:t>
             </a:r>
             <a:r>
-              <a:rPr lang="es-ES" sz="1000" b="1">
+              <a:rPr lang="pt-BR" sz="1000" b="1">
                 <a:solidFill>
                   <a:srgbClr val="1F1F1F"/>
                 </a:solidFill>
                 <a:latin typeface="Arial"/>
                 <a:cs typeface="Arial"/>
               </a:rPr>
-              <a:t>actividades al año</a:t>
+              <a:t>atividades por ano</a:t>
             </a:r>
           </a:p>
           <a:p>
@@ -12627,47 +11936,47 @@
               </a:spcBef>
             </a:pPr>
             <a:r>
-              <a:rPr lang="es-ES" sz="1000">
+              <a:rPr lang="pt-BR" sz="1000">
                 <a:solidFill>
                   <a:srgbClr val="1F1F1F"/>
                 </a:solidFill>
                 <a:latin typeface="Adobe Clean"/>
                 <a:cs typeface="Adobe Clean"/>
               </a:rPr>
-              <a:t>de los siguientes dos ámbitos: </a:t>
-            </a:r>
-            <a:r>
-              <a:rPr lang="es-ES" sz="1000" b="1">
+              <a:t>entre as duas opções a seguir: </a:t>
+            </a:r>
+            <a:r>
+              <a:rPr lang="pt-BR" sz="1000" b="1">
                 <a:solidFill>
                   <a:srgbClr val="1F1F1F"/>
                 </a:solidFill>
                 <a:latin typeface="Arial"/>
                 <a:cs typeface="Arial"/>
               </a:rPr>
-              <a:t>Técnico </a:t>
-            </a:r>
-            <a:r>
-              <a:rPr lang="es-ES" sz="1000">
+              <a:t>Atividades técnicas </a:t>
+            </a:r>
+            <a:r>
+              <a:rPr lang="pt-BR" sz="1000">
                 <a:solidFill>
                   <a:srgbClr val="1F1F1F"/>
                 </a:solidFill>
                 <a:latin typeface="Adobe Clean"/>
                 <a:cs typeface="Adobe Clean"/>
               </a:rPr>
-              <a:t>o </a:t>
-            </a:r>
-            <a:r>
-              <a:rPr lang="es-ES" sz="1000" b="1">
+              <a:t>e/ou </a:t>
+            </a:r>
+            <a:r>
+              <a:rPr lang="pt-BR" sz="1000" b="1">
                 <a:solidFill>
                   <a:srgbClr val="1F1F1F"/>
                 </a:solidFill>
                 <a:latin typeface="Arial"/>
                 <a:cs typeface="Arial"/>
               </a:rPr>
-              <a:t>Estratégico</a:t>
-            </a:r>
-            <a:r>
-              <a:rPr lang="es-ES" sz="1000">
+              <a:t>Atividades estratégicas</a:t>
+            </a:r>
+            <a:r>
+              <a:rPr lang="pt-BR" sz="1000">
                 <a:solidFill>
                   <a:srgbClr val="1F1F1F"/>
                 </a:solidFill>
@@ -12688,7 +11997,7 @@
         <p:spPr>
           <a:xfrm>
             <a:off x="923023" y="538480"/>
-            <a:ext cx="3191777" cy="228268"/>
+            <a:ext cx="3053878" cy="228268"/>
           </a:xfrm>
           <a:prstGeom prst="rect">
             <a:avLst/>
@@ -12709,14 +12018,14 @@
               </a:spcBef>
             </a:pPr>
             <a:r>
-              <a:rPr lang="es-ES" sz="1400" b="1" dirty="0">
+              <a:rPr lang="pt-BR" sz="1400" b="1" dirty="0">
                 <a:solidFill>
                   <a:srgbClr val="020302"/>
                 </a:solidFill>
                 <a:latin typeface="Adobe Clean"/>
                 <a:cs typeface="Adobe Clean"/>
               </a:rPr>
-              <a:t>Actividades de soporte en la nube - AEM</a:t>
+              <a:t>Atividades de suporte na nuvem — AEM</a:t>
             </a:r>
           </a:p>
         </p:txBody>
@@ -12730,7 +12039,7 @@
         <p:spPr>
           <a:xfrm>
             <a:off x="924894" y="814263"/>
-            <a:ext cx="3052007" cy="58482"/>
+            <a:ext cx="3052007" cy="45719"/>
           </a:xfrm>
           <a:custGeom>
             <a:avLst/>
@@ -12834,8 +12143,8 @@
         </p:nvSpPr>
         <p:spPr>
           <a:xfrm>
-            <a:off x="97787" y="9861194"/>
-            <a:ext cx="2654800" cy="133370"/>
+            <a:off x="97787" y="9861195"/>
+            <a:ext cx="2820499" cy="133370"/>
           </a:xfrm>
           <a:prstGeom prst="rect">
             <a:avLst/>
@@ -12856,40 +12165,8 @@
               </a:spcBef>
             </a:pPr>
             <a:r>
-              <a:rPr lang="es-ES" dirty="0"/>
-              <a:t>©2021 Adobe. </a:t>
-            </a:r>
-            <a:r>
-              <a:rPr lang="es-ES" dirty="0" err="1"/>
-              <a:t>All</a:t>
-            </a:r>
-            <a:r>
-              <a:rPr lang="es-ES" dirty="0"/>
-              <a:t> </a:t>
-            </a:r>
-            <a:r>
-              <a:rPr lang="es-ES" dirty="0" err="1"/>
-              <a:t>Rights</a:t>
-            </a:r>
-            <a:r>
-              <a:rPr lang="es-ES" dirty="0"/>
-              <a:t> </a:t>
-            </a:r>
-            <a:r>
-              <a:rPr lang="es-ES" dirty="0" err="1"/>
-              <a:t>Reserved</a:t>
-            </a:r>
-            <a:r>
-              <a:rPr lang="es-ES" dirty="0"/>
-              <a:t>. Adobe </a:t>
-            </a:r>
-            <a:r>
-              <a:rPr lang="es-ES" dirty="0" err="1"/>
-              <a:t>Confidential</a:t>
-            </a:r>
-            <a:r>
-              <a:rPr lang="es-ES" dirty="0"/>
-              <a:t>.</a:t>
+              <a:rPr lang="pt-BR" dirty="0"/>
+              <a:t>©2021 Adobe. All Rights Reserved. Adobe Confidential.</a:t>
             </a:r>
           </a:p>
         </p:txBody>
@@ -12945,8 +12222,8 @@
           <a:p>
             <a:pPr algn="ctr"/>
             <a:r>
-              <a:rPr lang="es-ES" sz="1600"/>
-              <a:t>Ejecutar y operar</a:t>
+              <a:rPr lang="pt-BR" sz="1600"/>
+              <a:t>Execução e operação</a:t>
             </a:r>
           </a:p>
         </p:txBody>
@@ -13002,8 +12279,8 @@
           <a:p>
             <a:pPr algn="ctr"/>
             <a:r>
-              <a:rPr lang="es-ES" sz="1600"/>
-              <a:t>Implementación</a:t>
+              <a:rPr lang="pt-BR" sz="1600"/>
+              <a:t>Implementação</a:t>
             </a:r>
           </a:p>
         </p:txBody>
@@ -13022,7 +12299,7 @@
         </p:nvSpPr>
         <p:spPr>
           <a:xfrm>
-            <a:off x="2918286" y="3472190"/>
+            <a:off x="2918286" y="3429000"/>
             <a:ext cx="933111" cy="261610"/>
           </a:xfrm>
           <a:prstGeom prst="rect">
@@ -13038,8 +12315,8 @@
           <a:p>
             <a:pPr algn="ctr"/>
             <a:r>
-              <a:rPr lang="es-ES" sz="1100" dirty="0"/>
-              <a:t>Después del lanzamiento</a:t>
+              <a:rPr lang="pt-BR" sz="1100" dirty="0"/>
+              <a:t>Pós-lançamento</a:t>
             </a:r>
           </a:p>
         </p:txBody>
@@ -13058,7 +12335,7 @@
         </p:nvSpPr>
         <p:spPr>
           <a:xfrm>
-            <a:off x="2236134" y="3472190"/>
+            <a:off x="2236134" y="3586760"/>
             <a:ext cx="826006" cy="261610"/>
           </a:xfrm>
           <a:prstGeom prst="rect">
@@ -13074,8 +12351,8 @@
           <a:p>
             <a:pPr algn="ctr"/>
             <a:r>
-              <a:rPr lang="es-ES" sz="1100" dirty="0"/>
-              <a:t>Puesta en marcha</a:t>
+              <a:rPr lang="pt-BR" sz="1100"/>
+              <a:t>Lançamento</a:t>
             </a:r>
           </a:p>
         </p:txBody>
@@ -13110,8 +12387,8 @@
           <a:p>
             <a:pPr algn="ctr"/>
             <a:r>
-              <a:rPr lang="es-ES" sz="1100"/>
-              <a:t>Definir</a:t>
+              <a:rPr lang="pt-BR" sz="1100"/>
+              <a:t>Definição</a:t>
             </a:r>
           </a:p>
         </p:txBody>
@@ -13146,8 +12423,8 @@
           <a:p>
             <a:pPr algn="ctr"/>
             <a:r>
-              <a:rPr lang="es-ES" sz="1100"/>
-              <a:t>Empezar</a:t>
+              <a:rPr lang="pt-BR" sz="1100"/>
+              <a:t>Início</a:t>
             </a:r>
           </a:p>
         </p:txBody>
@@ -13182,8 +12459,8 @@
           <a:p>
             <a:pPr algn="ctr"/>
             <a:r>
-              <a:rPr lang="es-ES" sz="1100"/>
-              <a:t>Diseñar</a:t>
+              <a:rPr lang="pt-BR" sz="1100"/>
+              <a:t>Projeto</a:t>
             </a:r>
           </a:p>
         </p:txBody>
@@ -13240,14 +12517,14 @@
           <a:p>
             <a:pPr algn="ctr"/>
             <a:r>
-              <a:rPr lang="es-ES" sz="1400">
+              <a:rPr lang="pt-BR" sz="1400">
                 <a:solidFill>
                   <a:schemeClr val="accent1">
                     <a:lumMod val="50000"/>
                   </a:schemeClr>
                 </a:solidFill>
               </a:rPr>
-              <a:t>4 actividades al año</a:t>
+              <a:t>4 atividades por ano</a:t>
             </a:r>
           </a:p>
         </p:txBody>
@@ -13266,7 +12543,7 @@
         </p:nvSpPr>
         <p:spPr>
           <a:xfrm>
-            <a:off x="5265661" y="1471646"/>
+            <a:off x="5265661" y="1596978"/>
             <a:ext cx="2194560" cy="536622"/>
           </a:xfrm>
           <a:prstGeom prst="rect">
@@ -13288,13 +12565,13 @@
               </a:spcBef>
             </a:pPr>
             <a:r>
-              <a:rPr lang="es-ES" sz="1000">
+              <a:rPr lang="pt-BR" sz="1000" dirty="0">
                 <a:solidFill>
                   <a:srgbClr val="4B4B4B"/>
                 </a:solidFill>
                 <a:latin typeface="Adobe Clean Light" panose="020B0303020404020204" pitchFamily="34" charset="0"/>
               </a:rPr>
-              <a:t>Impulse la adopción de prácticas recomendadas de personalización y componentes principales en AEM as a Cloud Service.</a:t>
+              <a:t>Adoção de práticas recomendadas de personalização e dos componentes principais no AEM as a Cloud Service</a:t>
             </a:r>
           </a:p>
         </p:txBody>
@@ -13313,7 +12590,7 @@
         </p:nvSpPr>
         <p:spPr>
           <a:xfrm>
-            <a:off x="2835999" y="1464006"/>
+            <a:off x="2835999" y="1416224"/>
             <a:ext cx="2194560" cy="717376"/>
           </a:xfrm>
           <a:prstGeom prst="rect">
@@ -13335,13 +12612,13 @@
               </a:spcBef>
             </a:pPr>
             <a:r>
-              <a:rPr lang="es-ES" sz="1000">
+              <a:rPr lang="pt-BR" sz="1000" dirty="0">
                 <a:solidFill>
                   <a:srgbClr val="4B4B4B"/>
                 </a:solidFill>
                 <a:latin typeface="Adobe Clean Light" panose="020B0303020404020204" pitchFamily="34" charset="0"/>
               </a:rPr>
-              <a:t>Identifique, revise y proporcione recomendaciones sobre áreas de adopción de soluciones personalizadas con oportunidades de optimización.</a:t>
+              <a:t>Identificação, revisão e recomendações sobre áreas personalizadas da adoção de soluções com oportunidades de otimização</a:t>
             </a:r>
           </a:p>
         </p:txBody>
@@ -13361,7 +12638,7 @@
         <p:spPr>
           <a:xfrm>
             <a:off x="355868" y="1417898"/>
-            <a:ext cx="2194560" cy="717376"/>
+            <a:ext cx="2317302" cy="717376"/>
           </a:xfrm>
           <a:prstGeom prst="rect">
             <a:avLst/>
@@ -13382,49 +12659,13 @@
               </a:spcBef>
             </a:pPr>
             <a:r>
-              <a:rPr lang="es-ES" sz="1000" dirty="0">
+              <a:rPr lang="pt-BR" sz="1000" dirty="0">
                 <a:solidFill>
                   <a:srgbClr val="4B4B4B"/>
                 </a:solidFill>
                 <a:latin typeface="Adobe Clean Light" panose="020B0303020404020204" pitchFamily="34" charset="0"/>
               </a:rPr>
-              <a:t>Gobernanza técnica y operativa para ayudar a los clientes de AEM as a Cloud </a:t>
-            </a:r>
-            <a:r>
-              <a:rPr lang="es-ES" sz="1000" dirty="0" err="1">
-                <a:solidFill>
-                  <a:srgbClr val="4B4B4B"/>
-                </a:solidFill>
-                <a:latin typeface="Adobe Clean Light" panose="020B0303020404020204" pitchFamily="34" charset="0"/>
-              </a:rPr>
-              <a:t>Service</a:t>
-            </a:r>
-            <a:r>
-              <a:rPr lang="es-ES" sz="1000" dirty="0">
-                <a:solidFill>
-                  <a:srgbClr val="4B4B4B"/>
-                </a:solidFill>
-                <a:latin typeface="Adobe Clean Light" panose="020B0303020404020204" pitchFamily="34" charset="0"/>
-              </a:rPr>
-              <a:t> a cumplir con los estándares del sector y las prácticas recomendadas para AEM as a Cloud </a:t>
-            </a:r>
-            <a:r>
-              <a:rPr lang="es-ES" sz="1000" dirty="0" err="1">
-                <a:solidFill>
-                  <a:srgbClr val="4B4B4B"/>
-                </a:solidFill>
-                <a:latin typeface="Adobe Clean Light" panose="020B0303020404020204" pitchFamily="34" charset="0"/>
-              </a:rPr>
-              <a:t>Service</a:t>
-            </a:r>
-            <a:r>
-              <a:rPr lang="es-ES" sz="1000" dirty="0">
-                <a:solidFill>
-                  <a:srgbClr val="4B4B4B"/>
-                </a:solidFill>
-                <a:latin typeface="Adobe Clean Light" panose="020B0303020404020204" pitchFamily="34" charset="0"/>
-              </a:rPr>
-              <a:t>.</a:t>
+              <a:t>Governança técnica e operacional para auxiliar os clientes do AEM as a Cloud Service a seguirem os padrões do setor e as práticas recomendadas do AEM as a Cloud Service</a:t>
             </a:r>
           </a:p>
         </p:txBody>
@@ -13443,8 +12684,8 @@
         </p:nvSpPr>
         <p:spPr>
           <a:xfrm>
-            <a:off x="5181599" y="936612"/>
-            <a:ext cx="2278621" cy="646331"/>
+            <a:off x="5181600" y="936612"/>
+            <a:ext cx="1972258" cy="646331"/>
           </a:xfrm>
           <a:prstGeom prst="rect">
             <a:avLst/>
@@ -13465,14 +12706,14 @@
               </a:spcBef>
             </a:pPr>
             <a:r>
-              <a:rPr lang="es-ES" sz="1200" b="1" dirty="0">
+              <a:rPr lang="pt-BR" sz="1200" b="1" dirty="0">
                 <a:solidFill>
                   <a:srgbClr val="020302"/>
                 </a:solidFill>
                 <a:latin typeface="Adobe Clean"/>
                 <a:cs typeface="Adobe Clean"/>
               </a:rPr>
-              <a:t>Prácticas recomendadas de personalización para AEM </a:t>
+              <a:t>Práticas recomendadas </a:t>
             </a:r>
             <a:br>
               <a:rPr lang="sk-SK" sz="1200" b="1" dirty="0">
@@ -13484,32 +12725,15 @@
               </a:rPr>
             </a:br>
             <a:r>
-              <a:rPr lang="es-ES" sz="1200" b="1" dirty="0">
+              <a:rPr lang="pt-BR" sz="1200" b="1" dirty="0">
                 <a:solidFill>
                   <a:srgbClr val="020302"/>
                 </a:solidFill>
                 <a:latin typeface="Adobe Clean"/>
                 <a:cs typeface="Adobe Clean"/>
               </a:rPr>
-              <a:t>as a Cloud </a:t>
-            </a:r>
-            <a:r>
-              <a:rPr lang="es-ES" sz="1200" b="1" dirty="0" err="1">
-                <a:solidFill>
-                  <a:srgbClr val="020302"/>
-                </a:solidFill>
-                <a:latin typeface="Adobe Clean"/>
-                <a:cs typeface="Adobe Clean"/>
-              </a:rPr>
-              <a:t>Service</a:t>
-            </a:r>
-            <a:endParaRPr lang="es-ES" sz="1200" b="1" dirty="0">
-              <a:solidFill>
-                <a:srgbClr val="020302"/>
-              </a:solidFill>
-              <a:latin typeface="Adobe Clean"/>
-              <a:cs typeface="Adobe Clean"/>
-            </a:endParaRPr>
+              <a:t>de personalização do AEM as a Cloud Service</a:t>
+            </a:r>
           </a:p>
         </p:txBody>
       </p:sp>
@@ -13528,7 +12752,7 @@
         <p:spPr>
           <a:xfrm>
             <a:off x="2752587" y="908302"/>
-            <a:ext cx="2090681" cy="461665"/>
+            <a:ext cx="2135785" cy="461665"/>
           </a:xfrm>
           <a:prstGeom prst="rect">
             <a:avLst/>
@@ -13549,32 +12773,15 @@
               </a:spcBef>
             </a:pPr>
             <a:r>
-              <a:rPr lang="es-ES" sz="1200" b="1" dirty="0">
+              <a:rPr lang="pt-BR" sz="1200" b="1" dirty="0">
                 <a:solidFill>
                   <a:srgbClr val="020302"/>
                 </a:solidFill>
                 <a:latin typeface="Adobe Clean"/>
                 <a:cs typeface="Adobe Clean"/>
               </a:rPr>
-              <a:t>Servicios de valor añadido para AEM as a Cloud </a:t>
-            </a:r>
-            <a:r>
-              <a:rPr lang="es-ES" sz="1200" b="1" dirty="0" err="1">
-                <a:solidFill>
-                  <a:srgbClr val="020302"/>
-                </a:solidFill>
-                <a:latin typeface="Adobe Clean"/>
-                <a:cs typeface="Adobe Clean"/>
-              </a:rPr>
-              <a:t>Service</a:t>
-            </a:r>
-            <a:endParaRPr lang="es-ES" sz="1200" b="1" dirty="0">
-              <a:solidFill>
-                <a:srgbClr val="020302"/>
-              </a:solidFill>
-              <a:latin typeface="Adobe Clean"/>
-              <a:cs typeface="Adobe Clean"/>
-            </a:endParaRPr>
+              <a:t>Serviços de valor agregado para o AEM as a Cloud Service</a:t>
+            </a:r>
           </a:p>
         </p:txBody>
       </p:sp>
@@ -13614,14 +12821,14 @@
               </a:spcBef>
             </a:pPr>
             <a:r>
-              <a:rPr lang="es-ES" sz="1200" b="1" dirty="0">
+              <a:rPr lang="pt-BR" sz="1200" b="1" dirty="0">
                 <a:solidFill>
                   <a:srgbClr val="020302"/>
                 </a:solidFill>
                 <a:latin typeface="Adobe Clean"/>
                 <a:cs typeface="Adobe Clean"/>
               </a:rPr>
-              <a:t>Gobernanza de AEM </a:t>
+              <a:t>Governança para o AEM </a:t>
             </a:r>
             <a:br>
               <a:rPr lang="sk-SK" sz="1200" b="1" dirty="0">
@@ -13633,32 +12840,15 @@
               </a:rPr>
             </a:br>
             <a:r>
-              <a:rPr lang="es-ES" sz="1200" b="1" dirty="0">
+              <a:rPr lang="pt-BR" sz="1200" b="1" dirty="0">
                 <a:solidFill>
                   <a:srgbClr val="020302"/>
                 </a:solidFill>
                 <a:latin typeface="Adobe Clean"/>
                 <a:cs typeface="Adobe Clean"/>
               </a:rPr>
-              <a:t>as a Cloud </a:t>
-            </a:r>
-            <a:r>
-              <a:rPr lang="es-ES" sz="1200" b="1" dirty="0" err="1">
-                <a:solidFill>
-                  <a:srgbClr val="020302"/>
-                </a:solidFill>
-                <a:latin typeface="Adobe Clean"/>
-                <a:cs typeface="Adobe Clean"/>
-              </a:rPr>
-              <a:t>Service</a:t>
-            </a:r>
-            <a:endParaRPr lang="es-ES" sz="1200" b="1" dirty="0">
-              <a:solidFill>
-                <a:srgbClr val="020302"/>
-              </a:solidFill>
-              <a:latin typeface="Adobe Clean"/>
-              <a:cs typeface="Adobe Clean"/>
-            </a:endParaRPr>
+              <a:t>as a Cloud Service</a:t>
+            </a:r>
           </a:p>
         </p:txBody>
       </p:sp>
@@ -13719,7 +12909,7 @@
               </a:lnSpc>
             </a:pPr>
             <a:r>
-              <a:rPr lang="es-ES" sz="500">
+              <a:rPr lang="pt-BR" sz="500">
                 <a:solidFill>
                   <a:srgbClr val="6C6C6C"/>
                 </a:solidFill>
@@ -13753,7 +12943,7 @@
               </a:spcBef>
             </a:pPr>
             <a:r>
-              <a:rPr lang="es-ES" sz="800">
+              <a:rPr lang="pt-BR" sz="800">
                 <a:solidFill>
                   <a:srgbClr val="6D6D6D"/>
                 </a:solidFill>
@@ -13845,7 +13035,7 @@
               </a:spcBef>
             </a:pPr>
             <a:r>
-              <a:rPr lang="es-ES" sz="1400" b="1">
+              <a:rPr lang="pt-BR" sz="1400" b="1">
                 <a:solidFill>
                   <a:srgbClr val="020302"/>
                 </a:solidFill>
@@ -13887,7 +13077,7 @@
               </a:spcBef>
             </a:pPr>
             <a:r>
-              <a:rPr lang="es-ES" sz="800">
+              <a:rPr lang="pt-BR" sz="800">
                 <a:solidFill>
                   <a:srgbClr val="777879"/>
                 </a:solidFill>
@@ -13904,7 +13094,7 @@
               </a:lnSpc>
             </a:pPr>
             <a:r>
-              <a:rPr lang="es-ES" sz="800">
+              <a:rPr lang="pt-BR" sz="800">
                 <a:solidFill>
                   <a:srgbClr val="777879"/>
                 </a:solidFill>
@@ -13921,14 +13111,14 @@
               </a:lnSpc>
             </a:pPr>
             <a:r>
-              <a:rPr lang="es-ES" sz="800">
+              <a:rPr lang="pt-BR" sz="800">
                 <a:solidFill>
                   <a:srgbClr val="777879"/>
                 </a:solidFill>
                 <a:latin typeface="Adobe Clean"/>
                 <a:cs typeface="Adobe Clean"/>
               </a:rPr>
-              <a:t>San José, CA95110-2704</a:t>
+              <a:t>San Jose, CA95110-2704</a:t>
             </a:r>
           </a:p>
           <a:p>
@@ -13941,14 +13131,14 @@
               </a:spcBef>
             </a:pPr>
             <a:r>
-              <a:rPr lang="es-ES" sz="800">
+              <a:rPr lang="pt-BR" sz="800">
                 <a:solidFill>
                   <a:srgbClr val="777879"/>
                 </a:solidFill>
                 <a:latin typeface="Adobe Clean"/>
                 <a:cs typeface="Adobe Clean"/>
               </a:rPr>
-              <a:t>EE. UU.</a:t>
+              <a:t>USA</a:t>
             </a:r>
           </a:p>
           <a:p>
@@ -13961,7 +13151,7 @@
               </a:spcBef>
             </a:pPr>
             <a:r>
-              <a:rPr lang="es-ES" sz="800" u="sng">
+              <a:rPr lang="pt-BR" sz="800" u="sng">
                 <a:solidFill>
                   <a:srgbClr val="5F5F5F"/>
                 </a:solidFill>
@@ -14129,7 +13319,7 @@
         <p:spPr>
           <a:xfrm>
             <a:off x="75947" y="9437110"/>
-            <a:ext cx="5466715" cy="570865"/>
+            <a:ext cx="5715253" cy="570865"/>
           </a:xfrm>
           <a:prstGeom prst="rect">
             <a:avLst/>
@@ -14150,14 +13340,14 @@
               </a:spcBef>
             </a:pPr>
             <a:r>
-              <a:rPr lang="es-ES" sz="1100" i="1" dirty="0">
+              <a:rPr lang="pt-BR" sz="1100" i="1" dirty="0">
                 <a:solidFill>
                   <a:srgbClr val="777879"/>
                 </a:solidFill>
                 <a:latin typeface="AdobeClean-LightIt"/>
                 <a:cs typeface="AdobeClean-LightIt"/>
               </a:rPr>
-              <a:t>Para saber más sobre las ofertas de asistencia de Adobe y el nivel adecuado para usted, póngase </a:t>
+              <a:t>Para saber mais sobre os Serviços de suporte Adobe e identificar o nível certo para você, entre em contato </a:t>
             </a:r>
             <a:br>
               <a:rPr lang="sk-SK" sz="1100" i="1" dirty="0">
@@ -14169,54 +13359,14 @@
               </a:rPr>
             </a:br>
             <a:r>
-              <a:rPr lang="es-ES" sz="1100" i="1" dirty="0">
+              <a:rPr lang="pt-BR" sz="1100" i="1" dirty="0">
                 <a:solidFill>
                   <a:srgbClr val="777879"/>
                 </a:solidFill>
                 <a:latin typeface="AdobeClean-LightIt"/>
                 <a:cs typeface="AdobeClean-LightIt"/>
               </a:rPr>
-              <a:t>en contacto con su administrador de cuentas (NAM) o con su </a:t>
-            </a:r>
-            <a:r>
-              <a:rPr lang="es-ES" sz="1100" i="1" dirty="0" err="1">
-                <a:solidFill>
-                  <a:srgbClr val="777879"/>
-                </a:solidFill>
-                <a:latin typeface="AdobeClean-LightIt"/>
-                <a:cs typeface="AdobeClean-LightIt"/>
-              </a:rPr>
-              <a:t>Customer</a:t>
-            </a:r>
-            <a:r>
-              <a:rPr lang="es-ES" sz="1100" i="1" dirty="0">
-                <a:solidFill>
-                  <a:srgbClr val="777879"/>
-                </a:solidFill>
-                <a:latin typeface="AdobeClean-LightIt"/>
-                <a:cs typeface="AdobeClean-LightIt"/>
-              </a:rPr>
-              <a:t> </a:t>
-            </a:r>
-            <a:r>
-              <a:rPr lang="es-ES" sz="1100" i="1" dirty="0" err="1">
-                <a:solidFill>
-                  <a:srgbClr val="777879"/>
-                </a:solidFill>
-                <a:latin typeface="AdobeClean-LightIt"/>
-                <a:cs typeface="AdobeClean-LightIt"/>
-              </a:rPr>
-              <a:t>Success</a:t>
-            </a:r>
-            <a:r>
-              <a:rPr lang="es-ES" sz="1100" i="1" dirty="0">
-                <a:solidFill>
-                  <a:srgbClr val="777879"/>
-                </a:solidFill>
-                <a:latin typeface="AdobeClean-LightIt"/>
-                <a:cs typeface="AdobeClean-LightIt"/>
-              </a:rPr>
-              <a:t> Manager (CSM)</a:t>
+              <a:t>com o seu Gerente de conta nomeado (NAM, em inglês) ou Gerente de sucesso do cliente (CSM, em inglês).</a:t>
             </a:r>
           </a:p>
           <a:p>
@@ -14229,94 +13379,14 @@
               </a:spcBef>
             </a:pPr>
             <a:r>
-              <a:rPr lang="es-ES" sz="800" dirty="0">
+              <a:rPr lang="pt-BR" sz="800" dirty="0">
                 <a:solidFill>
                   <a:srgbClr val="6D6D6D"/>
                 </a:solidFill>
                 <a:latin typeface="Adobe Clean"/>
                 <a:cs typeface="Adobe Clean"/>
               </a:rPr>
-              <a:t>©2021 Adobe. </a:t>
-            </a:r>
-            <a:r>
-              <a:rPr lang="es-ES" sz="800" dirty="0" err="1">
-                <a:solidFill>
-                  <a:srgbClr val="6D6D6D"/>
-                </a:solidFill>
-                <a:latin typeface="Adobe Clean"/>
-                <a:cs typeface="Adobe Clean"/>
-              </a:rPr>
-              <a:t>All</a:t>
-            </a:r>
-            <a:r>
-              <a:rPr lang="es-ES" sz="800" dirty="0">
-                <a:solidFill>
-                  <a:srgbClr val="6D6D6D"/>
-                </a:solidFill>
-                <a:latin typeface="Adobe Clean"/>
-                <a:cs typeface="Adobe Clean"/>
-              </a:rPr>
-              <a:t> </a:t>
-            </a:r>
-            <a:r>
-              <a:rPr lang="es-ES" sz="800" dirty="0" err="1">
-                <a:solidFill>
-                  <a:srgbClr val="6D6D6D"/>
-                </a:solidFill>
-                <a:latin typeface="Adobe Clean"/>
-                <a:cs typeface="Adobe Clean"/>
-              </a:rPr>
-              <a:t>Rights</a:t>
-            </a:r>
-            <a:r>
-              <a:rPr lang="es-ES" sz="800" dirty="0">
-                <a:solidFill>
-                  <a:srgbClr val="6D6D6D"/>
-                </a:solidFill>
-                <a:latin typeface="Adobe Clean"/>
-                <a:cs typeface="Adobe Clean"/>
-              </a:rPr>
-              <a:t> </a:t>
-            </a:r>
-            <a:r>
-              <a:rPr lang="es-ES" sz="800" dirty="0" err="1">
-                <a:solidFill>
-                  <a:srgbClr val="6D6D6D"/>
-                </a:solidFill>
-                <a:latin typeface="Adobe Clean"/>
-                <a:cs typeface="Adobe Clean"/>
-              </a:rPr>
-              <a:t>Reserved</a:t>
-            </a:r>
-            <a:r>
-              <a:rPr lang="es-ES" sz="800" dirty="0">
-                <a:solidFill>
-                  <a:srgbClr val="6D6D6D"/>
-                </a:solidFill>
-                <a:latin typeface="Adobe Clean"/>
-                <a:cs typeface="Adobe Clean"/>
-              </a:rPr>
-              <a:t>. Adobe </a:t>
-            </a:r>
-            <a:r>
-              <a:rPr lang="es-ES" sz="800" dirty="0" err="1">
-                <a:solidFill>
-                  <a:srgbClr val="6D6D6D"/>
-                </a:solidFill>
-                <a:latin typeface="Adobe Clean"/>
-                <a:cs typeface="Adobe Clean"/>
-              </a:rPr>
-              <a:t>Confidential</a:t>
-            </a:r>
-            <a:r>
-              <a:rPr lang="es-ES" sz="800" dirty="0">
-                <a:solidFill>
-                  <a:srgbClr val="6D6D6D"/>
-                </a:solidFill>
-                <a:latin typeface="Adobe Clean"/>
-                <a:cs typeface="Adobe Clean"/>
-              </a:rPr>
-              <a:t>.</a:t>
+              <a:t>©2021 Adobe. All Rights Reserved. Adobe Confidential.</a:t>
             </a:r>
           </a:p>
         </p:txBody>
@@ -14354,14 +13424,14 @@
               </a:spcBef>
             </a:pPr>
             <a:r>
-              <a:rPr lang="es-ES" sz="1400" b="1">
+              <a:rPr lang="pt-BR" sz="1400" b="1">
                 <a:solidFill>
                   <a:srgbClr val="020302"/>
                 </a:solidFill>
                 <a:latin typeface="Adobe Clean"/>
                 <a:cs typeface="Adobe Clean"/>
               </a:rPr>
-              <a:t>Alcance regional del Soporte de Adobe, horas locales de trabajo y compatibilidad de idioma</a:t>
+              <a:t>Escopo regional do Suporte da Adobe, horário local de operação e suporte de idioma</a:t>
             </a:r>
           </a:p>
           <a:p>
@@ -14371,13 +13441,13 @@
               </a:spcBef>
             </a:pPr>
             <a:r>
-              <a:rPr lang="es-ES" sz="1000">
+              <a:rPr lang="pt-BR" sz="1000">
                 <a:solidFill>
                   <a:srgbClr val="1F1F1F"/>
                 </a:solidFill>
                 <a:latin typeface="AdobeClean-Light"/>
               </a:rPr>
-              <a:t>El alcance regional del Soporte de Adobe se establece asignando la dirección de facturación del cliente (mediante la orden de venta o el documento de compra de Soporte de Adobe) con una de estas regiones:</a:t>
+              <a:t>O escopo regional do Suporte da Adobe é estabelecido alinhando o endereço de faturamento do cliente (conforme a ordem de venda ou outro documento de compra do Suporte da Adobe) a uma das regiões seguintes:</a:t>
             </a:r>
           </a:p>
         </p:txBody>
@@ -14450,13 +13520,13 @@
                     <a:p>
                       <a:pPr algn="ctr"/>
                       <a:r>
-                        <a:rPr lang="es-ES" sz="1100">
+                        <a:rPr lang="pt-BR" sz="1100">
                           <a:solidFill>
                             <a:schemeClr val="tx1"/>
                           </a:solidFill>
                           <a:latin typeface="Adobe Clean" panose="020B0503020404020204" pitchFamily="34" charset="0"/>
                         </a:rPr>
-                        <a:t>América</a:t>
+                        <a:t>Américas</a:t>
                       </a:r>
                     </a:p>
                   </a:txBody>
@@ -14515,13 +13585,13 @@
                     <a:p>
                       <a:pPr algn="ctr"/>
                       <a:r>
-                        <a:rPr lang="es-ES" sz="1100">
+                        <a:rPr lang="pt-BR" sz="1100">
                           <a:solidFill>
                             <a:schemeClr val="tx1"/>
                           </a:solidFill>
                           <a:latin typeface="Adobe Clean" panose="020B0503020404020204" pitchFamily="34" charset="0"/>
                         </a:rPr>
-                        <a:t>Europa, Oriente Medio y África</a:t>
+                        <a:t>Europa, Oriente Médio e África</a:t>
                       </a:r>
                     </a:p>
                   </a:txBody>
@@ -14580,13 +13650,13 @@
                     <a:p>
                       <a:pPr algn="ctr"/>
                       <a:r>
-                        <a:rPr lang="es-ES" sz="1100">
+                        <a:rPr lang="pt-BR" sz="1100">
                           <a:solidFill>
                             <a:schemeClr val="tx1"/>
                           </a:solidFill>
                           <a:latin typeface="Adobe Clean" panose="020B0503020404020204" pitchFamily="34" charset="0"/>
                         </a:rPr>
-                        <a:t>Asia-Pacífico</a:t>
+                        <a:t>Ásia–Pacífico</a:t>
                       </a:r>
                     </a:p>
                   </a:txBody>
@@ -14645,16 +13715,16 @@
                     <a:p>
                       <a:pPr algn="ctr"/>
                       <a:r>
-                        <a:rPr lang="es-ES" sz="1100">
+                        <a:rPr lang="pt-BR" sz="1100">
                           <a:solidFill>
                             <a:schemeClr val="tx1"/>
                           </a:solidFill>
                           <a:latin typeface="Adobe Clean" panose="020B0503020404020204" pitchFamily="34" charset="0"/>
                         </a:rPr>
-                        <a:t>Japón </a:t>
+                        <a:t>Japão</a:t>
                       </a:r>
                       <a:r>
-                        <a:rPr lang="es-ES" sz="1100" baseline="30000">
+                        <a:rPr lang="pt-BR" sz="1100" baseline="30000">
                           <a:solidFill>
                             <a:schemeClr val="tx1"/>
                           </a:solidFill>
@@ -14726,13 +13796,13 @@
                     <a:p>
                       <a:pPr algn="ctr"/>
                       <a:r>
-                        <a:rPr lang="es-ES" sz="1100">
+                        <a:rPr lang="pt-BR" sz="1100">
                           <a:solidFill>
                             <a:schemeClr val="tx1"/>
                           </a:solidFill>
                           <a:latin typeface="Adobe Clean" panose="020B0503020404020204" pitchFamily="34" charset="0"/>
                         </a:rPr>
-                        <a:t>06:00 h - 17:30 h</a:t>
+                        <a:t>6h – 17h30</a:t>
                       </a:r>
                     </a:p>
                   </a:txBody>
@@ -14791,13 +13861,13 @@
                     <a:p>
                       <a:pPr algn="ctr"/>
                       <a:r>
-                        <a:rPr lang="es-ES" sz="1100">
+                        <a:rPr lang="pt-BR" sz="1100">
                           <a:solidFill>
                             <a:schemeClr val="tx1"/>
                           </a:solidFill>
                           <a:latin typeface="Adobe Clean" panose="020B0503020404020204" pitchFamily="34" charset="0"/>
                         </a:rPr>
-                        <a:t>09:00 h - 17:00 h</a:t>
+                        <a:t>9h – 17h</a:t>
                       </a:r>
                     </a:p>
                   </a:txBody>
@@ -14856,13 +13926,13 @@
                     <a:p>
                       <a:pPr algn="ctr"/>
                       <a:r>
-                        <a:rPr lang="es-ES" sz="1100">
+                        <a:rPr lang="pt-BR" sz="1100">
                           <a:solidFill>
                             <a:schemeClr val="tx1"/>
                           </a:solidFill>
                           <a:latin typeface="Adobe Clean" panose="020B0503020404020204" pitchFamily="34" charset="0"/>
                         </a:rPr>
-                        <a:t>09:00 h - 17:00 h</a:t>
+                        <a:t>9h – 17h</a:t>
                       </a:r>
                     </a:p>
                   </a:txBody>
@@ -14921,13 +13991,13 @@
                     <a:p>
                       <a:pPr algn="ctr"/>
                       <a:r>
-                        <a:rPr lang="es-ES" sz="1100">
+                        <a:rPr lang="pt-BR" sz="1100">
                           <a:solidFill>
                             <a:schemeClr val="tx1"/>
                           </a:solidFill>
                           <a:latin typeface="Adobe Clean" panose="020B0503020404020204" pitchFamily="34" charset="0"/>
                         </a:rPr>
-                        <a:t>09:00 h - 17:30 h</a:t>
+                        <a:t>9h – 17h30</a:t>
                       </a:r>
                     </a:p>
                   </a:txBody>
@@ -15007,13 +14077,13 @@
                         <a:buNone/>
                       </a:pPr>
                       <a:r>
-                        <a:rPr lang="es-ES" sz="1100">
+                        <a:rPr lang="pt-BR" sz="1100">
                           <a:solidFill>
                             <a:schemeClr val="tx1"/>
                           </a:solidFill>
                           <a:latin typeface="Adobe Clean"/>
                         </a:rPr>
-                        <a:t>Compatibilidad de idioma solo disponible en inglés y japonés </a:t>
+                        <a:t>O suporte de idioma está disponível somente em inglês e japonês. </a:t>
                       </a:r>
                     </a:p>
                     <a:p>
@@ -15052,7 +14122,7 @@
                     <a:p>
                       <a:pPr algn="ctr"/>
                       <a:r>
-                        <a:rPr lang="es-ES" sz="1100" i="0">
+                        <a:rPr lang="pt-BR" sz="1100" i="0">
                           <a:solidFill>
                             <a:schemeClr val="tx1"/>
                           </a:solidFill>
@@ -15061,22 +14131,22 @@
                         <a:t> </a:t>
                       </a:r>
                       <a:r>
-                        <a:rPr lang="es-ES" sz="1100" i="0" baseline="30000">
+                        <a:rPr lang="pt-BR" sz="1100" i="0" baseline="30000">
                           <a:solidFill>
                             <a:schemeClr val="tx1"/>
                           </a:solidFill>
                           <a:latin typeface="Adobe Clean"/>
                         </a:rPr>
-                        <a:t>1 </a:t>
+                        <a:t>1</a:t>
                       </a:r>
                       <a:r>
-                        <a:rPr lang="es-ES" sz="1100" i="0">
+                        <a:rPr lang="pt-BR" sz="1100" i="0">
                           <a:solidFill>
                             <a:schemeClr val="tx1"/>
                           </a:solidFill>
                           <a:latin typeface="Adobe Clean"/>
                         </a:rPr>
-                        <a:t>Los casos de P2, P3, P4 se limitan únicamente al horario laboral en Japón.</a:t>
+                        <a:t>Os casos de prioridade P2, P3 e P4 estão limitados ao horário comercial somente no Japão.</a:t>
                       </a:r>
                     </a:p>
                   </a:txBody>
@@ -15441,14 +14511,14 @@
               </a:spcBef>
             </a:pPr>
             <a:r>
-              <a:rPr lang="es-ES" sz="1200" b="1" dirty="0">
+              <a:rPr lang="pt-BR" sz="1200" b="1" dirty="0">
                 <a:solidFill>
                   <a:srgbClr val="FFFFFF"/>
                 </a:solidFill>
                 <a:latin typeface="Adobe Clean"/>
                 <a:cs typeface="Adobe Clean"/>
               </a:rPr>
-              <a:t>Experiencia sin igual</a:t>
+              <a:t>Experiência sem igual</a:t>
             </a:r>
           </a:p>
         </p:txBody>
@@ -15489,14 +14559,14 @@
               </a:spcBef>
             </a:pPr>
             <a:r>
-              <a:rPr lang="es-ES" sz="1200" b="1" dirty="0">
+              <a:rPr lang="pt-BR" sz="1200" b="1" dirty="0">
                 <a:solidFill>
                   <a:srgbClr val="FFFFFF"/>
                 </a:solidFill>
                 <a:latin typeface="Adobe Clean"/>
                 <a:cs typeface="Adobe Clean"/>
               </a:rPr>
-              <a:t>Asistencia ágil</a:t>
+              <a:t>Suporte acelerado</a:t>
             </a:r>
           </a:p>
         </p:txBody>
@@ -15537,14 +14607,14 @@
               </a:spcBef>
             </a:pPr>
             <a:r>
-              <a:rPr lang="es-ES" sz="1200" b="1" dirty="0">
+              <a:rPr lang="pt-BR" sz="1200" b="1" dirty="0">
                 <a:solidFill>
                   <a:srgbClr val="FFFFFF"/>
                 </a:solidFill>
                 <a:latin typeface="Adobe Clean"/>
                 <a:cs typeface="Adobe Clean"/>
               </a:rPr>
-              <a:t>Asesoría estratégica</a:t>
+              <a:t>Consultoria estratégica</a:t>
             </a:r>
           </a:p>
         </p:txBody>
@@ -15564,7 +14634,7 @@
           <p:nvPr>
             <p:extLst>
               <p:ext uri="{D42A27DB-BD31-4B8C-83A1-F6EECF244321}">
-                <p14:modId xmlns:p14="http://schemas.microsoft.com/office/powerpoint/2010/main" val="3724188075"/>
+                <p14:modId xmlns:p14="http://schemas.microsoft.com/office/powerpoint/2010/main" val="4063016508"/>
               </p:ext>
             </p:extLst>
           </p:nvPr>
@@ -15602,7 +14672,7 @@
                     <a:lstStyle/>
                     <a:p>
                       <a:r>
-                        <a:rPr lang="es-ES" sz="1100" b="0">
+                        <a:rPr lang="pt-BR" sz="1100" b="0">
                           <a:solidFill>
                             <a:schemeClr val="tx1"/>
                           </a:solidFill>
@@ -15686,7 +14756,7 @@
                         <a:defRPr/>
                       </a:pPr>
                       <a:r>
-                        <a:rPr lang="es-ES" sz="1000" b="0" dirty="0" err="1">
+                        <a:rPr lang="pt-BR" sz="1000" b="0" dirty="0">
                           <a:solidFill>
                             <a:srgbClr val="000000"/>
                           </a:solidFill>
@@ -15694,18 +14764,7 @@
                           <a:ea typeface="+mn-ea"/>
                           <a:cs typeface="+mn-cs"/>
                         </a:rPr>
-                        <a:t>Experience</a:t>
-                      </a:r>
-                      <a:r>
-                        <a:rPr lang="es-ES" sz="1000" b="0" dirty="0">
-                          <a:solidFill>
-                            <a:srgbClr val="000000"/>
-                          </a:solidFill>
-                          <a:latin typeface="Adobe Clean Light" panose="020B0303020404020204" pitchFamily="34" charset="0"/>
-                          <a:ea typeface="+mn-ea"/>
-                          <a:cs typeface="+mn-cs"/>
-                        </a:rPr>
-                        <a:t> League permite a Adobe ayudar a las empresas a alcanzar el valor que esperan de su inversión en Adobe. Es el lugar unificado </a:t>
+                        <a:t>A Experience League foi criada para ajudar as empresas a alcançar </a:t>
                       </a:r>
                       <a:br>
                         <a:rPr lang="sk-SK" sz="1000" b="0" dirty="0">
@@ -15718,7 +14777,7 @@
                         </a:rPr>
                       </a:br>
                       <a:r>
-                        <a:rPr lang="es-ES" sz="1000" b="0" dirty="0">
+                        <a:rPr lang="pt-BR" sz="1000" b="0" dirty="0">
                           <a:solidFill>
                             <a:srgbClr val="000000"/>
                           </a:solidFill>
@@ -15726,7 +14785,7 @@
                           <a:ea typeface="+mn-ea"/>
                           <a:cs typeface="+mn-cs"/>
                         </a:rPr>
-                        <a:t>en el que los clientes pueden aprender, dialogar y crecer siguiendo </a:t>
+                        <a:t>o valor que esperam do seu investimento em produtos da Adobe. </a:t>
                       </a:r>
                       <a:br>
                         <a:rPr lang="sk-SK" sz="1000" b="0" dirty="0">
@@ -15739,7 +14798,7 @@
                         </a:rPr>
                       </a:br>
                       <a:r>
-                        <a:rPr lang="es-ES" sz="1000" b="0" dirty="0">
+                        <a:rPr lang="pt-BR" sz="1000" b="0" dirty="0">
                           <a:solidFill>
                             <a:srgbClr val="000000"/>
                           </a:solidFill>
@@ -15747,49 +14806,7 @@
                           <a:ea typeface="+mn-ea"/>
                           <a:cs typeface="+mn-cs"/>
                         </a:rPr>
-                        <a:t>un camino personalizado hacia el éxito que incluye tutoriales </a:t>
-                      </a:r>
-                      <a:br>
-                        <a:rPr lang="sk-SK" sz="1000" b="0" dirty="0">
-                          <a:solidFill>
-                            <a:srgbClr val="000000"/>
-                          </a:solidFill>
-                          <a:latin typeface="Adobe Clean Light" panose="020B0303020404020204" pitchFamily="34" charset="0"/>
-                          <a:ea typeface="+mn-ea"/>
-                          <a:cs typeface="+mn-cs"/>
-                        </a:rPr>
-                      </a:br>
-                      <a:r>
-                        <a:rPr lang="es-ES" sz="1000" b="0" dirty="0">
-                          <a:solidFill>
-                            <a:srgbClr val="000000"/>
-                          </a:solidFill>
-                          <a:latin typeface="Adobe Clean Light" panose="020B0303020404020204" pitchFamily="34" charset="0"/>
-                          <a:ea typeface="+mn-ea"/>
-                          <a:cs typeface="+mn-cs"/>
-                        </a:rPr>
-                        <a:t>de autoayuda, documentación de productos, formación dirigida </a:t>
-                      </a:r>
-                      <a:br>
-                        <a:rPr lang="sk-SK" sz="1000" b="0" dirty="0">
-                          <a:solidFill>
-                            <a:srgbClr val="000000"/>
-                          </a:solidFill>
-                          <a:latin typeface="Adobe Clean Light" panose="020B0303020404020204" pitchFamily="34" charset="0"/>
-                          <a:ea typeface="+mn-ea"/>
-                          <a:cs typeface="+mn-cs"/>
-                        </a:rPr>
-                      </a:br>
-                      <a:r>
-                        <a:rPr lang="es-ES" sz="1000" b="0" dirty="0">
-                          <a:solidFill>
-                            <a:srgbClr val="000000"/>
-                          </a:solidFill>
-                          <a:latin typeface="Adobe Clean Light" panose="020B0303020404020204" pitchFamily="34" charset="0"/>
-                          <a:ea typeface="+mn-ea"/>
-                          <a:cs typeface="+mn-cs"/>
-                        </a:rPr>
-                        <a:t>por instructores, y asistencia técnica y comunitaria. </a:t>
+                        <a:t>É o local unificado onde os clientes podem aprender, interagir e crescer ao longo de um caminho personalizado de sucesso que inclui tutoriais de autoatendimento, documentação dos produtos, treinamento com instrutores e suporte técnico e da comunidade. </a:t>
                       </a:r>
                     </a:p>
                   </a:txBody>
@@ -15871,7 +14888,7 @@
                         <a:defRPr/>
                       </a:pPr>
                       <a:r>
-                        <a:rPr lang="es-ES" sz="1100">
+                        <a:rPr lang="pt-BR" sz="1100">
                           <a:solidFill>
                             <a:schemeClr val="dk1"/>
                           </a:solidFill>
@@ -15880,10 +14897,10 @@
                           <a:cs typeface="+mn-cs"/>
                           <a:hlinkClick r:id="rId8"/>
                         </a:rPr>
-                        <a:t>Formación</a:t>
+                        <a:t>Treinamento</a:t>
                       </a:r>
                       <a:r>
-                        <a:rPr lang="es-ES" sz="1100">
+                        <a:rPr lang="pt-BR" sz="1100">
                           <a:solidFill>
                             <a:schemeClr val="dk1"/>
                           </a:solidFill>
@@ -15966,7 +14983,7 @@
                         <a:defRPr/>
                       </a:pPr>
                       <a:r>
-                        <a:rPr lang="es-ES" sz="1000">
+                        <a:rPr lang="pt-BR" sz="1000">
                           <a:solidFill>
                             <a:srgbClr val="000000"/>
                           </a:solidFill>
@@ -15974,7 +14991,7 @@
                           <a:ea typeface="+mn-ea"/>
                           <a:cs typeface="+mn-cs"/>
                         </a:rPr>
-                        <a:t>Puede acceder a los cursos de Adobe Digital Learning Services desde Experience League. Los cursos de formación incluyen desde lecciones bajo demanda hasta lecciones impartidas por instructores.  Aquí puede aprender habilidades con valor de mercado reconocido para impulsar el éxito en su organización.</a:t>
+                        <a:t>O acesso aos cursos do Adobe Digital Learning Services está disponível na Experience League. Os cursos de aprendizagem incluem lições sob demanda e com instrutores.  É um lugar para adquirir habilidades com reconhecido valor de mercado que você pode pôr em prática para impulsionar o sucesso na sua organização.</a:t>
                       </a:r>
                     </a:p>
                   </a:txBody>
@@ -16056,7 +15073,7 @@
                         <a:defRPr/>
                       </a:pPr>
                       <a:r>
-                        <a:rPr lang="es-ES" sz="1100">
+                        <a:rPr lang="pt-BR" sz="1100">
                           <a:solidFill>
                             <a:schemeClr val="tx1"/>
                           </a:solidFill>
@@ -16065,7 +15082,7 @@
                           <a:cs typeface="+mn-cs"/>
                           <a:hlinkClick r:id="rId9"/>
                         </a:rPr>
-                        <a:t>Problemas de producción e interrupciones del sistema</a:t>
+                        <a:t>Problemas de produção e paralisações do sistema</a:t>
                       </a:r>
                     </a:p>
                   </a:txBody>
@@ -16140,7 +15157,7 @@
                         <a:defRPr/>
                       </a:pPr>
                       <a:r>
-                        <a:rPr lang="es-ES" sz="1000">
+                        <a:rPr lang="pt-BR" sz="1000" dirty="0">
                           <a:solidFill>
                             <a:srgbClr val="000000"/>
                           </a:solidFill>
@@ -16148,7 +15165,28 @@
                           <a:ea typeface="+mn-ea"/>
                           <a:cs typeface="+mn-cs"/>
                         </a:rPr>
-                        <a:t>Status.adobe.com transmite la información de estado de todos los productos y servicios de Adobe implementados en entornos de varios inquilinos. Los clientes pueden elegir sus preferencias de suscripción para recibir notificaciones por correo electrónico cada vez que Adobe cree, actualice o resuelva un evento de producto. Esto puede incluir problemas de mantenimiento o servicio programados de diversos niveles de gravedad. </a:t>
+                        <a:t>O Status.adobe.com transmite as informações de integridade de todos os produtos e serviços da Adobe implantados em ambientes de vários locatários. Os clientes podem escolher suas preferências de subscrição para receber notificações por email sempre que a Adobe criar, atualizar ou resolver um evento de produto. Isso pode incluir manutenção programada ou problemas de serviço com diferentes níveis </a:t>
+                      </a:r>
+                      <a:br>
+                        <a:rPr lang="sk-SK" sz="1000" dirty="0">
+                          <a:solidFill>
+                            <a:srgbClr val="000000"/>
+                          </a:solidFill>
+                          <a:latin typeface="Adobe Clean Light" panose="020B0303020404020204" pitchFamily="34" charset="0"/>
+                          <a:ea typeface="+mn-ea"/>
+                          <a:cs typeface="+mn-cs"/>
+                        </a:rPr>
+                      </a:br>
+                      <a:r>
+                        <a:rPr lang="pt-BR" sz="1000" dirty="0">
+                          <a:solidFill>
+                            <a:srgbClr val="000000"/>
+                          </a:solidFill>
+                          <a:latin typeface="Adobe Clean Light" panose="020B0303020404020204" pitchFamily="34" charset="0"/>
+                          <a:ea typeface="+mn-ea"/>
+                          <a:cs typeface="+mn-cs"/>
+                        </a:rPr>
+                        <a:t>de gravidade. </a:t>
                       </a:r>
                     </a:p>
                   </a:txBody>
@@ -16230,7 +15268,7 @@
                         <a:defRPr/>
                       </a:pPr>
                       <a:r>
-                        <a:rPr lang="es-ES" sz="1100">
+                        <a:rPr lang="pt-BR" sz="1100">
                           <a:solidFill>
                             <a:schemeClr val="tx1"/>
                           </a:solidFill>
@@ -16239,7 +15277,7 @@
                           <a:cs typeface="+mn-cs"/>
                           <a:hlinkClick r:id="rId10"/>
                         </a:rPr>
-                        <a:t>Términos y condiciones</a:t>
+                        <a:t>Termos e condições</a:t>
                       </a:r>
                     </a:p>
                   </a:txBody>
@@ -16297,7 +15335,7 @@
                     <a:lstStyle/>
                     <a:p>
                       <a:r>
-                        <a:rPr lang="es-ES" sz="1000" dirty="0">
+                        <a:rPr lang="pt-BR" sz="1000" dirty="0">
                           <a:solidFill>
                             <a:srgbClr val="000000"/>
                           </a:solidFill>
@@ -16305,7 +15343,7 @@
                           <a:ea typeface="+mn-ea"/>
                           <a:cs typeface="+mn-cs"/>
                         </a:rPr>
-                        <a:t>Términos y condiciones de las ofertas de los servicios de soporte</a:t>
+                        <a:t>Os Termos e condições que detalham os serviços de suporte</a:t>
                       </a:r>
                     </a:p>
                   </a:txBody>

--- a/help/data-sheets/assets/EliteSupportDatasheet.pptx
+++ b/help/data-sheets/assets/EliteSupportDatasheet.pptx
@@ -151,9 +151,7 @@
 <file path=ppt/revisionInfo.xml><?xml version="1.0" encoding="utf-8"?>
 <p1510:revInfo xmlns:a="http://schemas.openxmlformats.org/drawingml/2006/main" xmlns:r="http://schemas.openxmlformats.org/officeDocument/2006/relationships" xmlns:p1510="http://schemas.microsoft.com/office/powerpoint/2015/10/main">
   <p1510:revLst>
-    <p1510:client id="{306579C9-8574-E621-57BF-C5D6F4C605CC}" v="6" dt="2021-09-22T22:58:26.163"/>
-    <p1510:client id="{86768B6F-E5DF-274A-B928-9320E1DF9962}" v="132" dt="2021-08-07T02:18:13.925"/>
-    <p1510:client id="{8C285145-5FF7-2B49-D44C-ABA3390CC068}" v="48" dt="2021-09-22T19:02:31.738"/>
+    <p1510:client id="{0BC4D7A0-4BBD-1B49-BE14-170949F0EA37}" v="4" dt="2021-10-13T19:10:14.670"/>
   </p1510:revLst>
 </p1510:revInfo>
 </file>
@@ -161,58 +159,26 @@
 <file path=ppt/changesInfos/changesInfo1.xml><?xml version="1.0" encoding="utf-8"?>
 <pc:chgInfo xmlns:a="http://schemas.openxmlformats.org/drawingml/2006/main" xmlns:r="http://schemas.openxmlformats.org/officeDocument/2006/relationships" xmlns:ac="http://schemas.microsoft.com/office/drawing/2013/main/command" xmlns:pc="http://schemas.microsoft.com/office/powerpoint/2013/main/command">
   <pc:docChgLst>
-    <pc:chgData name="Akilah Johnson" userId="S::akjohnso@adobe.com::2fa3aa60-0c9c-4d06-bae2-795983241227" providerId="AD" clId="Web-{306579C9-8574-E621-57BF-C5D6F4C605CC}"/>
+    <pc:chgData name="Lauren Schutte" userId="6e08b2d3-447a-4d66-86be-444d50df187f" providerId="ADAL" clId="{0BC4D7A0-4BBD-1B49-BE14-170949F0EA37}"/>
     <pc:docChg chg="modSld">
-      <pc:chgData name="Akilah Johnson" userId="S::akjohnso@adobe.com::2fa3aa60-0c9c-4d06-bae2-795983241227" providerId="AD" clId="Web-{306579C9-8574-E621-57BF-C5D6F4C605CC}" dt="2021-09-22T22:58:18.491" v="3"/>
+      <pc:chgData name="Lauren Schutte" userId="6e08b2d3-447a-4d66-86be-444d50df187f" providerId="ADAL" clId="{0BC4D7A0-4BBD-1B49-BE14-170949F0EA37}" dt="2021-10-13T19:10:14.671" v="3" actId="1035"/>
       <pc:docMkLst>
         <pc:docMk/>
       </pc:docMkLst>
-      <pc:sldChg chg="modSp">
-        <pc:chgData name="Akilah Johnson" userId="S::akjohnso@adobe.com::2fa3aa60-0c9c-4d06-bae2-795983241227" providerId="AD" clId="Web-{306579C9-8574-E621-57BF-C5D6F4C605CC}" dt="2021-09-22T22:58:18.491" v="3"/>
+      <pc:sldChg chg="modSp mod">
+        <pc:chgData name="Lauren Schutte" userId="6e08b2d3-447a-4d66-86be-444d50df187f" providerId="ADAL" clId="{0BC4D7A0-4BBD-1B49-BE14-170949F0EA37}" dt="2021-10-13T19:10:14.671" v="3" actId="1035"/>
         <pc:sldMkLst>
           <pc:docMk/>
-          <pc:sldMk cId="1050037809" sldId="261"/>
-        </pc:sldMkLst>
-        <pc:graphicFrameChg chg="mod modGraphic">
-          <ac:chgData name="Akilah Johnson" userId="S::akjohnso@adobe.com::2fa3aa60-0c9c-4d06-bae2-795983241227" providerId="AD" clId="Web-{306579C9-8574-E621-57BF-C5D6F4C605CC}" dt="2021-09-22T22:58:18.491" v="3"/>
-          <ac:graphicFrameMkLst>
-            <pc:docMk/>
-            <pc:sldMk cId="1050037809" sldId="261"/>
-            <ac:graphicFrameMk id="25" creationId="{3A91F5B0-3974-A14D-A146-FB590F2AAD18}"/>
-          </ac:graphicFrameMkLst>
-        </pc:graphicFrameChg>
-      </pc:sldChg>
-    </pc:docChg>
-  </pc:docChgLst>
-  <pc:docChgLst>
-    <pc:chgData name="Akilah Johnson" userId="S::akjohnso@adobe.com::2fa3aa60-0c9c-4d06-bae2-795983241227" providerId="AD" clId="Web-{8C285145-5FF7-2B49-D44C-ABA3390CC068}"/>
-    <pc:docChg chg="modSld">
-      <pc:chgData name="Akilah Johnson" userId="S::akjohnso@adobe.com::2fa3aa60-0c9c-4d06-bae2-795983241227" providerId="AD" clId="Web-{8C285145-5FF7-2B49-D44C-ABA3390CC068}" dt="2021-09-22T19:02:31.738" v="36" actId="1076"/>
-      <pc:docMkLst>
-        <pc:docMk/>
-      </pc:docMkLst>
-      <pc:sldChg chg="modSp">
-        <pc:chgData name="Akilah Johnson" userId="S::akjohnso@adobe.com::2fa3aa60-0c9c-4d06-bae2-795983241227" providerId="AD" clId="Web-{8C285145-5FF7-2B49-D44C-ABA3390CC068}" dt="2021-09-22T19:02:31.738" v="36" actId="1076"/>
-        <pc:sldMkLst>
-          <pc:docMk/>
-          <pc:sldMk cId="1050037809" sldId="261"/>
+          <pc:sldMk cId="0" sldId="256"/>
         </pc:sldMkLst>
         <pc:spChg chg="mod">
-          <ac:chgData name="Akilah Johnson" userId="S::akjohnso@adobe.com::2fa3aa60-0c9c-4d06-bae2-795983241227" providerId="AD" clId="Web-{8C285145-5FF7-2B49-D44C-ABA3390CC068}" dt="2021-09-22T19:02:31.738" v="36" actId="1076"/>
+          <ac:chgData name="Lauren Schutte" userId="6e08b2d3-447a-4d66-86be-444d50df187f" providerId="ADAL" clId="{0BC4D7A0-4BBD-1B49-BE14-170949F0EA37}" dt="2021-10-13T19:10:14.671" v="3" actId="1035"/>
           <ac:spMkLst>
             <pc:docMk/>
-            <pc:sldMk cId="1050037809" sldId="261"/>
-            <ac:spMk id="64" creationId="{41467BDC-3D83-D844-B922-CD07E94E5AAB}"/>
+            <pc:sldMk cId="0" sldId="256"/>
+            <ac:spMk id="4" creationId="{00000000-0000-0000-0000-000000000000}"/>
           </ac:spMkLst>
         </pc:spChg>
-        <pc:graphicFrameChg chg="mod modGraphic">
-          <ac:chgData name="Akilah Johnson" userId="S::akjohnso@adobe.com::2fa3aa60-0c9c-4d06-bae2-795983241227" providerId="AD" clId="Web-{8C285145-5FF7-2B49-D44C-ABA3390CC068}" dt="2021-09-22T18:59:49.504" v="34"/>
-          <ac:graphicFrameMkLst>
-            <pc:docMk/>
-            <pc:sldMk cId="1050037809" sldId="261"/>
-            <ac:graphicFrameMk id="25" creationId="{3A91F5B0-3974-A14D-A146-FB590F2AAD18}"/>
-          </ac:graphicFrameMkLst>
-        </pc:graphicFrameChg>
       </pc:sldChg>
     </pc:docChg>
   </pc:docChgLst>
@@ -301,7 +267,7 @@
           <a:p>
             <a:fld id="{C12E57D6-2086-AA47-A7A4-C0CDE7C14E44}" type="datetimeFigureOut">
               <a:rPr lang="en-US" smtClean="0"/>
-              <a:t>10/1/2021</a:t>
+              <a:t>10/13/2021</a:t>
             </a:fld>
             <a:endParaRPr lang="en-US"/>
           </a:p>
@@ -612,7 +578,7 @@
           <a:bodyPr/>
           <a:lstStyle/>
           <a:p>
-            <a:endParaRPr lang="en-US" dirty="0"/>
+            <a:endParaRPr lang="en-US"/>
           </a:p>
         </p:txBody>
       </p:sp>
@@ -696,7 +662,7 @@
           <a:bodyPr/>
           <a:lstStyle/>
           <a:p>
-            <a:endParaRPr lang="en-US" dirty="0"/>
+            <a:endParaRPr lang="en-US"/>
           </a:p>
         </p:txBody>
       </p:sp>
@@ -875,7 +841,7 @@
           <a:p>
             <a:fld id="{1D8BD707-D9CF-40AE-B4C6-C98DA3205C09}" type="datetimeFigureOut">
               <a:rPr lang="en-US"/>
-              <a:t>10/1/2021</a:t>
+              <a:t>10/13/2021</a:t>
             </a:fld>
             <a:endParaRPr lang="en-US"/>
           </a:p>
@@ -915,7 +881,7 @@
               </a:spcBef>
             </a:pPr>
             <a:r>
-              <a:rPr spc="-5" dirty="0"/>
+              <a:rPr spc="-5"/>
               <a:t>©</a:t>
             </a:r>
             <a:fld id="{81D60167-4931-47E6-BA6A-407CBD079E47}" type="slidenum">
@@ -923,35 +889,35 @@
               <a:t>‹#›</a:t>
             </a:fld>
             <a:r>
-              <a:rPr spc="-5" dirty="0"/>
+              <a:rPr spc="-5"/>
               <a:t> Adobe. All</a:t>
             </a:r>
             <a:r>
-              <a:rPr spc="-15" dirty="0"/>
+              <a:rPr spc="-15"/>
               <a:t> Rights</a:t>
             </a:r>
             <a:r>
-              <a:rPr spc="-10" dirty="0"/>
+              <a:rPr spc="-10"/>
               <a:t> </a:t>
             </a:r>
             <a:r>
-              <a:rPr spc="-15" dirty="0"/>
+              <a:rPr spc="-15"/>
               <a:t>Reserved.</a:t>
             </a:r>
             <a:r>
-              <a:rPr spc="-10" dirty="0"/>
+              <a:rPr spc="-10"/>
               <a:t> </a:t>
             </a:r>
             <a:r>
-              <a:rPr spc="-5" dirty="0"/>
+              <a:rPr spc="-5"/>
               <a:t>Adobe</a:t>
             </a:r>
             <a:r>
-              <a:rPr spc="60" dirty="0"/>
+              <a:rPr spc="60"/>
               <a:t> </a:t>
             </a:r>
             <a:r>
-              <a:rPr spc="-15" dirty="0"/>
+              <a:rPr spc="-15"/>
               <a:t>Confidential.</a:t>
             </a:r>
           </a:p>
@@ -1120,7 +1086,7 @@
           <a:p>
             <a:fld id="{1D8BD707-D9CF-40AE-B4C6-C98DA3205C09}" type="datetimeFigureOut">
               <a:rPr lang="en-US"/>
-              <a:t>10/1/2021</a:t>
+              <a:t>10/13/2021</a:t>
             </a:fld>
             <a:endParaRPr lang="en-US"/>
           </a:p>
@@ -1160,7 +1126,7 @@
               </a:spcBef>
             </a:pPr>
             <a:r>
-              <a:rPr spc="-5" dirty="0"/>
+              <a:rPr spc="-5"/>
               <a:t>©</a:t>
             </a:r>
             <a:fld id="{81D60167-4931-47E6-BA6A-407CBD079E47}" type="slidenum">
@@ -1168,35 +1134,35 @@
               <a:t>‹#›</a:t>
             </a:fld>
             <a:r>
-              <a:rPr spc="-5" dirty="0"/>
+              <a:rPr spc="-5"/>
               <a:t> Adobe. All</a:t>
             </a:r>
             <a:r>
-              <a:rPr spc="-15" dirty="0"/>
+              <a:rPr spc="-15"/>
               <a:t> Rights</a:t>
             </a:r>
             <a:r>
-              <a:rPr spc="-10" dirty="0"/>
+              <a:rPr spc="-10"/>
               <a:t> </a:t>
             </a:r>
             <a:r>
-              <a:rPr spc="-15" dirty="0"/>
+              <a:rPr spc="-15"/>
               <a:t>Reserved.</a:t>
             </a:r>
             <a:r>
-              <a:rPr spc="-10" dirty="0"/>
+              <a:rPr spc="-10"/>
               <a:t> </a:t>
             </a:r>
             <a:r>
-              <a:rPr spc="-5" dirty="0"/>
+              <a:rPr spc="-5"/>
               <a:t>Adobe</a:t>
             </a:r>
             <a:r>
-              <a:rPr spc="60" dirty="0"/>
+              <a:rPr spc="60"/>
               <a:t> </a:t>
             </a:r>
             <a:r>
-              <a:rPr spc="-15" dirty="0"/>
+              <a:rPr spc="-15"/>
               <a:t>Confidential.</a:t>
             </a:r>
           </a:p>
@@ -1378,7 +1344,7 @@
           <a:p>
             <a:fld id="{1D8BD707-D9CF-40AE-B4C6-C98DA3205C09}" type="datetimeFigureOut">
               <a:rPr lang="en-US"/>
-              <a:t>10/1/2021</a:t>
+              <a:t>10/13/2021</a:t>
             </a:fld>
             <a:endParaRPr lang="en-US"/>
           </a:p>
@@ -1418,7 +1384,7 @@
               </a:spcBef>
             </a:pPr>
             <a:r>
-              <a:rPr spc="-5" dirty="0"/>
+              <a:rPr spc="-5"/>
               <a:t>©</a:t>
             </a:r>
             <a:fld id="{81D60167-4931-47E6-BA6A-407CBD079E47}" type="slidenum">
@@ -1426,35 +1392,35 @@
               <a:t>‹#›</a:t>
             </a:fld>
             <a:r>
-              <a:rPr spc="-5" dirty="0"/>
+              <a:rPr spc="-5"/>
               <a:t> Adobe. All</a:t>
             </a:r>
             <a:r>
-              <a:rPr spc="-15" dirty="0"/>
+              <a:rPr spc="-15"/>
               <a:t> Rights</a:t>
             </a:r>
             <a:r>
-              <a:rPr spc="-10" dirty="0"/>
+              <a:rPr spc="-10"/>
               <a:t> </a:t>
             </a:r>
             <a:r>
-              <a:rPr spc="-15" dirty="0"/>
+              <a:rPr spc="-15"/>
               <a:t>Reserved.</a:t>
             </a:r>
             <a:r>
-              <a:rPr spc="-10" dirty="0"/>
+              <a:rPr spc="-10"/>
               <a:t> </a:t>
             </a:r>
             <a:r>
-              <a:rPr spc="-5" dirty="0"/>
+              <a:rPr spc="-5"/>
               <a:t>Adobe</a:t>
             </a:r>
             <a:r>
-              <a:rPr spc="60" dirty="0"/>
+              <a:rPr spc="60"/>
               <a:t> </a:t>
             </a:r>
             <a:r>
-              <a:rPr spc="-15" dirty="0"/>
+              <a:rPr spc="-15"/>
               <a:t>Confidential.</a:t>
             </a:r>
           </a:p>
@@ -1570,7 +1536,7 @@
           <a:p>
             <a:fld id="{1D8BD707-D9CF-40AE-B4C6-C98DA3205C09}" type="datetimeFigureOut">
               <a:rPr lang="en-US"/>
-              <a:t>10/1/2021</a:t>
+              <a:t>10/13/2021</a:t>
             </a:fld>
             <a:endParaRPr lang="en-US"/>
           </a:p>
@@ -1610,7 +1576,7 @@
               </a:spcBef>
             </a:pPr>
             <a:r>
-              <a:rPr spc="-5" dirty="0"/>
+              <a:rPr spc="-5"/>
               <a:t>©</a:t>
             </a:r>
             <a:fld id="{81D60167-4931-47E6-BA6A-407CBD079E47}" type="slidenum">
@@ -1618,35 +1584,35 @@
               <a:t>‹#›</a:t>
             </a:fld>
             <a:r>
-              <a:rPr spc="-5" dirty="0"/>
+              <a:rPr spc="-5"/>
               <a:t> Adobe. All</a:t>
             </a:r>
             <a:r>
-              <a:rPr spc="-15" dirty="0"/>
+              <a:rPr spc="-15"/>
               <a:t> Rights</a:t>
             </a:r>
             <a:r>
-              <a:rPr spc="-10" dirty="0"/>
+              <a:rPr spc="-10"/>
               <a:t> </a:t>
             </a:r>
             <a:r>
-              <a:rPr spc="-15" dirty="0"/>
+              <a:rPr spc="-15"/>
               <a:t>Reserved.</a:t>
             </a:r>
             <a:r>
-              <a:rPr spc="-10" dirty="0"/>
+              <a:rPr spc="-10"/>
               <a:t> </a:t>
             </a:r>
             <a:r>
-              <a:rPr spc="-5" dirty="0"/>
+              <a:rPr spc="-5"/>
               <a:t>Adobe</a:t>
             </a:r>
             <a:r>
-              <a:rPr spc="60" dirty="0"/>
+              <a:rPr spc="60"/>
               <a:t> </a:t>
             </a:r>
             <a:r>
-              <a:rPr spc="-15" dirty="0"/>
+              <a:rPr spc="-15"/>
               <a:t>Confidential.</a:t>
             </a:r>
           </a:p>
@@ -1733,7 +1699,7 @@
           <a:p>
             <a:fld id="{1D8BD707-D9CF-40AE-B4C6-C98DA3205C09}" type="datetimeFigureOut">
               <a:rPr lang="en-US"/>
-              <a:t>10/1/2021</a:t>
+              <a:t>10/13/2021</a:t>
             </a:fld>
             <a:endParaRPr lang="en-US"/>
           </a:p>
@@ -1773,7 +1739,7 @@
               </a:spcBef>
             </a:pPr>
             <a:r>
-              <a:rPr spc="-5" dirty="0"/>
+              <a:rPr spc="-5"/>
               <a:t>©</a:t>
             </a:r>
             <a:fld id="{81D60167-4931-47E6-BA6A-407CBD079E47}" type="slidenum">
@@ -1781,35 +1747,35 @@
               <a:t>‹#›</a:t>
             </a:fld>
             <a:r>
-              <a:rPr spc="-5" dirty="0"/>
+              <a:rPr spc="-5"/>
               <a:t> Adobe. All</a:t>
             </a:r>
             <a:r>
-              <a:rPr spc="-15" dirty="0"/>
+              <a:rPr spc="-15"/>
               <a:t> Rights</a:t>
             </a:r>
             <a:r>
-              <a:rPr spc="-10" dirty="0"/>
+              <a:rPr spc="-10"/>
               <a:t> </a:t>
             </a:r>
             <a:r>
-              <a:rPr spc="-15" dirty="0"/>
+              <a:rPr spc="-15"/>
               <a:t>Reserved.</a:t>
             </a:r>
             <a:r>
-              <a:rPr spc="-10" dirty="0"/>
+              <a:rPr spc="-10"/>
               <a:t> </a:t>
             </a:r>
             <a:r>
-              <a:rPr spc="-5" dirty="0"/>
+              <a:rPr spc="-5"/>
               <a:t>Adobe</a:t>
             </a:r>
             <a:r>
-              <a:rPr spc="60" dirty="0"/>
+              <a:rPr spc="60"/>
               <a:t> </a:t>
             </a:r>
             <a:r>
-              <a:rPr spc="-15" dirty="0"/>
+              <a:rPr spc="-15"/>
               <a:t>Confidential.</a:t>
             </a:r>
           </a:p>
@@ -1996,7 +1962,7 @@
           <a:p>
             <a:fld id="{1D8BD707-D9CF-40AE-B4C6-C98DA3205C09}" type="datetimeFigureOut">
               <a:rPr lang="en-US"/>
-              <a:t>10/1/2021</a:t>
+              <a:t>10/13/2021</a:t>
             </a:fld>
             <a:endParaRPr lang="en-US"/>
           </a:p>
@@ -2046,7 +2012,7 @@
               </a:spcBef>
             </a:pPr>
             <a:r>
-              <a:rPr spc="-5" dirty="0"/>
+              <a:rPr spc="-5"/>
               <a:t>©</a:t>
             </a:r>
             <a:fld id="{81D60167-4931-47E6-BA6A-407CBD079E47}" type="slidenum">
@@ -2054,35 +2020,35 @@
               <a:t>‹#›</a:t>
             </a:fld>
             <a:r>
-              <a:rPr spc="-5" dirty="0"/>
+              <a:rPr spc="-5"/>
               <a:t> Adobe. All</a:t>
             </a:r>
             <a:r>
-              <a:rPr spc="-15" dirty="0"/>
+              <a:rPr spc="-15"/>
               <a:t> Rights</a:t>
             </a:r>
             <a:r>
-              <a:rPr spc="-10" dirty="0"/>
+              <a:rPr spc="-10"/>
               <a:t> </a:t>
             </a:r>
             <a:r>
-              <a:rPr spc="-15" dirty="0"/>
+              <a:rPr spc="-15"/>
               <a:t>Reserved.</a:t>
             </a:r>
             <a:r>
-              <a:rPr spc="-10" dirty="0"/>
+              <a:rPr spc="-10"/>
               <a:t> </a:t>
             </a:r>
             <a:r>
-              <a:rPr spc="-5" dirty="0"/>
+              <a:rPr spc="-5"/>
               <a:t>Adobe</a:t>
             </a:r>
             <a:r>
-              <a:rPr spc="60" dirty="0"/>
+              <a:rPr spc="60"/>
               <a:t> </a:t>
             </a:r>
             <a:r>
-              <a:rPr spc="-15" dirty="0"/>
+              <a:rPr spc="-15"/>
               <a:t>Confidential.</a:t>
             </a:r>
           </a:p>
@@ -2271,33 +2237,35 @@
         </p:nvSpPr>
         <p:spPr>
           <a:xfrm>
-            <a:off x="502827" y="65103"/>
-            <a:ext cx="4725793" cy="366767"/>
+            <a:off x="502828" y="65103"/>
+            <a:ext cx="3840572" cy="366767"/>
           </a:xfrm>
           <a:prstGeom prst="rect">
             <a:avLst/>
           </a:prstGeom>
         </p:spPr>
         <p:txBody>
-          <a:bodyPr vert="horz" wrap="square" lIns="0" tIns="12700" rIns="0" bIns="0" rtlCol="0">
+          <a:bodyPr vert="horz" wrap="square" lIns="0" tIns="12700" rIns="0" bIns="0" rtlCol="0" anchor="t">
             <a:spAutoFit/>
           </a:bodyPr>
           <a:lstStyle/>
           <a:p>
             <a:pPr marL="12700">
-              <a:lnSpc>
-                <a:spcPct val="100000"/>
-              </a:lnSpc>
               <a:spcBef>
                 <a:spcPts val="100"/>
               </a:spcBef>
             </a:pPr>
             <a:r>
-              <a:rPr lang="pt-BR" sz="2300" dirty="0">
-                <a:latin typeface="Adobe Clean" panose="020B0503020404020204" pitchFamily="34" charset="0"/>
-              </a:rPr>
-              <a:t>SERVIÇOS DE SUPORTE ADOBE</a:t>
-            </a:r>
+              <a:rPr sz="2300"/>
+              <a:t>ADOBE </a:t>
+            </a:r>
+            <a:r>
+              <a:rPr lang="en-US" sz="2300"/>
+              <a:t>SUPPORT PLANS</a:t>
+            </a:r>
+            <a:endParaRPr sz="2300">
+              <a:latin typeface="Adobe Clean" panose="020B0503020404020204" pitchFamily="34" charset="0"/>
+            </a:endParaRPr>
           </a:p>
         </p:txBody>
       </p:sp>
@@ -2331,17 +2299,107 @@
               </a:spcBef>
             </a:pPr>
             <a:r>
-              <a:rPr lang="pt-BR" sz="1100" dirty="0">
+              <a:rPr sz="1100" spc="-5">
                 <a:solidFill>
                   <a:srgbClr val="FFFFFF"/>
                 </a:solidFill>
                 <a:latin typeface="AdobeClean-Light"/>
                 <a:cs typeface="AdobeClean-Light"/>
               </a:rPr>
-              <a:t>Online | Business | Enterprise | </a:t>
-            </a:r>
-            <a:r>
-              <a:rPr lang="pt-BR" sz="1100" b="1" dirty="0">
+              <a:t>Online</a:t>
+            </a:r>
+            <a:r>
+              <a:rPr sz="1100">
+                <a:solidFill>
+                  <a:srgbClr val="FFFFFF"/>
+                </a:solidFill>
+                <a:latin typeface="AdobeClean-Light"/>
+                <a:cs typeface="AdobeClean-Light"/>
+              </a:rPr>
+              <a:t> |</a:t>
+            </a:r>
+            <a:r>
+              <a:rPr sz="1100" spc="5">
+                <a:solidFill>
+                  <a:srgbClr val="FFFFFF"/>
+                </a:solidFill>
+                <a:latin typeface="AdobeClean-Light"/>
+                <a:cs typeface="AdobeClean-Light"/>
+              </a:rPr>
+              <a:t> </a:t>
+            </a:r>
+            <a:r>
+              <a:rPr sz="1100" spc="-5">
+                <a:solidFill>
+                  <a:srgbClr val="FFFFFF"/>
+                </a:solidFill>
+                <a:latin typeface="AdobeClean-Light"/>
+                <a:cs typeface="AdobeClean-Light"/>
+              </a:rPr>
+              <a:t>Business</a:t>
+            </a:r>
+            <a:r>
+              <a:rPr sz="1100">
+                <a:solidFill>
+                  <a:srgbClr val="FFFFFF"/>
+                </a:solidFill>
+                <a:latin typeface="AdobeClean-Light"/>
+                <a:cs typeface="AdobeClean-Light"/>
+              </a:rPr>
+              <a:t> |</a:t>
+            </a:r>
+            <a:r>
+              <a:rPr sz="1100" spc="10">
+                <a:solidFill>
+                  <a:srgbClr val="FFFFFF"/>
+                </a:solidFill>
+                <a:latin typeface="AdobeClean-Light"/>
+                <a:cs typeface="AdobeClean-Light"/>
+              </a:rPr>
+              <a:t> </a:t>
+            </a:r>
+            <a:r>
+              <a:rPr sz="1100" spc="-5">
+                <a:solidFill>
+                  <a:srgbClr val="FFFFFF"/>
+                </a:solidFill>
+                <a:latin typeface="AdobeClean-Light"/>
+                <a:cs typeface="AdobeClean-Light"/>
+              </a:rPr>
+              <a:t>Enterprise</a:t>
+            </a:r>
+            <a:r>
+              <a:rPr sz="1100" spc="10">
+                <a:solidFill>
+                  <a:srgbClr val="FFFFFF"/>
+                </a:solidFill>
+                <a:latin typeface="AdobeClean-Light"/>
+                <a:cs typeface="AdobeClean-Light"/>
+              </a:rPr>
+              <a:t> </a:t>
+            </a:r>
+            <a:r>
+              <a:rPr sz="1100">
+                <a:solidFill>
+                  <a:srgbClr val="FFFFFF"/>
+                </a:solidFill>
+                <a:latin typeface="AdobeClean-Light"/>
+                <a:cs typeface="AdobeClean-Light"/>
+              </a:rPr>
+              <a:t>|</a:t>
+            </a:r>
+            <a:r>
+              <a:rPr sz="1100" spc="5">
+                <a:solidFill>
+                  <a:srgbClr val="FFFFFF"/>
+                </a:solidFill>
+                <a:latin typeface="AdobeClean-Light"/>
+                <a:cs typeface="AdobeClean-Light"/>
+              </a:rPr>
+              <a:t> </a:t>
+            </a:r>
+            <a:r>
+              <a:rPr sz="1100" b="1" spc="-65">
                 <a:solidFill>
                   <a:srgbClr val="FFFFFF"/>
                 </a:solidFill>
@@ -2350,6 +2408,10 @@
               </a:rPr>
               <a:t>Elite</a:t>
             </a:r>
+            <a:endParaRPr sz="1100">
+              <a:latin typeface="Arial"/>
+              <a:cs typeface="Arial"/>
+            </a:endParaRPr>
           </a:p>
           <a:p>
             <a:pPr marL="12700" marR="1076325">
@@ -2358,116 +2420,21 @@
               </a:spcBef>
             </a:pPr>
             <a:r>
-              <a:rPr lang="pt-BR" sz="900" dirty="0">
+              <a:rPr lang="en-US" sz="900">
                 <a:solidFill>
                   <a:schemeClr val="bg1"/>
                 </a:solidFill>
                 <a:latin typeface="Adobe Clean SemiLight" panose="020B0403020404020204" pitchFamily="34" charset="0"/>
               </a:rPr>
-              <a:t>A Adobe oferece uma ampla gama de recursos técnicos para prestar suporte à sua empresa, incluídos na sua assinatura </a:t>
-            </a:r>
-            <a:br>
-              <a:rPr lang="sk-SK" sz="900" dirty="0">
-                <a:solidFill>
-                  <a:schemeClr val="bg1"/>
-                </a:solidFill>
-                <a:latin typeface="Adobe Clean SemiLight" panose="020B0403020404020204" pitchFamily="34" charset="0"/>
-              </a:rPr>
-            </a:br>
-            <a:r>
-              <a:rPr lang="pt-BR" sz="900" dirty="0">
-                <a:solidFill>
-                  <a:schemeClr val="bg1"/>
-                </a:solidFill>
-                <a:latin typeface="Adobe Clean SemiLight" panose="020B0403020404020204" pitchFamily="34" charset="0"/>
-              </a:rPr>
-              <a:t>da Experience Cloud e com melhorias adicionais no pacote de suporte ELITE. O Suporte ELITE inclui acesso a caminhos </a:t>
-            </a:r>
-            <a:br>
-              <a:rPr lang="sk-SK" sz="900" dirty="0">
-                <a:solidFill>
-                  <a:schemeClr val="bg1"/>
-                </a:solidFill>
-                <a:latin typeface="Adobe Clean SemiLight" panose="020B0403020404020204" pitchFamily="34" charset="0"/>
-              </a:rPr>
-            </a:br>
-            <a:r>
-              <a:rPr lang="pt-BR" sz="900" dirty="0">
-                <a:solidFill>
-                  <a:schemeClr val="bg1"/>
-                </a:solidFill>
-                <a:latin typeface="Adobe Clean SemiLight" panose="020B0403020404020204" pitchFamily="34" charset="0"/>
-              </a:rPr>
-              <a:t>de aprendizagem personalizados e a fóruns monitorados da comunidade na Adobe Experience League. Você tem à sua disposição </a:t>
-            </a:r>
-            <a:br>
-              <a:rPr lang="sk-SK" sz="900" dirty="0">
-                <a:solidFill>
-                  <a:schemeClr val="bg1"/>
-                </a:solidFill>
-                <a:latin typeface="Adobe Clean SemiLight" panose="020B0403020404020204" pitchFamily="34" charset="0"/>
-              </a:rPr>
-            </a:br>
-            <a:r>
-              <a:rPr lang="pt-BR" sz="900" dirty="0">
-                <a:solidFill>
-                  <a:schemeClr val="bg1"/>
-                </a:solidFill>
-                <a:latin typeface="Adobe Clean SemiLight" panose="020B0403020404020204" pitchFamily="34" charset="0"/>
-              </a:rPr>
-              <a:t>a nossa documentação técnica de produto, com todos os detalhes, e as notas de versão atuais. Os clientes ELITE também contam com um Engenheiro de suporte nomeado e um Gerente técnico de conta, que atuam como contato técnico designado na Equipe de suporte da Adobe e colaboram com você para prestar um suporte superior, rápido e proativo. Com ampla experiência </a:t>
-            </a:r>
-            <a:br>
-              <a:rPr lang="sk-SK" sz="900" dirty="0">
-                <a:solidFill>
-                  <a:schemeClr val="bg1"/>
-                </a:solidFill>
-                <a:latin typeface="Adobe Clean SemiLight" panose="020B0403020404020204" pitchFamily="34" charset="0"/>
-              </a:rPr>
-            </a:br>
-            <a:r>
-              <a:rPr lang="pt-BR" sz="900" dirty="0">
-                <a:solidFill>
-                  <a:schemeClr val="bg1"/>
-                </a:solidFill>
-                <a:latin typeface="Adobe Clean SemiLight" panose="020B0403020404020204" pitchFamily="34" charset="0"/>
-              </a:rPr>
-              <a:t>em soluções da Experience Cloud, a Equipe de suporte trabalha para garantir que a Adobe esteja ao seu lado seja qual for </a:t>
-            </a:r>
-            <a:br>
-              <a:rPr lang="sk-SK" sz="900" dirty="0">
-                <a:solidFill>
-                  <a:schemeClr val="bg1"/>
-                </a:solidFill>
-                <a:latin typeface="Adobe Clean SemiLight" panose="020B0403020404020204" pitchFamily="34" charset="0"/>
-              </a:rPr>
-            </a:br>
-            <a:r>
-              <a:rPr lang="pt-BR" sz="900" dirty="0">
-                <a:solidFill>
-                  <a:schemeClr val="bg1"/>
-                </a:solidFill>
-                <a:latin typeface="Adobe Clean SemiLight" panose="020B0403020404020204" pitchFamily="34" charset="0"/>
-              </a:rPr>
-              <a:t>a complexidade do problema, atuando de maneira preventiva para que você aproveite ao máximo seu investimento na </a:t>
-            </a:r>
-            <a:br>
-              <a:rPr lang="sk-SK" sz="900" dirty="0">
-                <a:solidFill>
-                  <a:schemeClr val="bg1"/>
-                </a:solidFill>
-                <a:latin typeface="Adobe Clean SemiLight" panose="020B0403020404020204" pitchFamily="34" charset="0"/>
-              </a:rPr>
-            </a:br>
-            <a:r>
-              <a:rPr lang="pt-BR" sz="900" dirty="0">
-                <a:solidFill>
-                  <a:schemeClr val="bg1"/>
-                </a:solidFill>
-                <a:latin typeface="Adobe Clean SemiLight" panose="020B0403020404020204" pitchFamily="34" charset="0"/>
-              </a:rPr>
-              <a:t>Adobe Experience Cloud.</a:t>
-            </a:r>
+              <a:t>Adobe provides a comprehensive range of technical resources to help support your business included as part of your Experience Cloud license subscription and further enhanced in the ELITE support package. ELITE support includes access to personalized learning paths and monitored community forums via the Adobe Experience League. You can also take advantage of our detailed and in-depth technical product documentation and current release notes. ELITE customers will also have access to a Named Support Engineer as well as a Technical Account Manager who combine and work in partnership with you to provide best in class proactive and reactive support while acting as your designated technical contacts in the Adobe Support Team. With deep experience in your designated Experience Cloud solutions, your support team work to ensure that no matter how complex your support needs are, the Adobe Support team will be there side by side with you throughout, to ensure you maximize your investment in the Adobe Experience Cloud solutions and to help you avoid problems before they happen.</a:t>
+            </a:r>
+            <a:endParaRPr sz="900">
+              <a:solidFill>
+                <a:schemeClr val="bg1"/>
+              </a:solidFill>
+              <a:latin typeface="AdobeClean-Light"/>
+              <a:cs typeface="AdobeClean-Light"/>
+            </a:endParaRPr>
           </a:p>
         </p:txBody>
       </p:sp>
@@ -2479,8 +2446,8 @@
         </p:nvSpPr>
         <p:spPr>
           <a:xfrm>
-            <a:off x="168564" y="7024371"/>
-            <a:ext cx="3565236" cy="228268"/>
+            <a:off x="168564" y="7162800"/>
+            <a:ext cx="2780665" cy="238760"/>
           </a:xfrm>
           <a:prstGeom prst="rect">
             <a:avLst/>
@@ -2501,7 +2468,7 @@
               </a:spcBef>
             </a:pPr>
             <a:r>
-              <a:rPr lang="pt-BR" sz="1400" b="1" u="heavy" dirty="0">
+              <a:rPr sz="1400" b="1" u="heavy" spc="20">
                 <a:solidFill>
                   <a:srgbClr val="020302"/>
                 </a:solidFill>
@@ -2513,8 +2480,447 @@
                 <a:latin typeface="Adobe Clean"/>
                 <a:cs typeface="Adobe Clean"/>
               </a:rPr>
-              <a:t>Metas de nível de serviço: Resposta inicial</a:t>
-            </a:r>
+              <a:t>S</a:t>
+            </a:r>
+            <a:r>
+              <a:rPr sz="1400" b="1" u="heavy">
+                <a:solidFill>
+                  <a:srgbClr val="020302"/>
+                </a:solidFill>
+                <a:uFill>
+                  <a:solidFill>
+                    <a:srgbClr val="020302"/>
+                  </a:solidFill>
+                </a:uFill>
+                <a:latin typeface="Adobe Clean"/>
+                <a:cs typeface="Adobe Clean"/>
+              </a:rPr>
+              <a:t>er</a:t>
+            </a:r>
+            <a:r>
+              <a:rPr sz="1400" b="1" u="heavy" spc="10">
+                <a:solidFill>
+                  <a:srgbClr val="020302"/>
+                </a:solidFill>
+                <a:uFill>
+                  <a:solidFill>
+                    <a:srgbClr val="020302"/>
+                  </a:solidFill>
+                </a:uFill>
+                <a:latin typeface="Adobe Clean"/>
+                <a:cs typeface="Adobe Clean"/>
+              </a:rPr>
+              <a:t>vi</a:t>
+            </a:r>
+            <a:r>
+              <a:rPr sz="1400" b="1" u="heavy">
+                <a:solidFill>
+                  <a:srgbClr val="020302"/>
+                </a:solidFill>
+                <a:uFill>
+                  <a:solidFill>
+                    <a:srgbClr val="020302"/>
+                  </a:solidFill>
+                </a:uFill>
+                <a:latin typeface="Adobe Clean"/>
+                <a:cs typeface="Adobe Clean"/>
+              </a:rPr>
+              <a:t>ce</a:t>
+            </a:r>
+            <a:r>
+              <a:rPr sz="1400" b="1" u="heavy" spc="20">
+                <a:solidFill>
+                  <a:srgbClr val="020302"/>
+                </a:solidFill>
+                <a:uFill>
+                  <a:solidFill>
+                    <a:srgbClr val="020302"/>
+                  </a:solidFill>
+                </a:uFill>
+                <a:latin typeface="Adobe Clean"/>
+                <a:cs typeface="Adobe Clean"/>
+              </a:rPr>
+              <a:t> </a:t>
+            </a:r>
+            <a:r>
+              <a:rPr sz="1400" b="1" u="heavy" spc="-20">
+                <a:solidFill>
+                  <a:srgbClr val="020302"/>
+                </a:solidFill>
+                <a:uFill>
+                  <a:solidFill>
+                    <a:srgbClr val="020302"/>
+                  </a:solidFill>
+                </a:uFill>
+                <a:latin typeface="Adobe Clean"/>
+                <a:cs typeface="Adobe Clean"/>
+              </a:rPr>
+              <a:t>Le</a:t>
+            </a:r>
+            <a:r>
+              <a:rPr sz="1400" b="1" u="heavy" spc="-10">
+                <a:solidFill>
+                  <a:srgbClr val="020302"/>
+                </a:solidFill>
+                <a:uFill>
+                  <a:solidFill>
+                    <a:srgbClr val="020302"/>
+                  </a:solidFill>
+                </a:uFill>
+                <a:latin typeface="Adobe Clean"/>
+                <a:cs typeface="Adobe Clean"/>
+              </a:rPr>
+              <a:t>v</a:t>
+            </a:r>
+            <a:r>
+              <a:rPr sz="1400" b="1" u="heavy" spc="-20">
+                <a:solidFill>
+                  <a:srgbClr val="020302"/>
+                </a:solidFill>
+                <a:uFill>
+                  <a:solidFill>
+                    <a:srgbClr val="020302"/>
+                  </a:solidFill>
+                </a:uFill>
+                <a:latin typeface="Adobe Clean"/>
+                <a:cs typeface="Adobe Clean"/>
+              </a:rPr>
+              <a:t>e</a:t>
+            </a:r>
+            <a:r>
+              <a:rPr sz="1400" b="1" u="heavy">
+                <a:solidFill>
+                  <a:srgbClr val="020302"/>
+                </a:solidFill>
+                <a:uFill>
+                  <a:solidFill>
+                    <a:srgbClr val="020302"/>
+                  </a:solidFill>
+                </a:uFill>
+                <a:latin typeface="Adobe Clean"/>
+                <a:cs typeface="Adobe Clean"/>
+              </a:rPr>
+              <a:t>l</a:t>
+            </a:r>
+            <a:r>
+              <a:rPr sz="1400" b="1" u="heavy" spc="-10">
+                <a:solidFill>
+                  <a:srgbClr val="020302"/>
+                </a:solidFill>
+                <a:uFill>
+                  <a:solidFill>
+                    <a:srgbClr val="020302"/>
+                  </a:solidFill>
+                </a:uFill>
+                <a:latin typeface="Adobe Clean"/>
+                <a:cs typeface="Adobe Clean"/>
+              </a:rPr>
+              <a:t> </a:t>
+            </a:r>
+            <a:r>
+              <a:rPr sz="1400" b="1" u="heavy" spc="-65">
+                <a:solidFill>
+                  <a:srgbClr val="020302"/>
+                </a:solidFill>
+                <a:uFill>
+                  <a:solidFill>
+                    <a:srgbClr val="020302"/>
+                  </a:solidFill>
+                </a:uFill>
+                <a:latin typeface="Adobe Clean"/>
+                <a:cs typeface="Adobe Clean"/>
+              </a:rPr>
+              <a:t>T</a:t>
+            </a:r>
+            <a:r>
+              <a:rPr sz="1400" b="1" u="heavy" spc="-35">
+                <a:solidFill>
+                  <a:srgbClr val="020302"/>
+                </a:solidFill>
+                <a:uFill>
+                  <a:solidFill>
+                    <a:srgbClr val="020302"/>
+                  </a:solidFill>
+                </a:uFill>
+                <a:latin typeface="Adobe Clean"/>
+                <a:cs typeface="Adobe Clean"/>
+              </a:rPr>
+              <a:t>a</a:t>
+            </a:r>
+            <a:r>
+              <a:rPr sz="1400" b="1" u="heavy" spc="-45">
+                <a:solidFill>
+                  <a:srgbClr val="020302"/>
+                </a:solidFill>
+                <a:uFill>
+                  <a:solidFill>
+                    <a:srgbClr val="020302"/>
+                  </a:solidFill>
+                </a:uFill>
+                <a:latin typeface="Adobe Clean"/>
+                <a:cs typeface="Adobe Clean"/>
+              </a:rPr>
+              <a:t>r</a:t>
+            </a:r>
+            <a:r>
+              <a:rPr sz="1400" b="1" u="heavy" spc="-35">
+                <a:solidFill>
+                  <a:srgbClr val="020302"/>
+                </a:solidFill>
+                <a:uFill>
+                  <a:solidFill>
+                    <a:srgbClr val="020302"/>
+                  </a:solidFill>
+                </a:uFill>
+                <a:latin typeface="Adobe Clean"/>
+                <a:cs typeface="Adobe Clean"/>
+              </a:rPr>
+              <a:t>g</a:t>
+            </a:r>
+            <a:r>
+              <a:rPr sz="1400" b="1" u="heavy" spc="-55">
+                <a:solidFill>
+                  <a:srgbClr val="020302"/>
+                </a:solidFill>
+                <a:uFill>
+                  <a:solidFill>
+                    <a:srgbClr val="020302"/>
+                  </a:solidFill>
+                </a:uFill>
+                <a:latin typeface="Adobe Clean"/>
+                <a:cs typeface="Adobe Clean"/>
+              </a:rPr>
+              <a:t>et</a:t>
+            </a:r>
+            <a:r>
+              <a:rPr sz="1400" b="1" u="heavy" spc="-45">
+                <a:solidFill>
+                  <a:srgbClr val="020302"/>
+                </a:solidFill>
+                <a:uFill>
+                  <a:solidFill>
+                    <a:srgbClr val="020302"/>
+                  </a:solidFill>
+                </a:uFill>
+                <a:latin typeface="Adobe Clean"/>
+                <a:cs typeface="Adobe Clean"/>
+              </a:rPr>
+              <a:t>s</a:t>
+            </a:r>
+            <a:r>
+              <a:rPr sz="1400" b="1" u="heavy">
+                <a:solidFill>
+                  <a:srgbClr val="020302"/>
+                </a:solidFill>
+                <a:uFill>
+                  <a:solidFill>
+                    <a:srgbClr val="020302"/>
+                  </a:solidFill>
+                </a:uFill>
+                <a:latin typeface="Adobe Clean"/>
+                <a:cs typeface="Adobe Clean"/>
+              </a:rPr>
+              <a:t>:</a:t>
+            </a:r>
+            <a:r>
+              <a:rPr sz="1400" b="1" u="heavy" spc="-80">
+                <a:solidFill>
+                  <a:srgbClr val="020302"/>
+                </a:solidFill>
+                <a:uFill>
+                  <a:solidFill>
+                    <a:srgbClr val="020302"/>
+                  </a:solidFill>
+                </a:uFill>
+                <a:latin typeface="Adobe Clean"/>
+                <a:cs typeface="Adobe Clean"/>
+              </a:rPr>
+              <a:t> </a:t>
+            </a:r>
+            <a:r>
+              <a:rPr sz="1400" b="1" u="heavy" spc="-20">
+                <a:solidFill>
+                  <a:srgbClr val="020302"/>
+                </a:solidFill>
+                <a:uFill>
+                  <a:solidFill>
+                    <a:srgbClr val="020302"/>
+                  </a:solidFill>
+                </a:uFill>
+                <a:latin typeface="Adobe Clean"/>
+                <a:cs typeface="Adobe Clean"/>
+              </a:rPr>
+              <a:t>I</a:t>
+            </a:r>
+            <a:r>
+              <a:rPr sz="1400" b="1" u="heavy" spc="-10">
+                <a:solidFill>
+                  <a:srgbClr val="020302"/>
+                </a:solidFill>
+                <a:uFill>
+                  <a:solidFill>
+                    <a:srgbClr val="020302"/>
+                  </a:solidFill>
+                </a:uFill>
+                <a:latin typeface="Adobe Clean"/>
+                <a:cs typeface="Adobe Clean"/>
+              </a:rPr>
+              <a:t>ni</a:t>
+            </a:r>
+            <a:r>
+              <a:rPr sz="1400" b="1" u="heavy" spc="-20">
+                <a:solidFill>
+                  <a:srgbClr val="020302"/>
+                </a:solidFill>
+                <a:uFill>
+                  <a:solidFill>
+                    <a:srgbClr val="020302"/>
+                  </a:solidFill>
+                </a:uFill>
+                <a:latin typeface="Adobe Clean"/>
+                <a:cs typeface="Adobe Clean"/>
+              </a:rPr>
+              <a:t>t</a:t>
+            </a:r>
+            <a:r>
+              <a:rPr sz="1400" b="1" u="heavy" spc="-10">
+                <a:solidFill>
+                  <a:srgbClr val="020302"/>
+                </a:solidFill>
+                <a:uFill>
+                  <a:solidFill>
+                    <a:srgbClr val="020302"/>
+                  </a:solidFill>
+                </a:uFill>
+                <a:latin typeface="Adobe Clean"/>
+                <a:cs typeface="Adobe Clean"/>
+              </a:rPr>
+              <a:t>i</a:t>
+            </a:r>
+            <a:r>
+              <a:rPr sz="1400" b="1" u="heavy">
+                <a:solidFill>
+                  <a:srgbClr val="020302"/>
+                </a:solidFill>
+                <a:uFill>
+                  <a:solidFill>
+                    <a:srgbClr val="020302"/>
+                  </a:solidFill>
+                </a:uFill>
+                <a:latin typeface="Adobe Clean"/>
+                <a:cs typeface="Adobe Clean"/>
+              </a:rPr>
+              <a:t>al</a:t>
+            </a:r>
+            <a:r>
+              <a:rPr sz="1400" b="1" u="heavy" spc="-140">
+                <a:solidFill>
+                  <a:srgbClr val="020302"/>
+                </a:solidFill>
+                <a:uFill>
+                  <a:solidFill>
+                    <a:srgbClr val="020302"/>
+                  </a:solidFill>
+                </a:uFill>
+                <a:latin typeface="Adobe Clean"/>
+                <a:cs typeface="Adobe Clean"/>
+              </a:rPr>
+              <a:t> </a:t>
+            </a:r>
+            <a:r>
+              <a:rPr sz="1400" b="1" u="heavy" spc="-15">
+                <a:solidFill>
+                  <a:srgbClr val="020302"/>
+                </a:solidFill>
+                <a:uFill>
+                  <a:solidFill>
+                    <a:srgbClr val="020302"/>
+                  </a:solidFill>
+                </a:uFill>
+                <a:latin typeface="Adobe Clean"/>
+                <a:cs typeface="Adobe Clean"/>
+              </a:rPr>
+              <a:t>R</a:t>
+            </a:r>
+            <a:r>
+              <a:rPr sz="1400" b="1" u="heavy" spc="-25">
+                <a:solidFill>
+                  <a:srgbClr val="020302"/>
+                </a:solidFill>
+                <a:uFill>
+                  <a:solidFill>
+                    <a:srgbClr val="020302"/>
+                  </a:solidFill>
+                </a:uFill>
+                <a:latin typeface="Adobe Clean"/>
+                <a:cs typeface="Adobe Clean"/>
+              </a:rPr>
+              <a:t>e</a:t>
+            </a:r>
+            <a:r>
+              <a:rPr sz="1400" b="1" u="heavy" spc="-15">
+                <a:solidFill>
+                  <a:srgbClr val="020302"/>
+                </a:solidFill>
+                <a:uFill>
+                  <a:solidFill>
+                    <a:srgbClr val="020302"/>
+                  </a:solidFill>
+                </a:uFill>
+                <a:latin typeface="Adobe Clean"/>
+                <a:cs typeface="Adobe Clean"/>
+              </a:rPr>
+              <a:t>s</a:t>
+            </a:r>
+            <a:r>
+              <a:rPr sz="1400" b="1" u="heavy" spc="-25">
+                <a:solidFill>
+                  <a:srgbClr val="020302"/>
+                </a:solidFill>
+                <a:uFill>
+                  <a:solidFill>
+                    <a:srgbClr val="020302"/>
+                  </a:solidFill>
+                </a:uFill>
+                <a:latin typeface="Adobe Clean"/>
+                <a:cs typeface="Adobe Clean"/>
+              </a:rPr>
+              <a:t>p</a:t>
+            </a:r>
+            <a:r>
+              <a:rPr sz="1400" b="1" u="heavy" spc="-15">
+                <a:solidFill>
+                  <a:srgbClr val="020302"/>
+                </a:solidFill>
+                <a:uFill>
+                  <a:solidFill>
+                    <a:srgbClr val="020302"/>
+                  </a:solidFill>
+                </a:uFill>
+                <a:latin typeface="Adobe Clean"/>
+                <a:cs typeface="Adobe Clean"/>
+              </a:rPr>
+              <a:t>ons</a:t>
+            </a:r>
+            <a:r>
+              <a:rPr sz="1400" b="1" u="heavy">
+                <a:solidFill>
+                  <a:srgbClr val="020302"/>
+                </a:solidFill>
+                <a:uFill>
+                  <a:solidFill>
+                    <a:srgbClr val="020302"/>
+                  </a:solidFill>
+                </a:uFill>
+                <a:latin typeface="Adobe Clean"/>
+                <a:cs typeface="Adobe Clean"/>
+              </a:rPr>
+              <a:t>e</a:t>
+            </a:r>
+            <a:endParaRPr sz="1400">
+              <a:latin typeface="Adobe Clean"/>
+              <a:cs typeface="Adobe Clean"/>
+            </a:endParaRPr>
           </a:p>
         </p:txBody>
       </p:sp>
@@ -2527,13 +2933,13 @@
           <p:nvPr>
             <p:extLst>
               <p:ext uri="{D42A27DB-BD31-4B8C-83A1-F6EECF244321}">
-                <p14:modId xmlns:p14="http://schemas.microsoft.com/office/powerpoint/2010/main" val="4025285192"/>
+                <p14:modId xmlns:p14="http://schemas.microsoft.com/office/powerpoint/2010/main" val="101721845"/>
               </p:ext>
             </p:extLst>
           </p:nvPr>
         </p:nvGraphicFramePr>
         <p:xfrm>
-          <a:off x="145668" y="7341479"/>
+          <a:off x="145668" y="7473158"/>
           <a:ext cx="7409815" cy="2259721"/>
         </p:xfrm>
         <a:graphic>
@@ -2580,15 +2986,19 @@
                         </a:spcBef>
                       </a:pPr>
                       <a:r>
-                        <a:rPr lang="pt-BR" sz="900">
+                        <a:rPr sz="900" spc="0">
                           <a:solidFill>
                             <a:srgbClr val="020302"/>
                           </a:solidFill>
                           <a:latin typeface="Adobe Clean"/>
                           <a:cs typeface="Adobe Clean"/>
                         </a:rPr>
-                        <a:t>Prioridade</a:t>
+                        <a:t>Priority</a:t>
                       </a:r>
+                      <a:endParaRPr sz="900" spc="0">
+                        <a:latin typeface="Adobe Clean"/>
+                        <a:cs typeface="Adobe Clean"/>
+                      </a:endParaRPr>
                     </a:p>
                   </a:txBody>
                   <a:tcPr marL="0" marR="0" marT="5715" marB="0" anchor="ctr">
@@ -2635,15 +3045,39 @@
                         </a:spcBef>
                       </a:pPr>
                       <a:r>
-                        <a:rPr lang="pt-BR" sz="900">
+                        <a:rPr sz="900" spc="0">
                           <a:solidFill>
                             <a:srgbClr val="020302"/>
                           </a:solidFill>
                           <a:latin typeface="Adobe Clean"/>
                           <a:cs typeface="Adobe Clean"/>
                         </a:rPr>
-                        <a:t>Suporte Online</a:t>
+                        <a:t>Online</a:t>
                       </a:r>
+                      <a:r>
+                        <a:rPr lang="en-US" sz="900" spc="0">
+                          <a:solidFill>
+                            <a:srgbClr val="020302"/>
+                          </a:solidFill>
+                          <a:latin typeface="Adobe Clean"/>
+                          <a:cs typeface="Adobe Clean"/>
+                        </a:rPr>
+                        <a:t> </a:t>
+                      </a:r>
+                      <a:r>
+                        <a:rPr sz="900" spc="0">
+                          <a:solidFill>
+                            <a:srgbClr val="020302"/>
+                          </a:solidFill>
+                          <a:latin typeface="Adobe Clean"/>
+                          <a:cs typeface="Adobe Clean"/>
+                        </a:rPr>
+                        <a:t> Support</a:t>
+                      </a:r>
+                      <a:endParaRPr sz="900" spc="0">
+                        <a:latin typeface="Adobe Clean"/>
+                        <a:cs typeface="Adobe Clean"/>
+                      </a:endParaRPr>
                     </a:p>
                   </a:txBody>
                   <a:tcPr marL="0" marR="0" marT="5715" marB="0" anchor="ctr">
@@ -2693,15 +3127,39 @@
                         </a:spcBef>
                       </a:pPr>
                       <a:r>
-                        <a:rPr lang="pt-BR" sz="900">
+                        <a:rPr sz="900" spc="0">
                           <a:solidFill>
                             <a:srgbClr val="FFFFFF"/>
                           </a:solidFill>
                           <a:latin typeface="Adobe Clean"/>
                           <a:cs typeface="Adobe Clean"/>
                         </a:rPr>
-                        <a:t>Suporte Elite</a:t>
+                        <a:t>Elite </a:t>
                       </a:r>
+                      <a:r>
+                        <a:rPr lang="en-US" sz="900" spc="0">
+                          <a:solidFill>
+                            <a:srgbClr val="FFFFFF"/>
+                          </a:solidFill>
+                          <a:latin typeface="Adobe Clean"/>
+                          <a:cs typeface="Adobe Clean"/>
+                        </a:rPr>
+                        <a:t> </a:t>
+                      </a:r>
+                      <a:r>
+                        <a:rPr sz="900" spc="0">
+                          <a:solidFill>
+                            <a:srgbClr val="FFFFFF"/>
+                          </a:solidFill>
+                          <a:latin typeface="Adobe Clean"/>
+                          <a:cs typeface="Adobe Clean"/>
+                        </a:rPr>
+                        <a:t>Support</a:t>
+                      </a:r>
+                      <a:endParaRPr sz="900" spc="0">
+                        <a:latin typeface="Adobe Clean"/>
+                        <a:cs typeface="Adobe Clean"/>
+                      </a:endParaRPr>
                     </a:p>
                   </a:txBody>
                   <a:tcPr marL="0" marR="0" marT="8255" marB="0" anchor="ctr">
@@ -2758,15 +3216,19 @@
                         </a:spcBef>
                       </a:pPr>
                       <a:r>
-                        <a:rPr lang="pt-BR" sz="900" b="1" dirty="0">
+                        <a:rPr sz="900" b="1" spc="0">
                           <a:solidFill>
                             <a:srgbClr val="020302"/>
                           </a:solidFill>
                           <a:latin typeface="Adobe Clean"/>
                           <a:cs typeface="Adobe Clean"/>
                         </a:rPr>
-                        <a:t>PRIORIDADE 1</a:t>
+                        <a:t>PRIORITY 1</a:t>
                       </a:r>
+                      <a:endParaRPr sz="900" spc="0">
+                        <a:latin typeface="Adobe Clean"/>
+                        <a:cs typeface="Adobe Clean"/>
+                      </a:endParaRPr>
                     </a:p>
                     <a:p>
                       <a:pPr marL="50165" marR="495934" algn="l">
@@ -2778,48 +3240,19 @@
                         </a:spcBef>
                       </a:pPr>
                       <a:r>
-                        <a:rPr lang="pt-BR" sz="900" b="0" i="0" u="none" strike="noStrike" dirty="0">
+                        <a:rPr lang="en-US" sz="900" b="0" i="0" u="none" strike="noStrike" spc="0">
                           <a:solidFill>
                             <a:srgbClr val="000000"/>
                           </a:solidFill>
+                          <a:effectLst/>
                           <a:latin typeface="Adobe Clean Light" panose="020B0303020404020204" pitchFamily="34" charset="0"/>
                         </a:rPr>
-                        <a:t>As funções de produção do cliente estão inativas ou têm perda significativa de dados </a:t>
+                        <a:t>Customer's production business functions are down or have significant data loss or service degradation and immediate attention is required to restore functionality and usability</a:t>
                       </a:r>
-                      <a:br>
-                        <a:rPr lang="sk-SK" sz="900" b="0" i="0" u="none" strike="noStrike" dirty="0">
-                          <a:solidFill>
-                            <a:srgbClr val="000000"/>
-                          </a:solidFill>
-                          <a:latin typeface="Adobe Clean Light" panose="020B0303020404020204" pitchFamily="34" charset="0"/>
-                        </a:rPr>
-                      </a:br>
-                      <a:r>
-                        <a:rPr lang="pt-BR" sz="900" b="0" i="0" u="none" strike="noStrike" dirty="0">
-                          <a:solidFill>
-                            <a:srgbClr val="000000"/>
-                          </a:solidFill>
-                          <a:latin typeface="Adobe Clean Light" panose="020B0303020404020204" pitchFamily="34" charset="0"/>
-                        </a:rPr>
-                        <a:t>ou degradação de serviços, e é necessária atenção imediata para restaurar a funcionalidade </a:t>
-                      </a:r>
-                      <a:br>
-                        <a:rPr lang="sk-SK" sz="900" b="0" i="0" u="none" strike="noStrike" dirty="0">
-                          <a:solidFill>
-                            <a:srgbClr val="000000"/>
-                          </a:solidFill>
-                          <a:latin typeface="Adobe Clean Light" panose="020B0303020404020204" pitchFamily="34" charset="0"/>
-                        </a:rPr>
-                      </a:br>
-                      <a:r>
-                        <a:rPr lang="pt-BR" sz="900" b="0" i="0" u="none" strike="noStrike" dirty="0">
-                          <a:solidFill>
-                            <a:srgbClr val="000000"/>
-                          </a:solidFill>
-                          <a:latin typeface="Adobe Clean Light" panose="020B0303020404020204" pitchFamily="34" charset="0"/>
-                        </a:rPr>
-                        <a:t>e a usabilidade</a:t>
-                      </a:r>
+                      <a:endParaRPr sz="900" spc="0">
+                        <a:latin typeface="AdobeClean-Light"/>
+                        <a:cs typeface="AdobeClean-Light"/>
+                      </a:endParaRPr>
                     </a:p>
                   </a:txBody>
                   <a:tcPr marL="0" marR="0" marT="0" marB="0" anchor="ctr">
@@ -2857,21 +3290,85 @@
                     <a:bodyPr/>
                     <a:lstStyle/>
                     <a:p>
-                      <a:pPr marL="542925" marR="492125" algn="ctr">
+                      <a:pPr marL="542925" marR="492125" algn="l">
                         <a:lnSpc>
                           <a:spcPct val="102200"/>
                         </a:lnSpc>
                       </a:pPr>
                       <a:r>
-                        <a:rPr lang="pt-BR" sz="900" dirty="0">
+                        <a:rPr sz="900" spc="0">
                           <a:solidFill>
                             <a:srgbClr val="020302"/>
                           </a:solidFill>
                           <a:latin typeface="AdobeClean-Light"/>
                           <a:cs typeface="AdobeClean-Light"/>
                         </a:rPr>
-                        <a:t>24x7 /              1 hora</a:t>
+                        <a:t>24x7</a:t>
                       </a:r>
+                      <a:r>
+                        <a:rPr lang="en-US" sz="900" spc="0">
+                          <a:solidFill>
+                            <a:srgbClr val="020302"/>
+                          </a:solidFill>
+                          <a:latin typeface="AdobeClean-Light"/>
+                          <a:cs typeface="AdobeClean-Light"/>
+                        </a:rPr>
+                        <a:t> </a:t>
+                      </a:r>
+                      <a:r>
+                        <a:rPr sz="900" spc="0">
+                          <a:solidFill>
+                            <a:srgbClr val="020302"/>
+                          </a:solidFill>
+                          <a:latin typeface="AdobeClean-Light"/>
+                          <a:cs typeface="AdobeClean-Light"/>
+                        </a:rPr>
+                        <a:t>/</a:t>
+                      </a:r>
+                      <a:r>
+                        <a:rPr lang="en-US" sz="900" spc="0">
+                          <a:solidFill>
+                            <a:srgbClr val="020302"/>
+                          </a:solidFill>
+                          <a:latin typeface="AdobeClean-Light"/>
+                          <a:cs typeface="AdobeClean-Light"/>
+                        </a:rPr>
+                        <a:t>         </a:t>
+                      </a:r>
+                      <a:r>
+                        <a:rPr sz="900" spc="0">
+                          <a:solidFill>
+                            <a:srgbClr val="020302"/>
+                          </a:solidFill>
+                          <a:latin typeface="AdobeClean-Light"/>
+                          <a:cs typeface="AdobeClean-Light"/>
+                        </a:rPr>
+                        <a:t>  1</a:t>
+                      </a:r>
+                      <a:r>
+                        <a:rPr lang="en-US" sz="900" spc="0">
+                          <a:solidFill>
+                            <a:srgbClr val="020302"/>
+                          </a:solidFill>
+                          <a:latin typeface="AdobeClean-Light"/>
+                          <a:cs typeface="AdobeClean-Light"/>
+                        </a:rPr>
+                        <a:t> </a:t>
+                      </a:r>
+                      <a:r>
+                        <a:rPr sz="900" spc="0">
+                          <a:solidFill>
+                            <a:srgbClr val="020302"/>
+                          </a:solidFill>
+                          <a:latin typeface="AdobeClean-Light"/>
+                          <a:cs typeface="AdobeClean-Light"/>
+                        </a:rPr>
+                        <a:t>hour</a:t>
+                      </a:r>
+                      <a:endParaRPr sz="900" spc="0">
+                        <a:latin typeface="AdobeClean-Light"/>
+                        <a:cs typeface="AdobeClean-Light"/>
+                      </a:endParaRPr>
                     </a:p>
                   </a:txBody>
                   <a:tcPr marL="0" marR="0" marT="0" marB="0" anchor="ctr">
@@ -2909,21 +3406,75 @@
                     <a:bodyPr/>
                     <a:lstStyle/>
                     <a:p>
-                      <a:pPr marL="405130" marR="459740" indent="92710" algn="ctr">
+                      <a:pPr marL="405130" marR="459740" indent="92710" algn="l">
                         <a:lnSpc>
                           <a:spcPct val="100000"/>
                         </a:lnSpc>
                       </a:pPr>
                       <a:r>
-                        <a:rPr lang="pt-BR" sz="900">
+                        <a:rPr lang="en-US" sz="900" spc="0">
                           <a:solidFill>
                             <a:srgbClr val="020302"/>
                           </a:solidFill>
                           <a:latin typeface="AdobeClean-Light"/>
                           <a:cs typeface="AdobeClean-Light"/>
                         </a:rPr>
-                        <a:t>24x7 /         15 minutos</a:t>
+                        <a:t>2</a:t>
                       </a:r>
+                      <a:r>
+                        <a:rPr sz="900" spc="0">
+                          <a:solidFill>
+                            <a:srgbClr val="020302"/>
+                          </a:solidFill>
+                          <a:latin typeface="AdobeClean-Light"/>
+                          <a:cs typeface="AdobeClean-Light"/>
+                        </a:rPr>
+                        <a:t>4x7 / </a:t>
+                      </a:r>
+                      <a:r>
+                        <a:rPr lang="en-US" sz="900" spc="0">
+                          <a:solidFill>
+                            <a:srgbClr val="020302"/>
+                          </a:solidFill>
+                          <a:latin typeface="AdobeClean-Light"/>
+                          <a:cs typeface="AdobeClean-Light"/>
+                        </a:rPr>
+                        <a:t> </a:t>
+                      </a:r>
+                      <a:r>
+                        <a:rPr sz="900" spc="0">
+                          <a:solidFill>
+                            <a:srgbClr val="020302"/>
+                          </a:solidFill>
+                          <a:latin typeface="AdobeClean-Light"/>
+                          <a:cs typeface="AdobeClean-Light"/>
+                        </a:rPr>
+                        <a:t> 15</a:t>
+                      </a:r>
+                      <a:r>
+                        <a:rPr lang="en-US" sz="900" spc="0">
+                          <a:solidFill>
+                            <a:srgbClr val="020302"/>
+                          </a:solidFill>
+                          <a:latin typeface="AdobeClean-Light"/>
+                          <a:cs typeface="AdobeClean-Light"/>
+                        </a:rPr>
+                        <a:t> </a:t>
+                      </a:r>
+                      <a:r>
+                        <a:rPr sz="900" spc="0">
+                          <a:solidFill>
+                            <a:srgbClr val="020302"/>
+                          </a:solidFill>
+                          <a:latin typeface="AdobeClean-Light"/>
+                          <a:cs typeface="AdobeClean-Light"/>
+                        </a:rPr>
+                        <a:t>minutes</a:t>
+                      </a:r>
+                      <a:endParaRPr sz="900" spc="0">
+                        <a:latin typeface="AdobeClean-Light"/>
+                        <a:cs typeface="AdobeClean-Light"/>
+                      </a:endParaRPr>
                     </a:p>
                   </a:txBody>
                   <a:tcPr marL="0" marR="0" marT="2540" marB="0" anchor="ctr">
@@ -2985,15 +3536,19 @@
                         </a:spcBef>
                       </a:pPr>
                       <a:r>
-                        <a:rPr lang="pt-BR" sz="900" b="1">
+                        <a:rPr sz="900" b="1" spc="0">
                           <a:solidFill>
                             <a:srgbClr val="020302"/>
                           </a:solidFill>
                           <a:latin typeface="Adobe Clean"/>
                           <a:cs typeface="Adobe Clean"/>
                         </a:rPr>
-                        <a:t>PRIORIDADE 2</a:t>
+                        <a:t>PRIORITY 2</a:t>
                       </a:r>
+                      <a:endParaRPr sz="900" spc="0">
+                        <a:latin typeface="Adobe Clean"/>
+                        <a:cs typeface="Adobe Clean"/>
+                      </a:endParaRPr>
                     </a:p>
                     <a:p>
                       <a:pPr marL="49530" marR="719455" algn="l">
@@ -3005,14 +3560,19 @@
                         </a:spcBef>
                       </a:pPr>
                       <a:r>
-                        <a:rPr lang="pt-BR" sz="900" b="0" i="0" u="none" strike="noStrike">
+                        <a:rPr lang="en-US" sz="900" b="0" i="0" u="none" strike="noStrike" spc="0">
                           <a:solidFill>
                             <a:srgbClr val="000000"/>
                           </a:solidFill>
+                          <a:effectLst/>
                           <a:latin typeface="Adobe Clean Light" panose="020B0303020404020204" pitchFamily="34" charset="0"/>
                         </a:rPr>
-                        <a:t>As funções empresariais do cliente têm grande degradação de serviços, perda potencial de dados ou foi afetado um recurso importante</a:t>
+                        <a:t>Customer's business functions have major service degradation or potential data loss, or a major feature is impacted</a:t>
                       </a:r>
+                      <a:endParaRPr sz="900" spc="0">
+                        <a:latin typeface="AdobeClean-Light"/>
+                        <a:cs typeface="AdobeClean-Light"/>
+                      </a:endParaRPr>
                     </a:p>
                   </a:txBody>
                   <a:tcPr marL="0" marR="0" marT="0" marB="0" anchor="ctr">
@@ -3050,21 +3610,65 @@
                     <a:bodyPr/>
                     <a:lstStyle/>
                     <a:p>
-                      <a:pPr marL="342900" marR="343535" indent="-44450" algn="ctr">
+                      <a:pPr marL="473709" marR="343535" indent="-175895" algn="l">
                         <a:lnSpc>
                           <a:spcPct val="102200"/>
                         </a:lnSpc>
                       </a:pPr>
                       <a:r>
-                        <a:rPr lang="pt-BR" sz="900" dirty="0">
+                        <a:rPr sz="900" spc="0">
                           <a:solidFill>
                             <a:srgbClr val="020302"/>
                           </a:solidFill>
                           <a:latin typeface="AdobeClean-Light"/>
                           <a:cs typeface="AdobeClean-Light"/>
                         </a:rPr>
-                        <a:t>Horário comercial/           4 horas</a:t>
+                        <a:t>Business hours</a:t>
                       </a:r>
+                      <a:r>
+                        <a:rPr lang="en-US" sz="900" spc="0">
+                          <a:solidFill>
+                            <a:srgbClr val="020302"/>
+                          </a:solidFill>
+                          <a:latin typeface="AdobeClean-Light"/>
+                          <a:cs typeface="AdobeClean-Light"/>
+                        </a:rPr>
+                        <a:t> </a:t>
+                      </a:r>
+                      <a:r>
+                        <a:rPr sz="900" spc="0">
+                          <a:solidFill>
+                            <a:srgbClr val="020302"/>
+                          </a:solidFill>
+                          <a:latin typeface="AdobeClean-Light"/>
+                          <a:cs typeface="AdobeClean-Light"/>
+                        </a:rPr>
+                        <a:t>/  </a:t>
+                      </a:r>
+                      <a:r>
+                        <a:rPr lang="en-US" sz="900" spc="0">
+                          <a:solidFill>
+                            <a:srgbClr val="020302"/>
+                          </a:solidFill>
+                          <a:latin typeface="AdobeClean-Light"/>
+                          <a:cs typeface="AdobeClean-Light"/>
+                        </a:rPr>
+                        <a:t>     </a:t>
+                      </a:r>
+                      <a:r>
+                        <a:rPr sz="900" spc="0">
+                          <a:solidFill>
+                            <a:srgbClr val="020302"/>
+                          </a:solidFill>
+                          <a:latin typeface="AdobeClean-Light"/>
+                          <a:cs typeface="AdobeClean-Light"/>
+                        </a:rPr>
+                        <a:t>4 hours</a:t>
+                      </a:r>
+                      <a:endParaRPr sz="900" spc="0">
+                        <a:latin typeface="AdobeClean-Light"/>
+                        <a:cs typeface="AdobeClean-Light"/>
+                      </a:endParaRPr>
                     </a:p>
                   </a:txBody>
                   <a:tcPr marL="0" marR="0" marT="0" marB="0" anchor="ctr">
@@ -3099,21 +3703,45 @@
                     <a:bodyPr/>
                     <a:lstStyle/>
                     <a:p>
-                      <a:pPr marL="351790" marR="481330" indent="144145" algn="ctr">
+                      <a:pPr marL="351790" marR="481330" indent="144145" algn="l">
                         <a:lnSpc>
                           <a:spcPct val="102299"/>
                         </a:lnSpc>
                       </a:pPr>
                       <a:r>
-                        <a:rPr lang="pt-BR" sz="900" dirty="0">
+                        <a:rPr sz="900" spc="0">
                           <a:solidFill>
                             <a:srgbClr val="020302"/>
                           </a:solidFill>
                           <a:latin typeface="AdobeClean-Light"/>
                           <a:cs typeface="AdobeClean-Light"/>
                         </a:rPr>
-                        <a:t>24x5 /           30 minutos</a:t>
+                        <a:t>24x5 /  30</a:t>
                       </a:r>
+                      <a:r>
+                        <a:rPr lang="en-US" sz="900" spc="0">
+                          <a:solidFill>
+                            <a:srgbClr val="020302"/>
+                          </a:solidFill>
+                          <a:latin typeface="AdobeClean-Light"/>
+                          <a:cs typeface="AdobeClean-Light"/>
+                        </a:rPr>
+                        <a:t> m</a:t>
+                      </a:r>
+                      <a:r>
+                        <a:rPr sz="900" spc="0">
+                          <a:solidFill>
+                            <a:srgbClr val="020302"/>
+                          </a:solidFill>
+                          <a:latin typeface="AdobeClean-Light"/>
+                          <a:cs typeface="AdobeClean-Light"/>
+                        </a:rPr>
+                        <a:t>inutes</a:t>
+                      </a:r>
+                      <a:endParaRPr sz="900" spc="0">
+                        <a:latin typeface="AdobeClean-Light"/>
+                        <a:cs typeface="AdobeClean-Light"/>
+                      </a:endParaRPr>
                     </a:p>
                   </a:txBody>
                   <a:tcPr marL="0" marR="0" marT="5080" marB="0" anchor="ctr">
@@ -3172,15 +3800,19 @@
                         </a:spcBef>
                       </a:pPr>
                       <a:r>
-                        <a:rPr lang="pt-BR" sz="900" b="1">
+                        <a:rPr sz="900" b="1" spc="0">
                           <a:solidFill>
                             <a:srgbClr val="020302"/>
                           </a:solidFill>
                           <a:latin typeface="Adobe Clean"/>
                           <a:cs typeface="Adobe Clean"/>
                         </a:rPr>
-                        <a:t>PRIORIDADE 3</a:t>
+                        <a:t>PRIORITY 3</a:t>
                       </a:r>
+                      <a:endParaRPr sz="900" spc="0">
+                        <a:latin typeface="Adobe Clean"/>
+                        <a:cs typeface="Adobe Clean"/>
+                      </a:endParaRPr>
                     </a:p>
                     <a:p>
                       <a:pPr marL="48895" marR="387985" indent="-2540" algn="l">
@@ -3192,14 +3824,19 @@
                         </a:spcBef>
                       </a:pPr>
                       <a:r>
-                        <a:rPr lang="pt-BR" sz="900" b="0" i="0" u="none" strike="noStrike">
+                        <a:rPr lang="en-US" sz="900" b="0" i="0" u="none" strike="noStrike" spc="0">
                           <a:solidFill>
                             <a:srgbClr val="000000"/>
                           </a:solidFill>
+                          <a:effectLst/>
                           <a:latin typeface="Adobe Clean Light" panose="020B0303020404020204" pitchFamily="34" charset="0"/>
                         </a:rPr>
-                        <a:t>As funções empresariais do cliente têm pouca degradação dos serviços, e há uma solução/solução alternativa que permite que as funções empresariais continuem normalmente</a:t>
+                        <a:t>Customer’s business functions has minor to no service degradation but there exists a solution/workaround allowing business functions to continue normally</a:t>
                       </a:r>
+                      <a:endParaRPr sz="900" spc="0">
+                        <a:latin typeface="AdobeClean-Light"/>
+                        <a:cs typeface="AdobeClean-Light"/>
+                      </a:endParaRPr>
                     </a:p>
                   </a:txBody>
                   <a:tcPr marL="0" marR="0" marT="0" marB="0" anchor="ctr">
@@ -3237,21 +3874,25 @@
                     <a:bodyPr/>
                     <a:lstStyle/>
                     <a:p>
-                      <a:pPr marL="285750" marR="343535" indent="12700" algn="ctr">
+                      <a:pPr marL="473709" marR="343535" indent="-175895" algn="l">
                         <a:lnSpc>
                           <a:spcPct val="102200"/>
                         </a:lnSpc>
                       </a:pPr>
                       <a:r>
-                        <a:rPr lang="pt-BR" sz="900" dirty="0">
+                        <a:rPr lang="en-US" sz="900" spc="0">
                           <a:solidFill>
                             <a:srgbClr val="020302"/>
                           </a:solidFill>
                           <a:latin typeface="AdobeClean-Light"/>
                           <a:cs typeface="AdobeClean-Light"/>
                         </a:rPr>
-                        <a:t>Horário comercial/           6 horas</a:t>
+                        <a:t>Business hours /       6 hours</a:t>
                       </a:r>
+                      <a:endParaRPr lang="en-US" sz="900" spc="0">
+                        <a:latin typeface="AdobeClean-Light"/>
+                        <a:cs typeface="AdobeClean-Light"/>
+                      </a:endParaRPr>
                     </a:p>
                   </a:txBody>
                   <a:tcPr marL="0" marR="0" marT="0" marB="0" anchor="ctr">
@@ -3286,13 +3927,13 @@
                     <a:bodyPr/>
                     <a:lstStyle/>
                     <a:p>
-                      <a:pPr marL="508000" marR="531495" indent="1270" algn="ctr">
+                      <a:pPr marL="508000" marR="531495" indent="1270" algn="l">
                         <a:lnSpc>
                           <a:spcPct val="102200"/>
                         </a:lnSpc>
                       </a:pPr>
                       <a:r>
-                        <a:rPr lang="pt-BR" sz="900" dirty="0">
+                        <a:rPr lang="en-US" sz="900" spc="0">
                           <a:solidFill>
                             <a:srgbClr val="020302"/>
                           </a:solidFill>
@@ -3303,7 +3944,7 @@
                         <a:t>2</a:t>
                       </a:r>
                       <a:r>
-                        <a:rPr lang="pt-BR" sz="900" dirty="0">
+                        <a:rPr sz="900" spc="0">
                           <a:solidFill>
                             <a:srgbClr val="020302"/>
                           </a:solidFill>
@@ -3311,7 +3952,29 @@
                           <a:ea typeface="+mn-ea"/>
                           <a:cs typeface="AdobeClean-Light"/>
                         </a:rPr>
-                        <a:t>4x5 /   1 hora</a:t>
+                        <a:t>4x5/  </a:t>
+                      </a:r>
+                      <a:r>
+                        <a:rPr lang="en-US" sz="900" spc="0">
+                          <a:solidFill>
+                            <a:srgbClr val="020302"/>
+                          </a:solidFill>
+                          <a:latin typeface="AdobeClean-Light"/>
+                          <a:ea typeface="+mn-ea"/>
+                          <a:cs typeface="AdobeClean-Light"/>
+                        </a:rPr>
+                        <a:t> </a:t>
+                      </a:r>
+                      <a:r>
+                        <a:rPr sz="900" spc="0">
+                          <a:solidFill>
+                            <a:srgbClr val="020302"/>
+                          </a:solidFill>
+                          <a:latin typeface="AdobeClean-Light"/>
+                          <a:ea typeface="+mn-ea"/>
+                          <a:cs typeface="AdobeClean-Light"/>
+                        </a:rPr>
+                        <a:t>1 hour</a:t>
                       </a:r>
                     </a:p>
                   </a:txBody>
@@ -3371,15 +4034,19 @@
                         </a:spcBef>
                       </a:pPr>
                       <a:r>
-                        <a:rPr lang="pt-BR" sz="900" b="1">
+                        <a:rPr sz="900" b="1" spc="0">
                           <a:solidFill>
                             <a:srgbClr val="020302"/>
                           </a:solidFill>
                           <a:latin typeface="Adobe Clean"/>
                           <a:cs typeface="Adobe Clean"/>
                         </a:rPr>
-                        <a:t>PRIORIDADE 4</a:t>
+                        <a:t>PRIORITY 4</a:t>
                       </a:r>
+                      <a:endParaRPr sz="900" spc="0">
+                        <a:latin typeface="Adobe Clean"/>
+                        <a:cs typeface="Adobe Clean"/>
+                      </a:endParaRPr>
                     </a:p>
                     <a:p>
                       <a:pPr marL="62230" algn="l">
@@ -3391,14 +4058,19 @@
                         </a:spcBef>
                       </a:pPr>
                       <a:r>
-                        <a:rPr lang="pt-BR" sz="900" b="0" i="0" u="none" strike="noStrike">
+                        <a:rPr lang="en-US" sz="900" b="0" i="0" u="none" strike="noStrike" spc="0">
                           <a:solidFill>
                             <a:srgbClr val="000000"/>
                           </a:solidFill>
+                          <a:effectLst/>
                           <a:latin typeface="Adobe Clean Light" panose="020B0303020404020204" pitchFamily="34" charset="0"/>
                         </a:rPr>
-                        <a:t>Pergunta geral sobre a funcionalidade atual do produto ou solicitação de melhoria</a:t>
+                        <a:t>General question regarding current product functionality or an enhancement request</a:t>
                       </a:r>
+                      <a:endParaRPr sz="900" spc="0">
+                        <a:latin typeface="AdobeClean-Light"/>
+                        <a:cs typeface="AdobeClean-Light"/>
+                      </a:endParaRPr>
                     </a:p>
                   </a:txBody>
                   <a:tcPr marL="0" marR="0" marT="0" marB="0" anchor="ctr">
@@ -3436,40 +4108,25 @@
                     <a:bodyPr/>
                     <a:lstStyle/>
                     <a:p>
-                      <a:pPr marL="285750" marR="343535" indent="12700" algn="ctr">
+                      <a:pPr marL="473709" marR="343535" indent="-175895" algn="l">
                         <a:lnSpc>
                           <a:spcPct val="102200"/>
                         </a:lnSpc>
                       </a:pPr>
                       <a:r>
-                        <a:rPr lang="pt-BR" sz="900" dirty="0">
+                        <a:rPr lang="en-US" sz="900" spc="0">
                           <a:solidFill>
                             <a:srgbClr val="020302"/>
                           </a:solidFill>
                           <a:latin typeface="AdobeClean-Light"/>
                           <a:cs typeface="AdobeClean-Light"/>
                         </a:rPr>
-                        <a:t>Dias úteis/ </a:t>
+                        <a:t>Business days /       3 days</a:t>
                       </a:r>
-                      <a:br>
-                        <a:rPr lang="sk-SK" sz="900" dirty="0">
-                          <a:solidFill>
-                            <a:srgbClr val="020302"/>
-                          </a:solidFill>
-                          <a:latin typeface="AdobeClean-Light"/>
-                          <a:cs typeface="AdobeClean-Light"/>
-                        </a:rPr>
-                      </a:br>
-                      <a:r>
-                        <a:rPr lang="pt-BR" sz="900" dirty="0">
-                          <a:solidFill>
-                            <a:srgbClr val="020302"/>
-                          </a:solidFill>
-                          <a:latin typeface="AdobeClean-Light"/>
-                          <a:cs typeface="AdobeClean-Light"/>
-                        </a:rPr>
-                        <a:t>3 dias</a:t>
-                      </a:r>
+                      <a:endParaRPr lang="en-US" sz="900" spc="0">
+                        <a:latin typeface="AdobeClean-Light"/>
+                        <a:cs typeface="AdobeClean-Light"/>
+                      </a:endParaRPr>
                     </a:p>
                   </a:txBody>
                   <a:tcPr marL="0" marR="0" marT="0" marB="0" anchor="ctr">
@@ -3504,21 +4161,25 @@
                     <a:bodyPr/>
                     <a:lstStyle/>
                     <a:p>
-                      <a:pPr marL="473709" marR="343535" indent="-175895" algn="ctr">
+                      <a:pPr marL="473709" marR="343535" indent="-175895" algn="l">
                         <a:lnSpc>
                           <a:spcPct val="102200"/>
                         </a:lnSpc>
                       </a:pPr>
                       <a:r>
-                        <a:rPr lang="pt-BR" sz="900" dirty="0">
+                        <a:rPr lang="en-US" sz="900" spc="0">
                           <a:solidFill>
                             <a:srgbClr val="020302"/>
                           </a:solidFill>
                           <a:latin typeface="AdobeClean-Light"/>
                           <a:cs typeface="AdobeClean-Light"/>
                         </a:rPr>
-                        <a:t>Dia útil / 1 dia</a:t>
+                        <a:t>Business days /       1 day</a:t>
                       </a:r>
+                      <a:endParaRPr lang="en-US" sz="900" spc="0">
+                        <a:latin typeface="AdobeClean-Light"/>
+                        <a:cs typeface="AdobeClean-Light"/>
+                      </a:endParaRPr>
                     </a:p>
                   </a:txBody>
                   <a:tcPr marL="0" marR="0" marT="27940" marB="0" anchor="ctr">
@@ -3596,8 +4257,8 @@
         </p:nvSpPr>
         <p:spPr>
           <a:xfrm>
-            <a:off x="97786" y="9888626"/>
-            <a:ext cx="2721613" cy="133370"/>
+            <a:off x="97787" y="9888626"/>
+            <a:ext cx="2202180" cy="149860"/>
           </a:xfrm>
           <a:prstGeom prst="rect">
             <a:avLst/>
@@ -3618,15 +4279,99 @@
               </a:spcBef>
             </a:pPr>
             <a:r>
-              <a:rPr lang="pt-BR" sz="800" dirty="0">
+              <a:rPr sz="800" spc="-15">
                 <a:solidFill>
                   <a:srgbClr val="6D6D6D"/>
                 </a:solidFill>
                 <a:latin typeface="Adobe Clean"/>
                 <a:cs typeface="Adobe Clean"/>
               </a:rPr>
-              <a:t>©2021 Adobe. All Rights Reserved. Adobe Confidential.</a:t>
-            </a:r>
+              <a:t>©2021 </a:t>
+            </a:r>
+            <a:r>
+              <a:rPr sz="800" spc="-5">
+                <a:solidFill>
+                  <a:srgbClr val="6D6D6D"/>
+                </a:solidFill>
+                <a:latin typeface="Adobe Clean"/>
+                <a:cs typeface="Adobe Clean"/>
+              </a:rPr>
+              <a:t>Adobe. All</a:t>
+            </a:r>
+            <a:r>
+              <a:rPr sz="800" spc="-15">
+                <a:solidFill>
+                  <a:srgbClr val="6D6D6D"/>
+                </a:solidFill>
+                <a:latin typeface="Adobe Clean"/>
+                <a:cs typeface="Adobe Clean"/>
+              </a:rPr>
+              <a:t> Rights</a:t>
+            </a:r>
+            <a:r>
+              <a:rPr sz="800" spc="-5">
+                <a:solidFill>
+                  <a:srgbClr val="6D6D6D"/>
+                </a:solidFill>
+                <a:latin typeface="Adobe Clean"/>
+                <a:cs typeface="Adobe Clean"/>
+              </a:rPr>
+              <a:t> </a:t>
+            </a:r>
+            <a:r>
+              <a:rPr sz="800" spc="-15">
+                <a:solidFill>
+                  <a:srgbClr val="6D6D6D"/>
+                </a:solidFill>
+                <a:latin typeface="Adobe Clean"/>
+                <a:cs typeface="Adobe Clean"/>
+              </a:rPr>
+              <a:t>Reserved.</a:t>
+            </a:r>
+            <a:r>
+              <a:rPr sz="800" spc="-10">
+                <a:solidFill>
+                  <a:srgbClr val="6D6D6D"/>
+                </a:solidFill>
+                <a:latin typeface="Adobe Clean"/>
+                <a:cs typeface="Adobe Clean"/>
+              </a:rPr>
+              <a:t> </a:t>
+            </a:r>
+            <a:r>
+              <a:rPr sz="800" spc="-5">
+                <a:solidFill>
+                  <a:srgbClr val="6D6D6D"/>
+                </a:solidFill>
+                <a:latin typeface="Adobe Clean"/>
+                <a:cs typeface="Adobe Clean"/>
+              </a:rPr>
+              <a:t>Adobe</a:t>
+            </a:r>
+            <a:r>
+              <a:rPr sz="800" spc="65">
+                <a:solidFill>
+                  <a:srgbClr val="6D6D6D"/>
+                </a:solidFill>
+                <a:latin typeface="Adobe Clean"/>
+                <a:cs typeface="Adobe Clean"/>
+              </a:rPr>
+              <a:t> </a:t>
+            </a:r>
+            <a:r>
+              <a:rPr sz="800" spc="-15">
+                <a:solidFill>
+                  <a:srgbClr val="6D6D6D"/>
+                </a:solidFill>
+                <a:latin typeface="Adobe Clean"/>
+                <a:cs typeface="Adobe Clean"/>
+              </a:rPr>
+              <a:t>Confidential.</a:t>
+            </a:r>
+            <a:endParaRPr sz="800">
+              <a:latin typeface="Adobe Clean"/>
+              <a:cs typeface="Adobe Clean"/>
+            </a:endParaRPr>
           </a:p>
         </p:txBody>
       </p:sp>
@@ -3659,7 +4404,7 @@
           <a:lstStyle/>
           <a:p>
             <a:r>
-              <a:rPr lang="pt-BR" sz="700" i="1">
+              <a:rPr lang="en-US" sz="700" i="1">
                 <a:solidFill>
                   <a:schemeClr val="bg1"/>
                 </a:solidFill>
@@ -3735,7 +4480,7 @@
                     <a:bodyPr/>
                     <a:lstStyle/>
                     <a:p>
-                      <a:endParaRPr lang="en-US" dirty="0"/>
+                      <a:endParaRPr lang="en-US"/>
                     </a:p>
                   </a:txBody>
                   <a:tcPr/>
@@ -3773,15 +4518,39 @@
                         <a:defRPr/>
                       </a:pPr>
                       <a:r>
-                        <a:rPr lang="pt-BR" sz="900">
+                        <a:rPr lang="en-US" sz="900" spc="-20">
                           <a:solidFill>
                             <a:srgbClr val="404040"/>
                           </a:solidFill>
                           <a:latin typeface="Adobe Clean"/>
                           <a:cs typeface="Adobe Clean"/>
                         </a:rPr>
-                        <a:t>Suporte Online</a:t>
+                        <a:t>Online </a:t>
                       </a:r>
+                      <a:r>
+                        <a:rPr lang="en-US" sz="900" spc="-135">
+                          <a:solidFill>
+                            <a:srgbClr val="404040"/>
+                          </a:solidFill>
+                          <a:latin typeface="Adobe Clean"/>
+                          <a:cs typeface="Adobe Clean"/>
+                        </a:rPr>
+                        <a:t> </a:t>
+                      </a:r>
+                      <a:r>
+                        <a:rPr lang="en-US" sz="900" spc="-20">
+                          <a:solidFill>
+                            <a:srgbClr val="404040"/>
+                          </a:solidFill>
+                          <a:latin typeface="Adobe Clean"/>
+                          <a:cs typeface="Adobe Clean"/>
+                        </a:rPr>
+                        <a:t>Support</a:t>
+                      </a:r>
+                      <a:endParaRPr lang="en-US" sz="900">
+                        <a:latin typeface="Adobe Clean"/>
+                        <a:cs typeface="Adobe Clean"/>
+                      </a:endParaRPr>
                     </a:p>
                   </a:txBody>
                   <a:tcPr marL="0" marR="0" marT="7620" marB="0" anchor="ctr">
@@ -3822,15 +4591,29 @@
                         </a:spcBef>
                       </a:pPr>
                       <a:r>
-                        <a:rPr lang="pt-BR" sz="900">
+                        <a:rPr lang="en-US" sz="900" spc="-20">
                           <a:solidFill>
                             <a:srgbClr val="FFFFFF"/>
                           </a:solidFill>
                           <a:latin typeface="Adobe Clean"/>
                           <a:cs typeface="Adobe Clean"/>
                         </a:rPr>
-                        <a:t>Suporte Elite</a:t>
+                        <a:t>Elite </a:t>
                       </a:r>
+                      <a:r>
+                        <a:rPr sz="900" spc="-20">
+                          <a:solidFill>
+                            <a:srgbClr val="FFFFFF"/>
+                          </a:solidFill>
+                          <a:latin typeface="Adobe Clean"/>
+                          <a:cs typeface="Adobe Clean"/>
+                        </a:rPr>
+                        <a:t>Support</a:t>
+                      </a:r>
+                      <a:endParaRPr sz="900">
+                        <a:latin typeface="Adobe Clean"/>
+                        <a:cs typeface="Adobe Clean"/>
+                      </a:endParaRPr>
                     </a:p>
                   </a:txBody>
                   <a:tcPr marL="0" marR="0" marT="7620" marB="0" anchor="ctr">
@@ -3875,7 +4658,7 @@
                     <a:bodyPr/>
                     <a:lstStyle/>
                     <a:p>
-                      <a:endParaRPr lang="en-US" dirty="0"/>
+                      <a:endParaRPr lang="en-US"/>
                     </a:p>
                   </a:txBody>
                   <a:tcPr/>
@@ -3895,7 +4678,7 @@
                     <a:bodyPr/>
                     <a:lstStyle/>
                     <a:p>
-                      <a:pPr marL="0" marR="0" lvl="0" indent="0" algn="l" defTabSz="914400" rtl="0" eaLnBrk="1" fontAlgn="auto" latinLnBrk="0" hangingPunct="1">
+                      <a:pPr marL="0" marR="0" lvl="0" indent="0" algn="ctr" defTabSz="914400" eaLnBrk="1" fontAlgn="auto" latinLnBrk="0" hangingPunct="1">
                         <a:lnSpc>
                           <a:spcPct val="100000"/>
                         </a:lnSpc>
@@ -3912,7 +4695,7 @@
                         <a:tabLst/>
                         <a:defRPr/>
                       </a:pPr>
-                      <a:endParaRPr lang="en-US" sz="800" i="1" dirty="0">
+                      <a:endParaRPr lang="en-US" sz="800" i="1">
                         <a:solidFill>
                           <a:sysClr val="windowText" lastClr="000000"/>
                         </a:solidFill>
@@ -3976,13 +4759,13 @@
                         <a:defRPr/>
                       </a:pPr>
                       <a:r>
-                        <a:rPr lang="pt-BR" sz="800" i="1">
+                        <a:rPr lang="en-US" sz="800" i="1">
                           <a:solidFill>
                             <a:schemeClr val="bg1"/>
                           </a:solidFill>
                           <a:latin typeface="Adobe Clean Light" panose="020B0303020404020204" pitchFamily="34" charset="0"/>
                         </a:rPr>
-                        <a:t>Suporte pago ($)</a:t>
+                        <a:t>Paid Support ($)</a:t>
                       </a:r>
                     </a:p>
                   </a:txBody>
@@ -4046,15 +4829,22 @@
                         </a:spcBef>
                       </a:pPr>
                       <a:r>
-                        <a:rPr lang="pt-BR" sz="1000" b="1" i="0">
+                        <a:rPr lang="en-US" sz="1000" b="1" i="0" spc="0">
                           <a:solidFill>
                             <a:schemeClr val="bg1"/>
                           </a:solidFill>
                           <a:latin typeface="Adobe Clean" panose="020B0503020404020204" pitchFamily="34" charset="0"/>
                           <a:cs typeface="AdobeClean-Light"/>
                         </a:rPr>
-                        <a:t>Especialistas atribuídos</a:t>
+                        <a:t>Assigned Experts</a:t>
                       </a:r>
+                      <a:endParaRPr sz="1000" b="1" i="0" spc="0">
+                        <a:solidFill>
+                          <a:schemeClr val="bg1"/>
+                        </a:solidFill>
+                        <a:latin typeface="Adobe Clean" panose="020B0503020404020204" pitchFamily="34" charset="0"/>
+                        <a:cs typeface="AdobeClean-Light"/>
+                      </a:endParaRPr>
                     </a:p>
                   </a:txBody>
                   <a:tcPr marL="0" marR="0" marT="58419" marB="0" anchor="ctr">
@@ -4101,15 +4891,19 @@
                         </a:spcBef>
                       </a:pPr>
                       <a:r>
-                        <a:rPr lang="pt-BR" sz="900">
+                        <a:rPr sz="900" spc="0">
                           <a:solidFill>
                             <a:srgbClr val="020302"/>
                           </a:solidFill>
                           <a:latin typeface="AdobeClean-Light"/>
                           <a:cs typeface="AdobeClean-Light"/>
                         </a:rPr>
-                        <a:t>Líder de suporte da conta</a:t>
+                        <a:t>Account Support Lead</a:t>
                       </a:r>
+                      <a:endParaRPr sz="900" spc="0">
+                        <a:latin typeface="AdobeClean-Light"/>
+                        <a:cs typeface="AdobeClean-Light"/>
+                      </a:endParaRPr>
                     </a:p>
                   </a:txBody>
                   <a:tcPr marL="0" marR="0" marT="58419" marB="0">
@@ -4144,7 +4938,7 @@
                     <a:bodyPr/>
                     <a:lstStyle/>
                     <a:p>
-                      <a:pPr algn="l" rtl="0">
+                      <a:pPr algn="ctr">
                         <a:lnSpc>
                           <a:spcPct val="100000"/>
                         </a:lnSpc>
@@ -4152,7 +4946,7 @@
                           <a:spcPts val="470"/>
                         </a:spcBef>
                       </a:pPr>
-                      <a:endParaRPr sz="900" dirty="0">
+                      <a:endParaRPr sz="900">
                         <a:latin typeface="Wingdings"/>
                         <a:cs typeface="Wingdings"/>
                       </a:endParaRPr>
@@ -4185,7 +4979,7 @@
                     <a:bodyPr/>
                     <a:lstStyle/>
                     <a:p>
-                      <a:pPr algn="l" rtl="0">
+                      <a:pPr algn="ctr">
                         <a:lnSpc>
                           <a:spcPct val="100000"/>
                         </a:lnSpc>
@@ -4193,7 +4987,7 @@
                           <a:spcPts val="470"/>
                         </a:spcBef>
                       </a:pPr>
-                      <a:endParaRPr sz="900" dirty="0">
+                      <a:endParaRPr sz="900">
                         <a:latin typeface="Wingdings"/>
                         <a:cs typeface="Wingdings"/>
                       </a:endParaRPr>
@@ -4228,7 +5022,7 @@
                     <a:bodyPr/>
                     <a:lstStyle/>
                     <a:p>
-                      <a:pPr marL="50800" algn="l" rtl="0">
+                      <a:pPr marL="50800">
                         <a:lnSpc>
                           <a:spcPct val="100000"/>
                         </a:lnSpc>
@@ -4236,7 +5030,7 @@
                           <a:spcPts val="459"/>
                         </a:spcBef>
                       </a:pPr>
-                      <a:endParaRPr sz="900" dirty="0">
+                      <a:endParaRPr sz="900">
                         <a:latin typeface="AdobeClean-Light"/>
                         <a:cs typeface="AdobeClean-Light"/>
                       </a:endParaRPr>
@@ -4274,15 +5068,19 @@
                         </a:spcBef>
                       </a:pPr>
                       <a:r>
-                        <a:rPr lang="pt-BR" sz="900" dirty="0">
+                        <a:rPr sz="900" spc="0">
                           <a:solidFill>
                             <a:srgbClr val="020302"/>
                           </a:solidFill>
                           <a:latin typeface="AdobeClean-Light"/>
                           <a:cs typeface="AdobeClean-Light"/>
                         </a:rPr>
-                        <a:t>Engenheiro de suporte nomeado</a:t>
+                        <a:t>Named Support Engineer</a:t>
                       </a:r>
+                      <a:endParaRPr sz="900" spc="0">
+                        <a:latin typeface="AdobeClean-Light"/>
+                        <a:cs typeface="AdobeClean-Light"/>
+                      </a:endParaRPr>
                     </a:p>
                   </a:txBody>
                   <a:tcPr marL="0" marR="0" marT="58419" marB="0">
@@ -4305,12 +5103,12 @@
                     <a:bodyPr/>
                     <a:lstStyle/>
                     <a:p>
-                      <a:pPr algn="l" rtl="0">
+                      <a:pPr algn="ctr">
                         <a:lnSpc>
                           <a:spcPct val="100000"/>
                         </a:lnSpc>
                       </a:pPr>
-                      <a:endParaRPr sz="900" dirty="0">
+                      <a:endParaRPr sz="900">
                         <a:latin typeface="Times New Roman"/>
                         <a:cs typeface="Times New Roman"/>
                       </a:endParaRPr>
@@ -4352,7 +5150,7 @@
                         <a:defRPr/>
                       </a:pPr>
                       <a:r>
-                        <a:rPr lang="pt-BR" sz="900">
+                        <a:rPr lang="en-US" sz="900">
                           <a:solidFill>
                             <a:srgbClr val="020302"/>
                           </a:solidFill>
@@ -4361,6 +5159,10 @@
                         </a:rPr>
                         <a:t></a:t>
                       </a:r>
+                      <a:endParaRPr lang="en-US" sz="900">
+                        <a:latin typeface="Wingdings"/>
+                        <a:cs typeface="Wingdings"/>
+                      </a:endParaRPr>
                     </a:p>
                   </a:txBody>
                   <a:tcPr marL="0" marR="0" marT="0" marB="0" anchor="ctr">
@@ -4383,7 +5185,7 @@
                     <a:bodyPr/>
                     <a:lstStyle/>
                     <a:p>
-                      <a:pPr marL="50800" algn="l" rtl="0">
+                      <a:pPr marL="50800">
                         <a:lnSpc>
                           <a:spcPct val="100000"/>
                         </a:lnSpc>
@@ -4391,7 +5193,7 @@
                           <a:spcPts val="500"/>
                         </a:spcBef>
                       </a:pPr>
-                      <a:endParaRPr sz="900" dirty="0">
+                      <a:endParaRPr sz="900">
                         <a:latin typeface="AdobeClean-Light"/>
                         <a:cs typeface="AdobeClean-Light"/>
                       </a:endParaRPr>
@@ -4441,15 +5243,19 @@
                         </a:spcBef>
                       </a:pPr>
                       <a:r>
-                        <a:rPr lang="pt-BR" sz="900">
+                        <a:rPr sz="900" spc="0">
                           <a:solidFill>
                             <a:srgbClr val="020302"/>
                           </a:solidFill>
                           <a:latin typeface="AdobeClean-Light"/>
                           <a:cs typeface="AdobeClean-Light"/>
                         </a:rPr>
-                        <a:t>Gerente técnico de conta</a:t>
+                        <a:t>Technical Account Manager</a:t>
                       </a:r>
+                      <a:endParaRPr sz="900" spc="0">
+                        <a:latin typeface="AdobeClean-Light"/>
+                        <a:cs typeface="AdobeClean-Light"/>
+                      </a:endParaRPr>
                     </a:p>
                   </a:txBody>
                   <a:tcPr marL="0" marR="0" marT="63500" marB="0">
@@ -4478,12 +5284,12 @@
                     <a:bodyPr/>
                     <a:lstStyle/>
                     <a:p>
-                      <a:pPr algn="l" rtl="0">
+                      <a:pPr algn="ctr">
                         <a:lnSpc>
                           <a:spcPct val="100000"/>
                         </a:lnSpc>
                       </a:pPr>
-                      <a:endParaRPr sz="900" dirty="0">
+                      <a:endParaRPr sz="900">
                         <a:latin typeface="Times New Roman"/>
                         <a:cs typeface="Times New Roman"/>
                       </a:endParaRPr>
@@ -4534,7 +5340,7 @@
                         <a:defRPr/>
                       </a:pPr>
                       <a:r>
-                        <a:rPr lang="pt-BR" sz="900">
+                        <a:rPr lang="en-US" sz="900">
                           <a:solidFill>
                             <a:srgbClr val="020302"/>
                           </a:solidFill>
@@ -4543,6 +5349,10 @@
                         </a:rPr>
                         <a:t></a:t>
                       </a:r>
+                      <a:endParaRPr lang="en-US" sz="900">
+                        <a:latin typeface="Wingdings"/>
+                        <a:cs typeface="Wingdings"/>
+                      </a:endParaRPr>
                     </a:p>
                   </a:txBody>
                   <a:tcPr marL="0" marR="0" marT="0" marB="0" anchor="ctr">
@@ -4583,15 +5393,22 @@
                         </a:spcBef>
                       </a:pPr>
                       <a:r>
-                        <a:rPr lang="pt-BR" sz="1000" b="1" i="0">
+                        <a:rPr lang="en-US" sz="1000" b="1" i="0" spc="0">
                           <a:solidFill>
                             <a:schemeClr val="bg1"/>
                           </a:solidFill>
                           <a:latin typeface="Adobe Clean" panose="020B0503020404020204" pitchFamily="34" charset="0"/>
                           <a:cs typeface="AdobeClean-Light"/>
                         </a:rPr>
-                        <a:t>Serviços de suporte</a:t>
+                        <a:t>Support Services</a:t>
                       </a:r>
+                      <a:endParaRPr sz="1000" b="1" i="0" spc="0">
+                        <a:solidFill>
+                          <a:schemeClr val="bg1"/>
+                        </a:solidFill>
+                        <a:latin typeface="Adobe Clean" panose="020B0503020404020204" pitchFamily="34" charset="0"/>
+                        <a:cs typeface="AdobeClean-Light"/>
+                      </a:endParaRPr>
                     </a:p>
                   </a:txBody>
                   <a:tcPr marL="0" marR="0" marT="57150" marB="0" anchor="ctr">
@@ -4647,15 +5464,29 @@
                         </a:spcBef>
                       </a:pPr>
                       <a:r>
-                        <a:rPr lang="pt-BR" sz="900">
+                        <a:rPr lang="en-US" sz="900" spc="0">
                           <a:solidFill>
                             <a:srgbClr val="020302"/>
                           </a:solidFill>
                           <a:latin typeface="AdobeClean-Light"/>
                           <a:cs typeface="AdobeClean-Light"/>
                         </a:rPr>
-                        <a:t>Suporte Online</a:t>
+                        <a:t>Online</a:t>
                       </a:r>
+                      <a:r>
+                        <a:rPr sz="900" spc="0">
+                          <a:solidFill>
+                            <a:srgbClr val="020302"/>
+                          </a:solidFill>
+                          <a:latin typeface="AdobeClean-Light"/>
+                          <a:cs typeface="AdobeClean-Light"/>
+                        </a:rPr>
+                        <a:t> Support</a:t>
+                      </a:r>
+                      <a:endParaRPr sz="900" spc="0">
+                        <a:latin typeface="AdobeClean-Light"/>
+                        <a:cs typeface="AdobeClean-Light"/>
+                      </a:endParaRPr>
                     </a:p>
                   </a:txBody>
                   <a:tcPr marL="0" marR="0" marT="57150" marB="0">
@@ -4693,15 +5524,39 @@
                         </a:spcBef>
                       </a:pPr>
                       <a:r>
-                        <a:rPr lang="pt-BR" sz="900">
+                        <a:rPr sz="900" spc="-25">
                           <a:solidFill>
                             <a:srgbClr val="020302"/>
                           </a:solidFill>
                           <a:latin typeface="AdobeClean-Light"/>
                           <a:cs typeface="AdobeClean-Light"/>
                         </a:rPr>
-                        <a:t>Horário comercial</a:t>
+                        <a:t>Business</a:t>
                       </a:r>
+                      <a:r>
+                        <a:rPr sz="900" spc="-15">
+                          <a:solidFill>
+                            <a:srgbClr val="020302"/>
+                          </a:solidFill>
+                          <a:latin typeface="AdobeClean-Light"/>
+                          <a:cs typeface="AdobeClean-Light"/>
+                        </a:rPr>
+                        <a:t> </a:t>
+                      </a:r>
+                      <a:r>
+                        <a:rPr sz="900" spc="-30">
+                          <a:solidFill>
+                            <a:srgbClr val="020302"/>
+                          </a:solidFill>
+                          <a:latin typeface="AdobeClean-Light"/>
+                          <a:cs typeface="AdobeClean-Light"/>
+                        </a:rPr>
+                        <a:t>hours</a:t>
+                      </a:r>
+                      <a:endParaRPr sz="900">
+                        <a:latin typeface="AdobeClean-Light"/>
+                        <a:cs typeface="AdobeClean-Light"/>
+                      </a:endParaRPr>
                     </a:p>
                   </a:txBody>
                   <a:tcPr marL="0" marR="0" marT="67945" marB="0">
@@ -4740,7 +5595,7 @@
                         </a:spcBef>
                       </a:pPr>
                       <a:r>
-                        <a:rPr lang="pt-BR" sz="900">
+                        <a:rPr lang="en-US" sz="900" spc="-25">
                           <a:solidFill>
                             <a:srgbClr val="020302"/>
                           </a:solidFill>
@@ -4749,6 +5604,10 @@
                         </a:rPr>
                         <a:t>24x5</a:t>
                       </a:r>
+                      <a:endParaRPr sz="900">
+                        <a:latin typeface="AdobeClean-Light"/>
+                        <a:cs typeface="AdobeClean-Light"/>
+                      </a:endParaRPr>
                     </a:p>
                   </a:txBody>
                   <a:tcPr marL="0" marR="0" marT="67945" marB="0" anchor="ctr">
@@ -4780,7 +5639,7 @@
                     <a:bodyPr/>
                     <a:lstStyle/>
                     <a:p>
-                      <a:pPr marL="50800" algn="l" rtl="0">
+                      <a:pPr marL="50800">
                         <a:lnSpc>
                           <a:spcPct val="100000"/>
                         </a:lnSpc>
@@ -4788,7 +5647,7 @@
                           <a:spcPts val="455"/>
                         </a:spcBef>
                       </a:pPr>
-                      <a:endParaRPr sz="900" dirty="0">
+                      <a:endParaRPr sz="900">
                         <a:latin typeface="AdobeClean-Light"/>
                         <a:cs typeface="AdobeClean-Light"/>
                       </a:endParaRPr>
@@ -4829,15 +5688,39 @@
                         </a:spcBef>
                       </a:pPr>
                       <a:r>
-                        <a:rPr lang="pt-BR" sz="900">
+                        <a:rPr sz="900" spc="0">
                           <a:solidFill>
                             <a:srgbClr val="020302"/>
                           </a:solidFill>
                           <a:latin typeface="AdobeClean-Light"/>
                           <a:cs typeface="AdobeClean-Light"/>
                         </a:rPr>
-                        <a:t>Suporte 24x7x365 para prioridades P1</a:t>
+                        <a:t>24x7</a:t>
                       </a:r>
+                      <a:r>
+                        <a:rPr lang="en-US" sz="900" spc="0">
+                          <a:solidFill>
+                            <a:srgbClr val="020302"/>
+                          </a:solidFill>
+                          <a:latin typeface="AdobeClean-Light"/>
+                          <a:cs typeface="AdobeClean-Light"/>
+                        </a:rPr>
+                        <a:t>x365</a:t>
+                      </a:r>
+                      <a:r>
+                        <a:rPr sz="900" spc="0">
+                          <a:solidFill>
+                            <a:srgbClr val="020302"/>
+                          </a:solidFill>
+                          <a:latin typeface="AdobeClean-Light"/>
+                          <a:cs typeface="AdobeClean-Light"/>
+                        </a:rPr>
+                        <a:t> P1 Issue Support</a:t>
+                      </a:r>
+                      <a:endParaRPr sz="900" spc="0">
+                        <a:latin typeface="AdobeClean-Light"/>
+                        <a:cs typeface="AdobeClean-Light"/>
+                      </a:endParaRPr>
                     </a:p>
                   </a:txBody>
                   <a:tcPr marL="0" marR="0" marT="57785" marB="0">
@@ -4869,7 +5752,7 @@
                         </a:spcBef>
                       </a:pPr>
                       <a:r>
-                        <a:rPr lang="pt-BR" sz="900">
+                        <a:rPr sz="900">
                           <a:solidFill>
                             <a:srgbClr val="020302"/>
                           </a:solidFill>
@@ -4878,6 +5761,10 @@
                         </a:rPr>
                         <a:t></a:t>
                       </a:r>
+                      <a:endParaRPr sz="900">
+                        <a:latin typeface="Wingdings"/>
+                        <a:cs typeface="Wingdings"/>
+                      </a:endParaRPr>
                     </a:p>
                   </a:txBody>
                   <a:tcPr marL="0" marR="0" marT="58419" marB="0">
@@ -4907,7 +5794,7 @@
                         </a:spcBef>
                       </a:pPr>
                       <a:r>
-                        <a:rPr lang="pt-BR" sz="900">
+                        <a:rPr sz="900">
                           <a:solidFill>
                             <a:srgbClr val="020302"/>
                           </a:solidFill>
@@ -4916,6 +5803,10 @@
                         </a:rPr>
                         <a:t></a:t>
                       </a:r>
+                      <a:endParaRPr sz="900">
+                        <a:latin typeface="Wingdings"/>
+                        <a:cs typeface="Wingdings"/>
+                      </a:endParaRPr>
                     </a:p>
                   </a:txBody>
                   <a:tcPr marL="0" marR="0" marT="58419" marB="0" anchor="ctr">
@@ -4938,7 +5829,7 @@
                     <a:bodyPr/>
                     <a:lstStyle/>
                     <a:p>
-                      <a:pPr marL="50800" algn="l" rtl="0">
+                      <a:pPr marL="50800">
                         <a:lnSpc>
                           <a:spcPct val="100000"/>
                         </a:lnSpc>
@@ -4946,7 +5837,7 @@
                           <a:spcPts val="455"/>
                         </a:spcBef>
                       </a:pPr>
-                      <a:endParaRPr sz="900" dirty="0">
+                      <a:endParaRPr sz="900">
                         <a:latin typeface="AdobeClean-Light"/>
                         <a:cs typeface="AdobeClean-Light"/>
                       </a:endParaRPr>
@@ -4996,15 +5887,19 @@
                         </a:spcBef>
                       </a:pPr>
                       <a:r>
-                        <a:rPr lang="pt-BR" sz="900">
+                        <a:rPr lang="en-US" sz="900" spc="0">
                           <a:solidFill>
                             <a:srgbClr val="020302"/>
                           </a:solidFill>
                           <a:latin typeface="AdobeClean-Light"/>
                           <a:cs typeface="AdobeClean-Light"/>
                         </a:rPr>
-                        <a:t>Contatos de suporte nomeados (por produto)</a:t>
+                        <a:t>Named Support Contacts (per product)</a:t>
                       </a:r>
+                      <a:endParaRPr sz="900" spc="0">
+                        <a:latin typeface="AdobeClean-Light"/>
+                        <a:cs typeface="AdobeClean-Light"/>
+                      </a:endParaRPr>
                     </a:p>
                   </a:txBody>
                   <a:tcPr marL="0" marR="0" marT="57785" marB="0">
@@ -5042,7 +5937,7 @@
                         </a:spcBef>
                       </a:pPr>
                       <a:r>
-                        <a:rPr lang="pt-BR" sz="900">
+                        <a:rPr sz="900">
                           <a:solidFill>
                             <a:srgbClr val="020302"/>
                           </a:solidFill>
@@ -5051,6 +5946,10 @@
                         </a:rPr>
                         <a:t>4</a:t>
                       </a:r>
+                      <a:endParaRPr sz="900">
+                        <a:latin typeface="AdobeClean-Light"/>
+                        <a:cs typeface="AdobeClean-Light"/>
+                      </a:endParaRPr>
                     </a:p>
                   </a:txBody>
                   <a:tcPr marL="0" marR="0" marT="57785" marB="0">
@@ -5080,7 +5979,7 @@
                         </a:spcBef>
                       </a:pPr>
                       <a:r>
-                        <a:rPr lang="pt-BR" sz="900">
+                        <a:rPr lang="en-US" sz="900">
                           <a:solidFill>
                             <a:srgbClr val="020302"/>
                           </a:solidFill>
@@ -5089,6 +5988,10 @@
                         </a:rPr>
                         <a:t>15</a:t>
                       </a:r>
+                      <a:endParaRPr sz="900">
+                        <a:latin typeface="AdobeClean-Light"/>
+                        <a:cs typeface="AdobeClean-Light"/>
+                      </a:endParaRPr>
                     </a:p>
                   </a:txBody>
                   <a:tcPr marL="0" marR="0" marT="57785" marB="0" anchor="ctr">
@@ -5111,7 +6014,7 @@
                     <a:bodyPr/>
                     <a:lstStyle/>
                     <a:p>
-                      <a:pPr marL="50800" algn="l" rtl="0">
+                      <a:pPr marL="50800">
                         <a:lnSpc>
                           <a:spcPct val="100000"/>
                         </a:lnSpc>
@@ -5119,7 +6022,7 @@
                           <a:spcPts val="455"/>
                         </a:spcBef>
                       </a:pPr>
-                      <a:endParaRPr sz="900" dirty="0">
+                      <a:endParaRPr sz="900">
                         <a:latin typeface="AdobeClean-Light"/>
                         <a:cs typeface="AdobeClean-Light"/>
                       </a:endParaRPr>
@@ -5160,15 +6063,19 @@
                         </a:spcBef>
                       </a:pPr>
                       <a:r>
-                        <a:rPr lang="pt-BR" sz="900">
+                        <a:rPr lang="en-US" sz="900" spc="0">
                           <a:solidFill>
                             <a:srgbClr val="020302"/>
                           </a:solidFill>
                           <a:latin typeface="AdobeClean-Light"/>
                           <a:cs typeface="AdobeClean-Light"/>
                         </a:rPr>
-                        <a:t>Suporte telefônico ao vivo</a:t>
+                        <a:t>Live Telephone Support</a:t>
                       </a:r>
+                      <a:endParaRPr sz="900" spc="0">
+                        <a:latin typeface="AdobeClean-Light"/>
+                        <a:cs typeface="AdobeClean-Light"/>
+                      </a:endParaRPr>
                     </a:p>
                   </a:txBody>
                   <a:tcPr marL="0" marR="0" marT="57785" marB="0">
@@ -5191,7 +6098,7 @@
                     <a:bodyPr/>
                     <a:lstStyle/>
                     <a:p>
-                      <a:pPr algn="l" rtl="0">
+                      <a:pPr algn="ctr">
                         <a:lnSpc>
                           <a:spcPct val="100000"/>
                         </a:lnSpc>
@@ -5199,7 +6106,7 @@
                           <a:spcPts val="464"/>
                         </a:spcBef>
                       </a:pPr>
-                      <a:endParaRPr sz="900" dirty="0">
+                      <a:endParaRPr sz="900">
                         <a:latin typeface="Wingdings"/>
                         <a:cs typeface="Wingdings"/>
                       </a:endParaRPr>
@@ -5232,7 +6139,7 @@
                         </a:spcBef>
                       </a:pPr>
                       <a:r>
-                        <a:rPr lang="pt-BR" sz="900">
+                        <a:rPr sz="900">
                           <a:solidFill>
                             <a:srgbClr val="020302"/>
                           </a:solidFill>
@@ -5241,6 +6148,10 @@
                         </a:rPr>
                         <a:t></a:t>
                       </a:r>
+                      <a:endParaRPr sz="900">
+                        <a:latin typeface="Wingdings"/>
+                        <a:cs typeface="Wingdings"/>
+                      </a:endParaRPr>
                     </a:p>
                   </a:txBody>
                   <a:tcPr marL="0" marR="0" marT="59054" marB="0" anchor="ctr">
@@ -5263,7 +6174,7 @@
                     <a:bodyPr/>
                     <a:lstStyle/>
                     <a:p>
-                      <a:pPr marL="50800" algn="l" rtl="0">
+                      <a:pPr marL="50800">
                         <a:lnSpc>
                           <a:spcPct val="100000"/>
                         </a:lnSpc>
@@ -5271,7 +6182,7 @@
                           <a:spcPts val="459"/>
                         </a:spcBef>
                       </a:pPr>
-                      <a:endParaRPr sz="900" dirty="0">
+                      <a:endParaRPr sz="900">
                         <a:latin typeface="AdobeClean-Light"/>
                         <a:cs typeface="AdobeClean-Light"/>
                       </a:endParaRPr>
@@ -5312,15 +6223,19 @@
                         </a:spcBef>
                       </a:pPr>
                       <a:r>
-                        <a:rPr lang="pt-BR" sz="900">
+                        <a:rPr sz="900" spc="0">
                           <a:solidFill>
                             <a:srgbClr val="020302"/>
                           </a:solidFill>
                           <a:latin typeface="AdobeClean-Light"/>
                           <a:cs typeface="AdobeClean-Light"/>
                         </a:rPr>
-                        <a:t>Gestão de encaminhamento</a:t>
+                        <a:t>Escalation Management</a:t>
                       </a:r>
+                      <a:endParaRPr sz="900" spc="0">
+                        <a:latin typeface="AdobeClean-Light"/>
+                        <a:cs typeface="AdobeClean-Light"/>
+                      </a:endParaRPr>
                     </a:p>
                   </a:txBody>
                   <a:tcPr marL="0" marR="0" marT="58419" marB="0">
@@ -5343,7 +6258,7 @@
                     <a:bodyPr/>
                     <a:lstStyle/>
                     <a:p>
-                      <a:pPr algn="l" rtl="0">
+                      <a:pPr algn="ctr">
                         <a:lnSpc>
                           <a:spcPct val="100000"/>
                         </a:lnSpc>
@@ -5351,7 +6266,7 @@
                           <a:spcPts val="470"/>
                         </a:spcBef>
                       </a:pPr>
-                      <a:endParaRPr sz="900" dirty="0">
+                      <a:endParaRPr sz="900">
                         <a:latin typeface="Wingdings"/>
                         <a:cs typeface="Wingdings"/>
                       </a:endParaRPr>
@@ -5384,7 +6299,7 @@
                         </a:spcBef>
                       </a:pPr>
                       <a:r>
-                        <a:rPr lang="pt-BR" sz="900">
+                        <a:rPr sz="900">
                           <a:solidFill>
                             <a:srgbClr val="020302"/>
                           </a:solidFill>
@@ -5393,6 +6308,10 @@
                         </a:rPr>
                         <a:t></a:t>
                       </a:r>
+                      <a:endParaRPr sz="900">
+                        <a:latin typeface="Wingdings"/>
+                        <a:cs typeface="Wingdings"/>
+                      </a:endParaRPr>
                     </a:p>
                   </a:txBody>
                   <a:tcPr marL="0" marR="0" marT="59690" marB="0" anchor="ctr">
@@ -5415,7 +6334,7 @@
                     <a:bodyPr/>
                     <a:lstStyle/>
                     <a:p>
-                      <a:pPr marL="50800" algn="l" rtl="0">
+                      <a:pPr marL="50800">
                         <a:lnSpc>
                           <a:spcPct val="100000"/>
                         </a:lnSpc>
@@ -5423,7 +6342,7 @@
                           <a:spcPts val="450"/>
                         </a:spcBef>
                       </a:pPr>
-                      <a:endParaRPr sz="900" dirty="0">
+                      <a:endParaRPr sz="900">
                         <a:latin typeface="AdobeClean-Light"/>
                         <a:cs typeface="AdobeClean-Light"/>
                       </a:endParaRPr>
@@ -5464,15 +6383,29 @@
                         </a:spcBef>
                       </a:pPr>
                       <a:r>
-                        <a:rPr lang="pt-BR" sz="900" dirty="0">
+                        <a:rPr sz="900" spc="0">
                           <a:solidFill>
                             <a:srgbClr val="020302"/>
                           </a:solidFill>
                           <a:latin typeface="AdobeClean-Light"/>
                           <a:cs typeface="AdobeClean-Light"/>
                         </a:rPr>
-                        <a:t>Revisões de serviço por ano</a:t>
+                        <a:t>Service Reviews </a:t>
                       </a:r>
+                      <a:r>
+                        <a:rPr lang="en-US" sz="900" spc="0">
+                          <a:solidFill>
+                            <a:srgbClr val="020302"/>
+                          </a:solidFill>
+                          <a:latin typeface="AdobeClean-Light"/>
+                          <a:cs typeface="AdobeClean-Light"/>
+                        </a:rPr>
+                        <a:t>per Year</a:t>
+                      </a:r>
+                      <a:endParaRPr sz="900" spc="0">
+                        <a:latin typeface="AdobeClean-Light"/>
+                        <a:cs typeface="AdobeClean-Light"/>
+                      </a:endParaRPr>
                     </a:p>
                   </a:txBody>
                   <a:tcPr marL="0" marR="0" marT="57150" marB="0">
@@ -5495,12 +6428,12 @@
                     <a:bodyPr/>
                     <a:lstStyle/>
                     <a:p>
-                      <a:pPr algn="l" rtl="0">
+                      <a:pPr>
                         <a:lnSpc>
                           <a:spcPct val="100000"/>
                         </a:lnSpc>
                       </a:pPr>
-                      <a:endParaRPr sz="900" dirty="0">
+                      <a:endParaRPr sz="900">
                         <a:latin typeface="Times New Roman"/>
                         <a:cs typeface="Times New Roman"/>
                       </a:endParaRPr>
@@ -5530,12 +6463,16 @@
                         </a:lnSpc>
                       </a:pPr>
                       <a:r>
-                        <a:rPr lang="pt-BR" sz="900">
+                        <a:rPr lang="en-US" sz="900">
                           <a:latin typeface="Times New Roman"/>
                           <a:cs typeface="Times New Roman"/>
                         </a:rPr>
                         <a:t>4</a:t>
                       </a:r>
+                      <a:endParaRPr sz="900">
+                        <a:latin typeface="Times New Roman"/>
+                        <a:cs typeface="Times New Roman"/>
+                      </a:endParaRPr>
                     </a:p>
                   </a:txBody>
                   <a:tcPr marL="0" marR="0" marT="0" marB="0" anchor="ctr">
@@ -5577,12 +6514,16 @@
                         </a:spcBef>
                       </a:pPr>
                       <a:r>
-                        <a:rPr lang="pt-BR" sz="900">
+                        <a:rPr lang="en-US" sz="900" spc="0">
                           <a:latin typeface="AdobeClean-Light"/>
                           <a:cs typeface="AdobeClean-Light"/>
                         </a:rPr>
-                        <a:t>Sessões de especialistas por ano</a:t>
+                        <a:t>Expert Sessions per Year</a:t>
                       </a:r>
+                      <a:endParaRPr sz="900" spc="0">
+                        <a:latin typeface="AdobeClean-Light"/>
+                        <a:cs typeface="AdobeClean-Light"/>
+                      </a:endParaRPr>
                     </a:p>
                   </a:txBody>
                   <a:tcPr marL="0" marR="0" marT="57150" marB="0">
@@ -5611,12 +6552,12 @@
                     <a:bodyPr/>
                     <a:lstStyle/>
                     <a:p>
-                      <a:pPr algn="l" rtl="0">
+                      <a:pPr>
                         <a:lnSpc>
                           <a:spcPct val="100000"/>
                         </a:lnSpc>
                       </a:pPr>
-                      <a:endParaRPr sz="900" dirty="0">
+                      <a:endParaRPr sz="900">
                         <a:latin typeface="Times New Roman"/>
                         <a:cs typeface="Times New Roman"/>
                       </a:endParaRPr>
@@ -5646,12 +6587,16 @@
                         </a:lnSpc>
                       </a:pPr>
                       <a:r>
-                        <a:rPr lang="pt-BR" sz="900">
+                        <a:rPr lang="en-US" sz="900">
                           <a:latin typeface="Times New Roman"/>
                           <a:cs typeface="Times New Roman"/>
                         </a:rPr>
                         <a:t>4</a:t>
                       </a:r>
+                      <a:endParaRPr sz="900">
+                        <a:latin typeface="Times New Roman"/>
+                        <a:cs typeface="Times New Roman"/>
+                      </a:endParaRPr>
                     </a:p>
                   </a:txBody>
                   <a:tcPr marL="0" marR="0" marT="0" marB="0" anchor="ctr">
@@ -5693,12 +6638,16 @@
                         </a:spcBef>
                       </a:pPr>
                       <a:r>
-                        <a:rPr lang="pt-BR" sz="900">
+                        <a:rPr lang="en-US" sz="900" spc="0">
                           <a:latin typeface="AdobeClean-Light"/>
                           <a:cs typeface="AdobeClean-Light"/>
                         </a:rPr>
-                        <a:t>Revisões de caso</a:t>
+                        <a:t>Case Reviews</a:t>
                       </a:r>
+                      <a:endParaRPr sz="900" spc="0">
+                        <a:latin typeface="AdobeClean-Light"/>
+                        <a:cs typeface="AdobeClean-Light"/>
+                      </a:endParaRPr>
                     </a:p>
                   </a:txBody>
                   <a:tcPr marL="0" marR="0" marT="57150" marB="0">
@@ -5727,12 +6676,12 @@
                     <a:bodyPr/>
                     <a:lstStyle/>
                     <a:p>
-                      <a:pPr algn="l" rtl="0">
+                      <a:pPr>
                         <a:lnSpc>
                           <a:spcPct val="100000"/>
                         </a:lnSpc>
                       </a:pPr>
-                      <a:endParaRPr sz="900" dirty="0">
+                      <a:endParaRPr sz="900">
                         <a:latin typeface="Times New Roman"/>
                         <a:cs typeface="Times New Roman"/>
                       </a:endParaRPr>
@@ -5774,7 +6723,7 @@
                         <a:defRPr/>
                       </a:pPr>
                       <a:r>
-                        <a:rPr lang="pt-BR" sz="900">
+                        <a:rPr lang="en-US" sz="900">
                           <a:solidFill>
                             <a:srgbClr val="020302"/>
                           </a:solidFill>
@@ -5783,6 +6732,10 @@
                         </a:rPr>
                         <a:t></a:t>
                       </a:r>
+                      <a:endParaRPr lang="en-US" sz="900">
+                        <a:latin typeface="Wingdings"/>
+                        <a:cs typeface="Wingdings"/>
+                      </a:endParaRPr>
                     </a:p>
                   </a:txBody>
                   <a:tcPr marL="0" marR="0" marT="0" marB="0" anchor="ctr">
@@ -5805,7 +6758,7 @@
                     <a:bodyPr/>
                     <a:lstStyle/>
                     <a:p>
-                      <a:pPr marL="48895" algn="l" rtl="0">
+                      <a:pPr marL="48895">
                         <a:lnSpc>
                           <a:spcPct val="100000"/>
                         </a:lnSpc>
@@ -5813,7 +6766,7 @@
                           <a:spcPts val="459"/>
                         </a:spcBef>
                       </a:pPr>
-                      <a:endParaRPr sz="900" dirty="0">
+                      <a:endParaRPr sz="900">
                         <a:latin typeface="AdobeClean-Light"/>
                         <a:cs typeface="AdobeClean-Light"/>
                       </a:endParaRPr>
@@ -5863,15 +6816,29 @@
                         </a:spcBef>
                       </a:pPr>
                       <a:r>
-                        <a:rPr lang="pt-BR" sz="900">
+                        <a:rPr sz="900" spc="0">
                           <a:solidFill>
                             <a:srgbClr val="020302"/>
                           </a:solidFill>
                           <a:latin typeface="AdobeClean-Light"/>
                           <a:cs typeface="AdobeClean-Light"/>
                         </a:rPr>
-                        <a:t>Gerenciamento de eventos</a:t>
+                        <a:t>Event </a:t>
                       </a:r>
+                      <a:r>
+                        <a:rPr lang="en-US" sz="900" spc="0">
+                          <a:solidFill>
+                            <a:srgbClr val="020302"/>
+                          </a:solidFill>
+                          <a:latin typeface="AdobeClean-Light"/>
+                          <a:cs typeface="AdobeClean-Light"/>
+                        </a:rPr>
+                        <a:t>Management</a:t>
+                      </a:r>
+                      <a:endParaRPr sz="900" spc="0">
+                        <a:latin typeface="AdobeClean-Light"/>
+                        <a:cs typeface="AdobeClean-Light"/>
+                      </a:endParaRPr>
                     </a:p>
                   </a:txBody>
                   <a:tcPr marL="0" marR="0" marT="58419" marB="0">
@@ -5900,12 +6867,12 @@
                     <a:bodyPr/>
                     <a:lstStyle/>
                     <a:p>
-                      <a:pPr algn="l" rtl="0">
+                      <a:pPr>
                         <a:lnSpc>
                           <a:spcPct val="100000"/>
                         </a:lnSpc>
                       </a:pPr>
-                      <a:endParaRPr sz="900" dirty="0">
+                      <a:endParaRPr sz="900">
                         <a:latin typeface="Times New Roman"/>
                         <a:cs typeface="Times New Roman"/>
                       </a:endParaRPr>
@@ -5947,7 +6914,7 @@
                         <a:defRPr/>
                       </a:pPr>
                       <a:r>
-                        <a:rPr lang="pt-BR" sz="900">
+                        <a:rPr lang="en-US" sz="900">
                           <a:solidFill>
                             <a:srgbClr val="020302"/>
                           </a:solidFill>
@@ -5956,6 +6923,10 @@
                         </a:rPr>
                         <a:t></a:t>
                       </a:r>
+                      <a:endParaRPr lang="en-US" sz="900">
+                        <a:latin typeface="Wingdings"/>
+                        <a:cs typeface="Wingdings"/>
+                      </a:endParaRPr>
                     </a:p>
                   </a:txBody>
                   <a:tcPr marL="0" marR="0" marT="0" marB="0" anchor="ctr">
@@ -5978,7 +6949,7 @@
                     <a:bodyPr/>
                     <a:lstStyle/>
                     <a:p>
-                      <a:pPr marL="48895" algn="l" rtl="0">
+                      <a:pPr marL="48895">
                         <a:lnSpc>
                           <a:spcPct val="100000"/>
                         </a:lnSpc>
@@ -5986,7 +6957,7 @@
                           <a:spcPts val="465"/>
                         </a:spcBef>
                       </a:pPr>
-                      <a:endParaRPr sz="900" dirty="0">
+                      <a:endParaRPr sz="900">
                         <a:latin typeface="AdobeClean-Light"/>
                         <a:cs typeface="AdobeClean-Light"/>
                       </a:endParaRPr>
@@ -6027,15 +6998,39 @@
                         </a:spcBef>
                       </a:pPr>
                       <a:r>
-                        <a:rPr lang="pt-BR" sz="900">
+                        <a:rPr sz="900" spc="0">
                           <a:solidFill>
                             <a:srgbClr val="020302"/>
                           </a:solidFill>
                           <a:latin typeface="AdobeClean-Light"/>
                           <a:cs typeface="AdobeClean-Light"/>
                         </a:rPr>
-                        <a:t>Revisão, manutenção e monitoramento do ambiente</a:t>
+                        <a:t>Environment</a:t>
                       </a:r>
+                      <a:r>
+                        <a:rPr lang="en-US" sz="900" spc="0">
+                          <a:solidFill>
+                            <a:srgbClr val="020302"/>
+                          </a:solidFill>
+                          <a:latin typeface="AdobeClean-Light"/>
+                          <a:cs typeface="AdobeClean-Light"/>
+                        </a:rPr>
+                        <a:t> </a:t>
+                      </a:r>
+                      <a:r>
+                        <a:rPr sz="900" spc="0">
+                          <a:solidFill>
+                            <a:srgbClr val="020302"/>
+                          </a:solidFill>
+                          <a:latin typeface="AdobeClean-Light"/>
+                          <a:cs typeface="AdobeClean-Light"/>
+                        </a:rPr>
+                        <a:t>Review, Maintenance &amp; Monitoring</a:t>
+                      </a:r>
+                      <a:endParaRPr sz="900" spc="0">
+                        <a:latin typeface="AdobeClean-Light"/>
+                        <a:cs typeface="AdobeClean-Light"/>
+                      </a:endParaRPr>
                     </a:p>
                   </a:txBody>
                   <a:tcPr marL="0" marR="0" marT="59055" marB="0">
@@ -6058,12 +7053,12 @@
                     <a:bodyPr/>
                     <a:lstStyle/>
                     <a:p>
-                      <a:pPr algn="l" rtl="0">
+                      <a:pPr>
                         <a:lnSpc>
                           <a:spcPct val="100000"/>
                         </a:lnSpc>
                       </a:pPr>
-                      <a:endParaRPr sz="900" dirty="0">
+                      <a:endParaRPr sz="900">
                         <a:latin typeface="Times New Roman"/>
                         <a:cs typeface="Times New Roman"/>
                       </a:endParaRPr>
@@ -6105,7 +7100,7 @@
                         <a:defRPr/>
                       </a:pPr>
                       <a:r>
-                        <a:rPr lang="pt-BR" sz="900">
+                        <a:rPr lang="en-US" sz="900">
                           <a:solidFill>
                             <a:srgbClr val="020302"/>
                           </a:solidFill>
@@ -6114,6 +7109,10 @@
                         </a:rPr>
                         <a:t></a:t>
                       </a:r>
+                      <a:endParaRPr lang="en-US" sz="900">
+                        <a:latin typeface="Wingdings"/>
+                        <a:cs typeface="Wingdings"/>
+                      </a:endParaRPr>
                     </a:p>
                   </a:txBody>
                   <a:tcPr marL="0" marR="0" marT="0" marB="0" anchor="ctr">
@@ -6136,7 +7135,7 @@
                     <a:bodyPr/>
                     <a:lstStyle/>
                     <a:p>
-                      <a:pPr marL="49530" algn="l" rtl="0">
+                      <a:pPr marL="49530">
                         <a:lnSpc>
                           <a:spcPct val="100000"/>
                         </a:lnSpc>
@@ -6144,7 +7143,7 @@
                           <a:spcPts val="500"/>
                         </a:spcBef>
                       </a:pPr>
-                      <a:endParaRPr sz="900" dirty="0">
+                      <a:endParaRPr sz="900">
                         <a:latin typeface="AdobeClean-Light"/>
                         <a:cs typeface="AdobeClean-Light"/>
                       </a:endParaRPr>
@@ -6185,15 +7184,19 @@
                         </a:spcBef>
                       </a:pPr>
                       <a:r>
-                        <a:rPr lang="pt-BR" sz="900">
+                        <a:rPr sz="900" spc="0">
                           <a:solidFill>
                             <a:srgbClr val="020302"/>
                           </a:solidFill>
                           <a:latin typeface="AdobeClean-Light"/>
                           <a:cs typeface="AdobeClean-Light"/>
                         </a:rPr>
-                        <a:t>Revisão de versão, migração, atualização e roteiro de produtos</a:t>
+                        <a:t>Release, Migration, Upgrade &amp; Product Roadmap Review</a:t>
                       </a:r>
+                      <a:endParaRPr sz="900" spc="0">
+                        <a:latin typeface="AdobeClean-Light"/>
+                        <a:cs typeface="AdobeClean-Light"/>
+                      </a:endParaRPr>
                     </a:p>
                   </a:txBody>
                   <a:tcPr marL="0" marR="0" marT="63500" marB="0">
@@ -6216,12 +7219,12 @@
                     <a:bodyPr/>
                     <a:lstStyle/>
                     <a:p>
-                      <a:pPr algn="l" rtl="0">
+                      <a:pPr>
                         <a:lnSpc>
                           <a:spcPct val="100000"/>
                         </a:lnSpc>
                       </a:pPr>
-                      <a:endParaRPr sz="900" dirty="0">
+                      <a:endParaRPr sz="900">
                         <a:latin typeface="Times New Roman"/>
                         <a:cs typeface="Times New Roman"/>
                       </a:endParaRPr>
@@ -6263,7 +7266,7 @@
                         <a:defRPr/>
                       </a:pPr>
                       <a:r>
-                        <a:rPr lang="pt-BR" sz="900">
+                        <a:rPr lang="en-US" sz="900">
                           <a:solidFill>
                             <a:srgbClr val="020302"/>
                           </a:solidFill>
@@ -6272,6 +7275,10 @@
                         </a:rPr>
                         <a:t></a:t>
                       </a:r>
+                      <a:endParaRPr lang="en-US" sz="900">
+                        <a:latin typeface="Wingdings"/>
+                        <a:cs typeface="Wingdings"/>
+                      </a:endParaRPr>
                     </a:p>
                   </a:txBody>
                   <a:tcPr marL="0" marR="0" marT="0" marB="0" anchor="ctr">
@@ -6294,7 +7301,7 @@
                     <a:bodyPr/>
                     <a:lstStyle/>
                     <a:p>
-                      <a:pPr marL="49530" algn="l" rtl="0">
+                      <a:pPr marL="49530">
                         <a:lnSpc>
                           <a:spcPct val="100000"/>
                         </a:lnSpc>
@@ -6302,7 +7309,7 @@
                           <a:spcPts val="530"/>
                         </a:spcBef>
                       </a:pPr>
-                      <a:endParaRPr sz="900" dirty="0">
+                      <a:endParaRPr sz="900">
                         <a:latin typeface="AdobeClean-Light"/>
                         <a:cs typeface="AdobeClean-Light"/>
                       </a:endParaRPr>
@@ -6352,11 +7359,11 @@
                         </a:spcBef>
                       </a:pPr>
                       <a:r>
-                        <a:rPr lang="pt-BR" sz="900">
+                        <a:rPr sz="900" spc="0">
                           <a:latin typeface="AdobeClean-Light"/>
                           <a:cs typeface="AdobeClean-Light"/>
                         </a:rPr>
-                        <a:t>Atividades de suporte na nuvem — Experience Manager as Cloud</a:t>
+                        <a:t>Cloud Support Activities – Experience Manager as Cloud</a:t>
                       </a:r>
                     </a:p>
                   </a:txBody>
@@ -6386,12 +7393,12 @@
                     <a:bodyPr/>
                     <a:lstStyle/>
                     <a:p>
-                      <a:pPr algn="l" rtl="0">
+                      <a:pPr>
                         <a:lnSpc>
                           <a:spcPct val="100000"/>
                         </a:lnSpc>
                       </a:pPr>
-                      <a:endParaRPr sz="900" dirty="0">
+                      <a:endParaRPr sz="900">
                         <a:latin typeface="Times New Roman"/>
                         <a:cs typeface="Times New Roman"/>
                       </a:endParaRPr>
@@ -6442,7 +7449,7 @@
                         <a:defRPr/>
                       </a:pPr>
                       <a:r>
-                        <a:rPr lang="pt-BR" sz="900">
+                        <a:rPr lang="en-US" sz="900">
                           <a:solidFill>
                             <a:srgbClr val="020302"/>
                           </a:solidFill>
@@ -6451,6 +7458,10 @@
                         </a:rPr>
                         <a:t></a:t>
                       </a:r>
+                      <a:endParaRPr lang="en-US" sz="900">
+                        <a:latin typeface="Wingdings"/>
+                        <a:cs typeface="Wingdings"/>
+                      </a:endParaRPr>
                     </a:p>
                   </a:txBody>
                   <a:tcPr marL="0" marR="0" marT="0" marB="0" anchor="ctr">
@@ -6491,15 +7502,22 @@
                         </a:spcBef>
                       </a:pPr>
                       <a:r>
-                        <a:rPr lang="pt-BR" sz="1000" b="1" i="0">
+                        <a:rPr lang="en-US" sz="1000" b="1" i="0" spc="0">
                           <a:solidFill>
                             <a:schemeClr val="bg1"/>
                           </a:solidFill>
                           <a:latin typeface="Adobe Clean" panose="020B0503020404020204" pitchFamily="34" charset="0"/>
                           <a:cs typeface="AdobeClean-Light"/>
                         </a:rPr>
-                        <a:t>Serviços de campo</a:t>
+                        <a:t>Field Services</a:t>
                       </a:r>
+                      <a:endParaRPr sz="1000" b="1" i="0" spc="0">
+                        <a:solidFill>
+                          <a:schemeClr val="bg1"/>
+                        </a:solidFill>
+                        <a:latin typeface="Adobe Clean" panose="020B0503020404020204" pitchFamily="34" charset="0"/>
+                        <a:cs typeface="AdobeClean-Light"/>
+                      </a:endParaRPr>
                     </a:p>
                   </a:txBody>
                   <a:tcPr marL="0" marR="0" marT="48260" marB="0" anchor="ctr">
@@ -6552,14 +7570,14 @@
                         </a:spcBef>
                       </a:pPr>
                       <a:r>
-                        <a:rPr lang="pt-BR" sz="900">
+                        <a:rPr sz="900" spc="0">
                           <a:solidFill>
                             <a:srgbClr val="020302"/>
                           </a:solidFill>
                           <a:latin typeface="AdobeClean-Light"/>
                           <a:cs typeface="AdobeClean-Light"/>
                         </a:rPr>
-                        <a:t>Launch Advisory Services — primeiro ano da nova solução</a:t>
+                        <a:t>Launch Advisory Services – First Year of new solution</a:t>
                       </a:r>
                     </a:p>
                   </a:txBody>
@@ -6599,12 +7617,12 @@
                     <a:bodyPr/>
                     <a:lstStyle/>
                     <a:p>
-                      <a:pPr algn="l" rtl="0">
+                      <a:pPr>
                         <a:lnSpc>
                           <a:spcPct val="100000"/>
                         </a:lnSpc>
                       </a:pPr>
-                      <a:endParaRPr sz="900" dirty="0">
+                      <a:endParaRPr sz="900">
                         <a:latin typeface="Times New Roman"/>
                         <a:cs typeface="Times New Roman"/>
                       </a:endParaRPr>
@@ -6671,7 +7689,7 @@
                         <a:defRPr/>
                       </a:pPr>
                       <a:r>
-                        <a:rPr lang="pt-BR" sz="900">
+                        <a:rPr lang="en-US" sz="900">
                           <a:solidFill>
                             <a:srgbClr val="020302"/>
                           </a:solidFill>
@@ -6680,6 +7698,10 @@
                         </a:rPr>
                         <a:t></a:t>
                       </a:r>
+                      <a:endParaRPr lang="en-US" sz="900">
+                        <a:latin typeface="Wingdings"/>
+                        <a:cs typeface="Wingdings"/>
+                      </a:endParaRPr>
                     </a:p>
                   </a:txBody>
                   <a:tcPr marL="0" marR="0" marT="0" marB="0" anchor="ctr">
@@ -6758,11 +7780,11 @@
                         <a:defRPr/>
                       </a:pPr>
                       <a:r>
-                        <a:rPr lang="pt-BR" sz="900">
+                        <a:rPr lang="en-US" sz="900" spc="0">
                           <a:latin typeface="AdobeClean-Light"/>
                           <a:cs typeface="AdobeClean-Light"/>
                         </a:rPr>
-                        <a:t>Atividades de serviço de campo </a:t>
+                        <a:t>Field Service Activities </a:t>
                       </a:r>
                     </a:p>
                   </a:txBody>
@@ -6796,8 +7818,8 @@
                     <a:bodyPr/>
                     <a:lstStyle/>
                     <a:p>
-                      <a:pPr algn="l" rtl="0"/>
-                      <a:endParaRPr lang="en-US" dirty="0"/>
+                      <a:pPr algn="ctr"/>
+                      <a:endParaRPr lang="en-US"/>
                     </a:p>
                   </a:txBody>
                   <a:tcPr marL="0" marR="0" marT="0" marB="0">
@@ -6845,12 +7867,13 @@
                     <a:p>
                       <a:pPr algn="ctr"/>
                       <a:r>
-                        <a:rPr lang="pt-BR" sz="900" dirty="0">
+                        <a:rPr lang="en-US" sz="900">
                           <a:latin typeface="Times New Roman"/>
                           <a:cs typeface="Times New Roman"/>
                         </a:rPr>
                         <a:t>4</a:t>
                       </a:r>
+                      <a:endParaRPr lang="en-US"/>
                     </a:p>
                   </a:txBody>
                   <a:tcPr marL="0" marR="0" marT="0" marB="0" anchor="ctr">
@@ -6941,8 +7964,8 @@
         </p:nvSpPr>
         <p:spPr>
           <a:xfrm>
-            <a:off x="357339" y="897486"/>
-            <a:ext cx="1942628" cy="45719"/>
+            <a:off x="357339" y="897487"/>
+            <a:ext cx="1736725" cy="0"/>
           </a:xfrm>
           <a:custGeom>
             <a:avLst/>
@@ -6984,7 +8007,7 @@
         <p:spPr>
           <a:xfrm>
             <a:off x="357339" y="608961"/>
-            <a:ext cx="2407636" cy="228268"/>
+            <a:ext cx="1647825" cy="238760"/>
           </a:xfrm>
           <a:prstGeom prst="rect">
             <a:avLst/>
@@ -7005,15 +8028,59 @@
               </a:spcBef>
             </a:pPr>
             <a:r>
-              <a:rPr lang="pt-BR" sz="1400" b="1" dirty="0">
+              <a:rPr sz="1400" b="1" spc="-10">
                 <a:solidFill>
                   <a:srgbClr val="020302"/>
                 </a:solidFill>
                 <a:latin typeface="Adobe Clean"/>
                 <a:cs typeface="Adobe Clean"/>
               </a:rPr>
-              <a:t>Recursos do Suporte Elite</a:t>
-            </a:r>
+              <a:t>Elite</a:t>
+            </a:r>
+            <a:r>
+              <a:rPr sz="1400" b="1" spc="-50">
+                <a:solidFill>
+                  <a:srgbClr val="020302"/>
+                </a:solidFill>
+                <a:latin typeface="Adobe Clean"/>
+                <a:cs typeface="Adobe Clean"/>
+              </a:rPr>
+              <a:t> </a:t>
+            </a:r>
+            <a:r>
+              <a:rPr sz="1400" b="1" spc="-10">
+                <a:solidFill>
+                  <a:srgbClr val="020302"/>
+                </a:solidFill>
+                <a:latin typeface="Adobe Clean"/>
+                <a:cs typeface="Adobe Clean"/>
+              </a:rPr>
+              <a:t>Support</a:t>
+            </a:r>
+            <a:r>
+              <a:rPr sz="1400" b="1" spc="-45">
+                <a:solidFill>
+                  <a:srgbClr val="020302"/>
+                </a:solidFill>
+                <a:latin typeface="Adobe Clean"/>
+                <a:cs typeface="Adobe Clean"/>
+              </a:rPr>
+              <a:t> </a:t>
+            </a:r>
+            <a:r>
+              <a:rPr sz="1400" b="1" spc="-15">
+                <a:solidFill>
+                  <a:srgbClr val="020302"/>
+                </a:solidFill>
+                <a:latin typeface="Adobe Clean"/>
+                <a:cs typeface="Adobe Clean"/>
+              </a:rPr>
+              <a:t>Features</a:t>
+            </a:r>
+            <a:endParaRPr sz="1400">
+              <a:latin typeface="Adobe Clean"/>
+              <a:cs typeface="Adobe Clean"/>
+            </a:endParaRPr>
           </a:p>
         </p:txBody>
       </p:sp>
@@ -7047,72 +8114,19 @@
               </a:spcBef>
             </a:pPr>
             <a:r>
-              <a:rPr lang="pt-BR" sz="1000" dirty="0">
+              <a:rPr sz="1000">
                 <a:solidFill>
                   <a:srgbClr val="4B4B4B"/>
                 </a:solidFill>
                 <a:latin typeface="AdobeClean-Light"/>
                 <a:cs typeface="AdobeClean-Light"/>
               </a:rPr>
-              <a:t>Um engenheiro de suporte designado, familiarizado com seu ambiente de solução e objetivos de negócios. O engenheiro </a:t>
-            </a:r>
-            <a:br>
-              <a:rPr lang="sk-SK" sz="1000" dirty="0">
-                <a:solidFill>
-                  <a:srgbClr val="4B4B4B"/>
-                </a:solidFill>
-                <a:latin typeface="AdobeClean-Light"/>
-                <a:cs typeface="AdobeClean-Light"/>
-              </a:rPr>
-            </a:br>
-            <a:r>
-              <a:rPr lang="pt-BR" sz="1000" dirty="0">
-                <a:solidFill>
-                  <a:srgbClr val="4B4B4B"/>
-                </a:solidFill>
-                <a:latin typeface="AdobeClean-Light"/>
-                <a:cs typeface="AdobeClean-Light"/>
-              </a:rPr>
-              <a:t>é um profissional experiente que ajuda </a:t>
-            </a:r>
-            <a:br>
-              <a:rPr lang="sk-SK" sz="1000" dirty="0">
-                <a:solidFill>
-                  <a:srgbClr val="4B4B4B"/>
-                </a:solidFill>
-                <a:latin typeface="AdobeClean-Light"/>
-                <a:cs typeface="AdobeClean-Light"/>
-              </a:rPr>
-            </a:br>
-            <a:r>
-              <a:rPr lang="pt-BR" sz="1000" dirty="0">
-                <a:solidFill>
-                  <a:srgbClr val="4B4B4B"/>
-                </a:solidFill>
-                <a:latin typeface="AdobeClean-Light"/>
-                <a:cs typeface="AdobeClean-Light"/>
-              </a:rPr>
-              <a:t>a coordenar sua experiência </a:t>
-            </a:r>
-            <a:br>
-              <a:rPr lang="sk-SK" sz="1000" dirty="0">
-                <a:solidFill>
-                  <a:srgbClr val="4B4B4B"/>
-                </a:solidFill>
-                <a:latin typeface="AdobeClean-Light"/>
-                <a:cs typeface="AdobeClean-Light"/>
-              </a:rPr>
-            </a:br>
-            <a:r>
-              <a:rPr lang="pt-BR" sz="1000" dirty="0">
-                <a:solidFill>
-                  <a:srgbClr val="4B4B4B"/>
-                </a:solidFill>
-                <a:latin typeface="AdobeClean-Light"/>
-                <a:cs typeface="AdobeClean-Light"/>
-              </a:rPr>
-              <a:t>no Suporte Enterprise.</a:t>
-            </a:r>
+              <a:t>A designated support engineer who  becomes familiar with your solution  environment and business goals. The NSE  is an experienced support engineer that  helps coordinate your Enterprise Support  experience.</a:t>
+            </a:r>
+            <a:endParaRPr sz="1000">
+              <a:latin typeface="AdobeClean-Light"/>
+              <a:cs typeface="AdobeClean-Light"/>
+            </a:endParaRPr>
           </a:p>
         </p:txBody>
       </p:sp>
@@ -7173,7 +8187,7 @@
         <p:spPr>
           <a:xfrm>
             <a:off x="5333365" y="1433668"/>
-            <a:ext cx="2413310" cy="936154"/>
+            <a:ext cx="2194560" cy="936154"/>
           </a:xfrm>
           <a:prstGeom prst="rect">
             <a:avLst/>
@@ -7194,15 +8208,19 @@
               </a:spcBef>
             </a:pPr>
             <a:r>
-              <a:rPr lang="pt-BR" sz="1000" dirty="0">
+              <a:rPr sz="1000">
                 <a:solidFill>
                   <a:srgbClr val="4B4B4B"/>
                 </a:solidFill>
                 <a:latin typeface="AdobeClean-Light"/>
                 <a:cs typeface="AdobeClean-Light"/>
               </a:rPr>
-              <a:t>Revisão regular das solicitações de suporte abertas, garantindo o alinhamento do cliente considerando a descrição do caso, o impacto nos negócios, o status, a prioridade e o acordo sobre as próximas etapas necessárias para garantir uma resolução adequada.</a:t>
-            </a:r>
+              <a:t>Regular scheduled review of open  support requests, ensuring customer  alignment on case description, business  impact, status, priority and agreement on  next steps required to ensure an  expedient resolution.</a:t>
+            </a:r>
+            <a:endParaRPr sz="1000">
+              <a:latin typeface="AdobeClean-Light"/>
+              <a:cs typeface="AdobeClean-Light"/>
+            </a:endParaRPr>
           </a:p>
         </p:txBody>
       </p:sp>
@@ -7238,8 +8256,8 @@
         </p:nvSpPr>
         <p:spPr>
           <a:xfrm>
-            <a:off x="324340" y="1433668"/>
-            <a:ext cx="2413309" cy="782265"/>
+            <a:off x="324341" y="1433668"/>
+            <a:ext cx="2194560" cy="782265"/>
           </a:xfrm>
           <a:prstGeom prst="rect">
             <a:avLst/>
@@ -7260,14 +8278,24 @@
               </a:spcBef>
             </a:pPr>
             <a:r>
-              <a:rPr lang="pt-BR" sz="1000" dirty="0">
+              <a:rPr sz="1000">
                 <a:solidFill>
                   <a:srgbClr val="020302"/>
                 </a:solidFill>
                 <a:latin typeface="AdobeClean-Light"/>
                 <a:cs typeface="AdobeClean-Light"/>
               </a:rPr>
-              <a:t>Um Gerente técnico de conta designado para supervisionar sua experiência com o Elite, coordenar o suporte e os contratos de serviços de campo e fornecer serviços proativos para maximizar o seu valor comercial.</a:t>
+              <a:t>A designated Technical Account Manager to  oversee your Elite experience, coordinate  the support and field services  engagements, and provide proactive services  to maximize your business valu</a:t>
+            </a:r>
+            <a:r>
+              <a:rPr lang="en-US" sz="1000">
+                <a:solidFill>
+                  <a:srgbClr val="020302"/>
+                </a:solidFill>
+                <a:latin typeface="AdobeClean-Light"/>
+                <a:cs typeface="AdobeClean-Light"/>
+              </a:rPr>
+              <a:t>e.</a:t>
             </a:r>
           </a:p>
         </p:txBody>
@@ -7302,15 +8330,19 @@
               </a:spcBef>
             </a:pPr>
             <a:r>
-              <a:rPr lang="pt-BR" sz="1100" b="1">
+              <a:rPr sz="1100" b="1">
                 <a:solidFill>
                   <a:srgbClr val="020302"/>
                 </a:solidFill>
                 <a:latin typeface="Adobe Clean" panose="020B0503020404020204" pitchFamily="34" charset="0"/>
                 <a:cs typeface="Arial"/>
               </a:rPr>
-              <a:t>Gerente técnico de conta</a:t>
-            </a:r>
+              <a:t>Technical Account Manager</a:t>
+            </a:r>
+            <a:endParaRPr sz="1100">
+              <a:latin typeface="Adobe Clean" panose="020B0503020404020204" pitchFamily="34" charset="0"/>
+              <a:cs typeface="Arial"/>
+            </a:endParaRPr>
           </a:p>
         </p:txBody>
       </p:sp>
@@ -7370,8 +8402,8 @@
         </p:nvSpPr>
         <p:spPr>
           <a:xfrm>
-            <a:off x="2791725" y="5243920"/>
-            <a:ext cx="2393319" cy="499111"/>
+            <a:off x="2791726" y="5243920"/>
+            <a:ext cx="2194560" cy="499111"/>
           </a:xfrm>
           <a:prstGeom prst="rect">
             <a:avLst/>
@@ -7392,15 +8424,49 @@
               </a:spcBef>
             </a:pPr>
             <a:r>
-              <a:rPr lang="pt-BR" sz="1000" dirty="0">
+              <a:rPr sz="1000">
                 <a:solidFill>
                   <a:srgbClr val="020302"/>
                 </a:solidFill>
                 <a:latin typeface="AdobeClean-Light"/>
                 <a:cs typeface="AdobeClean-Light"/>
               </a:rPr>
-              <a:t>Transferência contínua de conhecimento da equipe de suporte da Adobe para fornecer práticas recomendadas sobre o uso da solução.</a:t>
-            </a:r>
+              <a:t>Ongoing knowledge transfer from Adobe  </a:t>
+            </a:r>
+            <a:r>
+              <a:rPr lang="en-US" sz="1000">
+                <a:solidFill>
+                  <a:srgbClr val="020302"/>
+                </a:solidFill>
+                <a:latin typeface="AdobeClean-Light"/>
+                <a:cs typeface="AdobeClean-Light"/>
+              </a:rPr>
+              <a:t>Support team</a:t>
+            </a:r>
+            <a:r>
+              <a:rPr sz="1000">
+                <a:solidFill>
+                  <a:srgbClr val="020302"/>
+                </a:solidFill>
+                <a:latin typeface="AdobeClean-Light"/>
+                <a:cs typeface="AdobeClean-Light"/>
+              </a:rPr>
+              <a:t> to provide </a:t>
+            </a:r>
+            <a:r>
+              <a:rPr lang="en-US" sz="1000">
+                <a:solidFill>
+                  <a:srgbClr val="020302"/>
+                </a:solidFill>
+                <a:latin typeface="AdobeClean-Light"/>
+                <a:cs typeface="AdobeClean-Light"/>
+              </a:rPr>
+              <a:t>best practices around solution usage.</a:t>
+            </a:r>
+            <a:endParaRPr sz="1000">
+              <a:latin typeface="AdobeClean-Light"/>
+              <a:cs typeface="AdobeClean-Light"/>
+            </a:endParaRPr>
           </a:p>
         </p:txBody>
       </p:sp>
@@ -7434,15 +8500,19 @@
               </a:spcBef>
             </a:pPr>
             <a:r>
-              <a:rPr lang="pt-BR" sz="1000">
+              <a:rPr sz="1000">
                 <a:solidFill>
                   <a:srgbClr val="020302"/>
                 </a:solidFill>
                 <a:latin typeface="AdobeClean-Light"/>
                 <a:cs typeface="AdobeClean-Light"/>
               </a:rPr>
-              <a:t>Gerencie eventos importantes para garantir o nível certo de suporte, cobertura e plano de mitigação durante marcos importantes de negócios e projetos.</a:t>
-            </a:r>
+              <a:t>Manage key events to ensure you have the  right level of support, coverage, and  mitigation plan in place during those key  business and project milestones.</a:t>
+            </a:r>
+            <a:endParaRPr sz="1000">
+              <a:latin typeface="AdobeClean-Light"/>
+              <a:cs typeface="AdobeClean-Light"/>
+            </a:endParaRPr>
           </a:p>
         </p:txBody>
       </p:sp>
@@ -7454,8 +8524,8 @@
         </p:nvSpPr>
         <p:spPr>
           <a:xfrm>
-            <a:off x="324340" y="5228045"/>
-            <a:ext cx="2374093" cy="791755"/>
+            <a:off x="324341" y="5262204"/>
+            <a:ext cx="2194560" cy="698781"/>
           </a:xfrm>
           <a:prstGeom prst="rect">
             <a:avLst/>
@@ -7476,34 +8546,19 @@
               </a:spcBef>
             </a:pPr>
             <a:r>
-              <a:rPr lang="pt-BR" sz="900" dirty="0">
+              <a:rPr sz="1000">
                 <a:solidFill>
                   <a:srgbClr val="020302"/>
                 </a:solidFill>
                 <a:latin typeface="AdobeClean-Light"/>
                 <a:cs typeface="AdobeClean-Light"/>
               </a:rPr>
-              <a:t>Receba orientação personalizada sobre novos recursos do produto para aproveitar as vantagens das inovações mais recentes e solicite aos especialistas da Adobe que revisem os planos </a:t>
-            </a:r>
-            <a:br>
-              <a:rPr lang="sk-SK" sz="900" dirty="0">
-                <a:solidFill>
-                  <a:srgbClr val="020302"/>
-                </a:solidFill>
-                <a:latin typeface="AdobeClean-Light"/>
-                <a:cs typeface="AdobeClean-Light"/>
-              </a:rPr>
-            </a:br>
-            <a:r>
-              <a:rPr lang="pt-BR" sz="900" dirty="0">
-                <a:solidFill>
-                  <a:srgbClr val="020302"/>
-                </a:solidFill>
-                <a:latin typeface="AdobeClean-Light"/>
-                <a:cs typeface="AdobeClean-Light"/>
-              </a:rPr>
-              <a:t>de versão e atualização.</a:t>
-            </a:r>
+              <a:t>Receive personalized guidance on new  product features to take advantage of  latest innovations, and have Adobe  experts review release and upgrade plan.</a:t>
+            </a:r>
+            <a:endParaRPr sz="1000">
+              <a:latin typeface="AdobeClean-Light"/>
+              <a:cs typeface="AdobeClean-Light"/>
+            </a:endParaRPr>
           </a:p>
         </p:txBody>
       </p:sp>
@@ -7515,8 +8570,8 @@
         </p:nvSpPr>
         <p:spPr>
           <a:xfrm>
-            <a:off x="97786" y="9888625"/>
-            <a:ext cx="2912693" cy="133370"/>
+            <a:off x="97787" y="9888626"/>
+            <a:ext cx="2202180" cy="149860"/>
           </a:xfrm>
           <a:prstGeom prst="rect">
             <a:avLst/>
@@ -7537,15 +8592,99 @@
               </a:spcBef>
             </a:pPr>
             <a:r>
-              <a:rPr lang="pt-BR" sz="800" dirty="0">
+              <a:rPr sz="800" spc="-15">
                 <a:solidFill>
                   <a:srgbClr val="6D6D6D"/>
                 </a:solidFill>
                 <a:latin typeface="Adobe Clean"/>
                 <a:cs typeface="Adobe Clean"/>
               </a:rPr>
-              <a:t>©2021 Adobe. All Rights Reserved. Adobe Confidential.</a:t>
-            </a:r>
+              <a:t>©2021 </a:t>
+            </a:r>
+            <a:r>
+              <a:rPr sz="800" spc="-5">
+                <a:solidFill>
+                  <a:srgbClr val="6D6D6D"/>
+                </a:solidFill>
+                <a:latin typeface="Adobe Clean"/>
+                <a:cs typeface="Adobe Clean"/>
+              </a:rPr>
+              <a:t>Adobe. All</a:t>
+            </a:r>
+            <a:r>
+              <a:rPr sz="800" spc="-15">
+                <a:solidFill>
+                  <a:srgbClr val="6D6D6D"/>
+                </a:solidFill>
+                <a:latin typeface="Adobe Clean"/>
+                <a:cs typeface="Adobe Clean"/>
+              </a:rPr>
+              <a:t> Rights</a:t>
+            </a:r>
+            <a:r>
+              <a:rPr sz="800" spc="-5">
+                <a:solidFill>
+                  <a:srgbClr val="6D6D6D"/>
+                </a:solidFill>
+                <a:latin typeface="Adobe Clean"/>
+                <a:cs typeface="Adobe Clean"/>
+              </a:rPr>
+              <a:t> </a:t>
+            </a:r>
+            <a:r>
+              <a:rPr sz="800" spc="-15">
+                <a:solidFill>
+                  <a:srgbClr val="6D6D6D"/>
+                </a:solidFill>
+                <a:latin typeface="Adobe Clean"/>
+                <a:cs typeface="Adobe Clean"/>
+              </a:rPr>
+              <a:t>Reserved.</a:t>
+            </a:r>
+            <a:r>
+              <a:rPr sz="800" spc="-10">
+                <a:solidFill>
+                  <a:srgbClr val="6D6D6D"/>
+                </a:solidFill>
+                <a:latin typeface="Adobe Clean"/>
+                <a:cs typeface="Adobe Clean"/>
+              </a:rPr>
+              <a:t> </a:t>
+            </a:r>
+            <a:r>
+              <a:rPr sz="800" spc="-5">
+                <a:solidFill>
+                  <a:srgbClr val="6D6D6D"/>
+                </a:solidFill>
+                <a:latin typeface="Adobe Clean"/>
+                <a:cs typeface="Adobe Clean"/>
+              </a:rPr>
+              <a:t>Adobe</a:t>
+            </a:r>
+            <a:r>
+              <a:rPr sz="800" spc="65">
+                <a:solidFill>
+                  <a:srgbClr val="6D6D6D"/>
+                </a:solidFill>
+                <a:latin typeface="Adobe Clean"/>
+                <a:cs typeface="Adobe Clean"/>
+              </a:rPr>
+              <a:t> </a:t>
+            </a:r>
+            <a:r>
+              <a:rPr sz="800" spc="-15">
+                <a:solidFill>
+                  <a:srgbClr val="6D6D6D"/>
+                </a:solidFill>
+                <a:latin typeface="Adobe Clean"/>
+                <a:cs typeface="Adobe Clean"/>
+              </a:rPr>
+              <a:t>Confidential.</a:t>
+            </a:r>
+            <a:endParaRPr sz="800">
+              <a:latin typeface="Adobe Clean"/>
+              <a:cs typeface="Adobe Clean"/>
+            </a:endParaRPr>
           </a:p>
         </p:txBody>
       </p:sp>
@@ -7603,7 +8742,7 @@
         <p:spPr>
           <a:xfrm>
             <a:off x="2791726" y="9060487"/>
-            <a:ext cx="2194560" cy="641201"/>
+            <a:ext cx="2194560" cy="487313"/>
           </a:xfrm>
           <a:prstGeom prst="rect">
             <a:avLst/>
@@ -7627,14 +8766,154 @@
               </a:tabLst>
             </a:pPr>
             <a:r>
-              <a:rPr lang="pt-BR" sz="1000" dirty="0">
+              <a:rPr sz="1000" spc="-20">
                 <a:solidFill>
                   <a:srgbClr val="020302"/>
                 </a:solidFill>
                 <a:latin typeface="AdobeClean-Light"/>
                 <a:cs typeface="AdobeClean-Light"/>
               </a:rPr>
-              <a:t>Inicie uma sessão de chat para obter respostas e ajuda com o envio de caso</a:t>
+              <a:t>Start </a:t>
+            </a:r>
+            <a:r>
+              <a:rPr sz="1000">
+                <a:solidFill>
+                  <a:srgbClr val="020302"/>
+                </a:solidFill>
+                <a:latin typeface="AdobeClean-Light"/>
+                <a:cs typeface="AdobeClean-Light"/>
+              </a:rPr>
+              <a:t>a </a:t>
+            </a:r>
+            <a:r>
+              <a:rPr sz="1000" spc="-15">
+                <a:solidFill>
+                  <a:srgbClr val="020302"/>
+                </a:solidFill>
+                <a:latin typeface="AdobeClean-Light"/>
+                <a:cs typeface="AdobeClean-Light"/>
+              </a:rPr>
+              <a:t>chat </a:t>
+            </a:r>
+            <a:r>
+              <a:rPr sz="1000" spc="-10">
+                <a:solidFill>
+                  <a:srgbClr val="020302"/>
+                </a:solidFill>
+                <a:latin typeface="AdobeClean-Light"/>
+                <a:cs typeface="AdobeClean-Light"/>
+              </a:rPr>
+              <a:t>session </a:t>
+            </a:r>
+            <a:r>
+              <a:rPr sz="1000" spc="-5">
+                <a:solidFill>
+                  <a:srgbClr val="020302"/>
+                </a:solidFill>
+                <a:latin typeface="AdobeClean-Light"/>
+                <a:cs typeface="AdobeClean-Light"/>
+              </a:rPr>
+              <a:t>to </a:t>
+            </a:r>
+            <a:r>
+              <a:rPr sz="1000" spc="-10">
+                <a:solidFill>
+                  <a:srgbClr val="020302"/>
+                </a:solidFill>
+                <a:latin typeface="AdobeClean-Light"/>
+                <a:cs typeface="AdobeClean-Light"/>
+              </a:rPr>
+              <a:t>get </a:t>
+            </a:r>
+            <a:r>
+              <a:rPr sz="1000" spc="-20">
+                <a:solidFill>
+                  <a:srgbClr val="020302"/>
+                </a:solidFill>
+                <a:latin typeface="AdobeClean-Light"/>
+                <a:cs typeface="AdobeClean-Light"/>
+              </a:rPr>
+              <a:t>answers</a:t>
+            </a:r>
+            <a:r>
+              <a:rPr lang="en-US" sz="1000" spc="-45">
+                <a:solidFill>
+                  <a:srgbClr val="020302"/>
+                </a:solidFill>
+                <a:latin typeface="AdobeClean-Light"/>
+                <a:cs typeface="AdobeClean-Light"/>
+              </a:rPr>
+              <a:t> </a:t>
+            </a:r>
+            <a:r>
+              <a:rPr lang="en-US" sz="1000">
+                <a:solidFill>
+                  <a:srgbClr val="020302"/>
+                </a:solidFill>
+                <a:latin typeface="AdobeClean-Light"/>
+                <a:cs typeface="AdobeClean-Light"/>
+              </a:rPr>
+              <a:t>&amp; </a:t>
+            </a:r>
+            <a:r>
+              <a:rPr sz="1000" spc="-15">
+                <a:solidFill>
+                  <a:srgbClr val="020302"/>
+                </a:solidFill>
+                <a:latin typeface="AdobeClean-Light"/>
+                <a:cs typeface="AdobeClean-Light"/>
+              </a:rPr>
+              <a:t>help </a:t>
+            </a:r>
+            <a:r>
+              <a:rPr sz="1000" spc="-10">
+                <a:solidFill>
+                  <a:srgbClr val="020302"/>
+                </a:solidFill>
+                <a:latin typeface="AdobeClean-Light"/>
+                <a:cs typeface="AdobeClean-Light"/>
+              </a:rPr>
+              <a:t>with</a:t>
+            </a:r>
+            <a:r>
+              <a:rPr sz="1000" spc="85">
+                <a:solidFill>
+                  <a:srgbClr val="020302"/>
+                </a:solidFill>
+                <a:latin typeface="AdobeClean-Light"/>
+                <a:cs typeface="AdobeClean-Light"/>
+              </a:rPr>
+              <a:t> </a:t>
+            </a:r>
+            <a:r>
+              <a:rPr sz="1000" spc="-10">
+                <a:solidFill>
+                  <a:srgbClr val="020302"/>
+                </a:solidFill>
+                <a:latin typeface="AdobeClean-Light"/>
+                <a:cs typeface="AdobeClean-Light"/>
+              </a:rPr>
+              <a:t>case </a:t>
+            </a:r>
+            <a:r>
+              <a:rPr sz="1000" spc="-20">
+                <a:solidFill>
+                  <a:srgbClr val="020302"/>
+                </a:solidFill>
+                <a:latin typeface="AdobeClean-Light"/>
+                <a:cs typeface="AdobeClean-Light"/>
+              </a:rPr>
+              <a:t>submission</a:t>
+            </a:r>
+            <a:r>
+              <a:rPr lang="en-US" sz="1000" spc="-20">
+                <a:solidFill>
+                  <a:srgbClr val="020302"/>
+                </a:solidFill>
+                <a:latin typeface="AdobeClean-Light"/>
+                <a:cs typeface="AdobeClean-Light"/>
+              </a:rPr>
+              <a:t>.</a:t>
             </a:r>
           </a:p>
           <a:p>
@@ -7650,44 +8929,39 @@
               </a:tabLst>
             </a:pPr>
             <a:r>
-              <a:rPr lang="pt-BR" sz="1000" i="1" dirty="0">
+              <a:rPr sz="1000" i="1" spc="-10">
                 <a:solidFill>
                   <a:srgbClr val="7A7A7A"/>
                 </a:solidFill>
                 <a:latin typeface="AdobeClean-LightIt"/>
                 <a:cs typeface="AdobeClean-LightIt"/>
               </a:rPr>
-              <a:t>*Nem todos os produtos têm suporte </a:t>
-            </a:r>
-            <a:br>
-              <a:rPr lang="sk-SK" sz="1000" i="1" dirty="0">
+              <a:t>*Not all </a:t>
+            </a:r>
+            <a:r>
+              <a:rPr sz="1000" i="1" spc="-20">
                 <a:solidFill>
                   <a:srgbClr val="7A7A7A"/>
                 </a:solidFill>
                 <a:latin typeface="AdobeClean-LightIt"/>
                 <a:cs typeface="AdobeClean-LightIt"/>
               </a:rPr>
-            </a:br>
-            <a:r>
-              <a:rPr lang="pt-BR" sz="1000" i="1" dirty="0">
+              <a:t>products have live chat support</a:t>
+            </a:r>
+            <a:r>
+              <a:rPr sz="900" i="1" spc="-20">
                 <a:solidFill>
                   <a:srgbClr val="7A7A7A"/>
                 </a:solidFill>
                 <a:latin typeface="AdobeClean-LightIt"/>
                 <a:cs typeface="AdobeClean-LightIt"/>
               </a:rPr>
-              <a:t>de chat ao vivo</a:t>
-            </a:r>
-            <a:r>
-              <a:rPr lang="pt-BR" sz="900" i="1" dirty="0">
-                <a:solidFill>
-                  <a:srgbClr val="7A7A7A"/>
-                </a:solidFill>
-                <a:latin typeface="AdobeClean-LightIt"/>
-                <a:cs typeface="AdobeClean-LightIt"/>
-              </a:rPr>
               <a:t>.  </a:t>
             </a:r>
+            <a:endParaRPr sz="900">
+              <a:latin typeface="AdobeClean-Light"/>
+              <a:cs typeface="AdobeClean-Light"/>
+            </a:endParaRPr>
           </a:p>
         </p:txBody>
       </p:sp>
@@ -7734,12 +9008,12 @@
               <a:defRPr/>
             </a:pPr>
             <a:r>
-              <a:rPr lang="pt-BR" sz="1200">
+              <a:rPr lang="en-US" sz="1200">
                 <a:solidFill>
                   <a:srgbClr val="000000"/>
                 </a:solidFill>
               </a:rPr>
-              <a:t>Fóruns da comunidade</a:t>
+              <a:t>Community Forums</a:t>
             </a:r>
           </a:p>
         </p:txBody>
@@ -7782,12 +9056,12 @@
               </a:spcAft>
             </a:pPr>
             <a:r>
-              <a:rPr lang="pt-BR" sz="1200" b="1">
+              <a:rPr lang="en-US" sz="1200" b="1">
                 <a:latin typeface="+mj-lt"/>
                 <a:ea typeface="Open Sans" pitchFamily="34" charset="0"/>
                 <a:cs typeface="Open Sans" pitchFamily="34" charset="0"/>
               </a:rPr>
-              <a:t>Fóruns online</a:t>
+              <a:t>Online Forums</a:t>
             </a:r>
           </a:p>
         </p:txBody>
@@ -7820,13 +9094,13 @@
           <a:lstStyle/>
           <a:p>
             <a:r>
-              <a:rPr lang="pt-BR" sz="1000">
+              <a:rPr lang="en-US" sz="1000">
                 <a:solidFill>
                   <a:srgbClr val="4B4B4B"/>
                 </a:solidFill>
                 <a:latin typeface="Adobe Clean Light" panose="020B0303020404020204" pitchFamily="34" charset="0"/>
               </a:rPr>
-              <a:t>Acesso online contínuo a um banco de dados cada vez maior de soluções técnicas, documentação do produto, perguntas frequentes e muito mais. Conecte-se com profissionais e outros clientes na Comunidade da Adobe para compartilhar práticas recomendadas e lições aprendidas</a:t>
+              <a:t>Continuous online access to a growing database of technical solutions, product documentation, FAQs and more. Connect with practitioners and other customers on Adobe Community to share best practices and lessons learned.</a:t>
             </a:r>
           </a:p>
         </p:txBody>
@@ -7874,7 +9148,7 @@
               <a:defRPr/>
             </a:pPr>
             <a:r>
-              <a:rPr lang="pt-BR" sz="1200">
+              <a:rPr lang="en-US" sz="1200">
                 <a:solidFill>
                   <a:srgbClr val="000000"/>
                 </a:solidFill>
@@ -7922,12 +9196,12 @@
               </a:spcAft>
             </a:pPr>
             <a:r>
-              <a:rPr lang="pt-BR" sz="1200" b="1">
+              <a:rPr lang="en-US" sz="1200" b="1">
                 <a:latin typeface="+mj-lt"/>
                 <a:ea typeface="Open Sans" pitchFamily="34" charset="0"/>
                 <a:cs typeface="Open Sans" pitchFamily="34" charset="0"/>
               </a:rPr>
-              <a:t>Jornadas autoguiadas</a:t>
+              <a:t>Self-guided Journeys</a:t>
             </a:r>
           </a:p>
         </p:txBody>
@@ -7960,98 +9234,13 @@
           <a:lstStyle/>
           <a:p>
             <a:r>
-              <a:rPr lang="pt-BR" sz="1000" dirty="0">
+              <a:rPr lang="en-US" sz="1000">
                 <a:solidFill>
                   <a:srgbClr val="4B4B4B"/>
                 </a:solidFill>
                 <a:latin typeface="Adobe Clean Light" panose="020B0303020404020204" pitchFamily="34" charset="0"/>
               </a:rPr>
-              <a:t>A Experience League gera criadores </a:t>
-            </a:r>
-            <a:br>
-              <a:rPr lang="sk-SK" sz="1000" dirty="0">
-                <a:solidFill>
-                  <a:srgbClr val="4B4B4B"/>
-                </a:solidFill>
-                <a:latin typeface="Adobe Clean Light" panose="020B0303020404020204" pitchFamily="34" charset="0"/>
-              </a:rPr>
-            </a:br>
-            <a:r>
-              <a:rPr lang="pt-BR" sz="1000" dirty="0">
-                <a:solidFill>
-                  <a:srgbClr val="4B4B4B"/>
-                </a:solidFill>
-                <a:latin typeface="Adobe Clean Light" panose="020B0303020404020204" pitchFamily="34" charset="0"/>
-              </a:rPr>
-              <a:t>de experiências. Os clientes podem </a:t>
-            </a:r>
-            <a:br>
-              <a:rPr lang="sk-SK" sz="1000" dirty="0">
-                <a:solidFill>
-                  <a:srgbClr val="4B4B4B"/>
-                </a:solidFill>
-                <a:latin typeface="Adobe Clean Light" panose="020B0303020404020204" pitchFamily="34" charset="0"/>
-              </a:rPr>
-            </a:br>
-            <a:r>
-              <a:rPr lang="pt-BR" sz="1000" dirty="0">
-                <a:solidFill>
-                  <a:srgbClr val="4B4B4B"/>
-                </a:solidFill>
-                <a:latin typeface="Adobe Clean Light" panose="020B0303020404020204" pitchFamily="34" charset="0"/>
-              </a:rPr>
-              <a:t>adquirir habilidades de gerenciamento </a:t>
-            </a:r>
-            <a:br>
-              <a:rPr lang="sk-SK" sz="1000" dirty="0">
-                <a:solidFill>
-                  <a:srgbClr val="4B4B4B"/>
-                </a:solidFill>
-                <a:latin typeface="Adobe Clean Light" panose="020B0303020404020204" pitchFamily="34" charset="0"/>
-              </a:rPr>
-            </a:br>
-            <a:r>
-              <a:rPr lang="pt-BR" sz="1000" dirty="0">
-                <a:solidFill>
-                  <a:srgbClr val="4B4B4B"/>
-                </a:solidFill>
-                <a:latin typeface="Adobe Clean Light" panose="020B0303020404020204" pitchFamily="34" charset="0"/>
-              </a:rPr>
-              <a:t>de experiência do cliente com aprendizagem personalizada, participar </a:t>
-            </a:r>
-            <a:br>
-              <a:rPr lang="sk-SK" sz="1000" dirty="0">
-                <a:solidFill>
-                  <a:srgbClr val="4B4B4B"/>
-                </a:solidFill>
-                <a:latin typeface="Adobe Clean Light" panose="020B0303020404020204" pitchFamily="34" charset="0"/>
-              </a:rPr>
-            </a:br>
-            <a:r>
-              <a:rPr lang="pt-BR" sz="1000" dirty="0">
-                <a:solidFill>
-                  <a:srgbClr val="4B4B4B"/>
-                </a:solidFill>
-                <a:latin typeface="Adobe Clean Light" panose="020B0303020404020204" pitchFamily="34" charset="0"/>
-              </a:rPr>
-              <a:t>de uma comunidade de pares global </a:t>
-            </a:r>
-            <a:br>
-              <a:rPr lang="sk-SK" sz="1000" dirty="0">
-                <a:solidFill>
-                  <a:srgbClr val="4B4B4B"/>
-                </a:solidFill>
-                <a:latin typeface="Adobe Clean Light" panose="020B0303020404020204" pitchFamily="34" charset="0"/>
-              </a:rPr>
-            </a:br>
-            <a:r>
-              <a:rPr lang="pt-BR" sz="1000" dirty="0">
-                <a:solidFill>
-                  <a:srgbClr val="4B4B4B"/>
-                </a:solidFill>
-                <a:latin typeface="Adobe Clean Light" panose="020B0303020404020204" pitchFamily="34" charset="0"/>
-              </a:rPr>
-              <a:t>e conseguir reconhecimento de carreira</a:t>
+              <a:t>Experience Makers are made with Experience League. Customers can kickstart their Customer Experience Management abilities with personalized learning to develop skills, engage with a global community of peers, and earn career advancing recognition.</a:t>
             </a:r>
           </a:p>
         </p:txBody>
@@ -8099,12 +9288,12 @@
               <a:defRPr/>
             </a:pPr>
             <a:r>
-              <a:rPr lang="pt-BR" sz="1200">
+              <a:rPr lang="en-US" sz="1200">
                 <a:solidFill>
                   <a:srgbClr val="000000"/>
                 </a:solidFill>
               </a:rPr>
-              <a:t>Suporte por chat ao vivo*</a:t>
+              <a:t>Live Chat  Support*</a:t>
             </a:r>
           </a:p>
         </p:txBody>
@@ -8147,12 +9336,12 @@
               </a:spcAft>
             </a:pPr>
             <a:r>
-              <a:rPr lang="pt-BR" sz="1200" b="1">
+              <a:rPr lang="en-US" sz="1200" b="1">
                 <a:latin typeface="+mj-lt"/>
                 <a:ea typeface="Open Sans" pitchFamily="34" charset="0"/>
                 <a:cs typeface="Open Sans" pitchFamily="34" charset="0"/>
               </a:rPr>
-              <a:t>Suporte por chat</a:t>
+              <a:t>Chat Support</a:t>
             </a:r>
           </a:p>
         </p:txBody>
@@ -8200,12 +9389,12 @@
               <a:defRPr/>
             </a:pPr>
             <a:r>
-              <a:rPr lang="pt-BR" sz="1200">
+              <a:rPr lang="en-US" sz="1200">
                 <a:solidFill>
                   <a:srgbClr val="000000"/>
                 </a:solidFill>
               </a:rPr>
-              <a:t>24X7 prioridades P1 </a:t>
+              <a:t>24X7 P1 </a:t>
             </a:r>
           </a:p>
         </p:txBody>
@@ -8248,12 +9437,12 @@
               </a:spcAft>
             </a:pPr>
             <a:r>
-              <a:rPr lang="pt-BR" sz="1200" b="1">
+              <a:rPr lang="en-US" sz="1200" b="1">
                 <a:latin typeface="+mj-lt"/>
                 <a:ea typeface="Open Sans" pitchFamily="34" charset="0"/>
                 <a:cs typeface="Open Sans" pitchFamily="34" charset="0"/>
               </a:rPr>
-              <a:t>Suporte telefônico</a:t>
+              <a:t>Phone  Support</a:t>
             </a:r>
           </a:p>
         </p:txBody>
@@ -8273,7 +9462,7 @@
         <p:spPr>
           <a:xfrm>
             <a:off x="2791726" y="7152361"/>
-            <a:ext cx="2194560" cy="959237"/>
+            <a:ext cx="2194560" cy="805349"/>
           </a:xfrm>
           <a:prstGeom prst="rect">
             <a:avLst/>
@@ -8286,40 +9475,35 @@
           <a:lstStyle/>
           <a:p>
             <a:r>
-              <a:rPr lang="pt-BR" sz="1000" dirty="0">
+              <a:rPr lang="en-US" sz="1000">
                 <a:solidFill>
                   <a:srgbClr val="020302"/>
                 </a:solidFill>
                 <a:latin typeface="AdobeClean-Light"/>
               </a:rPr>
-              <a:t>Usuários autorizados ou </a:t>
-            </a:r>
-            <a:r>
-              <a:rPr lang="pt-BR" sz="1000" b="1" dirty="0">
+              <a:t>Authorized users or </a:t>
+            </a:r>
+            <a:r>
+              <a:rPr lang="en-US" sz="1000" b="1">
                 <a:solidFill>
                   <a:srgbClr val="020302"/>
                 </a:solidFill>
                 <a:latin typeface="AdobeClean-Light"/>
               </a:rPr>
-              <a:t>contatos de suporte nomeados</a:t>
-            </a:r>
-            <a:r>
-              <a:rPr lang="pt-BR" sz="1000" dirty="0">
+              <a:t>Named Support Contacts </a:t>
+            </a:r>
+            <a:r>
+              <a:rPr lang="en-US" sz="1000">
                 <a:latin typeface="Adobe Clean Light" panose="020B0303020404020204" pitchFamily="34" charset="0"/>
               </a:rPr>
-              <a:t> podem enviar problemas por todos os canais disponíveis (incluindo por telefone em prioridades P1) </a:t>
-            </a:r>
-            <a:br>
-              <a:rPr lang="sk-SK" sz="1000" dirty="0">
-                <a:latin typeface="Adobe Clean Light" panose="020B0303020404020204" pitchFamily="34" charset="0"/>
-              </a:rPr>
-            </a:br>
-            <a:r>
-              <a:rPr lang="pt-BR" sz="1000" dirty="0">
-                <a:latin typeface="Adobe Clean Light" panose="020B0303020404020204" pitchFamily="34" charset="0"/>
-              </a:rPr>
-              <a:t>e contatar a equipe de suporte técnico em nome de sua empresa. </a:t>
-            </a:r>
+              <a:t>can submit issues through all available  channels (including phone for P1) and interact with our technical support team on behalf of your company. </a:t>
+            </a:r>
+            <a:endParaRPr lang="en-US" sz="1000">
+              <a:solidFill>
+                <a:srgbClr val="000000"/>
+              </a:solidFill>
+              <a:latin typeface="Adobe Clean Light" panose="020B0303020404020204" pitchFamily="34" charset="0"/>
+            </a:endParaRPr>
           </a:p>
         </p:txBody>
       </p:sp>
@@ -8337,8 +9521,8 @@
         </p:nvSpPr>
         <p:spPr>
           <a:xfrm>
-            <a:off x="214971" y="6530426"/>
-            <a:ext cx="2042512" cy="98974"/>
+            <a:off x="214971" y="6447157"/>
+            <a:ext cx="1848207" cy="45719"/>
           </a:xfrm>
           <a:custGeom>
             <a:avLst/>
@@ -8414,7 +9598,7 @@
               <a:defRPr/>
             </a:pPr>
             <a:r>
-              <a:rPr lang="pt-BR" sz="1200">
+              <a:rPr lang="en-US" sz="1200">
                 <a:solidFill>
                   <a:srgbClr val="000000"/>
                 </a:solidFill>
@@ -8462,12 +9646,12 @@
               </a:spcAft>
             </a:pPr>
             <a:r>
-              <a:rPr lang="pt-BR" sz="1200" b="1">
+              <a:rPr lang="en-US" sz="1200" b="1">
                 <a:latin typeface="+mj-lt"/>
                 <a:ea typeface="Open Sans" pitchFamily="34" charset="0"/>
                 <a:cs typeface="Open Sans" pitchFamily="34" charset="0"/>
               </a:rPr>
-              <a:t>Webinários</a:t>
+              <a:t>Webinars</a:t>
             </a:r>
           </a:p>
         </p:txBody>
@@ -8487,7 +9671,7 @@
         <p:spPr>
           <a:xfrm>
             <a:off x="355868" y="9026059"/>
-            <a:ext cx="2194560" cy="728405"/>
+            <a:ext cx="2194560" cy="805349"/>
           </a:xfrm>
           <a:prstGeom prst="rect">
             <a:avLst/>
@@ -8500,13 +9684,13 @@
           <a:lstStyle/>
           <a:p>
             <a:r>
-              <a:rPr lang="pt-BR" sz="900" dirty="0">
+              <a:rPr lang="en-US" sz="1000">
                 <a:solidFill>
                   <a:srgbClr val="4B4B4B"/>
                 </a:solidFill>
                 <a:latin typeface="Adobe Clean Light" panose="020B0303020404020204" pitchFamily="34" charset="0"/>
               </a:rPr>
-              <a:t>O Office Hours, apresentado pela equipe de Suporte ao cliente da Adobe, inclui sessões para informar e ajudar os participantes a solucionar problemas e fornecer dicas e truques para aproveitar ao máximo as soluções da Adobe. </a:t>
+              <a:t>Office Hours led by the Adobe Customer Support team includes sessions designed to inform as well as help participants troubleshoot problems and provide tips and tricks for success with Adobe solutions. </a:t>
             </a:r>
           </a:p>
         </p:txBody>
@@ -8554,12 +9738,12 @@
               <a:defRPr/>
             </a:pPr>
             <a:r>
-              <a:rPr lang="pt-BR" sz="1200">
+              <a:rPr lang="en-US" sz="1200">
                 <a:solidFill>
                   <a:srgbClr val="000000"/>
                 </a:solidFill>
               </a:rPr>
-              <a:t>Portais de autoatendimento</a:t>
+              <a:t>Self-help Portals</a:t>
             </a:r>
           </a:p>
         </p:txBody>
@@ -8602,12 +9786,12 @@
               </a:spcAft>
             </a:pPr>
             <a:r>
-              <a:rPr lang="pt-BR" sz="1200" b="1">
+              <a:rPr lang="en-US" sz="1200" b="1">
                 <a:latin typeface="+mj-lt"/>
                 <a:ea typeface="Open Sans" pitchFamily="34" charset="0"/>
                 <a:cs typeface="Open Sans" pitchFamily="34" charset="0"/>
               </a:rPr>
-              <a:t>Portal de suporte 24/7</a:t>
+              <a:t>24/7 Support Portal</a:t>
             </a:r>
           </a:p>
         </p:txBody>
@@ -8627,7 +9811,7 @@
         <p:spPr>
           <a:xfrm>
             <a:off x="5265661" y="8987081"/>
-            <a:ext cx="2194560" cy="959237"/>
+            <a:ext cx="2194560" cy="805349"/>
           </a:xfrm>
           <a:prstGeom prst="rect">
             <a:avLst/>
@@ -8640,16 +9824,16 @@
           <a:lstStyle/>
           <a:p>
             <a:r>
-              <a:rPr lang="pt-BR" sz="1000" dirty="0">
+              <a:rPr lang="en-US" sz="1000">
                 <a:solidFill>
                   <a:srgbClr val="4B4B4B"/>
                 </a:solidFill>
                 <a:latin typeface="Adobe Clean Light" panose="020B0303020404020204" pitchFamily="34" charset="0"/>
               </a:rPr>
-              <a:t>Acesso sob demanda ao Portal de autoatendimento online para enviar solicitações de suporte, revisar o status </a:t>
+              <a:t>On-demand access to the online </a:t>
             </a:r>
             <a:br>
-              <a:rPr lang="sk-SK" sz="1000" dirty="0">
+              <a:rPr lang="en-US" sz="1000">
                 <a:solidFill>
                   <a:srgbClr val="4B4B4B"/>
                 </a:solidFill>
@@ -8657,13 +9841,13 @@
               </a:rPr>
             </a:br>
             <a:r>
-              <a:rPr lang="pt-BR" sz="1000" dirty="0">
+              <a:rPr lang="en-US" sz="1000">
                 <a:solidFill>
                   <a:srgbClr val="4B4B4B"/>
                 </a:solidFill>
                 <a:latin typeface="Adobe Clean Light" panose="020B0303020404020204" pitchFamily="34" charset="0"/>
               </a:rPr>
-              <a:t>do caso e procurar outros recursos, como nossa base de conhecimento, notícias e alertas, dicas em destaque e muito mais.</a:t>
+              <a:t>Self-help Support Portal to submit support requests, review case status, and browse other resources, like our knowledgebase, news and alerts, featured tips, and more.</a:t>
             </a:r>
           </a:p>
         </p:txBody>
@@ -8971,7 +10155,7 @@
         </p:nvSpPr>
         <p:spPr>
           <a:xfrm>
-            <a:off x="214971" y="6207447"/>
+            <a:off x="214971" y="6124178"/>
             <a:ext cx="1930978" cy="307777"/>
           </a:xfrm>
           <a:prstGeom prst="rect">
@@ -8993,15 +10177,19 @@
               </a:spcBef>
             </a:pPr>
             <a:r>
-              <a:rPr lang="pt-BR" sz="1400" b="1" dirty="0">
+              <a:rPr lang="en-US" sz="1400" b="1">
                 <a:solidFill>
                   <a:srgbClr val="020302"/>
                 </a:solidFill>
                 <a:latin typeface="Adobe Clean"/>
                 <a:cs typeface="Adobe Clean"/>
               </a:rPr>
-              <a:t>Recursos de suporte online</a:t>
-            </a:r>
+              <a:t>Online Support Features</a:t>
+            </a:r>
+            <a:endParaRPr lang="en-US" sz="1400">
+              <a:latin typeface="Adobe Clean"/>
+              <a:cs typeface="Adobe Clean"/>
+            </a:endParaRPr>
           </a:p>
         </p:txBody>
       </p:sp>
@@ -9223,34 +10411,22 @@
               </a:spcBef>
             </a:pPr>
             <a:r>
-              <a:rPr lang="pt-BR" sz="1000" dirty="0">
+              <a:rPr lang="en-US" sz="1000">
                 <a:solidFill>
                   <a:srgbClr val="020302"/>
                 </a:solidFill>
                 <a:latin typeface="AdobeClean-Light"/>
                 <a:cs typeface="AdobeClean-Light"/>
               </a:rPr>
-              <a:t>Revisão proativa da implantação, configuração e arquitetura geral </a:t>
-            </a:r>
-            <a:br>
-              <a:rPr lang="sk-SK" sz="1000" dirty="0">
-                <a:solidFill>
-                  <a:srgbClr val="020302"/>
-                </a:solidFill>
-                <a:latin typeface="AdobeClean-Light"/>
-                <a:cs typeface="AdobeClean-Light"/>
-              </a:rPr>
-            </a:br>
-            <a:r>
-              <a:rPr lang="pt-BR" sz="1000" dirty="0">
-                <a:solidFill>
-                  <a:srgbClr val="020302"/>
-                </a:solidFill>
-                <a:latin typeface="AdobeClean-Light"/>
-                <a:cs typeface="AdobeClean-Light"/>
-              </a:rPr>
-              <a:t>da solução, incluindo integrações.</a:t>
-            </a:r>
+              <a:t>Proactive review of your solution  deployment, configuration, and overall  architecture, including integrations.</a:t>
+            </a:r>
+            <a:endParaRPr lang="en-US" sz="1000">
+              <a:solidFill>
+                <a:prstClr val="black"/>
+              </a:solidFill>
+              <a:latin typeface="AdobeClean-Light"/>
+              <a:cs typeface="AdobeClean-Light"/>
+            </a:endParaRPr>
           </a:p>
         </p:txBody>
       </p:sp>
@@ -9290,15 +10466,22 @@
               </a:spcBef>
             </a:pPr>
             <a:r>
-              <a:rPr lang="pt-BR" sz="1000" dirty="0">
+              <a:rPr lang="en-US" sz="1000">
                 <a:solidFill>
                   <a:srgbClr val="020302"/>
                 </a:solidFill>
                 <a:latin typeface="AdobeClean-Light"/>
                 <a:cs typeface="AdobeClean-Light"/>
               </a:rPr>
-              <a:t>Receba as práticas recomendadas de manutenção e as correções mais recentes (SP, MR, patches, FP) para ficar atualizado em todas as verificações de manutenção</a:t>
-            </a:r>
+              <a:t>Receive maintenance best practices and latest  fixes (SPs, MR, patches, FPs) to remain up-to-  date on all maintenance checks.</a:t>
+            </a:r>
+            <a:endParaRPr lang="en-US" sz="1000">
+              <a:solidFill>
+                <a:prstClr val="black"/>
+              </a:solidFill>
+              <a:latin typeface="AdobeClean-Light"/>
+              <a:cs typeface="AdobeClean-Light"/>
+            </a:endParaRPr>
           </a:p>
         </p:txBody>
       </p:sp>
@@ -9316,15 +10499,15 @@
         </p:nvSpPr>
         <p:spPr>
           <a:xfrm>
-            <a:off x="2852426" y="2847845"/>
-            <a:ext cx="2332619" cy="461665"/>
+            <a:off x="2852427" y="2847845"/>
+            <a:ext cx="2194560" cy="615553"/>
           </a:xfrm>
           <a:prstGeom prst="rect">
             <a:avLst/>
           </a:prstGeom>
         </p:spPr>
         <p:txBody>
-          <a:bodyPr wrap="square" lIns="0" tIns="0" rIns="0" bIns="0">
+          <a:bodyPr lIns="0" tIns="0" rIns="0" bIns="0">
             <a:spAutoFit/>
           </a:bodyPr>
           <a:lstStyle/>
@@ -9335,15 +10518,22 @@
               </a:spcBef>
             </a:pPr>
             <a:r>
-              <a:rPr lang="pt-BR" sz="1000" dirty="0">
+              <a:rPr lang="en-US" sz="1000">
                 <a:solidFill>
                   <a:srgbClr val="4B4B4B"/>
                 </a:solidFill>
                 <a:latin typeface="AdobeClean-Light"/>
                 <a:cs typeface="AdobeClean-Light"/>
               </a:rPr>
-              <a:t>Revisão regular dos serviços do programa Elite, métricas de suporte e entregas, incluindo um plano de prospectivo</a:t>
-            </a:r>
+              <a:t>A regular review of Elite program services, support metrics, and deliverables, including a forward-looking plan</a:t>
+            </a:r>
+            <a:endParaRPr lang="en-US" sz="1000">
+              <a:solidFill>
+                <a:prstClr val="black"/>
+              </a:solidFill>
+              <a:latin typeface="AdobeClean-Light"/>
+              <a:cs typeface="AdobeClean-Light"/>
+            </a:endParaRPr>
           </a:p>
         </p:txBody>
       </p:sp>
@@ -9361,15 +10551,15 @@
         </p:nvSpPr>
         <p:spPr>
           <a:xfrm>
-            <a:off x="5431519" y="2971800"/>
-            <a:ext cx="2275101" cy="615553"/>
+            <a:off x="5431520" y="2854370"/>
+            <a:ext cx="2194560" cy="615553"/>
           </a:xfrm>
           <a:prstGeom prst="rect">
             <a:avLst/>
           </a:prstGeom>
         </p:spPr>
         <p:txBody>
-          <a:bodyPr wrap="square" lIns="0" tIns="0" rIns="0" bIns="0">
+          <a:bodyPr lIns="0" tIns="0" rIns="0" bIns="0">
             <a:spAutoFit/>
           </a:bodyPr>
           <a:lstStyle/>
@@ -9380,15 +10570,22 @@
               </a:spcBef>
             </a:pPr>
             <a:r>
-              <a:rPr lang="pt-BR" sz="1000" dirty="0">
+              <a:rPr lang="en-US" sz="1000">
                 <a:solidFill>
                   <a:srgbClr val="4B4B4B"/>
                 </a:solidFill>
                 <a:latin typeface="AdobeClean-Light"/>
                 <a:cs typeface="AdobeClean-Light"/>
               </a:rPr>
-              <a:t>Uma sessão de 60 minutos focada em um recurso específico do produto e em como ele pode ser usado para resolver problemas empresariais comuns.</a:t>
-            </a:r>
+              <a:t>A 60-minute session focusing on a  specific product feature and how it can  be utilized to solve common business  problems.</a:t>
+            </a:r>
+            <a:endParaRPr lang="en-US" sz="1000">
+              <a:solidFill>
+                <a:prstClr val="black"/>
+              </a:solidFill>
+              <a:latin typeface="AdobeClean-Light"/>
+              <a:cs typeface="AdobeClean-Light"/>
+            </a:endParaRPr>
           </a:p>
         </p:txBody>
       </p:sp>
@@ -9407,14 +10604,14 @@
         <p:spPr>
           <a:xfrm>
             <a:off x="324341" y="2842848"/>
-            <a:ext cx="2374092" cy="769441"/>
+            <a:ext cx="2194560" cy="615553"/>
           </a:xfrm>
           <a:prstGeom prst="rect">
             <a:avLst/>
           </a:prstGeom>
         </p:spPr>
         <p:txBody>
-          <a:bodyPr wrap="square" lIns="0" tIns="0" rIns="0" bIns="0">
+          <a:bodyPr lIns="0" tIns="0" rIns="0" bIns="0">
             <a:spAutoFit/>
           </a:bodyPr>
           <a:lstStyle/>
@@ -9425,15 +10622,16 @@
               </a:spcBef>
             </a:pPr>
             <a:r>
-              <a:rPr lang="pt-BR" sz="1000" dirty="0">
+              <a:rPr lang="en-US" sz="1000">
                 <a:solidFill>
                   <a:srgbClr val="4B4B4B"/>
                 </a:solidFill>
                 <a:latin typeface="AdobeClean-Light"/>
                 <a:cs typeface="AdobeClean-Light"/>
               </a:rPr>
-              <a:t>Um ponto de contato designado na Adobe que pode fornecer assistência de encaminhamento, atualizações regulares e garantir que seja dada prioridade àquelas solicitações de suporte abertas que forem mais críticas.</a:t>
-            </a:r>
+              <a:t>A designated point of contact within Adobe  who can provide escalation assistance,  regular updates and ensure priority is given  to your most critical open support requests.</a:t>
+            </a:r>
+            <a:endParaRPr lang="en-US"/>
           </a:p>
         </p:txBody>
       </p:sp>
@@ -9470,15 +10668,22 @@
               </a:spcBef>
             </a:pPr>
             <a:r>
-              <a:rPr lang="pt-BR" sz="1100" b="1">
+              <a:rPr lang="en-US" sz="1100" b="1">
                 <a:solidFill>
                   <a:srgbClr val="020302"/>
                 </a:solidFill>
                 <a:latin typeface="Adobe Clean" panose="020B0503020404020204" pitchFamily="34" charset="0"/>
                 <a:cs typeface="Arial"/>
               </a:rPr>
-              <a:t>Engenheiro de suporte nomeado</a:t>
-            </a:r>
+              <a:t>Named Support Engineer</a:t>
+            </a:r>
+            <a:endParaRPr lang="en-US" sz="1100">
+              <a:solidFill>
+                <a:prstClr val="black"/>
+              </a:solidFill>
+              <a:latin typeface="Adobe Clean" panose="020B0503020404020204" pitchFamily="34" charset="0"/>
+              <a:cs typeface="Arial"/>
+            </a:endParaRPr>
           </a:p>
         </p:txBody>
       </p:sp>
@@ -9515,15 +10720,22 @@
               </a:spcBef>
             </a:pPr>
             <a:r>
-              <a:rPr lang="pt-BR" sz="1100" b="1">
+              <a:rPr lang="en-US" sz="1100" b="1">
                 <a:solidFill>
                   <a:srgbClr val="020302"/>
                 </a:solidFill>
                 <a:latin typeface="Adobe Clean" panose="020B0503020404020204" pitchFamily="34" charset="0"/>
                 <a:cs typeface="Arial"/>
               </a:rPr>
-              <a:t>Revisões de caso</a:t>
-            </a:r>
+              <a:t>Case Reviews</a:t>
+            </a:r>
+            <a:endParaRPr lang="en-US" sz="1100">
+              <a:solidFill>
+                <a:prstClr val="black"/>
+              </a:solidFill>
+              <a:latin typeface="Adobe Clean" panose="020B0503020404020204" pitchFamily="34" charset="0"/>
+              <a:cs typeface="Arial"/>
+            </a:endParaRPr>
           </a:p>
         </p:txBody>
       </p:sp>
@@ -9560,15 +10772,22 @@
               </a:spcBef>
             </a:pPr>
             <a:r>
-              <a:rPr lang="pt-BR" sz="1100" b="1">
+              <a:rPr lang="en-US" sz="1100" b="1">
                 <a:solidFill>
                   <a:srgbClr val="020302"/>
                 </a:solidFill>
                 <a:latin typeface="Adobe Clean" panose="020B0503020404020204" pitchFamily="34" charset="0"/>
                 <a:cs typeface="Adobe Clean"/>
               </a:rPr>
-              <a:t>Manutenção e monitoramento</a:t>
-            </a:r>
+              <a:t>Maintenance &amp; Monitoring</a:t>
+            </a:r>
+            <a:endParaRPr lang="en-US" sz="1100">
+              <a:solidFill>
+                <a:prstClr val="black"/>
+              </a:solidFill>
+              <a:latin typeface="Adobe Clean" panose="020B0503020404020204" pitchFamily="34" charset="0"/>
+              <a:cs typeface="Adobe Clean"/>
+            </a:endParaRPr>
           </a:p>
         </p:txBody>
       </p:sp>
@@ -9605,15 +10824,22 @@
               </a:spcBef>
             </a:pPr>
             <a:r>
-              <a:rPr lang="pt-BR" sz="1100" b="1">
+              <a:rPr lang="en-US" sz="1100" b="1">
                 <a:solidFill>
                   <a:srgbClr val="020302"/>
                 </a:solidFill>
                 <a:latin typeface="Adobe Clean" panose="020B0503020404020204" pitchFamily="34" charset="0"/>
                 <a:cs typeface="Adobe Clean"/>
               </a:rPr>
-              <a:t>Revisão do roteiro da solução</a:t>
-            </a:r>
+              <a:t>Solution Roadmap Review</a:t>
+            </a:r>
+            <a:endParaRPr lang="en-US" sz="1100">
+              <a:solidFill>
+                <a:prstClr val="black"/>
+              </a:solidFill>
+              <a:latin typeface="Adobe Clean" panose="020B0503020404020204" pitchFamily="34" charset="0"/>
+              <a:cs typeface="Adobe Clean"/>
+            </a:endParaRPr>
           </a:p>
         </p:txBody>
       </p:sp>
@@ -9650,15 +10876,22 @@
               </a:spcBef>
             </a:pPr>
             <a:r>
-              <a:rPr lang="pt-BR" sz="1100" b="1">
+              <a:rPr lang="en-US" sz="1100" b="1">
                 <a:solidFill>
                   <a:srgbClr val="020302"/>
                 </a:solidFill>
                 <a:latin typeface="Adobe Clean" panose="020B0503020404020204" pitchFamily="34" charset="0"/>
                 <a:cs typeface="Adobe Clean"/>
               </a:rPr>
-              <a:t>Revisão do ambiente</a:t>
-            </a:r>
+              <a:t>Environment Review</a:t>
+            </a:r>
+            <a:endParaRPr lang="en-US" sz="1100">
+              <a:solidFill>
+                <a:prstClr val="black"/>
+              </a:solidFill>
+              <a:latin typeface="Adobe Clean" panose="020B0503020404020204" pitchFamily="34" charset="0"/>
+              <a:cs typeface="Adobe Clean"/>
+            </a:endParaRPr>
           </a:p>
         </p:txBody>
       </p:sp>
@@ -9695,15 +10928,22 @@
               </a:spcBef>
             </a:pPr>
             <a:r>
-              <a:rPr lang="pt-BR" sz="1100" b="1">
+              <a:rPr lang="en-US" sz="1100" b="1">
                 <a:solidFill>
                   <a:srgbClr val="020302"/>
                 </a:solidFill>
                 <a:latin typeface="Adobe Clean" panose="020B0503020404020204" pitchFamily="34" charset="0"/>
                 <a:cs typeface="Adobe Clean"/>
               </a:rPr>
-              <a:t>Gestão de encaminhamento</a:t>
-            </a:r>
+              <a:t>Escalation Management</a:t>
+            </a:r>
+            <a:endParaRPr lang="en-US" sz="1100">
+              <a:solidFill>
+                <a:prstClr val="black"/>
+              </a:solidFill>
+              <a:latin typeface="Adobe Clean" panose="020B0503020404020204" pitchFamily="34" charset="0"/>
+              <a:cs typeface="Adobe Clean"/>
+            </a:endParaRPr>
           </a:p>
         </p:txBody>
       </p:sp>
@@ -9740,15 +10980,22 @@
               </a:spcBef>
             </a:pPr>
             <a:r>
-              <a:rPr lang="pt-BR" sz="1100" b="1">
+              <a:rPr lang="en-US" sz="1100" b="1">
                 <a:solidFill>
                   <a:srgbClr val="020302"/>
                 </a:solidFill>
                 <a:latin typeface="Adobe Clean" panose="020B0503020404020204" pitchFamily="34" charset="0"/>
                 <a:cs typeface="Adobe Clean"/>
               </a:rPr>
-              <a:t>Revisões de serviço</a:t>
-            </a:r>
+              <a:t>Service Reviews</a:t>
+            </a:r>
+            <a:endParaRPr lang="en-US" sz="1100">
+              <a:solidFill>
+                <a:prstClr val="black"/>
+              </a:solidFill>
+              <a:latin typeface="Adobe Clean" panose="020B0503020404020204" pitchFamily="34" charset="0"/>
+              <a:cs typeface="Adobe Clean"/>
+            </a:endParaRPr>
           </a:p>
         </p:txBody>
       </p:sp>
@@ -9785,15 +11032,22 @@
               </a:spcBef>
             </a:pPr>
             <a:r>
-              <a:rPr lang="pt-BR" sz="1100" b="1">
+              <a:rPr lang="en-US" sz="1100" b="1">
                 <a:solidFill>
                   <a:srgbClr val="020302"/>
                 </a:solidFill>
                 <a:latin typeface="Adobe Clean" panose="020B0503020404020204" pitchFamily="34" charset="0"/>
                 <a:cs typeface="Adobe Clean"/>
               </a:rPr>
-              <a:t>Sessões com especialistas</a:t>
-            </a:r>
+              <a:t>Expert Sessions</a:t>
+            </a:r>
+            <a:endParaRPr lang="en-US" sz="1100">
+              <a:solidFill>
+                <a:prstClr val="black"/>
+              </a:solidFill>
+              <a:latin typeface="Adobe Clean" panose="020B0503020404020204" pitchFamily="34" charset="0"/>
+              <a:cs typeface="Adobe Clean"/>
+            </a:endParaRPr>
           </a:p>
         </p:txBody>
       </p:sp>
@@ -9811,7 +11065,7 @@
         </p:nvSpPr>
         <p:spPr>
           <a:xfrm>
-            <a:off x="689237" y="4901022"/>
+            <a:off x="689237" y="4935181"/>
             <a:ext cx="2194560" cy="169277"/>
           </a:xfrm>
           <a:prstGeom prst="rect">
@@ -9830,15 +11084,22 @@
               </a:spcBef>
             </a:pPr>
             <a:r>
-              <a:rPr lang="pt-BR" sz="1100" b="1">
+              <a:rPr lang="en-US" sz="1100" b="1">
                 <a:solidFill>
                   <a:srgbClr val="020302"/>
                 </a:solidFill>
                 <a:latin typeface="Adobe Clean" panose="020B0503020404020204" pitchFamily="34" charset="0"/>
                 <a:cs typeface="Adobe Clean"/>
               </a:rPr>
-              <a:t>Preparação e revisão da versão</a:t>
-            </a:r>
+              <a:t>Release Preparation &amp; Review</a:t>
+            </a:r>
+            <a:endParaRPr lang="en-US" sz="1100">
+              <a:solidFill>
+                <a:prstClr val="black"/>
+              </a:solidFill>
+              <a:latin typeface="Adobe Clean" panose="020B0503020404020204" pitchFamily="34" charset="0"/>
+              <a:cs typeface="Adobe Clean"/>
+            </a:endParaRPr>
           </a:p>
         </p:txBody>
       </p:sp>
@@ -9856,7 +11117,7 @@
         </p:nvSpPr>
         <p:spPr>
           <a:xfrm>
-            <a:off x="3114255" y="4914694"/>
+            <a:off x="3113405" y="4935181"/>
             <a:ext cx="2194560" cy="169277"/>
           </a:xfrm>
           <a:prstGeom prst="rect">
@@ -9878,15 +11139,19 @@
               </a:spcBef>
             </a:pPr>
             <a:r>
-              <a:rPr lang="pt-BR" sz="1100" b="1" dirty="0">
+              <a:rPr lang="en-US" sz="1100" b="1">
                 <a:solidFill>
                   <a:srgbClr val="020302"/>
                 </a:solidFill>
                 <a:latin typeface="Adobe Clean" panose="020B0503020404020204" pitchFamily="34" charset="0"/>
                 <a:cs typeface="Adobe Clean"/>
               </a:rPr>
-              <a:t>Transferência de conhecimento</a:t>
-            </a:r>
+              <a:t>Knowledge Transfer</a:t>
+            </a:r>
+            <a:endParaRPr lang="en-US" sz="1100">
+              <a:latin typeface="Adobe Clean" panose="020B0503020404020204" pitchFamily="34" charset="0"/>
+              <a:cs typeface="Adobe Clean"/>
+            </a:endParaRPr>
           </a:p>
         </p:txBody>
       </p:sp>
@@ -9904,7 +11169,7 @@
         </p:nvSpPr>
         <p:spPr>
           <a:xfrm>
-            <a:off x="5721544" y="4914900"/>
+            <a:off x="5723508" y="4935181"/>
             <a:ext cx="2194560" cy="169277"/>
           </a:xfrm>
           <a:prstGeom prst="rect">
@@ -9926,15 +11191,19 @@
               </a:spcBef>
             </a:pPr>
             <a:r>
-              <a:rPr lang="pt-BR" sz="1100" b="1" dirty="0">
+              <a:rPr lang="en-US" sz="1100" b="1">
                 <a:solidFill>
                   <a:srgbClr val="020302"/>
                 </a:solidFill>
                 <a:latin typeface="Adobe Clean" panose="020B0503020404020204" pitchFamily="34" charset="0"/>
                 <a:cs typeface="Adobe Clean"/>
               </a:rPr>
-              <a:t>Gerenciamento de eventos</a:t>
-            </a:r>
+              <a:t>Event Management</a:t>
+            </a:r>
+            <a:endParaRPr lang="en-US" sz="1100">
+              <a:latin typeface="Adobe Clean" panose="020B0503020404020204" pitchFamily="34" charset="0"/>
+              <a:cs typeface="Adobe Clean"/>
+            </a:endParaRPr>
           </a:p>
         </p:txBody>
       </p:sp>
@@ -9952,7 +11221,7 @@
         </p:nvSpPr>
         <p:spPr>
           <a:xfrm rot="5400000" flipH="1">
-            <a:off x="3863341" y="891540"/>
+            <a:off x="3863341" y="756920"/>
             <a:ext cx="45719" cy="5577840"/>
           </a:xfrm>
           <a:custGeom>
@@ -10139,7 +11408,7 @@
         </p:blipFill>
         <p:spPr>
           <a:xfrm>
-            <a:off x="355868" y="4844234"/>
+            <a:off x="355868" y="4878393"/>
             <a:ext cx="240657" cy="300821"/>
           </a:xfrm>
           <a:prstGeom prst="rect">
@@ -10199,7 +11468,7 @@
         </p:blipFill>
         <p:spPr>
           <a:xfrm>
-            <a:off x="5276601" y="4876800"/>
+            <a:off x="5276601" y="4928329"/>
             <a:ext cx="347646" cy="264530"/>
           </a:xfrm>
           <a:prstGeom prst="rect">
@@ -10238,7 +11507,7 @@
         </p:blipFill>
         <p:spPr>
           <a:xfrm>
-            <a:off x="2768925" y="4800600"/>
+            <a:off x="2768925" y="4836780"/>
             <a:ext cx="365760" cy="365760"/>
           </a:xfrm>
           <a:prstGeom prst="rect">
@@ -10261,7 +11530,7 @@
         <p:spPr>
           <a:xfrm>
             <a:off x="2764975" y="4039530"/>
-            <a:ext cx="2297752" cy="708399"/>
+            <a:ext cx="2282011" cy="708399"/>
           </a:xfrm>
           <a:prstGeom prst="rect">
             <a:avLst/>
@@ -10282,15 +11551,19 @@
               </a:spcBef>
             </a:pPr>
             <a:r>
-              <a:rPr lang="pt-BR" sz="1000" dirty="0">
+              <a:rPr lang="en-US" sz="1000">
                 <a:solidFill>
                   <a:srgbClr val="020302"/>
                 </a:solidFill>
                 <a:latin typeface="AdobeClean-Light"/>
                 <a:cs typeface="AdobeClean-Light"/>
               </a:rPr>
-              <a:t>Compare e alinhe o roteiro da solução Adobe com o roteiro do seu projeto para reduzir riscos e se preparar para o futuro.</a:t>
-            </a:r>
+              <a:t>Compare and align Adobe solution  roadmap with your project roadmap to  mitigate risk and prepare for the future.</a:t>
+            </a:r>
+            <a:endParaRPr lang="en-US" sz="1000">
+              <a:latin typeface="AdobeClean-Light"/>
+              <a:cs typeface="AdobeClean-Light"/>
+            </a:endParaRPr>
           </a:p>
           <a:p>
             <a:pPr marL="18415" marR="262255" lvl="0">
@@ -10302,7 +11575,7 @@
               </a:spcBef>
             </a:pPr>
             <a:r>
-              <a:rPr lang="pt-BR" sz="1000" dirty="0">
+              <a:rPr lang="en-US" sz="1000">
                 <a:solidFill>
                   <a:srgbClr val="020302"/>
                 </a:solidFill>
@@ -10311,6 +11584,13 @@
               </a:rPr>
               <a:t>.</a:t>
             </a:r>
+            <a:endParaRPr lang="en-US" sz="1000">
+              <a:solidFill>
+                <a:prstClr val="black"/>
+              </a:solidFill>
+              <a:latin typeface="AdobeClean-Light"/>
+              <a:cs typeface="AdobeClean-Light"/>
+            </a:endParaRPr>
           </a:p>
         </p:txBody>
       </p:sp>
@@ -10596,9 +11876,9 @@
           <p:nvPr/>
         </p:nvSpPr>
         <p:spPr>
-          <a:xfrm flipV="1">
-            <a:off x="4419600" y="2654676"/>
-            <a:ext cx="2362191" cy="54282"/>
+          <a:xfrm>
+            <a:off x="4724779" y="2654678"/>
+            <a:ext cx="1894205" cy="0"/>
           </a:xfrm>
           <a:custGeom>
             <a:avLst/>
@@ -10639,8 +11919,8 @@
         </p:nvSpPr>
         <p:spPr>
           <a:xfrm>
-            <a:off x="4419600" y="2329688"/>
-            <a:ext cx="2533596" cy="228268"/>
+            <a:off x="4843269" y="2329688"/>
+            <a:ext cx="1656080" cy="238760"/>
           </a:xfrm>
           <a:prstGeom prst="rect">
             <a:avLst/>
@@ -10661,15 +11941,179 @@
               </a:spcBef>
             </a:pPr>
             <a:r>
-              <a:rPr lang="pt-BR" sz="1400" b="1" dirty="0">
+              <a:rPr sz="1400" b="1" spc="-25">
                 <a:solidFill>
                   <a:srgbClr val="020302"/>
                 </a:solidFill>
                 <a:latin typeface="Adobe Clean"/>
                 <a:cs typeface="Adobe Clean"/>
               </a:rPr>
-              <a:t>Atividades de serviço de campo</a:t>
-            </a:r>
+              <a:t>Fi</a:t>
+            </a:r>
+            <a:r>
+              <a:rPr sz="1400" b="1" spc="-35">
+                <a:solidFill>
+                  <a:srgbClr val="020302"/>
+                </a:solidFill>
+                <a:latin typeface="Adobe Clean"/>
+                <a:cs typeface="Adobe Clean"/>
+              </a:rPr>
+              <a:t>e</a:t>
+            </a:r>
+            <a:r>
+              <a:rPr sz="1400" b="1" spc="-25">
+                <a:solidFill>
+                  <a:srgbClr val="020302"/>
+                </a:solidFill>
+                <a:latin typeface="Adobe Clean"/>
+                <a:cs typeface="Adobe Clean"/>
+              </a:rPr>
+              <a:t>l</a:t>
+            </a:r>
+            <a:r>
+              <a:rPr sz="1400" b="1">
+                <a:solidFill>
+                  <a:srgbClr val="020302"/>
+                </a:solidFill>
+                <a:latin typeface="Adobe Clean"/>
+                <a:cs typeface="Adobe Clean"/>
+              </a:rPr>
+              <a:t>d</a:t>
+            </a:r>
+            <a:r>
+              <a:rPr sz="1400" b="1" spc="-40">
+                <a:solidFill>
+                  <a:srgbClr val="020302"/>
+                </a:solidFill>
+                <a:latin typeface="Adobe Clean"/>
+                <a:cs typeface="Adobe Clean"/>
+              </a:rPr>
+              <a:t> </a:t>
+            </a:r>
+            <a:r>
+              <a:rPr sz="1400" b="1" spc="25">
+                <a:solidFill>
+                  <a:srgbClr val="020302"/>
+                </a:solidFill>
+                <a:latin typeface="Adobe Clean"/>
+                <a:cs typeface="Adobe Clean"/>
+              </a:rPr>
+              <a:t>S</a:t>
+            </a:r>
+            <a:r>
+              <a:rPr sz="1400" b="1" spc="5">
+                <a:solidFill>
+                  <a:srgbClr val="020302"/>
+                </a:solidFill>
+                <a:latin typeface="Adobe Clean"/>
+                <a:cs typeface="Adobe Clean"/>
+              </a:rPr>
+              <a:t>e</a:t>
+            </a:r>
+            <a:r>
+              <a:rPr sz="1400" b="1" spc="15">
+                <a:solidFill>
+                  <a:srgbClr val="020302"/>
+                </a:solidFill>
+                <a:latin typeface="Adobe Clean"/>
+                <a:cs typeface="Adobe Clean"/>
+              </a:rPr>
+              <a:t>rvi</a:t>
+            </a:r>
+            <a:r>
+              <a:rPr sz="1400" b="1" spc="5">
+                <a:solidFill>
+                  <a:srgbClr val="020302"/>
+                </a:solidFill>
+                <a:latin typeface="Adobe Clean"/>
+                <a:cs typeface="Adobe Clean"/>
+              </a:rPr>
+              <a:t>c</a:t>
+            </a:r>
+            <a:r>
+              <a:rPr sz="1400" b="1">
+                <a:solidFill>
+                  <a:srgbClr val="020302"/>
+                </a:solidFill>
+                <a:latin typeface="Adobe Clean"/>
+                <a:cs typeface="Adobe Clean"/>
+              </a:rPr>
+              <a:t>e</a:t>
+            </a:r>
+            <a:r>
+              <a:rPr sz="1400" b="1" spc="-190">
+                <a:solidFill>
+                  <a:srgbClr val="020302"/>
+                </a:solidFill>
+                <a:latin typeface="Adobe Clean"/>
+                <a:cs typeface="Adobe Clean"/>
+              </a:rPr>
+              <a:t> </a:t>
+            </a:r>
+            <a:r>
+              <a:rPr sz="1400" b="1" spc="5">
+                <a:solidFill>
+                  <a:srgbClr val="020302"/>
+                </a:solidFill>
+                <a:latin typeface="Adobe Clean"/>
+                <a:cs typeface="Adobe Clean"/>
+              </a:rPr>
+              <a:t>A</a:t>
+            </a:r>
+            <a:r>
+              <a:rPr sz="1400" b="1" spc="-5">
+                <a:solidFill>
+                  <a:srgbClr val="020302"/>
+                </a:solidFill>
+                <a:latin typeface="Adobe Clean"/>
+                <a:cs typeface="Adobe Clean"/>
+              </a:rPr>
+              <a:t>ct</a:t>
+            </a:r>
+            <a:r>
+              <a:rPr sz="1400" b="1" spc="5">
+                <a:solidFill>
+                  <a:srgbClr val="020302"/>
+                </a:solidFill>
+                <a:latin typeface="Adobe Clean"/>
+                <a:cs typeface="Adobe Clean"/>
+              </a:rPr>
+              <a:t>ivi</a:t>
+            </a:r>
+            <a:r>
+              <a:rPr sz="1400" b="1" spc="-5">
+                <a:solidFill>
+                  <a:srgbClr val="020302"/>
+                </a:solidFill>
+                <a:latin typeface="Adobe Clean"/>
+                <a:cs typeface="Adobe Clean"/>
+              </a:rPr>
+              <a:t>t</a:t>
+            </a:r>
+            <a:r>
+              <a:rPr sz="1400" b="1" spc="5">
+                <a:solidFill>
+                  <a:srgbClr val="020302"/>
+                </a:solidFill>
+                <a:latin typeface="Adobe Clean"/>
+                <a:cs typeface="Adobe Clean"/>
+              </a:rPr>
+              <a:t>i</a:t>
+            </a:r>
+            <a:r>
+              <a:rPr sz="1400" b="1" spc="-5">
+                <a:solidFill>
+                  <a:srgbClr val="020302"/>
+                </a:solidFill>
+                <a:latin typeface="Adobe Clean"/>
+                <a:cs typeface="Adobe Clean"/>
+              </a:rPr>
+              <a:t>es</a:t>
+            </a:r>
+            <a:endParaRPr sz="1400">
+              <a:latin typeface="Adobe Clean"/>
+              <a:cs typeface="Adobe Clean"/>
+            </a:endParaRPr>
           </a:p>
         </p:txBody>
       </p:sp>
@@ -10681,8 +12125,8 @@
         </p:nvSpPr>
         <p:spPr>
           <a:xfrm>
-            <a:off x="914421" y="2342312"/>
-            <a:ext cx="1407769" cy="228268"/>
+            <a:off x="914422" y="2342312"/>
+            <a:ext cx="1242060" cy="238760"/>
           </a:xfrm>
           <a:prstGeom prst="rect">
             <a:avLst/>
@@ -10703,15 +12147,99 @@
               </a:spcBef>
             </a:pPr>
             <a:r>
-              <a:rPr lang="pt-BR" sz="1400" b="1" dirty="0">
+              <a:rPr sz="1400" b="1" spc="-25">
                 <a:solidFill>
                   <a:srgbClr val="020302"/>
                 </a:solidFill>
                 <a:latin typeface="Adobe Clean"/>
                 <a:cs typeface="Adobe Clean"/>
               </a:rPr>
-              <a:t>Launch Advisory</a:t>
-            </a:r>
+              <a:t>L</a:t>
+            </a:r>
+            <a:r>
+              <a:rPr sz="1400" b="1" spc="-5">
+                <a:solidFill>
+                  <a:srgbClr val="020302"/>
+                </a:solidFill>
+                <a:latin typeface="Adobe Clean"/>
+                <a:cs typeface="Adobe Clean"/>
+              </a:rPr>
+              <a:t>a</a:t>
+            </a:r>
+            <a:r>
+              <a:rPr sz="1400" b="1" spc="-20">
+                <a:solidFill>
+                  <a:srgbClr val="020302"/>
+                </a:solidFill>
+                <a:latin typeface="Adobe Clean"/>
+                <a:cs typeface="Adobe Clean"/>
+              </a:rPr>
+              <a:t>u</a:t>
+            </a:r>
+            <a:r>
+              <a:rPr sz="1400" b="1" spc="-15">
+                <a:solidFill>
+                  <a:srgbClr val="020302"/>
+                </a:solidFill>
+                <a:latin typeface="Adobe Clean"/>
+                <a:cs typeface="Adobe Clean"/>
+              </a:rPr>
+              <a:t>n</a:t>
+            </a:r>
+            <a:r>
+              <a:rPr sz="1400" b="1" spc="-25">
+                <a:solidFill>
+                  <a:srgbClr val="020302"/>
+                </a:solidFill>
+                <a:latin typeface="Adobe Clean"/>
+                <a:cs typeface="Adobe Clean"/>
+              </a:rPr>
+              <a:t>c</a:t>
+            </a:r>
+            <a:r>
+              <a:rPr sz="1400" b="1">
+                <a:solidFill>
+                  <a:srgbClr val="020302"/>
+                </a:solidFill>
+                <a:latin typeface="Adobe Clean"/>
+                <a:cs typeface="Adobe Clean"/>
+              </a:rPr>
+              <a:t>h</a:t>
+            </a:r>
+            <a:r>
+              <a:rPr sz="1400" b="1" spc="-25">
+                <a:solidFill>
+                  <a:srgbClr val="020302"/>
+                </a:solidFill>
+                <a:latin typeface="Adobe Clean"/>
+                <a:cs typeface="Adobe Clean"/>
+              </a:rPr>
+              <a:t> </a:t>
+            </a:r>
+            <a:r>
+              <a:rPr sz="1400" b="1" spc="-10">
+                <a:solidFill>
+                  <a:srgbClr val="020302"/>
+                </a:solidFill>
+                <a:latin typeface="Adobe Clean"/>
+                <a:cs typeface="Adobe Clean"/>
+              </a:rPr>
+              <a:t>Advisor</a:t>
+            </a:r>
+            <a:r>
+              <a:rPr sz="1400" b="1">
+                <a:solidFill>
+                  <a:srgbClr val="020302"/>
+                </a:solidFill>
+                <a:latin typeface="Adobe Clean"/>
+                <a:cs typeface="Adobe Clean"/>
+              </a:rPr>
+              <a:t>y</a:t>
+            </a:r>
+            <a:endParaRPr sz="1400">
+              <a:latin typeface="Adobe Clean"/>
+              <a:cs typeface="Adobe Clean"/>
+            </a:endParaRPr>
           </a:p>
         </p:txBody>
       </p:sp>
@@ -10724,7 +12252,7 @@
         <p:spPr>
           <a:xfrm>
             <a:off x="242187" y="2787904"/>
-            <a:ext cx="3004185" cy="782265"/>
+            <a:ext cx="3004185" cy="635000"/>
           </a:xfrm>
           <a:prstGeom prst="rect">
             <a:avLst/>
@@ -10745,135 +12273,90 @@
               </a:spcBef>
             </a:pPr>
             <a:r>
-              <a:rPr lang="pt-BR" sz="1000" dirty="0">
+              <a:rPr sz="1000">
                 <a:solidFill>
                   <a:srgbClr val="1F1F1F"/>
                 </a:solidFill>
                 <a:latin typeface="AdobeClean-Light"/>
                 <a:cs typeface="AdobeClean-Light"/>
               </a:rPr>
-              <a:t>Para clientes que implementam uma </a:t>
-            </a:r>
-            <a:r>
-              <a:rPr lang="pt-BR" sz="1000" b="1" dirty="0">
+              <a:t>For customers implementing a </a:t>
+            </a:r>
+            <a:r>
+              <a:rPr sz="1000" b="1">
                 <a:solidFill>
                   <a:srgbClr val="1F1F1F"/>
                 </a:solidFill>
                 <a:latin typeface="Adobe Clean"/>
                 <a:cs typeface="Adobe Clean"/>
               </a:rPr>
-              <a:t>nova solução </a:t>
-            </a:r>
-            <a:br>
-              <a:rPr lang="sk-SK" sz="1000" b="1" dirty="0">
-                <a:solidFill>
-                  <a:srgbClr val="1F1F1F"/>
-                </a:solidFill>
-                <a:latin typeface="Adobe Clean"/>
-                <a:cs typeface="Adobe Clean"/>
-              </a:rPr>
-            </a:br>
-            <a:r>
-              <a:rPr lang="pt-BR" sz="1000" b="1" dirty="0">
-                <a:solidFill>
-                  <a:srgbClr val="1F1F1F"/>
-                </a:solidFill>
-                <a:latin typeface="Adobe Clean"/>
-                <a:cs typeface="Adobe Clean"/>
-              </a:rPr>
-              <a:t>Adobe Experience Cloud, </a:t>
-            </a:r>
-            <a:r>
-              <a:rPr lang="pt-BR" sz="1000" dirty="0">
+              <a:t>new Adobe Experience Cloud  solution, </a:t>
+            </a:r>
+            <a:r>
+              <a:rPr sz="1000">
                 <a:latin typeface="AdobeClean-Light"/>
                 <a:cs typeface="AdobeClean-Light"/>
               </a:rPr>
-              <a:t>o Launch Advisory </a:t>
-            </a:r>
-            <a:br>
-              <a:rPr lang="sk-SK" sz="1000" dirty="0">
+              <a:t>Launch Advisory </a:t>
+            </a:r>
+            <a:r>
+              <a:rPr sz="1000">
+                <a:latin typeface="AdobeClean-SemiLight"/>
+                <a:cs typeface="AdobeClean-SemiLight"/>
+              </a:rPr>
+              <a:t>is a </a:t>
+            </a:r>
+            <a:r>
+              <a:rPr sz="950">
+                <a:latin typeface="AdobeClean-SemiLight"/>
+                <a:cs typeface="AdobeClean-SemiLight"/>
+              </a:rPr>
+              <a:t>core set of advisory</a:t>
+            </a:r>
+          </a:p>
+          <a:p>
+            <a:pPr marL="12700" marR="86995" indent="-635">
+              <a:lnSpc>
+                <a:spcPct val="100000"/>
+              </a:lnSpc>
+            </a:pPr>
+            <a:r>
+              <a:rPr sz="950">
+                <a:latin typeface="AdobeClean-SemiLight"/>
+                <a:cs typeface="AdobeClean-SemiLight"/>
+              </a:rPr>
+              <a:t>services </a:t>
+            </a:r>
+            <a:r>
+              <a:rPr sz="1000">
                 <a:latin typeface="AdobeClean-Light"/>
                 <a:cs typeface="AdobeClean-Light"/>
               </a:rPr>
-            </a:br>
-            <a:r>
-              <a:rPr lang="pt-BR" sz="1000" dirty="0">
+              <a:t>and recommendations that are proven to </a:t>
+            </a:r>
+            <a:r>
+              <a:rPr sz="950">
                 <a:latin typeface="AdobeClean-Light"/>
                 <a:cs typeface="AdobeClean-Light"/>
               </a:rPr>
-              <a:t>é um </a:t>
-            </a:r>
-            <a:r>
-              <a:rPr lang="pt-BR" sz="1000" dirty="0"/>
-              <a:t>conjunto essencial de</a:t>
-            </a:r>
-            <a:r>
-              <a:rPr lang="sk-SK" sz="1000" dirty="0"/>
-              <a:t> </a:t>
-            </a:r>
-            <a:r>
-              <a:rPr lang="pt-BR" sz="950" dirty="0">
-                <a:latin typeface="AdobeClean-SemiLight"/>
-                <a:cs typeface="AdobeClean-SemiLight"/>
-              </a:rPr>
-              <a:t>serviços</a:t>
-            </a:r>
-            <a:r>
-              <a:rPr lang="pt-BR" sz="1000" dirty="0">
+              <a:t>support  successful deployments </a:t>
+            </a:r>
+            <a:r>
+              <a:rPr sz="1000">
                 <a:latin typeface="AdobeClean-Light"/>
                 <a:cs typeface="AdobeClean-Light"/>
               </a:rPr>
-              <a:t> de consultoria </a:t>
-            </a:r>
-            <a:br>
-              <a:rPr lang="sk-SK" sz="1000" dirty="0">
+              <a:t>and </a:t>
+            </a:r>
+            <a:r>
+              <a:rPr sz="950">
                 <a:latin typeface="AdobeClean-Light"/>
                 <a:cs typeface="AdobeClean-Light"/>
               </a:rPr>
-            </a:br>
-            <a:r>
-              <a:rPr lang="pt-BR" sz="1000" dirty="0">
-                <a:latin typeface="AdobeClean-Light"/>
-                <a:cs typeface="AdobeClean-Light"/>
-              </a:rPr>
-              <a:t>e recomendações de eficácia </a:t>
-            </a:r>
-            <a:r>
-              <a:rPr lang="pt-BR" sz="950" dirty="0">
-                <a:latin typeface="AdobeClean-Light"/>
-                <a:cs typeface="AdobeClean-Light"/>
-              </a:rPr>
-              <a:t>comprovada que aceleram</a:t>
-            </a:r>
-            <a:r>
-              <a:rPr lang="pt-BR" sz="1000" dirty="0">
-                <a:latin typeface="AdobeClean-Light"/>
-                <a:cs typeface="AdobeClean-Light"/>
-              </a:rPr>
-              <a:t> </a:t>
-            </a:r>
-            <a:br>
-              <a:rPr lang="sk-SK" sz="1000" dirty="0">
-                <a:latin typeface="AdobeClean-Light"/>
-                <a:cs typeface="AdobeClean-Light"/>
-              </a:rPr>
-            </a:br>
-            <a:r>
-              <a:rPr lang="pt-BR" sz="1000" dirty="0">
-                <a:latin typeface="AdobeClean-Light"/>
-                <a:cs typeface="AdobeClean-Light"/>
-              </a:rPr>
-              <a:t>o </a:t>
-            </a:r>
-            <a:r>
-              <a:rPr lang="pt-BR" sz="950" dirty="0">
-                <a:latin typeface="AdobeClean-Light"/>
-                <a:cs typeface="AdobeClean-Light"/>
-              </a:rPr>
-              <a:t>tempo de implantação</a:t>
-            </a:r>
-            <a:r>
-              <a:rPr lang="pt-BR" sz="1000" dirty="0">
+              <a:t>accelerate time-to-value</a:t>
+            </a:r>
+            <a:r>
+              <a:rPr sz="1000">
                 <a:latin typeface="AdobeClean-Light"/>
                 <a:cs typeface="AdobeClean-Light"/>
               </a:rPr>
@@ -10991,75 +12474,79 @@
               </a:spcBef>
             </a:pPr>
             <a:r>
-              <a:rPr lang="pt-BR" sz="1000">
+              <a:rPr sz="1000">
                 <a:solidFill>
                   <a:srgbClr val="4B4B4B"/>
                 </a:solidFill>
                 <a:latin typeface="AdobeClean-Light"/>
                 <a:cs typeface="AdobeClean-Light"/>
               </a:rPr>
-              <a:t>Os serviços de campo são usados para </a:t>
-            </a:r>
-            <a:r>
-              <a:rPr lang="pt-BR" sz="1000" b="1">
+              <a:t>Field Services are used for </a:t>
+            </a:r>
+            <a:r>
+              <a:rPr sz="1000" b="1">
                 <a:solidFill>
                   <a:srgbClr val="4B4B4B"/>
                 </a:solidFill>
                 <a:latin typeface="Adobe Clean"/>
                 <a:cs typeface="Adobe Clean"/>
               </a:rPr>
-              <a:t>resolução rápida</a:t>
-            </a:r>
-            <a:r>
-              <a:rPr lang="pt-BR" sz="1000">
+              <a:t>quick resolution</a:t>
+            </a:r>
+            <a:r>
+              <a:rPr sz="1000">
                 <a:solidFill>
                   <a:srgbClr val="4B4B4B"/>
                 </a:solidFill>
                 <a:latin typeface="AdobeClean-Light"/>
                 <a:cs typeface="AdobeClean-Light"/>
               </a:rPr>
-              <a:t>, sucesso focado do cliente e </a:t>
-            </a:r>
-            <a:r>
-              <a:rPr lang="pt-BR" sz="1000" b="1">
+              <a:t>, focused customer success  and accelerated </a:t>
+            </a:r>
+            <a:r>
+              <a:rPr sz="1000" b="1">
                 <a:solidFill>
                   <a:srgbClr val="4B4B4B"/>
                 </a:solidFill>
                 <a:latin typeface="Adobe Clean"/>
                 <a:cs typeface="Adobe Clean"/>
               </a:rPr>
-              <a:t>tempo de implantação</a:t>
-            </a:r>
-            <a:r>
-              <a:rPr lang="pt-BR" sz="1000">
+              <a:t>time-to-value</a:t>
+            </a:r>
+            <a:r>
+              <a:rPr sz="1000">
                 <a:solidFill>
                   <a:srgbClr val="4B4B4B"/>
                 </a:solidFill>
                 <a:latin typeface="AdobeClean-Light"/>
                 <a:cs typeface="AdobeClean-Light"/>
               </a:rPr>
-              <a:t> acelerado. Se o Launch Advisory estiver ativo, </a:t>
-            </a:r>
-            <a:r>
-              <a:rPr lang="pt-BR" sz="1000" b="1">
+              <a:t>. If Launch advisory is active there will be  </a:t>
+            </a:r>
+            <a:r>
+              <a:rPr sz="1000" b="1">
                 <a:solidFill>
                   <a:srgbClr val="4B4B4B"/>
                 </a:solidFill>
                 <a:latin typeface="Adobe Clean"/>
                 <a:cs typeface="Adobe Clean"/>
               </a:rPr>
-              <a:t>não haverá Serviços de campo no ano 1</a:t>
-            </a:r>
-            <a:r>
-              <a:rPr lang="pt-BR" sz="1000">
+              <a:t>no Field Services in year 1 </a:t>
+            </a:r>
+            <a:r>
+              <a:rPr sz="1000">
                 <a:solidFill>
                   <a:srgbClr val="4B4B4B"/>
                 </a:solidFill>
                 <a:latin typeface="AdobeClean-Light"/>
                 <a:cs typeface="AdobeClean-Light"/>
               </a:rPr>
-              <a:t> para nenhuma solução coberta por um contrato de suporte da Adobe.</a:t>
-            </a:r>
+              <a:t>for any solution product covered by a  Support contract.</a:t>
+            </a:r>
+            <a:endParaRPr sz="1000">
+              <a:latin typeface="AdobeClean-Light"/>
+              <a:cs typeface="AdobeClean-Light"/>
+            </a:endParaRPr>
           </a:p>
         </p:txBody>
       </p:sp>
@@ -11156,7 +12643,7 @@
         <p:spPr>
           <a:xfrm>
             <a:off x="263464" y="5348732"/>
-            <a:ext cx="3428816" cy="482600"/>
+            <a:ext cx="3114040" cy="482600"/>
           </a:xfrm>
           <a:prstGeom prst="rect">
             <a:avLst/>
@@ -11177,11 +12664,11 @@
               </a:spcBef>
             </a:pPr>
             <a:r>
-              <a:rPr lang="pt-BR" sz="1000" dirty="0">
+              <a:rPr sz="1000">
                 <a:latin typeface="AdobeClean-Light"/>
                 <a:cs typeface="AdobeClean-Light"/>
               </a:rPr>
-              <a:t>O Launch Advisory se alinhará com o agendamento do seu projeto por meio de marcos comuns (Início, Definição, Projeto, Lançamento e Pós-lançamento) para guiar, validar, avaliar e fazer recomendações.</a:t>
+              <a:t>Launch Advisory will align with your project schedule through  common milestones (Kickoff, Define, Design, Go-live and Post  Launch) to guide, validate, assess and make recommendations.</a:t>
             </a:r>
           </a:p>
         </p:txBody>
@@ -11194,8 +12681,8 @@
         </p:nvSpPr>
         <p:spPr>
           <a:xfrm>
-            <a:off x="263464" y="5982714"/>
-            <a:ext cx="1565336" cy="166712"/>
+            <a:off x="263464" y="5982715"/>
+            <a:ext cx="1247140" cy="166712"/>
           </a:xfrm>
           <a:prstGeom prst="rect">
             <a:avLst/>
@@ -11216,11 +12703,11 @@
               </a:spcBef>
             </a:pPr>
             <a:r>
-              <a:rPr lang="pt-BR" sz="1000" dirty="0">
+              <a:rPr sz="1000">
                 <a:latin typeface="AdobeClean-Light"/>
                 <a:cs typeface="AdobeClean-Light"/>
               </a:rPr>
-              <a:t>Os principais serviços incluem:</a:t>
+              <a:t>Key Deliverables include:</a:t>
             </a:r>
           </a:p>
         </p:txBody>
@@ -11234,7 +12721,7 @@
         <p:spPr>
           <a:xfrm>
             <a:off x="205422" y="6308299"/>
-            <a:ext cx="3619633" cy="592470"/>
+            <a:ext cx="2745105" cy="592470"/>
           </a:xfrm>
           <a:prstGeom prst="rect">
             <a:avLst/>
@@ -11254,12 +12741,12 @@
               <a:buChar char="•"/>
             </a:pPr>
             <a:r>
-              <a:rPr lang="pt-BR" sz="1000" dirty="0">
+              <a:rPr lang="en-US" sz="1000">
                 <a:solidFill>
                   <a:prstClr val="black"/>
                 </a:solidFill>
               </a:rPr>
-              <a:t>Plataforma de início (incluindo plano de colaboração do projeto)</a:t>
+              <a:t>Kickoff (including project collaboration plan) deck</a:t>
             </a:r>
           </a:p>
           <a:p>
@@ -11271,12 +12758,12 @@
               <a:buChar char="•"/>
             </a:pPr>
             <a:r>
-              <a:rPr lang="pt-BR" sz="1000" dirty="0">
+              <a:rPr lang="en-US" sz="1000">
                 <a:solidFill>
                   <a:prstClr val="black"/>
                 </a:solidFill>
               </a:rPr>
-              <a:t>Documentos de avaliação e recomendações</a:t>
+              <a:t>Assessment &amp; recommendations document(s)</a:t>
             </a:r>
           </a:p>
           <a:p>
@@ -11288,12 +12775,12 @@
               <a:buChar char="•"/>
             </a:pPr>
             <a:r>
-              <a:rPr lang="pt-BR" sz="1000" dirty="0">
+              <a:rPr lang="en-US" sz="1000">
                 <a:solidFill>
                   <a:prstClr val="black"/>
                 </a:solidFill>
               </a:rPr>
-              <a:t>Resumo de engajamento</a:t>
+              <a:t>Engagement summary</a:t>
             </a:r>
           </a:p>
         </p:txBody>
@@ -11306,8 +12793,8 @@
         </p:nvSpPr>
         <p:spPr>
           <a:xfrm>
-            <a:off x="263463" y="4126991"/>
-            <a:ext cx="3428817" cy="1070610"/>
+            <a:off x="263464" y="4126991"/>
+            <a:ext cx="3141980" cy="1070610"/>
           </a:xfrm>
           <a:prstGeom prst="rect">
             <a:avLst/>
@@ -11328,15 +12815,19 @@
               </a:spcBef>
             </a:pPr>
             <a:r>
-              <a:rPr lang="pt-BR" sz="1600" dirty="0">
+              <a:rPr sz="1600">
                 <a:solidFill>
                   <a:srgbClr val="FFFFFF"/>
                 </a:solidFill>
                 <a:latin typeface="Arial"/>
                 <a:cs typeface="Arial"/>
               </a:rPr>
-              <a:t>Implementação</a:t>
-            </a:r>
+              <a:t>Implementation</a:t>
+            </a:r>
+            <a:endParaRPr sz="1600">
+              <a:latin typeface="Arial"/>
+              <a:cs typeface="Arial"/>
+            </a:endParaRPr>
           </a:p>
           <a:p>
             <a:pPr marL="12700" marR="5080">
@@ -11348,32 +12839,32 @@
               </a:spcBef>
             </a:pPr>
             <a:r>
-              <a:rPr lang="pt-BR" sz="1000" dirty="0">
+              <a:rPr sz="1000">
                 <a:latin typeface="AdobeClean-Light"/>
                 <a:cs typeface="AdobeClean-Light"/>
               </a:rPr>
-              <a:t>Os especialistas em soluções da Adobe ajudam a validar os requisitos, a arquitetura, o processo de desenvolvimento e iniciam revisões de prontidão </a:t>
-            </a:r>
-            <a:r>
-              <a:rPr lang="pt-BR" sz="1000" dirty="0">
+              <a:t>Adobe solution experts help validate requirements, architecture,  development process, and launch readiness reviews </a:t>
+            </a:r>
+            <a:r>
+              <a:rPr sz="1000">
                 <a:latin typeface="AdobeClean-SemiLight"/>
                 <a:cs typeface="AdobeClean-SemiLight"/>
               </a:rPr>
-              <a:t>com </a:t>
-            </a:r>
-            <a:r>
-              <a:rPr lang="pt-BR" sz="950" dirty="0">
+              <a:t>with </a:t>
+            </a:r>
+            <a:r>
+              <a:rPr sz="950">
                 <a:latin typeface="AdobeClean-SemiLight"/>
                 <a:cs typeface="AdobeClean-SemiLight"/>
               </a:rPr>
-              <a:t>orientação baseada em práticas recomendadas</a:t>
-            </a:r>
-            <a:r>
-              <a:rPr lang="pt-BR" sz="1000" dirty="0">
+              <a:t>best  practice-based guidance </a:t>
+            </a:r>
+            <a:r>
+              <a:rPr sz="1000">
                 <a:latin typeface="AdobeClean-SemiLight"/>
                 <a:cs typeface="AdobeClean-SemiLight"/>
               </a:rPr>
-              <a:t> para clientes e parceiros de implementação.</a:t>
+              <a:t>to customers and implementation  partners.</a:t>
             </a:r>
           </a:p>
         </p:txBody>
@@ -11385,20 +12876,15 @@
           <p:nvPr/>
         </p:nvPicPr>
         <p:blipFill>
-          <a:blip r:embed="rId3">
-            <a:extLst>
-              <a:ext uri="{28A0092B-C50C-407E-A947-70E740481C1C}">
-                <a14:useLocalDpi xmlns:a14="http://schemas.microsoft.com/office/drawing/2010/main" val="0"/>
-              </a:ext>
-            </a:extLst>
-          </a:blip>
-          <a:srcRect/>
-          <a:stretch/>
+          <a:blip r:embed="rId3" cstate="print"/>
+          <a:stretch>
+            <a:fillRect/>
+          </a:stretch>
         </p:blipFill>
         <p:spPr>
           <a:xfrm>
-            <a:off x="363328" y="6932449"/>
-            <a:ext cx="3053821" cy="2815984"/>
+            <a:off x="363328" y="6930985"/>
+            <a:ext cx="3053821" cy="2818913"/>
           </a:xfrm>
           <a:prstGeom prst="rect">
             <a:avLst/>
@@ -11414,7 +12900,7 @@
         <p:spPr>
           <a:xfrm>
             <a:off x="3947346" y="5363972"/>
-            <a:ext cx="3335020" cy="805029"/>
+            <a:ext cx="3335020" cy="659765"/>
           </a:xfrm>
           <a:prstGeom prst="rect">
             <a:avLst/>
@@ -11435,32 +12921,30 @@
               </a:spcBef>
             </a:pPr>
             <a:r>
-              <a:rPr lang="pt-BR" sz="1000" b="1" dirty="0">
+              <a:rPr sz="1000" b="1">
                 <a:latin typeface="Arial"/>
                 <a:cs typeface="Arial"/>
               </a:rPr>
-              <a:t>As Atividades técnicas</a:t>
-            </a:r>
-            <a:r>
-              <a:rPr lang="pt-BR" sz="1000" dirty="0">
+              <a:t>Technical Track Activities </a:t>
+            </a:r>
+            <a:r>
+              <a:rPr sz="1000">
                 <a:latin typeface="AdobeClean-Light"/>
                 <a:cs typeface="AdobeClean-Light"/>
               </a:rPr>
-              <a:t> verificam se os clientes estão apresentando solidez técnica e aproveitando ao máximo sua adoção de ferramentas. Especificamente, essas atividades incluem suporte e recomendações relacionados a configurações </a:t>
-            </a:r>
-            <a:br>
-              <a:rPr lang="sk-SK" sz="1000" dirty="0">
+              <a:t>ensure customers are technically sound  and maximizing their tool adoption. Specifically, these types of  activities include support and recommendations related to platform  configurations, integrations and troubleshooting</a:t>
+            </a:r>
+            <a:r>
+              <a:rPr lang="en-US" sz="1000">
                 <a:latin typeface="AdobeClean-Light"/>
                 <a:cs typeface="AdobeClean-Light"/>
               </a:rPr>
-            </a:br>
-            <a:r>
-              <a:rPr lang="pt-BR" sz="1000" dirty="0">
-                <a:latin typeface="AdobeClean-Light"/>
-                <a:cs typeface="AdobeClean-Light"/>
-              </a:rPr>
-              <a:t>da plataforma, integrações e solução de problemas</a:t>
-            </a:r>
+              <a:t>.</a:t>
+            </a:r>
+            <a:endParaRPr sz="1000">
+              <a:latin typeface="AdobeClean-Light"/>
+              <a:cs typeface="AdobeClean-Light"/>
+            </a:endParaRPr>
           </a:p>
         </p:txBody>
       </p:sp>
@@ -11494,11 +12978,11 @@
               </a:spcBef>
             </a:pPr>
             <a:r>
-              <a:rPr lang="pt-BR" sz="1000" dirty="0">
+              <a:rPr sz="1000">
                 <a:latin typeface="AdobeClean-Light"/>
                 <a:cs typeface="AdobeClean-Light"/>
               </a:rPr>
-              <a:t>Tipos de atividades técnicas disponíveis::</a:t>
+              <a:t>Types of technical activities available::</a:t>
             </a:r>
           </a:p>
           <a:p>
@@ -11513,12 +12997,12 @@
               <a:buChar char="ü"/>
             </a:pPr>
             <a:r>
-              <a:rPr lang="pt-BR" sz="1000" dirty="0">
+              <a:rPr lang="en-US" sz="1000">
                 <a:solidFill>
                   <a:prstClr val="black"/>
                 </a:solidFill>
               </a:rPr>
-              <a:t>Auditoria de integridade</a:t>
+              <a:t>Health audit</a:t>
             </a:r>
           </a:p>
           <a:p>
@@ -11533,12 +13017,12 @@
               <a:buChar char="ü"/>
             </a:pPr>
             <a:r>
-              <a:rPr lang="pt-BR" sz="1000" dirty="0">
+              <a:rPr lang="en-US" sz="1000">
                 <a:solidFill>
                   <a:prstClr val="black"/>
                 </a:solidFill>
               </a:rPr>
-              <a:t>Auditoria da plataforma</a:t>
+              <a:t>Platform audit</a:t>
             </a:r>
           </a:p>
           <a:p>
@@ -11553,12 +13037,12 @@
               <a:buChar char="ü"/>
             </a:pPr>
             <a:r>
-              <a:rPr lang="pt-BR" sz="1000" dirty="0">
+              <a:rPr lang="en-US" sz="1000">
                 <a:solidFill>
                   <a:prstClr val="black"/>
                 </a:solidFill>
               </a:rPr>
-              <a:t>Ativação do conjunto de recursos</a:t>
+              <a:t>Feature set enablement</a:t>
             </a:r>
           </a:p>
           <a:p>
@@ -11573,12 +13057,12 @@
               <a:buChar char="ü"/>
             </a:pPr>
             <a:r>
-              <a:rPr lang="pt-BR" sz="1000" dirty="0">
+              <a:rPr lang="en-US" sz="1000">
                 <a:solidFill>
                   <a:prstClr val="black"/>
                 </a:solidFill>
               </a:rPr>
-              <a:t>Integrações e configurações básicas</a:t>
+              <a:t>Basic integrations and configurations</a:t>
             </a:r>
           </a:p>
           <a:p>
@@ -11593,12 +13077,12 @@
               <a:buChar char="ü"/>
             </a:pPr>
             <a:r>
-              <a:rPr lang="pt-BR" sz="1000" dirty="0">
+              <a:rPr lang="en-US" sz="1000">
                 <a:solidFill>
                   <a:prstClr val="black"/>
                 </a:solidFill>
               </a:rPr>
-              <a:t>Solução de problemas do cliente</a:t>
+              <a:t>Customer solution troubleshooting</a:t>
             </a:r>
           </a:p>
           <a:p>
@@ -11613,12 +13097,12 @@
               <a:buChar char="ü"/>
             </a:pPr>
             <a:r>
-              <a:rPr lang="pt-BR" sz="1000" dirty="0">
+              <a:rPr lang="en-US" sz="1000">
                 <a:solidFill>
                   <a:prstClr val="black"/>
                 </a:solidFill>
               </a:rPr>
-              <a:t>Suporte ao serviço na nuvem</a:t>
+              <a:t>Cloud service support</a:t>
             </a:r>
           </a:p>
         </p:txBody>
@@ -11653,57 +13137,18 @@
               </a:spcBef>
             </a:pPr>
             <a:r>
-              <a:rPr lang="pt-BR" sz="1000" b="1" dirty="0">
+              <a:rPr sz="1000" b="1">
                 <a:latin typeface="Arial"/>
                 <a:cs typeface="Arial"/>
               </a:rPr>
-              <a:t>As Atividades estratégicas</a:t>
-            </a:r>
-            <a:r>
-              <a:rPr lang="pt-BR" sz="1000" dirty="0">
+              <a:t>Strategic Track Activities </a:t>
+            </a:r>
+            <a:r>
+              <a:rPr sz="1000">
                 <a:latin typeface="AdobeClean-Light"/>
                 <a:cs typeface="AdobeClean-Light"/>
               </a:rPr>
-              <a:t> localizam oportunidades para garantir a obtenção de valor com as soluções da Adobe. </a:t>
-            </a:r>
-            <a:br>
-              <a:rPr lang="sk-SK" sz="1000" dirty="0">
-                <a:latin typeface="AdobeClean-Light"/>
-                <a:cs typeface="AdobeClean-Light"/>
-              </a:rPr>
-            </a:br>
-            <a:r>
-              <a:rPr lang="pt-BR" sz="1000" dirty="0">
-                <a:latin typeface="AdobeClean-Light"/>
-                <a:cs typeface="AdobeClean-Light"/>
-              </a:rPr>
-              <a:t>Elas incluem recomendações de suporte relacionadas </a:t>
-            </a:r>
-            <a:br>
-              <a:rPr lang="sk-SK" sz="1000" dirty="0">
-                <a:latin typeface="AdobeClean-Light"/>
-                <a:cs typeface="AdobeClean-Light"/>
-              </a:rPr>
-            </a:br>
-            <a:r>
-              <a:rPr lang="pt-BR" sz="1000" dirty="0">
-                <a:latin typeface="AdobeClean-Light"/>
-                <a:cs typeface="AdobeClean-Light"/>
-              </a:rPr>
-              <a:t>a estratégia, medição e maturidade para impulsionar </a:t>
-            </a:r>
-            <a:br>
-              <a:rPr lang="sk-SK" sz="1000" dirty="0">
-                <a:latin typeface="AdobeClean-Light"/>
-                <a:cs typeface="AdobeClean-Light"/>
-              </a:rPr>
-            </a:br>
-            <a:r>
-              <a:rPr lang="pt-BR" sz="1000" dirty="0">
-                <a:latin typeface="AdobeClean-Light"/>
-                <a:cs typeface="AdobeClean-Light"/>
-              </a:rPr>
-              <a:t>a obtenção de valor com uma ou mais soluções da Adobe.</a:t>
+              <a:t>locate opportunities to ensure value is  being realized from a customer’s Adobe solutions. They include  support recommendations related to strategy, measurement and  maturity to drive value realization across one or more Adobe  solutions.</a:t>
             </a:r>
           </a:p>
           <a:p>
@@ -11715,7 +13160,7 @@
                 <a:spcPts val="40"/>
               </a:spcBef>
             </a:pPr>
-            <a:endParaRPr sz="1100" dirty="0">
+            <a:endParaRPr sz="1100">
               <a:latin typeface="AdobeClean-Light"/>
               <a:cs typeface="AdobeClean-Light"/>
             </a:endParaRPr>
@@ -11727,11 +13172,11 @@
               </a:lnSpc>
             </a:pPr>
             <a:r>
-              <a:rPr lang="pt-BR" sz="1000" dirty="0">
+              <a:rPr sz="1000">
                 <a:latin typeface="AdobeClean-Light"/>
                 <a:cs typeface="AdobeClean-Light"/>
               </a:rPr>
-              <a:t>Tipos de atividades estratégicas disponíveis::</a:t>
+              <a:t>Types of strategic activities available::</a:t>
             </a:r>
           </a:p>
           <a:p>
@@ -11746,12 +13191,12 @@
               <a:buChar char="ü"/>
             </a:pPr>
             <a:r>
-              <a:rPr lang="pt-BR" sz="1000" dirty="0">
+              <a:rPr lang="en-US" sz="1000">
                 <a:solidFill>
                   <a:prstClr val="black"/>
                 </a:solidFill>
               </a:rPr>
-              <a:t>Roteiro de maturidade</a:t>
+              <a:t>Maturity Roadmap</a:t>
             </a:r>
           </a:p>
           <a:p>
@@ -11766,12 +13211,12 @@
               <a:buChar char="ü"/>
             </a:pPr>
             <a:r>
-              <a:rPr lang="pt-BR" sz="1000" dirty="0">
+              <a:rPr lang="en-US" sz="1000">
                 <a:solidFill>
                   <a:prstClr val="black"/>
                 </a:solidFill>
               </a:rPr>
-              <a:t>Desenvolvimento/medição de caso de uso</a:t>
+              <a:t>Use case development/measurement</a:t>
             </a:r>
           </a:p>
           <a:p>
@@ -11786,12 +13231,12 @@
               <a:buChar char="ü"/>
             </a:pPr>
             <a:r>
-              <a:rPr lang="pt-BR" sz="1000" dirty="0">
+              <a:rPr lang="en-US" sz="1000">
                 <a:solidFill>
                   <a:prstClr val="black"/>
                 </a:solidFill>
               </a:rPr>
-              <a:t>Relatórios e análise</a:t>
+              <a:t>Reporting &amp; analysis</a:t>
             </a:r>
           </a:p>
           <a:p>
@@ -11806,12 +13251,12 @@
               <a:buChar char="ü"/>
             </a:pPr>
             <a:r>
-              <a:rPr lang="pt-BR" sz="1000" dirty="0">
+              <a:rPr lang="en-US" sz="1000">
                 <a:solidFill>
                   <a:prstClr val="black"/>
                 </a:solidFill>
               </a:rPr>
-              <a:t>Ativação de práticas recomendadas</a:t>
+              <a:t>Best practices enablement</a:t>
             </a:r>
           </a:p>
         </p:txBody>
@@ -11832,7 +13277,7 @@
           </a:prstGeom>
         </p:spPr>
         <p:txBody>
-          <a:bodyPr vert="horz" wrap="square" lIns="0" tIns="12700" rIns="0" bIns="0" rtlCol="0">
+          <a:bodyPr vert="horz" wrap="square" lIns="0" tIns="12700" rIns="0" bIns="0" rtlCol="0" anchor="t">
             <a:spAutoFit/>
           </a:bodyPr>
           <a:lstStyle/>
@@ -11846,37 +13291,78 @@
               </a:spcBef>
             </a:pPr>
             <a:r>
-              <a:rPr lang="pt-BR" sz="1600">
+              <a:rPr sz="1600">
                 <a:solidFill>
                   <a:srgbClr val="FFFFFF"/>
                 </a:solidFill>
                 <a:latin typeface="Arial"/>
                 <a:cs typeface="Arial"/>
               </a:rPr>
-              <a:t>Execução e operação</a:t>
-            </a:r>
+              <a:t>Run &amp; Operate</a:t>
+            </a:r>
+            <a:endParaRPr sz="1600">
+              <a:latin typeface="Arial"/>
+              <a:cs typeface="Arial"/>
+            </a:endParaRPr>
           </a:p>
           <a:p>
             <a:pPr marL="12700">
-              <a:lnSpc>
-                <a:spcPct val="100000"/>
-              </a:lnSpc>
               <a:spcBef>
                 <a:spcPts val="1595"/>
               </a:spcBef>
             </a:pPr>
             <a:r>
-              <a:rPr lang="pt-BR" sz="1000">
+              <a:rPr sz="1000">
                 <a:solidFill>
                   <a:srgbClr val="1F1F1F"/>
                 </a:solidFill>
                 <a:latin typeface="Adobe Clean"/>
                 <a:cs typeface="Adobe Clean"/>
               </a:rPr>
-              <a:t>Como cliente Elite, você tem direito a</a:t>
-            </a:r>
-            <a:r>
-              <a:rPr lang="pt-BR" sz="1200">
+              <a:t>As an </a:t>
+            </a:r>
+            <a:r>
+              <a:rPr lang="en-US" sz="1000">
+                <a:solidFill>
+                  <a:srgbClr val="1F1F1F"/>
+                </a:solidFill>
+                <a:latin typeface="Adobe Clean"/>
+                <a:cs typeface="Adobe Clean"/>
+              </a:rPr>
+              <a:t>Elite</a:t>
+            </a:r>
+            <a:r>
+              <a:rPr sz="1000">
+                <a:solidFill>
+                  <a:srgbClr val="1F1F1F"/>
+                </a:solidFill>
+                <a:latin typeface="Adobe Clean"/>
+                <a:cs typeface="Adobe Clean"/>
+              </a:rPr>
+              <a:t> customer, you are</a:t>
+            </a:r>
+            <a:r>
+              <a:rPr lang="en-US" sz="1000">
+                <a:solidFill>
+                  <a:srgbClr val="1F1F1F"/>
+                </a:solidFill>
+                <a:latin typeface="Adobe Clean"/>
+                <a:cs typeface="Adobe Clean"/>
+              </a:rPr>
+              <a:t> </a:t>
+            </a:r>
+            <a:r>
+              <a:rPr sz="1000">
+                <a:solidFill>
+                  <a:srgbClr val="1F1F1F"/>
+                </a:solidFill>
+                <a:latin typeface="Adobe Clean"/>
+                <a:cs typeface="Adobe Clean"/>
+              </a:rPr>
+              <a:t> eligible for</a:t>
+            </a:r>
+            <a:r>
+              <a:rPr lang="en-US" sz="1200">
                 <a:solidFill>
                   <a:srgbClr val="1F1F1F"/>
                 </a:solidFill>
@@ -11891,7 +13377,7 @@
               <a:t> </a:t>
             </a:r>
             <a:r>
-              <a:rPr lang="pt-BR" sz="1200" u="sng">
+              <a:rPr lang="en-US" sz="1200" u="sng">
                 <a:solidFill>
                   <a:srgbClr val="1F1F1F"/>
                 </a:solidFill>
@@ -11906,7 +13392,7 @@
               <a:t>4</a:t>
             </a:r>
             <a:r>
-              <a:rPr lang="pt-BR" sz="1200" b="1">
+              <a:rPr sz="1200" b="1">
                 <a:solidFill>
                   <a:srgbClr val="1F1F1F"/>
                 </a:solidFill>
@@ -11916,75 +13402,89 @@
               <a:t> </a:t>
             </a:r>
             <a:r>
-              <a:rPr lang="pt-BR" sz="1000" b="1">
+              <a:rPr sz="1000" b="1">
                 <a:solidFill>
                   <a:srgbClr val="1F1F1F"/>
                 </a:solidFill>
                 <a:latin typeface="Arial"/>
                 <a:cs typeface="Arial"/>
               </a:rPr>
-              <a:t>atividades por ano</a:t>
-            </a:r>
-          </a:p>
-          <a:p>
-            <a:pPr marL="12700">
-              <a:lnSpc>
-                <a:spcPct val="100000"/>
-              </a:lnSpc>
-              <a:spcBef>
-                <a:spcPts val="55"/>
-              </a:spcBef>
-            </a:pPr>
-            <a:r>
-              <a:rPr lang="pt-BR" sz="1000">
-                <a:solidFill>
-                  <a:srgbClr val="1F1F1F"/>
-                </a:solidFill>
-                <a:latin typeface="Adobe Clean"/>
-                <a:cs typeface="Adobe Clean"/>
-              </a:rPr>
-              <a:t>entre as duas opções a seguir: </a:t>
-            </a:r>
-            <a:r>
-              <a:rPr lang="pt-BR" sz="1000" b="1">
+              <a:t>activities per </a:t>
+            </a:r>
+            <a:r>
+              <a:rPr lang="en-US" sz="1000" b="1">
                 <a:solidFill>
                   <a:srgbClr val="1F1F1F"/>
                 </a:solidFill>
                 <a:latin typeface="Arial"/>
                 <a:cs typeface="Arial"/>
               </a:rPr>
-              <a:t>Atividades técnicas </a:t>
-            </a:r>
-            <a:r>
-              <a:rPr lang="pt-BR" sz="1000">
+              <a:t>year </a:t>
+            </a:r>
+            <a:r>
+              <a:rPr lang="en-US" sz="1000">
                 <a:solidFill>
                   <a:srgbClr val="1F1F1F"/>
                 </a:solidFill>
                 <a:latin typeface="Adobe Clean"/>
-                <a:cs typeface="Adobe Clean"/>
-              </a:rPr>
-              <a:t>e/ou </a:t>
-            </a:r>
-            <a:r>
-              <a:rPr lang="pt-BR" sz="1000" b="1">
+                <a:cs typeface="Arial"/>
+              </a:rPr>
+              <a:t>from</a:t>
+            </a:r>
+            <a:r>
+              <a:rPr sz="1000">
+                <a:solidFill>
+                  <a:srgbClr val="1F1F1F"/>
+                </a:solidFill>
+                <a:latin typeface="Adobe Clean"/>
+                <a:cs typeface="Adobe Clean"/>
+              </a:rPr>
+              <a:t> the following two tracks: </a:t>
+            </a:r>
+            <a:r>
+              <a:rPr sz="1000" b="1">
                 <a:solidFill>
                   <a:srgbClr val="1F1F1F"/>
                 </a:solidFill>
                 <a:latin typeface="Arial"/>
                 <a:cs typeface="Arial"/>
               </a:rPr>
-              <a:t>Atividades estratégicas</a:t>
-            </a:r>
-            <a:r>
-              <a:rPr lang="pt-BR" sz="1000">
+              <a:t>Technical </a:t>
+            </a:r>
+            <a:r>
+              <a:rPr sz="1000">
                 <a:solidFill>
                   <a:srgbClr val="1F1F1F"/>
                 </a:solidFill>
+                <a:latin typeface="Adobe Clean"/>
+                <a:cs typeface="Adobe Clean"/>
+              </a:rPr>
+              <a:t>and/or </a:t>
+            </a:r>
+            <a:r>
+              <a:rPr sz="1000" b="1">
+                <a:solidFill>
+                  <a:srgbClr val="1F1F1F"/>
+                </a:solidFill>
+                <a:latin typeface="Arial"/>
+                <a:cs typeface="Arial"/>
+              </a:rPr>
+              <a:t>Strategic</a:t>
+            </a:r>
+            <a:r>
+              <a:rPr lang="en-US" sz="1000" b="1">
+                <a:solidFill>
+                  <a:srgbClr val="1F1F1F"/>
+                </a:solidFill>
                 <a:latin typeface="AdobeClean-Light"/>
-                <a:cs typeface="AdobeClean-Light"/>
+                <a:cs typeface="Arial"/>
               </a:rPr>
               <a:t>.</a:t>
             </a:r>
+            <a:endParaRPr sz="1000">
+              <a:latin typeface="AdobeClean-Light"/>
+              <a:cs typeface="AdobeClean-Light"/>
+            </a:endParaRPr>
           </a:p>
         </p:txBody>
       </p:sp>
@@ -11997,7 +13497,7 @@
         <p:spPr>
           <a:xfrm>
             <a:off x="923023" y="538480"/>
-            <a:ext cx="3053878" cy="228268"/>
+            <a:ext cx="2323349" cy="228268"/>
           </a:xfrm>
           <a:prstGeom prst="rect">
             <a:avLst/>
@@ -12018,15 +13518,69 @@
               </a:spcBef>
             </a:pPr>
             <a:r>
-              <a:rPr lang="pt-BR" sz="1400" b="1" dirty="0">
+              <a:rPr sz="1400" b="1" spc="-15">
                 <a:solidFill>
                   <a:srgbClr val="020302"/>
                 </a:solidFill>
                 <a:latin typeface="Adobe Clean"/>
                 <a:cs typeface="Adobe Clean"/>
               </a:rPr>
-              <a:t>Atividades de suporte na nuvem — AEM</a:t>
-            </a:r>
+              <a:t>Cloud</a:t>
+            </a:r>
+            <a:r>
+              <a:rPr sz="1400" b="1" spc="-45">
+                <a:solidFill>
+                  <a:srgbClr val="020302"/>
+                </a:solidFill>
+                <a:latin typeface="Adobe Clean"/>
+                <a:cs typeface="Adobe Clean"/>
+              </a:rPr>
+              <a:t> </a:t>
+            </a:r>
+            <a:r>
+              <a:rPr sz="1400" b="1" spc="-15">
+                <a:solidFill>
+                  <a:srgbClr val="020302"/>
+                </a:solidFill>
+                <a:latin typeface="Adobe Clean"/>
+                <a:cs typeface="Adobe Clean"/>
+              </a:rPr>
+              <a:t>Support</a:t>
+            </a:r>
+            <a:r>
+              <a:rPr sz="1400" b="1" spc="-50">
+                <a:solidFill>
+                  <a:srgbClr val="020302"/>
+                </a:solidFill>
+                <a:latin typeface="Adobe Clean"/>
+                <a:cs typeface="Adobe Clean"/>
+              </a:rPr>
+              <a:t> </a:t>
+            </a:r>
+            <a:r>
+              <a:rPr sz="1400" b="1" spc="-15">
+                <a:solidFill>
+                  <a:srgbClr val="020302"/>
+                </a:solidFill>
+                <a:latin typeface="Adobe Clean"/>
+                <a:cs typeface="Adobe Clean"/>
+              </a:rPr>
+              <a:t>Activities</a:t>
+            </a:r>
+            <a:r>
+              <a:rPr lang="en-US" sz="1400" b="1" spc="-15">
+                <a:solidFill>
+                  <a:srgbClr val="020302"/>
+                </a:solidFill>
+                <a:latin typeface="Adobe Clean"/>
+                <a:cs typeface="Adobe Clean"/>
+              </a:rPr>
+              <a:t> - AEM</a:t>
+            </a:r>
+            <a:endParaRPr sz="1400">
+              <a:latin typeface="Adobe Clean"/>
+              <a:cs typeface="Adobe Clean"/>
+            </a:endParaRPr>
           </a:p>
         </p:txBody>
       </p:sp>
@@ -12039,7 +13593,7 @@
         <p:spPr>
           <a:xfrm>
             <a:off x="924894" y="814263"/>
-            <a:ext cx="3052007" cy="45719"/>
+            <a:ext cx="2321477" cy="45719"/>
           </a:xfrm>
           <a:custGeom>
             <a:avLst/>
@@ -12142,10 +13696,6 @@
           </p:nvPr>
         </p:nvSpPr>
         <p:spPr>
-          <a:xfrm>
-            <a:off x="97787" y="9861195"/>
-            <a:ext cx="2820499" cy="133370"/>
-          </a:xfrm>
           <a:prstGeom prst="rect">
             <a:avLst/>
           </a:prstGeom>
@@ -12165,8 +13715,36 @@
               </a:spcBef>
             </a:pPr>
             <a:r>
-              <a:rPr lang="pt-BR" dirty="0"/>
-              <a:t>©2021 Adobe. All Rights Reserved. Adobe Confidential.</a:t>
+              <a:rPr spc="-5"/>
+              <a:t>©2021 Adobe. All</a:t>
+            </a:r>
+            <a:r>
+              <a:rPr spc="-15"/>
+              <a:t> Rights</a:t>
+            </a:r>
+            <a:r>
+              <a:rPr spc="-10"/>
+              <a:t> </a:t>
+            </a:r>
+            <a:r>
+              <a:rPr spc="-15"/>
+              <a:t>Reserved.</a:t>
+            </a:r>
+            <a:r>
+              <a:rPr spc="-10"/>
+              <a:t> </a:t>
+            </a:r>
+            <a:r>
+              <a:rPr spc="-5"/>
+              <a:t>Adobe</a:t>
+            </a:r>
+            <a:r>
+              <a:rPr spc="60"/>
+              <a:t> </a:t>
+            </a:r>
+            <a:r>
+              <a:rPr spc="-15"/>
+              <a:t>Confidential.</a:t>
             </a:r>
           </a:p>
         </p:txBody>
@@ -12222,8 +13800,8 @@
           <a:p>
             <a:pPr algn="ctr"/>
             <a:r>
-              <a:rPr lang="pt-BR" sz="1600"/>
-              <a:t>Execução e operação</a:t>
+              <a:rPr lang="en-US" sz="1600"/>
+              <a:t>Run &amp; Operate</a:t>
             </a:r>
           </a:p>
         </p:txBody>
@@ -12279,8 +13857,8 @@
           <a:p>
             <a:pPr algn="ctr"/>
             <a:r>
-              <a:rPr lang="pt-BR" sz="1600"/>
-              <a:t>Implementação</a:t>
+              <a:rPr lang="en-US" sz="1600"/>
+              <a:t>Implementation</a:t>
             </a:r>
           </a:p>
         </p:txBody>
@@ -12299,7 +13877,7 @@
         </p:nvSpPr>
         <p:spPr>
           <a:xfrm>
-            <a:off x="2918286" y="3429000"/>
+            <a:off x="2918286" y="3586760"/>
             <a:ext cx="933111" cy="261610"/>
           </a:xfrm>
           <a:prstGeom prst="rect">
@@ -12315,8 +13893,8 @@
           <a:p>
             <a:pPr algn="ctr"/>
             <a:r>
-              <a:rPr lang="pt-BR" sz="1100" dirty="0"/>
-              <a:t>Pós-lançamento</a:t>
+              <a:rPr lang="en-US" sz="1100"/>
+              <a:t>Post Launch</a:t>
             </a:r>
           </a:p>
         </p:txBody>
@@ -12351,8 +13929,8 @@
           <a:p>
             <a:pPr algn="ctr"/>
             <a:r>
-              <a:rPr lang="pt-BR" sz="1100"/>
-              <a:t>Lançamento</a:t>
+              <a:rPr lang="en-US" sz="1100"/>
+              <a:t>Go-Live</a:t>
             </a:r>
           </a:p>
         </p:txBody>
@@ -12387,8 +13965,8 @@
           <a:p>
             <a:pPr algn="ctr"/>
             <a:r>
-              <a:rPr lang="pt-BR" sz="1100"/>
-              <a:t>Definição</a:t>
+              <a:rPr lang="en-US" sz="1100"/>
+              <a:t>Define</a:t>
             </a:r>
           </a:p>
         </p:txBody>
@@ -12423,8 +14001,8 @@
           <a:p>
             <a:pPr algn="ctr"/>
             <a:r>
-              <a:rPr lang="pt-BR" sz="1100"/>
-              <a:t>Início</a:t>
+              <a:rPr lang="en-US" sz="1100"/>
+              <a:t>Kickoff</a:t>
             </a:r>
           </a:p>
         </p:txBody>
@@ -12459,8 +14037,8 @@
           <a:p>
             <a:pPr algn="ctr"/>
             <a:r>
-              <a:rPr lang="pt-BR" sz="1100"/>
-              <a:t>Projeto</a:t>
+              <a:rPr lang="en-US" sz="1100"/>
+              <a:t>Design</a:t>
             </a:r>
           </a:p>
         </p:txBody>
@@ -12517,14 +14095,14 @@
           <a:p>
             <a:pPr algn="ctr"/>
             <a:r>
-              <a:rPr lang="pt-BR" sz="1400">
+              <a:rPr lang="en-US" sz="1400">
                 <a:solidFill>
                   <a:schemeClr val="accent1">
                     <a:lumMod val="50000"/>
                   </a:schemeClr>
                 </a:solidFill>
               </a:rPr>
-              <a:t>4 atividades por ano</a:t>
+              <a:t>4 Activities per Year</a:t>
             </a:r>
           </a:p>
         </p:txBody>
@@ -12543,7 +14121,7 @@
         </p:nvSpPr>
         <p:spPr>
           <a:xfrm>
-            <a:off x="5265661" y="1596978"/>
+            <a:off x="5265661" y="1471646"/>
             <a:ext cx="2194560" cy="536622"/>
           </a:xfrm>
           <a:prstGeom prst="rect">
@@ -12565,14 +14143,20 @@
               </a:spcBef>
             </a:pPr>
             <a:r>
-              <a:rPr lang="pt-BR" sz="1000" dirty="0">
+              <a:rPr lang="en-US" sz="1000">
                 <a:solidFill>
                   <a:srgbClr val="4B4B4B"/>
                 </a:solidFill>
                 <a:latin typeface="Adobe Clean Light" panose="020B0303020404020204" pitchFamily="34" charset="0"/>
               </a:rPr>
-              <a:t>Adoção de práticas recomendadas de personalização e dos componentes principais no AEM as a Cloud Service</a:t>
-            </a:r>
+              <a:t>Drive adoption of customization best practices and core components in AEM as a Cloud Service.</a:t>
+            </a:r>
+            <a:endParaRPr sz="1000">
+              <a:solidFill>
+                <a:srgbClr val="4B4B4B"/>
+              </a:solidFill>
+              <a:latin typeface="Adobe Clean Light" panose="020B0303020404020204" pitchFamily="34" charset="0"/>
+            </a:endParaRPr>
           </a:p>
         </p:txBody>
       </p:sp>
@@ -12590,7 +14174,7 @@
         </p:nvSpPr>
         <p:spPr>
           <a:xfrm>
-            <a:off x="2835999" y="1416224"/>
+            <a:off x="2835999" y="1464006"/>
             <a:ext cx="2194560" cy="717376"/>
           </a:xfrm>
           <a:prstGeom prst="rect">
@@ -12612,14 +14196,20 @@
               </a:spcBef>
             </a:pPr>
             <a:r>
-              <a:rPr lang="pt-BR" sz="1000" dirty="0">
+              <a:rPr lang="en-US" sz="1000">
                 <a:solidFill>
                   <a:srgbClr val="4B4B4B"/>
                 </a:solidFill>
                 <a:latin typeface="Adobe Clean Light" panose="020B0303020404020204" pitchFamily="34" charset="0"/>
               </a:rPr>
-              <a:t>Identificação, revisão e recomendações sobre áreas personalizadas da adoção de soluções com oportunidades de otimização</a:t>
-            </a:r>
+              <a:t>Identify, review and provide recommendations on customized solution adoption areas that have opportunities for optimization.</a:t>
+            </a:r>
+            <a:endParaRPr sz="1000">
+              <a:solidFill>
+                <a:srgbClr val="4B4B4B"/>
+              </a:solidFill>
+              <a:latin typeface="Adobe Clean Light" panose="020B0303020404020204" pitchFamily="34" charset="0"/>
+            </a:endParaRPr>
           </a:p>
         </p:txBody>
       </p:sp>
@@ -12638,7 +14228,7 @@
         <p:spPr>
           <a:xfrm>
             <a:off x="355868" y="1417898"/>
-            <a:ext cx="2317302" cy="717376"/>
+            <a:ext cx="2194560" cy="717376"/>
           </a:xfrm>
           <a:prstGeom prst="rect">
             <a:avLst/>
@@ -12659,14 +14249,20 @@
               </a:spcBef>
             </a:pPr>
             <a:r>
-              <a:rPr lang="pt-BR" sz="1000" dirty="0">
+              <a:rPr lang="en-US" sz="1000">
                 <a:solidFill>
                   <a:srgbClr val="4B4B4B"/>
                 </a:solidFill>
                 <a:latin typeface="Adobe Clean Light" panose="020B0303020404020204" pitchFamily="34" charset="0"/>
               </a:rPr>
-              <a:t>Governança técnica e operacional para auxiliar os clientes do AEM as a Cloud Service a seguirem os padrões do setor e as práticas recomendadas do AEM as a Cloud Service</a:t>
-            </a:r>
+              <a:t>Technical &amp; operational governance to assist AEM as a Cloud Service Customers in adhering to industry standards and best practices for AEM as a Cloud Service.</a:t>
+            </a:r>
+            <a:endParaRPr sz="1000">
+              <a:solidFill>
+                <a:srgbClr val="4B4B4B"/>
+              </a:solidFill>
+              <a:latin typeface="Adobe Clean Light" panose="020B0303020404020204" pitchFamily="34" charset="0"/>
+            </a:endParaRPr>
           </a:p>
         </p:txBody>
       </p:sp>
@@ -12685,7 +14281,7 @@
         <p:spPr>
           <a:xfrm>
             <a:off x="5181600" y="936612"/>
-            <a:ext cx="1972258" cy="646331"/>
+            <a:ext cx="1972258" cy="461665"/>
           </a:xfrm>
           <a:prstGeom prst="rect">
             <a:avLst/>
@@ -12706,34 +14302,489 @@
               </a:spcBef>
             </a:pPr>
             <a:r>
-              <a:rPr lang="pt-BR" sz="1200" b="1" dirty="0">
+              <a:rPr lang="en-US" sz="1200" b="1" spc="-15">
                 <a:solidFill>
                   <a:srgbClr val="020302"/>
                 </a:solidFill>
                 <a:latin typeface="Adobe Clean"/>
                 <a:cs typeface="Adobe Clean"/>
               </a:rPr>
-              <a:t>Práticas recomendadas </a:t>
-            </a:r>
-            <a:br>
-              <a:rPr lang="sk-SK" sz="1200" b="1" dirty="0">
+              <a:t>C</a:t>
+            </a:r>
+            <a:r>
+              <a:rPr lang="en-US" sz="1200" b="1" spc="-20">
                 <a:solidFill>
                   <a:srgbClr val="020302"/>
                 </a:solidFill>
                 <a:latin typeface="Adobe Clean"/>
                 <a:cs typeface="Adobe Clean"/>
               </a:rPr>
-            </a:br>
-            <a:r>
-              <a:rPr lang="pt-BR" sz="1200" b="1" dirty="0">
+              <a:t>u</a:t>
+            </a:r>
+            <a:r>
+              <a:rPr lang="en-US" sz="1200" b="1" spc="-25">
                 <a:solidFill>
                   <a:srgbClr val="020302"/>
                 </a:solidFill>
                 <a:latin typeface="Adobe Clean"/>
                 <a:cs typeface="Adobe Clean"/>
               </a:rPr>
-              <a:t>de personalização do AEM as a Cloud Service</a:t>
-            </a:r>
+              <a:t>st</a:t>
+            </a:r>
+            <a:r>
+              <a:rPr lang="en-US" sz="1200" b="1" spc="-15">
+                <a:solidFill>
+                  <a:srgbClr val="020302"/>
+                </a:solidFill>
+                <a:latin typeface="Adobe Clean"/>
+                <a:cs typeface="Adobe Clean"/>
+              </a:rPr>
+              <a:t>o</a:t>
+            </a:r>
+            <a:r>
+              <a:rPr lang="en-US" sz="1200" b="1" spc="-20">
+                <a:solidFill>
+                  <a:srgbClr val="020302"/>
+                </a:solidFill>
+                <a:latin typeface="Adobe Clean"/>
+                <a:cs typeface="Adobe Clean"/>
+              </a:rPr>
+              <a:t>miza</a:t>
+            </a:r>
+            <a:r>
+              <a:rPr lang="en-US" sz="1200" b="1" spc="-25">
+                <a:solidFill>
+                  <a:srgbClr val="020302"/>
+                </a:solidFill>
+                <a:latin typeface="Adobe Clean"/>
+                <a:cs typeface="Adobe Clean"/>
+              </a:rPr>
+              <a:t>t</a:t>
+            </a:r>
+            <a:r>
+              <a:rPr lang="en-US" sz="1200" b="1" spc="-20">
+                <a:solidFill>
+                  <a:srgbClr val="020302"/>
+                </a:solidFill>
+                <a:latin typeface="Adobe Clean"/>
+                <a:cs typeface="Adobe Clean"/>
+              </a:rPr>
+              <a:t>i</a:t>
+            </a:r>
+            <a:r>
+              <a:rPr lang="en-US" sz="1200" b="1" spc="-15">
+                <a:solidFill>
+                  <a:srgbClr val="020302"/>
+                </a:solidFill>
+                <a:latin typeface="Adobe Clean"/>
+                <a:cs typeface="Adobe Clean"/>
+              </a:rPr>
+              <a:t>o</a:t>
+            </a:r>
+            <a:r>
+              <a:rPr lang="en-US" sz="1200" b="1">
+                <a:solidFill>
+                  <a:srgbClr val="020302"/>
+                </a:solidFill>
+                <a:latin typeface="Adobe Clean"/>
+                <a:cs typeface="Adobe Clean"/>
+              </a:rPr>
+              <a:t>n</a:t>
+            </a:r>
+            <a:r>
+              <a:rPr lang="en-US" sz="1200" b="1" spc="-50">
+                <a:solidFill>
+                  <a:srgbClr val="020302"/>
+                </a:solidFill>
+                <a:latin typeface="Adobe Clean"/>
+                <a:cs typeface="Adobe Clean"/>
+              </a:rPr>
+              <a:t> </a:t>
+            </a:r>
+            <a:r>
+              <a:rPr lang="en-US" sz="1200" b="1" spc="-20">
+                <a:solidFill>
+                  <a:srgbClr val="020302"/>
+                </a:solidFill>
+                <a:latin typeface="Adobe Clean"/>
+                <a:cs typeface="Adobe Clean"/>
+              </a:rPr>
+              <a:t>B</a:t>
+            </a:r>
+            <a:r>
+              <a:rPr lang="en-US" sz="1200" b="1" spc="-25">
+                <a:solidFill>
+                  <a:srgbClr val="020302"/>
+                </a:solidFill>
+                <a:latin typeface="Adobe Clean"/>
+                <a:cs typeface="Adobe Clean"/>
+              </a:rPr>
+              <a:t>es</a:t>
+            </a:r>
+            <a:r>
+              <a:rPr lang="en-US" sz="1200" b="1">
+                <a:solidFill>
+                  <a:srgbClr val="020302"/>
+                </a:solidFill>
+                <a:latin typeface="Adobe Clean"/>
+                <a:cs typeface="Adobe Clean"/>
+              </a:rPr>
+              <a:t>t</a:t>
+            </a:r>
+            <a:r>
+              <a:rPr lang="en-US" sz="1200" b="1" spc="-50">
+                <a:solidFill>
+                  <a:srgbClr val="020302"/>
+                </a:solidFill>
+                <a:latin typeface="Adobe Clean"/>
+                <a:cs typeface="Adobe Clean"/>
+              </a:rPr>
+              <a:t> </a:t>
+            </a:r>
+            <a:r>
+              <a:rPr lang="en-US" sz="1200" b="1" spc="-25">
+                <a:solidFill>
+                  <a:srgbClr val="020302"/>
+                </a:solidFill>
+                <a:latin typeface="Adobe Clean"/>
+                <a:cs typeface="Adobe Clean"/>
+              </a:rPr>
+              <a:t>P</a:t>
+            </a:r>
+            <a:r>
+              <a:rPr lang="en-US" sz="1200" b="1" spc="-20">
+                <a:solidFill>
+                  <a:srgbClr val="020302"/>
+                </a:solidFill>
+                <a:latin typeface="Adobe Clean"/>
+                <a:cs typeface="Adobe Clean"/>
+              </a:rPr>
+              <a:t>ra</a:t>
+            </a:r>
+            <a:r>
+              <a:rPr lang="en-US" sz="1200" b="1" spc="-30">
+                <a:solidFill>
+                  <a:srgbClr val="020302"/>
+                </a:solidFill>
+                <a:latin typeface="Adobe Clean"/>
+                <a:cs typeface="Adobe Clean"/>
+              </a:rPr>
+              <a:t>c</a:t>
+            </a:r>
+            <a:r>
+              <a:rPr lang="en-US" sz="1200" b="1" spc="-25">
+                <a:solidFill>
+                  <a:srgbClr val="020302"/>
+                </a:solidFill>
+                <a:latin typeface="Adobe Clean"/>
+                <a:cs typeface="Adobe Clean"/>
+              </a:rPr>
+              <a:t>t</a:t>
+            </a:r>
+            <a:r>
+              <a:rPr lang="en-US" sz="1200" b="1" spc="-20">
+                <a:solidFill>
+                  <a:srgbClr val="020302"/>
+                </a:solidFill>
+                <a:latin typeface="Adobe Clean"/>
+                <a:cs typeface="Adobe Clean"/>
+              </a:rPr>
+              <a:t>i</a:t>
+            </a:r>
+            <a:r>
+              <a:rPr lang="en-US" sz="1200" b="1" spc="-30">
+                <a:solidFill>
+                  <a:srgbClr val="020302"/>
+                </a:solidFill>
+                <a:latin typeface="Adobe Clean"/>
+                <a:cs typeface="Adobe Clean"/>
+              </a:rPr>
+              <a:t>c</a:t>
+            </a:r>
+            <a:r>
+              <a:rPr lang="en-US" sz="1200" b="1" spc="-25">
+                <a:solidFill>
+                  <a:srgbClr val="020302"/>
+                </a:solidFill>
+                <a:latin typeface="Adobe Clean"/>
+                <a:cs typeface="Adobe Clean"/>
+              </a:rPr>
+              <a:t>e</a:t>
+            </a:r>
+            <a:r>
+              <a:rPr lang="en-US" sz="1200" b="1">
+                <a:solidFill>
+                  <a:srgbClr val="020302"/>
+                </a:solidFill>
+                <a:latin typeface="Adobe Clean"/>
+                <a:cs typeface="Adobe Clean"/>
+              </a:rPr>
+              <a:t>s</a:t>
+            </a:r>
+            <a:r>
+              <a:rPr lang="en-US" sz="1200" b="1" spc="-45">
+                <a:solidFill>
+                  <a:srgbClr val="020302"/>
+                </a:solidFill>
+                <a:latin typeface="Adobe Clean"/>
+                <a:cs typeface="Adobe Clean"/>
+              </a:rPr>
+              <a:t> </a:t>
+            </a:r>
+            <a:r>
+              <a:rPr lang="en-US" sz="1200" b="1" spc="-25">
+                <a:solidFill>
+                  <a:srgbClr val="020302"/>
+                </a:solidFill>
+                <a:latin typeface="Adobe Clean"/>
+                <a:cs typeface="Adobe Clean"/>
+              </a:rPr>
+              <a:t>f</a:t>
+            </a:r>
+            <a:r>
+              <a:rPr lang="en-US" sz="1200" b="1" spc="-15">
+                <a:solidFill>
+                  <a:srgbClr val="020302"/>
+                </a:solidFill>
+                <a:latin typeface="Adobe Clean"/>
+                <a:cs typeface="Adobe Clean"/>
+              </a:rPr>
+              <a:t>o</a:t>
+            </a:r>
+            <a:r>
+              <a:rPr lang="en-US" sz="1200" b="1">
+                <a:solidFill>
+                  <a:srgbClr val="020302"/>
+                </a:solidFill>
+                <a:latin typeface="Adobe Clean"/>
+                <a:cs typeface="Adobe Clean"/>
+              </a:rPr>
+              <a:t>r</a:t>
+            </a:r>
+            <a:r>
+              <a:rPr lang="en-US" sz="1200" b="1" spc="-45">
+                <a:solidFill>
+                  <a:srgbClr val="020302"/>
+                </a:solidFill>
+                <a:latin typeface="Adobe Clean"/>
+                <a:cs typeface="Adobe Clean"/>
+              </a:rPr>
+              <a:t> </a:t>
+            </a:r>
+            <a:r>
+              <a:rPr lang="en-US" sz="1200" b="1" spc="-30">
+                <a:solidFill>
+                  <a:srgbClr val="020302"/>
+                </a:solidFill>
+                <a:latin typeface="Adobe Clean"/>
+                <a:cs typeface="Adobe Clean"/>
+              </a:rPr>
+              <a:t>AE</a:t>
+            </a:r>
+            <a:r>
+              <a:rPr lang="en-US" sz="1200" b="1">
+                <a:solidFill>
+                  <a:srgbClr val="020302"/>
+                </a:solidFill>
+                <a:latin typeface="Adobe Clean"/>
+                <a:cs typeface="Adobe Clean"/>
+              </a:rPr>
+              <a:t>M</a:t>
+            </a:r>
+            <a:r>
+              <a:rPr lang="en-US" sz="1200" b="1" spc="-55">
+                <a:solidFill>
+                  <a:srgbClr val="020302"/>
+                </a:solidFill>
+                <a:latin typeface="Adobe Clean"/>
+                <a:cs typeface="Adobe Clean"/>
+              </a:rPr>
+              <a:t> </a:t>
+            </a:r>
+            <a:r>
+              <a:rPr lang="en-US" sz="1200" b="1" spc="-20">
+                <a:solidFill>
+                  <a:srgbClr val="020302"/>
+                </a:solidFill>
+                <a:latin typeface="Adobe Clean"/>
+                <a:cs typeface="Adobe Clean"/>
+              </a:rPr>
+              <a:t>a</a:t>
+            </a:r>
+            <a:r>
+              <a:rPr lang="en-US" sz="1200" b="1">
+                <a:solidFill>
+                  <a:srgbClr val="020302"/>
+                </a:solidFill>
+                <a:latin typeface="Adobe Clean"/>
+                <a:cs typeface="Adobe Clean"/>
+              </a:rPr>
+              <a:t>s</a:t>
+            </a:r>
+            <a:r>
+              <a:rPr lang="en-US" sz="1200" b="1" spc="-45">
+                <a:solidFill>
+                  <a:srgbClr val="020302"/>
+                </a:solidFill>
+                <a:latin typeface="Adobe Clean"/>
+                <a:cs typeface="Adobe Clean"/>
+              </a:rPr>
+              <a:t> </a:t>
+            </a:r>
+            <a:r>
+              <a:rPr lang="en-US" sz="1200" b="1">
+                <a:solidFill>
+                  <a:srgbClr val="020302"/>
+                </a:solidFill>
+                <a:latin typeface="Adobe Clean"/>
+                <a:cs typeface="Adobe Clean"/>
+              </a:rPr>
+              <a:t>a</a:t>
+            </a:r>
+            <a:r>
+              <a:rPr lang="en-US" sz="1200" b="1" spc="-45">
+                <a:solidFill>
+                  <a:srgbClr val="020302"/>
+                </a:solidFill>
+                <a:latin typeface="Adobe Clean"/>
+                <a:cs typeface="Adobe Clean"/>
+              </a:rPr>
+              <a:t> </a:t>
+            </a:r>
+            <a:r>
+              <a:rPr lang="en-US" sz="1200" b="1" spc="-15">
+                <a:solidFill>
+                  <a:srgbClr val="020302"/>
+                </a:solidFill>
+                <a:latin typeface="Adobe Clean"/>
+                <a:cs typeface="Adobe Clean"/>
+              </a:rPr>
+              <a:t>C</a:t>
+            </a:r>
+            <a:r>
+              <a:rPr lang="en-US" sz="1200" b="1" spc="-25">
+                <a:solidFill>
+                  <a:srgbClr val="020302"/>
+                </a:solidFill>
+                <a:latin typeface="Adobe Clean"/>
+                <a:cs typeface="Adobe Clean"/>
+              </a:rPr>
+              <a:t>l</a:t>
+            </a:r>
+            <a:r>
+              <a:rPr lang="en-US" sz="1200" b="1" spc="-15">
+                <a:solidFill>
+                  <a:srgbClr val="020302"/>
+                </a:solidFill>
+                <a:latin typeface="Adobe Clean"/>
+                <a:cs typeface="Adobe Clean"/>
+              </a:rPr>
+              <a:t>o</a:t>
+            </a:r>
+            <a:r>
+              <a:rPr lang="en-US" sz="1200" b="1" spc="-20">
+                <a:solidFill>
+                  <a:srgbClr val="020302"/>
+                </a:solidFill>
+                <a:latin typeface="Adobe Clean"/>
+                <a:cs typeface="Adobe Clean"/>
+              </a:rPr>
+              <a:t>u</a:t>
+            </a:r>
+            <a:r>
+              <a:rPr lang="en-US" sz="1200" b="1">
+                <a:solidFill>
+                  <a:srgbClr val="020302"/>
+                </a:solidFill>
+                <a:latin typeface="Adobe Clean"/>
+                <a:cs typeface="Adobe Clean"/>
+              </a:rPr>
+              <a:t>d</a:t>
+            </a:r>
+            <a:r>
+              <a:rPr lang="en-US" sz="1200" b="1" spc="-50">
+                <a:solidFill>
+                  <a:srgbClr val="020302"/>
+                </a:solidFill>
+                <a:latin typeface="Adobe Clean"/>
+                <a:cs typeface="Adobe Clean"/>
+              </a:rPr>
+              <a:t> </a:t>
+            </a:r>
+            <a:r>
+              <a:rPr lang="en-US" sz="1200" b="1" spc="-20">
+                <a:solidFill>
+                  <a:srgbClr val="020302"/>
+                </a:solidFill>
+                <a:latin typeface="Adobe Clean"/>
+                <a:cs typeface="Adobe Clean"/>
+              </a:rPr>
+              <a:t>S</a:t>
+            </a:r>
+            <a:r>
+              <a:rPr lang="en-US" sz="1200" b="1" spc="-25">
+                <a:solidFill>
+                  <a:srgbClr val="020302"/>
+                </a:solidFill>
+                <a:latin typeface="Adobe Clean"/>
+                <a:cs typeface="Adobe Clean"/>
+              </a:rPr>
+              <a:t>e</a:t>
+            </a:r>
+            <a:r>
+              <a:rPr lang="en-US" sz="1200" b="1" spc="-20">
+                <a:solidFill>
+                  <a:srgbClr val="020302"/>
+                </a:solidFill>
+                <a:latin typeface="Adobe Clean"/>
+                <a:cs typeface="Adobe Clean"/>
+              </a:rPr>
+              <a:t>r</a:t>
+            </a:r>
+            <a:r>
+              <a:rPr lang="en-US" sz="1200" b="1" spc="-30">
+                <a:solidFill>
+                  <a:srgbClr val="020302"/>
+                </a:solidFill>
+                <a:latin typeface="Adobe Clean"/>
+                <a:cs typeface="Adobe Clean"/>
+              </a:rPr>
+              <a:t>v</a:t>
+            </a:r>
+            <a:r>
+              <a:rPr lang="en-US" sz="1200" b="1" spc="-20">
+                <a:solidFill>
+                  <a:srgbClr val="020302"/>
+                </a:solidFill>
+                <a:latin typeface="Adobe Clean"/>
+                <a:cs typeface="Adobe Clean"/>
+              </a:rPr>
+              <a:t>i</a:t>
+            </a:r>
+            <a:r>
+              <a:rPr lang="en-US" sz="1200" b="1" spc="-30">
+                <a:solidFill>
+                  <a:srgbClr val="020302"/>
+                </a:solidFill>
+                <a:latin typeface="Adobe Clean"/>
+                <a:cs typeface="Adobe Clean"/>
+              </a:rPr>
+              <a:t>c</a:t>
+            </a:r>
+            <a:r>
+              <a:rPr lang="en-US" sz="1200" b="1">
+                <a:solidFill>
+                  <a:srgbClr val="020302"/>
+                </a:solidFill>
+                <a:latin typeface="Adobe Clean"/>
+                <a:cs typeface="Adobe Clean"/>
+              </a:rPr>
+              <a:t>e</a:t>
+            </a:r>
+            <a:endParaRPr lang="en-US" sz="1200">
+              <a:latin typeface="Adobe Clean"/>
+              <a:cs typeface="Adobe Clean"/>
+            </a:endParaRPr>
           </a:p>
         </p:txBody>
       </p:sp>
@@ -12751,8 +14802,8 @@
         </p:nvSpPr>
         <p:spPr>
           <a:xfrm>
-            <a:off x="2752587" y="908302"/>
-            <a:ext cx="2135785" cy="461665"/>
+            <a:off x="2752588" y="908302"/>
+            <a:ext cx="1708650" cy="461665"/>
           </a:xfrm>
           <a:prstGeom prst="rect">
             <a:avLst/>
@@ -12773,15 +14824,19 @@
               </a:spcBef>
             </a:pPr>
             <a:r>
-              <a:rPr lang="pt-BR" sz="1200" b="1" dirty="0">
+              <a:rPr lang="en-US" sz="1200" b="1" spc="-25">
                 <a:solidFill>
                   <a:srgbClr val="020302"/>
                 </a:solidFill>
                 <a:latin typeface="Adobe Clean"/>
                 <a:cs typeface="Adobe Clean"/>
               </a:rPr>
-              <a:t>Serviços de valor agregado para o AEM as a Cloud Service</a:t>
-            </a:r>
+              <a:t>Value-added Services for AEM as a Cloud Service</a:t>
+            </a:r>
+            <a:endParaRPr lang="en-US" sz="1200">
+              <a:latin typeface="Adobe Clean"/>
+              <a:cs typeface="Adobe Clean"/>
+            </a:endParaRPr>
           </a:p>
         </p:txBody>
       </p:sp>
@@ -12821,34 +14876,359 @@
               </a:spcBef>
             </a:pPr>
             <a:r>
-              <a:rPr lang="pt-BR" sz="1200" b="1" dirty="0">
+              <a:rPr lang="en-US" sz="1200" b="1" spc="-20">
                 <a:solidFill>
                   <a:srgbClr val="020302"/>
                 </a:solidFill>
                 <a:latin typeface="Adobe Clean"/>
                 <a:cs typeface="Adobe Clean"/>
               </a:rPr>
-              <a:t>Governança para o AEM </a:t>
-            </a:r>
-            <a:br>
-              <a:rPr lang="sk-SK" sz="1200" b="1" dirty="0">
+              <a:t>G</a:t>
+            </a:r>
+            <a:r>
+              <a:rPr lang="en-US" sz="1200" b="1" spc="-15">
                 <a:solidFill>
                   <a:srgbClr val="020302"/>
                 </a:solidFill>
                 <a:latin typeface="Adobe Clean"/>
                 <a:cs typeface="Adobe Clean"/>
               </a:rPr>
-            </a:br>
-            <a:r>
-              <a:rPr lang="pt-BR" sz="1200" b="1" dirty="0">
+              <a:t>o</a:t>
+            </a:r>
+            <a:r>
+              <a:rPr lang="en-US" sz="1200" b="1" spc="-25">
                 <a:solidFill>
                   <a:srgbClr val="020302"/>
                 </a:solidFill>
                 <a:latin typeface="Adobe Clean"/>
                 <a:cs typeface="Adobe Clean"/>
               </a:rPr>
-              <a:t>as a Cloud Service</a:t>
-            </a:r>
+              <a:t>ve</a:t>
+            </a:r>
+            <a:r>
+              <a:rPr lang="en-US" sz="1200" b="1" spc="-20">
+                <a:solidFill>
+                  <a:srgbClr val="020302"/>
+                </a:solidFill>
+                <a:latin typeface="Adobe Clean"/>
+                <a:cs typeface="Adobe Clean"/>
+              </a:rPr>
+              <a:t>r</a:t>
+            </a:r>
+            <a:r>
+              <a:rPr lang="en-US" sz="1200" b="1" spc="-25">
+                <a:solidFill>
+                  <a:srgbClr val="020302"/>
+                </a:solidFill>
+                <a:latin typeface="Adobe Clean"/>
+                <a:cs typeface="Adobe Clean"/>
+              </a:rPr>
+              <a:t>n</a:t>
+            </a:r>
+            <a:r>
+              <a:rPr lang="en-US" sz="1200" b="1" spc="-20">
+                <a:solidFill>
+                  <a:srgbClr val="020302"/>
+                </a:solidFill>
+                <a:latin typeface="Adobe Clean"/>
+                <a:cs typeface="Adobe Clean"/>
+              </a:rPr>
+              <a:t>a</a:t>
+            </a:r>
+            <a:r>
+              <a:rPr lang="en-US" sz="1200" b="1" spc="-25">
+                <a:solidFill>
+                  <a:srgbClr val="020302"/>
+                </a:solidFill>
+                <a:latin typeface="Adobe Clean"/>
+                <a:cs typeface="Adobe Clean"/>
+              </a:rPr>
+              <a:t>n</a:t>
+            </a:r>
+            <a:r>
+              <a:rPr lang="en-US" sz="1200" b="1" spc="-30">
+                <a:solidFill>
+                  <a:srgbClr val="020302"/>
+                </a:solidFill>
+                <a:latin typeface="Adobe Clean"/>
+                <a:cs typeface="Adobe Clean"/>
+              </a:rPr>
+              <a:t>c</a:t>
+            </a:r>
+            <a:r>
+              <a:rPr lang="en-US" sz="1200" b="1">
+                <a:solidFill>
+                  <a:srgbClr val="020302"/>
+                </a:solidFill>
+                <a:latin typeface="Adobe Clean"/>
+                <a:cs typeface="Adobe Clean"/>
+              </a:rPr>
+              <a:t>e</a:t>
+            </a:r>
+            <a:r>
+              <a:rPr lang="en-US" sz="1200" b="1" spc="-50">
+                <a:solidFill>
+                  <a:srgbClr val="020302"/>
+                </a:solidFill>
+                <a:latin typeface="Adobe Clean"/>
+                <a:cs typeface="Adobe Clean"/>
+              </a:rPr>
+              <a:t> </a:t>
+            </a:r>
+            <a:r>
+              <a:rPr lang="en-US" sz="1200" b="1" spc="-25">
+                <a:solidFill>
+                  <a:srgbClr val="020302"/>
+                </a:solidFill>
+                <a:latin typeface="Adobe Clean"/>
+                <a:cs typeface="Adobe Clean"/>
+              </a:rPr>
+              <a:t>f</a:t>
+            </a:r>
+            <a:r>
+              <a:rPr lang="en-US" sz="1200" b="1" spc="-15">
+                <a:solidFill>
+                  <a:srgbClr val="020302"/>
+                </a:solidFill>
+                <a:latin typeface="Adobe Clean"/>
+                <a:cs typeface="Adobe Clean"/>
+              </a:rPr>
+              <a:t>o</a:t>
+            </a:r>
+            <a:r>
+              <a:rPr lang="en-US" sz="1200" b="1">
+                <a:solidFill>
+                  <a:srgbClr val="020302"/>
+                </a:solidFill>
+                <a:latin typeface="Adobe Clean"/>
+                <a:cs typeface="Adobe Clean"/>
+              </a:rPr>
+              <a:t>r</a:t>
+            </a:r>
+            <a:r>
+              <a:rPr lang="en-US" sz="1200" b="1" spc="-45">
+                <a:solidFill>
+                  <a:srgbClr val="020302"/>
+                </a:solidFill>
+                <a:latin typeface="Adobe Clean"/>
+                <a:cs typeface="Adobe Clean"/>
+              </a:rPr>
+              <a:t> </a:t>
+            </a:r>
+            <a:r>
+              <a:rPr lang="en-US" sz="1200" b="1" spc="-30">
+                <a:solidFill>
+                  <a:srgbClr val="020302"/>
+                </a:solidFill>
+                <a:latin typeface="Adobe Clean"/>
+                <a:cs typeface="Adobe Clean"/>
+              </a:rPr>
+              <a:t>A</a:t>
+            </a:r>
+            <a:r>
+              <a:rPr lang="en-US" sz="1200" b="1" spc="-25">
+                <a:solidFill>
+                  <a:srgbClr val="020302"/>
+                </a:solidFill>
+                <a:latin typeface="Adobe Clean"/>
+                <a:cs typeface="Adobe Clean"/>
+              </a:rPr>
+              <a:t>E</a:t>
+            </a:r>
+            <a:r>
+              <a:rPr lang="en-US" sz="1200" b="1">
+                <a:solidFill>
+                  <a:srgbClr val="020302"/>
+                </a:solidFill>
+                <a:latin typeface="Adobe Clean"/>
+                <a:cs typeface="Adobe Clean"/>
+              </a:rPr>
+              <a:t>M</a:t>
+            </a:r>
+            <a:r>
+              <a:rPr lang="en-US" sz="1200" b="1" spc="-50">
+                <a:solidFill>
+                  <a:srgbClr val="020302"/>
+                </a:solidFill>
+                <a:latin typeface="Adobe Clean"/>
+                <a:cs typeface="Adobe Clean"/>
+              </a:rPr>
+              <a:t> </a:t>
+            </a:r>
+            <a:r>
+              <a:rPr lang="en-US" sz="1200" b="1" spc="-20">
+                <a:solidFill>
+                  <a:srgbClr val="020302"/>
+                </a:solidFill>
+                <a:latin typeface="Adobe Clean"/>
+                <a:cs typeface="Adobe Clean"/>
+              </a:rPr>
+              <a:t>a</a:t>
+            </a:r>
+            <a:r>
+              <a:rPr lang="en-US" sz="1200" b="1">
+                <a:solidFill>
+                  <a:srgbClr val="020302"/>
+                </a:solidFill>
+                <a:latin typeface="Adobe Clean"/>
+                <a:cs typeface="Adobe Clean"/>
+              </a:rPr>
+              <a:t>s</a:t>
+            </a:r>
+            <a:r>
+              <a:rPr lang="en-US" sz="1200" b="1" spc="-45">
+                <a:solidFill>
+                  <a:srgbClr val="020302"/>
+                </a:solidFill>
+                <a:latin typeface="Adobe Clean"/>
+                <a:cs typeface="Adobe Clean"/>
+              </a:rPr>
+              <a:t> </a:t>
+            </a:r>
+            <a:r>
+              <a:rPr lang="en-US" sz="1200" b="1">
+                <a:solidFill>
+                  <a:srgbClr val="020302"/>
+                </a:solidFill>
+                <a:latin typeface="Adobe Clean"/>
+                <a:cs typeface="Adobe Clean"/>
+              </a:rPr>
+              <a:t>a</a:t>
+            </a:r>
+            <a:r>
+              <a:rPr lang="en-US" sz="1200" b="1" spc="-40">
+                <a:solidFill>
+                  <a:srgbClr val="020302"/>
+                </a:solidFill>
+                <a:latin typeface="Adobe Clean"/>
+                <a:cs typeface="Adobe Clean"/>
+              </a:rPr>
+              <a:t> </a:t>
+            </a:r>
+            <a:r>
+              <a:rPr lang="en-US" sz="1200" b="1" spc="-15">
+                <a:solidFill>
+                  <a:srgbClr val="020302"/>
+                </a:solidFill>
+                <a:latin typeface="Adobe Clean"/>
+                <a:cs typeface="Adobe Clean"/>
+              </a:rPr>
+              <a:t>C</a:t>
+            </a:r>
+            <a:r>
+              <a:rPr lang="en-US" sz="1200" b="1" spc="-25">
+                <a:solidFill>
+                  <a:srgbClr val="020302"/>
+                </a:solidFill>
+                <a:latin typeface="Adobe Clean"/>
+                <a:cs typeface="Adobe Clean"/>
+              </a:rPr>
+              <a:t>l</a:t>
+            </a:r>
+            <a:r>
+              <a:rPr lang="en-US" sz="1200" b="1" spc="-15">
+                <a:solidFill>
+                  <a:srgbClr val="020302"/>
+                </a:solidFill>
+                <a:latin typeface="Adobe Clean"/>
+                <a:cs typeface="Adobe Clean"/>
+              </a:rPr>
+              <a:t>ou</a:t>
+            </a:r>
+            <a:r>
+              <a:rPr lang="en-US" sz="1200" b="1">
+                <a:solidFill>
+                  <a:srgbClr val="020302"/>
+                </a:solidFill>
+                <a:latin typeface="Adobe Clean"/>
+                <a:cs typeface="Adobe Clean"/>
+              </a:rPr>
+              <a:t>d</a:t>
+            </a:r>
+            <a:r>
+              <a:rPr lang="en-US" sz="1200" b="1" spc="-50">
+                <a:solidFill>
+                  <a:srgbClr val="020302"/>
+                </a:solidFill>
+                <a:latin typeface="Adobe Clean"/>
+                <a:cs typeface="Adobe Clean"/>
+              </a:rPr>
+              <a:t> </a:t>
+            </a:r>
+            <a:r>
+              <a:rPr lang="en-US" sz="1200" b="1" spc="-20">
+                <a:solidFill>
+                  <a:srgbClr val="020302"/>
+                </a:solidFill>
+                <a:latin typeface="Adobe Clean"/>
+                <a:cs typeface="Adobe Clean"/>
+              </a:rPr>
+              <a:t>S</a:t>
+            </a:r>
+            <a:r>
+              <a:rPr lang="en-US" sz="1200" b="1" spc="-25">
+                <a:solidFill>
+                  <a:srgbClr val="020302"/>
+                </a:solidFill>
+                <a:latin typeface="Adobe Clean"/>
+                <a:cs typeface="Adobe Clean"/>
+              </a:rPr>
+              <a:t>e</a:t>
+            </a:r>
+            <a:r>
+              <a:rPr lang="en-US" sz="1200" b="1" spc="-20">
+                <a:solidFill>
+                  <a:srgbClr val="020302"/>
+                </a:solidFill>
+                <a:latin typeface="Adobe Clean"/>
+                <a:cs typeface="Adobe Clean"/>
+              </a:rPr>
+              <a:t>r</a:t>
+            </a:r>
+            <a:r>
+              <a:rPr lang="en-US" sz="1200" b="1" spc="-25">
+                <a:solidFill>
+                  <a:srgbClr val="020302"/>
+                </a:solidFill>
+                <a:latin typeface="Adobe Clean"/>
+                <a:cs typeface="Adobe Clean"/>
+              </a:rPr>
+              <a:t>v</a:t>
+            </a:r>
+            <a:r>
+              <a:rPr lang="en-US" sz="1200" b="1" spc="-20">
+                <a:solidFill>
+                  <a:srgbClr val="020302"/>
+                </a:solidFill>
+                <a:latin typeface="Adobe Clean"/>
+                <a:cs typeface="Adobe Clean"/>
+              </a:rPr>
+              <a:t>i</a:t>
+            </a:r>
+            <a:r>
+              <a:rPr lang="en-US" sz="1200" b="1" spc="-30">
+                <a:solidFill>
+                  <a:srgbClr val="020302"/>
+                </a:solidFill>
+                <a:latin typeface="Adobe Clean"/>
+                <a:cs typeface="Adobe Clean"/>
+              </a:rPr>
+              <a:t>c</a:t>
+            </a:r>
+            <a:r>
+              <a:rPr lang="en-US" sz="1200" b="1">
+                <a:solidFill>
+                  <a:srgbClr val="020302"/>
+                </a:solidFill>
+                <a:latin typeface="Adobe Clean"/>
+                <a:cs typeface="Adobe Clean"/>
+              </a:rPr>
+              <a:t>e</a:t>
+            </a:r>
+            <a:endParaRPr lang="en-US" sz="1200">
+              <a:latin typeface="Adobe Clean"/>
+              <a:cs typeface="Adobe Clean"/>
+            </a:endParaRPr>
           </a:p>
         </p:txBody>
       </p:sp>
@@ -12909,15 +15289,49 @@
               </a:lnSpc>
             </a:pPr>
             <a:r>
-              <a:rPr lang="pt-BR" sz="500">
+              <a:rPr sz="500" spc="-5">
                 <a:solidFill>
                   <a:srgbClr val="6C6C6C"/>
                 </a:solidFill>
                 <a:latin typeface="Adobe Clean"/>
                 <a:cs typeface="Adobe Clean"/>
               </a:rPr>
-              <a:t>©2020 Adobe. All Rights Reserved. Adobe Confidential.</a:t>
-            </a:r>
+              <a:t>©2020 Adobe. All Rights Reserved. </a:t>
+            </a:r>
+            <a:r>
+              <a:rPr sz="500">
+                <a:solidFill>
+                  <a:srgbClr val="6C6C6C"/>
+                </a:solidFill>
+                <a:latin typeface="Adobe Clean"/>
+                <a:cs typeface="Adobe Clean"/>
+              </a:rPr>
+              <a:t>Adobe</a:t>
+            </a:r>
+            <a:r>
+              <a:rPr sz="500" spc="5">
+                <a:solidFill>
+                  <a:srgbClr val="6C6C6C"/>
+                </a:solidFill>
+                <a:latin typeface="Adobe Clean"/>
+                <a:cs typeface="Adobe Clean"/>
+              </a:rPr>
+              <a:t> </a:t>
+            </a:r>
+            <a:r>
+              <a:rPr sz="500" spc="-5">
+                <a:solidFill>
+                  <a:srgbClr val="6C6C6C"/>
+                </a:solidFill>
+                <a:latin typeface="Adobe Clean"/>
+                <a:cs typeface="Adobe Clean"/>
+              </a:rPr>
+              <a:t>Confidential.</a:t>
+            </a:r>
+            <a:endParaRPr sz="500">
+              <a:latin typeface="Adobe Clean"/>
+              <a:cs typeface="Adobe Clean"/>
+            </a:endParaRPr>
           </a:p>
           <a:p>
             <a:pPr>
@@ -12943,15 +15357,39 @@
               </a:spcBef>
             </a:pPr>
             <a:r>
-              <a:rPr lang="pt-BR" sz="800">
+              <a:rPr sz="800" spc="-5">
                 <a:solidFill>
                   <a:srgbClr val="6D6D6D"/>
                 </a:solidFill>
                 <a:latin typeface="Adobe Clean"/>
                 <a:cs typeface="Adobe Clean"/>
               </a:rPr>
-              <a:t>©2020 Adobe. All Rights Reserved. Adobe Confidential.</a:t>
-            </a:r>
+              <a:t>©2020 Adobe. All Rights Reserved. Adobe</a:t>
+            </a:r>
+            <a:r>
+              <a:rPr sz="800" spc="75">
+                <a:solidFill>
+                  <a:srgbClr val="6D6D6D"/>
+                </a:solidFill>
+                <a:latin typeface="Adobe Clean"/>
+                <a:cs typeface="Adobe Clean"/>
+              </a:rPr>
+              <a:t> </a:t>
+            </a:r>
+            <a:r>
+              <a:rPr sz="800" spc="-5">
+                <a:solidFill>
+                  <a:srgbClr val="6D6D6D"/>
+                </a:solidFill>
+                <a:latin typeface="Adobe Clean"/>
+                <a:cs typeface="Adobe Clean"/>
+              </a:rPr>
+              <a:t>Confidential.</a:t>
+            </a:r>
+            <a:endParaRPr sz="800">
+              <a:latin typeface="Adobe Clean"/>
+              <a:cs typeface="Adobe Clean"/>
+            </a:endParaRPr>
           </a:p>
         </p:txBody>
       </p:sp>
@@ -13035,15 +15473,19 @@
               </a:spcBef>
             </a:pPr>
             <a:r>
-              <a:rPr lang="pt-BR" sz="1400" b="1">
+              <a:rPr lang="en-US" sz="1400" b="1" spc="-15">
                 <a:solidFill>
                   <a:srgbClr val="020302"/>
                 </a:solidFill>
                 <a:latin typeface="Adobe Clean"/>
                 <a:cs typeface="Adobe Clean"/>
               </a:rPr>
-              <a:t>Recursos</a:t>
-            </a:r>
+              <a:t>Resources</a:t>
+            </a:r>
+            <a:endParaRPr sz="1400">
+              <a:latin typeface="Adobe Clean"/>
+              <a:cs typeface="Adobe Clean"/>
+            </a:endParaRPr>
           </a:p>
         </p:txBody>
       </p:sp>
@@ -13077,7 +15519,7 @@
               </a:spcBef>
             </a:pPr>
             <a:r>
-              <a:rPr lang="pt-BR" sz="800">
+              <a:rPr sz="800" spc="-15">
                 <a:solidFill>
                   <a:srgbClr val="777879"/>
                 </a:solidFill>
@@ -13086,6 +15528,10 @@
               </a:rPr>
               <a:t>Adobe</a:t>
             </a:r>
+            <a:endParaRPr sz="800">
+              <a:latin typeface="Adobe Clean"/>
+              <a:cs typeface="Adobe Clean"/>
+            </a:endParaRPr>
           </a:p>
           <a:p>
             <a:pPr marL="12700">
@@ -13094,15 +15540,39 @@
               </a:lnSpc>
             </a:pPr>
             <a:r>
-              <a:rPr lang="pt-BR" sz="800">
+              <a:rPr sz="800" spc="-15">
                 <a:solidFill>
                   <a:srgbClr val="777879"/>
                 </a:solidFill>
                 <a:latin typeface="Adobe Clean"/>
                 <a:cs typeface="Adobe Clean"/>
               </a:rPr>
-              <a:t>345 Park Avenue</a:t>
-            </a:r>
+              <a:t>345 Park</a:t>
+            </a:r>
+            <a:r>
+              <a:rPr sz="800" spc="-100">
+                <a:solidFill>
+                  <a:srgbClr val="777879"/>
+                </a:solidFill>
+                <a:latin typeface="Adobe Clean"/>
+                <a:cs typeface="Adobe Clean"/>
+              </a:rPr>
+              <a:t> </a:t>
+            </a:r>
+            <a:r>
+              <a:rPr sz="800" spc="-15">
+                <a:solidFill>
+                  <a:srgbClr val="777879"/>
+                </a:solidFill>
+                <a:latin typeface="Adobe Clean"/>
+                <a:cs typeface="Adobe Clean"/>
+              </a:rPr>
+              <a:t>Avenue</a:t>
+            </a:r>
+            <a:endParaRPr sz="800">
+              <a:latin typeface="Adobe Clean"/>
+              <a:cs typeface="Adobe Clean"/>
+            </a:endParaRPr>
           </a:p>
           <a:p>
             <a:pPr marL="12700">
@@ -13111,15 +15581,49 @@
               </a:lnSpc>
             </a:pPr>
             <a:r>
-              <a:rPr lang="pt-BR" sz="800">
+              <a:rPr sz="800" spc="-10">
                 <a:solidFill>
                   <a:srgbClr val="777879"/>
                 </a:solidFill>
                 <a:latin typeface="Adobe Clean"/>
                 <a:cs typeface="Adobe Clean"/>
               </a:rPr>
-              <a:t>San Jose, CA95110-2704</a:t>
-            </a:r>
+              <a:t>San </a:t>
+            </a:r>
+            <a:r>
+              <a:rPr sz="800" spc="-15">
+                <a:solidFill>
+                  <a:srgbClr val="777879"/>
+                </a:solidFill>
+                <a:latin typeface="Adobe Clean"/>
+                <a:cs typeface="Adobe Clean"/>
+              </a:rPr>
+              <a:t>Jose,</a:t>
+            </a:r>
+            <a:r>
+              <a:rPr sz="800" spc="-140">
+                <a:solidFill>
+                  <a:srgbClr val="777879"/>
+                </a:solidFill>
+                <a:latin typeface="Adobe Clean"/>
+                <a:cs typeface="Adobe Clean"/>
+              </a:rPr>
+              <a:t> </a:t>
+            </a:r>
+            <a:r>
+              <a:rPr sz="800" spc="-20">
+                <a:solidFill>
+                  <a:srgbClr val="777879"/>
+                </a:solidFill>
+                <a:latin typeface="Adobe Clean"/>
+                <a:cs typeface="Adobe Clean"/>
+              </a:rPr>
+              <a:t>CA95110-2704</a:t>
+            </a:r>
+            <a:endParaRPr sz="800">
+              <a:latin typeface="Adobe Clean"/>
+              <a:cs typeface="Adobe Clean"/>
+            </a:endParaRPr>
           </a:p>
           <a:p>
             <a:pPr marL="12700">
@@ -13131,7 +15635,7 @@
               </a:spcBef>
             </a:pPr>
             <a:r>
-              <a:rPr lang="pt-BR" sz="800">
+              <a:rPr sz="800" spc="-10">
                 <a:solidFill>
                   <a:srgbClr val="777879"/>
                 </a:solidFill>
@@ -13140,6 +15644,10 @@
               </a:rPr>
               <a:t>USA</a:t>
             </a:r>
+            <a:endParaRPr sz="800">
+              <a:latin typeface="Adobe Clean"/>
+              <a:cs typeface="Adobe Clean"/>
+            </a:endParaRPr>
           </a:p>
           <a:p>
             <a:pPr marL="12700">
@@ -13151,7 +15659,7 @@
               </a:spcBef>
             </a:pPr>
             <a:r>
-              <a:rPr lang="pt-BR" sz="800" u="sng">
+              <a:rPr sz="800" u="sng" spc="-25">
                 <a:solidFill>
                   <a:srgbClr val="5F5F5F"/>
                 </a:solidFill>
@@ -13166,6 +15674,10 @@
               </a:rPr>
               <a:t>www.adobe.com</a:t>
             </a:r>
+            <a:endParaRPr sz="800">
+              <a:latin typeface="Adobe Clean"/>
+              <a:cs typeface="Adobe Clean"/>
+            </a:endParaRPr>
           </a:p>
         </p:txBody>
       </p:sp>
@@ -13319,7 +15831,7 @@
         <p:spPr>
           <a:xfrm>
             <a:off x="75947" y="9437110"/>
-            <a:ext cx="5715253" cy="570865"/>
+            <a:ext cx="5466715" cy="570865"/>
           </a:xfrm>
           <a:prstGeom prst="rect">
             <a:avLst/>
@@ -13340,34 +15852,429 @@
               </a:spcBef>
             </a:pPr>
             <a:r>
-              <a:rPr lang="pt-BR" sz="1100" i="1" dirty="0">
+              <a:rPr sz="1100" i="1" spc="-10">
                 <a:solidFill>
                   <a:srgbClr val="777879"/>
                 </a:solidFill>
                 <a:latin typeface="AdobeClean-LightIt"/>
                 <a:cs typeface="AdobeClean-LightIt"/>
               </a:rPr>
-              <a:t>Para saber mais sobre os Serviços de suporte Adobe e identificar o nível certo para você, entre em contato </a:t>
-            </a:r>
-            <a:br>
-              <a:rPr lang="sk-SK" sz="1100" i="1" dirty="0">
+              <a:t>To</a:t>
+            </a:r>
+            <a:r>
+              <a:rPr sz="1100" i="1" spc="-50">
                 <a:solidFill>
                   <a:srgbClr val="777879"/>
                 </a:solidFill>
                 <a:latin typeface="AdobeClean-LightIt"/>
                 <a:cs typeface="AdobeClean-LightIt"/>
               </a:rPr>
-            </a:br>
-            <a:r>
-              <a:rPr lang="pt-BR" sz="1100" i="1" dirty="0">
+              <a:t> </a:t>
+            </a:r>
+            <a:r>
+              <a:rPr sz="1100" i="1" spc="-15">
                 <a:solidFill>
                   <a:srgbClr val="777879"/>
                 </a:solidFill>
                 <a:latin typeface="AdobeClean-LightIt"/>
                 <a:cs typeface="AdobeClean-LightIt"/>
               </a:rPr>
-              <a:t>com o seu Gerente de conta nomeado (NAM, em inglês) ou Gerente de sucesso do cliente (CSM, em inglês).</a:t>
-            </a:r>
+              <a:t>learn</a:t>
+            </a:r>
+            <a:r>
+              <a:rPr sz="1100" i="1" spc="-40">
+                <a:solidFill>
+                  <a:srgbClr val="777879"/>
+                </a:solidFill>
+                <a:latin typeface="AdobeClean-LightIt"/>
+                <a:cs typeface="AdobeClean-LightIt"/>
+              </a:rPr>
+              <a:t> </a:t>
+            </a:r>
+            <a:r>
+              <a:rPr sz="1100" i="1" spc="-15">
+                <a:solidFill>
+                  <a:srgbClr val="777879"/>
+                </a:solidFill>
+                <a:latin typeface="AdobeClean-LightIt"/>
+                <a:cs typeface="AdobeClean-LightIt"/>
+              </a:rPr>
+              <a:t>more</a:t>
+            </a:r>
+            <a:r>
+              <a:rPr sz="1100" i="1" spc="-45">
+                <a:solidFill>
+                  <a:srgbClr val="777879"/>
+                </a:solidFill>
+                <a:latin typeface="AdobeClean-LightIt"/>
+                <a:cs typeface="AdobeClean-LightIt"/>
+              </a:rPr>
+              <a:t> </a:t>
+            </a:r>
+            <a:r>
+              <a:rPr sz="1100" i="1" spc="-15">
+                <a:solidFill>
+                  <a:srgbClr val="777879"/>
+                </a:solidFill>
+                <a:latin typeface="AdobeClean-LightIt"/>
+                <a:cs typeface="AdobeClean-LightIt"/>
+              </a:rPr>
+              <a:t>about</a:t>
+            </a:r>
+            <a:r>
+              <a:rPr sz="1100" i="1" spc="-45">
+                <a:solidFill>
+                  <a:srgbClr val="777879"/>
+                </a:solidFill>
+                <a:latin typeface="AdobeClean-LightIt"/>
+                <a:cs typeface="AdobeClean-LightIt"/>
+              </a:rPr>
+              <a:t> </a:t>
+            </a:r>
+            <a:r>
+              <a:rPr sz="1100" i="1" spc="-15">
+                <a:solidFill>
+                  <a:srgbClr val="777879"/>
+                </a:solidFill>
+                <a:latin typeface="AdobeClean-LightIt"/>
+                <a:cs typeface="AdobeClean-LightIt"/>
+              </a:rPr>
+              <a:t>Adobe</a:t>
+            </a:r>
+            <a:r>
+              <a:rPr sz="1100" i="1" spc="-60">
+                <a:solidFill>
+                  <a:srgbClr val="777879"/>
+                </a:solidFill>
+                <a:latin typeface="AdobeClean-LightIt"/>
+                <a:cs typeface="AdobeClean-LightIt"/>
+              </a:rPr>
+              <a:t> </a:t>
+            </a:r>
+            <a:r>
+              <a:rPr sz="1100" i="1" spc="-15">
+                <a:solidFill>
+                  <a:srgbClr val="777879"/>
+                </a:solidFill>
+                <a:latin typeface="AdobeClean-LightIt"/>
+                <a:cs typeface="AdobeClean-LightIt"/>
+              </a:rPr>
+              <a:t>Support</a:t>
+            </a:r>
+            <a:r>
+              <a:rPr lang="en-US" sz="1100" i="1" spc="-15">
+                <a:solidFill>
+                  <a:srgbClr val="777879"/>
+                </a:solidFill>
+                <a:latin typeface="AdobeClean-LightIt"/>
+                <a:cs typeface="AdobeClean-LightIt"/>
+              </a:rPr>
+              <a:t> Offerings</a:t>
+            </a:r>
+            <a:r>
+              <a:rPr sz="1100" i="1" spc="-75">
+                <a:solidFill>
+                  <a:srgbClr val="777879"/>
+                </a:solidFill>
+                <a:latin typeface="AdobeClean-LightIt"/>
+                <a:cs typeface="AdobeClean-LightIt"/>
+              </a:rPr>
+              <a:t> </a:t>
+            </a:r>
+            <a:r>
+              <a:rPr sz="1100" i="1" spc="-15">
+                <a:solidFill>
+                  <a:srgbClr val="777879"/>
+                </a:solidFill>
+                <a:latin typeface="AdobeClean-LightIt"/>
+                <a:cs typeface="AdobeClean-LightIt"/>
+              </a:rPr>
+              <a:t>and</a:t>
+            </a:r>
+            <a:r>
+              <a:rPr sz="1100" i="1" spc="-50">
+                <a:solidFill>
+                  <a:srgbClr val="777879"/>
+                </a:solidFill>
+                <a:latin typeface="AdobeClean-LightIt"/>
+                <a:cs typeface="AdobeClean-LightIt"/>
+              </a:rPr>
+              <a:t> </a:t>
+            </a:r>
+            <a:r>
+              <a:rPr sz="1100" i="1" spc="-15">
+                <a:solidFill>
+                  <a:srgbClr val="777879"/>
+                </a:solidFill>
+                <a:latin typeface="AdobeClean-LightIt"/>
+                <a:cs typeface="AdobeClean-LightIt"/>
+              </a:rPr>
+              <a:t>the</a:t>
+            </a:r>
+            <a:r>
+              <a:rPr sz="1100" i="1" spc="-55">
+                <a:solidFill>
+                  <a:srgbClr val="777879"/>
+                </a:solidFill>
+                <a:latin typeface="AdobeClean-LightIt"/>
+                <a:cs typeface="AdobeClean-LightIt"/>
+              </a:rPr>
+              <a:t> </a:t>
+            </a:r>
+            <a:r>
+              <a:rPr sz="1100" i="1" spc="-15">
+                <a:solidFill>
+                  <a:srgbClr val="777879"/>
+                </a:solidFill>
+                <a:latin typeface="AdobeClean-LightIt"/>
+                <a:cs typeface="AdobeClean-LightIt"/>
+              </a:rPr>
+              <a:t>right</a:t>
+            </a:r>
+            <a:r>
+              <a:rPr sz="1100" i="1" spc="-95">
+                <a:solidFill>
+                  <a:srgbClr val="777879"/>
+                </a:solidFill>
+                <a:latin typeface="AdobeClean-LightIt"/>
+                <a:cs typeface="AdobeClean-LightIt"/>
+              </a:rPr>
+              <a:t> </a:t>
+            </a:r>
+            <a:r>
+              <a:rPr sz="1100" i="1" spc="-15">
+                <a:solidFill>
+                  <a:srgbClr val="777879"/>
+                </a:solidFill>
+                <a:latin typeface="AdobeClean-LightIt"/>
+                <a:cs typeface="AdobeClean-LightIt"/>
+              </a:rPr>
+              <a:t>level</a:t>
+            </a:r>
+            <a:r>
+              <a:rPr sz="1100" i="1" spc="-55">
+                <a:solidFill>
+                  <a:srgbClr val="777879"/>
+                </a:solidFill>
+                <a:latin typeface="AdobeClean-LightIt"/>
+                <a:cs typeface="AdobeClean-LightIt"/>
+              </a:rPr>
+              <a:t> </a:t>
+            </a:r>
+            <a:r>
+              <a:rPr sz="1100" i="1" spc="-15">
+                <a:solidFill>
+                  <a:srgbClr val="777879"/>
+                </a:solidFill>
+                <a:latin typeface="AdobeClean-LightIt"/>
+                <a:cs typeface="AdobeClean-LightIt"/>
+              </a:rPr>
+              <a:t>for</a:t>
+            </a:r>
+            <a:r>
+              <a:rPr sz="1100" i="1" spc="-85">
+                <a:solidFill>
+                  <a:srgbClr val="777879"/>
+                </a:solidFill>
+                <a:latin typeface="AdobeClean-LightIt"/>
+                <a:cs typeface="AdobeClean-LightIt"/>
+              </a:rPr>
+              <a:t> </a:t>
+            </a:r>
+            <a:r>
+              <a:rPr sz="1100" i="1" spc="-15">
+                <a:solidFill>
+                  <a:srgbClr val="777879"/>
+                </a:solidFill>
+                <a:latin typeface="AdobeClean-LightIt"/>
+                <a:cs typeface="AdobeClean-LightIt"/>
+              </a:rPr>
+              <a:t>you,</a:t>
+            </a:r>
+            <a:r>
+              <a:rPr sz="1100" i="1" spc="-65">
+                <a:solidFill>
+                  <a:srgbClr val="777879"/>
+                </a:solidFill>
+                <a:latin typeface="AdobeClean-LightIt"/>
+                <a:cs typeface="AdobeClean-LightIt"/>
+              </a:rPr>
+              <a:t> </a:t>
+            </a:r>
+            <a:r>
+              <a:rPr sz="1100" i="1" spc="-15">
+                <a:solidFill>
+                  <a:srgbClr val="777879"/>
+                </a:solidFill>
+                <a:latin typeface="AdobeClean-LightIt"/>
+                <a:cs typeface="AdobeClean-LightIt"/>
+              </a:rPr>
+              <a:t>contact</a:t>
+            </a:r>
+            <a:r>
+              <a:rPr sz="1100" i="1" spc="-85">
+                <a:solidFill>
+                  <a:srgbClr val="777879"/>
+                </a:solidFill>
+                <a:latin typeface="AdobeClean-LightIt"/>
+                <a:cs typeface="AdobeClean-LightIt"/>
+              </a:rPr>
+              <a:t> </a:t>
+            </a:r>
+            <a:r>
+              <a:rPr sz="1100" i="1" spc="-15">
+                <a:solidFill>
+                  <a:srgbClr val="777879"/>
+                </a:solidFill>
+                <a:latin typeface="AdobeClean-LightIt"/>
+                <a:cs typeface="AdobeClean-LightIt"/>
+              </a:rPr>
+              <a:t>your</a:t>
+            </a:r>
+            <a:r>
+              <a:rPr sz="1100" i="1" spc="-70">
+                <a:solidFill>
+                  <a:srgbClr val="777879"/>
+                </a:solidFill>
+                <a:latin typeface="AdobeClean-LightIt"/>
+                <a:cs typeface="AdobeClean-LightIt"/>
+              </a:rPr>
+              <a:t> </a:t>
+            </a:r>
+            <a:r>
+              <a:rPr sz="1100" i="1" spc="-15">
+                <a:solidFill>
+                  <a:srgbClr val="777879"/>
+                </a:solidFill>
+                <a:latin typeface="AdobeClean-LightIt"/>
+                <a:cs typeface="AdobeClean-LightIt"/>
+              </a:rPr>
+              <a:t>Named</a:t>
+            </a:r>
+            <a:r>
+              <a:rPr sz="1100" i="1" spc="-55">
+                <a:solidFill>
+                  <a:srgbClr val="777879"/>
+                </a:solidFill>
+                <a:latin typeface="AdobeClean-LightIt"/>
+                <a:cs typeface="AdobeClean-LightIt"/>
+              </a:rPr>
+              <a:t> </a:t>
+            </a:r>
+            <a:r>
+              <a:rPr sz="1100" i="1" spc="-25">
+                <a:solidFill>
+                  <a:srgbClr val="777879"/>
+                </a:solidFill>
+                <a:latin typeface="AdobeClean-LightIt"/>
+                <a:cs typeface="AdobeClean-LightIt"/>
+              </a:rPr>
+              <a:t>Account</a:t>
+            </a:r>
+            <a:r>
+              <a:rPr sz="1100" i="1" spc="-120">
+                <a:solidFill>
+                  <a:srgbClr val="777879"/>
+                </a:solidFill>
+                <a:latin typeface="AdobeClean-LightIt"/>
+                <a:cs typeface="AdobeClean-LightIt"/>
+              </a:rPr>
+              <a:t> </a:t>
+            </a:r>
+            <a:r>
+              <a:rPr sz="1100" i="1" spc="-20">
+                <a:solidFill>
+                  <a:srgbClr val="777879"/>
+                </a:solidFill>
+                <a:latin typeface="AdobeClean-LightIt"/>
+                <a:cs typeface="AdobeClean-LightIt"/>
+              </a:rPr>
+              <a:t>Manager  </a:t>
+            </a:r>
+            <a:r>
+              <a:rPr sz="1100" i="1" spc="-15">
+                <a:solidFill>
+                  <a:srgbClr val="777879"/>
+                </a:solidFill>
+                <a:latin typeface="AdobeClean-LightIt"/>
+                <a:cs typeface="AdobeClean-LightIt"/>
+              </a:rPr>
+              <a:t>(NAM) </a:t>
+            </a:r>
+            <a:r>
+              <a:rPr sz="1100" i="1" spc="-10">
+                <a:solidFill>
+                  <a:srgbClr val="777879"/>
+                </a:solidFill>
+                <a:latin typeface="AdobeClean-LightIt"/>
+                <a:cs typeface="AdobeClean-LightIt"/>
+              </a:rPr>
+              <a:t>or </a:t>
+            </a:r>
+            <a:r>
+              <a:rPr sz="1100" i="1" spc="-15">
+                <a:solidFill>
+                  <a:srgbClr val="777879"/>
+                </a:solidFill>
+                <a:latin typeface="AdobeClean-LightIt"/>
+                <a:cs typeface="AdobeClean-LightIt"/>
+              </a:rPr>
+              <a:t>Customer </a:t>
+            </a:r>
+            <a:r>
+              <a:rPr sz="1100" i="1" spc="-20">
+                <a:solidFill>
+                  <a:srgbClr val="777879"/>
+                </a:solidFill>
+                <a:latin typeface="AdobeClean-LightIt"/>
+                <a:cs typeface="AdobeClean-LightIt"/>
+              </a:rPr>
+              <a:t>Success</a:t>
+            </a:r>
+            <a:r>
+              <a:rPr sz="1100" i="1" spc="-180">
+                <a:solidFill>
+                  <a:srgbClr val="777879"/>
+                </a:solidFill>
+                <a:latin typeface="AdobeClean-LightIt"/>
+                <a:cs typeface="AdobeClean-LightIt"/>
+              </a:rPr>
+              <a:t> </a:t>
+            </a:r>
+            <a:r>
+              <a:rPr sz="1100" i="1" spc="-15">
+                <a:solidFill>
+                  <a:srgbClr val="777879"/>
+                </a:solidFill>
+                <a:latin typeface="AdobeClean-LightIt"/>
+                <a:cs typeface="AdobeClean-LightIt"/>
+              </a:rPr>
+              <a:t>Manager</a:t>
+            </a:r>
+            <a:r>
+              <a:rPr lang="en-US" sz="1100" i="1" spc="-15">
+                <a:solidFill>
+                  <a:srgbClr val="777879"/>
+                </a:solidFill>
+                <a:latin typeface="AdobeClean-LightIt"/>
+                <a:cs typeface="AdobeClean-LightIt"/>
+              </a:rPr>
+              <a:t> </a:t>
+            </a:r>
+            <a:r>
+              <a:rPr sz="1100" i="1" spc="-15">
+                <a:solidFill>
+                  <a:srgbClr val="777879"/>
+                </a:solidFill>
+                <a:latin typeface="AdobeClean-LightIt"/>
+                <a:cs typeface="AdobeClean-LightIt"/>
+              </a:rPr>
+              <a:t>(CSM)</a:t>
+            </a:r>
+            <a:endParaRPr sz="1100">
+              <a:latin typeface="AdobeClean-LightIt"/>
+              <a:cs typeface="AdobeClean-LightIt"/>
+            </a:endParaRPr>
           </a:p>
           <a:p>
             <a:pPr marL="34290">
@@ -13379,15 +16286,59 @@
               </a:spcBef>
             </a:pPr>
             <a:r>
-              <a:rPr lang="pt-BR" sz="800" dirty="0">
+              <a:rPr sz="800" spc="-5">
                 <a:solidFill>
                   <a:srgbClr val="6D6D6D"/>
                 </a:solidFill>
                 <a:latin typeface="Adobe Clean"/>
                 <a:cs typeface="Adobe Clean"/>
               </a:rPr>
-              <a:t>©2021 Adobe. All Rights Reserved. Adobe Confidential.</a:t>
-            </a:r>
+              <a:t>©202</a:t>
+            </a:r>
+            <a:r>
+              <a:rPr lang="en-US" sz="800" spc="-5">
+                <a:solidFill>
+                  <a:srgbClr val="6D6D6D"/>
+                </a:solidFill>
+                <a:latin typeface="Adobe Clean"/>
+                <a:cs typeface="Adobe Clean"/>
+              </a:rPr>
+              <a:t>1</a:t>
+            </a:r>
+            <a:r>
+              <a:rPr sz="800" spc="-5">
+                <a:solidFill>
+                  <a:srgbClr val="6D6D6D"/>
+                </a:solidFill>
+                <a:latin typeface="Adobe Clean"/>
+                <a:cs typeface="Adobe Clean"/>
+              </a:rPr>
+              <a:t> Adobe. All Rights Reserved. Adobe</a:t>
+            </a:r>
+            <a:r>
+              <a:rPr sz="800" spc="75">
+                <a:solidFill>
+                  <a:srgbClr val="6D6D6D"/>
+                </a:solidFill>
+                <a:latin typeface="Adobe Clean"/>
+                <a:cs typeface="Adobe Clean"/>
+              </a:rPr>
+              <a:t> </a:t>
+            </a:r>
+            <a:r>
+              <a:rPr sz="800" spc="-5">
+                <a:solidFill>
+                  <a:srgbClr val="6D6D6D"/>
+                </a:solidFill>
+                <a:latin typeface="Adobe Clean"/>
+                <a:cs typeface="Adobe Clean"/>
+              </a:rPr>
+              <a:t>Confidential.</a:t>
+            </a:r>
+            <a:endParaRPr sz="800">
+              <a:latin typeface="Adobe Clean"/>
+              <a:cs typeface="Adobe Clean"/>
+            </a:endParaRPr>
           </a:p>
         </p:txBody>
       </p:sp>
@@ -13424,15 +16375,19 @@
               </a:spcBef>
             </a:pPr>
             <a:r>
-              <a:rPr lang="pt-BR" sz="1400" b="1">
+              <a:rPr lang="en-US" sz="1400" b="1" spc="-15">
                 <a:solidFill>
                   <a:srgbClr val="020302"/>
                 </a:solidFill>
                 <a:latin typeface="Adobe Clean"/>
                 <a:cs typeface="Adobe Clean"/>
               </a:rPr>
-              <a:t>Escopo regional do Suporte da Adobe, horário local de operação e suporte de idioma</a:t>
-            </a:r>
+              <a:t>Regional scope of Adobe Support, Local Hours Of Operation And Language Support</a:t>
+            </a:r>
+            <a:endParaRPr lang="en-US" sz="1400" spc="-15">
+              <a:ea typeface="+mn-lt"/>
+              <a:cs typeface="+mn-lt"/>
+            </a:endParaRPr>
           </a:p>
           <a:p>
             <a:pPr>
@@ -13441,14 +16396,17 @@
               </a:spcBef>
             </a:pPr>
             <a:r>
-              <a:rPr lang="pt-BR" sz="1000">
+              <a:rPr lang="en-US" sz="1000" spc="-15">
                 <a:solidFill>
                   <a:srgbClr val="1F1F1F"/>
                 </a:solidFill>
                 <a:latin typeface="AdobeClean-Light"/>
               </a:rPr>
-              <a:t>O escopo regional do Suporte da Adobe é estabelecido alinhando o endereço de faturamento do cliente (conforme a ordem de venda ou outro documento de compra do Suporte da Adobe) a uma das regiões seguintes:</a:t>
-            </a:r>
+              <a:t>The regional scope of Adobe Support is established by aligning the customer's billing address (via the Sales Order or other Adobe Support purchasing document) to one of the following regions:</a:t>
+            </a:r>
+            <a:endParaRPr lang="en-US" sz="1000">
+              <a:latin typeface="AdobeClean-Light"/>
+            </a:endParaRPr>
           </a:p>
         </p:txBody>
       </p:sp>
@@ -13520,13 +16478,13 @@
                     <a:p>
                       <a:pPr algn="ctr"/>
                       <a:r>
-                        <a:rPr lang="pt-BR" sz="1100">
+                        <a:rPr lang="en-US" sz="1100">
                           <a:solidFill>
                             <a:schemeClr val="tx1"/>
                           </a:solidFill>
                           <a:latin typeface="Adobe Clean" panose="020B0503020404020204" pitchFamily="34" charset="0"/>
                         </a:rPr>
-                        <a:t>Américas</a:t>
+                        <a:t>Americas</a:t>
                       </a:r>
                     </a:p>
                   </a:txBody>
@@ -13585,13 +16543,13 @@
                     <a:p>
                       <a:pPr algn="ctr"/>
                       <a:r>
-                        <a:rPr lang="pt-BR" sz="1100">
+                        <a:rPr lang="en-US" sz="1100">
                           <a:solidFill>
                             <a:schemeClr val="tx1"/>
                           </a:solidFill>
                           <a:latin typeface="Adobe Clean" panose="020B0503020404020204" pitchFamily="34" charset="0"/>
                         </a:rPr>
-                        <a:t>Europa, Oriente Médio e África</a:t>
+                        <a:t>Europe, Middle East &amp; Africa</a:t>
                       </a:r>
                     </a:p>
                   </a:txBody>
@@ -13650,13 +16608,13 @@
                     <a:p>
                       <a:pPr algn="ctr"/>
                       <a:r>
-                        <a:rPr lang="pt-BR" sz="1100">
+                        <a:rPr lang="en-US" sz="1100">
                           <a:solidFill>
                             <a:schemeClr val="tx1"/>
                           </a:solidFill>
                           <a:latin typeface="Adobe Clean" panose="020B0503020404020204" pitchFamily="34" charset="0"/>
                         </a:rPr>
-                        <a:t>Ásia–Pacífico</a:t>
+                        <a:t>Asia Pacific</a:t>
                       </a:r>
                     </a:p>
                   </a:txBody>
@@ -13715,16 +16673,16 @@
                     <a:p>
                       <a:pPr algn="ctr"/>
                       <a:r>
-                        <a:rPr lang="pt-BR" sz="1100">
+                        <a:rPr lang="en-US" sz="1100">
                           <a:solidFill>
                             <a:schemeClr val="tx1"/>
                           </a:solidFill>
                           <a:latin typeface="Adobe Clean" panose="020B0503020404020204" pitchFamily="34" charset="0"/>
                         </a:rPr>
-                        <a:t>Japão</a:t>
+                        <a:t>Japan </a:t>
                       </a:r>
                       <a:r>
-                        <a:rPr lang="pt-BR" sz="1100" baseline="30000">
+                        <a:rPr lang="en-US" sz="1100" baseline="30000">
                           <a:solidFill>
                             <a:schemeClr val="tx1"/>
                           </a:solidFill>
@@ -13732,6 +16690,12 @@
                         </a:rPr>
                         <a:t>1 </a:t>
                       </a:r>
+                      <a:endParaRPr lang="en-US" sz="1100">
+                        <a:solidFill>
+                          <a:schemeClr val="tx1"/>
+                        </a:solidFill>
+                        <a:latin typeface="Adobe Clean" panose="020B0503020404020204" pitchFamily="34" charset="0"/>
+                      </a:endParaRPr>
                     </a:p>
                   </a:txBody>
                   <a:tcPr anchor="ctr">
@@ -13796,13 +16760,13 @@
                     <a:p>
                       <a:pPr algn="ctr"/>
                       <a:r>
-                        <a:rPr lang="pt-BR" sz="1100">
+                        <a:rPr lang="en-US" sz="1100">
                           <a:solidFill>
                             <a:schemeClr val="tx1"/>
                           </a:solidFill>
                           <a:latin typeface="Adobe Clean" panose="020B0503020404020204" pitchFamily="34" charset="0"/>
                         </a:rPr>
-                        <a:t>6h – 17h30</a:t>
+                        <a:t>6 am – 5:30 pm</a:t>
                       </a:r>
                     </a:p>
                   </a:txBody>
@@ -13861,13 +16825,13 @@
                     <a:p>
                       <a:pPr algn="ctr"/>
                       <a:r>
-                        <a:rPr lang="pt-BR" sz="1100">
+                        <a:rPr lang="en-US" sz="1100">
                           <a:solidFill>
                             <a:schemeClr val="tx1"/>
                           </a:solidFill>
                           <a:latin typeface="Adobe Clean" panose="020B0503020404020204" pitchFamily="34" charset="0"/>
                         </a:rPr>
-                        <a:t>9h – 17h</a:t>
+                        <a:t>9 am – 5 pm</a:t>
                       </a:r>
                     </a:p>
                   </a:txBody>
@@ -13926,13 +16890,13 @@
                     <a:p>
                       <a:pPr algn="ctr"/>
                       <a:r>
-                        <a:rPr lang="pt-BR" sz="1100">
+                        <a:rPr lang="en-US" sz="1100">
                           <a:solidFill>
                             <a:schemeClr val="tx1"/>
                           </a:solidFill>
                           <a:latin typeface="Adobe Clean" panose="020B0503020404020204" pitchFamily="34" charset="0"/>
                         </a:rPr>
-                        <a:t>9h – 17h</a:t>
+                        <a:t>9 am – 5 pm</a:t>
                       </a:r>
                     </a:p>
                   </a:txBody>
@@ -13991,13 +16955,13 @@
                     <a:p>
                       <a:pPr algn="ctr"/>
                       <a:r>
-                        <a:rPr lang="pt-BR" sz="1100">
+                        <a:rPr lang="en-US" sz="1100">
                           <a:solidFill>
                             <a:schemeClr val="tx1"/>
                           </a:solidFill>
                           <a:latin typeface="Adobe Clean" panose="020B0503020404020204" pitchFamily="34" charset="0"/>
                         </a:rPr>
-                        <a:t>9h – 17h30</a:t>
+                        <a:t>9 am – 5:30 pm</a:t>
                       </a:r>
                     </a:p>
                   </a:txBody>
@@ -14077,17 +17041,23 @@
                         <a:buNone/>
                       </a:pPr>
                       <a:r>
-                        <a:rPr lang="pt-BR" sz="1100">
+                        <a:rPr lang="en-US" sz="1100">
                           <a:solidFill>
                             <a:schemeClr val="tx1"/>
                           </a:solidFill>
                           <a:latin typeface="Adobe Clean"/>
                         </a:rPr>
-                        <a:t>O suporte de idioma está disponível somente em inglês e japonês. </a:t>
+                        <a:t>Language support is only available in English and Japanese. </a:t>
                       </a:r>
+                      <a:endParaRPr lang="en-US" sz="1100">
+                        <a:solidFill>
+                          <a:schemeClr val="tx1"/>
+                        </a:solidFill>
+                        <a:latin typeface="Adobe Clean" panose="020B0503020404020204" pitchFamily="34" charset="0"/>
+                      </a:endParaRPr>
                     </a:p>
                     <a:p>
-                      <a:pPr marL="0" marR="0" lvl="0" indent="0" algn="l" defTabSz="914400" rtl="0" eaLnBrk="1" fontAlgn="auto" latinLnBrk="0" hangingPunct="1">
+                      <a:pPr marL="0" marR="0" lvl="0" indent="0" algn="ctr" defTabSz="914400" eaLnBrk="1" fontAlgn="auto" latinLnBrk="0" hangingPunct="1">
                         <a:lnSpc>
                           <a:spcPct val="100000"/>
                         </a:lnSpc>
@@ -14104,7 +17074,7 @@
                         <a:tabLst/>
                         <a:defRPr/>
                       </a:pPr>
-                      <a:endParaRPr kumimoji="0" lang="en-US" sz="1100" b="1" i="0" u="none" strike="noStrike" kern="0" cap="none" spc="0" normalizeH="0" baseline="30000" noProof="0" dirty="0">
+                      <a:endParaRPr kumimoji="0" lang="en-US" sz="1100" b="1" i="0" u="none" strike="noStrike" kern="0" cap="none" spc="0" normalizeH="0" baseline="30000" noProof="0">
                         <a:ln>
                           <a:noFill/>
                         </a:ln>
@@ -14122,7 +17092,7 @@
                     <a:p>
                       <a:pPr algn="ctr"/>
                       <a:r>
-                        <a:rPr lang="pt-BR" sz="1100" i="0">
+                        <a:rPr lang="en-US" sz="1100" i="0">
                           <a:solidFill>
                             <a:schemeClr val="tx1"/>
                           </a:solidFill>
@@ -14131,23 +17101,29 @@
                         <a:t> </a:t>
                       </a:r>
                       <a:r>
-                        <a:rPr lang="pt-BR" sz="1100" i="0" baseline="30000">
+                        <a:rPr lang="en-US" sz="1100" i="0" baseline="30000">
                           <a:solidFill>
                             <a:schemeClr val="tx1"/>
                           </a:solidFill>
                           <a:latin typeface="Adobe Clean"/>
                         </a:rPr>
-                        <a:t>1</a:t>
+                        <a:t>1 </a:t>
                       </a:r>
                       <a:r>
-                        <a:rPr lang="pt-BR" sz="1100" i="0">
+                        <a:rPr lang="en-US" sz="1100" i="0">
                           <a:solidFill>
                             <a:schemeClr val="tx1"/>
                           </a:solidFill>
                           <a:latin typeface="Adobe Clean"/>
                         </a:rPr>
-                        <a:t>Os casos de prioridade P2, P3 e P4 estão limitados ao horário comercial somente no Japão.</a:t>
+                        <a:t>P2, P3, P4 cases are limited to business hours only in Japan.</a:t>
                       </a:r>
+                      <a:endParaRPr lang="en-US" sz="1100" b="1" i="0">
+                        <a:solidFill>
+                          <a:schemeClr val="tx1"/>
+                        </a:solidFill>
+                        <a:latin typeface="Adobe Clean"/>
+                      </a:endParaRPr>
                     </a:p>
                   </a:txBody>
                   <a:tcPr anchor="ctr">
@@ -14203,7 +17179,7 @@
                     <a:bodyPr/>
                     <a:lstStyle/>
                     <a:p>
-                      <a:endParaRPr lang="en-US" sz="1100" dirty="0">
+                      <a:endParaRPr lang="en-US" sz="1100">
                         <a:solidFill>
                           <a:schemeClr val="tx1"/>
                         </a:solidFill>
@@ -14264,7 +17240,7 @@
                     <a:bodyPr/>
                     <a:lstStyle/>
                     <a:p>
-                      <a:endParaRPr lang="en-US" sz="1100" dirty="0">
+                      <a:endParaRPr lang="en-US" sz="1100">
                         <a:solidFill>
                           <a:schemeClr val="tx1"/>
                         </a:solidFill>
@@ -14325,7 +17301,7 @@
                     <a:bodyPr/>
                     <a:lstStyle/>
                     <a:p>
-                      <a:endParaRPr lang="en-US" sz="1100" dirty="0">
+                      <a:endParaRPr lang="en-US" sz="1100">
                         <a:solidFill>
                           <a:schemeClr val="tx1"/>
                         </a:solidFill>
@@ -14502,7 +17478,7 @@
           </a:bodyPr>
           <a:lstStyle/>
           <a:p>
-            <a:pPr marR="5080" algn="ctr">
+            <a:pPr marL="139065" marR="5080" indent="-139065">
               <a:lnSpc>
                 <a:spcPts val="1390"/>
               </a:lnSpc>
@@ -14511,15 +17487,129 @@
               </a:spcBef>
             </a:pPr>
             <a:r>
-              <a:rPr lang="pt-BR" sz="1200" b="1" dirty="0">
+              <a:rPr sz="1200" b="1" spc="-15">
                 <a:solidFill>
                   <a:srgbClr val="FFFFFF"/>
                 </a:solidFill>
                 <a:latin typeface="Adobe Clean"/>
                 <a:cs typeface="Adobe Clean"/>
               </a:rPr>
-              <a:t>Experiência sem igual</a:t>
-            </a:r>
+              <a:t>U</a:t>
+            </a:r>
+            <a:r>
+              <a:rPr sz="1200" b="1" spc="-20">
+                <a:solidFill>
+                  <a:srgbClr val="FFFFFF"/>
+                </a:solidFill>
+                <a:latin typeface="Adobe Clean"/>
+                <a:cs typeface="Adobe Clean"/>
+              </a:rPr>
+              <a:t>n</a:t>
+            </a:r>
+            <a:r>
+              <a:rPr sz="1200" b="1" spc="-25">
+                <a:solidFill>
+                  <a:srgbClr val="FFFFFF"/>
+                </a:solidFill>
+                <a:latin typeface="Adobe Clean"/>
+                <a:cs typeface="Adobe Clean"/>
+              </a:rPr>
+              <a:t>p</a:t>
+            </a:r>
+            <a:r>
+              <a:rPr sz="1200" b="1" spc="-15">
+                <a:solidFill>
+                  <a:srgbClr val="FFFFFF"/>
+                </a:solidFill>
+                <a:latin typeface="Adobe Clean"/>
+                <a:cs typeface="Adobe Clean"/>
+              </a:rPr>
+              <a:t>a</a:t>
+            </a:r>
+            <a:r>
+              <a:rPr sz="1200" b="1" spc="-25">
+                <a:solidFill>
+                  <a:srgbClr val="FFFFFF"/>
+                </a:solidFill>
+                <a:latin typeface="Adobe Clean"/>
+                <a:cs typeface="Adobe Clean"/>
+              </a:rPr>
+              <a:t>r</a:t>
+            </a:r>
+            <a:r>
+              <a:rPr sz="1200" b="1" spc="-15">
+                <a:solidFill>
+                  <a:srgbClr val="FFFFFF"/>
+                </a:solidFill>
+                <a:latin typeface="Adobe Clean"/>
+                <a:cs typeface="Adobe Clean"/>
+              </a:rPr>
+              <a:t>a</a:t>
+            </a:r>
+            <a:r>
+              <a:rPr sz="1200" b="1" spc="-30">
+                <a:solidFill>
+                  <a:srgbClr val="FFFFFF"/>
+                </a:solidFill>
+                <a:latin typeface="Adobe Clean"/>
+                <a:cs typeface="Adobe Clean"/>
+              </a:rPr>
+              <a:t>ll</a:t>
+            </a:r>
+            <a:r>
+              <a:rPr sz="1200" b="1" spc="-25">
+                <a:solidFill>
+                  <a:srgbClr val="FFFFFF"/>
+                </a:solidFill>
+                <a:latin typeface="Adobe Clean"/>
+                <a:cs typeface="Adobe Clean"/>
+              </a:rPr>
+              <a:t>e</a:t>
+            </a:r>
+            <a:r>
+              <a:rPr sz="1200" b="1" spc="-30">
+                <a:solidFill>
+                  <a:srgbClr val="FFFFFF"/>
+                </a:solidFill>
+                <a:latin typeface="Adobe Clean"/>
+                <a:cs typeface="Adobe Clean"/>
+              </a:rPr>
+              <a:t>l</a:t>
+            </a:r>
+            <a:r>
+              <a:rPr sz="1200" b="1" spc="-25">
+                <a:solidFill>
+                  <a:srgbClr val="FFFFFF"/>
+                </a:solidFill>
+                <a:latin typeface="Adobe Clean"/>
+                <a:cs typeface="Adobe Clean"/>
+              </a:rPr>
+              <a:t>e</a:t>
+            </a:r>
+            <a:r>
+              <a:rPr sz="1200" b="1">
+                <a:solidFill>
+                  <a:srgbClr val="FFFFFF"/>
+                </a:solidFill>
+                <a:latin typeface="Adobe Clean"/>
+                <a:cs typeface="Adobe Clean"/>
+              </a:rPr>
+              <a:t>d  </a:t>
+            </a:r>
+            <a:r>
+              <a:rPr sz="1200" b="1" spc="-25">
+                <a:solidFill>
+                  <a:srgbClr val="FFFFFF"/>
+                </a:solidFill>
+                <a:latin typeface="Adobe Clean"/>
+                <a:cs typeface="Adobe Clean"/>
+              </a:rPr>
+              <a:t>Expertise</a:t>
+            </a:r>
+            <a:endParaRPr sz="1200">
+              <a:latin typeface="Adobe Clean"/>
+              <a:cs typeface="Adobe Clean"/>
+            </a:endParaRPr>
           </a:p>
         </p:txBody>
       </p:sp>
@@ -14537,7 +17627,7 @@
         </p:nvSpPr>
         <p:spPr>
           <a:xfrm>
-            <a:off x="4675505" y="8541244"/>
+            <a:off x="4732495" y="8541244"/>
             <a:ext cx="810895" cy="382797"/>
           </a:xfrm>
           <a:prstGeom prst="rect">
@@ -14550,7 +17640,7 @@
           </a:bodyPr>
           <a:lstStyle/>
           <a:p>
-            <a:pPr marR="5080" algn="ctr">
+            <a:pPr marL="139065" marR="5080" indent="-139065">
               <a:lnSpc>
                 <a:spcPts val="1390"/>
               </a:lnSpc>
@@ -14559,15 +17649,19 @@
               </a:spcBef>
             </a:pPr>
             <a:r>
-              <a:rPr lang="pt-BR" sz="1200" b="1" dirty="0">
+              <a:rPr lang="en-US" sz="1200" b="1" spc="-15">
                 <a:solidFill>
                   <a:srgbClr val="FFFFFF"/>
                 </a:solidFill>
                 <a:latin typeface="Adobe Clean"/>
                 <a:cs typeface="Adobe Clean"/>
               </a:rPr>
-              <a:t>Suporte acelerado</a:t>
-            </a:r>
+              <a:t>Accelerated Support</a:t>
+            </a:r>
+            <a:endParaRPr sz="1200">
+              <a:latin typeface="Adobe Clean"/>
+              <a:cs typeface="Adobe Clean"/>
+            </a:endParaRPr>
           </a:p>
         </p:txBody>
       </p:sp>
@@ -14585,8 +17679,8 @@
         </p:nvSpPr>
         <p:spPr>
           <a:xfrm>
-            <a:off x="6477000" y="8543943"/>
-            <a:ext cx="810895" cy="382797"/>
+            <a:off x="6624119" y="8543943"/>
+            <a:ext cx="510540" cy="385445"/>
           </a:xfrm>
           <a:prstGeom prst="rect">
             <a:avLst/>
@@ -14598,7 +17692,7 @@
           </a:bodyPr>
           <a:lstStyle/>
           <a:p>
-            <a:pPr marR="5080" algn="ctr">
+            <a:pPr marL="50800" marR="5080" indent="-51435">
               <a:lnSpc>
                 <a:spcPts val="1390"/>
               </a:lnSpc>
@@ -14607,15 +17701,109 @@
               </a:spcBef>
             </a:pPr>
             <a:r>
-              <a:rPr lang="pt-BR" sz="1200" b="1" dirty="0">
+              <a:rPr sz="1200" b="1" spc="-50">
                 <a:solidFill>
                   <a:srgbClr val="FFFFFF"/>
                 </a:solidFill>
                 <a:latin typeface="Adobe Clean"/>
                 <a:cs typeface="Adobe Clean"/>
               </a:rPr>
-              <a:t>Consultoria estratégica</a:t>
-            </a:r>
+              <a:t>S</a:t>
+            </a:r>
+            <a:r>
+              <a:rPr sz="1200" b="1" spc="-20">
+                <a:solidFill>
+                  <a:srgbClr val="FFFFFF"/>
+                </a:solidFill>
+                <a:latin typeface="Adobe Clean"/>
+                <a:cs typeface="Adobe Clean"/>
+              </a:rPr>
+              <a:t>t</a:t>
+            </a:r>
+            <a:r>
+              <a:rPr sz="1200" b="1" spc="-75">
+                <a:solidFill>
+                  <a:srgbClr val="FFFFFF"/>
+                </a:solidFill>
+                <a:latin typeface="Adobe Clean"/>
+                <a:cs typeface="Adobe Clean"/>
+              </a:rPr>
+              <a:t>r</a:t>
+            </a:r>
+            <a:r>
+              <a:rPr sz="1200" b="1" spc="-90">
+                <a:solidFill>
+                  <a:srgbClr val="FFFFFF"/>
+                </a:solidFill>
+                <a:latin typeface="Adobe Clean"/>
+                <a:cs typeface="Adobe Clean"/>
+              </a:rPr>
+              <a:t>a</a:t>
+            </a:r>
+            <a:r>
+              <a:rPr sz="1200" b="1" spc="-55">
+                <a:solidFill>
+                  <a:srgbClr val="FFFFFF"/>
+                </a:solidFill>
+                <a:latin typeface="Adobe Clean"/>
+                <a:cs typeface="Adobe Clean"/>
+              </a:rPr>
+              <a:t>t</a:t>
+            </a:r>
+            <a:r>
+              <a:rPr sz="1200" b="1" spc="-100">
+                <a:solidFill>
+                  <a:srgbClr val="FFFFFF"/>
+                </a:solidFill>
+                <a:latin typeface="Adobe Clean"/>
+                <a:cs typeface="Adobe Clean"/>
+              </a:rPr>
+              <a:t>e</a:t>
+            </a:r>
+            <a:r>
+              <a:rPr sz="1200" b="1" spc="-80">
+                <a:solidFill>
+                  <a:srgbClr val="FFFFFF"/>
+                </a:solidFill>
+                <a:latin typeface="Adobe Clean"/>
+                <a:cs typeface="Adobe Clean"/>
+              </a:rPr>
+              <a:t>g</a:t>
+            </a:r>
+            <a:r>
+              <a:rPr sz="1200" b="1" spc="-35">
+                <a:solidFill>
+                  <a:srgbClr val="FFFFFF"/>
+                </a:solidFill>
+                <a:latin typeface="Adobe Clean"/>
+                <a:cs typeface="Adobe Clean"/>
+              </a:rPr>
+              <a:t>i</a:t>
+            </a:r>
+            <a:r>
+              <a:rPr sz="1200" b="1">
+                <a:solidFill>
+                  <a:srgbClr val="FFFFFF"/>
+                </a:solidFill>
+                <a:latin typeface="Adobe Clean"/>
+                <a:cs typeface="Adobe Clean"/>
+              </a:rPr>
+              <a:t>c  </a:t>
+            </a:r>
+            <a:r>
+              <a:rPr sz="1200" b="1" spc="-45">
+                <a:solidFill>
+                  <a:srgbClr val="FFFFFF"/>
+                </a:solidFill>
+                <a:latin typeface="Adobe Clean"/>
+                <a:cs typeface="Adobe Clean"/>
+              </a:rPr>
+              <a:t>Advice</a:t>
+            </a:r>
+            <a:endParaRPr sz="1200">
+              <a:latin typeface="Adobe Clean"/>
+              <a:cs typeface="Adobe Clean"/>
+            </a:endParaRPr>
           </a:p>
         </p:txBody>
       </p:sp>
@@ -14634,14 +17822,14 @@
           <p:nvPr>
             <p:extLst>
               <p:ext uri="{D42A27DB-BD31-4B8C-83A1-F6EECF244321}">
-                <p14:modId xmlns:p14="http://schemas.microsoft.com/office/powerpoint/2010/main" val="4063016508"/>
+                <p14:modId xmlns:p14="http://schemas.microsoft.com/office/powerpoint/2010/main" val="1493671087"/>
               </p:ext>
             </p:extLst>
           </p:nvPr>
         </p:nvGraphicFramePr>
         <p:xfrm>
           <a:off x="194236" y="1059345"/>
-          <a:ext cx="7368291" cy="3388360"/>
+          <a:ext cx="7368291" cy="2931160"/>
         </p:xfrm>
         <a:graphic>
           <a:graphicData uri="http://schemas.openxmlformats.org/drawingml/2006/table">
@@ -14672,7 +17860,7 @@
                     <a:lstStyle/>
                     <a:p>
                       <a:r>
-                        <a:rPr lang="pt-BR" sz="1100" b="0">
+                        <a:rPr lang="en-US" sz="1100" b="0">
                           <a:solidFill>
                             <a:schemeClr val="tx1"/>
                           </a:solidFill>
@@ -14683,6 +17871,14 @@
                         </a:rPr>
                         <a:t>Experience League</a:t>
                       </a:r>
+                      <a:endParaRPr lang="en-US" sz="1100" b="0">
+                        <a:solidFill>
+                          <a:schemeClr val="tx1"/>
+                        </a:solidFill>
+                        <a:latin typeface="Adobe Clean" panose="020B0503020404020204" pitchFamily="34" charset="0"/>
+                        <a:ea typeface="+mn-ea"/>
+                        <a:cs typeface="+mn-cs"/>
+                      </a:endParaRPr>
                     </a:p>
                   </a:txBody>
                   <a:tcPr marL="47625" marR="47625" marT="0" marB="0" anchor="ctr">
@@ -14756,7 +17952,7 @@
                         <a:defRPr/>
                       </a:pPr>
                       <a:r>
-                        <a:rPr lang="pt-BR" sz="1000" b="0" dirty="0">
+                        <a:rPr lang="en-US" sz="1000" b="0" kern="1200">
                           <a:solidFill>
                             <a:srgbClr val="000000"/>
                           </a:solidFill>
@@ -14764,49 +17960,7 @@
                           <a:ea typeface="+mn-ea"/>
                           <a:cs typeface="+mn-cs"/>
                         </a:rPr>
-                        <a:t>A Experience League foi criada para ajudar as empresas a alcançar </a:t>
-                      </a:r>
-                      <a:br>
-                        <a:rPr lang="sk-SK" sz="1000" b="0" dirty="0">
-                          <a:solidFill>
-                            <a:srgbClr val="000000"/>
-                          </a:solidFill>
-                          <a:latin typeface="Adobe Clean Light" panose="020B0303020404020204" pitchFamily="34" charset="0"/>
-                          <a:ea typeface="+mn-ea"/>
-                          <a:cs typeface="+mn-cs"/>
-                        </a:rPr>
-                      </a:br>
-                      <a:r>
-                        <a:rPr lang="pt-BR" sz="1000" b="0" dirty="0">
-                          <a:solidFill>
-                            <a:srgbClr val="000000"/>
-                          </a:solidFill>
-                          <a:latin typeface="Adobe Clean Light" panose="020B0303020404020204" pitchFamily="34" charset="0"/>
-                          <a:ea typeface="+mn-ea"/>
-                          <a:cs typeface="+mn-cs"/>
-                        </a:rPr>
-                        <a:t>o valor que esperam do seu investimento em produtos da Adobe. </a:t>
-                      </a:r>
-                      <a:br>
-                        <a:rPr lang="sk-SK" sz="1000" b="0" dirty="0">
-                          <a:solidFill>
-                            <a:srgbClr val="000000"/>
-                          </a:solidFill>
-                          <a:latin typeface="Adobe Clean Light" panose="020B0303020404020204" pitchFamily="34" charset="0"/>
-                          <a:ea typeface="+mn-ea"/>
-                          <a:cs typeface="+mn-cs"/>
-                        </a:rPr>
-                      </a:br>
-                      <a:r>
-                        <a:rPr lang="pt-BR" sz="1000" b="0" dirty="0">
-                          <a:solidFill>
-                            <a:srgbClr val="000000"/>
-                          </a:solidFill>
-                          <a:latin typeface="Adobe Clean Light" panose="020B0303020404020204" pitchFamily="34" charset="0"/>
-                          <a:ea typeface="+mn-ea"/>
-                          <a:cs typeface="+mn-cs"/>
-                        </a:rPr>
-                        <a:t>É o local unificado onde os clientes podem aprender, interagir e crescer ao longo de um caminho personalizado de sucesso que inclui tutoriais de autoatendimento, documentação dos produtos, treinamento com instrutores e suporte técnico e da comunidade. </a:t>
+                        <a:t>Experience League is how Adobe helps businesses achieve the value they expect from their Adobe investment. It’s the unified place where customers can learn, connect, and grow along a personalized path to success that includes self-help tutorials, product documentation, instructor-led training, community and technical support. </a:t>
                       </a:r>
                     </a:p>
                   </a:txBody>
@@ -14888,28 +18042,39 @@
                         <a:defRPr/>
                       </a:pPr>
                       <a:r>
-                        <a:rPr lang="pt-BR" sz="1100">
+                        <a:rPr lang="en-US" sz="1100">
                           <a:solidFill>
                             <a:schemeClr val="dk1"/>
                           </a:solidFill>
+                          <a:effectLst/>
                           <a:latin typeface="Adobe Clean" panose="020B0503020404020204" pitchFamily="34" charset="0"/>
                           <a:ea typeface="+mn-ea"/>
                           <a:cs typeface="+mn-cs"/>
                           <a:hlinkClick r:id="rId8"/>
                         </a:rPr>
-                        <a:t>Treinamento</a:t>
+                        <a:t>Training</a:t>
                       </a:r>
                       <a:r>
-                        <a:rPr lang="pt-BR" sz="1100">
+                        <a:rPr lang="en-US" sz="1100">
                           <a:solidFill>
                             <a:schemeClr val="dk1"/>
                           </a:solidFill>
+                          <a:effectLst/>
                           <a:latin typeface="Adobe Clean" panose="020B0503020404020204" pitchFamily="34" charset="0"/>
                           <a:ea typeface="+mn-ea"/>
                           <a:cs typeface="+mn-cs"/>
                         </a:rPr>
                         <a:t> </a:t>
                       </a:r>
+                      <a:endParaRPr lang="en-US" sz="1100">
+                        <a:solidFill>
+                          <a:schemeClr val="tx1"/>
+                        </a:solidFill>
+                        <a:effectLst/>
+                        <a:latin typeface="Adobe Clean" panose="020B0503020404020204" pitchFamily="34" charset="0"/>
+                        <a:ea typeface="+mn-ea"/>
+                        <a:cs typeface="+mn-cs"/>
+                      </a:endParaRPr>
                     </a:p>
                   </a:txBody>
                   <a:tcPr anchor="ctr">
@@ -14983,7 +18148,7 @@
                         <a:defRPr/>
                       </a:pPr>
                       <a:r>
-                        <a:rPr lang="pt-BR" sz="1000">
+                        <a:rPr lang="en-US" sz="1000" kern="1200">
                           <a:solidFill>
                             <a:srgbClr val="000000"/>
                           </a:solidFill>
@@ -14991,7 +18156,7 @@
                           <a:ea typeface="+mn-ea"/>
                           <a:cs typeface="+mn-cs"/>
                         </a:rPr>
-                        <a:t>O acesso aos cursos do Adobe Digital Learning Services está disponível na Experience League. Os cursos de aprendizagem incluem lições sob demanda e com instrutores.  É um lugar para adquirir habilidades com reconhecido valor de mercado que você pode pôr em prática para impulsionar o sucesso na sua organização.</a:t>
+                        <a:t>Adobe Digital Learning Services courses are accessible from Experience League. Learning courses integrate both on-demand and instructor-led lessons.  Here you can accrue skills that have recognized market value and position them to drive success in your organizations.</a:t>
                       </a:r>
                     </a:p>
                   </a:txBody>
@@ -15073,17 +18238,27 @@
                         <a:defRPr/>
                       </a:pPr>
                       <a:r>
-                        <a:rPr lang="pt-BR" sz="1100">
+                        <a:rPr lang="en-US" sz="1100">
                           <a:solidFill>
                             <a:schemeClr val="tx1"/>
                           </a:solidFill>
+                          <a:effectLst/>
                           <a:latin typeface="Adobe Clean" panose="020B0503020404020204" pitchFamily="34" charset="0"/>
                           <a:ea typeface="+mn-ea"/>
                           <a:cs typeface="+mn-cs"/>
                           <a:hlinkClick r:id="rId9"/>
                         </a:rPr>
-                        <a:t>Problemas de produção e paralisações do sistema</a:t>
+                        <a:t>Production Issues &amp; System Outages</a:t>
                       </a:r>
+                      <a:endParaRPr lang="en-US" sz="1100">
+                        <a:solidFill>
+                          <a:schemeClr val="tx1"/>
+                        </a:solidFill>
+                        <a:effectLst/>
+                        <a:latin typeface="Adobe Clean" panose="020B0503020404020204" pitchFamily="34" charset="0"/>
+                        <a:ea typeface="+mn-ea"/>
+                        <a:cs typeface="+mn-cs"/>
+                      </a:endParaRPr>
                     </a:p>
                   </a:txBody>
                   <a:tcPr anchor="ctr">
@@ -15157,7 +18332,7 @@
                         <a:defRPr/>
                       </a:pPr>
                       <a:r>
-                        <a:rPr lang="pt-BR" sz="1000" dirty="0">
+                        <a:rPr lang="en-US" sz="1000" kern="1200">
                           <a:solidFill>
                             <a:srgbClr val="000000"/>
                           </a:solidFill>
@@ -15165,28 +18340,7 @@
                           <a:ea typeface="+mn-ea"/>
                           <a:cs typeface="+mn-cs"/>
                         </a:rPr>
-                        <a:t>O Status.adobe.com transmite as informações de integridade de todos os produtos e serviços da Adobe implantados em ambientes de vários locatários. Os clientes podem escolher suas preferências de subscrição para receber notificações por email sempre que a Adobe criar, atualizar ou resolver um evento de produto. Isso pode incluir manutenção programada ou problemas de serviço com diferentes níveis </a:t>
-                      </a:r>
-                      <a:br>
-                        <a:rPr lang="sk-SK" sz="1000" dirty="0">
-                          <a:solidFill>
-                            <a:srgbClr val="000000"/>
-                          </a:solidFill>
-                          <a:latin typeface="Adobe Clean Light" panose="020B0303020404020204" pitchFamily="34" charset="0"/>
-                          <a:ea typeface="+mn-ea"/>
-                          <a:cs typeface="+mn-cs"/>
-                        </a:rPr>
-                      </a:br>
-                      <a:r>
-                        <a:rPr lang="pt-BR" sz="1000" dirty="0">
-                          <a:solidFill>
-                            <a:srgbClr val="000000"/>
-                          </a:solidFill>
-                          <a:latin typeface="Adobe Clean Light" panose="020B0303020404020204" pitchFamily="34" charset="0"/>
-                          <a:ea typeface="+mn-ea"/>
-                          <a:cs typeface="+mn-cs"/>
-                        </a:rPr>
-                        <a:t>de gravidade. </a:t>
+                        <a:t>Status.adobe.com conveys the health information of all Adobe products and services that are deployed in multi-tenant environments. Customers can choose their subscription preferences to get email notifications whenever Adobe creates, updates or resolves a product event. This can include scheduled maintenance or service issues of varying levels of severity. </a:t>
                       </a:r>
                     </a:p>
                   </a:txBody>
@@ -15268,17 +18422,27 @@
                         <a:defRPr/>
                       </a:pPr>
                       <a:r>
-                        <a:rPr lang="pt-BR" sz="1100">
+                        <a:rPr lang="en-US" sz="1100">
                           <a:solidFill>
                             <a:schemeClr val="tx1"/>
                           </a:solidFill>
+                          <a:effectLst/>
                           <a:latin typeface="Adobe Clean" panose="020B0503020404020204" pitchFamily="34" charset="0"/>
                           <a:ea typeface="+mn-ea"/>
                           <a:cs typeface="+mn-cs"/>
                           <a:hlinkClick r:id="rId10"/>
                         </a:rPr>
-                        <a:t>Termos e condições</a:t>
+                        <a:t>Terms and Conditions</a:t>
                       </a:r>
+                      <a:endParaRPr lang="en-US" sz="1100">
+                        <a:solidFill>
+                          <a:schemeClr val="tx1"/>
+                        </a:solidFill>
+                        <a:effectLst/>
+                        <a:latin typeface="Adobe Clean" panose="020B0503020404020204" pitchFamily="34" charset="0"/>
+                        <a:ea typeface="+mn-ea"/>
+                        <a:cs typeface="+mn-cs"/>
+                      </a:endParaRPr>
                     </a:p>
                   </a:txBody>
                   <a:tcPr anchor="ctr">
@@ -15335,7 +18499,7 @@
                     <a:lstStyle/>
                     <a:p>
                       <a:r>
-                        <a:rPr lang="pt-BR" sz="1000" dirty="0">
+                        <a:rPr lang="en-US" sz="1000" kern="1200">
                           <a:solidFill>
                             <a:srgbClr val="000000"/>
                           </a:solidFill>
@@ -15343,7 +18507,7 @@
                           <a:ea typeface="+mn-ea"/>
                           <a:cs typeface="+mn-cs"/>
                         </a:rPr>
-                        <a:t>Os Termos e condições que detalham os serviços de suporte</a:t>
+                        <a:t>Terms and conditions detailing Support Services offerings</a:t>
                       </a:r>
                     </a:p>
                   </a:txBody>
@@ -16120,15 +19284,6 @@
 </file>
 
 <file path=customXml/item2.xml><?xml version="1.0" encoding="utf-8"?>
-<?mso-contentType ?>
-<FormTemplates xmlns="http://schemas.microsoft.com/sharepoint/v3/contenttype/forms">
-  <Display>DocumentLibraryForm</Display>
-  <Edit>DocumentLibraryForm</Edit>
-  <New>DocumentLibraryForm</New>
-</FormTemplates>
-</file>
-
-<file path=customXml/item3.xml><?xml version="1.0" encoding="utf-8"?>
 <ct:contentTypeSchema xmlns:ct="http://schemas.microsoft.com/office/2006/metadata/contentType" xmlns:ma="http://schemas.microsoft.com/office/2006/metadata/properties/metaAttributes" ct:_="" ma:_="" ma:contentTypeName="Document" ma:contentTypeID="0x010100E783BF6876BCC646A459363AF21A7736" ma:contentTypeVersion="10" ma:contentTypeDescription="Create a new document." ma:contentTypeScope="" ma:versionID="c4ffda7f4f415767600769e454c2ea87">
   <xsd:schema xmlns:xsd="http://www.w3.org/2001/XMLSchema" xmlns:xs="http://www.w3.org/2001/XMLSchema" xmlns:p="http://schemas.microsoft.com/office/2006/metadata/properties" xmlns:ns2="8a053bff-88be-49e4-9a87-e748e18b8b62" xmlns:ns3="6c8368ec-3776-49b5-a5bb-90648cf9530f" targetNamespace="http://schemas.microsoft.com/office/2006/metadata/properties" ma:root="true" ma:fieldsID="df3ec33bccc23e23bce7bc897fad43d1" ns2:_="" ns3:_="">
     <xsd:import namespace="8a053bff-88be-49e4-9a87-e748e18b8b62"/>
@@ -16333,6 +19488,15 @@
 </ct:contentTypeSchema>
 </file>
 
+<file path=customXml/item3.xml><?xml version="1.0" encoding="utf-8"?>
+<?mso-contentType ?>
+<FormTemplates xmlns="http://schemas.microsoft.com/sharepoint/v3/contenttype/forms">
+  <Display>DocumentLibraryForm</Display>
+  <Edit>DocumentLibraryForm</Edit>
+  <New>DocumentLibraryForm</New>
+</FormTemplates>
+</file>
+
 <file path=customXml/itemProps1.xml><?xml version="1.0" encoding="utf-8"?>
 <ds:datastoreItem xmlns:ds="http://schemas.openxmlformats.org/officeDocument/2006/customXml" ds:itemID="{CED41536-010B-47B1-9229-B72BE4090090}">
   <ds:schemaRefs>
@@ -16343,28 +19507,28 @@
 </file>
 
 <file path=customXml/itemProps2.xml><?xml version="1.0" encoding="utf-8"?>
+<ds:datastoreItem xmlns:ds="http://schemas.openxmlformats.org/officeDocument/2006/customXml" ds:itemID="{75C1A8FD-3884-41A0-BE37-D15776C885D1}">
+  <ds:schemaRefs>
+    <ds:schemaRef ds:uri="6c8368ec-3776-49b5-a5bb-90648cf9530f"/>
+    <ds:schemaRef ds:uri="8a053bff-88be-49e4-9a87-e748e18b8b62"/>
+    <ds:schemaRef ds:uri="http://purl.org/dc/elements/1.1/"/>
+    <ds:schemaRef ds:uri="http://purl.org/dc/terms/"/>
+    <ds:schemaRef ds:uri="http://schemas.microsoft.com/internal/obd"/>
+    <ds:schemaRef ds:uri="http://schemas.microsoft.com/office/2006/documentManagement/types"/>
+    <ds:schemaRef ds:uri="http://schemas.microsoft.com/office/2006/metadata/contentType"/>
+    <ds:schemaRef ds:uri="http://schemas.microsoft.com/office/2006/metadata/properties"/>
+    <ds:schemaRef ds:uri="http://schemas.microsoft.com/office/2006/metadata/properties/metaAttributes"/>
+    <ds:schemaRef ds:uri="http://schemas.microsoft.com/office/infopath/2007/PartnerControls"/>
+    <ds:schemaRef ds:uri="http://schemas.openxmlformats.org/package/2006/metadata/core-properties"/>
+    <ds:schemaRef ds:uri="http://www.w3.org/2001/XMLSchema"/>
+  </ds:schemaRefs>
+</ds:datastoreItem>
+</file>
+
+<file path=customXml/itemProps3.xml><?xml version="1.0" encoding="utf-8"?>
 <ds:datastoreItem xmlns:ds="http://schemas.openxmlformats.org/officeDocument/2006/customXml" ds:itemID="{669D9D3B-3229-44EE-9964-24A06AE66887}">
   <ds:schemaRefs>
     <ds:schemaRef ds:uri="http://schemas.microsoft.com/sharepoint/v3/contenttype/forms"/>
   </ds:schemaRefs>
 </ds:datastoreItem>
-</file>
-
-<file path=customXml/itemProps3.xml><?xml version="1.0" encoding="utf-8"?>
-<ds:datastoreItem xmlns:ds="http://schemas.openxmlformats.org/officeDocument/2006/customXml" ds:itemID="{75C1A8FD-3884-41A0-BE37-D15776C885D1}">
-  <ds:schemaRefs>
-    <ds:schemaRef ds:uri="http://schemas.microsoft.com/office/2006/metadata/contentType"/>
-    <ds:schemaRef ds:uri="http://schemas.microsoft.com/office/2006/metadata/properties/metaAttributes"/>
-    <ds:schemaRef ds:uri="http://www.w3.org/2001/XMLSchema"/>
-    <ds:schemaRef ds:uri="http://schemas.microsoft.com/office/2006/metadata/properties"/>
-    <ds:schemaRef ds:uri="8a053bff-88be-49e4-9a87-e748e18b8b62"/>
-    <ds:schemaRef ds:uri="6c8368ec-3776-49b5-a5bb-90648cf9530f"/>
-    <ds:schemaRef ds:uri="http://schemas.microsoft.com/office/2006/documentManagement/types"/>
-    <ds:schemaRef ds:uri="http://schemas.microsoft.com/office/infopath/2007/PartnerControls"/>
-    <ds:schemaRef ds:uri="http://schemas.openxmlformats.org/package/2006/metadata/core-properties"/>
-    <ds:schemaRef ds:uri="http://purl.org/dc/elements/1.1/"/>
-    <ds:schemaRef ds:uri="http://purl.org/dc/terms/"/>
-    <ds:schemaRef ds:uri="http://schemas.microsoft.com/internal/obd"/>
-  </ds:schemaRefs>
-</ds:datastoreItem>
 </file>
--- a/help/data-sheets/assets/EliteSupportDatasheet.pptx
+++ b/help/data-sheets/assets/EliteSupportDatasheet.pptx
@@ -151,7 +151,9 @@
 <file path=ppt/revisionInfo.xml><?xml version="1.0" encoding="utf-8"?>
 <p1510:revInfo xmlns:a="http://schemas.openxmlformats.org/drawingml/2006/main" xmlns:r="http://schemas.openxmlformats.org/officeDocument/2006/relationships" xmlns:p1510="http://schemas.microsoft.com/office/powerpoint/2015/10/main">
   <p1510:revLst>
-    <p1510:client id="{0BC4D7A0-4BBD-1B49-BE14-170949F0EA37}" v="4" dt="2021-10-13T19:10:14.670"/>
+    <p1510:client id="{306579C9-8574-E621-57BF-C5D6F4C605CC}" v="6" dt="2021-09-22T22:58:26.163"/>
+    <p1510:client id="{86768B6F-E5DF-274A-B928-9320E1DF9962}" v="132" dt="2021-08-07T02:18:13.925"/>
+    <p1510:client id="{8C285145-5FF7-2B49-D44C-ABA3390CC068}" v="48" dt="2021-09-22T19:02:31.738"/>
   </p1510:revLst>
 </p1510:revInfo>
 </file>
@@ -159,26 +161,58 @@
 <file path=ppt/changesInfos/changesInfo1.xml><?xml version="1.0" encoding="utf-8"?>
 <pc:chgInfo xmlns:a="http://schemas.openxmlformats.org/drawingml/2006/main" xmlns:r="http://schemas.openxmlformats.org/officeDocument/2006/relationships" xmlns:ac="http://schemas.microsoft.com/office/drawing/2013/main/command" xmlns:pc="http://schemas.microsoft.com/office/powerpoint/2013/main/command">
   <pc:docChgLst>
-    <pc:chgData name="Lauren Schutte" userId="6e08b2d3-447a-4d66-86be-444d50df187f" providerId="ADAL" clId="{0BC4D7A0-4BBD-1B49-BE14-170949F0EA37}"/>
+    <pc:chgData name="Akilah Johnson" userId="S::akjohnso@adobe.com::2fa3aa60-0c9c-4d06-bae2-795983241227" providerId="AD" clId="Web-{306579C9-8574-E621-57BF-C5D6F4C605CC}"/>
     <pc:docChg chg="modSld">
-      <pc:chgData name="Lauren Schutte" userId="6e08b2d3-447a-4d66-86be-444d50df187f" providerId="ADAL" clId="{0BC4D7A0-4BBD-1B49-BE14-170949F0EA37}" dt="2021-10-13T19:10:14.671" v="3" actId="1035"/>
+      <pc:chgData name="Akilah Johnson" userId="S::akjohnso@adobe.com::2fa3aa60-0c9c-4d06-bae2-795983241227" providerId="AD" clId="Web-{306579C9-8574-E621-57BF-C5D6F4C605CC}" dt="2021-09-22T22:58:18.491" v="3"/>
       <pc:docMkLst>
         <pc:docMk/>
       </pc:docMkLst>
-      <pc:sldChg chg="modSp mod">
-        <pc:chgData name="Lauren Schutte" userId="6e08b2d3-447a-4d66-86be-444d50df187f" providerId="ADAL" clId="{0BC4D7A0-4BBD-1B49-BE14-170949F0EA37}" dt="2021-10-13T19:10:14.671" v="3" actId="1035"/>
+      <pc:sldChg chg="modSp">
+        <pc:chgData name="Akilah Johnson" userId="S::akjohnso@adobe.com::2fa3aa60-0c9c-4d06-bae2-795983241227" providerId="AD" clId="Web-{306579C9-8574-E621-57BF-C5D6F4C605CC}" dt="2021-09-22T22:58:18.491" v="3"/>
         <pc:sldMkLst>
           <pc:docMk/>
-          <pc:sldMk cId="0" sldId="256"/>
+          <pc:sldMk cId="1050037809" sldId="261"/>
+        </pc:sldMkLst>
+        <pc:graphicFrameChg chg="mod modGraphic">
+          <ac:chgData name="Akilah Johnson" userId="S::akjohnso@adobe.com::2fa3aa60-0c9c-4d06-bae2-795983241227" providerId="AD" clId="Web-{306579C9-8574-E621-57BF-C5D6F4C605CC}" dt="2021-09-22T22:58:18.491" v="3"/>
+          <ac:graphicFrameMkLst>
+            <pc:docMk/>
+            <pc:sldMk cId="1050037809" sldId="261"/>
+            <ac:graphicFrameMk id="25" creationId="{3A91F5B0-3974-A14D-A146-FB590F2AAD18}"/>
+          </ac:graphicFrameMkLst>
+        </pc:graphicFrameChg>
+      </pc:sldChg>
+    </pc:docChg>
+  </pc:docChgLst>
+  <pc:docChgLst>
+    <pc:chgData name="Akilah Johnson" userId="S::akjohnso@adobe.com::2fa3aa60-0c9c-4d06-bae2-795983241227" providerId="AD" clId="Web-{8C285145-5FF7-2B49-D44C-ABA3390CC068}"/>
+    <pc:docChg chg="modSld">
+      <pc:chgData name="Akilah Johnson" userId="S::akjohnso@adobe.com::2fa3aa60-0c9c-4d06-bae2-795983241227" providerId="AD" clId="Web-{8C285145-5FF7-2B49-D44C-ABA3390CC068}" dt="2021-09-22T19:02:31.738" v="36" actId="1076"/>
+      <pc:docMkLst>
+        <pc:docMk/>
+      </pc:docMkLst>
+      <pc:sldChg chg="modSp">
+        <pc:chgData name="Akilah Johnson" userId="S::akjohnso@adobe.com::2fa3aa60-0c9c-4d06-bae2-795983241227" providerId="AD" clId="Web-{8C285145-5FF7-2B49-D44C-ABA3390CC068}" dt="2021-09-22T19:02:31.738" v="36" actId="1076"/>
+        <pc:sldMkLst>
+          <pc:docMk/>
+          <pc:sldMk cId="1050037809" sldId="261"/>
         </pc:sldMkLst>
         <pc:spChg chg="mod">
-          <ac:chgData name="Lauren Schutte" userId="6e08b2d3-447a-4d66-86be-444d50df187f" providerId="ADAL" clId="{0BC4D7A0-4BBD-1B49-BE14-170949F0EA37}" dt="2021-10-13T19:10:14.671" v="3" actId="1035"/>
+          <ac:chgData name="Akilah Johnson" userId="S::akjohnso@adobe.com::2fa3aa60-0c9c-4d06-bae2-795983241227" providerId="AD" clId="Web-{8C285145-5FF7-2B49-D44C-ABA3390CC068}" dt="2021-09-22T19:02:31.738" v="36" actId="1076"/>
           <ac:spMkLst>
             <pc:docMk/>
-            <pc:sldMk cId="0" sldId="256"/>
-            <ac:spMk id="4" creationId="{00000000-0000-0000-0000-000000000000}"/>
+            <pc:sldMk cId="1050037809" sldId="261"/>
+            <ac:spMk id="64" creationId="{41467BDC-3D83-D844-B922-CD07E94E5AAB}"/>
           </ac:spMkLst>
         </pc:spChg>
+        <pc:graphicFrameChg chg="mod modGraphic">
+          <ac:chgData name="Akilah Johnson" userId="S::akjohnso@adobe.com::2fa3aa60-0c9c-4d06-bae2-795983241227" providerId="AD" clId="Web-{8C285145-5FF7-2B49-D44C-ABA3390CC068}" dt="2021-09-22T18:59:49.504" v="34"/>
+          <ac:graphicFrameMkLst>
+            <pc:docMk/>
+            <pc:sldMk cId="1050037809" sldId="261"/>
+            <ac:graphicFrameMk id="25" creationId="{3A91F5B0-3974-A14D-A146-FB590F2AAD18}"/>
+          </ac:graphicFrameMkLst>
+        </pc:graphicFrameChg>
       </pc:sldChg>
     </pc:docChg>
   </pc:docChgLst>
@@ -267,7 +301,7 @@
           <a:p>
             <a:fld id="{C12E57D6-2086-AA47-A7A4-C0CDE7C14E44}" type="datetimeFigureOut">
               <a:rPr lang="en-US" smtClean="0"/>
-              <a:t>10/13/2021</a:t>
+              <a:t>10/1/2021</a:t>
             </a:fld>
             <a:endParaRPr lang="en-US"/>
           </a:p>
@@ -578,7 +612,7 @@
           <a:bodyPr/>
           <a:lstStyle/>
           <a:p>
-            <a:endParaRPr lang="en-US"/>
+            <a:endParaRPr lang="en-US" dirty="0"/>
           </a:p>
         </p:txBody>
       </p:sp>
@@ -662,7 +696,7 @@
           <a:bodyPr/>
           <a:lstStyle/>
           <a:p>
-            <a:endParaRPr lang="en-US"/>
+            <a:endParaRPr lang="en-US" dirty="0"/>
           </a:p>
         </p:txBody>
       </p:sp>
@@ -841,7 +875,7 @@
           <a:p>
             <a:fld id="{1D8BD707-D9CF-40AE-B4C6-C98DA3205C09}" type="datetimeFigureOut">
               <a:rPr lang="en-US"/>
-              <a:t>10/13/2021</a:t>
+              <a:t>10/1/2021</a:t>
             </a:fld>
             <a:endParaRPr lang="en-US"/>
           </a:p>
@@ -881,7 +915,7 @@
               </a:spcBef>
             </a:pPr>
             <a:r>
-              <a:rPr spc="-5"/>
+              <a:rPr spc="-5" dirty="0"/>
               <a:t>©</a:t>
             </a:r>
             <a:fld id="{81D60167-4931-47E6-BA6A-407CBD079E47}" type="slidenum">
@@ -889,35 +923,35 @@
               <a:t>‹#›</a:t>
             </a:fld>
             <a:r>
-              <a:rPr spc="-5"/>
+              <a:rPr spc="-5" dirty="0"/>
               <a:t> Adobe. All</a:t>
             </a:r>
             <a:r>
-              <a:rPr spc="-15"/>
+              <a:rPr spc="-15" dirty="0"/>
               <a:t> Rights</a:t>
             </a:r>
             <a:r>
-              <a:rPr spc="-10"/>
+              <a:rPr spc="-10" dirty="0"/>
               <a:t> </a:t>
             </a:r>
             <a:r>
-              <a:rPr spc="-15"/>
+              <a:rPr spc="-15" dirty="0"/>
               <a:t>Reserved.</a:t>
             </a:r>
             <a:r>
-              <a:rPr spc="-10"/>
+              <a:rPr spc="-10" dirty="0"/>
               <a:t> </a:t>
             </a:r>
             <a:r>
-              <a:rPr spc="-5"/>
+              <a:rPr spc="-5" dirty="0"/>
               <a:t>Adobe</a:t>
             </a:r>
             <a:r>
-              <a:rPr spc="60"/>
+              <a:rPr spc="60" dirty="0"/>
               <a:t> </a:t>
             </a:r>
             <a:r>
-              <a:rPr spc="-15"/>
+              <a:rPr spc="-15" dirty="0"/>
               <a:t>Confidential.</a:t>
             </a:r>
           </a:p>
@@ -1086,7 +1120,7 @@
           <a:p>
             <a:fld id="{1D8BD707-D9CF-40AE-B4C6-C98DA3205C09}" type="datetimeFigureOut">
               <a:rPr lang="en-US"/>
-              <a:t>10/13/2021</a:t>
+              <a:t>10/1/2021</a:t>
             </a:fld>
             <a:endParaRPr lang="en-US"/>
           </a:p>
@@ -1126,7 +1160,7 @@
               </a:spcBef>
             </a:pPr>
             <a:r>
-              <a:rPr spc="-5"/>
+              <a:rPr spc="-5" dirty="0"/>
               <a:t>©</a:t>
             </a:r>
             <a:fld id="{81D60167-4931-47E6-BA6A-407CBD079E47}" type="slidenum">
@@ -1134,35 +1168,35 @@
               <a:t>‹#›</a:t>
             </a:fld>
             <a:r>
-              <a:rPr spc="-5"/>
+              <a:rPr spc="-5" dirty="0"/>
               <a:t> Adobe. All</a:t>
             </a:r>
             <a:r>
-              <a:rPr spc="-15"/>
+              <a:rPr spc="-15" dirty="0"/>
               <a:t> Rights</a:t>
             </a:r>
             <a:r>
-              <a:rPr spc="-10"/>
+              <a:rPr spc="-10" dirty="0"/>
               <a:t> </a:t>
             </a:r>
             <a:r>
-              <a:rPr spc="-15"/>
+              <a:rPr spc="-15" dirty="0"/>
               <a:t>Reserved.</a:t>
             </a:r>
             <a:r>
-              <a:rPr spc="-10"/>
+              <a:rPr spc="-10" dirty="0"/>
               <a:t> </a:t>
             </a:r>
             <a:r>
-              <a:rPr spc="-5"/>
+              <a:rPr spc="-5" dirty="0"/>
               <a:t>Adobe</a:t>
             </a:r>
             <a:r>
-              <a:rPr spc="60"/>
+              <a:rPr spc="60" dirty="0"/>
               <a:t> </a:t>
             </a:r>
             <a:r>
-              <a:rPr spc="-15"/>
+              <a:rPr spc="-15" dirty="0"/>
               <a:t>Confidential.</a:t>
             </a:r>
           </a:p>
@@ -1344,7 +1378,7 @@
           <a:p>
             <a:fld id="{1D8BD707-D9CF-40AE-B4C6-C98DA3205C09}" type="datetimeFigureOut">
               <a:rPr lang="en-US"/>
-              <a:t>10/13/2021</a:t>
+              <a:t>10/1/2021</a:t>
             </a:fld>
             <a:endParaRPr lang="en-US"/>
           </a:p>
@@ -1384,7 +1418,7 @@
               </a:spcBef>
             </a:pPr>
             <a:r>
-              <a:rPr spc="-5"/>
+              <a:rPr spc="-5" dirty="0"/>
               <a:t>©</a:t>
             </a:r>
             <a:fld id="{81D60167-4931-47E6-BA6A-407CBD079E47}" type="slidenum">
@@ -1392,35 +1426,35 @@
               <a:t>‹#›</a:t>
             </a:fld>
             <a:r>
-              <a:rPr spc="-5"/>
+              <a:rPr spc="-5" dirty="0"/>
               <a:t> Adobe. All</a:t>
             </a:r>
             <a:r>
-              <a:rPr spc="-15"/>
+              <a:rPr spc="-15" dirty="0"/>
               <a:t> Rights</a:t>
             </a:r>
             <a:r>
-              <a:rPr spc="-10"/>
+              <a:rPr spc="-10" dirty="0"/>
               <a:t> </a:t>
             </a:r>
             <a:r>
-              <a:rPr spc="-15"/>
+              <a:rPr spc="-15" dirty="0"/>
               <a:t>Reserved.</a:t>
             </a:r>
             <a:r>
-              <a:rPr spc="-10"/>
+              <a:rPr spc="-10" dirty="0"/>
               <a:t> </a:t>
             </a:r>
             <a:r>
-              <a:rPr spc="-5"/>
+              <a:rPr spc="-5" dirty="0"/>
               <a:t>Adobe</a:t>
             </a:r>
             <a:r>
-              <a:rPr spc="60"/>
+              <a:rPr spc="60" dirty="0"/>
               <a:t> </a:t>
             </a:r>
             <a:r>
-              <a:rPr spc="-15"/>
+              <a:rPr spc="-15" dirty="0"/>
               <a:t>Confidential.</a:t>
             </a:r>
           </a:p>
@@ -1536,7 +1570,7 @@
           <a:p>
             <a:fld id="{1D8BD707-D9CF-40AE-B4C6-C98DA3205C09}" type="datetimeFigureOut">
               <a:rPr lang="en-US"/>
-              <a:t>10/13/2021</a:t>
+              <a:t>10/1/2021</a:t>
             </a:fld>
             <a:endParaRPr lang="en-US"/>
           </a:p>
@@ -1576,7 +1610,7 @@
               </a:spcBef>
             </a:pPr>
             <a:r>
-              <a:rPr spc="-5"/>
+              <a:rPr spc="-5" dirty="0"/>
               <a:t>©</a:t>
             </a:r>
             <a:fld id="{81D60167-4931-47E6-BA6A-407CBD079E47}" type="slidenum">
@@ -1584,35 +1618,35 @@
               <a:t>‹#›</a:t>
             </a:fld>
             <a:r>
-              <a:rPr spc="-5"/>
+              <a:rPr spc="-5" dirty="0"/>
               <a:t> Adobe. All</a:t>
             </a:r>
             <a:r>
-              <a:rPr spc="-15"/>
+              <a:rPr spc="-15" dirty="0"/>
               <a:t> Rights</a:t>
             </a:r>
             <a:r>
-              <a:rPr spc="-10"/>
+              <a:rPr spc="-10" dirty="0"/>
               <a:t> </a:t>
             </a:r>
             <a:r>
-              <a:rPr spc="-15"/>
+              <a:rPr spc="-15" dirty="0"/>
               <a:t>Reserved.</a:t>
             </a:r>
             <a:r>
-              <a:rPr spc="-10"/>
+              <a:rPr spc="-10" dirty="0"/>
               <a:t> </a:t>
             </a:r>
             <a:r>
-              <a:rPr spc="-5"/>
+              <a:rPr spc="-5" dirty="0"/>
               <a:t>Adobe</a:t>
             </a:r>
             <a:r>
-              <a:rPr spc="60"/>
+              <a:rPr spc="60" dirty="0"/>
               <a:t> </a:t>
             </a:r>
             <a:r>
-              <a:rPr spc="-15"/>
+              <a:rPr spc="-15" dirty="0"/>
               <a:t>Confidential.</a:t>
             </a:r>
           </a:p>
@@ -1699,7 +1733,7 @@
           <a:p>
             <a:fld id="{1D8BD707-D9CF-40AE-B4C6-C98DA3205C09}" type="datetimeFigureOut">
               <a:rPr lang="en-US"/>
-              <a:t>10/13/2021</a:t>
+              <a:t>10/1/2021</a:t>
             </a:fld>
             <a:endParaRPr lang="en-US"/>
           </a:p>
@@ -1739,7 +1773,7 @@
               </a:spcBef>
             </a:pPr>
             <a:r>
-              <a:rPr spc="-5"/>
+              <a:rPr spc="-5" dirty="0"/>
               <a:t>©</a:t>
             </a:r>
             <a:fld id="{81D60167-4931-47E6-BA6A-407CBD079E47}" type="slidenum">
@@ -1747,35 +1781,35 @@
               <a:t>‹#›</a:t>
             </a:fld>
             <a:r>
-              <a:rPr spc="-5"/>
+              <a:rPr spc="-5" dirty="0"/>
               <a:t> Adobe. All</a:t>
             </a:r>
             <a:r>
-              <a:rPr spc="-15"/>
+              <a:rPr spc="-15" dirty="0"/>
               <a:t> Rights</a:t>
             </a:r>
             <a:r>
-              <a:rPr spc="-10"/>
+              <a:rPr spc="-10" dirty="0"/>
               <a:t> </a:t>
             </a:r>
             <a:r>
-              <a:rPr spc="-15"/>
+              <a:rPr spc="-15" dirty="0"/>
               <a:t>Reserved.</a:t>
             </a:r>
             <a:r>
-              <a:rPr spc="-10"/>
+              <a:rPr spc="-10" dirty="0"/>
               <a:t> </a:t>
             </a:r>
             <a:r>
-              <a:rPr spc="-5"/>
+              <a:rPr spc="-5" dirty="0"/>
               <a:t>Adobe</a:t>
             </a:r>
             <a:r>
-              <a:rPr spc="60"/>
+              <a:rPr spc="60" dirty="0"/>
               <a:t> </a:t>
             </a:r>
             <a:r>
-              <a:rPr spc="-15"/>
+              <a:rPr spc="-15" dirty="0"/>
               <a:t>Confidential.</a:t>
             </a:r>
           </a:p>
@@ -1962,7 +1996,7 @@
           <a:p>
             <a:fld id="{1D8BD707-D9CF-40AE-B4C6-C98DA3205C09}" type="datetimeFigureOut">
               <a:rPr lang="en-US"/>
-              <a:t>10/13/2021</a:t>
+              <a:t>10/1/2021</a:t>
             </a:fld>
             <a:endParaRPr lang="en-US"/>
           </a:p>
@@ -2012,7 +2046,7 @@
               </a:spcBef>
             </a:pPr>
             <a:r>
-              <a:rPr spc="-5"/>
+              <a:rPr spc="-5" dirty="0"/>
               <a:t>©</a:t>
             </a:r>
             <a:fld id="{81D60167-4931-47E6-BA6A-407CBD079E47}" type="slidenum">
@@ -2020,35 +2054,35 @@
               <a:t>‹#›</a:t>
             </a:fld>
             <a:r>
-              <a:rPr spc="-5"/>
+              <a:rPr spc="-5" dirty="0"/>
               <a:t> Adobe. All</a:t>
             </a:r>
             <a:r>
-              <a:rPr spc="-15"/>
+              <a:rPr spc="-15" dirty="0"/>
               <a:t> Rights</a:t>
             </a:r>
             <a:r>
-              <a:rPr spc="-10"/>
+              <a:rPr spc="-10" dirty="0"/>
               <a:t> </a:t>
             </a:r>
             <a:r>
-              <a:rPr spc="-15"/>
+              <a:rPr spc="-15" dirty="0"/>
               <a:t>Reserved.</a:t>
             </a:r>
             <a:r>
-              <a:rPr spc="-10"/>
+              <a:rPr spc="-10" dirty="0"/>
               <a:t> </a:t>
             </a:r>
             <a:r>
-              <a:rPr spc="-5"/>
+              <a:rPr spc="-5" dirty="0"/>
               <a:t>Adobe</a:t>
             </a:r>
             <a:r>
-              <a:rPr spc="60"/>
+              <a:rPr spc="60" dirty="0"/>
               <a:t> </a:t>
             </a:r>
             <a:r>
-              <a:rPr spc="-15"/>
+              <a:rPr spc="-15" dirty="0"/>
               <a:t>Confidential.</a:t>
             </a:r>
           </a:p>
@@ -2237,35 +2271,33 @@
         </p:nvSpPr>
         <p:spPr>
           <a:xfrm>
-            <a:off x="502828" y="65103"/>
-            <a:ext cx="3840572" cy="366767"/>
+            <a:off x="502827" y="65103"/>
+            <a:ext cx="4725793" cy="366767"/>
           </a:xfrm>
           <a:prstGeom prst="rect">
             <a:avLst/>
           </a:prstGeom>
         </p:spPr>
         <p:txBody>
-          <a:bodyPr vert="horz" wrap="square" lIns="0" tIns="12700" rIns="0" bIns="0" rtlCol="0" anchor="t">
+          <a:bodyPr vert="horz" wrap="square" lIns="0" tIns="12700" rIns="0" bIns="0" rtlCol="0">
             <a:spAutoFit/>
           </a:bodyPr>
           <a:lstStyle/>
           <a:p>
             <a:pPr marL="12700">
+              <a:lnSpc>
+                <a:spcPct val="100000"/>
+              </a:lnSpc>
               <a:spcBef>
                 <a:spcPts val="100"/>
               </a:spcBef>
             </a:pPr>
             <a:r>
-              <a:rPr sz="2300"/>
-              <a:t>ADOBE </a:t>
-            </a:r>
-            <a:r>
-              <a:rPr lang="en-US" sz="2300"/>
-              <a:t>SUPPORT PLANS</a:t>
-            </a:r>
-            <a:endParaRPr sz="2300">
-              <a:latin typeface="Adobe Clean" panose="020B0503020404020204" pitchFamily="34" charset="0"/>
-            </a:endParaRPr>
+              <a:rPr lang="pt-BR" sz="2300" dirty="0">
+                <a:latin typeface="Adobe Clean" panose="020B0503020404020204" pitchFamily="34" charset="0"/>
+              </a:rPr>
+              <a:t>SERVIÇOS DE SUPORTE ADOBE</a:t>
+            </a:r>
           </a:p>
         </p:txBody>
       </p:sp>
@@ -2299,107 +2331,17 @@
               </a:spcBef>
             </a:pPr>
             <a:r>
-              <a:rPr sz="1100" spc="-5">
+              <a:rPr lang="pt-BR" sz="1100" dirty="0">
                 <a:solidFill>
                   <a:srgbClr val="FFFFFF"/>
                 </a:solidFill>
                 <a:latin typeface="AdobeClean-Light"/>
                 <a:cs typeface="AdobeClean-Light"/>
               </a:rPr>
-              <a:t>Online</a:t>
-            </a:r>
-            <a:r>
-              <a:rPr sz="1100">
-                <a:solidFill>
-                  <a:srgbClr val="FFFFFF"/>
-                </a:solidFill>
-                <a:latin typeface="AdobeClean-Light"/>
-                <a:cs typeface="AdobeClean-Light"/>
-              </a:rPr>
-              <a:t> |</a:t>
-            </a:r>
-            <a:r>
-              <a:rPr sz="1100" spc="5">
-                <a:solidFill>
-                  <a:srgbClr val="FFFFFF"/>
-                </a:solidFill>
-                <a:latin typeface="AdobeClean-Light"/>
-                <a:cs typeface="AdobeClean-Light"/>
-              </a:rPr>
-              <a:t> </a:t>
-            </a:r>
-            <a:r>
-              <a:rPr sz="1100" spc="-5">
-                <a:solidFill>
-                  <a:srgbClr val="FFFFFF"/>
-                </a:solidFill>
-                <a:latin typeface="AdobeClean-Light"/>
-                <a:cs typeface="AdobeClean-Light"/>
-              </a:rPr>
-              <a:t>Business</a:t>
-            </a:r>
-            <a:r>
-              <a:rPr sz="1100">
-                <a:solidFill>
-                  <a:srgbClr val="FFFFFF"/>
-                </a:solidFill>
-                <a:latin typeface="AdobeClean-Light"/>
-                <a:cs typeface="AdobeClean-Light"/>
-              </a:rPr>
-              <a:t> |</a:t>
-            </a:r>
-            <a:r>
-              <a:rPr sz="1100" spc="10">
-                <a:solidFill>
-                  <a:srgbClr val="FFFFFF"/>
-                </a:solidFill>
-                <a:latin typeface="AdobeClean-Light"/>
-                <a:cs typeface="AdobeClean-Light"/>
-              </a:rPr>
-              <a:t> </a:t>
-            </a:r>
-            <a:r>
-              <a:rPr sz="1100" spc="-5">
-                <a:solidFill>
-                  <a:srgbClr val="FFFFFF"/>
-                </a:solidFill>
-                <a:latin typeface="AdobeClean-Light"/>
-                <a:cs typeface="AdobeClean-Light"/>
-              </a:rPr>
-              <a:t>Enterprise</a:t>
-            </a:r>
-            <a:r>
-              <a:rPr sz="1100" spc="10">
-                <a:solidFill>
-                  <a:srgbClr val="FFFFFF"/>
-                </a:solidFill>
-                <a:latin typeface="AdobeClean-Light"/>
-                <a:cs typeface="AdobeClean-Light"/>
-              </a:rPr>
-              <a:t> </a:t>
-            </a:r>
-            <a:r>
-              <a:rPr sz="1100">
-                <a:solidFill>
-                  <a:srgbClr val="FFFFFF"/>
-                </a:solidFill>
-                <a:latin typeface="AdobeClean-Light"/>
-                <a:cs typeface="AdobeClean-Light"/>
-              </a:rPr>
-              <a:t>|</a:t>
-            </a:r>
-            <a:r>
-              <a:rPr sz="1100" spc="5">
-                <a:solidFill>
-                  <a:srgbClr val="FFFFFF"/>
-                </a:solidFill>
-                <a:latin typeface="AdobeClean-Light"/>
-                <a:cs typeface="AdobeClean-Light"/>
-              </a:rPr>
-              <a:t> </a:t>
-            </a:r>
-            <a:r>
-              <a:rPr sz="1100" b="1" spc="-65">
+              <a:t>Online | Business | Enterprise | </a:t>
+            </a:r>
+            <a:r>
+              <a:rPr lang="pt-BR" sz="1100" b="1" dirty="0">
                 <a:solidFill>
                   <a:srgbClr val="FFFFFF"/>
                 </a:solidFill>
@@ -2408,10 +2350,6 @@
               </a:rPr>
               <a:t>Elite</a:t>
             </a:r>
-            <a:endParaRPr sz="1100">
-              <a:latin typeface="Arial"/>
-              <a:cs typeface="Arial"/>
-            </a:endParaRPr>
           </a:p>
           <a:p>
             <a:pPr marL="12700" marR="1076325">
@@ -2420,21 +2358,116 @@
               </a:spcBef>
             </a:pPr>
             <a:r>
-              <a:rPr lang="en-US" sz="900">
+              <a:rPr lang="pt-BR" sz="900" dirty="0">
                 <a:solidFill>
                   <a:schemeClr val="bg1"/>
                 </a:solidFill>
                 <a:latin typeface="Adobe Clean SemiLight" panose="020B0403020404020204" pitchFamily="34" charset="0"/>
               </a:rPr>
-              <a:t>Adobe provides a comprehensive range of technical resources to help support your business included as part of your Experience Cloud license subscription and further enhanced in the ELITE support package. ELITE support includes access to personalized learning paths and monitored community forums via the Adobe Experience League. You can also take advantage of our detailed and in-depth technical product documentation and current release notes. ELITE customers will also have access to a Named Support Engineer as well as a Technical Account Manager who combine and work in partnership with you to provide best in class proactive and reactive support while acting as your designated technical contacts in the Adobe Support Team. With deep experience in your designated Experience Cloud solutions, your support team work to ensure that no matter how complex your support needs are, the Adobe Support team will be there side by side with you throughout, to ensure you maximize your investment in the Adobe Experience Cloud solutions and to help you avoid problems before they happen.</a:t>
-            </a:r>
-            <a:endParaRPr sz="900">
-              <a:solidFill>
-                <a:schemeClr val="bg1"/>
-              </a:solidFill>
-              <a:latin typeface="AdobeClean-Light"/>
-              <a:cs typeface="AdobeClean-Light"/>
-            </a:endParaRPr>
+              <a:t>A Adobe oferece uma ampla gama de recursos técnicos para prestar suporte à sua empresa, incluídos na sua assinatura </a:t>
+            </a:r>
+            <a:br>
+              <a:rPr lang="sk-SK" sz="900" dirty="0">
+                <a:solidFill>
+                  <a:schemeClr val="bg1"/>
+                </a:solidFill>
+                <a:latin typeface="Adobe Clean SemiLight" panose="020B0403020404020204" pitchFamily="34" charset="0"/>
+              </a:rPr>
+            </a:br>
+            <a:r>
+              <a:rPr lang="pt-BR" sz="900" dirty="0">
+                <a:solidFill>
+                  <a:schemeClr val="bg1"/>
+                </a:solidFill>
+                <a:latin typeface="Adobe Clean SemiLight" panose="020B0403020404020204" pitchFamily="34" charset="0"/>
+              </a:rPr>
+              <a:t>da Experience Cloud e com melhorias adicionais no pacote de suporte ELITE. O Suporte ELITE inclui acesso a caminhos </a:t>
+            </a:r>
+            <a:br>
+              <a:rPr lang="sk-SK" sz="900" dirty="0">
+                <a:solidFill>
+                  <a:schemeClr val="bg1"/>
+                </a:solidFill>
+                <a:latin typeface="Adobe Clean SemiLight" panose="020B0403020404020204" pitchFamily="34" charset="0"/>
+              </a:rPr>
+            </a:br>
+            <a:r>
+              <a:rPr lang="pt-BR" sz="900" dirty="0">
+                <a:solidFill>
+                  <a:schemeClr val="bg1"/>
+                </a:solidFill>
+                <a:latin typeface="Adobe Clean SemiLight" panose="020B0403020404020204" pitchFamily="34" charset="0"/>
+              </a:rPr>
+              <a:t>de aprendizagem personalizados e a fóruns monitorados da comunidade na Adobe Experience League. Você tem à sua disposição </a:t>
+            </a:r>
+            <a:br>
+              <a:rPr lang="sk-SK" sz="900" dirty="0">
+                <a:solidFill>
+                  <a:schemeClr val="bg1"/>
+                </a:solidFill>
+                <a:latin typeface="Adobe Clean SemiLight" panose="020B0403020404020204" pitchFamily="34" charset="0"/>
+              </a:rPr>
+            </a:br>
+            <a:r>
+              <a:rPr lang="pt-BR" sz="900" dirty="0">
+                <a:solidFill>
+                  <a:schemeClr val="bg1"/>
+                </a:solidFill>
+                <a:latin typeface="Adobe Clean SemiLight" panose="020B0403020404020204" pitchFamily="34" charset="0"/>
+              </a:rPr>
+              <a:t>a nossa documentação técnica de produto, com todos os detalhes, e as notas de versão atuais. Os clientes ELITE também contam com um Engenheiro de suporte nomeado e um Gerente técnico de conta, que atuam como contato técnico designado na Equipe de suporte da Adobe e colaboram com você para prestar um suporte superior, rápido e proativo. Com ampla experiência </a:t>
+            </a:r>
+            <a:br>
+              <a:rPr lang="sk-SK" sz="900" dirty="0">
+                <a:solidFill>
+                  <a:schemeClr val="bg1"/>
+                </a:solidFill>
+                <a:latin typeface="Adobe Clean SemiLight" panose="020B0403020404020204" pitchFamily="34" charset="0"/>
+              </a:rPr>
+            </a:br>
+            <a:r>
+              <a:rPr lang="pt-BR" sz="900" dirty="0">
+                <a:solidFill>
+                  <a:schemeClr val="bg1"/>
+                </a:solidFill>
+                <a:latin typeface="Adobe Clean SemiLight" panose="020B0403020404020204" pitchFamily="34" charset="0"/>
+              </a:rPr>
+              <a:t>em soluções da Experience Cloud, a Equipe de suporte trabalha para garantir que a Adobe esteja ao seu lado seja qual for </a:t>
+            </a:r>
+            <a:br>
+              <a:rPr lang="sk-SK" sz="900" dirty="0">
+                <a:solidFill>
+                  <a:schemeClr val="bg1"/>
+                </a:solidFill>
+                <a:latin typeface="Adobe Clean SemiLight" panose="020B0403020404020204" pitchFamily="34" charset="0"/>
+              </a:rPr>
+            </a:br>
+            <a:r>
+              <a:rPr lang="pt-BR" sz="900" dirty="0">
+                <a:solidFill>
+                  <a:schemeClr val="bg1"/>
+                </a:solidFill>
+                <a:latin typeface="Adobe Clean SemiLight" panose="020B0403020404020204" pitchFamily="34" charset="0"/>
+              </a:rPr>
+              <a:t>a complexidade do problema, atuando de maneira preventiva para que você aproveite ao máximo seu investimento na </a:t>
+            </a:r>
+            <a:br>
+              <a:rPr lang="sk-SK" sz="900" dirty="0">
+                <a:solidFill>
+                  <a:schemeClr val="bg1"/>
+                </a:solidFill>
+                <a:latin typeface="Adobe Clean SemiLight" panose="020B0403020404020204" pitchFamily="34" charset="0"/>
+              </a:rPr>
+            </a:br>
+            <a:r>
+              <a:rPr lang="pt-BR" sz="900" dirty="0">
+                <a:solidFill>
+                  <a:schemeClr val="bg1"/>
+                </a:solidFill>
+                <a:latin typeface="Adobe Clean SemiLight" panose="020B0403020404020204" pitchFamily="34" charset="0"/>
+              </a:rPr>
+              <a:t>Adobe Experience Cloud.</a:t>
+            </a:r>
           </a:p>
         </p:txBody>
       </p:sp>
@@ -2446,8 +2479,8 @@
         </p:nvSpPr>
         <p:spPr>
           <a:xfrm>
-            <a:off x="168564" y="7162800"/>
-            <a:ext cx="2780665" cy="238760"/>
+            <a:off x="168564" y="7024371"/>
+            <a:ext cx="3565236" cy="228268"/>
           </a:xfrm>
           <a:prstGeom prst="rect">
             <a:avLst/>
@@ -2468,7 +2501,7 @@
               </a:spcBef>
             </a:pPr>
             <a:r>
-              <a:rPr sz="1400" b="1" u="heavy" spc="20">
+              <a:rPr lang="pt-BR" sz="1400" b="1" u="heavy" dirty="0">
                 <a:solidFill>
                   <a:srgbClr val="020302"/>
                 </a:solidFill>
@@ -2480,447 +2513,8 @@
                 <a:latin typeface="Adobe Clean"/>
                 <a:cs typeface="Adobe Clean"/>
               </a:rPr>
-              <a:t>S</a:t>
-            </a:r>
-            <a:r>
-              <a:rPr sz="1400" b="1" u="heavy">
-                <a:solidFill>
-                  <a:srgbClr val="020302"/>
-                </a:solidFill>
-                <a:uFill>
-                  <a:solidFill>
-                    <a:srgbClr val="020302"/>
-                  </a:solidFill>
-                </a:uFill>
-                <a:latin typeface="Adobe Clean"/>
-                <a:cs typeface="Adobe Clean"/>
-              </a:rPr>
-              <a:t>er</a:t>
-            </a:r>
-            <a:r>
-              <a:rPr sz="1400" b="1" u="heavy" spc="10">
-                <a:solidFill>
-                  <a:srgbClr val="020302"/>
-                </a:solidFill>
-                <a:uFill>
-                  <a:solidFill>
-                    <a:srgbClr val="020302"/>
-                  </a:solidFill>
-                </a:uFill>
-                <a:latin typeface="Adobe Clean"/>
-                <a:cs typeface="Adobe Clean"/>
-              </a:rPr>
-              <a:t>vi</a:t>
-            </a:r>
-            <a:r>
-              <a:rPr sz="1400" b="1" u="heavy">
-                <a:solidFill>
-                  <a:srgbClr val="020302"/>
-                </a:solidFill>
-                <a:uFill>
-                  <a:solidFill>
-                    <a:srgbClr val="020302"/>
-                  </a:solidFill>
-                </a:uFill>
-                <a:latin typeface="Adobe Clean"/>
-                <a:cs typeface="Adobe Clean"/>
-              </a:rPr>
-              <a:t>ce</a:t>
-            </a:r>
-            <a:r>
-              <a:rPr sz="1400" b="1" u="heavy" spc="20">
-                <a:solidFill>
-                  <a:srgbClr val="020302"/>
-                </a:solidFill>
-                <a:uFill>
-                  <a:solidFill>
-                    <a:srgbClr val="020302"/>
-                  </a:solidFill>
-                </a:uFill>
-                <a:latin typeface="Adobe Clean"/>
-                <a:cs typeface="Adobe Clean"/>
-              </a:rPr>
-              <a:t> </a:t>
-            </a:r>
-            <a:r>
-              <a:rPr sz="1400" b="1" u="heavy" spc="-20">
-                <a:solidFill>
-                  <a:srgbClr val="020302"/>
-                </a:solidFill>
-                <a:uFill>
-                  <a:solidFill>
-                    <a:srgbClr val="020302"/>
-                  </a:solidFill>
-                </a:uFill>
-                <a:latin typeface="Adobe Clean"/>
-                <a:cs typeface="Adobe Clean"/>
-              </a:rPr>
-              <a:t>Le</a:t>
-            </a:r>
-            <a:r>
-              <a:rPr sz="1400" b="1" u="heavy" spc="-10">
-                <a:solidFill>
-                  <a:srgbClr val="020302"/>
-                </a:solidFill>
-                <a:uFill>
-                  <a:solidFill>
-                    <a:srgbClr val="020302"/>
-                  </a:solidFill>
-                </a:uFill>
-                <a:latin typeface="Adobe Clean"/>
-                <a:cs typeface="Adobe Clean"/>
-              </a:rPr>
-              <a:t>v</a:t>
-            </a:r>
-            <a:r>
-              <a:rPr sz="1400" b="1" u="heavy" spc="-20">
-                <a:solidFill>
-                  <a:srgbClr val="020302"/>
-                </a:solidFill>
-                <a:uFill>
-                  <a:solidFill>
-                    <a:srgbClr val="020302"/>
-                  </a:solidFill>
-                </a:uFill>
-                <a:latin typeface="Adobe Clean"/>
-                <a:cs typeface="Adobe Clean"/>
-              </a:rPr>
-              <a:t>e</a:t>
-            </a:r>
-            <a:r>
-              <a:rPr sz="1400" b="1" u="heavy">
-                <a:solidFill>
-                  <a:srgbClr val="020302"/>
-                </a:solidFill>
-                <a:uFill>
-                  <a:solidFill>
-                    <a:srgbClr val="020302"/>
-                  </a:solidFill>
-                </a:uFill>
-                <a:latin typeface="Adobe Clean"/>
-                <a:cs typeface="Adobe Clean"/>
-              </a:rPr>
-              <a:t>l</a:t>
-            </a:r>
-            <a:r>
-              <a:rPr sz="1400" b="1" u="heavy" spc="-10">
-                <a:solidFill>
-                  <a:srgbClr val="020302"/>
-                </a:solidFill>
-                <a:uFill>
-                  <a:solidFill>
-                    <a:srgbClr val="020302"/>
-                  </a:solidFill>
-                </a:uFill>
-                <a:latin typeface="Adobe Clean"/>
-                <a:cs typeface="Adobe Clean"/>
-              </a:rPr>
-              <a:t> </a:t>
-            </a:r>
-            <a:r>
-              <a:rPr sz="1400" b="1" u="heavy" spc="-65">
-                <a:solidFill>
-                  <a:srgbClr val="020302"/>
-                </a:solidFill>
-                <a:uFill>
-                  <a:solidFill>
-                    <a:srgbClr val="020302"/>
-                  </a:solidFill>
-                </a:uFill>
-                <a:latin typeface="Adobe Clean"/>
-                <a:cs typeface="Adobe Clean"/>
-              </a:rPr>
-              <a:t>T</a:t>
-            </a:r>
-            <a:r>
-              <a:rPr sz="1400" b="1" u="heavy" spc="-35">
-                <a:solidFill>
-                  <a:srgbClr val="020302"/>
-                </a:solidFill>
-                <a:uFill>
-                  <a:solidFill>
-                    <a:srgbClr val="020302"/>
-                  </a:solidFill>
-                </a:uFill>
-                <a:latin typeface="Adobe Clean"/>
-                <a:cs typeface="Adobe Clean"/>
-              </a:rPr>
-              <a:t>a</a:t>
-            </a:r>
-            <a:r>
-              <a:rPr sz="1400" b="1" u="heavy" spc="-45">
-                <a:solidFill>
-                  <a:srgbClr val="020302"/>
-                </a:solidFill>
-                <a:uFill>
-                  <a:solidFill>
-                    <a:srgbClr val="020302"/>
-                  </a:solidFill>
-                </a:uFill>
-                <a:latin typeface="Adobe Clean"/>
-                <a:cs typeface="Adobe Clean"/>
-              </a:rPr>
-              <a:t>r</a:t>
-            </a:r>
-            <a:r>
-              <a:rPr sz="1400" b="1" u="heavy" spc="-35">
-                <a:solidFill>
-                  <a:srgbClr val="020302"/>
-                </a:solidFill>
-                <a:uFill>
-                  <a:solidFill>
-                    <a:srgbClr val="020302"/>
-                  </a:solidFill>
-                </a:uFill>
-                <a:latin typeface="Adobe Clean"/>
-                <a:cs typeface="Adobe Clean"/>
-              </a:rPr>
-              <a:t>g</a:t>
-            </a:r>
-            <a:r>
-              <a:rPr sz="1400" b="1" u="heavy" spc="-55">
-                <a:solidFill>
-                  <a:srgbClr val="020302"/>
-                </a:solidFill>
-                <a:uFill>
-                  <a:solidFill>
-                    <a:srgbClr val="020302"/>
-                  </a:solidFill>
-                </a:uFill>
-                <a:latin typeface="Adobe Clean"/>
-                <a:cs typeface="Adobe Clean"/>
-              </a:rPr>
-              <a:t>et</a:t>
-            </a:r>
-            <a:r>
-              <a:rPr sz="1400" b="1" u="heavy" spc="-45">
-                <a:solidFill>
-                  <a:srgbClr val="020302"/>
-                </a:solidFill>
-                <a:uFill>
-                  <a:solidFill>
-                    <a:srgbClr val="020302"/>
-                  </a:solidFill>
-                </a:uFill>
-                <a:latin typeface="Adobe Clean"/>
-                <a:cs typeface="Adobe Clean"/>
-              </a:rPr>
-              <a:t>s</a:t>
-            </a:r>
-            <a:r>
-              <a:rPr sz="1400" b="1" u="heavy">
-                <a:solidFill>
-                  <a:srgbClr val="020302"/>
-                </a:solidFill>
-                <a:uFill>
-                  <a:solidFill>
-                    <a:srgbClr val="020302"/>
-                  </a:solidFill>
-                </a:uFill>
-                <a:latin typeface="Adobe Clean"/>
-                <a:cs typeface="Adobe Clean"/>
-              </a:rPr>
-              <a:t>:</a:t>
-            </a:r>
-            <a:r>
-              <a:rPr sz="1400" b="1" u="heavy" spc="-80">
-                <a:solidFill>
-                  <a:srgbClr val="020302"/>
-                </a:solidFill>
-                <a:uFill>
-                  <a:solidFill>
-                    <a:srgbClr val="020302"/>
-                  </a:solidFill>
-                </a:uFill>
-                <a:latin typeface="Adobe Clean"/>
-                <a:cs typeface="Adobe Clean"/>
-              </a:rPr>
-              <a:t> </a:t>
-            </a:r>
-            <a:r>
-              <a:rPr sz="1400" b="1" u="heavy" spc="-20">
-                <a:solidFill>
-                  <a:srgbClr val="020302"/>
-                </a:solidFill>
-                <a:uFill>
-                  <a:solidFill>
-                    <a:srgbClr val="020302"/>
-                  </a:solidFill>
-                </a:uFill>
-                <a:latin typeface="Adobe Clean"/>
-                <a:cs typeface="Adobe Clean"/>
-              </a:rPr>
-              <a:t>I</a:t>
-            </a:r>
-            <a:r>
-              <a:rPr sz="1400" b="1" u="heavy" spc="-10">
-                <a:solidFill>
-                  <a:srgbClr val="020302"/>
-                </a:solidFill>
-                <a:uFill>
-                  <a:solidFill>
-                    <a:srgbClr val="020302"/>
-                  </a:solidFill>
-                </a:uFill>
-                <a:latin typeface="Adobe Clean"/>
-                <a:cs typeface="Adobe Clean"/>
-              </a:rPr>
-              <a:t>ni</a:t>
-            </a:r>
-            <a:r>
-              <a:rPr sz="1400" b="1" u="heavy" spc="-20">
-                <a:solidFill>
-                  <a:srgbClr val="020302"/>
-                </a:solidFill>
-                <a:uFill>
-                  <a:solidFill>
-                    <a:srgbClr val="020302"/>
-                  </a:solidFill>
-                </a:uFill>
-                <a:latin typeface="Adobe Clean"/>
-                <a:cs typeface="Adobe Clean"/>
-              </a:rPr>
-              <a:t>t</a:t>
-            </a:r>
-            <a:r>
-              <a:rPr sz="1400" b="1" u="heavy" spc="-10">
-                <a:solidFill>
-                  <a:srgbClr val="020302"/>
-                </a:solidFill>
-                <a:uFill>
-                  <a:solidFill>
-                    <a:srgbClr val="020302"/>
-                  </a:solidFill>
-                </a:uFill>
-                <a:latin typeface="Adobe Clean"/>
-                <a:cs typeface="Adobe Clean"/>
-              </a:rPr>
-              <a:t>i</a:t>
-            </a:r>
-            <a:r>
-              <a:rPr sz="1400" b="1" u="heavy">
-                <a:solidFill>
-                  <a:srgbClr val="020302"/>
-                </a:solidFill>
-                <a:uFill>
-                  <a:solidFill>
-                    <a:srgbClr val="020302"/>
-                  </a:solidFill>
-                </a:uFill>
-                <a:latin typeface="Adobe Clean"/>
-                <a:cs typeface="Adobe Clean"/>
-              </a:rPr>
-              <a:t>al</a:t>
-            </a:r>
-            <a:r>
-              <a:rPr sz="1400" b="1" u="heavy" spc="-140">
-                <a:solidFill>
-                  <a:srgbClr val="020302"/>
-                </a:solidFill>
-                <a:uFill>
-                  <a:solidFill>
-                    <a:srgbClr val="020302"/>
-                  </a:solidFill>
-                </a:uFill>
-                <a:latin typeface="Adobe Clean"/>
-                <a:cs typeface="Adobe Clean"/>
-              </a:rPr>
-              <a:t> </a:t>
-            </a:r>
-            <a:r>
-              <a:rPr sz="1400" b="1" u="heavy" spc="-15">
-                <a:solidFill>
-                  <a:srgbClr val="020302"/>
-                </a:solidFill>
-                <a:uFill>
-                  <a:solidFill>
-                    <a:srgbClr val="020302"/>
-                  </a:solidFill>
-                </a:uFill>
-                <a:latin typeface="Adobe Clean"/>
-                <a:cs typeface="Adobe Clean"/>
-              </a:rPr>
-              <a:t>R</a:t>
-            </a:r>
-            <a:r>
-              <a:rPr sz="1400" b="1" u="heavy" spc="-25">
-                <a:solidFill>
-                  <a:srgbClr val="020302"/>
-                </a:solidFill>
-                <a:uFill>
-                  <a:solidFill>
-                    <a:srgbClr val="020302"/>
-                  </a:solidFill>
-                </a:uFill>
-                <a:latin typeface="Adobe Clean"/>
-                <a:cs typeface="Adobe Clean"/>
-              </a:rPr>
-              <a:t>e</a:t>
-            </a:r>
-            <a:r>
-              <a:rPr sz="1400" b="1" u="heavy" spc="-15">
-                <a:solidFill>
-                  <a:srgbClr val="020302"/>
-                </a:solidFill>
-                <a:uFill>
-                  <a:solidFill>
-                    <a:srgbClr val="020302"/>
-                  </a:solidFill>
-                </a:uFill>
-                <a:latin typeface="Adobe Clean"/>
-                <a:cs typeface="Adobe Clean"/>
-              </a:rPr>
-              <a:t>s</a:t>
-            </a:r>
-            <a:r>
-              <a:rPr sz="1400" b="1" u="heavy" spc="-25">
-                <a:solidFill>
-                  <a:srgbClr val="020302"/>
-                </a:solidFill>
-                <a:uFill>
-                  <a:solidFill>
-                    <a:srgbClr val="020302"/>
-                  </a:solidFill>
-                </a:uFill>
-                <a:latin typeface="Adobe Clean"/>
-                <a:cs typeface="Adobe Clean"/>
-              </a:rPr>
-              <a:t>p</a:t>
-            </a:r>
-            <a:r>
-              <a:rPr sz="1400" b="1" u="heavy" spc="-15">
-                <a:solidFill>
-                  <a:srgbClr val="020302"/>
-                </a:solidFill>
-                <a:uFill>
-                  <a:solidFill>
-                    <a:srgbClr val="020302"/>
-                  </a:solidFill>
-                </a:uFill>
-                <a:latin typeface="Adobe Clean"/>
-                <a:cs typeface="Adobe Clean"/>
-              </a:rPr>
-              <a:t>ons</a:t>
-            </a:r>
-            <a:r>
-              <a:rPr sz="1400" b="1" u="heavy">
-                <a:solidFill>
-                  <a:srgbClr val="020302"/>
-                </a:solidFill>
-                <a:uFill>
-                  <a:solidFill>
-                    <a:srgbClr val="020302"/>
-                  </a:solidFill>
-                </a:uFill>
-                <a:latin typeface="Adobe Clean"/>
-                <a:cs typeface="Adobe Clean"/>
-              </a:rPr>
-              <a:t>e</a:t>
-            </a:r>
-            <a:endParaRPr sz="1400">
-              <a:latin typeface="Adobe Clean"/>
-              <a:cs typeface="Adobe Clean"/>
-            </a:endParaRPr>
+              <a:t>Metas de nível de serviço: Resposta inicial</a:t>
+            </a:r>
           </a:p>
         </p:txBody>
       </p:sp>
@@ -2933,13 +2527,13 @@
           <p:nvPr>
             <p:extLst>
               <p:ext uri="{D42A27DB-BD31-4B8C-83A1-F6EECF244321}">
-                <p14:modId xmlns:p14="http://schemas.microsoft.com/office/powerpoint/2010/main" val="101721845"/>
+                <p14:modId xmlns:p14="http://schemas.microsoft.com/office/powerpoint/2010/main" val="4025285192"/>
               </p:ext>
             </p:extLst>
           </p:nvPr>
         </p:nvGraphicFramePr>
         <p:xfrm>
-          <a:off x="145668" y="7473158"/>
+          <a:off x="145668" y="7341479"/>
           <a:ext cx="7409815" cy="2259721"/>
         </p:xfrm>
         <a:graphic>
@@ -2986,19 +2580,15 @@
                         </a:spcBef>
                       </a:pPr>
                       <a:r>
-                        <a:rPr sz="900" spc="0">
+                        <a:rPr lang="pt-BR" sz="900">
                           <a:solidFill>
                             <a:srgbClr val="020302"/>
                           </a:solidFill>
                           <a:latin typeface="Adobe Clean"/>
                           <a:cs typeface="Adobe Clean"/>
                         </a:rPr>
-                        <a:t>Priority</a:t>
+                        <a:t>Prioridade</a:t>
                       </a:r>
-                      <a:endParaRPr sz="900" spc="0">
-                        <a:latin typeface="Adobe Clean"/>
-                        <a:cs typeface="Adobe Clean"/>
-                      </a:endParaRPr>
                     </a:p>
                   </a:txBody>
                   <a:tcPr marL="0" marR="0" marT="5715" marB="0" anchor="ctr">
@@ -3045,39 +2635,15 @@
                         </a:spcBef>
                       </a:pPr>
                       <a:r>
-                        <a:rPr sz="900" spc="0">
+                        <a:rPr lang="pt-BR" sz="900">
                           <a:solidFill>
                             <a:srgbClr val="020302"/>
                           </a:solidFill>
                           <a:latin typeface="Adobe Clean"/>
                           <a:cs typeface="Adobe Clean"/>
                         </a:rPr>
-                        <a:t>Online</a:t>
+                        <a:t>Suporte Online</a:t>
                       </a:r>
-                      <a:r>
-                        <a:rPr lang="en-US" sz="900" spc="0">
-                          <a:solidFill>
-                            <a:srgbClr val="020302"/>
-                          </a:solidFill>
-                          <a:latin typeface="Adobe Clean"/>
-                          <a:cs typeface="Adobe Clean"/>
-                        </a:rPr>
-                        <a:t> </a:t>
-                      </a:r>
-                      <a:r>
-                        <a:rPr sz="900" spc="0">
-                          <a:solidFill>
-                            <a:srgbClr val="020302"/>
-                          </a:solidFill>
-                          <a:latin typeface="Adobe Clean"/>
-                          <a:cs typeface="Adobe Clean"/>
-                        </a:rPr>
-                        <a:t> Support</a:t>
-                      </a:r>
-                      <a:endParaRPr sz="900" spc="0">
-                        <a:latin typeface="Adobe Clean"/>
-                        <a:cs typeface="Adobe Clean"/>
-                      </a:endParaRPr>
                     </a:p>
                   </a:txBody>
                   <a:tcPr marL="0" marR="0" marT="5715" marB="0" anchor="ctr">
@@ -3127,39 +2693,15 @@
                         </a:spcBef>
                       </a:pPr>
                       <a:r>
-                        <a:rPr sz="900" spc="0">
+                        <a:rPr lang="pt-BR" sz="900">
                           <a:solidFill>
                             <a:srgbClr val="FFFFFF"/>
                           </a:solidFill>
                           <a:latin typeface="Adobe Clean"/>
                           <a:cs typeface="Adobe Clean"/>
                         </a:rPr>
-                        <a:t>Elite </a:t>
+                        <a:t>Suporte Elite</a:t>
                       </a:r>
-                      <a:r>
-                        <a:rPr lang="en-US" sz="900" spc="0">
-                          <a:solidFill>
-                            <a:srgbClr val="FFFFFF"/>
-                          </a:solidFill>
-                          <a:latin typeface="Adobe Clean"/>
-                          <a:cs typeface="Adobe Clean"/>
-                        </a:rPr>
-                        <a:t> </a:t>
-                      </a:r>
-                      <a:r>
-                        <a:rPr sz="900" spc="0">
-                          <a:solidFill>
-                            <a:srgbClr val="FFFFFF"/>
-                          </a:solidFill>
-                          <a:latin typeface="Adobe Clean"/>
-                          <a:cs typeface="Adobe Clean"/>
-                        </a:rPr>
-                        <a:t>Support</a:t>
-                      </a:r>
-                      <a:endParaRPr sz="900" spc="0">
-                        <a:latin typeface="Adobe Clean"/>
-                        <a:cs typeface="Adobe Clean"/>
-                      </a:endParaRPr>
                     </a:p>
                   </a:txBody>
                   <a:tcPr marL="0" marR="0" marT="8255" marB="0" anchor="ctr">
@@ -3216,19 +2758,15 @@
                         </a:spcBef>
                       </a:pPr>
                       <a:r>
-                        <a:rPr sz="900" b="1" spc="0">
+                        <a:rPr lang="pt-BR" sz="900" b="1" dirty="0">
                           <a:solidFill>
                             <a:srgbClr val="020302"/>
                           </a:solidFill>
                           <a:latin typeface="Adobe Clean"/>
                           <a:cs typeface="Adobe Clean"/>
                         </a:rPr>
-                        <a:t>PRIORITY 1</a:t>
+                        <a:t>PRIORIDADE 1</a:t>
                       </a:r>
-                      <a:endParaRPr sz="900" spc="0">
-                        <a:latin typeface="Adobe Clean"/>
-                        <a:cs typeface="Adobe Clean"/>
-                      </a:endParaRPr>
                     </a:p>
                     <a:p>
                       <a:pPr marL="50165" marR="495934" algn="l">
@@ -3240,19 +2778,48 @@
                         </a:spcBef>
                       </a:pPr>
                       <a:r>
-                        <a:rPr lang="en-US" sz="900" b="0" i="0" u="none" strike="noStrike" spc="0">
+                        <a:rPr lang="pt-BR" sz="900" b="0" i="0" u="none" strike="noStrike" dirty="0">
                           <a:solidFill>
                             <a:srgbClr val="000000"/>
                           </a:solidFill>
-                          <a:effectLst/>
                           <a:latin typeface="Adobe Clean Light" panose="020B0303020404020204" pitchFamily="34" charset="0"/>
                         </a:rPr>
-                        <a:t>Customer's production business functions are down or have significant data loss or service degradation and immediate attention is required to restore functionality and usability</a:t>
+                        <a:t>As funções de produção do cliente estão inativas ou têm perda significativa de dados </a:t>
                       </a:r>
-                      <a:endParaRPr sz="900" spc="0">
-                        <a:latin typeface="AdobeClean-Light"/>
-                        <a:cs typeface="AdobeClean-Light"/>
-                      </a:endParaRPr>
+                      <a:br>
+                        <a:rPr lang="sk-SK" sz="900" b="0" i="0" u="none" strike="noStrike" dirty="0">
+                          <a:solidFill>
+                            <a:srgbClr val="000000"/>
+                          </a:solidFill>
+                          <a:latin typeface="Adobe Clean Light" panose="020B0303020404020204" pitchFamily="34" charset="0"/>
+                        </a:rPr>
+                      </a:br>
+                      <a:r>
+                        <a:rPr lang="pt-BR" sz="900" b="0" i="0" u="none" strike="noStrike" dirty="0">
+                          <a:solidFill>
+                            <a:srgbClr val="000000"/>
+                          </a:solidFill>
+                          <a:latin typeface="Adobe Clean Light" panose="020B0303020404020204" pitchFamily="34" charset="0"/>
+                        </a:rPr>
+                        <a:t>ou degradação de serviços, e é necessária atenção imediata para restaurar a funcionalidade </a:t>
+                      </a:r>
+                      <a:br>
+                        <a:rPr lang="sk-SK" sz="900" b="0" i="0" u="none" strike="noStrike" dirty="0">
+                          <a:solidFill>
+                            <a:srgbClr val="000000"/>
+                          </a:solidFill>
+                          <a:latin typeface="Adobe Clean Light" panose="020B0303020404020204" pitchFamily="34" charset="0"/>
+                        </a:rPr>
+                      </a:br>
+                      <a:r>
+                        <a:rPr lang="pt-BR" sz="900" b="0" i="0" u="none" strike="noStrike" dirty="0">
+                          <a:solidFill>
+                            <a:srgbClr val="000000"/>
+                          </a:solidFill>
+                          <a:latin typeface="Adobe Clean Light" panose="020B0303020404020204" pitchFamily="34" charset="0"/>
+                        </a:rPr>
+                        <a:t>e a usabilidade</a:t>
+                      </a:r>
                     </a:p>
                   </a:txBody>
                   <a:tcPr marL="0" marR="0" marT="0" marB="0" anchor="ctr">
@@ -3290,85 +2857,21 @@
                     <a:bodyPr/>
                     <a:lstStyle/>
                     <a:p>
-                      <a:pPr marL="542925" marR="492125" algn="l">
+                      <a:pPr marL="542925" marR="492125" algn="ctr">
                         <a:lnSpc>
                           <a:spcPct val="102200"/>
                         </a:lnSpc>
                       </a:pPr>
                       <a:r>
-                        <a:rPr sz="900" spc="0">
+                        <a:rPr lang="pt-BR" sz="900" dirty="0">
                           <a:solidFill>
                             <a:srgbClr val="020302"/>
                           </a:solidFill>
                           <a:latin typeface="AdobeClean-Light"/>
                           <a:cs typeface="AdobeClean-Light"/>
                         </a:rPr>
-                        <a:t>24x7</a:t>
+                        <a:t>24x7 /              1 hora</a:t>
                       </a:r>
-                      <a:r>
-                        <a:rPr lang="en-US" sz="900" spc="0">
-                          <a:solidFill>
-                            <a:srgbClr val="020302"/>
-                          </a:solidFill>
-                          <a:latin typeface="AdobeClean-Light"/>
-                          <a:cs typeface="AdobeClean-Light"/>
-                        </a:rPr>
-                        <a:t> </a:t>
-                      </a:r>
-                      <a:r>
-                        <a:rPr sz="900" spc="0">
-                          <a:solidFill>
-                            <a:srgbClr val="020302"/>
-                          </a:solidFill>
-                          <a:latin typeface="AdobeClean-Light"/>
-                          <a:cs typeface="AdobeClean-Light"/>
-                        </a:rPr>
-                        <a:t>/</a:t>
-                      </a:r>
-                      <a:r>
-                        <a:rPr lang="en-US" sz="900" spc="0">
-                          <a:solidFill>
-                            <a:srgbClr val="020302"/>
-                          </a:solidFill>
-                          <a:latin typeface="AdobeClean-Light"/>
-                          <a:cs typeface="AdobeClean-Light"/>
-                        </a:rPr>
-                        <a:t>         </a:t>
-                      </a:r>
-                      <a:r>
-                        <a:rPr sz="900" spc="0">
-                          <a:solidFill>
-                            <a:srgbClr val="020302"/>
-                          </a:solidFill>
-                          <a:latin typeface="AdobeClean-Light"/>
-                          <a:cs typeface="AdobeClean-Light"/>
-                        </a:rPr>
-                        <a:t>  1</a:t>
-                      </a:r>
-                      <a:r>
-                        <a:rPr lang="en-US" sz="900" spc="0">
-                          <a:solidFill>
-                            <a:srgbClr val="020302"/>
-                          </a:solidFill>
-                          <a:latin typeface="AdobeClean-Light"/>
-                          <a:cs typeface="AdobeClean-Light"/>
-                        </a:rPr>
-                        <a:t> </a:t>
-                      </a:r>
-                      <a:r>
-                        <a:rPr sz="900" spc="0">
-                          <a:solidFill>
-                            <a:srgbClr val="020302"/>
-                          </a:solidFill>
-                          <a:latin typeface="AdobeClean-Light"/>
-                          <a:cs typeface="AdobeClean-Light"/>
-                        </a:rPr>
-                        <a:t>hour</a:t>
-                      </a:r>
-                      <a:endParaRPr sz="900" spc="0">
-                        <a:latin typeface="AdobeClean-Light"/>
-                        <a:cs typeface="AdobeClean-Light"/>
-                      </a:endParaRPr>
                     </a:p>
                   </a:txBody>
                   <a:tcPr marL="0" marR="0" marT="0" marB="0" anchor="ctr">
@@ -3406,75 +2909,21 @@
                     <a:bodyPr/>
                     <a:lstStyle/>
                     <a:p>
-                      <a:pPr marL="405130" marR="459740" indent="92710" algn="l">
+                      <a:pPr marL="405130" marR="459740" indent="92710" algn="ctr">
                         <a:lnSpc>
                           <a:spcPct val="100000"/>
                         </a:lnSpc>
                       </a:pPr>
                       <a:r>
-                        <a:rPr lang="en-US" sz="900" spc="0">
+                        <a:rPr lang="pt-BR" sz="900">
                           <a:solidFill>
                             <a:srgbClr val="020302"/>
                           </a:solidFill>
                           <a:latin typeface="AdobeClean-Light"/>
                           <a:cs typeface="AdobeClean-Light"/>
                         </a:rPr>
-                        <a:t>2</a:t>
+                        <a:t>24x7 /         15 minutos</a:t>
                       </a:r>
-                      <a:r>
-                        <a:rPr sz="900" spc="0">
-                          <a:solidFill>
-                            <a:srgbClr val="020302"/>
-                          </a:solidFill>
-                          <a:latin typeface="AdobeClean-Light"/>
-                          <a:cs typeface="AdobeClean-Light"/>
-                        </a:rPr>
-                        <a:t>4x7 / </a:t>
-                      </a:r>
-                      <a:r>
-                        <a:rPr lang="en-US" sz="900" spc="0">
-                          <a:solidFill>
-                            <a:srgbClr val="020302"/>
-                          </a:solidFill>
-                          <a:latin typeface="AdobeClean-Light"/>
-                          <a:cs typeface="AdobeClean-Light"/>
-                        </a:rPr>
-                        <a:t> </a:t>
-                      </a:r>
-                      <a:r>
-                        <a:rPr sz="900" spc="0">
-                          <a:solidFill>
-                            <a:srgbClr val="020302"/>
-                          </a:solidFill>
-                          <a:latin typeface="AdobeClean-Light"/>
-                          <a:cs typeface="AdobeClean-Light"/>
-                        </a:rPr>
-                        <a:t> 15</a:t>
-                      </a:r>
-                      <a:r>
-                        <a:rPr lang="en-US" sz="900" spc="0">
-                          <a:solidFill>
-                            <a:srgbClr val="020302"/>
-                          </a:solidFill>
-                          <a:latin typeface="AdobeClean-Light"/>
-                          <a:cs typeface="AdobeClean-Light"/>
-                        </a:rPr>
-                        <a:t> </a:t>
-                      </a:r>
-                      <a:r>
-                        <a:rPr sz="900" spc="0">
-                          <a:solidFill>
-                            <a:srgbClr val="020302"/>
-                          </a:solidFill>
-                          <a:latin typeface="AdobeClean-Light"/>
-                          <a:cs typeface="AdobeClean-Light"/>
-                        </a:rPr>
-                        <a:t>minutes</a:t>
-                      </a:r>
-                      <a:endParaRPr sz="900" spc="0">
-                        <a:latin typeface="AdobeClean-Light"/>
-                        <a:cs typeface="AdobeClean-Light"/>
-                      </a:endParaRPr>
                     </a:p>
                   </a:txBody>
                   <a:tcPr marL="0" marR="0" marT="2540" marB="0" anchor="ctr">
@@ -3536,19 +2985,15 @@
                         </a:spcBef>
                       </a:pPr>
                       <a:r>
-                        <a:rPr sz="900" b="1" spc="0">
+                        <a:rPr lang="pt-BR" sz="900" b="1">
                           <a:solidFill>
                             <a:srgbClr val="020302"/>
                           </a:solidFill>
                           <a:latin typeface="Adobe Clean"/>
                           <a:cs typeface="Adobe Clean"/>
                         </a:rPr>
-                        <a:t>PRIORITY 2</a:t>
+                        <a:t>PRIORIDADE 2</a:t>
                       </a:r>
-                      <a:endParaRPr sz="900" spc="0">
-                        <a:latin typeface="Adobe Clean"/>
-                        <a:cs typeface="Adobe Clean"/>
-                      </a:endParaRPr>
                     </a:p>
                     <a:p>
                       <a:pPr marL="49530" marR="719455" algn="l">
@@ -3560,19 +3005,14 @@
                         </a:spcBef>
                       </a:pPr>
                       <a:r>
-                        <a:rPr lang="en-US" sz="900" b="0" i="0" u="none" strike="noStrike" spc="0">
+                        <a:rPr lang="pt-BR" sz="900" b="0" i="0" u="none" strike="noStrike">
                           <a:solidFill>
                             <a:srgbClr val="000000"/>
                           </a:solidFill>
-                          <a:effectLst/>
                           <a:latin typeface="Adobe Clean Light" panose="020B0303020404020204" pitchFamily="34" charset="0"/>
                         </a:rPr>
-                        <a:t>Customer's business functions have major service degradation or potential data loss, or a major feature is impacted</a:t>
+                        <a:t>As funções empresariais do cliente têm grande degradação de serviços, perda potencial de dados ou foi afetado um recurso importante</a:t>
                       </a:r>
-                      <a:endParaRPr sz="900" spc="0">
-                        <a:latin typeface="AdobeClean-Light"/>
-                        <a:cs typeface="AdobeClean-Light"/>
-                      </a:endParaRPr>
                     </a:p>
                   </a:txBody>
                   <a:tcPr marL="0" marR="0" marT="0" marB="0" anchor="ctr">
@@ -3610,65 +3050,21 @@
                     <a:bodyPr/>
                     <a:lstStyle/>
                     <a:p>
-                      <a:pPr marL="473709" marR="343535" indent="-175895" algn="l">
+                      <a:pPr marL="342900" marR="343535" indent="-44450" algn="ctr">
                         <a:lnSpc>
                           <a:spcPct val="102200"/>
                         </a:lnSpc>
                       </a:pPr>
                       <a:r>
-                        <a:rPr sz="900" spc="0">
+                        <a:rPr lang="pt-BR" sz="900" dirty="0">
                           <a:solidFill>
                             <a:srgbClr val="020302"/>
                           </a:solidFill>
                           <a:latin typeface="AdobeClean-Light"/>
                           <a:cs typeface="AdobeClean-Light"/>
                         </a:rPr>
-                        <a:t>Business hours</a:t>
+                        <a:t>Horário comercial/           4 horas</a:t>
                       </a:r>
-                      <a:r>
-                        <a:rPr lang="en-US" sz="900" spc="0">
-                          <a:solidFill>
-                            <a:srgbClr val="020302"/>
-                          </a:solidFill>
-                          <a:latin typeface="AdobeClean-Light"/>
-                          <a:cs typeface="AdobeClean-Light"/>
-                        </a:rPr>
-                        <a:t> </a:t>
-                      </a:r>
-                      <a:r>
-                        <a:rPr sz="900" spc="0">
-                          <a:solidFill>
-                            <a:srgbClr val="020302"/>
-                          </a:solidFill>
-                          <a:latin typeface="AdobeClean-Light"/>
-                          <a:cs typeface="AdobeClean-Light"/>
-                        </a:rPr>
-                        <a:t>/  </a:t>
-                      </a:r>
-                      <a:r>
-                        <a:rPr lang="en-US" sz="900" spc="0">
-                          <a:solidFill>
-                            <a:srgbClr val="020302"/>
-                          </a:solidFill>
-                          <a:latin typeface="AdobeClean-Light"/>
-                          <a:cs typeface="AdobeClean-Light"/>
-                        </a:rPr>
-                        <a:t>     </a:t>
-                      </a:r>
-                      <a:r>
-                        <a:rPr sz="900" spc="0">
-                          <a:solidFill>
-                            <a:srgbClr val="020302"/>
-                          </a:solidFill>
-                          <a:latin typeface="AdobeClean-Light"/>
-                          <a:cs typeface="AdobeClean-Light"/>
-                        </a:rPr>
-                        <a:t>4 hours</a:t>
-                      </a:r>
-                      <a:endParaRPr sz="900" spc="0">
-                        <a:latin typeface="AdobeClean-Light"/>
-                        <a:cs typeface="AdobeClean-Light"/>
-                      </a:endParaRPr>
                     </a:p>
                   </a:txBody>
                   <a:tcPr marL="0" marR="0" marT="0" marB="0" anchor="ctr">
@@ -3703,45 +3099,21 @@
                     <a:bodyPr/>
                     <a:lstStyle/>
                     <a:p>
-                      <a:pPr marL="351790" marR="481330" indent="144145" algn="l">
+                      <a:pPr marL="351790" marR="481330" indent="144145" algn="ctr">
                         <a:lnSpc>
                           <a:spcPct val="102299"/>
                         </a:lnSpc>
                       </a:pPr>
                       <a:r>
-                        <a:rPr sz="900" spc="0">
+                        <a:rPr lang="pt-BR" sz="900" dirty="0">
                           <a:solidFill>
                             <a:srgbClr val="020302"/>
                           </a:solidFill>
                           <a:latin typeface="AdobeClean-Light"/>
                           <a:cs typeface="AdobeClean-Light"/>
                         </a:rPr>
-                        <a:t>24x5 /  30</a:t>
+                        <a:t>24x5 /           30 minutos</a:t>
                       </a:r>
-                      <a:r>
-                        <a:rPr lang="en-US" sz="900" spc="0">
-                          <a:solidFill>
-                            <a:srgbClr val="020302"/>
-                          </a:solidFill>
-                          <a:latin typeface="AdobeClean-Light"/>
-                          <a:cs typeface="AdobeClean-Light"/>
-                        </a:rPr>
-                        <a:t> m</a:t>
-                      </a:r>
-                      <a:r>
-                        <a:rPr sz="900" spc="0">
-                          <a:solidFill>
-                            <a:srgbClr val="020302"/>
-                          </a:solidFill>
-                          <a:latin typeface="AdobeClean-Light"/>
-                          <a:cs typeface="AdobeClean-Light"/>
-                        </a:rPr>
-                        <a:t>inutes</a:t>
-                      </a:r>
-                      <a:endParaRPr sz="900" spc="0">
-                        <a:latin typeface="AdobeClean-Light"/>
-                        <a:cs typeface="AdobeClean-Light"/>
-                      </a:endParaRPr>
                     </a:p>
                   </a:txBody>
                   <a:tcPr marL="0" marR="0" marT="5080" marB="0" anchor="ctr">
@@ -3800,19 +3172,15 @@
                         </a:spcBef>
                       </a:pPr>
                       <a:r>
-                        <a:rPr sz="900" b="1" spc="0">
+                        <a:rPr lang="pt-BR" sz="900" b="1">
                           <a:solidFill>
                             <a:srgbClr val="020302"/>
                           </a:solidFill>
                           <a:latin typeface="Adobe Clean"/>
                           <a:cs typeface="Adobe Clean"/>
                         </a:rPr>
-                        <a:t>PRIORITY 3</a:t>
+                        <a:t>PRIORIDADE 3</a:t>
                       </a:r>
-                      <a:endParaRPr sz="900" spc="0">
-                        <a:latin typeface="Adobe Clean"/>
-                        <a:cs typeface="Adobe Clean"/>
-                      </a:endParaRPr>
                     </a:p>
                     <a:p>
                       <a:pPr marL="48895" marR="387985" indent="-2540" algn="l">
@@ -3824,19 +3192,14 @@
                         </a:spcBef>
                       </a:pPr>
                       <a:r>
-                        <a:rPr lang="en-US" sz="900" b="0" i="0" u="none" strike="noStrike" spc="0">
+                        <a:rPr lang="pt-BR" sz="900" b="0" i="0" u="none" strike="noStrike">
                           <a:solidFill>
                             <a:srgbClr val="000000"/>
                           </a:solidFill>
-                          <a:effectLst/>
                           <a:latin typeface="Adobe Clean Light" panose="020B0303020404020204" pitchFamily="34" charset="0"/>
                         </a:rPr>
-                        <a:t>Customer’s business functions has minor to no service degradation but there exists a solution/workaround allowing business functions to continue normally</a:t>
+                        <a:t>As funções empresariais do cliente têm pouca degradação dos serviços, e há uma solução/solução alternativa que permite que as funções empresariais continuem normalmente</a:t>
                       </a:r>
-                      <a:endParaRPr sz="900" spc="0">
-                        <a:latin typeface="AdobeClean-Light"/>
-                        <a:cs typeface="AdobeClean-Light"/>
-                      </a:endParaRPr>
                     </a:p>
                   </a:txBody>
                   <a:tcPr marL="0" marR="0" marT="0" marB="0" anchor="ctr">
@@ -3874,25 +3237,21 @@
                     <a:bodyPr/>
                     <a:lstStyle/>
                     <a:p>
-                      <a:pPr marL="473709" marR="343535" indent="-175895" algn="l">
+                      <a:pPr marL="285750" marR="343535" indent="12700" algn="ctr">
                         <a:lnSpc>
                           <a:spcPct val="102200"/>
                         </a:lnSpc>
                       </a:pPr>
                       <a:r>
-                        <a:rPr lang="en-US" sz="900" spc="0">
+                        <a:rPr lang="pt-BR" sz="900" dirty="0">
                           <a:solidFill>
                             <a:srgbClr val="020302"/>
                           </a:solidFill>
                           <a:latin typeface="AdobeClean-Light"/>
                           <a:cs typeface="AdobeClean-Light"/>
                         </a:rPr>
-                        <a:t>Business hours /       6 hours</a:t>
+                        <a:t>Horário comercial/           6 horas</a:t>
                       </a:r>
-                      <a:endParaRPr lang="en-US" sz="900" spc="0">
-                        <a:latin typeface="AdobeClean-Light"/>
-                        <a:cs typeface="AdobeClean-Light"/>
-                      </a:endParaRPr>
                     </a:p>
                   </a:txBody>
                   <a:tcPr marL="0" marR="0" marT="0" marB="0" anchor="ctr">
@@ -3927,13 +3286,13 @@
                     <a:bodyPr/>
                     <a:lstStyle/>
                     <a:p>
-                      <a:pPr marL="508000" marR="531495" indent="1270" algn="l">
+                      <a:pPr marL="508000" marR="531495" indent="1270" algn="ctr">
                         <a:lnSpc>
                           <a:spcPct val="102200"/>
                         </a:lnSpc>
                       </a:pPr>
                       <a:r>
-                        <a:rPr lang="en-US" sz="900" spc="0">
+                        <a:rPr lang="pt-BR" sz="900" dirty="0">
                           <a:solidFill>
                             <a:srgbClr val="020302"/>
                           </a:solidFill>
@@ -3944,7 +3303,7 @@
                         <a:t>2</a:t>
                       </a:r>
                       <a:r>
-                        <a:rPr sz="900" spc="0">
+                        <a:rPr lang="pt-BR" sz="900" dirty="0">
                           <a:solidFill>
                             <a:srgbClr val="020302"/>
                           </a:solidFill>
@@ -3952,29 +3311,7 @@
                           <a:ea typeface="+mn-ea"/>
                           <a:cs typeface="AdobeClean-Light"/>
                         </a:rPr>
-                        <a:t>4x5/  </a:t>
-                      </a:r>
-                      <a:r>
-                        <a:rPr lang="en-US" sz="900" spc="0">
-                          <a:solidFill>
-                            <a:srgbClr val="020302"/>
-                          </a:solidFill>
-                          <a:latin typeface="AdobeClean-Light"/>
-                          <a:ea typeface="+mn-ea"/>
-                          <a:cs typeface="AdobeClean-Light"/>
-                        </a:rPr>
-                        <a:t> </a:t>
-                      </a:r>
-                      <a:r>
-                        <a:rPr sz="900" spc="0">
-                          <a:solidFill>
-                            <a:srgbClr val="020302"/>
-                          </a:solidFill>
-                          <a:latin typeface="AdobeClean-Light"/>
-                          <a:ea typeface="+mn-ea"/>
-                          <a:cs typeface="AdobeClean-Light"/>
-                        </a:rPr>
-                        <a:t>1 hour</a:t>
+                        <a:t>4x5 /   1 hora</a:t>
                       </a:r>
                     </a:p>
                   </a:txBody>
@@ -4034,19 +3371,15 @@
                         </a:spcBef>
                       </a:pPr>
                       <a:r>
-                        <a:rPr sz="900" b="1" spc="0">
+                        <a:rPr lang="pt-BR" sz="900" b="1">
                           <a:solidFill>
                             <a:srgbClr val="020302"/>
                           </a:solidFill>
                           <a:latin typeface="Adobe Clean"/>
                           <a:cs typeface="Adobe Clean"/>
                         </a:rPr>
-                        <a:t>PRIORITY 4</a:t>
+                        <a:t>PRIORIDADE 4</a:t>
                       </a:r>
-                      <a:endParaRPr sz="900" spc="0">
-                        <a:latin typeface="Adobe Clean"/>
-                        <a:cs typeface="Adobe Clean"/>
-                      </a:endParaRPr>
                     </a:p>
                     <a:p>
                       <a:pPr marL="62230" algn="l">
@@ -4058,19 +3391,14 @@
                         </a:spcBef>
                       </a:pPr>
                       <a:r>
-                        <a:rPr lang="en-US" sz="900" b="0" i="0" u="none" strike="noStrike" spc="0">
+                        <a:rPr lang="pt-BR" sz="900" b="0" i="0" u="none" strike="noStrike">
                           <a:solidFill>
                             <a:srgbClr val="000000"/>
                           </a:solidFill>
-                          <a:effectLst/>
                           <a:latin typeface="Adobe Clean Light" panose="020B0303020404020204" pitchFamily="34" charset="0"/>
                         </a:rPr>
-                        <a:t>General question regarding current product functionality or an enhancement request</a:t>
+                        <a:t>Pergunta geral sobre a funcionalidade atual do produto ou solicitação de melhoria</a:t>
                       </a:r>
-                      <a:endParaRPr sz="900" spc="0">
-                        <a:latin typeface="AdobeClean-Light"/>
-                        <a:cs typeface="AdobeClean-Light"/>
-                      </a:endParaRPr>
                     </a:p>
                   </a:txBody>
                   <a:tcPr marL="0" marR="0" marT="0" marB="0" anchor="ctr">
@@ -4108,25 +3436,40 @@
                     <a:bodyPr/>
                     <a:lstStyle/>
                     <a:p>
-                      <a:pPr marL="473709" marR="343535" indent="-175895" algn="l">
+                      <a:pPr marL="285750" marR="343535" indent="12700" algn="ctr">
                         <a:lnSpc>
                           <a:spcPct val="102200"/>
                         </a:lnSpc>
                       </a:pPr>
                       <a:r>
-                        <a:rPr lang="en-US" sz="900" spc="0">
+                        <a:rPr lang="pt-BR" sz="900" dirty="0">
                           <a:solidFill>
                             <a:srgbClr val="020302"/>
                           </a:solidFill>
                           <a:latin typeface="AdobeClean-Light"/>
                           <a:cs typeface="AdobeClean-Light"/>
                         </a:rPr>
-                        <a:t>Business days /       3 days</a:t>
+                        <a:t>Dias úteis/ </a:t>
                       </a:r>
-                      <a:endParaRPr lang="en-US" sz="900" spc="0">
-                        <a:latin typeface="AdobeClean-Light"/>
-                        <a:cs typeface="AdobeClean-Light"/>
-                      </a:endParaRPr>
+                      <a:br>
+                        <a:rPr lang="sk-SK" sz="900" dirty="0">
+                          <a:solidFill>
+                            <a:srgbClr val="020302"/>
+                          </a:solidFill>
+                          <a:latin typeface="AdobeClean-Light"/>
+                          <a:cs typeface="AdobeClean-Light"/>
+                        </a:rPr>
+                      </a:br>
+                      <a:r>
+                        <a:rPr lang="pt-BR" sz="900" dirty="0">
+                          <a:solidFill>
+                            <a:srgbClr val="020302"/>
+                          </a:solidFill>
+                          <a:latin typeface="AdobeClean-Light"/>
+                          <a:cs typeface="AdobeClean-Light"/>
+                        </a:rPr>
+                        <a:t>3 dias</a:t>
+                      </a:r>
                     </a:p>
                   </a:txBody>
                   <a:tcPr marL="0" marR="0" marT="0" marB="0" anchor="ctr">
@@ -4161,25 +3504,21 @@
                     <a:bodyPr/>
                     <a:lstStyle/>
                     <a:p>
-                      <a:pPr marL="473709" marR="343535" indent="-175895" algn="l">
+                      <a:pPr marL="473709" marR="343535" indent="-175895" algn="ctr">
                         <a:lnSpc>
                           <a:spcPct val="102200"/>
                         </a:lnSpc>
                       </a:pPr>
                       <a:r>
-                        <a:rPr lang="en-US" sz="900" spc="0">
+                        <a:rPr lang="pt-BR" sz="900" dirty="0">
                           <a:solidFill>
                             <a:srgbClr val="020302"/>
                           </a:solidFill>
                           <a:latin typeface="AdobeClean-Light"/>
                           <a:cs typeface="AdobeClean-Light"/>
                         </a:rPr>
-                        <a:t>Business days /       1 day</a:t>
+                        <a:t>Dia útil / 1 dia</a:t>
                       </a:r>
-                      <a:endParaRPr lang="en-US" sz="900" spc="0">
-                        <a:latin typeface="AdobeClean-Light"/>
-                        <a:cs typeface="AdobeClean-Light"/>
-                      </a:endParaRPr>
                     </a:p>
                   </a:txBody>
                   <a:tcPr marL="0" marR="0" marT="27940" marB="0" anchor="ctr">
@@ -4257,8 +3596,8 @@
         </p:nvSpPr>
         <p:spPr>
           <a:xfrm>
-            <a:off x="97787" y="9888626"/>
-            <a:ext cx="2202180" cy="149860"/>
+            <a:off x="97786" y="9888626"/>
+            <a:ext cx="2721613" cy="133370"/>
           </a:xfrm>
           <a:prstGeom prst="rect">
             <a:avLst/>
@@ -4279,99 +3618,15 @@
               </a:spcBef>
             </a:pPr>
             <a:r>
-              <a:rPr sz="800" spc="-15">
+              <a:rPr lang="pt-BR" sz="800" dirty="0">
                 <a:solidFill>
                   <a:srgbClr val="6D6D6D"/>
                 </a:solidFill>
                 <a:latin typeface="Adobe Clean"/>
                 <a:cs typeface="Adobe Clean"/>
               </a:rPr>
-              <a:t>©2021 </a:t>
-            </a:r>
-            <a:r>
-              <a:rPr sz="800" spc="-5">
-                <a:solidFill>
-                  <a:srgbClr val="6D6D6D"/>
-                </a:solidFill>
-                <a:latin typeface="Adobe Clean"/>
-                <a:cs typeface="Adobe Clean"/>
-              </a:rPr>
-              <a:t>Adobe. All</a:t>
-            </a:r>
-            <a:r>
-              <a:rPr sz="800" spc="-15">
-                <a:solidFill>
-                  <a:srgbClr val="6D6D6D"/>
-                </a:solidFill>
-                <a:latin typeface="Adobe Clean"/>
-                <a:cs typeface="Adobe Clean"/>
-              </a:rPr>
-              <a:t> Rights</a:t>
-            </a:r>
-            <a:r>
-              <a:rPr sz="800" spc="-5">
-                <a:solidFill>
-                  <a:srgbClr val="6D6D6D"/>
-                </a:solidFill>
-                <a:latin typeface="Adobe Clean"/>
-                <a:cs typeface="Adobe Clean"/>
-              </a:rPr>
-              <a:t> </a:t>
-            </a:r>
-            <a:r>
-              <a:rPr sz="800" spc="-15">
-                <a:solidFill>
-                  <a:srgbClr val="6D6D6D"/>
-                </a:solidFill>
-                <a:latin typeface="Adobe Clean"/>
-                <a:cs typeface="Adobe Clean"/>
-              </a:rPr>
-              <a:t>Reserved.</a:t>
-            </a:r>
-            <a:r>
-              <a:rPr sz="800" spc="-10">
-                <a:solidFill>
-                  <a:srgbClr val="6D6D6D"/>
-                </a:solidFill>
-                <a:latin typeface="Adobe Clean"/>
-                <a:cs typeface="Adobe Clean"/>
-              </a:rPr>
-              <a:t> </a:t>
-            </a:r>
-            <a:r>
-              <a:rPr sz="800" spc="-5">
-                <a:solidFill>
-                  <a:srgbClr val="6D6D6D"/>
-                </a:solidFill>
-                <a:latin typeface="Adobe Clean"/>
-                <a:cs typeface="Adobe Clean"/>
-              </a:rPr>
-              <a:t>Adobe</a:t>
-            </a:r>
-            <a:r>
-              <a:rPr sz="800" spc="65">
-                <a:solidFill>
-                  <a:srgbClr val="6D6D6D"/>
-                </a:solidFill>
-                <a:latin typeface="Adobe Clean"/>
-                <a:cs typeface="Adobe Clean"/>
-              </a:rPr>
-              <a:t> </a:t>
-            </a:r>
-            <a:r>
-              <a:rPr sz="800" spc="-15">
-                <a:solidFill>
-                  <a:srgbClr val="6D6D6D"/>
-                </a:solidFill>
-                <a:latin typeface="Adobe Clean"/>
-                <a:cs typeface="Adobe Clean"/>
-              </a:rPr>
-              <a:t>Confidential.</a:t>
-            </a:r>
-            <a:endParaRPr sz="800">
-              <a:latin typeface="Adobe Clean"/>
-              <a:cs typeface="Adobe Clean"/>
-            </a:endParaRPr>
+              <a:t>©2021 Adobe. All Rights Reserved. Adobe Confidential.</a:t>
+            </a:r>
           </a:p>
         </p:txBody>
       </p:sp>
@@ -4404,7 +3659,7 @@
           <a:lstStyle/>
           <a:p>
             <a:r>
-              <a:rPr lang="en-US" sz="700" i="1">
+              <a:rPr lang="pt-BR" sz="700" i="1">
                 <a:solidFill>
                   <a:schemeClr val="bg1"/>
                 </a:solidFill>
@@ -4480,7 +3735,7 @@
                     <a:bodyPr/>
                     <a:lstStyle/>
                     <a:p>
-                      <a:endParaRPr lang="en-US"/>
+                      <a:endParaRPr lang="en-US" dirty="0"/>
                     </a:p>
                   </a:txBody>
                   <a:tcPr/>
@@ -4518,39 +3773,15 @@
                         <a:defRPr/>
                       </a:pPr>
                       <a:r>
-                        <a:rPr lang="en-US" sz="900" spc="-20">
+                        <a:rPr lang="pt-BR" sz="900">
                           <a:solidFill>
                             <a:srgbClr val="404040"/>
                           </a:solidFill>
                           <a:latin typeface="Adobe Clean"/>
                           <a:cs typeface="Adobe Clean"/>
                         </a:rPr>
-                        <a:t>Online </a:t>
+                        <a:t>Suporte Online</a:t>
                       </a:r>
-                      <a:r>
-                        <a:rPr lang="en-US" sz="900" spc="-135">
-                          <a:solidFill>
-                            <a:srgbClr val="404040"/>
-                          </a:solidFill>
-                          <a:latin typeface="Adobe Clean"/>
-                          <a:cs typeface="Adobe Clean"/>
-                        </a:rPr>
-                        <a:t> </a:t>
-                      </a:r>
-                      <a:r>
-                        <a:rPr lang="en-US" sz="900" spc="-20">
-                          <a:solidFill>
-                            <a:srgbClr val="404040"/>
-                          </a:solidFill>
-                          <a:latin typeface="Adobe Clean"/>
-                          <a:cs typeface="Adobe Clean"/>
-                        </a:rPr>
-                        <a:t>Support</a:t>
-                      </a:r>
-                      <a:endParaRPr lang="en-US" sz="900">
-                        <a:latin typeface="Adobe Clean"/>
-                        <a:cs typeface="Adobe Clean"/>
-                      </a:endParaRPr>
                     </a:p>
                   </a:txBody>
                   <a:tcPr marL="0" marR="0" marT="7620" marB="0" anchor="ctr">
@@ -4591,29 +3822,15 @@
                         </a:spcBef>
                       </a:pPr>
                       <a:r>
-                        <a:rPr lang="en-US" sz="900" spc="-20">
+                        <a:rPr lang="pt-BR" sz="900">
                           <a:solidFill>
                             <a:srgbClr val="FFFFFF"/>
                           </a:solidFill>
                           <a:latin typeface="Adobe Clean"/>
                           <a:cs typeface="Adobe Clean"/>
                         </a:rPr>
-                        <a:t>Elite </a:t>
+                        <a:t>Suporte Elite</a:t>
                       </a:r>
-                      <a:r>
-                        <a:rPr sz="900" spc="-20">
-                          <a:solidFill>
-                            <a:srgbClr val="FFFFFF"/>
-                          </a:solidFill>
-                          <a:latin typeface="Adobe Clean"/>
-                          <a:cs typeface="Adobe Clean"/>
-                        </a:rPr>
-                        <a:t>Support</a:t>
-                      </a:r>
-                      <a:endParaRPr sz="900">
-                        <a:latin typeface="Adobe Clean"/>
-                        <a:cs typeface="Adobe Clean"/>
-                      </a:endParaRPr>
                     </a:p>
                   </a:txBody>
                   <a:tcPr marL="0" marR="0" marT="7620" marB="0" anchor="ctr">
@@ -4658,7 +3875,7 @@
                     <a:bodyPr/>
                     <a:lstStyle/>
                     <a:p>
-                      <a:endParaRPr lang="en-US"/>
+                      <a:endParaRPr lang="en-US" dirty="0"/>
                     </a:p>
                   </a:txBody>
                   <a:tcPr/>
@@ -4678,7 +3895,7 @@
                     <a:bodyPr/>
                     <a:lstStyle/>
                     <a:p>
-                      <a:pPr marL="0" marR="0" lvl="0" indent="0" algn="ctr" defTabSz="914400" eaLnBrk="1" fontAlgn="auto" latinLnBrk="0" hangingPunct="1">
+                      <a:pPr marL="0" marR="0" lvl="0" indent="0" algn="l" defTabSz="914400" rtl="0" eaLnBrk="1" fontAlgn="auto" latinLnBrk="0" hangingPunct="1">
                         <a:lnSpc>
                           <a:spcPct val="100000"/>
                         </a:lnSpc>
@@ -4695,7 +3912,7 @@
                         <a:tabLst/>
                         <a:defRPr/>
                       </a:pPr>
-                      <a:endParaRPr lang="en-US" sz="800" i="1">
+                      <a:endParaRPr lang="en-US" sz="800" i="1" dirty="0">
                         <a:solidFill>
                           <a:sysClr val="windowText" lastClr="000000"/>
                         </a:solidFill>
@@ -4759,13 +3976,13 @@
                         <a:defRPr/>
                       </a:pPr>
                       <a:r>
-                        <a:rPr lang="en-US" sz="800" i="1">
+                        <a:rPr lang="pt-BR" sz="800" i="1">
                           <a:solidFill>
                             <a:schemeClr val="bg1"/>
                           </a:solidFill>
                           <a:latin typeface="Adobe Clean Light" panose="020B0303020404020204" pitchFamily="34" charset="0"/>
                         </a:rPr>
-                        <a:t>Paid Support ($)</a:t>
+                        <a:t>Suporte pago ($)</a:t>
                       </a:r>
                     </a:p>
                   </a:txBody>
@@ -4829,22 +4046,15 @@
                         </a:spcBef>
                       </a:pPr>
                       <a:r>
-                        <a:rPr lang="en-US" sz="1000" b="1" i="0" spc="0">
+                        <a:rPr lang="pt-BR" sz="1000" b="1" i="0">
                           <a:solidFill>
                             <a:schemeClr val="bg1"/>
                           </a:solidFill>
                           <a:latin typeface="Adobe Clean" panose="020B0503020404020204" pitchFamily="34" charset="0"/>
                           <a:cs typeface="AdobeClean-Light"/>
                         </a:rPr>
-                        <a:t>Assigned Experts</a:t>
+                        <a:t>Especialistas atribuídos</a:t>
                       </a:r>
-                      <a:endParaRPr sz="1000" b="1" i="0" spc="0">
-                        <a:solidFill>
-                          <a:schemeClr val="bg1"/>
-                        </a:solidFill>
-                        <a:latin typeface="Adobe Clean" panose="020B0503020404020204" pitchFamily="34" charset="0"/>
-                        <a:cs typeface="AdobeClean-Light"/>
-                      </a:endParaRPr>
                     </a:p>
                   </a:txBody>
                   <a:tcPr marL="0" marR="0" marT="58419" marB="0" anchor="ctr">
@@ -4891,19 +4101,15 @@
                         </a:spcBef>
                       </a:pPr>
                       <a:r>
-                        <a:rPr sz="900" spc="0">
+                        <a:rPr lang="pt-BR" sz="900">
                           <a:solidFill>
                             <a:srgbClr val="020302"/>
                           </a:solidFill>
                           <a:latin typeface="AdobeClean-Light"/>
                           <a:cs typeface="AdobeClean-Light"/>
                         </a:rPr>
-                        <a:t>Account Support Lead</a:t>
+                        <a:t>Líder de suporte da conta</a:t>
                       </a:r>
-                      <a:endParaRPr sz="900" spc="0">
-                        <a:latin typeface="AdobeClean-Light"/>
-                        <a:cs typeface="AdobeClean-Light"/>
-                      </a:endParaRPr>
                     </a:p>
                   </a:txBody>
                   <a:tcPr marL="0" marR="0" marT="58419" marB="0">
@@ -4938,7 +4144,7 @@
                     <a:bodyPr/>
                     <a:lstStyle/>
                     <a:p>
-                      <a:pPr algn="ctr">
+                      <a:pPr algn="l" rtl="0">
                         <a:lnSpc>
                           <a:spcPct val="100000"/>
                         </a:lnSpc>
@@ -4946,7 +4152,7 @@
                           <a:spcPts val="470"/>
                         </a:spcBef>
                       </a:pPr>
-                      <a:endParaRPr sz="900">
+                      <a:endParaRPr sz="900" dirty="0">
                         <a:latin typeface="Wingdings"/>
                         <a:cs typeface="Wingdings"/>
                       </a:endParaRPr>
@@ -4979,7 +4185,7 @@
                     <a:bodyPr/>
                     <a:lstStyle/>
                     <a:p>
-                      <a:pPr algn="ctr">
+                      <a:pPr algn="l" rtl="0">
                         <a:lnSpc>
                           <a:spcPct val="100000"/>
                         </a:lnSpc>
@@ -4987,7 +4193,7 @@
                           <a:spcPts val="470"/>
                         </a:spcBef>
                       </a:pPr>
-                      <a:endParaRPr sz="900">
+                      <a:endParaRPr sz="900" dirty="0">
                         <a:latin typeface="Wingdings"/>
                         <a:cs typeface="Wingdings"/>
                       </a:endParaRPr>
@@ -5022,7 +4228,7 @@
                     <a:bodyPr/>
                     <a:lstStyle/>
                     <a:p>
-                      <a:pPr marL="50800">
+                      <a:pPr marL="50800" algn="l" rtl="0">
                         <a:lnSpc>
                           <a:spcPct val="100000"/>
                         </a:lnSpc>
@@ -5030,7 +4236,7 @@
                           <a:spcPts val="459"/>
                         </a:spcBef>
                       </a:pPr>
-                      <a:endParaRPr sz="900">
+                      <a:endParaRPr sz="900" dirty="0">
                         <a:latin typeface="AdobeClean-Light"/>
                         <a:cs typeface="AdobeClean-Light"/>
                       </a:endParaRPr>
@@ -5068,19 +4274,15 @@
                         </a:spcBef>
                       </a:pPr>
                       <a:r>
-                        <a:rPr sz="900" spc="0">
+                        <a:rPr lang="pt-BR" sz="900" dirty="0">
                           <a:solidFill>
                             <a:srgbClr val="020302"/>
                           </a:solidFill>
                           <a:latin typeface="AdobeClean-Light"/>
                           <a:cs typeface="AdobeClean-Light"/>
                         </a:rPr>
-                        <a:t>Named Support Engineer</a:t>
+                        <a:t>Engenheiro de suporte nomeado</a:t>
                       </a:r>
-                      <a:endParaRPr sz="900" spc="0">
-                        <a:latin typeface="AdobeClean-Light"/>
-                        <a:cs typeface="AdobeClean-Light"/>
-                      </a:endParaRPr>
                     </a:p>
                   </a:txBody>
                   <a:tcPr marL="0" marR="0" marT="58419" marB="0">
@@ -5103,12 +4305,12 @@
                     <a:bodyPr/>
                     <a:lstStyle/>
                     <a:p>
-                      <a:pPr algn="ctr">
+                      <a:pPr algn="l" rtl="0">
                         <a:lnSpc>
                           <a:spcPct val="100000"/>
                         </a:lnSpc>
                       </a:pPr>
-                      <a:endParaRPr sz="900">
+                      <a:endParaRPr sz="900" dirty="0">
                         <a:latin typeface="Times New Roman"/>
                         <a:cs typeface="Times New Roman"/>
                       </a:endParaRPr>
@@ -5150,7 +4352,7 @@
                         <a:defRPr/>
                       </a:pPr>
                       <a:r>
-                        <a:rPr lang="en-US" sz="900">
+                        <a:rPr lang="pt-BR" sz="900">
                           <a:solidFill>
                             <a:srgbClr val="020302"/>
                           </a:solidFill>
@@ -5159,10 +4361,6 @@
                         </a:rPr>
                         <a:t></a:t>
                       </a:r>
-                      <a:endParaRPr lang="en-US" sz="900">
-                        <a:latin typeface="Wingdings"/>
-                        <a:cs typeface="Wingdings"/>
-                      </a:endParaRPr>
                     </a:p>
                   </a:txBody>
                   <a:tcPr marL="0" marR="0" marT="0" marB="0" anchor="ctr">
@@ -5185,7 +4383,7 @@
                     <a:bodyPr/>
                     <a:lstStyle/>
                     <a:p>
-                      <a:pPr marL="50800">
+                      <a:pPr marL="50800" algn="l" rtl="0">
                         <a:lnSpc>
                           <a:spcPct val="100000"/>
                         </a:lnSpc>
@@ -5193,7 +4391,7 @@
                           <a:spcPts val="500"/>
                         </a:spcBef>
                       </a:pPr>
-                      <a:endParaRPr sz="900">
+                      <a:endParaRPr sz="900" dirty="0">
                         <a:latin typeface="AdobeClean-Light"/>
                         <a:cs typeface="AdobeClean-Light"/>
                       </a:endParaRPr>
@@ -5243,19 +4441,15 @@
                         </a:spcBef>
                       </a:pPr>
                       <a:r>
-                        <a:rPr sz="900" spc="0">
+                        <a:rPr lang="pt-BR" sz="900">
                           <a:solidFill>
                             <a:srgbClr val="020302"/>
                           </a:solidFill>
                           <a:latin typeface="AdobeClean-Light"/>
                           <a:cs typeface="AdobeClean-Light"/>
                         </a:rPr>
-                        <a:t>Technical Account Manager</a:t>
+                        <a:t>Gerente técnico de conta</a:t>
                       </a:r>
-                      <a:endParaRPr sz="900" spc="0">
-                        <a:latin typeface="AdobeClean-Light"/>
-                        <a:cs typeface="AdobeClean-Light"/>
-                      </a:endParaRPr>
                     </a:p>
                   </a:txBody>
                   <a:tcPr marL="0" marR="0" marT="63500" marB="0">
@@ -5284,12 +4478,12 @@
                     <a:bodyPr/>
                     <a:lstStyle/>
                     <a:p>
-                      <a:pPr algn="ctr">
+                      <a:pPr algn="l" rtl="0">
                         <a:lnSpc>
                           <a:spcPct val="100000"/>
                         </a:lnSpc>
                       </a:pPr>
-                      <a:endParaRPr sz="900">
+                      <a:endParaRPr sz="900" dirty="0">
                         <a:latin typeface="Times New Roman"/>
                         <a:cs typeface="Times New Roman"/>
                       </a:endParaRPr>
@@ -5340,7 +4534,7 @@
                         <a:defRPr/>
                       </a:pPr>
                       <a:r>
-                        <a:rPr lang="en-US" sz="900">
+                        <a:rPr lang="pt-BR" sz="900">
                           <a:solidFill>
                             <a:srgbClr val="020302"/>
                           </a:solidFill>
@@ -5349,10 +4543,6 @@
                         </a:rPr>
                         <a:t></a:t>
                       </a:r>
-                      <a:endParaRPr lang="en-US" sz="900">
-                        <a:latin typeface="Wingdings"/>
-                        <a:cs typeface="Wingdings"/>
-                      </a:endParaRPr>
                     </a:p>
                   </a:txBody>
                   <a:tcPr marL="0" marR="0" marT="0" marB="0" anchor="ctr">
@@ -5393,22 +4583,15 @@
                         </a:spcBef>
                       </a:pPr>
                       <a:r>
-                        <a:rPr lang="en-US" sz="1000" b="1" i="0" spc="0">
+                        <a:rPr lang="pt-BR" sz="1000" b="1" i="0">
                           <a:solidFill>
                             <a:schemeClr val="bg1"/>
                           </a:solidFill>
                           <a:latin typeface="Adobe Clean" panose="020B0503020404020204" pitchFamily="34" charset="0"/>
                           <a:cs typeface="AdobeClean-Light"/>
                         </a:rPr>
-                        <a:t>Support Services</a:t>
+                        <a:t>Serviços de suporte</a:t>
                       </a:r>
-                      <a:endParaRPr sz="1000" b="1" i="0" spc="0">
-                        <a:solidFill>
-                          <a:schemeClr val="bg1"/>
-                        </a:solidFill>
-                        <a:latin typeface="Adobe Clean" panose="020B0503020404020204" pitchFamily="34" charset="0"/>
-                        <a:cs typeface="AdobeClean-Light"/>
-                      </a:endParaRPr>
                     </a:p>
                   </a:txBody>
                   <a:tcPr marL="0" marR="0" marT="57150" marB="0" anchor="ctr">
@@ -5464,29 +4647,15 @@
                         </a:spcBef>
                       </a:pPr>
                       <a:r>
-                        <a:rPr lang="en-US" sz="900" spc="0">
+                        <a:rPr lang="pt-BR" sz="900">
                           <a:solidFill>
                             <a:srgbClr val="020302"/>
                           </a:solidFill>
                           <a:latin typeface="AdobeClean-Light"/>
                           <a:cs typeface="AdobeClean-Light"/>
                         </a:rPr>
-                        <a:t>Online</a:t>
+                        <a:t>Suporte Online</a:t>
                       </a:r>
-                      <a:r>
-                        <a:rPr sz="900" spc="0">
-                          <a:solidFill>
-                            <a:srgbClr val="020302"/>
-                          </a:solidFill>
-                          <a:latin typeface="AdobeClean-Light"/>
-                          <a:cs typeface="AdobeClean-Light"/>
-                        </a:rPr>
-                        <a:t> Support</a:t>
-                      </a:r>
-                      <a:endParaRPr sz="900" spc="0">
-                        <a:latin typeface="AdobeClean-Light"/>
-                        <a:cs typeface="AdobeClean-Light"/>
-                      </a:endParaRPr>
                     </a:p>
                   </a:txBody>
                   <a:tcPr marL="0" marR="0" marT="57150" marB="0">
@@ -5524,39 +4693,15 @@
                         </a:spcBef>
                       </a:pPr>
                       <a:r>
-                        <a:rPr sz="900" spc="-25">
+                        <a:rPr lang="pt-BR" sz="900">
                           <a:solidFill>
                             <a:srgbClr val="020302"/>
                           </a:solidFill>
                           <a:latin typeface="AdobeClean-Light"/>
                           <a:cs typeface="AdobeClean-Light"/>
                         </a:rPr>
-                        <a:t>Business</a:t>
+                        <a:t>Horário comercial</a:t>
                       </a:r>
-                      <a:r>
-                        <a:rPr sz="900" spc="-15">
-                          <a:solidFill>
-                            <a:srgbClr val="020302"/>
-                          </a:solidFill>
-                          <a:latin typeface="AdobeClean-Light"/>
-                          <a:cs typeface="AdobeClean-Light"/>
-                        </a:rPr>
-                        <a:t> </a:t>
-                      </a:r>
-                      <a:r>
-                        <a:rPr sz="900" spc="-30">
-                          <a:solidFill>
-                            <a:srgbClr val="020302"/>
-                          </a:solidFill>
-                          <a:latin typeface="AdobeClean-Light"/>
-                          <a:cs typeface="AdobeClean-Light"/>
-                        </a:rPr>
-                        <a:t>hours</a:t>
-                      </a:r>
-                      <a:endParaRPr sz="900">
-                        <a:latin typeface="AdobeClean-Light"/>
-                        <a:cs typeface="AdobeClean-Light"/>
-                      </a:endParaRPr>
                     </a:p>
                   </a:txBody>
                   <a:tcPr marL="0" marR="0" marT="67945" marB="0">
@@ -5595,7 +4740,7 @@
                         </a:spcBef>
                       </a:pPr>
                       <a:r>
-                        <a:rPr lang="en-US" sz="900" spc="-25">
+                        <a:rPr lang="pt-BR" sz="900">
                           <a:solidFill>
                             <a:srgbClr val="020302"/>
                           </a:solidFill>
@@ -5604,10 +4749,6 @@
                         </a:rPr>
                         <a:t>24x5</a:t>
                       </a:r>
-                      <a:endParaRPr sz="900">
-                        <a:latin typeface="AdobeClean-Light"/>
-                        <a:cs typeface="AdobeClean-Light"/>
-                      </a:endParaRPr>
                     </a:p>
                   </a:txBody>
                   <a:tcPr marL="0" marR="0" marT="67945" marB="0" anchor="ctr">
@@ -5639,7 +4780,7 @@
                     <a:bodyPr/>
                     <a:lstStyle/>
                     <a:p>
-                      <a:pPr marL="50800">
+                      <a:pPr marL="50800" algn="l" rtl="0">
                         <a:lnSpc>
                           <a:spcPct val="100000"/>
                         </a:lnSpc>
@@ -5647,7 +4788,7 @@
                           <a:spcPts val="455"/>
                         </a:spcBef>
                       </a:pPr>
-                      <a:endParaRPr sz="900">
+                      <a:endParaRPr sz="900" dirty="0">
                         <a:latin typeface="AdobeClean-Light"/>
                         <a:cs typeface="AdobeClean-Light"/>
                       </a:endParaRPr>
@@ -5688,39 +4829,15 @@
                         </a:spcBef>
                       </a:pPr>
                       <a:r>
-                        <a:rPr sz="900" spc="0">
+                        <a:rPr lang="pt-BR" sz="900">
                           <a:solidFill>
                             <a:srgbClr val="020302"/>
                           </a:solidFill>
                           <a:latin typeface="AdobeClean-Light"/>
                           <a:cs typeface="AdobeClean-Light"/>
                         </a:rPr>
-                        <a:t>24x7</a:t>
+                        <a:t>Suporte 24x7x365 para prioridades P1</a:t>
                       </a:r>
-                      <a:r>
-                        <a:rPr lang="en-US" sz="900" spc="0">
-                          <a:solidFill>
-                            <a:srgbClr val="020302"/>
-                          </a:solidFill>
-                          <a:latin typeface="AdobeClean-Light"/>
-                          <a:cs typeface="AdobeClean-Light"/>
-                        </a:rPr>
-                        <a:t>x365</a:t>
-                      </a:r>
-                      <a:r>
-                        <a:rPr sz="900" spc="0">
-                          <a:solidFill>
-                            <a:srgbClr val="020302"/>
-                          </a:solidFill>
-                          <a:latin typeface="AdobeClean-Light"/>
-                          <a:cs typeface="AdobeClean-Light"/>
-                        </a:rPr>
-                        <a:t> P1 Issue Support</a:t>
-                      </a:r>
-                      <a:endParaRPr sz="900" spc="0">
-                        <a:latin typeface="AdobeClean-Light"/>
-                        <a:cs typeface="AdobeClean-Light"/>
-                      </a:endParaRPr>
                     </a:p>
                   </a:txBody>
                   <a:tcPr marL="0" marR="0" marT="57785" marB="0">
@@ -5752,7 +4869,7 @@
                         </a:spcBef>
                       </a:pPr>
                       <a:r>
-                        <a:rPr sz="900">
+                        <a:rPr lang="pt-BR" sz="900">
                           <a:solidFill>
                             <a:srgbClr val="020302"/>
                           </a:solidFill>
@@ -5761,10 +4878,6 @@
                         </a:rPr>
                         <a:t></a:t>
                       </a:r>
-                      <a:endParaRPr sz="900">
-                        <a:latin typeface="Wingdings"/>
-                        <a:cs typeface="Wingdings"/>
-                      </a:endParaRPr>
                     </a:p>
                   </a:txBody>
                   <a:tcPr marL="0" marR="0" marT="58419" marB="0">
@@ -5794,7 +4907,7 @@
                         </a:spcBef>
                       </a:pPr>
                       <a:r>
-                        <a:rPr sz="900">
+                        <a:rPr lang="pt-BR" sz="900">
                           <a:solidFill>
                             <a:srgbClr val="020302"/>
                           </a:solidFill>
@@ -5803,10 +4916,6 @@
                         </a:rPr>
                         <a:t></a:t>
                       </a:r>
-                      <a:endParaRPr sz="900">
-                        <a:latin typeface="Wingdings"/>
-                        <a:cs typeface="Wingdings"/>
-                      </a:endParaRPr>
                     </a:p>
                   </a:txBody>
                   <a:tcPr marL="0" marR="0" marT="58419" marB="0" anchor="ctr">
@@ -5829,7 +4938,7 @@
                     <a:bodyPr/>
                     <a:lstStyle/>
                     <a:p>
-                      <a:pPr marL="50800">
+                      <a:pPr marL="50800" algn="l" rtl="0">
                         <a:lnSpc>
                           <a:spcPct val="100000"/>
                         </a:lnSpc>
@@ -5837,7 +4946,7 @@
                           <a:spcPts val="455"/>
                         </a:spcBef>
                       </a:pPr>
-                      <a:endParaRPr sz="900">
+                      <a:endParaRPr sz="900" dirty="0">
                         <a:latin typeface="AdobeClean-Light"/>
                         <a:cs typeface="AdobeClean-Light"/>
                       </a:endParaRPr>
@@ -5887,19 +4996,15 @@
                         </a:spcBef>
                       </a:pPr>
                       <a:r>
-                        <a:rPr lang="en-US" sz="900" spc="0">
+                        <a:rPr lang="pt-BR" sz="900">
                           <a:solidFill>
                             <a:srgbClr val="020302"/>
                           </a:solidFill>
                           <a:latin typeface="AdobeClean-Light"/>
                           <a:cs typeface="AdobeClean-Light"/>
                         </a:rPr>
-                        <a:t>Named Support Contacts (per product)</a:t>
+                        <a:t>Contatos de suporte nomeados (por produto)</a:t>
                       </a:r>
-                      <a:endParaRPr sz="900" spc="0">
-                        <a:latin typeface="AdobeClean-Light"/>
-                        <a:cs typeface="AdobeClean-Light"/>
-                      </a:endParaRPr>
                     </a:p>
                   </a:txBody>
                   <a:tcPr marL="0" marR="0" marT="57785" marB="0">
@@ -5937,7 +5042,7 @@
                         </a:spcBef>
                       </a:pPr>
                       <a:r>
-                        <a:rPr sz="900">
+                        <a:rPr lang="pt-BR" sz="900">
                           <a:solidFill>
                             <a:srgbClr val="020302"/>
                           </a:solidFill>
@@ -5946,10 +5051,6 @@
                         </a:rPr>
                         <a:t>4</a:t>
                       </a:r>
-                      <a:endParaRPr sz="900">
-                        <a:latin typeface="AdobeClean-Light"/>
-                        <a:cs typeface="AdobeClean-Light"/>
-                      </a:endParaRPr>
                     </a:p>
                   </a:txBody>
                   <a:tcPr marL="0" marR="0" marT="57785" marB="0">
@@ -5979,7 +5080,7 @@
                         </a:spcBef>
                       </a:pPr>
                       <a:r>
-                        <a:rPr lang="en-US" sz="900">
+                        <a:rPr lang="pt-BR" sz="900">
                           <a:solidFill>
                             <a:srgbClr val="020302"/>
                           </a:solidFill>
@@ -5988,10 +5089,6 @@
                         </a:rPr>
                         <a:t>15</a:t>
                       </a:r>
-                      <a:endParaRPr sz="900">
-                        <a:latin typeface="AdobeClean-Light"/>
-                        <a:cs typeface="AdobeClean-Light"/>
-                      </a:endParaRPr>
                     </a:p>
                   </a:txBody>
                   <a:tcPr marL="0" marR="0" marT="57785" marB="0" anchor="ctr">
@@ -6014,7 +5111,7 @@
                     <a:bodyPr/>
                     <a:lstStyle/>
                     <a:p>
-                      <a:pPr marL="50800">
+                      <a:pPr marL="50800" algn="l" rtl="0">
                         <a:lnSpc>
                           <a:spcPct val="100000"/>
                         </a:lnSpc>
@@ -6022,7 +5119,7 @@
                           <a:spcPts val="455"/>
                         </a:spcBef>
                       </a:pPr>
-                      <a:endParaRPr sz="900">
+                      <a:endParaRPr sz="900" dirty="0">
                         <a:latin typeface="AdobeClean-Light"/>
                         <a:cs typeface="AdobeClean-Light"/>
                       </a:endParaRPr>
@@ -6063,19 +5160,15 @@
                         </a:spcBef>
                       </a:pPr>
                       <a:r>
-                        <a:rPr lang="en-US" sz="900" spc="0">
+                        <a:rPr lang="pt-BR" sz="900">
                           <a:solidFill>
                             <a:srgbClr val="020302"/>
                           </a:solidFill>
                           <a:latin typeface="AdobeClean-Light"/>
                           <a:cs typeface="AdobeClean-Light"/>
                         </a:rPr>
-                        <a:t>Live Telephone Support</a:t>
+                        <a:t>Suporte telefônico ao vivo</a:t>
                       </a:r>
-                      <a:endParaRPr sz="900" spc="0">
-                        <a:latin typeface="AdobeClean-Light"/>
-                        <a:cs typeface="AdobeClean-Light"/>
-                      </a:endParaRPr>
                     </a:p>
                   </a:txBody>
                   <a:tcPr marL="0" marR="0" marT="57785" marB="0">
@@ -6098,7 +5191,7 @@
                     <a:bodyPr/>
                     <a:lstStyle/>
                     <a:p>
-                      <a:pPr algn="ctr">
+                      <a:pPr algn="l" rtl="0">
                         <a:lnSpc>
                           <a:spcPct val="100000"/>
                         </a:lnSpc>
@@ -6106,7 +5199,7 @@
                           <a:spcPts val="464"/>
                         </a:spcBef>
                       </a:pPr>
-                      <a:endParaRPr sz="900">
+                      <a:endParaRPr sz="900" dirty="0">
                         <a:latin typeface="Wingdings"/>
                         <a:cs typeface="Wingdings"/>
                       </a:endParaRPr>
@@ -6139,7 +5232,7 @@
                         </a:spcBef>
                       </a:pPr>
                       <a:r>
-                        <a:rPr sz="900">
+                        <a:rPr lang="pt-BR" sz="900">
                           <a:solidFill>
                             <a:srgbClr val="020302"/>
                           </a:solidFill>
@@ -6148,10 +5241,6 @@
                         </a:rPr>
                         <a:t></a:t>
                       </a:r>
-                      <a:endParaRPr sz="900">
-                        <a:latin typeface="Wingdings"/>
-                        <a:cs typeface="Wingdings"/>
-                      </a:endParaRPr>
                     </a:p>
                   </a:txBody>
                   <a:tcPr marL="0" marR="0" marT="59054" marB="0" anchor="ctr">
@@ -6174,7 +5263,7 @@
                     <a:bodyPr/>
                     <a:lstStyle/>
                     <a:p>
-                      <a:pPr marL="50800">
+                      <a:pPr marL="50800" algn="l" rtl="0">
                         <a:lnSpc>
                           <a:spcPct val="100000"/>
                         </a:lnSpc>
@@ -6182,7 +5271,7 @@
                           <a:spcPts val="459"/>
                         </a:spcBef>
                       </a:pPr>
-                      <a:endParaRPr sz="900">
+                      <a:endParaRPr sz="900" dirty="0">
                         <a:latin typeface="AdobeClean-Light"/>
                         <a:cs typeface="AdobeClean-Light"/>
                       </a:endParaRPr>
@@ -6223,19 +5312,15 @@
                         </a:spcBef>
                       </a:pPr>
                       <a:r>
-                        <a:rPr sz="900" spc="0">
+                        <a:rPr lang="pt-BR" sz="900">
                           <a:solidFill>
                             <a:srgbClr val="020302"/>
                           </a:solidFill>
                           <a:latin typeface="AdobeClean-Light"/>
                           <a:cs typeface="AdobeClean-Light"/>
                         </a:rPr>
-                        <a:t>Escalation Management</a:t>
+                        <a:t>Gestão de encaminhamento</a:t>
                       </a:r>
-                      <a:endParaRPr sz="900" spc="0">
-                        <a:latin typeface="AdobeClean-Light"/>
-                        <a:cs typeface="AdobeClean-Light"/>
-                      </a:endParaRPr>
                     </a:p>
                   </a:txBody>
                   <a:tcPr marL="0" marR="0" marT="58419" marB="0">
@@ -6258,7 +5343,7 @@
                     <a:bodyPr/>
                     <a:lstStyle/>
                     <a:p>
-                      <a:pPr algn="ctr">
+                      <a:pPr algn="l" rtl="0">
                         <a:lnSpc>
                           <a:spcPct val="100000"/>
                         </a:lnSpc>
@@ -6266,7 +5351,7 @@
                           <a:spcPts val="470"/>
                         </a:spcBef>
                       </a:pPr>
-                      <a:endParaRPr sz="900">
+                      <a:endParaRPr sz="900" dirty="0">
                         <a:latin typeface="Wingdings"/>
                         <a:cs typeface="Wingdings"/>
                       </a:endParaRPr>
@@ -6299,7 +5384,7 @@
                         </a:spcBef>
                       </a:pPr>
                       <a:r>
-                        <a:rPr sz="900">
+                        <a:rPr lang="pt-BR" sz="900">
                           <a:solidFill>
                             <a:srgbClr val="020302"/>
                           </a:solidFill>
@@ -6308,10 +5393,6 @@
                         </a:rPr>
                         <a:t></a:t>
                       </a:r>
-                      <a:endParaRPr sz="900">
-                        <a:latin typeface="Wingdings"/>
-                        <a:cs typeface="Wingdings"/>
-                      </a:endParaRPr>
                     </a:p>
                   </a:txBody>
                   <a:tcPr marL="0" marR="0" marT="59690" marB="0" anchor="ctr">
@@ -6334,7 +5415,7 @@
                     <a:bodyPr/>
                     <a:lstStyle/>
                     <a:p>
-                      <a:pPr marL="50800">
+                      <a:pPr marL="50800" algn="l" rtl="0">
                         <a:lnSpc>
                           <a:spcPct val="100000"/>
                         </a:lnSpc>
@@ -6342,7 +5423,7 @@
                           <a:spcPts val="450"/>
                         </a:spcBef>
                       </a:pPr>
-                      <a:endParaRPr sz="900">
+                      <a:endParaRPr sz="900" dirty="0">
                         <a:latin typeface="AdobeClean-Light"/>
                         <a:cs typeface="AdobeClean-Light"/>
                       </a:endParaRPr>
@@ -6383,29 +5464,15 @@
                         </a:spcBef>
                       </a:pPr>
                       <a:r>
-                        <a:rPr sz="900" spc="0">
+                        <a:rPr lang="pt-BR" sz="900" dirty="0">
                           <a:solidFill>
                             <a:srgbClr val="020302"/>
                           </a:solidFill>
                           <a:latin typeface="AdobeClean-Light"/>
                           <a:cs typeface="AdobeClean-Light"/>
                         </a:rPr>
-                        <a:t>Service Reviews </a:t>
+                        <a:t>Revisões de serviço por ano</a:t>
                       </a:r>
-                      <a:r>
-                        <a:rPr lang="en-US" sz="900" spc="0">
-                          <a:solidFill>
-                            <a:srgbClr val="020302"/>
-                          </a:solidFill>
-                          <a:latin typeface="AdobeClean-Light"/>
-                          <a:cs typeface="AdobeClean-Light"/>
-                        </a:rPr>
-                        <a:t>per Year</a:t>
-                      </a:r>
-                      <a:endParaRPr sz="900" spc="0">
-                        <a:latin typeface="AdobeClean-Light"/>
-                        <a:cs typeface="AdobeClean-Light"/>
-                      </a:endParaRPr>
                     </a:p>
                   </a:txBody>
                   <a:tcPr marL="0" marR="0" marT="57150" marB="0">
@@ -6428,12 +5495,12 @@
                     <a:bodyPr/>
                     <a:lstStyle/>
                     <a:p>
-                      <a:pPr>
+                      <a:pPr algn="l" rtl="0">
                         <a:lnSpc>
                           <a:spcPct val="100000"/>
                         </a:lnSpc>
                       </a:pPr>
-                      <a:endParaRPr sz="900">
+                      <a:endParaRPr sz="900" dirty="0">
                         <a:latin typeface="Times New Roman"/>
                         <a:cs typeface="Times New Roman"/>
                       </a:endParaRPr>
@@ -6463,16 +5530,12 @@
                         </a:lnSpc>
                       </a:pPr>
                       <a:r>
-                        <a:rPr lang="en-US" sz="900">
+                        <a:rPr lang="pt-BR" sz="900">
                           <a:latin typeface="Times New Roman"/>
                           <a:cs typeface="Times New Roman"/>
                         </a:rPr>
                         <a:t>4</a:t>
                       </a:r>
-                      <a:endParaRPr sz="900">
-                        <a:latin typeface="Times New Roman"/>
-                        <a:cs typeface="Times New Roman"/>
-                      </a:endParaRPr>
                     </a:p>
                   </a:txBody>
                   <a:tcPr marL="0" marR="0" marT="0" marB="0" anchor="ctr">
@@ -6514,16 +5577,12 @@
                         </a:spcBef>
                       </a:pPr>
                       <a:r>
-                        <a:rPr lang="en-US" sz="900" spc="0">
+                        <a:rPr lang="pt-BR" sz="900">
                           <a:latin typeface="AdobeClean-Light"/>
                           <a:cs typeface="AdobeClean-Light"/>
                         </a:rPr>
-                        <a:t>Expert Sessions per Year</a:t>
+                        <a:t>Sessões de especialistas por ano</a:t>
                       </a:r>
-                      <a:endParaRPr sz="900" spc="0">
-                        <a:latin typeface="AdobeClean-Light"/>
-                        <a:cs typeface="AdobeClean-Light"/>
-                      </a:endParaRPr>
                     </a:p>
                   </a:txBody>
                   <a:tcPr marL="0" marR="0" marT="57150" marB="0">
@@ -6552,12 +5611,12 @@
                     <a:bodyPr/>
                     <a:lstStyle/>
                     <a:p>
-                      <a:pPr>
+                      <a:pPr algn="l" rtl="0">
                         <a:lnSpc>
                           <a:spcPct val="100000"/>
                         </a:lnSpc>
                       </a:pPr>
-                      <a:endParaRPr sz="900">
+                      <a:endParaRPr sz="900" dirty="0">
                         <a:latin typeface="Times New Roman"/>
                         <a:cs typeface="Times New Roman"/>
                       </a:endParaRPr>
@@ -6587,16 +5646,12 @@
                         </a:lnSpc>
                       </a:pPr>
                       <a:r>
-                        <a:rPr lang="en-US" sz="900">
+                        <a:rPr lang="pt-BR" sz="900">
                           <a:latin typeface="Times New Roman"/>
                           <a:cs typeface="Times New Roman"/>
                         </a:rPr>
                         <a:t>4</a:t>
                       </a:r>
-                      <a:endParaRPr sz="900">
-                        <a:latin typeface="Times New Roman"/>
-                        <a:cs typeface="Times New Roman"/>
-                      </a:endParaRPr>
                     </a:p>
                   </a:txBody>
                   <a:tcPr marL="0" marR="0" marT="0" marB="0" anchor="ctr">
@@ -6638,16 +5693,12 @@
                         </a:spcBef>
                       </a:pPr>
                       <a:r>
-                        <a:rPr lang="en-US" sz="900" spc="0">
+                        <a:rPr lang="pt-BR" sz="900">
                           <a:latin typeface="AdobeClean-Light"/>
                           <a:cs typeface="AdobeClean-Light"/>
                         </a:rPr>
-                        <a:t>Case Reviews</a:t>
+                        <a:t>Revisões de caso</a:t>
                       </a:r>
-                      <a:endParaRPr sz="900" spc="0">
-                        <a:latin typeface="AdobeClean-Light"/>
-                        <a:cs typeface="AdobeClean-Light"/>
-                      </a:endParaRPr>
                     </a:p>
                   </a:txBody>
                   <a:tcPr marL="0" marR="0" marT="57150" marB="0">
@@ -6676,12 +5727,12 @@
                     <a:bodyPr/>
                     <a:lstStyle/>
                     <a:p>
-                      <a:pPr>
+                      <a:pPr algn="l" rtl="0">
                         <a:lnSpc>
                           <a:spcPct val="100000"/>
                         </a:lnSpc>
                       </a:pPr>
-                      <a:endParaRPr sz="900">
+                      <a:endParaRPr sz="900" dirty="0">
                         <a:latin typeface="Times New Roman"/>
                         <a:cs typeface="Times New Roman"/>
                       </a:endParaRPr>
@@ -6723,7 +5774,7 @@
                         <a:defRPr/>
                       </a:pPr>
                       <a:r>
-                        <a:rPr lang="en-US" sz="900">
+                        <a:rPr lang="pt-BR" sz="900">
                           <a:solidFill>
                             <a:srgbClr val="020302"/>
                           </a:solidFill>
@@ -6732,10 +5783,6 @@
                         </a:rPr>
                         <a:t></a:t>
                       </a:r>
-                      <a:endParaRPr lang="en-US" sz="900">
-                        <a:latin typeface="Wingdings"/>
-                        <a:cs typeface="Wingdings"/>
-                      </a:endParaRPr>
                     </a:p>
                   </a:txBody>
                   <a:tcPr marL="0" marR="0" marT="0" marB="0" anchor="ctr">
@@ -6758,7 +5805,7 @@
                     <a:bodyPr/>
                     <a:lstStyle/>
                     <a:p>
-                      <a:pPr marL="48895">
+                      <a:pPr marL="48895" algn="l" rtl="0">
                         <a:lnSpc>
                           <a:spcPct val="100000"/>
                         </a:lnSpc>
@@ -6766,7 +5813,7 @@
                           <a:spcPts val="459"/>
                         </a:spcBef>
                       </a:pPr>
-                      <a:endParaRPr sz="900">
+                      <a:endParaRPr sz="900" dirty="0">
                         <a:latin typeface="AdobeClean-Light"/>
                         <a:cs typeface="AdobeClean-Light"/>
                       </a:endParaRPr>
@@ -6816,29 +5863,15 @@
                         </a:spcBef>
                       </a:pPr>
                       <a:r>
-                        <a:rPr sz="900" spc="0">
+                        <a:rPr lang="pt-BR" sz="900">
                           <a:solidFill>
                             <a:srgbClr val="020302"/>
                           </a:solidFill>
                           <a:latin typeface="AdobeClean-Light"/>
                           <a:cs typeface="AdobeClean-Light"/>
                         </a:rPr>
-                        <a:t>Event </a:t>
+                        <a:t>Gerenciamento de eventos</a:t>
                       </a:r>
-                      <a:r>
-                        <a:rPr lang="en-US" sz="900" spc="0">
-                          <a:solidFill>
-                            <a:srgbClr val="020302"/>
-                          </a:solidFill>
-                          <a:latin typeface="AdobeClean-Light"/>
-                          <a:cs typeface="AdobeClean-Light"/>
-                        </a:rPr>
-                        <a:t>Management</a:t>
-                      </a:r>
-                      <a:endParaRPr sz="900" spc="0">
-                        <a:latin typeface="AdobeClean-Light"/>
-                        <a:cs typeface="AdobeClean-Light"/>
-                      </a:endParaRPr>
                     </a:p>
                   </a:txBody>
                   <a:tcPr marL="0" marR="0" marT="58419" marB="0">
@@ -6867,12 +5900,12 @@
                     <a:bodyPr/>
                     <a:lstStyle/>
                     <a:p>
-                      <a:pPr>
+                      <a:pPr algn="l" rtl="0">
                         <a:lnSpc>
                           <a:spcPct val="100000"/>
                         </a:lnSpc>
                       </a:pPr>
-                      <a:endParaRPr sz="900">
+                      <a:endParaRPr sz="900" dirty="0">
                         <a:latin typeface="Times New Roman"/>
                         <a:cs typeface="Times New Roman"/>
                       </a:endParaRPr>
@@ -6914,7 +5947,7 @@
                         <a:defRPr/>
                       </a:pPr>
                       <a:r>
-                        <a:rPr lang="en-US" sz="900">
+                        <a:rPr lang="pt-BR" sz="900">
                           <a:solidFill>
                             <a:srgbClr val="020302"/>
                           </a:solidFill>
@@ -6923,10 +5956,6 @@
                         </a:rPr>
                         <a:t></a:t>
                       </a:r>
-                      <a:endParaRPr lang="en-US" sz="900">
-                        <a:latin typeface="Wingdings"/>
-                        <a:cs typeface="Wingdings"/>
-                      </a:endParaRPr>
                     </a:p>
                   </a:txBody>
                   <a:tcPr marL="0" marR="0" marT="0" marB="0" anchor="ctr">
@@ -6949,7 +5978,7 @@
                     <a:bodyPr/>
                     <a:lstStyle/>
                     <a:p>
-                      <a:pPr marL="48895">
+                      <a:pPr marL="48895" algn="l" rtl="0">
                         <a:lnSpc>
                           <a:spcPct val="100000"/>
                         </a:lnSpc>
@@ -6957,7 +5986,7 @@
                           <a:spcPts val="465"/>
                         </a:spcBef>
                       </a:pPr>
-                      <a:endParaRPr sz="900">
+                      <a:endParaRPr sz="900" dirty="0">
                         <a:latin typeface="AdobeClean-Light"/>
                         <a:cs typeface="AdobeClean-Light"/>
                       </a:endParaRPr>
@@ -6998,39 +6027,15 @@
                         </a:spcBef>
                       </a:pPr>
                       <a:r>
-                        <a:rPr sz="900" spc="0">
+                        <a:rPr lang="pt-BR" sz="900">
                           <a:solidFill>
                             <a:srgbClr val="020302"/>
                           </a:solidFill>
                           <a:latin typeface="AdobeClean-Light"/>
                           <a:cs typeface="AdobeClean-Light"/>
                         </a:rPr>
-                        <a:t>Environment</a:t>
+                        <a:t>Revisão, manutenção e monitoramento do ambiente</a:t>
                       </a:r>
-                      <a:r>
-                        <a:rPr lang="en-US" sz="900" spc="0">
-                          <a:solidFill>
-                            <a:srgbClr val="020302"/>
-                          </a:solidFill>
-                          <a:latin typeface="AdobeClean-Light"/>
-                          <a:cs typeface="AdobeClean-Light"/>
-                        </a:rPr>
-                        <a:t> </a:t>
-                      </a:r>
-                      <a:r>
-                        <a:rPr sz="900" spc="0">
-                          <a:solidFill>
-                            <a:srgbClr val="020302"/>
-                          </a:solidFill>
-                          <a:latin typeface="AdobeClean-Light"/>
-                          <a:cs typeface="AdobeClean-Light"/>
-                        </a:rPr>
-                        <a:t>Review, Maintenance &amp; Monitoring</a:t>
-                      </a:r>
-                      <a:endParaRPr sz="900" spc="0">
-                        <a:latin typeface="AdobeClean-Light"/>
-                        <a:cs typeface="AdobeClean-Light"/>
-                      </a:endParaRPr>
                     </a:p>
                   </a:txBody>
                   <a:tcPr marL="0" marR="0" marT="59055" marB="0">
@@ -7053,12 +6058,12 @@
                     <a:bodyPr/>
                     <a:lstStyle/>
                     <a:p>
-                      <a:pPr>
+                      <a:pPr algn="l" rtl="0">
                         <a:lnSpc>
                           <a:spcPct val="100000"/>
                         </a:lnSpc>
                       </a:pPr>
-                      <a:endParaRPr sz="900">
+                      <a:endParaRPr sz="900" dirty="0">
                         <a:latin typeface="Times New Roman"/>
                         <a:cs typeface="Times New Roman"/>
                       </a:endParaRPr>
@@ -7100,7 +6105,7 @@
                         <a:defRPr/>
                       </a:pPr>
                       <a:r>
-                        <a:rPr lang="en-US" sz="900">
+                        <a:rPr lang="pt-BR" sz="900">
                           <a:solidFill>
                             <a:srgbClr val="020302"/>
                           </a:solidFill>
@@ -7109,10 +6114,6 @@
                         </a:rPr>
                         <a:t></a:t>
                       </a:r>
-                      <a:endParaRPr lang="en-US" sz="900">
-                        <a:latin typeface="Wingdings"/>
-                        <a:cs typeface="Wingdings"/>
-                      </a:endParaRPr>
                     </a:p>
                   </a:txBody>
                   <a:tcPr marL="0" marR="0" marT="0" marB="0" anchor="ctr">
@@ -7135,7 +6136,7 @@
                     <a:bodyPr/>
                     <a:lstStyle/>
                     <a:p>
-                      <a:pPr marL="49530">
+                      <a:pPr marL="49530" algn="l" rtl="0">
                         <a:lnSpc>
                           <a:spcPct val="100000"/>
                         </a:lnSpc>
@@ -7143,7 +6144,7 @@
                           <a:spcPts val="500"/>
                         </a:spcBef>
                       </a:pPr>
-                      <a:endParaRPr sz="900">
+                      <a:endParaRPr sz="900" dirty="0">
                         <a:latin typeface="AdobeClean-Light"/>
                         <a:cs typeface="AdobeClean-Light"/>
                       </a:endParaRPr>
@@ -7184,19 +6185,15 @@
                         </a:spcBef>
                       </a:pPr>
                       <a:r>
-                        <a:rPr sz="900" spc="0">
+                        <a:rPr lang="pt-BR" sz="900">
                           <a:solidFill>
                             <a:srgbClr val="020302"/>
                           </a:solidFill>
                           <a:latin typeface="AdobeClean-Light"/>
                           <a:cs typeface="AdobeClean-Light"/>
                         </a:rPr>
-                        <a:t>Release, Migration, Upgrade &amp; Product Roadmap Review</a:t>
+                        <a:t>Revisão de versão, migração, atualização e roteiro de produtos</a:t>
                       </a:r>
-                      <a:endParaRPr sz="900" spc="0">
-                        <a:latin typeface="AdobeClean-Light"/>
-                        <a:cs typeface="AdobeClean-Light"/>
-                      </a:endParaRPr>
                     </a:p>
                   </a:txBody>
                   <a:tcPr marL="0" marR="0" marT="63500" marB="0">
@@ -7219,12 +6216,12 @@
                     <a:bodyPr/>
                     <a:lstStyle/>
                     <a:p>
-                      <a:pPr>
+                      <a:pPr algn="l" rtl="0">
                         <a:lnSpc>
                           <a:spcPct val="100000"/>
                         </a:lnSpc>
                       </a:pPr>
-                      <a:endParaRPr sz="900">
+                      <a:endParaRPr sz="900" dirty="0">
                         <a:latin typeface="Times New Roman"/>
                         <a:cs typeface="Times New Roman"/>
                       </a:endParaRPr>
@@ -7266,7 +6263,7 @@
                         <a:defRPr/>
                       </a:pPr>
                       <a:r>
-                        <a:rPr lang="en-US" sz="900">
+                        <a:rPr lang="pt-BR" sz="900">
                           <a:solidFill>
                             <a:srgbClr val="020302"/>
                           </a:solidFill>
@@ -7275,10 +6272,6 @@
                         </a:rPr>
                         <a:t></a:t>
                       </a:r>
-                      <a:endParaRPr lang="en-US" sz="900">
-                        <a:latin typeface="Wingdings"/>
-                        <a:cs typeface="Wingdings"/>
-                      </a:endParaRPr>
                     </a:p>
                   </a:txBody>
                   <a:tcPr marL="0" marR="0" marT="0" marB="0" anchor="ctr">
@@ -7301,7 +6294,7 @@
                     <a:bodyPr/>
                     <a:lstStyle/>
                     <a:p>
-                      <a:pPr marL="49530">
+                      <a:pPr marL="49530" algn="l" rtl="0">
                         <a:lnSpc>
                           <a:spcPct val="100000"/>
                         </a:lnSpc>
@@ -7309,7 +6302,7 @@
                           <a:spcPts val="530"/>
                         </a:spcBef>
                       </a:pPr>
-                      <a:endParaRPr sz="900">
+                      <a:endParaRPr sz="900" dirty="0">
                         <a:latin typeface="AdobeClean-Light"/>
                         <a:cs typeface="AdobeClean-Light"/>
                       </a:endParaRPr>
@@ -7359,11 +6352,11 @@
                         </a:spcBef>
                       </a:pPr>
                       <a:r>
-                        <a:rPr sz="900" spc="0">
+                        <a:rPr lang="pt-BR" sz="900">
                           <a:latin typeface="AdobeClean-Light"/>
                           <a:cs typeface="AdobeClean-Light"/>
                         </a:rPr>
-                        <a:t>Cloud Support Activities – Experience Manager as Cloud</a:t>
+                        <a:t>Atividades de suporte na nuvem — Experience Manager as Cloud</a:t>
                       </a:r>
                     </a:p>
                   </a:txBody>
@@ -7393,12 +6386,12 @@
                     <a:bodyPr/>
                     <a:lstStyle/>
                     <a:p>
-                      <a:pPr>
+                      <a:pPr algn="l" rtl="0">
                         <a:lnSpc>
                           <a:spcPct val="100000"/>
                         </a:lnSpc>
                       </a:pPr>
-                      <a:endParaRPr sz="900">
+                      <a:endParaRPr sz="900" dirty="0">
                         <a:latin typeface="Times New Roman"/>
                         <a:cs typeface="Times New Roman"/>
                       </a:endParaRPr>
@@ -7449,7 +6442,7 @@
                         <a:defRPr/>
                       </a:pPr>
                       <a:r>
-                        <a:rPr lang="en-US" sz="900">
+                        <a:rPr lang="pt-BR" sz="900">
                           <a:solidFill>
                             <a:srgbClr val="020302"/>
                           </a:solidFill>
@@ -7458,10 +6451,6 @@
                         </a:rPr>
                         <a:t></a:t>
                       </a:r>
-                      <a:endParaRPr lang="en-US" sz="900">
-                        <a:latin typeface="Wingdings"/>
-                        <a:cs typeface="Wingdings"/>
-                      </a:endParaRPr>
                     </a:p>
                   </a:txBody>
                   <a:tcPr marL="0" marR="0" marT="0" marB="0" anchor="ctr">
@@ -7502,22 +6491,15 @@
                         </a:spcBef>
                       </a:pPr>
                       <a:r>
-                        <a:rPr lang="en-US" sz="1000" b="1" i="0" spc="0">
+                        <a:rPr lang="pt-BR" sz="1000" b="1" i="0">
                           <a:solidFill>
                             <a:schemeClr val="bg1"/>
                           </a:solidFill>
                           <a:latin typeface="Adobe Clean" panose="020B0503020404020204" pitchFamily="34" charset="0"/>
                           <a:cs typeface="AdobeClean-Light"/>
                         </a:rPr>
-                        <a:t>Field Services</a:t>
+                        <a:t>Serviços de campo</a:t>
                       </a:r>
-                      <a:endParaRPr sz="1000" b="1" i="0" spc="0">
-                        <a:solidFill>
-                          <a:schemeClr val="bg1"/>
-                        </a:solidFill>
-                        <a:latin typeface="Adobe Clean" panose="020B0503020404020204" pitchFamily="34" charset="0"/>
-                        <a:cs typeface="AdobeClean-Light"/>
-                      </a:endParaRPr>
                     </a:p>
                   </a:txBody>
                   <a:tcPr marL="0" marR="0" marT="48260" marB="0" anchor="ctr">
@@ -7570,14 +6552,14 @@
                         </a:spcBef>
                       </a:pPr>
                       <a:r>
-                        <a:rPr sz="900" spc="0">
+                        <a:rPr lang="pt-BR" sz="900">
                           <a:solidFill>
                             <a:srgbClr val="020302"/>
                           </a:solidFill>
                           <a:latin typeface="AdobeClean-Light"/>
                           <a:cs typeface="AdobeClean-Light"/>
                         </a:rPr>
-                        <a:t>Launch Advisory Services – First Year of new solution</a:t>
+                        <a:t>Launch Advisory Services — primeiro ano da nova solução</a:t>
                       </a:r>
                     </a:p>
                   </a:txBody>
@@ -7617,12 +6599,12 @@
                     <a:bodyPr/>
                     <a:lstStyle/>
                     <a:p>
-                      <a:pPr>
+                      <a:pPr algn="l" rtl="0">
                         <a:lnSpc>
                           <a:spcPct val="100000"/>
                         </a:lnSpc>
                       </a:pPr>
-                      <a:endParaRPr sz="900">
+                      <a:endParaRPr sz="900" dirty="0">
                         <a:latin typeface="Times New Roman"/>
                         <a:cs typeface="Times New Roman"/>
                       </a:endParaRPr>
@@ -7689,7 +6671,7 @@
                         <a:defRPr/>
                       </a:pPr>
                       <a:r>
-                        <a:rPr lang="en-US" sz="900">
+                        <a:rPr lang="pt-BR" sz="900">
                           <a:solidFill>
                             <a:srgbClr val="020302"/>
                           </a:solidFill>
@@ -7698,10 +6680,6 @@
                         </a:rPr>
                         <a:t></a:t>
                       </a:r>
-                      <a:endParaRPr lang="en-US" sz="900">
-                        <a:latin typeface="Wingdings"/>
-                        <a:cs typeface="Wingdings"/>
-                      </a:endParaRPr>
                     </a:p>
                   </a:txBody>
                   <a:tcPr marL="0" marR="0" marT="0" marB="0" anchor="ctr">
@@ -7780,11 +6758,11 @@
                         <a:defRPr/>
                       </a:pPr>
                       <a:r>
-                        <a:rPr lang="en-US" sz="900" spc="0">
+                        <a:rPr lang="pt-BR" sz="900">
                           <a:latin typeface="AdobeClean-Light"/>
                           <a:cs typeface="AdobeClean-Light"/>
                         </a:rPr>
-                        <a:t>Field Service Activities </a:t>
+                        <a:t>Atividades de serviço de campo </a:t>
                       </a:r>
                     </a:p>
                   </a:txBody>
@@ -7818,8 +6796,8 @@
                     <a:bodyPr/>
                     <a:lstStyle/>
                     <a:p>
-                      <a:pPr algn="ctr"/>
-                      <a:endParaRPr lang="en-US"/>
+                      <a:pPr algn="l" rtl="0"/>
+                      <a:endParaRPr lang="en-US" dirty="0"/>
                     </a:p>
                   </a:txBody>
                   <a:tcPr marL="0" marR="0" marT="0" marB="0">
@@ -7867,13 +6845,12 @@
                     <a:p>
                       <a:pPr algn="ctr"/>
                       <a:r>
-                        <a:rPr lang="en-US" sz="900">
+                        <a:rPr lang="pt-BR" sz="900" dirty="0">
                           <a:latin typeface="Times New Roman"/>
                           <a:cs typeface="Times New Roman"/>
                         </a:rPr>
                         <a:t>4</a:t>
                       </a:r>
-                      <a:endParaRPr lang="en-US"/>
                     </a:p>
                   </a:txBody>
                   <a:tcPr marL="0" marR="0" marT="0" marB="0" anchor="ctr">
@@ -7964,8 +6941,8 @@
         </p:nvSpPr>
         <p:spPr>
           <a:xfrm>
-            <a:off x="357339" y="897487"/>
-            <a:ext cx="1736725" cy="0"/>
+            <a:off x="357339" y="897486"/>
+            <a:ext cx="1942628" cy="45719"/>
           </a:xfrm>
           <a:custGeom>
             <a:avLst/>
@@ -8007,7 +6984,7 @@
         <p:spPr>
           <a:xfrm>
             <a:off x="357339" y="608961"/>
-            <a:ext cx="1647825" cy="238760"/>
+            <a:ext cx="2407636" cy="228268"/>
           </a:xfrm>
           <a:prstGeom prst="rect">
             <a:avLst/>
@@ -8028,59 +7005,15 @@
               </a:spcBef>
             </a:pPr>
             <a:r>
-              <a:rPr sz="1400" b="1" spc="-10">
+              <a:rPr lang="pt-BR" sz="1400" b="1" dirty="0">
                 <a:solidFill>
                   <a:srgbClr val="020302"/>
                 </a:solidFill>
                 <a:latin typeface="Adobe Clean"/>
                 <a:cs typeface="Adobe Clean"/>
               </a:rPr>
-              <a:t>Elite</a:t>
-            </a:r>
-            <a:r>
-              <a:rPr sz="1400" b="1" spc="-50">
-                <a:solidFill>
-                  <a:srgbClr val="020302"/>
-                </a:solidFill>
-                <a:latin typeface="Adobe Clean"/>
-                <a:cs typeface="Adobe Clean"/>
-              </a:rPr>
-              <a:t> </a:t>
-            </a:r>
-            <a:r>
-              <a:rPr sz="1400" b="1" spc="-10">
-                <a:solidFill>
-                  <a:srgbClr val="020302"/>
-                </a:solidFill>
-                <a:latin typeface="Adobe Clean"/>
-                <a:cs typeface="Adobe Clean"/>
-              </a:rPr>
-              <a:t>Support</a:t>
-            </a:r>
-            <a:r>
-              <a:rPr sz="1400" b="1" spc="-45">
-                <a:solidFill>
-                  <a:srgbClr val="020302"/>
-                </a:solidFill>
-                <a:latin typeface="Adobe Clean"/>
-                <a:cs typeface="Adobe Clean"/>
-              </a:rPr>
-              <a:t> </a:t>
-            </a:r>
-            <a:r>
-              <a:rPr sz="1400" b="1" spc="-15">
-                <a:solidFill>
-                  <a:srgbClr val="020302"/>
-                </a:solidFill>
-                <a:latin typeface="Adobe Clean"/>
-                <a:cs typeface="Adobe Clean"/>
-              </a:rPr>
-              <a:t>Features</a:t>
-            </a:r>
-            <a:endParaRPr sz="1400">
-              <a:latin typeface="Adobe Clean"/>
-              <a:cs typeface="Adobe Clean"/>
-            </a:endParaRPr>
+              <a:t>Recursos do Suporte Elite</a:t>
+            </a:r>
           </a:p>
         </p:txBody>
       </p:sp>
@@ -8114,19 +7047,72 @@
               </a:spcBef>
             </a:pPr>
             <a:r>
-              <a:rPr sz="1000">
+              <a:rPr lang="pt-BR" sz="1000" dirty="0">
                 <a:solidFill>
                   <a:srgbClr val="4B4B4B"/>
                 </a:solidFill>
                 <a:latin typeface="AdobeClean-Light"/>
                 <a:cs typeface="AdobeClean-Light"/>
               </a:rPr>
-              <a:t>A designated support engineer who  becomes familiar with your solution  environment and business goals. The NSE  is an experienced support engineer that  helps coordinate your Enterprise Support  experience.</a:t>
-            </a:r>
-            <a:endParaRPr sz="1000">
-              <a:latin typeface="AdobeClean-Light"/>
-              <a:cs typeface="AdobeClean-Light"/>
-            </a:endParaRPr>
+              <a:t>Um engenheiro de suporte designado, familiarizado com seu ambiente de solução e objetivos de negócios. O engenheiro </a:t>
+            </a:r>
+            <a:br>
+              <a:rPr lang="sk-SK" sz="1000" dirty="0">
+                <a:solidFill>
+                  <a:srgbClr val="4B4B4B"/>
+                </a:solidFill>
+                <a:latin typeface="AdobeClean-Light"/>
+                <a:cs typeface="AdobeClean-Light"/>
+              </a:rPr>
+            </a:br>
+            <a:r>
+              <a:rPr lang="pt-BR" sz="1000" dirty="0">
+                <a:solidFill>
+                  <a:srgbClr val="4B4B4B"/>
+                </a:solidFill>
+                <a:latin typeface="AdobeClean-Light"/>
+                <a:cs typeface="AdobeClean-Light"/>
+              </a:rPr>
+              <a:t>é um profissional experiente que ajuda </a:t>
+            </a:r>
+            <a:br>
+              <a:rPr lang="sk-SK" sz="1000" dirty="0">
+                <a:solidFill>
+                  <a:srgbClr val="4B4B4B"/>
+                </a:solidFill>
+                <a:latin typeface="AdobeClean-Light"/>
+                <a:cs typeface="AdobeClean-Light"/>
+              </a:rPr>
+            </a:br>
+            <a:r>
+              <a:rPr lang="pt-BR" sz="1000" dirty="0">
+                <a:solidFill>
+                  <a:srgbClr val="4B4B4B"/>
+                </a:solidFill>
+                <a:latin typeface="AdobeClean-Light"/>
+                <a:cs typeface="AdobeClean-Light"/>
+              </a:rPr>
+              <a:t>a coordenar sua experiência </a:t>
+            </a:r>
+            <a:br>
+              <a:rPr lang="sk-SK" sz="1000" dirty="0">
+                <a:solidFill>
+                  <a:srgbClr val="4B4B4B"/>
+                </a:solidFill>
+                <a:latin typeface="AdobeClean-Light"/>
+                <a:cs typeface="AdobeClean-Light"/>
+              </a:rPr>
+            </a:br>
+            <a:r>
+              <a:rPr lang="pt-BR" sz="1000" dirty="0">
+                <a:solidFill>
+                  <a:srgbClr val="4B4B4B"/>
+                </a:solidFill>
+                <a:latin typeface="AdobeClean-Light"/>
+                <a:cs typeface="AdobeClean-Light"/>
+              </a:rPr>
+              <a:t>no Suporte Enterprise.</a:t>
+            </a:r>
           </a:p>
         </p:txBody>
       </p:sp>
@@ -8187,7 +7173,7 @@
         <p:spPr>
           <a:xfrm>
             <a:off x="5333365" y="1433668"/>
-            <a:ext cx="2194560" cy="936154"/>
+            <a:ext cx="2413310" cy="936154"/>
           </a:xfrm>
           <a:prstGeom prst="rect">
             <a:avLst/>
@@ -8208,19 +7194,15 @@
               </a:spcBef>
             </a:pPr>
             <a:r>
-              <a:rPr sz="1000">
+              <a:rPr lang="pt-BR" sz="1000" dirty="0">
                 <a:solidFill>
                   <a:srgbClr val="4B4B4B"/>
                 </a:solidFill>
                 <a:latin typeface="AdobeClean-Light"/>
                 <a:cs typeface="AdobeClean-Light"/>
               </a:rPr>
-              <a:t>Regular scheduled review of open  support requests, ensuring customer  alignment on case description, business  impact, status, priority and agreement on  next steps required to ensure an  expedient resolution.</a:t>
-            </a:r>
-            <a:endParaRPr sz="1000">
-              <a:latin typeface="AdobeClean-Light"/>
-              <a:cs typeface="AdobeClean-Light"/>
-            </a:endParaRPr>
+              <a:t>Revisão regular das solicitações de suporte abertas, garantindo o alinhamento do cliente considerando a descrição do caso, o impacto nos negócios, o status, a prioridade e o acordo sobre as próximas etapas necessárias para garantir uma resolução adequada.</a:t>
+            </a:r>
           </a:p>
         </p:txBody>
       </p:sp>
@@ -8256,8 +7238,8 @@
         </p:nvSpPr>
         <p:spPr>
           <a:xfrm>
-            <a:off x="324341" y="1433668"/>
-            <a:ext cx="2194560" cy="782265"/>
+            <a:off x="324340" y="1433668"/>
+            <a:ext cx="2413309" cy="782265"/>
           </a:xfrm>
           <a:prstGeom prst="rect">
             <a:avLst/>
@@ -8278,24 +7260,14 @@
               </a:spcBef>
             </a:pPr>
             <a:r>
-              <a:rPr sz="1000">
+              <a:rPr lang="pt-BR" sz="1000" dirty="0">
                 <a:solidFill>
                   <a:srgbClr val="020302"/>
                 </a:solidFill>
                 <a:latin typeface="AdobeClean-Light"/>
                 <a:cs typeface="AdobeClean-Light"/>
               </a:rPr>
-              <a:t>A designated Technical Account Manager to  oversee your Elite experience, coordinate  the support and field services  engagements, and provide proactive services  to maximize your business valu</a:t>
-            </a:r>
-            <a:r>
-              <a:rPr lang="en-US" sz="1000">
-                <a:solidFill>
-                  <a:srgbClr val="020302"/>
-                </a:solidFill>
-                <a:latin typeface="AdobeClean-Light"/>
-                <a:cs typeface="AdobeClean-Light"/>
-              </a:rPr>
-              <a:t>e.</a:t>
+              <a:t>Um Gerente técnico de conta designado para supervisionar sua experiência com o Elite, coordenar o suporte e os contratos de serviços de campo e fornecer serviços proativos para maximizar o seu valor comercial.</a:t>
             </a:r>
           </a:p>
         </p:txBody>
@@ -8330,19 +7302,15 @@
               </a:spcBef>
             </a:pPr>
             <a:r>
-              <a:rPr sz="1100" b="1">
+              <a:rPr lang="pt-BR" sz="1100" b="1">
                 <a:solidFill>
                   <a:srgbClr val="020302"/>
                 </a:solidFill>
                 <a:latin typeface="Adobe Clean" panose="020B0503020404020204" pitchFamily="34" charset="0"/>
                 <a:cs typeface="Arial"/>
               </a:rPr>
-              <a:t>Technical Account Manager</a:t>
-            </a:r>
-            <a:endParaRPr sz="1100">
-              <a:latin typeface="Adobe Clean" panose="020B0503020404020204" pitchFamily="34" charset="0"/>
-              <a:cs typeface="Arial"/>
-            </a:endParaRPr>
+              <a:t>Gerente técnico de conta</a:t>
+            </a:r>
           </a:p>
         </p:txBody>
       </p:sp>
@@ -8402,8 +7370,8 @@
         </p:nvSpPr>
         <p:spPr>
           <a:xfrm>
-            <a:off x="2791726" y="5243920"/>
-            <a:ext cx="2194560" cy="499111"/>
+            <a:off x="2791725" y="5243920"/>
+            <a:ext cx="2393319" cy="499111"/>
           </a:xfrm>
           <a:prstGeom prst="rect">
             <a:avLst/>
@@ -8424,49 +7392,15 @@
               </a:spcBef>
             </a:pPr>
             <a:r>
-              <a:rPr sz="1000">
+              <a:rPr lang="pt-BR" sz="1000" dirty="0">
                 <a:solidFill>
                   <a:srgbClr val="020302"/>
                 </a:solidFill>
                 <a:latin typeface="AdobeClean-Light"/>
                 <a:cs typeface="AdobeClean-Light"/>
               </a:rPr>
-              <a:t>Ongoing knowledge transfer from Adobe  </a:t>
-            </a:r>
-            <a:r>
-              <a:rPr lang="en-US" sz="1000">
-                <a:solidFill>
-                  <a:srgbClr val="020302"/>
-                </a:solidFill>
-                <a:latin typeface="AdobeClean-Light"/>
-                <a:cs typeface="AdobeClean-Light"/>
-              </a:rPr>
-              <a:t>Support team</a:t>
-            </a:r>
-            <a:r>
-              <a:rPr sz="1000">
-                <a:solidFill>
-                  <a:srgbClr val="020302"/>
-                </a:solidFill>
-                <a:latin typeface="AdobeClean-Light"/>
-                <a:cs typeface="AdobeClean-Light"/>
-              </a:rPr>
-              <a:t> to provide </a:t>
-            </a:r>
-            <a:r>
-              <a:rPr lang="en-US" sz="1000">
-                <a:solidFill>
-                  <a:srgbClr val="020302"/>
-                </a:solidFill>
-                <a:latin typeface="AdobeClean-Light"/>
-                <a:cs typeface="AdobeClean-Light"/>
-              </a:rPr>
-              <a:t>best practices around solution usage.</a:t>
-            </a:r>
-            <a:endParaRPr sz="1000">
-              <a:latin typeface="AdobeClean-Light"/>
-              <a:cs typeface="AdobeClean-Light"/>
-            </a:endParaRPr>
+              <a:t>Transferência contínua de conhecimento da equipe de suporte da Adobe para fornecer práticas recomendadas sobre o uso da solução.</a:t>
+            </a:r>
           </a:p>
         </p:txBody>
       </p:sp>
@@ -8500,19 +7434,15 @@
               </a:spcBef>
             </a:pPr>
             <a:r>
-              <a:rPr sz="1000">
+              <a:rPr lang="pt-BR" sz="1000">
                 <a:solidFill>
                   <a:srgbClr val="020302"/>
                 </a:solidFill>
                 <a:latin typeface="AdobeClean-Light"/>
                 <a:cs typeface="AdobeClean-Light"/>
               </a:rPr>
-              <a:t>Manage key events to ensure you have the  right level of support, coverage, and  mitigation plan in place during those key  business and project milestones.</a:t>
-            </a:r>
-            <a:endParaRPr sz="1000">
-              <a:latin typeface="AdobeClean-Light"/>
-              <a:cs typeface="AdobeClean-Light"/>
-            </a:endParaRPr>
+              <a:t>Gerencie eventos importantes para garantir o nível certo de suporte, cobertura e plano de mitigação durante marcos importantes de negócios e projetos.</a:t>
+            </a:r>
           </a:p>
         </p:txBody>
       </p:sp>
@@ -8524,8 +7454,8 @@
         </p:nvSpPr>
         <p:spPr>
           <a:xfrm>
-            <a:off x="324341" y="5262204"/>
-            <a:ext cx="2194560" cy="698781"/>
+            <a:off x="324340" y="5228045"/>
+            <a:ext cx="2374093" cy="791755"/>
           </a:xfrm>
           <a:prstGeom prst="rect">
             <a:avLst/>
@@ -8546,19 +7476,34 @@
               </a:spcBef>
             </a:pPr>
             <a:r>
-              <a:rPr sz="1000">
+              <a:rPr lang="pt-BR" sz="900" dirty="0">
                 <a:solidFill>
                   <a:srgbClr val="020302"/>
                 </a:solidFill>
                 <a:latin typeface="AdobeClean-Light"/>
                 <a:cs typeface="AdobeClean-Light"/>
               </a:rPr>
-              <a:t>Receive personalized guidance on new  product features to take advantage of  latest innovations, and have Adobe  experts review release and upgrade plan.</a:t>
-            </a:r>
-            <a:endParaRPr sz="1000">
-              <a:latin typeface="AdobeClean-Light"/>
-              <a:cs typeface="AdobeClean-Light"/>
-            </a:endParaRPr>
+              <a:t>Receba orientação personalizada sobre novos recursos do produto para aproveitar as vantagens das inovações mais recentes e solicite aos especialistas da Adobe que revisem os planos </a:t>
+            </a:r>
+            <a:br>
+              <a:rPr lang="sk-SK" sz="900" dirty="0">
+                <a:solidFill>
+                  <a:srgbClr val="020302"/>
+                </a:solidFill>
+                <a:latin typeface="AdobeClean-Light"/>
+                <a:cs typeface="AdobeClean-Light"/>
+              </a:rPr>
+            </a:br>
+            <a:r>
+              <a:rPr lang="pt-BR" sz="900" dirty="0">
+                <a:solidFill>
+                  <a:srgbClr val="020302"/>
+                </a:solidFill>
+                <a:latin typeface="AdobeClean-Light"/>
+                <a:cs typeface="AdobeClean-Light"/>
+              </a:rPr>
+              <a:t>de versão e atualização.</a:t>
+            </a:r>
           </a:p>
         </p:txBody>
       </p:sp>
@@ -8570,8 +7515,8 @@
         </p:nvSpPr>
         <p:spPr>
           <a:xfrm>
-            <a:off x="97787" y="9888626"/>
-            <a:ext cx="2202180" cy="149860"/>
+            <a:off x="97786" y="9888625"/>
+            <a:ext cx="2912693" cy="133370"/>
           </a:xfrm>
           <a:prstGeom prst="rect">
             <a:avLst/>
@@ -8592,99 +7537,15 @@
               </a:spcBef>
             </a:pPr>
             <a:r>
-              <a:rPr sz="800" spc="-15">
+              <a:rPr lang="pt-BR" sz="800" dirty="0">
                 <a:solidFill>
                   <a:srgbClr val="6D6D6D"/>
                 </a:solidFill>
                 <a:latin typeface="Adobe Clean"/>
                 <a:cs typeface="Adobe Clean"/>
               </a:rPr>
-              <a:t>©2021 </a:t>
-            </a:r>
-            <a:r>
-              <a:rPr sz="800" spc="-5">
-                <a:solidFill>
-                  <a:srgbClr val="6D6D6D"/>
-                </a:solidFill>
-                <a:latin typeface="Adobe Clean"/>
-                <a:cs typeface="Adobe Clean"/>
-              </a:rPr>
-              <a:t>Adobe. All</a:t>
-            </a:r>
-            <a:r>
-              <a:rPr sz="800" spc="-15">
-                <a:solidFill>
-                  <a:srgbClr val="6D6D6D"/>
-                </a:solidFill>
-                <a:latin typeface="Adobe Clean"/>
-                <a:cs typeface="Adobe Clean"/>
-              </a:rPr>
-              <a:t> Rights</a:t>
-            </a:r>
-            <a:r>
-              <a:rPr sz="800" spc="-5">
-                <a:solidFill>
-                  <a:srgbClr val="6D6D6D"/>
-                </a:solidFill>
-                <a:latin typeface="Adobe Clean"/>
-                <a:cs typeface="Adobe Clean"/>
-              </a:rPr>
-              <a:t> </a:t>
-            </a:r>
-            <a:r>
-              <a:rPr sz="800" spc="-15">
-                <a:solidFill>
-                  <a:srgbClr val="6D6D6D"/>
-                </a:solidFill>
-                <a:latin typeface="Adobe Clean"/>
-                <a:cs typeface="Adobe Clean"/>
-              </a:rPr>
-              <a:t>Reserved.</a:t>
-            </a:r>
-            <a:r>
-              <a:rPr sz="800" spc="-10">
-                <a:solidFill>
-                  <a:srgbClr val="6D6D6D"/>
-                </a:solidFill>
-                <a:latin typeface="Adobe Clean"/>
-                <a:cs typeface="Adobe Clean"/>
-              </a:rPr>
-              <a:t> </a:t>
-            </a:r>
-            <a:r>
-              <a:rPr sz="800" spc="-5">
-                <a:solidFill>
-                  <a:srgbClr val="6D6D6D"/>
-                </a:solidFill>
-                <a:latin typeface="Adobe Clean"/>
-                <a:cs typeface="Adobe Clean"/>
-              </a:rPr>
-              <a:t>Adobe</a:t>
-            </a:r>
-            <a:r>
-              <a:rPr sz="800" spc="65">
-                <a:solidFill>
-                  <a:srgbClr val="6D6D6D"/>
-                </a:solidFill>
-                <a:latin typeface="Adobe Clean"/>
-                <a:cs typeface="Adobe Clean"/>
-              </a:rPr>
-              <a:t> </a:t>
-            </a:r>
-            <a:r>
-              <a:rPr sz="800" spc="-15">
-                <a:solidFill>
-                  <a:srgbClr val="6D6D6D"/>
-                </a:solidFill>
-                <a:latin typeface="Adobe Clean"/>
-                <a:cs typeface="Adobe Clean"/>
-              </a:rPr>
-              <a:t>Confidential.</a:t>
-            </a:r>
-            <a:endParaRPr sz="800">
-              <a:latin typeface="Adobe Clean"/>
-              <a:cs typeface="Adobe Clean"/>
-            </a:endParaRPr>
+              <a:t>©2021 Adobe. All Rights Reserved. Adobe Confidential.</a:t>
+            </a:r>
           </a:p>
         </p:txBody>
       </p:sp>
@@ -8742,7 +7603,7 @@
         <p:spPr>
           <a:xfrm>
             <a:off x="2791726" y="9060487"/>
-            <a:ext cx="2194560" cy="487313"/>
+            <a:ext cx="2194560" cy="641201"/>
           </a:xfrm>
           <a:prstGeom prst="rect">
             <a:avLst/>
@@ -8766,154 +7627,14 @@
               </a:tabLst>
             </a:pPr>
             <a:r>
-              <a:rPr sz="1000" spc="-20">
+              <a:rPr lang="pt-BR" sz="1000" dirty="0">
                 <a:solidFill>
                   <a:srgbClr val="020302"/>
                 </a:solidFill>
                 <a:latin typeface="AdobeClean-Light"/>
                 <a:cs typeface="AdobeClean-Light"/>
               </a:rPr>
-              <a:t>Start </a:t>
-            </a:r>
-            <a:r>
-              <a:rPr sz="1000">
-                <a:solidFill>
-                  <a:srgbClr val="020302"/>
-                </a:solidFill>
-                <a:latin typeface="AdobeClean-Light"/>
-                <a:cs typeface="AdobeClean-Light"/>
-              </a:rPr>
-              <a:t>a </a:t>
-            </a:r>
-            <a:r>
-              <a:rPr sz="1000" spc="-15">
-                <a:solidFill>
-                  <a:srgbClr val="020302"/>
-                </a:solidFill>
-                <a:latin typeface="AdobeClean-Light"/>
-                <a:cs typeface="AdobeClean-Light"/>
-              </a:rPr>
-              <a:t>chat </a:t>
-            </a:r>
-            <a:r>
-              <a:rPr sz="1000" spc="-10">
-                <a:solidFill>
-                  <a:srgbClr val="020302"/>
-                </a:solidFill>
-                <a:latin typeface="AdobeClean-Light"/>
-                <a:cs typeface="AdobeClean-Light"/>
-              </a:rPr>
-              <a:t>session </a:t>
-            </a:r>
-            <a:r>
-              <a:rPr sz="1000" spc="-5">
-                <a:solidFill>
-                  <a:srgbClr val="020302"/>
-                </a:solidFill>
-                <a:latin typeface="AdobeClean-Light"/>
-                <a:cs typeface="AdobeClean-Light"/>
-              </a:rPr>
-              <a:t>to </a:t>
-            </a:r>
-            <a:r>
-              <a:rPr sz="1000" spc="-10">
-                <a:solidFill>
-                  <a:srgbClr val="020302"/>
-                </a:solidFill>
-                <a:latin typeface="AdobeClean-Light"/>
-                <a:cs typeface="AdobeClean-Light"/>
-              </a:rPr>
-              <a:t>get </a:t>
-            </a:r>
-            <a:r>
-              <a:rPr sz="1000" spc="-20">
-                <a:solidFill>
-                  <a:srgbClr val="020302"/>
-                </a:solidFill>
-                <a:latin typeface="AdobeClean-Light"/>
-                <a:cs typeface="AdobeClean-Light"/>
-              </a:rPr>
-              <a:t>answers</a:t>
-            </a:r>
-            <a:r>
-              <a:rPr lang="en-US" sz="1000" spc="-45">
-                <a:solidFill>
-                  <a:srgbClr val="020302"/>
-                </a:solidFill>
-                <a:latin typeface="AdobeClean-Light"/>
-                <a:cs typeface="AdobeClean-Light"/>
-              </a:rPr>
-              <a:t> </a:t>
-            </a:r>
-            <a:r>
-              <a:rPr lang="en-US" sz="1000">
-                <a:solidFill>
-                  <a:srgbClr val="020302"/>
-                </a:solidFill>
-                <a:latin typeface="AdobeClean-Light"/>
-                <a:cs typeface="AdobeClean-Light"/>
-              </a:rPr>
-              <a:t>&amp; </a:t>
-            </a:r>
-            <a:r>
-              <a:rPr sz="1000" spc="-15">
-                <a:solidFill>
-                  <a:srgbClr val="020302"/>
-                </a:solidFill>
-                <a:latin typeface="AdobeClean-Light"/>
-                <a:cs typeface="AdobeClean-Light"/>
-              </a:rPr>
-              <a:t>help </a:t>
-            </a:r>
-            <a:r>
-              <a:rPr sz="1000" spc="-10">
-                <a:solidFill>
-                  <a:srgbClr val="020302"/>
-                </a:solidFill>
-                <a:latin typeface="AdobeClean-Light"/>
-                <a:cs typeface="AdobeClean-Light"/>
-              </a:rPr>
-              <a:t>with</a:t>
-            </a:r>
-            <a:r>
-              <a:rPr sz="1000" spc="85">
-                <a:solidFill>
-                  <a:srgbClr val="020302"/>
-                </a:solidFill>
-                <a:latin typeface="AdobeClean-Light"/>
-                <a:cs typeface="AdobeClean-Light"/>
-              </a:rPr>
-              <a:t> </a:t>
-            </a:r>
-            <a:r>
-              <a:rPr sz="1000" spc="-10">
-                <a:solidFill>
-                  <a:srgbClr val="020302"/>
-                </a:solidFill>
-                <a:latin typeface="AdobeClean-Light"/>
-                <a:cs typeface="AdobeClean-Light"/>
-              </a:rPr>
-              <a:t>case </a:t>
-            </a:r>
-            <a:r>
-              <a:rPr sz="1000" spc="-20">
-                <a:solidFill>
-                  <a:srgbClr val="020302"/>
-                </a:solidFill>
-                <a:latin typeface="AdobeClean-Light"/>
-                <a:cs typeface="AdobeClean-Light"/>
-              </a:rPr>
-              <a:t>submission</a:t>
-            </a:r>
-            <a:r>
-              <a:rPr lang="en-US" sz="1000" spc="-20">
-                <a:solidFill>
-                  <a:srgbClr val="020302"/>
-                </a:solidFill>
-                <a:latin typeface="AdobeClean-Light"/>
-                <a:cs typeface="AdobeClean-Light"/>
-              </a:rPr>
-              <a:t>.</a:t>
+              <a:t>Inicie uma sessão de chat para obter respostas e ajuda com o envio de caso</a:t>
             </a:r>
           </a:p>
           <a:p>
@@ -8929,39 +7650,44 @@
               </a:tabLst>
             </a:pPr>
             <a:r>
-              <a:rPr sz="1000" i="1" spc="-10">
+              <a:rPr lang="pt-BR" sz="1000" i="1" dirty="0">
                 <a:solidFill>
                   <a:srgbClr val="7A7A7A"/>
                 </a:solidFill>
                 <a:latin typeface="AdobeClean-LightIt"/>
                 <a:cs typeface="AdobeClean-LightIt"/>
               </a:rPr>
-              <a:t>*Not all </a:t>
-            </a:r>
-            <a:r>
-              <a:rPr sz="1000" i="1" spc="-20">
+              <a:t>*Nem todos os produtos têm suporte </a:t>
+            </a:r>
+            <a:br>
+              <a:rPr lang="sk-SK" sz="1000" i="1" dirty="0">
                 <a:solidFill>
                   <a:srgbClr val="7A7A7A"/>
                 </a:solidFill>
                 <a:latin typeface="AdobeClean-LightIt"/>
                 <a:cs typeface="AdobeClean-LightIt"/>
               </a:rPr>
-              <a:t>products have live chat support</a:t>
-            </a:r>
-            <a:r>
-              <a:rPr sz="900" i="1" spc="-20">
+            </a:br>
+            <a:r>
+              <a:rPr lang="pt-BR" sz="1000" i="1" dirty="0">
                 <a:solidFill>
                   <a:srgbClr val="7A7A7A"/>
                 </a:solidFill>
                 <a:latin typeface="AdobeClean-LightIt"/>
                 <a:cs typeface="AdobeClean-LightIt"/>
               </a:rPr>
+              <a:t>de chat ao vivo</a:t>
+            </a:r>
+            <a:r>
+              <a:rPr lang="pt-BR" sz="900" i="1" dirty="0">
+                <a:solidFill>
+                  <a:srgbClr val="7A7A7A"/>
+                </a:solidFill>
+                <a:latin typeface="AdobeClean-LightIt"/>
+                <a:cs typeface="AdobeClean-LightIt"/>
+              </a:rPr>
               <a:t>.  </a:t>
             </a:r>
-            <a:endParaRPr sz="900">
-              <a:latin typeface="AdobeClean-Light"/>
-              <a:cs typeface="AdobeClean-Light"/>
-            </a:endParaRPr>
           </a:p>
         </p:txBody>
       </p:sp>
@@ -9008,12 +7734,12 @@
               <a:defRPr/>
             </a:pPr>
             <a:r>
-              <a:rPr lang="en-US" sz="1200">
+              <a:rPr lang="pt-BR" sz="1200">
                 <a:solidFill>
                   <a:srgbClr val="000000"/>
                 </a:solidFill>
               </a:rPr>
-              <a:t>Community Forums</a:t>
+              <a:t>Fóruns da comunidade</a:t>
             </a:r>
           </a:p>
         </p:txBody>
@@ -9056,12 +7782,12 @@
               </a:spcAft>
             </a:pPr>
             <a:r>
-              <a:rPr lang="en-US" sz="1200" b="1">
+              <a:rPr lang="pt-BR" sz="1200" b="1">
                 <a:latin typeface="+mj-lt"/>
                 <a:ea typeface="Open Sans" pitchFamily="34" charset="0"/>
                 <a:cs typeface="Open Sans" pitchFamily="34" charset="0"/>
               </a:rPr>
-              <a:t>Online Forums</a:t>
+              <a:t>Fóruns online</a:t>
             </a:r>
           </a:p>
         </p:txBody>
@@ -9094,13 +7820,13 @@
           <a:lstStyle/>
           <a:p>
             <a:r>
-              <a:rPr lang="en-US" sz="1000">
+              <a:rPr lang="pt-BR" sz="1000">
                 <a:solidFill>
                   <a:srgbClr val="4B4B4B"/>
                 </a:solidFill>
                 <a:latin typeface="Adobe Clean Light" panose="020B0303020404020204" pitchFamily="34" charset="0"/>
               </a:rPr>
-              <a:t>Continuous online access to a growing database of technical solutions, product documentation, FAQs and more. Connect with practitioners and other customers on Adobe Community to share best practices and lessons learned.</a:t>
+              <a:t>Acesso online contínuo a um banco de dados cada vez maior de soluções técnicas, documentação do produto, perguntas frequentes e muito mais. Conecte-se com profissionais e outros clientes na Comunidade da Adobe para compartilhar práticas recomendadas e lições aprendidas</a:t>
             </a:r>
           </a:p>
         </p:txBody>
@@ -9148,7 +7874,7 @@
               <a:defRPr/>
             </a:pPr>
             <a:r>
-              <a:rPr lang="en-US" sz="1200">
+              <a:rPr lang="pt-BR" sz="1200">
                 <a:solidFill>
                   <a:srgbClr val="000000"/>
                 </a:solidFill>
@@ -9196,12 +7922,12 @@
               </a:spcAft>
             </a:pPr>
             <a:r>
-              <a:rPr lang="en-US" sz="1200" b="1">
+              <a:rPr lang="pt-BR" sz="1200" b="1">
                 <a:latin typeface="+mj-lt"/>
                 <a:ea typeface="Open Sans" pitchFamily="34" charset="0"/>
                 <a:cs typeface="Open Sans" pitchFamily="34" charset="0"/>
               </a:rPr>
-              <a:t>Self-guided Journeys</a:t>
+              <a:t>Jornadas autoguiadas</a:t>
             </a:r>
           </a:p>
         </p:txBody>
@@ -9234,13 +7960,98 @@
           <a:lstStyle/>
           <a:p>
             <a:r>
-              <a:rPr lang="en-US" sz="1000">
+              <a:rPr lang="pt-BR" sz="1000" dirty="0">
                 <a:solidFill>
                   <a:srgbClr val="4B4B4B"/>
                 </a:solidFill>
                 <a:latin typeface="Adobe Clean Light" panose="020B0303020404020204" pitchFamily="34" charset="0"/>
               </a:rPr>
-              <a:t>Experience Makers are made with Experience League. Customers can kickstart their Customer Experience Management abilities with personalized learning to develop skills, engage with a global community of peers, and earn career advancing recognition.</a:t>
+              <a:t>A Experience League gera criadores </a:t>
+            </a:r>
+            <a:br>
+              <a:rPr lang="sk-SK" sz="1000" dirty="0">
+                <a:solidFill>
+                  <a:srgbClr val="4B4B4B"/>
+                </a:solidFill>
+                <a:latin typeface="Adobe Clean Light" panose="020B0303020404020204" pitchFamily="34" charset="0"/>
+              </a:rPr>
+            </a:br>
+            <a:r>
+              <a:rPr lang="pt-BR" sz="1000" dirty="0">
+                <a:solidFill>
+                  <a:srgbClr val="4B4B4B"/>
+                </a:solidFill>
+                <a:latin typeface="Adobe Clean Light" panose="020B0303020404020204" pitchFamily="34" charset="0"/>
+              </a:rPr>
+              <a:t>de experiências. Os clientes podem </a:t>
+            </a:r>
+            <a:br>
+              <a:rPr lang="sk-SK" sz="1000" dirty="0">
+                <a:solidFill>
+                  <a:srgbClr val="4B4B4B"/>
+                </a:solidFill>
+                <a:latin typeface="Adobe Clean Light" panose="020B0303020404020204" pitchFamily="34" charset="0"/>
+              </a:rPr>
+            </a:br>
+            <a:r>
+              <a:rPr lang="pt-BR" sz="1000" dirty="0">
+                <a:solidFill>
+                  <a:srgbClr val="4B4B4B"/>
+                </a:solidFill>
+                <a:latin typeface="Adobe Clean Light" panose="020B0303020404020204" pitchFamily="34" charset="0"/>
+              </a:rPr>
+              <a:t>adquirir habilidades de gerenciamento </a:t>
+            </a:r>
+            <a:br>
+              <a:rPr lang="sk-SK" sz="1000" dirty="0">
+                <a:solidFill>
+                  <a:srgbClr val="4B4B4B"/>
+                </a:solidFill>
+                <a:latin typeface="Adobe Clean Light" panose="020B0303020404020204" pitchFamily="34" charset="0"/>
+              </a:rPr>
+            </a:br>
+            <a:r>
+              <a:rPr lang="pt-BR" sz="1000" dirty="0">
+                <a:solidFill>
+                  <a:srgbClr val="4B4B4B"/>
+                </a:solidFill>
+                <a:latin typeface="Adobe Clean Light" panose="020B0303020404020204" pitchFamily="34" charset="0"/>
+              </a:rPr>
+              <a:t>de experiência do cliente com aprendizagem personalizada, participar </a:t>
+            </a:r>
+            <a:br>
+              <a:rPr lang="sk-SK" sz="1000" dirty="0">
+                <a:solidFill>
+                  <a:srgbClr val="4B4B4B"/>
+                </a:solidFill>
+                <a:latin typeface="Adobe Clean Light" panose="020B0303020404020204" pitchFamily="34" charset="0"/>
+              </a:rPr>
+            </a:br>
+            <a:r>
+              <a:rPr lang="pt-BR" sz="1000" dirty="0">
+                <a:solidFill>
+                  <a:srgbClr val="4B4B4B"/>
+                </a:solidFill>
+                <a:latin typeface="Adobe Clean Light" panose="020B0303020404020204" pitchFamily="34" charset="0"/>
+              </a:rPr>
+              <a:t>de uma comunidade de pares global </a:t>
+            </a:r>
+            <a:br>
+              <a:rPr lang="sk-SK" sz="1000" dirty="0">
+                <a:solidFill>
+                  <a:srgbClr val="4B4B4B"/>
+                </a:solidFill>
+                <a:latin typeface="Adobe Clean Light" panose="020B0303020404020204" pitchFamily="34" charset="0"/>
+              </a:rPr>
+            </a:br>
+            <a:r>
+              <a:rPr lang="pt-BR" sz="1000" dirty="0">
+                <a:solidFill>
+                  <a:srgbClr val="4B4B4B"/>
+                </a:solidFill>
+                <a:latin typeface="Adobe Clean Light" panose="020B0303020404020204" pitchFamily="34" charset="0"/>
+              </a:rPr>
+              <a:t>e conseguir reconhecimento de carreira</a:t>
             </a:r>
           </a:p>
         </p:txBody>
@@ -9288,12 +8099,12 @@
               <a:defRPr/>
             </a:pPr>
             <a:r>
-              <a:rPr lang="en-US" sz="1200">
+              <a:rPr lang="pt-BR" sz="1200">
                 <a:solidFill>
                   <a:srgbClr val="000000"/>
                 </a:solidFill>
               </a:rPr>
-              <a:t>Live Chat  Support*</a:t>
+              <a:t>Suporte por chat ao vivo*</a:t>
             </a:r>
           </a:p>
         </p:txBody>
@@ -9336,12 +8147,12 @@
               </a:spcAft>
             </a:pPr>
             <a:r>
-              <a:rPr lang="en-US" sz="1200" b="1">
+              <a:rPr lang="pt-BR" sz="1200" b="1">
                 <a:latin typeface="+mj-lt"/>
                 <a:ea typeface="Open Sans" pitchFamily="34" charset="0"/>
                 <a:cs typeface="Open Sans" pitchFamily="34" charset="0"/>
               </a:rPr>
-              <a:t>Chat Support</a:t>
+              <a:t>Suporte por chat</a:t>
             </a:r>
           </a:p>
         </p:txBody>
@@ -9389,12 +8200,12 @@
               <a:defRPr/>
             </a:pPr>
             <a:r>
-              <a:rPr lang="en-US" sz="1200">
+              <a:rPr lang="pt-BR" sz="1200">
                 <a:solidFill>
                   <a:srgbClr val="000000"/>
                 </a:solidFill>
               </a:rPr>
-              <a:t>24X7 P1 </a:t>
+              <a:t>24X7 prioridades P1 </a:t>
             </a:r>
           </a:p>
         </p:txBody>
@@ -9437,12 +8248,12 @@
               </a:spcAft>
             </a:pPr>
             <a:r>
-              <a:rPr lang="en-US" sz="1200" b="1">
+              <a:rPr lang="pt-BR" sz="1200" b="1">
                 <a:latin typeface="+mj-lt"/>
                 <a:ea typeface="Open Sans" pitchFamily="34" charset="0"/>
                 <a:cs typeface="Open Sans" pitchFamily="34" charset="0"/>
               </a:rPr>
-              <a:t>Phone  Support</a:t>
+              <a:t>Suporte telefônico</a:t>
             </a:r>
           </a:p>
         </p:txBody>
@@ -9462,7 +8273,7 @@
         <p:spPr>
           <a:xfrm>
             <a:off x="2791726" y="7152361"/>
-            <a:ext cx="2194560" cy="805349"/>
+            <a:ext cx="2194560" cy="959237"/>
           </a:xfrm>
           <a:prstGeom prst="rect">
             <a:avLst/>
@@ -9475,35 +8286,40 @@
           <a:lstStyle/>
           <a:p>
             <a:r>
-              <a:rPr lang="en-US" sz="1000">
+              <a:rPr lang="pt-BR" sz="1000" dirty="0">
                 <a:solidFill>
                   <a:srgbClr val="020302"/>
                 </a:solidFill>
                 <a:latin typeface="AdobeClean-Light"/>
               </a:rPr>
-              <a:t>Authorized users or </a:t>
-            </a:r>
-            <a:r>
-              <a:rPr lang="en-US" sz="1000" b="1">
+              <a:t>Usuários autorizados ou </a:t>
+            </a:r>
+            <a:r>
+              <a:rPr lang="pt-BR" sz="1000" b="1" dirty="0">
                 <a:solidFill>
                   <a:srgbClr val="020302"/>
                 </a:solidFill>
                 <a:latin typeface="AdobeClean-Light"/>
               </a:rPr>
-              <a:t>Named Support Contacts </a:t>
-            </a:r>
-            <a:r>
-              <a:rPr lang="en-US" sz="1000">
+              <a:t>contatos de suporte nomeados</a:t>
+            </a:r>
+            <a:r>
+              <a:rPr lang="pt-BR" sz="1000" dirty="0">
                 <a:latin typeface="Adobe Clean Light" panose="020B0303020404020204" pitchFamily="34" charset="0"/>
               </a:rPr>
-              <a:t>can submit issues through all available  channels (including phone for P1) and interact with our technical support team on behalf of your company. </a:t>
-            </a:r>
-            <a:endParaRPr lang="en-US" sz="1000">
-              <a:solidFill>
-                <a:srgbClr val="000000"/>
-              </a:solidFill>
-              <a:latin typeface="Adobe Clean Light" panose="020B0303020404020204" pitchFamily="34" charset="0"/>
-            </a:endParaRPr>
+              <a:t> podem enviar problemas por todos os canais disponíveis (incluindo por telefone em prioridades P1) </a:t>
+            </a:r>
+            <a:br>
+              <a:rPr lang="sk-SK" sz="1000" dirty="0">
+                <a:latin typeface="Adobe Clean Light" panose="020B0303020404020204" pitchFamily="34" charset="0"/>
+              </a:rPr>
+            </a:br>
+            <a:r>
+              <a:rPr lang="pt-BR" sz="1000" dirty="0">
+                <a:latin typeface="Adobe Clean Light" panose="020B0303020404020204" pitchFamily="34" charset="0"/>
+              </a:rPr>
+              <a:t>e contatar a equipe de suporte técnico em nome de sua empresa. </a:t>
+            </a:r>
           </a:p>
         </p:txBody>
       </p:sp>
@@ -9521,8 +8337,8 @@
         </p:nvSpPr>
         <p:spPr>
           <a:xfrm>
-            <a:off x="214971" y="6447157"/>
-            <a:ext cx="1848207" cy="45719"/>
+            <a:off x="214971" y="6530426"/>
+            <a:ext cx="2042512" cy="98974"/>
           </a:xfrm>
           <a:custGeom>
             <a:avLst/>
@@ -9598,7 +8414,7 @@
               <a:defRPr/>
             </a:pPr>
             <a:r>
-              <a:rPr lang="en-US" sz="1200">
+              <a:rPr lang="pt-BR" sz="1200">
                 <a:solidFill>
                   <a:srgbClr val="000000"/>
                 </a:solidFill>
@@ -9646,12 +8462,12 @@
               </a:spcAft>
             </a:pPr>
             <a:r>
-              <a:rPr lang="en-US" sz="1200" b="1">
+              <a:rPr lang="pt-BR" sz="1200" b="1">
                 <a:latin typeface="+mj-lt"/>
                 <a:ea typeface="Open Sans" pitchFamily="34" charset="0"/>
                 <a:cs typeface="Open Sans" pitchFamily="34" charset="0"/>
               </a:rPr>
-              <a:t>Webinars</a:t>
+              <a:t>Webinários</a:t>
             </a:r>
           </a:p>
         </p:txBody>
@@ -9671,7 +8487,7 @@
         <p:spPr>
           <a:xfrm>
             <a:off x="355868" y="9026059"/>
-            <a:ext cx="2194560" cy="805349"/>
+            <a:ext cx="2194560" cy="728405"/>
           </a:xfrm>
           <a:prstGeom prst="rect">
             <a:avLst/>
@@ -9684,13 +8500,13 @@
           <a:lstStyle/>
           <a:p>
             <a:r>
-              <a:rPr lang="en-US" sz="1000">
+              <a:rPr lang="pt-BR" sz="900" dirty="0">
                 <a:solidFill>
                   <a:srgbClr val="4B4B4B"/>
                 </a:solidFill>
                 <a:latin typeface="Adobe Clean Light" panose="020B0303020404020204" pitchFamily="34" charset="0"/>
               </a:rPr>
-              <a:t>Office Hours led by the Adobe Customer Support team includes sessions designed to inform as well as help participants troubleshoot problems and provide tips and tricks for success with Adobe solutions. </a:t>
+              <a:t>O Office Hours, apresentado pela equipe de Suporte ao cliente da Adobe, inclui sessões para informar e ajudar os participantes a solucionar problemas e fornecer dicas e truques para aproveitar ao máximo as soluções da Adobe. </a:t>
             </a:r>
           </a:p>
         </p:txBody>
@@ -9738,12 +8554,12 @@
               <a:defRPr/>
             </a:pPr>
             <a:r>
-              <a:rPr lang="en-US" sz="1200">
+              <a:rPr lang="pt-BR" sz="1200">
                 <a:solidFill>
                   <a:srgbClr val="000000"/>
                 </a:solidFill>
               </a:rPr>
-              <a:t>Self-help Portals</a:t>
+              <a:t>Portais de autoatendimento</a:t>
             </a:r>
           </a:p>
         </p:txBody>
@@ -9786,12 +8602,12 @@
               </a:spcAft>
             </a:pPr>
             <a:r>
-              <a:rPr lang="en-US" sz="1200" b="1">
+              <a:rPr lang="pt-BR" sz="1200" b="1">
                 <a:latin typeface="+mj-lt"/>
                 <a:ea typeface="Open Sans" pitchFamily="34" charset="0"/>
                 <a:cs typeface="Open Sans" pitchFamily="34" charset="0"/>
               </a:rPr>
-              <a:t>24/7 Support Portal</a:t>
+              <a:t>Portal de suporte 24/7</a:t>
             </a:r>
           </a:p>
         </p:txBody>
@@ -9811,7 +8627,7 @@
         <p:spPr>
           <a:xfrm>
             <a:off x="5265661" y="8987081"/>
-            <a:ext cx="2194560" cy="805349"/>
+            <a:ext cx="2194560" cy="959237"/>
           </a:xfrm>
           <a:prstGeom prst="rect">
             <a:avLst/>
@@ -9824,16 +8640,16 @@
           <a:lstStyle/>
           <a:p>
             <a:r>
-              <a:rPr lang="en-US" sz="1000">
+              <a:rPr lang="pt-BR" sz="1000" dirty="0">
                 <a:solidFill>
                   <a:srgbClr val="4B4B4B"/>
                 </a:solidFill>
                 <a:latin typeface="Adobe Clean Light" panose="020B0303020404020204" pitchFamily="34" charset="0"/>
               </a:rPr>
-              <a:t>On-demand access to the online </a:t>
+              <a:t>Acesso sob demanda ao Portal de autoatendimento online para enviar solicitações de suporte, revisar o status </a:t>
             </a:r>
             <a:br>
-              <a:rPr lang="en-US" sz="1000">
+              <a:rPr lang="sk-SK" sz="1000" dirty="0">
                 <a:solidFill>
                   <a:srgbClr val="4B4B4B"/>
                 </a:solidFill>
@@ -9841,13 +8657,13 @@
               </a:rPr>
             </a:br>
             <a:r>
-              <a:rPr lang="en-US" sz="1000">
+              <a:rPr lang="pt-BR" sz="1000" dirty="0">
                 <a:solidFill>
                   <a:srgbClr val="4B4B4B"/>
                 </a:solidFill>
                 <a:latin typeface="Adobe Clean Light" panose="020B0303020404020204" pitchFamily="34" charset="0"/>
               </a:rPr>
-              <a:t>Self-help Support Portal to submit support requests, review case status, and browse other resources, like our knowledgebase, news and alerts, featured tips, and more.</a:t>
+              <a:t>do caso e procurar outros recursos, como nossa base de conhecimento, notícias e alertas, dicas em destaque e muito mais.</a:t>
             </a:r>
           </a:p>
         </p:txBody>
@@ -10155,7 +8971,7 @@
         </p:nvSpPr>
         <p:spPr>
           <a:xfrm>
-            <a:off x="214971" y="6124178"/>
+            <a:off x="214971" y="6207447"/>
             <a:ext cx="1930978" cy="307777"/>
           </a:xfrm>
           <a:prstGeom prst="rect">
@@ -10177,19 +8993,15 @@
               </a:spcBef>
             </a:pPr>
             <a:r>
-              <a:rPr lang="en-US" sz="1400" b="1">
+              <a:rPr lang="pt-BR" sz="1400" b="1" dirty="0">
                 <a:solidFill>
                   <a:srgbClr val="020302"/>
                 </a:solidFill>
                 <a:latin typeface="Adobe Clean"/>
                 <a:cs typeface="Adobe Clean"/>
               </a:rPr>
-              <a:t>Online Support Features</a:t>
-            </a:r>
-            <a:endParaRPr lang="en-US" sz="1400">
-              <a:latin typeface="Adobe Clean"/>
-              <a:cs typeface="Adobe Clean"/>
-            </a:endParaRPr>
+              <a:t>Recursos de suporte online</a:t>
+            </a:r>
           </a:p>
         </p:txBody>
       </p:sp>
@@ -10411,22 +9223,34 @@
               </a:spcBef>
             </a:pPr>
             <a:r>
-              <a:rPr lang="en-US" sz="1000">
+              <a:rPr lang="pt-BR" sz="1000" dirty="0">
                 <a:solidFill>
                   <a:srgbClr val="020302"/>
                 </a:solidFill>
                 <a:latin typeface="AdobeClean-Light"/>
                 <a:cs typeface="AdobeClean-Light"/>
               </a:rPr>
-              <a:t>Proactive review of your solution  deployment, configuration, and overall  architecture, including integrations.</a:t>
-            </a:r>
-            <a:endParaRPr lang="en-US" sz="1000">
-              <a:solidFill>
-                <a:prstClr val="black"/>
-              </a:solidFill>
-              <a:latin typeface="AdobeClean-Light"/>
-              <a:cs typeface="AdobeClean-Light"/>
-            </a:endParaRPr>
+              <a:t>Revisão proativa da implantação, configuração e arquitetura geral </a:t>
+            </a:r>
+            <a:br>
+              <a:rPr lang="sk-SK" sz="1000" dirty="0">
+                <a:solidFill>
+                  <a:srgbClr val="020302"/>
+                </a:solidFill>
+                <a:latin typeface="AdobeClean-Light"/>
+                <a:cs typeface="AdobeClean-Light"/>
+              </a:rPr>
+            </a:br>
+            <a:r>
+              <a:rPr lang="pt-BR" sz="1000" dirty="0">
+                <a:solidFill>
+                  <a:srgbClr val="020302"/>
+                </a:solidFill>
+                <a:latin typeface="AdobeClean-Light"/>
+                <a:cs typeface="AdobeClean-Light"/>
+              </a:rPr>
+              <a:t>da solução, incluindo integrações.</a:t>
+            </a:r>
           </a:p>
         </p:txBody>
       </p:sp>
@@ -10466,22 +9290,15 @@
               </a:spcBef>
             </a:pPr>
             <a:r>
-              <a:rPr lang="en-US" sz="1000">
+              <a:rPr lang="pt-BR" sz="1000" dirty="0">
                 <a:solidFill>
                   <a:srgbClr val="020302"/>
                 </a:solidFill>
                 <a:latin typeface="AdobeClean-Light"/>
                 <a:cs typeface="AdobeClean-Light"/>
               </a:rPr>
-              <a:t>Receive maintenance best practices and latest  fixes (SPs, MR, patches, FPs) to remain up-to-  date on all maintenance checks.</a:t>
-            </a:r>
-            <a:endParaRPr lang="en-US" sz="1000">
-              <a:solidFill>
-                <a:prstClr val="black"/>
-              </a:solidFill>
-              <a:latin typeface="AdobeClean-Light"/>
-              <a:cs typeface="AdobeClean-Light"/>
-            </a:endParaRPr>
+              <a:t>Receba as práticas recomendadas de manutenção e as correções mais recentes (SP, MR, patches, FP) para ficar atualizado em todas as verificações de manutenção</a:t>
+            </a:r>
           </a:p>
         </p:txBody>
       </p:sp>
@@ -10499,15 +9316,15 @@
         </p:nvSpPr>
         <p:spPr>
           <a:xfrm>
-            <a:off x="2852427" y="2847845"/>
-            <a:ext cx="2194560" cy="615553"/>
+            <a:off x="2852426" y="2847845"/>
+            <a:ext cx="2332619" cy="461665"/>
           </a:xfrm>
           <a:prstGeom prst="rect">
             <a:avLst/>
           </a:prstGeom>
         </p:spPr>
         <p:txBody>
-          <a:bodyPr lIns="0" tIns="0" rIns="0" bIns="0">
+          <a:bodyPr wrap="square" lIns="0" tIns="0" rIns="0" bIns="0">
             <a:spAutoFit/>
           </a:bodyPr>
           <a:lstStyle/>
@@ -10518,22 +9335,15 @@
               </a:spcBef>
             </a:pPr>
             <a:r>
-              <a:rPr lang="en-US" sz="1000">
+              <a:rPr lang="pt-BR" sz="1000" dirty="0">
                 <a:solidFill>
                   <a:srgbClr val="4B4B4B"/>
                 </a:solidFill>
                 <a:latin typeface="AdobeClean-Light"/>
                 <a:cs typeface="AdobeClean-Light"/>
               </a:rPr>
-              <a:t>A regular review of Elite program services, support metrics, and deliverables, including a forward-looking plan</a:t>
-            </a:r>
-            <a:endParaRPr lang="en-US" sz="1000">
-              <a:solidFill>
-                <a:prstClr val="black"/>
-              </a:solidFill>
-              <a:latin typeface="AdobeClean-Light"/>
-              <a:cs typeface="AdobeClean-Light"/>
-            </a:endParaRPr>
+              <a:t>Revisão regular dos serviços do programa Elite, métricas de suporte e entregas, incluindo um plano de prospectivo</a:t>
+            </a:r>
           </a:p>
         </p:txBody>
       </p:sp>
@@ -10551,15 +9361,15 @@
         </p:nvSpPr>
         <p:spPr>
           <a:xfrm>
-            <a:off x="5431520" y="2854370"/>
-            <a:ext cx="2194560" cy="615553"/>
+            <a:off x="5431519" y="2971800"/>
+            <a:ext cx="2275101" cy="615553"/>
           </a:xfrm>
           <a:prstGeom prst="rect">
             <a:avLst/>
           </a:prstGeom>
         </p:spPr>
         <p:txBody>
-          <a:bodyPr lIns="0" tIns="0" rIns="0" bIns="0">
+          <a:bodyPr wrap="square" lIns="0" tIns="0" rIns="0" bIns="0">
             <a:spAutoFit/>
           </a:bodyPr>
           <a:lstStyle/>
@@ -10570,22 +9380,15 @@
               </a:spcBef>
             </a:pPr>
             <a:r>
-              <a:rPr lang="en-US" sz="1000">
+              <a:rPr lang="pt-BR" sz="1000" dirty="0">
                 <a:solidFill>
                   <a:srgbClr val="4B4B4B"/>
                 </a:solidFill>
                 <a:latin typeface="AdobeClean-Light"/>
                 <a:cs typeface="AdobeClean-Light"/>
               </a:rPr>
-              <a:t>A 60-minute session focusing on a  specific product feature and how it can  be utilized to solve common business  problems.</a:t>
-            </a:r>
-            <a:endParaRPr lang="en-US" sz="1000">
-              <a:solidFill>
-                <a:prstClr val="black"/>
-              </a:solidFill>
-              <a:latin typeface="AdobeClean-Light"/>
-              <a:cs typeface="AdobeClean-Light"/>
-            </a:endParaRPr>
+              <a:t>Uma sessão de 60 minutos focada em um recurso específico do produto e em como ele pode ser usado para resolver problemas empresariais comuns.</a:t>
+            </a:r>
           </a:p>
         </p:txBody>
       </p:sp>
@@ -10604,14 +9407,14 @@
         <p:spPr>
           <a:xfrm>
             <a:off x="324341" y="2842848"/>
-            <a:ext cx="2194560" cy="615553"/>
+            <a:ext cx="2374092" cy="769441"/>
           </a:xfrm>
           <a:prstGeom prst="rect">
             <a:avLst/>
           </a:prstGeom>
         </p:spPr>
         <p:txBody>
-          <a:bodyPr lIns="0" tIns="0" rIns="0" bIns="0">
+          <a:bodyPr wrap="square" lIns="0" tIns="0" rIns="0" bIns="0">
             <a:spAutoFit/>
           </a:bodyPr>
           <a:lstStyle/>
@@ -10622,16 +9425,15 @@
               </a:spcBef>
             </a:pPr>
             <a:r>
-              <a:rPr lang="en-US" sz="1000">
+              <a:rPr lang="pt-BR" sz="1000" dirty="0">
                 <a:solidFill>
                   <a:srgbClr val="4B4B4B"/>
                 </a:solidFill>
                 <a:latin typeface="AdobeClean-Light"/>
                 <a:cs typeface="AdobeClean-Light"/>
               </a:rPr>
-              <a:t>A designated point of contact within Adobe  who can provide escalation assistance,  regular updates and ensure priority is given  to your most critical open support requests.</a:t>
-            </a:r>
-            <a:endParaRPr lang="en-US"/>
+              <a:t>Um ponto de contato designado na Adobe que pode fornecer assistência de encaminhamento, atualizações regulares e garantir que seja dada prioridade àquelas solicitações de suporte abertas que forem mais críticas.</a:t>
+            </a:r>
           </a:p>
         </p:txBody>
       </p:sp>
@@ -10668,22 +9470,15 @@
               </a:spcBef>
             </a:pPr>
             <a:r>
-              <a:rPr lang="en-US" sz="1100" b="1">
+              <a:rPr lang="pt-BR" sz="1100" b="1">
                 <a:solidFill>
                   <a:srgbClr val="020302"/>
                 </a:solidFill>
                 <a:latin typeface="Adobe Clean" panose="020B0503020404020204" pitchFamily="34" charset="0"/>
                 <a:cs typeface="Arial"/>
               </a:rPr>
-              <a:t>Named Support Engineer</a:t>
-            </a:r>
-            <a:endParaRPr lang="en-US" sz="1100">
-              <a:solidFill>
-                <a:prstClr val="black"/>
-              </a:solidFill>
-              <a:latin typeface="Adobe Clean" panose="020B0503020404020204" pitchFamily="34" charset="0"/>
-              <a:cs typeface="Arial"/>
-            </a:endParaRPr>
+              <a:t>Engenheiro de suporte nomeado</a:t>
+            </a:r>
           </a:p>
         </p:txBody>
       </p:sp>
@@ -10720,22 +9515,15 @@
               </a:spcBef>
             </a:pPr>
             <a:r>
-              <a:rPr lang="en-US" sz="1100" b="1">
+              <a:rPr lang="pt-BR" sz="1100" b="1">
                 <a:solidFill>
                   <a:srgbClr val="020302"/>
                 </a:solidFill>
                 <a:latin typeface="Adobe Clean" panose="020B0503020404020204" pitchFamily="34" charset="0"/>
                 <a:cs typeface="Arial"/>
               </a:rPr>
-              <a:t>Case Reviews</a:t>
-            </a:r>
-            <a:endParaRPr lang="en-US" sz="1100">
-              <a:solidFill>
-                <a:prstClr val="black"/>
-              </a:solidFill>
-              <a:latin typeface="Adobe Clean" panose="020B0503020404020204" pitchFamily="34" charset="0"/>
-              <a:cs typeface="Arial"/>
-            </a:endParaRPr>
+              <a:t>Revisões de caso</a:t>
+            </a:r>
           </a:p>
         </p:txBody>
       </p:sp>
@@ -10772,22 +9560,15 @@
               </a:spcBef>
             </a:pPr>
             <a:r>
-              <a:rPr lang="en-US" sz="1100" b="1">
+              <a:rPr lang="pt-BR" sz="1100" b="1">
                 <a:solidFill>
                   <a:srgbClr val="020302"/>
                 </a:solidFill>
                 <a:latin typeface="Adobe Clean" panose="020B0503020404020204" pitchFamily="34" charset="0"/>
                 <a:cs typeface="Adobe Clean"/>
               </a:rPr>
-              <a:t>Maintenance &amp; Monitoring</a:t>
-            </a:r>
-            <a:endParaRPr lang="en-US" sz="1100">
-              <a:solidFill>
-                <a:prstClr val="black"/>
-              </a:solidFill>
-              <a:latin typeface="Adobe Clean" panose="020B0503020404020204" pitchFamily="34" charset="0"/>
-              <a:cs typeface="Adobe Clean"/>
-            </a:endParaRPr>
+              <a:t>Manutenção e monitoramento</a:t>
+            </a:r>
           </a:p>
         </p:txBody>
       </p:sp>
@@ -10824,22 +9605,15 @@
               </a:spcBef>
             </a:pPr>
             <a:r>
-              <a:rPr lang="en-US" sz="1100" b="1">
+              <a:rPr lang="pt-BR" sz="1100" b="1">
                 <a:solidFill>
                   <a:srgbClr val="020302"/>
                 </a:solidFill>
                 <a:latin typeface="Adobe Clean" panose="020B0503020404020204" pitchFamily="34" charset="0"/>
                 <a:cs typeface="Adobe Clean"/>
               </a:rPr>
-              <a:t>Solution Roadmap Review</a:t>
-            </a:r>
-            <a:endParaRPr lang="en-US" sz="1100">
-              <a:solidFill>
-                <a:prstClr val="black"/>
-              </a:solidFill>
-              <a:latin typeface="Adobe Clean" panose="020B0503020404020204" pitchFamily="34" charset="0"/>
-              <a:cs typeface="Adobe Clean"/>
-            </a:endParaRPr>
+              <a:t>Revisão do roteiro da solução</a:t>
+            </a:r>
           </a:p>
         </p:txBody>
       </p:sp>
@@ -10876,22 +9650,15 @@
               </a:spcBef>
             </a:pPr>
             <a:r>
-              <a:rPr lang="en-US" sz="1100" b="1">
+              <a:rPr lang="pt-BR" sz="1100" b="1">
                 <a:solidFill>
                   <a:srgbClr val="020302"/>
                 </a:solidFill>
                 <a:latin typeface="Adobe Clean" panose="020B0503020404020204" pitchFamily="34" charset="0"/>
                 <a:cs typeface="Adobe Clean"/>
               </a:rPr>
-              <a:t>Environment Review</a:t>
-            </a:r>
-            <a:endParaRPr lang="en-US" sz="1100">
-              <a:solidFill>
-                <a:prstClr val="black"/>
-              </a:solidFill>
-              <a:latin typeface="Adobe Clean" panose="020B0503020404020204" pitchFamily="34" charset="0"/>
-              <a:cs typeface="Adobe Clean"/>
-            </a:endParaRPr>
+              <a:t>Revisão do ambiente</a:t>
+            </a:r>
           </a:p>
         </p:txBody>
       </p:sp>
@@ -10928,22 +9695,15 @@
               </a:spcBef>
             </a:pPr>
             <a:r>
-              <a:rPr lang="en-US" sz="1100" b="1">
+              <a:rPr lang="pt-BR" sz="1100" b="1">
                 <a:solidFill>
                   <a:srgbClr val="020302"/>
                 </a:solidFill>
                 <a:latin typeface="Adobe Clean" panose="020B0503020404020204" pitchFamily="34" charset="0"/>
                 <a:cs typeface="Adobe Clean"/>
               </a:rPr>
-              <a:t>Escalation Management</a:t>
-            </a:r>
-            <a:endParaRPr lang="en-US" sz="1100">
-              <a:solidFill>
-                <a:prstClr val="black"/>
-              </a:solidFill>
-              <a:latin typeface="Adobe Clean" panose="020B0503020404020204" pitchFamily="34" charset="0"/>
-              <a:cs typeface="Adobe Clean"/>
-            </a:endParaRPr>
+              <a:t>Gestão de encaminhamento</a:t>
+            </a:r>
           </a:p>
         </p:txBody>
       </p:sp>
@@ -10980,22 +9740,15 @@
               </a:spcBef>
             </a:pPr>
             <a:r>
-              <a:rPr lang="en-US" sz="1100" b="1">
+              <a:rPr lang="pt-BR" sz="1100" b="1">
                 <a:solidFill>
                   <a:srgbClr val="020302"/>
                 </a:solidFill>
                 <a:latin typeface="Adobe Clean" panose="020B0503020404020204" pitchFamily="34" charset="0"/>
                 <a:cs typeface="Adobe Clean"/>
               </a:rPr>
-              <a:t>Service Reviews</a:t>
-            </a:r>
-            <a:endParaRPr lang="en-US" sz="1100">
-              <a:solidFill>
-                <a:prstClr val="black"/>
-              </a:solidFill>
-              <a:latin typeface="Adobe Clean" panose="020B0503020404020204" pitchFamily="34" charset="0"/>
-              <a:cs typeface="Adobe Clean"/>
-            </a:endParaRPr>
+              <a:t>Revisões de serviço</a:t>
+            </a:r>
           </a:p>
         </p:txBody>
       </p:sp>
@@ -11032,22 +9785,15 @@
               </a:spcBef>
             </a:pPr>
             <a:r>
-              <a:rPr lang="en-US" sz="1100" b="1">
+              <a:rPr lang="pt-BR" sz="1100" b="1">
                 <a:solidFill>
                   <a:srgbClr val="020302"/>
                 </a:solidFill>
                 <a:latin typeface="Adobe Clean" panose="020B0503020404020204" pitchFamily="34" charset="0"/>
                 <a:cs typeface="Adobe Clean"/>
               </a:rPr>
-              <a:t>Expert Sessions</a:t>
-            </a:r>
-            <a:endParaRPr lang="en-US" sz="1100">
-              <a:solidFill>
-                <a:prstClr val="black"/>
-              </a:solidFill>
-              <a:latin typeface="Adobe Clean" panose="020B0503020404020204" pitchFamily="34" charset="0"/>
-              <a:cs typeface="Adobe Clean"/>
-            </a:endParaRPr>
+              <a:t>Sessões com especialistas</a:t>
+            </a:r>
           </a:p>
         </p:txBody>
       </p:sp>
@@ -11065,7 +9811,7 @@
         </p:nvSpPr>
         <p:spPr>
           <a:xfrm>
-            <a:off x="689237" y="4935181"/>
+            <a:off x="689237" y="4901022"/>
             <a:ext cx="2194560" cy="169277"/>
           </a:xfrm>
           <a:prstGeom prst="rect">
@@ -11084,22 +9830,15 @@
               </a:spcBef>
             </a:pPr>
             <a:r>
-              <a:rPr lang="en-US" sz="1100" b="1">
+              <a:rPr lang="pt-BR" sz="1100" b="1">
                 <a:solidFill>
                   <a:srgbClr val="020302"/>
                 </a:solidFill>
                 <a:latin typeface="Adobe Clean" panose="020B0503020404020204" pitchFamily="34" charset="0"/>
                 <a:cs typeface="Adobe Clean"/>
               </a:rPr>
-              <a:t>Release Preparation &amp; Review</a:t>
-            </a:r>
-            <a:endParaRPr lang="en-US" sz="1100">
-              <a:solidFill>
-                <a:prstClr val="black"/>
-              </a:solidFill>
-              <a:latin typeface="Adobe Clean" panose="020B0503020404020204" pitchFamily="34" charset="0"/>
-              <a:cs typeface="Adobe Clean"/>
-            </a:endParaRPr>
+              <a:t>Preparação e revisão da versão</a:t>
+            </a:r>
           </a:p>
         </p:txBody>
       </p:sp>
@@ -11117,7 +9856,7 @@
         </p:nvSpPr>
         <p:spPr>
           <a:xfrm>
-            <a:off x="3113405" y="4935181"/>
+            <a:off x="3114255" y="4914694"/>
             <a:ext cx="2194560" cy="169277"/>
           </a:xfrm>
           <a:prstGeom prst="rect">
@@ -11139,19 +9878,15 @@
               </a:spcBef>
             </a:pPr>
             <a:r>
-              <a:rPr lang="en-US" sz="1100" b="1">
+              <a:rPr lang="pt-BR" sz="1100" b="1" dirty="0">
                 <a:solidFill>
                   <a:srgbClr val="020302"/>
                 </a:solidFill>
                 <a:latin typeface="Adobe Clean" panose="020B0503020404020204" pitchFamily="34" charset="0"/>
                 <a:cs typeface="Adobe Clean"/>
               </a:rPr>
-              <a:t>Knowledge Transfer</a:t>
-            </a:r>
-            <a:endParaRPr lang="en-US" sz="1100">
-              <a:latin typeface="Adobe Clean" panose="020B0503020404020204" pitchFamily="34" charset="0"/>
-              <a:cs typeface="Adobe Clean"/>
-            </a:endParaRPr>
+              <a:t>Transferência de conhecimento</a:t>
+            </a:r>
           </a:p>
         </p:txBody>
       </p:sp>
@@ -11169,7 +9904,7 @@
         </p:nvSpPr>
         <p:spPr>
           <a:xfrm>
-            <a:off x="5723508" y="4935181"/>
+            <a:off x="5721544" y="4914900"/>
             <a:ext cx="2194560" cy="169277"/>
           </a:xfrm>
           <a:prstGeom prst="rect">
@@ -11191,19 +9926,15 @@
               </a:spcBef>
             </a:pPr>
             <a:r>
-              <a:rPr lang="en-US" sz="1100" b="1">
+              <a:rPr lang="pt-BR" sz="1100" b="1" dirty="0">
                 <a:solidFill>
                   <a:srgbClr val="020302"/>
                 </a:solidFill>
                 <a:latin typeface="Adobe Clean" panose="020B0503020404020204" pitchFamily="34" charset="0"/>
                 <a:cs typeface="Adobe Clean"/>
               </a:rPr>
-              <a:t>Event Management</a:t>
-            </a:r>
-            <a:endParaRPr lang="en-US" sz="1100">
-              <a:latin typeface="Adobe Clean" panose="020B0503020404020204" pitchFamily="34" charset="0"/>
-              <a:cs typeface="Adobe Clean"/>
-            </a:endParaRPr>
+              <a:t>Gerenciamento de eventos</a:t>
+            </a:r>
           </a:p>
         </p:txBody>
       </p:sp>
@@ -11221,7 +9952,7 @@
         </p:nvSpPr>
         <p:spPr>
           <a:xfrm rot="5400000" flipH="1">
-            <a:off x="3863341" y="756920"/>
+            <a:off x="3863341" y="891540"/>
             <a:ext cx="45719" cy="5577840"/>
           </a:xfrm>
           <a:custGeom>
@@ -11408,7 +10139,7 @@
         </p:blipFill>
         <p:spPr>
           <a:xfrm>
-            <a:off x="355868" y="4878393"/>
+            <a:off x="355868" y="4844234"/>
             <a:ext cx="240657" cy="300821"/>
           </a:xfrm>
           <a:prstGeom prst="rect">
@@ -11468,7 +10199,7 @@
         </p:blipFill>
         <p:spPr>
           <a:xfrm>
-            <a:off x="5276601" y="4928329"/>
+            <a:off x="5276601" y="4876800"/>
             <a:ext cx="347646" cy="264530"/>
           </a:xfrm>
           <a:prstGeom prst="rect">
@@ -11507,7 +10238,7 @@
         </p:blipFill>
         <p:spPr>
           <a:xfrm>
-            <a:off x="2768925" y="4836780"/>
+            <a:off x="2768925" y="4800600"/>
             <a:ext cx="365760" cy="365760"/>
           </a:xfrm>
           <a:prstGeom prst="rect">
@@ -11530,7 +10261,7 @@
         <p:spPr>
           <a:xfrm>
             <a:off x="2764975" y="4039530"/>
-            <a:ext cx="2282011" cy="708399"/>
+            <a:ext cx="2297752" cy="708399"/>
           </a:xfrm>
           <a:prstGeom prst="rect">
             <a:avLst/>
@@ -11551,19 +10282,15 @@
               </a:spcBef>
             </a:pPr>
             <a:r>
-              <a:rPr lang="en-US" sz="1000">
+              <a:rPr lang="pt-BR" sz="1000" dirty="0">
                 <a:solidFill>
                   <a:srgbClr val="020302"/>
                 </a:solidFill>
                 <a:latin typeface="AdobeClean-Light"/>
                 <a:cs typeface="AdobeClean-Light"/>
               </a:rPr>
-              <a:t>Compare and align Adobe solution  roadmap with your project roadmap to  mitigate risk and prepare for the future.</a:t>
-            </a:r>
-            <a:endParaRPr lang="en-US" sz="1000">
-              <a:latin typeface="AdobeClean-Light"/>
-              <a:cs typeface="AdobeClean-Light"/>
-            </a:endParaRPr>
+              <a:t>Compare e alinhe o roteiro da solução Adobe com o roteiro do seu projeto para reduzir riscos e se preparar para o futuro.</a:t>
+            </a:r>
           </a:p>
           <a:p>
             <a:pPr marL="18415" marR="262255" lvl="0">
@@ -11575,7 +10302,7 @@
               </a:spcBef>
             </a:pPr>
             <a:r>
-              <a:rPr lang="en-US" sz="1000">
+              <a:rPr lang="pt-BR" sz="1000" dirty="0">
                 <a:solidFill>
                   <a:srgbClr val="020302"/>
                 </a:solidFill>
@@ -11584,13 +10311,6 @@
               </a:rPr>
               <a:t>.</a:t>
             </a:r>
-            <a:endParaRPr lang="en-US" sz="1000">
-              <a:solidFill>
-                <a:prstClr val="black"/>
-              </a:solidFill>
-              <a:latin typeface="AdobeClean-Light"/>
-              <a:cs typeface="AdobeClean-Light"/>
-            </a:endParaRPr>
           </a:p>
         </p:txBody>
       </p:sp>
@@ -11876,9 +10596,9 @@
           <p:nvPr/>
         </p:nvSpPr>
         <p:spPr>
-          <a:xfrm>
-            <a:off x="4724779" y="2654678"/>
-            <a:ext cx="1894205" cy="0"/>
+          <a:xfrm flipV="1">
+            <a:off x="4419600" y="2654676"/>
+            <a:ext cx="2362191" cy="54282"/>
           </a:xfrm>
           <a:custGeom>
             <a:avLst/>
@@ -11919,8 +10639,8 @@
         </p:nvSpPr>
         <p:spPr>
           <a:xfrm>
-            <a:off x="4843269" y="2329688"/>
-            <a:ext cx="1656080" cy="238760"/>
+            <a:off x="4419600" y="2329688"/>
+            <a:ext cx="2533596" cy="228268"/>
           </a:xfrm>
           <a:prstGeom prst="rect">
             <a:avLst/>
@@ -11941,179 +10661,15 @@
               </a:spcBef>
             </a:pPr>
             <a:r>
-              <a:rPr sz="1400" b="1" spc="-25">
+              <a:rPr lang="pt-BR" sz="1400" b="1" dirty="0">
                 <a:solidFill>
                   <a:srgbClr val="020302"/>
                 </a:solidFill>
                 <a:latin typeface="Adobe Clean"/>
                 <a:cs typeface="Adobe Clean"/>
               </a:rPr>
-              <a:t>Fi</a:t>
-            </a:r>
-            <a:r>
-              <a:rPr sz="1400" b="1" spc="-35">
-                <a:solidFill>
-                  <a:srgbClr val="020302"/>
-                </a:solidFill>
-                <a:latin typeface="Adobe Clean"/>
-                <a:cs typeface="Adobe Clean"/>
-              </a:rPr>
-              <a:t>e</a:t>
-            </a:r>
-            <a:r>
-              <a:rPr sz="1400" b="1" spc="-25">
-                <a:solidFill>
-                  <a:srgbClr val="020302"/>
-                </a:solidFill>
-                <a:latin typeface="Adobe Clean"/>
-                <a:cs typeface="Adobe Clean"/>
-              </a:rPr>
-              <a:t>l</a:t>
-            </a:r>
-            <a:r>
-              <a:rPr sz="1400" b="1">
-                <a:solidFill>
-                  <a:srgbClr val="020302"/>
-                </a:solidFill>
-                <a:latin typeface="Adobe Clean"/>
-                <a:cs typeface="Adobe Clean"/>
-              </a:rPr>
-              <a:t>d</a:t>
-            </a:r>
-            <a:r>
-              <a:rPr sz="1400" b="1" spc="-40">
-                <a:solidFill>
-                  <a:srgbClr val="020302"/>
-                </a:solidFill>
-                <a:latin typeface="Adobe Clean"/>
-                <a:cs typeface="Adobe Clean"/>
-              </a:rPr>
-              <a:t> </a:t>
-            </a:r>
-            <a:r>
-              <a:rPr sz="1400" b="1" spc="25">
-                <a:solidFill>
-                  <a:srgbClr val="020302"/>
-                </a:solidFill>
-                <a:latin typeface="Adobe Clean"/>
-                <a:cs typeface="Adobe Clean"/>
-              </a:rPr>
-              <a:t>S</a:t>
-            </a:r>
-            <a:r>
-              <a:rPr sz="1400" b="1" spc="5">
-                <a:solidFill>
-                  <a:srgbClr val="020302"/>
-                </a:solidFill>
-                <a:latin typeface="Adobe Clean"/>
-                <a:cs typeface="Adobe Clean"/>
-              </a:rPr>
-              <a:t>e</a:t>
-            </a:r>
-            <a:r>
-              <a:rPr sz="1400" b="1" spc="15">
-                <a:solidFill>
-                  <a:srgbClr val="020302"/>
-                </a:solidFill>
-                <a:latin typeface="Adobe Clean"/>
-                <a:cs typeface="Adobe Clean"/>
-              </a:rPr>
-              <a:t>rvi</a:t>
-            </a:r>
-            <a:r>
-              <a:rPr sz="1400" b="1" spc="5">
-                <a:solidFill>
-                  <a:srgbClr val="020302"/>
-                </a:solidFill>
-                <a:latin typeface="Adobe Clean"/>
-                <a:cs typeface="Adobe Clean"/>
-              </a:rPr>
-              <a:t>c</a:t>
-            </a:r>
-            <a:r>
-              <a:rPr sz="1400" b="1">
-                <a:solidFill>
-                  <a:srgbClr val="020302"/>
-                </a:solidFill>
-                <a:latin typeface="Adobe Clean"/>
-                <a:cs typeface="Adobe Clean"/>
-              </a:rPr>
-              <a:t>e</a:t>
-            </a:r>
-            <a:r>
-              <a:rPr sz="1400" b="1" spc="-190">
-                <a:solidFill>
-                  <a:srgbClr val="020302"/>
-                </a:solidFill>
-                <a:latin typeface="Adobe Clean"/>
-                <a:cs typeface="Adobe Clean"/>
-              </a:rPr>
-              <a:t> </a:t>
-            </a:r>
-            <a:r>
-              <a:rPr sz="1400" b="1" spc="5">
-                <a:solidFill>
-                  <a:srgbClr val="020302"/>
-                </a:solidFill>
-                <a:latin typeface="Adobe Clean"/>
-                <a:cs typeface="Adobe Clean"/>
-              </a:rPr>
-              <a:t>A</a:t>
-            </a:r>
-            <a:r>
-              <a:rPr sz="1400" b="1" spc="-5">
-                <a:solidFill>
-                  <a:srgbClr val="020302"/>
-                </a:solidFill>
-                <a:latin typeface="Adobe Clean"/>
-                <a:cs typeface="Adobe Clean"/>
-              </a:rPr>
-              <a:t>ct</a:t>
-            </a:r>
-            <a:r>
-              <a:rPr sz="1400" b="1" spc="5">
-                <a:solidFill>
-                  <a:srgbClr val="020302"/>
-                </a:solidFill>
-                <a:latin typeface="Adobe Clean"/>
-                <a:cs typeface="Adobe Clean"/>
-              </a:rPr>
-              <a:t>ivi</a:t>
-            </a:r>
-            <a:r>
-              <a:rPr sz="1400" b="1" spc="-5">
-                <a:solidFill>
-                  <a:srgbClr val="020302"/>
-                </a:solidFill>
-                <a:latin typeface="Adobe Clean"/>
-                <a:cs typeface="Adobe Clean"/>
-              </a:rPr>
-              <a:t>t</a:t>
-            </a:r>
-            <a:r>
-              <a:rPr sz="1400" b="1" spc="5">
-                <a:solidFill>
-                  <a:srgbClr val="020302"/>
-                </a:solidFill>
-                <a:latin typeface="Adobe Clean"/>
-                <a:cs typeface="Adobe Clean"/>
-              </a:rPr>
-              <a:t>i</a:t>
-            </a:r>
-            <a:r>
-              <a:rPr sz="1400" b="1" spc="-5">
-                <a:solidFill>
-                  <a:srgbClr val="020302"/>
-                </a:solidFill>
-                <a:latin typeface="Adobe Clean"/>
-                <a:cs typeface="Adobe Clean"/>
-              </a:rPr>
-              <a:t>es</a:t>
-            </a:r>
-            <a:endParaRPr sz="1400">
-              <a:latin typeface="Adobe Clean"/>
-              <a:cs typeface="Adobe Clean"/>
-            </a:endParaRPr>
+              <a:t>Atividades de serviço de campo</a:t>
+            </a:r>
           </a:p>
         </p:txBody>
       </p:sp>
@@ -12125,8 +10681,8 @@
         </p:nvSpPr>
         <p:spPr>
           <a:xfrm>
-            <a:off x="914422" y="2342312"/>
-            <a:ext cx="1242060" cy="238760"/>
+            <a:off x="914421" y="2342312"/>
+            <a:ext cx="1407769" cy="228268"/>
           </a:xfrm>
           <a:prstGeom prst="rect">
             <a:avLst/>
@@ -12147,99 +10703,15 @@
               </a:spcBef>
             </a:pPr>
             <a:r>
-              <a:rPr sz="1400" b="1" spc="-25">
+              <a:rPr lang="pt-BR" sz="1400" b="1" dirty="0">
                 <a:solidFill>
                   <a:srgbClr val="020302"/>
                 </a:solidFill>
                 <a:latin typeface="Adobe Clean"/>
                 <a:cs typeface="Adobe Clean"/>
               </a:rPr>
-              <a:t>L</a:t>
-            </a:r>
-            <a:r>
-              <a:rPr sz="1400" b="1" spc="-5">
-                <a:solidFill>
-                  <a:srgbClr val="020302"/>
-                </a:solidFill>
-                <a:latin typeface="Adobe Clean"/>
-                <a:cs typeface="Adobe Clean"/>
-              </a:rPr>
-              <a:t>a</a:t>
-            </a:r>
-            <a:r>
-              <a:rPr sz="1400" b="1" spc="-20">
-                <a:solidFill>
-                  <a:srgbClr val="020302"/>
-                </a:solidFill>
-                <a:latin typeface="Adobe Clean"/>
-                <a:cs typeface="Adobe Clean"/>
-              </a:rPr>
-              <a:t>u</a:t>
-            </a:r>
-            <a:r>
-              <a:rPr sz="1400" b="1" spc="-15">
-                <a:solidFill>
-                  <a:srgbClr val="020302"/>
-                </a:solidFill>
-                <a:latin typeface="Adobe Clean"/>
-                <a:cs typeface="Adobe Clean"/>
-              </a:rPr>
-              <a:t>n</a:t>
-            </a:r>
-            <a:r>
-              <a:rPr sz="1400" b="1" spc="-25">
-                <a:solidFill>
-                  <a:srgbClr val="020302"/>
-                </a:solidFill>
-                <a:latin typeface="Adobe Clean"/>
-                <a:cs typeface="Adobe Clean"/>
-              </a:rPr>
-              <a:t>c</a:t>
-            </a:r>
-            <a:r>
-              <a:rPr sz="1400" b="1">
-                <a:solidFill>
-                  <a:srgbClr val="020302"/>
-                </a:solidFill>
-                <a:latin typeface="Adobe Clean"/>
-                <a:cs typeface="Adobe Clean"/>
-              </a:rPr>
-              <a:t>h</a:t>
-            </a:r>
-            <a:r>
-              <a:rPr sz="1400" b="1" spc="-25">
-                <a:solidFill>
-                  <a:srgbClr val="020302"/>
-                </a:solidFill>
-                <a:latin typeface="Adobe Clean"/>
-                <a:cs typeface="Adobe Clean"/>
-              </a:rPr>
-              <a:t> </a:t>
-            </a:r>
-            <a:r>
-              <a:rPr sz="1400" b="1" spc="-10">
-                <a:solidFill>
-                  <a:srgbClr val="020302"/>
-                </a:solidFill>
-                <a:latin typeface="Adobe Clean"/>
-                <a:cs typeface="Adobe Clean"/>
-              </a:rPr>
-              <a:t>Advisor</a:t>
-            </a:r>
-            <a:r>
-              <a:rPr sz="1400" b="1">
-                <a:solidFill>
-                  <a:srgbClr val="020302"/>
-                </a:solidFill>
-                <a:latin typeface="Adobe Clean"/>
-                <a:cs typeface="Adobe Clean"/>
-              </a:rPr>
-              <a:t>y</a:t>
-            </a:r>
-            <a:endParaRPr sz="1400">
-              <a:latin typeface="Adobe Clean"/>
-              <a:cs typeface="Adobe Clean"/>
-            </a:endParaRPr>
+              <a:t>Launch Advisory</a:t>
+            </a:r>
           </a:p>
         </p:txBody>
       </p:sp>
@@ -12252,7 +10724,7 @@
         <p:spPr>
           <a:xfrm>
             <a:off x="242187" y="2787904"/>
-            <a:ext cx="3004185" cy="635000"/>
+            <a:ext cx="3004185" cy="782265"/>
           </a:xfrm>
           <a:prstGeom prst="rect">
             <a:avLst/>
@@ -12273,90 +10745,135 @@
               </a:spcBef>
             </a:pPr>
             <a:r>
-              <a:rPr sz="1000">
+              <a:rPr lang="pt-BR" sz="1000" dirty="0">
                 <a:solidFill>
                   <a:srgbClr val="1F1F1F"/>
                 </a:solidFill>
                 <a:latin typeface="AdobeClean-Light"/>
                 <a:cs typeface="AdobeClean-Light"/>
               </a:rPr>
-              <a:t>For customers implementing a </a:t>
-            </a:r>
-            <a:r>
-              <a:rPr sz="1000" b="1">
+              <a:t>Para clientes que implementam uma </a:t>
+            </a:r>
+            <a:r>
+              <a:rPr lang="pt-BR" sz="1000" b="1" dirty="0">
                 <a:solidFill>
                   <a:srgbClr val="1F1F1F"/>
                 </a:solidFill>
                 <a:latin typeface="Adobe Clean"/>
                 <a:cs typeface="Adobe Clean"/>
               </a:rPr>
-              <a:t>new Adobe Experience Cloud  solution, </a:t>
-            </a:r>
-            <a:r>
-              <a:rPr sz="1000">
+              <a:t>nova solução </a:t>
+            </a:r>
+            <a:br>
+              <a:rPr lang="sk-SK" sz="1000" b="1" dirty="0">
+                <a:solidFill>
+                  <a:srgbClr val="1F1F1F"/>
+                </a:solidFill>
+                <a:latin typeface="Adobe Clean"/>
+                <a:cs typeface="Adobe Clean"/>
+              </a:rPr>
+            </a:br>
+            <a:r>
+              <a:rPr lang="pt-BR" sz="1000" b="1" dirty="0">
+                <a:solidFill>
+                  <a:srgbClr val="1F1F1F"/>
+                </a:solidFill>
+                <a:latin typeface="Adobe Clean"/>
+                <a:cs typeface="Adobe Clean"/>
+              </a:rPr>
+              <a:t>Adobe Experience Cloud, </a:t>
+            </a:r>
+            <a:r>
+              <a:rPr lang="pt-BR" sz="1000" dirty="0">
                 <a:latin typeface="AdobeClean-Light"/>
                 <a:cs typeface="AdobeClean-Light"/>
               </a:rPr>
-              <a:t>Launch Advisory </a:t>
-            </a:r>
-            <a:r>
-              <a:rPr sz="1000">
+              <a:t>o Launch Advisory </a:t>
+            </a:r>
+            <a:br>
+              <a:rPr lang="sk-SK" sz="1000" dirty="0">
+                <a:latin typeface="AdobeClean-Light"/>
+                <a:cs typeface="AdobeClean-Light"/>
+              </a:rPr>
+            </a:br>
+            <a:r>
+              <a:rPr lang="pt-BR" sz="1000" dirty="0">
+                <a:latin typeface="AdobeClean-Light"/>
+                <a:cs typeface="AdobeClean-Light"/>
+              </a:rPr>
+              <a:t>é um </a:t>
+            </a:r>
+            <a:r>
+              <a:rPr lang="pt-BR" sz="1000" dirty="0"/>
+              <a:t>conjunto essencial de</a:t>
+            </a:r>
+            <a:r>
+              <a:rPr lang="sk-SK" sz="1000" dirty="0"/>
+              <a:t> </a:t>
+            </a:r>
+            <a:r>
+              <a:rPr lang="pt-BR" sz="950" dirty="0">
                 <a:latin typeface="AdobeClean-SemiLight"/>
                 <a:cs typeface="AdobeClean-SemiLight"/>
               </a:rPr>
-              <a:t>is a </a:t>
-            </a:r>
-            <a:r>
-              <a:rPr sz="950">
-                <a:latin typeface="AdobeClean-SemiLight"/>
-                <a:cs typeface="AdobeClean-SemiLight"/>
-              </a:rPr>
-              <a:t>core set of advisory</a:t>
-            </a:r>
-          </a:p>
-          <a:p>
-            <a:pPr marL="12700" marR="86995" indent="-635">
-              <a:lnSpc>
-                <a:spcPct val="100000"/>
-              </a:lnSpc>
-            </a:pPr>
-            <a:r>
-              <a:rPr sz="950">
-                <a:latin typeface="AdobeClean-SemiLight"/>
-                <a:cs typeface="AdobeClean-SemiLight"/>
-              </a:rPr>
-              <a:t>services </a:t>
-            </a:r>
-            <a:r>
-              <a:rPr sz="1000">
+              <a:t>serviços</a:t>
+            </a:r>
+            <a:r>
+              <a:rPr lang="pt-BR" sz="1000" dirty="0">
                 <a:latin typeface="AdobeClean-Light"/>
                 <a:cs typeface="AdobeClean-Light"/>
               </a:rPr>
-              <a:t>and recommendations that are proven to </a:t>
-            </a:r>
-            <a:r>
-              <a:rPr sz="950">
+              <a:t> de consultoria </a:t>
+            </a:r>
+            <a:br>
+              <a:rPr lang="sk-SK" sz="1000" dirty="0">
                 <a:latin typeface="AdobeClean-Light"/>
                 <a:cs typeface="AdobeClean-Light"/>
               </a:rPr>
-              <a:t>support  successful deployments </a:t>
-            </a:r>
-            <a:r>
-              <a:rPr sz="1000">
+            </a:br>
+            <a:r>
+              <a:rPr lang="pt-BR" sz="1000" dirty="0">
                 <a:latin typeface="AdobeClean-Light"/>
                 <a:cs typeface="AdobeClean-Light"/>
               </a:rPr>
-              <a:t>and </a:t>
-            </a:r>
-            <a:r>
-              <a:rPr sz="950">
+              <a:t>e recomendações de eficácia </a:t>
+            </a:r>
+            <a:r>
+              <a:rPr lang="pt-BR" sz="950" dirty="0">
                 <a:latin typeface="AdobeClean-Light"/>
                 <a:cs typeface="AdobeClean-Light"/>
               </a:rPr>
-              <a:t>accelerate time-to-value</a:t>
-            </a:r>
-            <a:r>
-              <a:rPr sz="1000">
+              <a:t>comprovada que aceleram</a:t>
+            </a:r>
+            <a:r>
+              <a:rPr lang="pt-BR" sz="1000" dirty="0">
+                <a:latin typeface="AdobeClean-Light"/>
+                <a:cs typeface="AdobeClean-Light"/>
+              </a:rPr>
+              <a:t> </a:t>
+            </a:r>
+            <a:br>
+              <a:rPr lang="sk-SK" sz="1000" dirty="0">
+                <a:latin typeface="AdobeClean-Light"/>
+                <a:cs typeface="AdobeClean-Light"/>
+              </a:rPr>
+            </a:br>
+            <a:r>
+              <a:rPr lang="pt-BR" sz="1000" dirty="0">
+                <a:latin typeface="AdobeClean-Light"/>
+                <a:cs typeface="AdobeClean-Light"/>
+              </a:rPr>
+              <a:t>o </a:t>
+            </a:r>
+            <a:r>
+              <a:rPr lang="pt-BR" sz="950" dirty="0">
+                <a:latin typeface="AdobeClean-Light"/>
+                <a:cs typeface="AdobeClean-Light"/>
+              </a:rPr>
+              <a:t>tempo de implantação</a:t>
+            </a:r>
+            <a:r>
+              <a:rPr lang="pt-BR" sz="1000" dirty="0">
                 <a:latin typeface="AdobeClean-Light"/>
                 <a:cs typeface="AdobeClean-Light"/>
               </a:rPr>
@@ -12474,79 +10991,75 @@
               </a:spcBef>
             </a:pPr>
             <a:r>
-              <a:rPr sz="1000">
+              <a:rPr lang="pt-BR" sz="1000">
                 <a:solidFill>
                   <a:srgbClr val="4B4B4B"/>
                 </a:solidFill>
                 <a:latin typeface="AdobeClean-Light"/>
                 <a:cs typeface="AdobeClean-Light"/>
               </a:rPr>
-              <a:t>Field Services are used for </a:t>
-            </a:r>
-            <a:r>
-              <a:rPr sz="1000" b="1">
+              <a:t>Os serviços de campo são usados para </a:t>
+            </a:r>
+            <a:r>
+              <a:rPr lang="pt-BR" sz="1000" b="1">
                 <a:solidFill>
                   <a:srgbClr val="4B4B4B"/>
                 </a:solidFill>
                 <a:latin typeface="Adobe Clean"/>
                 <a:cs typeface="Adobe Clean"/>
               </a:rPr>
-              <a:t>quick resolution</a:t>
-            </a:r>
-            <a:r>
-              <a:rPr sz="1000">
+              <a:t>resolução rápida</a:t>
+            </a:r>
+            <a:r>
+              <a:rPr lang="pt-BR" sz="1000">
                 <a:solidFill>
                   <a:srgbClr val="4B4B4B"/>
                 </a:solidFill>
                 <a:latin typeface="AdobeClean-Light"/>
                 <a:cs typeface="AdobeClean-Light"/>
               </a:rPr>
-              <a:t>, focused customer success  and accelerated </a:t>
-            </a:r>
-            <a:r>
-              <a:rPr sz="1000" b="1">
+              <a:t>, sucesso focado do cliente e </a:t>
+            </a:r>
+            <a:r>
+              <a:rPr lang="pt-BR" sz="1000" b="1">
                 <a:solidFill>
                   <a:srgbClr val="4B4B4B"/>
                 </a:solidFill>
                 <a:latin typeface="Adobe Clean"/>
                 <a:cs typeface="Adobe Clean"/>
               </a:rPr>
-              <a:t>time-to-value</a:t>
-            </a:r>
-            <a:r>
-              <a:rPr sz="1000">
+              <a:t>tempo de implantação</a:t>
+            </a:r>
+            <a:r>
+              <a:rPr lang="pt-BR" sz="1000">
                 <a:solidFill>
                   <a:srgbClr val="4B4B4B"/>
                 </a:solidFill>
                 <a:latin typeface="AdobeClean-Light"/>
                 <a:cs typeface="AdobeClean-Light"/>
               </a:rPr>
-              <a:t>. If Launch advisory is active there will be  </a:t>
-            </a:r>
-            <a:r>
-              <a:rPr sz="1000" b="1">
+              <a:t> acelerado. Se o Launch Advisory estiver ativo, </a:t>
+            </a:r>
+            <a:r>
+              <a:rPr lang="pt-BR" sz="1000" b="1">
                 <a:solidFill>
                   <a:srgbClr val="4B4B4B"/>
                 </a:solidFill>
                 <a:latin typeface="Adobe Clean"/>
                 <a:cs typeface="Adobe Clean"/>
               </a:rPr>
-              <a:t>no Field Services in year 1 </a:t>
-            </a:r>
-            <a:r>
-              <a:rPr sz="1000">
+              <a:t>não haverá Serviços de campo no ano 1</a:t>
+            </a:r>
+            <a:r>
+              <a:rPr lang="pt-BR" sz="1000">
                 <a:solidFill>
                   <a:srgbClr val="4B4B4B"/>
                 </a:solidFill>
                 <a:latin typeface="AdobeClean-Light"/>
                 <a:cs typeface="AdobeClean-Light"/>
               </a:rPr>
-              <a:t>for any solution product covered by a  Support contract.</a:t>
-            </a:r>
-            <a:endParaRPr sz="1000">
-              <a:latin typeface="AdobeClean-Light"/>
-              <a:cs typeface="AdobeClean-Light"/>
-            </a:endParaRPr>
+              <a:t> para nenhuma solução coberta por um contrato de suporte da Adobe.</a:t>
+            </a:r>
           </a:p>
         </p:txBody>
       </p:sp>
@@ -12643,7 +11156,7 @@
         <p:spPr>
           <a:xfrm>
             <a:off x="263464" y="5348732"/>
-            <a:ext cx="3114040" cy="482600"/>
+            <a:ext cx="3428816" cy="482600"/>
           </a:xfrm>
           <a:prstGeom prst="rect">
             <a:avLst/>
@@ -12664,11 +11177,11 @@
               </a:spcBef>
             </a:pPr>
             <a:r>
-              <a:rPr sz="1000">
+              <a:rPr lang="pt-BR" sz="1000" dirty="0">
                 <a:latin typeface="AdobeClean-Light"/>
                 <a:cs typeface="AdobeClean-Light"/>
               </a:rPr>
-              <a:t>Launch Advisory will align with your project schedule through  common milestones (Kickoff, Define, Design, Go-live and Post  Launch) to guide, validate, assess and make recommendations.</a:t>
+              <a:t>O Launch Advisory se alinhará com o agendamento do seu projeto por meio de marcos comuns (Início, Definição, Projeto, Lançamento e Pós-lançamento) para guiar, validar, avaliar e fazer recomendações.</a:t>
             </a:r>
           </a:p>
         </p:txBody>
@@ -12681,8 +11194,8 @@
         </p:nvSpPr>
         <p:spPr>
           <a:xfrm>
-            <a:off x="263464" y="5982715"/>
-            <a:ext cx="1247140" cy="166712"/>
+            <a:off x="263464" y="5982714"/>
+            <a:ext cx="1565336" cy="166712"/>
           </a:xfrm>
           <a:prstGeom prst="rect">
             <a:avLst/>
@@ -12703,11 +11216,11 @@
               </a:spcBef>
             </a:pPr>
             <a:r>
-              <a:rPr sz="1000">
+              <a:rPr lang="pt-BR" sz="1000" dirty="0">
                 <a:latin typeface="AdobeClean-Light"/>
                 <a:cs typeface="AdobeClean-Light"/>
               </a:rPr>
-              <a:t>Key Deliverables include:</a:t>
+              <a:t>Os principais serviços incluem:</a:t>
             </a:r>
           </a:p>
         </p:txBody>
@@ -12721,7 +11234,7 @@
         <p:spPr>
           <a:xfrm>
             <a:off x="205422" y="6308299"/>
-            <a:ext cx="2745105" cy="592470"/>
+            <a:ext cx="3619633" cy="592470"/>
           </a:xfrm>
           <a:prstGeom prst="rect">
             <a:avLst/>
@@ -12741,12 +11254,12 @@
               <a:buChar char="•"/>
             </a:pPr>
             <a:r>
-              <a:rPr lang="en-US" sz="1000">
+              <a:rPr lang="pt-BR" sz="1000" dirty="0">
                 <a:solidFill>
                   <a:prstClr val="black"/>
                 </a:solidFill>
               </a:rPr>
-              <a:t>Kickoff (including project collaboration plan) deck</a:t>
+              <a:t>Plataforma de início (incluindo plano de colaboração do projeto)</a:t>
             </a:r>
           </a:p>
           <a:p>
@@ -12758,12 +11271,12 @@
               <a:buChar char="•"/>
             </a:pPr>
             <a:r>
-              <a:rPr lang="en-US" sz="1000">
+              <a:rPr lang="pt-BR" sz="1000" dirty="0">
                 <a:solidFill>
                   <a:prstClr val="black"/>
                 </a:solidFill>
               </a:rPr>
-              <a:t>Assessment &amp; recommendations document(s)</a:t>
+              <a:t>Documentos de avaliação e recomendações</a:t>
             </a:r>
           </a:p>
           <a:p>
@@ -12775,12 +11288,12 @@
               <a:buChar char="•"/>
             </a:pPr>
             <a:r>
-              <a:rPr lang="en-US" sz="1000">
+              <a:rPr lang="pt-BR" sz="1000" dirty="0">
                 <a:solidFill>
                   <a:prstClr val="black"/>
                 </a:solidFill>
               </a:rPr>
-              <a:t>Engagement summary</a:t>
+              <a:t>Resumo de engajamento</a:t>
             </a:r>
           </a:p>
         </p:txBody>
@@ -12793,8 +11306,8 @@
         </p:nvSpPr>
         <p:spPr>
           <a:xfrm>
-            <a:off x="263464" y="4126991"/>
-            <a:ext cx="3141980" cy="1070610"/>
+            <a:off x="263463" y="4126991"/>
+            <a:ext cx="3428817" cy="1070610"/>
           </a:xfrm>
           <a:prstGeom prst="rect">
             <a:avLst/>
@@ -12815,19 +11328,15 @@
               </a:spcBef>
             </a:pPr>
             <a:r>
-              <a:rPr sz="1600">
+              <a:rPr lang="pt-BR" sz="1600" dirty="0">
                 <a:solidFill>
                   <a:srgbClr val="FFFFFF"/>
                 </a:solidFill>
                 <a:latin typeface="Arial"/>
                 <a:cs typeface="Arial"/>
               </a:rPr>
-              <a:t>Implementation</a:t>
-            </a:r>
-            <a:endParaRPr sz="1600">
-              <a:latin typeface="Arial"/>
-              <a:cs typeface="Arial"/>
-            </a:endParaRPr>
+              <a:t>Implementação</a:t>
+            </a:r>
           </a:p>
           <a:p>
             <a:pPr marL="12700" marR="5080">
@@ -12839,32 +11348,32 @@
               </a:spcBef>
             </a:pPr>
             <a:r>
-              <a:rPr sz="1000">
+              <a:rPr lang="pt-BR" sz="1000" dirty="0">
                 <a:latin typeface="AdobeClean-Light"/>
                 <a:cs typeface="AdobeClean-Light"/>
               </a:rPr>
-              <a:t>Adobe solution experts help validate requirements, architecture,  development process, and launch readiness reviews </a:t>
-            </a:r>
-            <a:r>
-              <a:rPr sz="1000">
+              <a:t>Os especialistas em soluções da Adobe ajudam a validar os requisitos, a arquitetura, o processo de desenvolvimento e iniciam revisões de prontidão </a:t>
+            </a:r>
+            <a:r>
+              <a:rPr lang="pt-BR" sz="1000" dirty="0">
                 <a:latin typeface="AdobeClean-SemiLight"/>
                 <a:cs typeface="AdobeClean-SemiLight"/>
               </a:rPr>
-              <a:t>with </a:t>
-            </a:r>
-            <a:r>
-              <a:rPr sz="950">
+              <a:t>com </a:t>
+            </a:r>
+            <a:r>
+              <a:rPr lang="pt-BR" sz="950" dirty="0">
                 <a:latin typeface="AdobeClean-SemiLight"/>
                 <a:cs typeface="AdobeClean-SemiLight"/>
               </a:rPr>
-              <a:t>best  practice-based guidance </a:t>
-            </a:r>
-            <a:r>
-              <a:rPr sz="1000">
+              <a:t>orientação baseada em práticas recomendadas</a:t>
+            </a:r>
+            <a:r>
+              <a:rPr lang="pt-BR" sz="1000" dirty="0">
                 <a:latin typeface="AdobeClean-SemiLight"/>
                 <a:cs typeface="AdobeClean-SemiLight"/>
               </a:rPr>
-              <a:t>to customers and implementation  partners.</a:t>
+              <a:t> para clientes e parceiros de implementação.</a:t>
             </a:r>
           </a:p>
         </p:txBody>
@@ -12876,15 +11385,20 @@
           <p:nvPr/>
         </p:nvPicPr>
         <p:blipFill>
-          <a:blip r:embed="rId3" cstate="print"/>
-          <a:stretch>
-            <a:fillRect/>
-          </a:stretch>
+          <a:blip r:embed="rId3">
+            <a:extLst>
+              <a:ext uri="{28A0092B-C50C-407E-A947-70E740481C1C}">
+                <a14:useLocalDpi xmlns:a14="http://schemas.microsoft.com/office/drawing/2010/main" val="0"/>
+              </a:ext>
+            </a:extLst>
+          </a:blip>
+          <a:srcRect/>
+          <a:stretch/>
         </p:blipFill>
         <p:spPr>
           <a:xfrm>
-            <a:off x="363328" y="6930985"/>
-            <a:ext cx="3053821" cy="2818913"/>
+            <a:off x="363328" y="6932449"/>
+            <a:ext cx="3053821" cy="2815984"/>
           </a:xfrm>
           <a:prstGeom prst="rect">
             <a:avLst/>
@@ -12900,7 +11414,7 @@
         <p:spPr>
           <a:xfrm>
             <a:off x="3947346" y="5363972"/>
-            <a:ext cx="3335020" cy="659765"/>
+            <a:ext cx="3335020" cy="805029"/>
           </a:xfrm>
           <a:prstGeom prst="rect">
             <a:avLst/>
@@ -12921,30 +11435,32 @@
               </a:spcBef>
             </a:pPr>
             <a:r>
-              <a:rPr sz="1000" b="1">
+              <a:rPr lang="pt-BR" sz="1000" b="1" dirty="0">
                 <a:latin typeface="Arial"/>
                 <a:cs typeface="Arial"/>
               </a:rPr>
-              <a:t>Technical Track Activities </a:t>
-            </a:r>
-            <a:r>
-              <a:rPr sz="1000">
+              <a:t>As Atividades técnicas</a:t>
+            </a:r>
+            <a:r>
+              <a:rPr lang="pt-BR" sz="1000" dirty="0">
                 <a:latin typeface="AdobeClean-Light"/>
                 <a:cs typeface="AdobeClean-Light"/>
               </a:rPr>
-              <a:t>ensure customers are technically sound  and maximizing their tool adoption. Specifically, these types of  activities include support and recommendations related to platform  configurations, integrations and troubleshooting</a:t>
-            </a:r>
-            <a:r>
-              <a:rPr lang="en-US" sz="1000">
+              <a:t> verificam se os clientes estão apresentando solidez técnica e aproveitando ao máximo sua adoção de ferramentas. Especificamente, essas atividades incluem suporte e recomendações relacionados a configurações </a:t>
+            </a:r>
+            <a:br>
+              <a:rPr lang="sk-SK" sz="1000" dirty="0">
                 <a:latin typeface="AdobeClean-Light"/>
                 <a:cs typeface="AdobeClean-Light"/>
               </a:rPr>
-              <a:t>.</a:t>
-            </a:r>
-            <a:endParaRPr sz="1000">
-              <a:latin typeface="AdobeClean-Light"/>
-              <a:cs typeface="AdobeClean-Light"/>
-            </a:endParaRPr>
+            </a:br>
+            <a:r>
+              <a:rPr lang="pt-BR" sz="1000" dirty="0">
+                <a:latin typeface="AdobeClean-Light"/>
+                <a:cs typeface="AdobeClean-Light"/>
+              </a:rPr>
+              <a:t>da plataforma, integrações e solução de problemas</a:t>
+            </a:r>
           </a:p>
         </p:txBody>
       </p:sp>
@@ -12978,11 +11494,11 @@
               </a:spcBef>
             </a:pPr>
             <a:r>
-              <a:rPr sz="1000">
+              <a:rPr lang="pt-BR" sz="1000" dirty="0">
                 <a:latin typeface="AdobeClean-Light"/>
                 <a:cs typeface="AdobeClean-Light"/>
               </a:rPr>
-              <a:t>Types of technical activities available::</a:t>
+              <a:t>Tipos de atividades técnicas disponíveis::</a:t>
             </a:r>
           </a:p>
           <a:p>
@@ -12997,12 +11513,12 @@
               <a:buChar char="ü"/>
             </a:pPr>
             <a:r>
-              <a:rPr lang="en-US" sz="1000">
+              <a:rPr lang="pt-BR" sz="1000" dirty="0">
                 <a:solidFill>
                   <a:prstClr val="black"/>
                 </a:solidFill>
               </a:rPr>
-              <a:t>Health audit</a:t>
+              <a:t>Auditoria de integridade</a:t>
             </a:r>
           </a:p>
           <a:p>
@@ -13017,12 +11533,12 @@
               <a:buChar char="ü"/>
             </a:pPr>
             <a:r>
-              <a:rPr lang="en-US" sz="1000">
+              <a:rPr lang="pt-BR" sz="1000" dirty="0">
                 <a:solidFill>
                   <a:prstClr val="black"/>
                 </a:solidFill>
               </a:rPr>
-              <a:t>Platform audit</a:t>
+              <a:t>Auditoria da plataforma</a:t>
             </a:r>
           </a:p>
           <a:p>
@@ -13037,12 +11553,12 @@
               <a:buChar char="ü"/>
             </a:pPr>
             <a:r>
-              <a:rPr lang="en-US" sz="1000">
+              <a:rPr lang="pt-BR" sz="1000" dirty="0">
                 <a:solidFill>
                   <a:prstClr val="black"/>
                 </a:solidFill>
               </a:rPr>
-              <a:t>Feature set enablement</a:t>
+              <a:t>Ativação do conjunto de recursos</a:t>
             </a:r>
           </a:p>
           <a:p>
@@ -13057,12 +11573,12 @@
               <a:buChar char="ü"/>
             </a:pPr>
             <a:r>
-              <a:rPr lang="en-US" sz="1000">
+              <a:rPr lang="pt-BR" sz="1000" dirty="0">
                 <a:solidFill>
                   <a:prstClr val="black"/>
                 </a:solidFill>
               </a:rPr>
-              <a:t>Basic integrations and configurations</a:t>
+              <a:t>Integrações e configurações básicas</a:t>
             </a:r>
           </a:p>
           <a:p>
@@ -13077,12 +11593,12 @@
               <a:buChar char="ü"/>
             </a:pPr>
             <a:r>
-              <a:rPr lang="en-US" sz="1000">
+              <a:rPr lang="pt-BR" sz="1000" dirty="0">
                 <a:solidFill>
                   <a:prstClr val="black"/>
                 </a:solidFill>
               </a:rPr>
-              <a:t>Customer solution troubleshooting</a:t>
+              <a:t>Solução de problemas do cliente</a:t>
             </a:r>
           </a:p>
           <a:p>
@@ -13097,12 +11613,12 @@
               <a:buChar char="ü"/>
             </a:pPr>
             <a:r>
-              <a:rPr lang="en-US" sz="1000">
+              <a:rPr lang="pt-BR" sz="1000" dirty="0">
                 <a:solidFill>
                   <a:prstClr val="black"/>
                 </a:solidFill>
               </a:rPr>
-              <a:t>Cloud service support</a:t>
+              <a:t>Suporte ao serviço na nuvem</a:t>
             </a:r>
           </a:p>
         </p:txBody>
@@ -13137,18 +11653,57 @@
               </a:spcBef>
             </a:pPr>
             <a:r>
-              <a:rPr sz="1000" b="1">
+              <a:rPr lang="pt-BR" sz="1000" b="1" dirty="0">
                 <a:latin typeface="Arial"/>
                 <a:cs typeface="Arial"/>
               </a:rPr>
-              <a:t>Strategic Track Activities </a:t>
-            </a:r>
-            <a:r>
-              <a:rPr sz="1000">
+              <a:t>As Atividades estratégicas</a:t>
+            </a:r>
+            <a:r>
+              <a:rPr lang="pt-BR" sz="1000" dirty="0">
                 <a:latin typeface="AdobeClean-Light"/>
                 <a:cs typeface="AdobeClean-Light"/>
               </a:rPr>
-              <a:t>locate opportunities to ensure value is  being realized from a customer’s Adobe solutions. They include  support recommendations related to strategy, measurement and  maturity to drive value realization across one or more Adobe  solutions.</a:t>
+              <a:t> localizam oportunidades para garantir a obtenção de valor com as soluções da Adobe. </a:t>
+            </a:r>
+            <a:br>
+              <a:rPr lang="sk-SK" sz="1000" dirty="0">
+                <a:latin typeface="AdobeClean-Light"/>
+                <a:cs typeface="AdobeClean-Light"/>
+              </a:rPr>
+            </a:br>
+            <a:r>
+              <a:rPr lang="pt-BR" sz="1000" dirty="0">
+                <a:latin typeface="AdobeClean-Light"/>
+                <a:cs typeface="AdobeClean-Light"/>
+              </a:rPr>
+              <a:t>Elas incluem recomendações de suporte relacionadas </a:t>
+            </a:r>
+            <a:br>
+              <a:rPr lang="sk-SK" sz="1000" dirty="0">
+                <a:latin typeface="AdobeClean-Light"/>
+                <a:cs typeface="AdobeClean-Light"/>
+              </a:rPr>
+            </a:br>
+            <a:r>
+              <a:rPr lang="pt-BR" sz="1000" dirty="0">
+                <a:latin typeface="AdobeClean-Light"/>
+                <a:cs typeface="AdobeClean-Light"/>
+              </a:rPr>
+              <a:t>a estratégia, medição e maturidade para impulsionar </a:t>
+            </a:r>
+            <a:br>
+              <a:rPr lang="sk-SK" sz="1000" dirty="0">
+                <a:latin typeface="AdobeClean-Light"/>
+                <a:cs typeface="AdobeClean-Light"/>
+              </a:rPr>
+            </a:br>
+            <a:r>
+              <a:rPr lang="pt-BR" sz="1000" dirty="0">
+                <a:latin typeface="AdobeClean-Light"/>
+                <a:cs typeface="AdobeClean-Light"/>
+              </a:rPr>
+              <a:t>a obtenção de valor com uma ou mais soluções da Adobe.</a:t>
             </a:r>
           </a:p>
           <a:p>
@@ -13160,7 +11715,7 @@
                 <a:spcPts val="40"/>
               </a:spcBef>
             </a:pPr>
-            <a:endParaRPr sz="1100">
+            <a:endParaRPr sz="1100" dirty="0">
               <a:latin typeface="AdobeClean-Light"/>
               <a:cs typeface="AdobeClean-Light"/>
             </a:endParaRPr>
@@ -13172,11 +11727,11 @@
               </a:lnSpc>
             </a:pPr>
             <a:r>
-              <a:rPr sz="1000">
+              <a:rPr lang="pt-BR" sz="1000" dirty="0">
                 <a:latin typeface="AdobeClean-Light"/>
                 <a:cs typeface="AdobeClean-Light"/>
               </a:rPr>
-              <a:t>Types of strategic activities available::</a:t>
+              <a:t>Tipos de atividades estratégicas disponíveis::</a:t>
             </a:r>
           </a:p>
           <a:p>
@@ -13191,12 +11746,12 @@
               <a:buChar char="ü"/>
             </a:pPr>
             <a:r>
-              <a:rPr lang="en-US" sz="1000">
+              <a:rPr lang="pt-BR" sz="1000" dirty="0">
                 <a:solidFill>
                   <a:prstClr val="black"/>
                 </a:solidFill>
               </a:rPr>
-              <a:t>Maturity Roadmap</a:t>
+              <a:t>Roteiro de maturidade</a:t>
             </a:r>
           </a:p>
           <a:p>
@@ -13211,12 +11766,12 @@
               <a:buChar char="ü"/>
             </a:pPr>
             <a:r>
-              <a:rPr lang="en-US" sz="1000">
+              <a:rPr lang="pt-BR" sz="1000" dirty="0">
                 <a:solidFill>
                   <a:prstClr val="black"/>
                 </a:solidFill>
               </a:rPr>
-              <a:t>Use case development/measurement</a:t>
+              <a:t>Desenvolvimento/medição de caso de uso</a:t>
             </a:r>
           </a:p>
           <a:p>
@@ -13231,12 +11786,12 @@
               <a:buChar char="ü"/>
             </a:pPr>
             <a:r>
-              <a:rPr lang="en-US" sz="1000">
+              <a:rPr lang="pt-BR" sz="1000" dirty="0">
                 <a:solidFill>
                   <a:prstClr val="black"/>
                 </a:solidFill>
               </a:rPr>
-              <a:t>Reporting &amp; analysis</a:t>
+              <a:t>Relatórios e análise</a:t>
             </a:r>
           </a:p>
           <a:p>
@@ -13251,12 +11806,12 @@
               <a:buChar char="ü"/>
             </a:pPr>
             <a:r>
-              <a:rPr lang="en-US" sz="1000">
+              <a:rPr lang="pt-BR" sz="1000" dirty="0">
                 <a:solidFill>
                   <a:prstClr val="black"/>
                 </a:solidFill>
               </a:rPr>
-              <a:t>Best practices enablement</a:t>
+              <a:t>Ativação de práticas recomendadas</a:t>
             </a:r>
           </a:p>
         </p:txBody>
@@ -13277,7 +11832,7 @@
           </a:prstGeom>
         </p:spPr>
         <p:txBody>
-          <a:bodyPr vert="horz" wrap="square" lIns="0" tIns="12700" rIns="0" bIns="0" rtlCol="0" anchor="t">
+          <a:bodyPr vert="horz" wrap="square" lIns="0" tIns="12700" rIns="0" bIns="0" rtlCol="0">
             <a:spAutoFit/>
           </a:bodyPr>
           <a:lstStyle/>
@@ -13291,78 +11846,37 @@
               </a:spcBef>
             </a:pPr>
             <a:r>
-              <a:rPr sz="1600">
+              <a:rPr lang="pt-BR" sz="1600">
                 <a:solidFill>
                   <a:srgbClr val="FFFFFF"/>
                 </a:solidFill>
                 <a:latin typeface="Arial"/>
                 <a:cs typeface="Arial"/>
               </a:rPr>
-              <a:t>Run &amp; Operate</a:t>
-            </a:r>
-            <a:endParaRPr sz="1600">
-              <a:latin typeface="Arial"/>
-              <a:cs typeface="Arial"/>
-            </a:endParaRPr>
+              <a:t>Execução e operação</a:t>
+            </a:r>
           </a:p>
           <a:p>
             <a:pPr marL="12700">
+              <a:lnSpc>
+                <a:spcPct val="100000"/>
+              </a:lnSpc>
               <a:spcBef>
                 <a:spcPts val="1595"/>
               </a:spcBef>
             </a:pPr>
             <a:r>
-              <a:rPr sz="1000">
+              <a:rPr lang="pt-BR" sz="1000">
                 <a:solidFill>
                   <a:srgbClr val="1F1F1F"/>
                 </a:solidFill>
                 <a:latin typeface="Adobe Clean"/>
                 <a:cs typeface="Adobe Clean"/>
               </a:rPr>
-              <a:t>As an </a:t>
-            </a:r>
-            <a:r>
-              <a:rPr lang="en-US" sz="1000">
-                <a:solidFill>
-                  <a:srgbClr val="1F1F1F"/>
-                </a:solidFill>
-                <a:latin typeface="Adobe Clean"/>
-                <a:cs typeface="Adobe Clean"/>
-              </a:rPr>
-              <a:t>Elite</a:t>
-            </a:r>
-            <a:r>
-              <a:rPr sz="1000">
-                <a:solidFill>
-                  <a:srgbClr val="1F1F1F"/>
-                </a:solidFill>
-                <a:latin typeface="Adobe Clean"/>
-                <a:cs typeface="Adobe Clean"/>
-              </a:rPr>
-              <a:t> customer, you are</a:t>
-            </a:r>
-            <a:r>
-              <a:rPr lang="en-US" sz="1000">
-                <a:solidFill>
-                  <a:srgbClr val="1F1F1F"/>
-                </a:solidFill>
-                <a:latin typeface="Adobe Clean"/>
-                <a:cs typeface="Adobe Clean"/>
-              </a:rPr>
-              <a:t> </a:t>
-            </a:r>
-            <a:r>
-              <a:rPr sz="1000">
-                <a:solidFill>
-                  <a:srgbClr val="1F1F1F"/>
-                </a:solidFill>
-                <a:latin typeface="Adobe Clean"/>
-                <a:cs typeface="Adobe Clean"/>
-              </a:rPr>
-              <a:t> eligible for</a:t>
-            </a:r>
-            <a:r>
-              <a:rPr lang="en-US" sz="1200">
+              <a:t>Como cliente Elite, você tem direito a</a:t>
+            </a:r>
+            <a:r>
+              <a:rPr lang="pt-BR" sz="1200">
                 <a:solidFill>
                   <a:srgbClr val="1F1F1F"/>
                 </a:solidFill>
@@ -13377,7 +11891,7 @@
               <a:t> </a:t>
             </a:r>
             <a:r>
-              <a:rPr lang="en-US" sz="1200" u="sng">
+              <a:rPr lang="pt-BR" sz="1200" u="sng">
                 <a:solidFill>
                   <a:srgbClr val="1F1F1F"/>
                 </a:solidFill>
@@ -13392,7 +11906,7 @@
               <a:t>4</a:t>
             </a:r>
             <a:r>
-              <a:rPr sz="1200" b="1">
+              <a:rPr lang="pt-BR" sz="1200" b="1">
                 <a:solidFill>
                   <a:srgbClr val="1F1F1F"/>
                 </a:solidFill>
@@ -13402,89 +11916,75 @@
               <a:t> </a:t>
             </a:r>
             <a:r>
-              <a:rPr sz="1000" b="1">
+              <a:rPr lang="pt-BR" sz="1000" b="1">
                 <a:solidFill>
                   <a:srgbClr val="1F1F1F"/>
                 </a:solidFill>
                 <a:latin typeface="Arial"/>
                 <a:cs typeface="Arial"/>
               </a:rPr>
-              <a:t>activities per </a:t>
-            </a:r>
-            <a:r>
-              <a:rPr lang="en-US" sz="1000" b="1">
+              <a:t>atividades por ano</a:t>
+            </a:r>
+          </a:p>
+          <a:p>
+            <a:pPr marL="12700">
+              <a:lnSpc>
+                <a:spcPct val="100000"/>
+              </a:lnSpc>
+              <a:spcBef>
+                <a:spcPts val="55"/>
+              </a:spcBef>
+            </a:pPr>
+            <a:r>
+              <a:rPr lang="pt-BR" sz="1000">
+                <a:solidFill>
+                  <a:srgbClr val="1F1F1F"/>
+                </a:solidFill>
+                <a:latin typeface="Adobe Clean"/>
+                <a:cs typeface="Adobe Clean"/>
+              </a:rPr>
+              <a:t>entre as duas opções a seguir: </a:t>
+            </a:r>
+            <a:r>
+              <a:rPr lang="pt-BR" sz="1000" b="1">
                 <a:solidFill>
                   <a:srgbClr val="1F1F1F"/>
                 </a:solidFill>
                 <a:latin typeface="Arial"/>
                 <a:cs typeface="Arial"/>
               </a:rPr>
-              <a:t>year </a:t>
-            </a:r>
-            <a:r>
-              <a:rPr lang="en-US" sz="1000">
-                <a:solidFill>
-                  <a:srgbClr val="1F1F1F"/>
-                </a:solidFill>
-                <a:latin typeface="Adobe Clean"/>
-                <a:cs typeface="Arial"/>
-              </a:rPr>
-              <a:t>from</a:t>
-            </a:r>
-            <a:r>
-              <a:rPr sz="1000">
+              <a:t>Atividades técnicas </a:t>
+            </a:r>
+            <a:r>
+              <a:rPr lang="pt-BR" sz="1000">
                 <a:solidFill>
                   <a:srgbClr val="1F1F1F"/>
                 </a:solidFill>
                 <a:latin typeface="Adobe Clean"/>
                 <a:cs typeface="Adobe Clean"/>
               </a:rPr>
-              <a:t> the following two tracks: </a:t>
-            </a:r>
-            <a:r>
-              <a:rPr sz="1000" b="1">
+              <a:t>e/ou </a:t>
+            </a:r>
+            <a:r>
+              <a:rPr lang="pt-BR" sz="1000" b="1">
                 <a:solidFill>
                   <a:srgbClr val="1F1F1F"/>
                 </a:solidFill>
                 <a:latin typeface="Arial"/>
                 <a:cs typeface="Arial"/>
               </a:rPr>
-              <a:t>Technical </a:t>
-            </a:r>
-            <a:r>
-              <a:rPr sz="1000">
+              <a:t>Atividades estratégicas</a:t>
+            </a:r>
+            <a:r>
+              <a:rPr lang="pt-BR" sz="1000">
                 <a:solidFill>
                   <a:srgbClr val="1F1F1F"/>
                 </a:solidFill>
-                <a:latin typeface="Adobe Clean"/>
-                <a:cs typeface="Adobe Clean"/>
-              </a:rPr>
-              <a:t>and/or </a:t>
-            </a:r>
-            <a:r>
-              <a:rPr sz="1000" b="1">
-                <a:solidFill>
-                  <a:srgbClr val="1F1F1F"/>
-                </a:solidFill>
-                <a:latin typeface="Arial"/>
-                <a:cs typeface="Arial"/>
-              </a:rPr>
-              <a:t>Strategic</a:t>
-            </a:r>
-            <a:r>
-              <a:rPr lang="en-US" sz="1000" b="1">
-                <a:solidFill>
-                  <a:srgbClr val="1F1F1F"/>
-                </a:solidFill>
                 <a:latin typeface="AdobeClean-Light"/>
-                <a:cs typeface="Arial"/>
+                <a:cs typeface="AdobeClean-Light"/>
               </a:rPr>
               <a:t>.</a:t>
             </a:r>
-            <a:endParaRPr sz="1000">
-              <a:latin typeface="AdobeClean-Light"/>
-              <a:cs typeface="AdobeClean-Light"/>
-            </a:endParaRPr>
           </a:p>
         </p:txBody>
       </p:sp>
@@ -13497,7 +11997,7 @@
         <p:spPr>
           <a:xfrm>
             <a:off x="923023" y="538480"/>
-            <a:ext cx="2323349" cy="228268"/>
+            <a:ext cx="3053878" cy="228268"/>
           </a:xfrm>
           <a:prstGeom prst="rect">
             <a:avLst/>
@@ -13518,69 +12018,15 @@
               </a:spcBef>
             </a:pPr>
             <a:r>
-              <a:rPr sz="1400" b="1" spc="-15">
+              <a:rPr lang="pt-BR" sz="1400" b="1" dirty="0">
                 <a:solidFill>
                   <a:srgbClr val="020302"/>
                 </a:solidFill>
                 <a:latin typeface="Adobe Clean"/>
                 <a:cs typeface="Adobe Clean"/>
               </a:rPr>
-              <a:t>Cloud</a:t>
-            </a:r>
-            <a:r>
-              <a:rPr sz="1400" b="1" spc="-45">
-                <a:solidFill>
-                  <a:srgbClr val="020302"/>
-                </a:solidFill>
-                <a:latin typeface="Adobe Clean"/>
-                <a:cs typeface="Adobe Clean"/>
-              </a:rPr>
-              <a:t> </a:t>
-            </a:r>
-            <a:r>
-              <a:rPr sz="1400" b="1" spc="-15">
-                <a:solidFill>
-                  <a:srgbClr val="020302"/>
-                </a:solidFill>
-                <a:latin typeface="Adobe Clean"/>
-                <a:cs typeface="Adobe Clean"/>
-              </a:rPr>
-              <a:t>Support</a:t>
-            </a:r>
-            <a:r>
-              <a:rPr sz="1400" b="1" spc="-50">
-                <a:solidFill>
-                  <a:srgbClr val="020302"/>
-                </a:solidFill>
-                <a:latin typeface="Adobe Clean"/>
-                <a:cs typeface="Adobe Clean"/>
-              </a:rPr>
-              <a:t> </a:t>
-            </a:r>
-            <a:r>
-              <a:rPr sz="1400" b="1" spc="-15">
-                <a:solidFill>
-                  <a:srgbClr val="020302"/>
-                </a:solidFill>
-                <a:latin typeface="Adobe Clean"/>
-                <a:cs typeface="Adobe Clean"/>
-              </a:rPr>
-              <a:t>Activities</a:t>
-            </a:r>
-            <a:r>
-              <a:rPr lang="en-US" sz="1400" b="1" spc="-15">
-                <a:solidFill>
-                  <a:srgbClr val="020302"/>
-                </a:solidFill>
-                <a:latin typeface="Adobe Clean"/>
-                <a:cs typeface="Adobe Clean"/>
-              </a:rPr>
-              <a:t> - AEM</a:t>
-            </a:r>
-            <a:endParaRPr sz="1400">
-              <a:latin typeface="Adobe Clean"/>
-              <a:cs typeface="Adobe Clean"/>
-            </a:endParaRPr>
+              <a:t>Atividades de suporte na nuvem — AEM</a:t>
+            </a:r>
           </a:p>
         </p:txBody>
       </p:sp>
@@ -13593,7 +12039,7 @@
         <p:spPr>
           <a:xfrm>
             <a:off x="924894" y="814263"/>
-            <a:ext cx="2321477" cy="45719"/>
+            <a:ext cx="3052007" cy="45719"/>
           </a:xfrm>
           <a:custGeom>
             <a:avLst/>
@@ -13696,6 +12142,10 @@
           </p:nvPr>
         </p:nvSpPr>
         <p:spPr>
+          <a:xfrm>
+            <a:off x="97787" y="9861195"/>
+            <a:ext cx="2820499" cy="133370"/>
+          </a:xfrm>
           <a:prstGeom prst="rect">
             <a:avLst/>
           </a:prstGeom>
@@ -13715,36 +12165,8 @@
               </a:spcBef>
             </a:pPr>
             <a:r>
-              <a:rPr spc="-5"/>
-              <a:t>©2021 Adobe. All</a:t>
-            </a:r>
-            <a:r>
-              <a:rPr spc="-15"/>
-              <a:t> Rights</a:t>
-            </a:r>
-            <a:r>
-              <a:rPr spc="-10"/>
-              <a:t> </a:t>
-            </a:r>
-            <a:r>
-              <a:rPr spc="-15"/>
-              <a:t>Reserved.</a:t>
-            </a:r>
-            <a:r>
-              <a:rPr spc="-10"/>
-              <a:t> </a:t>
-            </a:r>
-            <a:r>
-              <a:rPr spc="-5"/>
-              <a:t>Adobe</a:t>
-            </a:r>
-            <a:r>
-              <a:rPr spc="60"/>
-              <a:t> </a:t>
-            </a:r>
-            <a:r>
-              <a:rPr spc="-15"/>
-              <a:t>Confidential.</a:t>
+              <a:rPr lang="pt-BR" dirty="0"/>
+              <a:t>©2021 Adobe. All Rights Reserved. Adobe Confidential.</a:t>
             </a:r>
           </a:p>
         </p:txBody>
@@ -13800,8 +12222,8 @@
           <a:p>
             <a:pPr algn="ctr"/>
             <a:r>
-              <a:rPr lang="en-US" sz="1600"/>
-              <a:t>Run &amp; Operate</a:t>
+              <a:rPr lang="pt-BR" sz="1600"/>
+              <a:t>Execução e operação</a:t>
             </a:r>
           </a:p>
         </p:txBody>
@@ -13857,8 +12279,8 @@
           <a:p>
             <a:pPr algn="ctr"/>
             <a:r>
-              <a:rPr lang="en-US" sz="1600"/>
-              <a:t>Implementation</a:t>
+              <a:rPr lang="pt-BR" sz="1600"/>
+              <a:t>Implementação</a:t>
             </a:r>
           </a:p>
         </p:txBody>
@@ -13877,7 +12299,7 @@
         </p:nvSpPr>
         <p:spPr>
           <a:xfrm>
-            <a:off x="2918286" y="3586760"/>
+            <a:off x="2918286" y="3429000"/>
             <a:ext cx="933111" cy="261610"/>
           </a:xfrm>
           <a:prstGeom prst="rect">
@@ -13893,8 +12315,8 @@
           <a:p>
             <a:pPr algn="ctr"/>
             <a:r>
-              <a:rPr lang="en-US" sz="1100"/>
-              <a:t>Post Launch</a:t>
+              <a:rPr lang="pt-BR" sz="1100" dirty="0"/>
+              <a:t>Pós-lançamento</a:t>
             </a:r>
           </a:p>
         </p:txBody>
@@ -13929,8 +12351,8 @@
           <a:p>
             <a:pPr algn="ctr"/>
             <a:r>
-              <a:rPr lang="en-US" sz="1100"/>
-              <a:t>Go-Live</a:t>
+              <a:rPr lang="pt-BR" sz="1100"/>
+              <a:t>Lançamento</a:t>
             </a:r>
           </a:p>
         </p:txBody>
@@ -13965,8 +12387,8 @@
           <a:p>
             <a:pPr algn="ctr"/>
             <a:r>
-              <a:rPr lang="en-US" sz="1100"/>
-              <a:t>Define</a:t>
+              <a:rPr lang="pt-BR" sz="1100"/>
+              <a:t>Definição</a:t>
             </a:r>
           </a:p>
         </p:txBody>
@@ -14001,8 +12423,8 @@
           <a:p>
             <a:pPr algn="ctr"/>
             <a:r>
-              <a:rPr lang="en-US" sz="1100"/>
-              <a:t>Kickoff</a:t>
+              <a:rPr lang="pt-BR" sz="1100"/>
+              <a:t>Início</a:t>
             </a:r>
           </a:p>
         </p:txBody>
@@ -14037,8 +12459,8 @@
           <a:p>
             <a:pPr algn="ctr"/>
             <a:r>
-              <a:rPr lang="en-US" sz="1100"/>
-              <a:t>Design</a:t>
+              <a:rPr lang="pt-BR" sz="1100"/>
+              <a:t>Projeto</a:t>
             </a:r>
           </a:p>
         </p:txBody>
@@ -14095,14 +12517,14 @@
           <a:p>
             <a:pPr algn="ctr"/>
             <a:r>
-              <a:rPr lang="en-US" sz="1400">
+              <a:rPr lang="pt-BR" sz="1400">
                 <a:solidFill>
                   <a:schemeClr val="accent1">
                     <a:lumMod val="50000"/>
                   </a:schemeClr>
                 </a:solidFill>
               </a:rPr>
-              <a:t>4 Activities per Year</a:t>
+              <a:t>4 atividades por ano</a:t>
             </a:r>
           </a:p>
         </p:txBody>
@@ -14121,7 +12543,7 @@
         </p:nvSpPr>
         <p:spPr>
           <a:xfrm>
-            <a:off x="5265661" y="1471646"/>
+            <a:off x="5265661" y="1596978"/>
             <a:ext cx="2194560" cy="536622"/>
           </a:xfrm>
           <a:prstGeom prst="rect">
@@ -14143,20 +12565,14 @@
               </a:spcBef>
             </a:pPr>
             <a:r>
-              <a:rPr lang="en-US" sz="1000">
+              <a:rPr lang="pt-BR" sz="1000" dirty="0">
                 <a:solidFill>
                   <a:srgbClr val="4B4B4B"/>
                 </a:solidFill>
                 <a:latin typeface="Adobe Clean Light" panose="020B0303020404020204" pitchFamily="34" charset="0"/>
               </a:rPr>
-              <a:t>Drive adoption of customization best practices and core components in AEM as a Cloud Service.</a:t>
-            </a:r>
-            <a:endParaRPr sz="1000">
-              <a:solidFill>
-                <a:srgbClr val="4B4B4B"/>
-              </a:solidFill>
-              <a:latin typeface="Adobe Clean Light" panose="020B0303020404020204" pitchFamily="34" charset="0"/>
-            </a:endParaRPr>
+              <a:t>Adoção de práticas recomendadas de personalização e dos componentes principais no AEM as a Cloud Service</a:t>
+            </a:r>
           </a:p>
         </p:txBody>
       </p:sp>
@@ -14174,7 +12590,7 @@
         </p:nvSpPr>
         <p:spPr>
           <a:xfrm>
-            <a:off x="2835999" y="1464006"/>
+            <a:off x="2835999" y="1416224"/>
             <a:ext cx="2194560" cy="717376"/>
           </a:xfrm>
           <a:prstGeom prst="rect">
@@ -14196,20 +12612,14 @@
               </a:spcBef>
             </a:pPr>
             <a:r>
-              <a:rPr lang="en-US" sz="1000">
+              <a:rPr lang="pt-BR" sz="1000" dirty="0">
                 <a:solidFill>
                   <a:srgbClr val="4B4B4B"/>
                 </a:solidFill>
                 <a:latin typeface="Adobe Clean Light" panose="020B0303020404020204" pitchFamily="34" charset="0"/>
               </a:rPr>
-              <a:t>Identify, review and provide recommendations on customized solution adoption areas that have opportunities for optimization.</a:t>
-            </a:r>
-            <a:endParaRPr sz="1000">
-              <a:solidFill>
-                <a:srgbClr val="4B4B4B"/>
-              </a:solidFill>
-              <a:latin typeface="Adobe Clean Light" panose="020B0303020404020204" pitchFamily="34" charset="0"/>
-            </a:endParaRPr>
+              <a:t>Identificação, revisão e recomendações sobre áreas personalizadas da adoção de soluções com oportunidades de otimização</a:t>
+            </a:r>
           </a:p>
         </p:txBody>
       </p:sp>
@@ -14228,7 +12638,7 @@
         <p:spPr>
           <a:xfrm>
             <a:off x="355868" y="1417898"/>
-            <a:ext cx="2194560" cy="717376"/>
+            <a:ext cx="2317302" cy="717376"/>
           </a:xfrm>
           <a:prstGeom prst="rect">
             <a:avLst/>
@@ -14249,20 +12659,14 @@
               </a:spcBef>
             </a:pPr>
             <a:r>
-              <a:rPr lang="en-US" sz="1000">
+              <a:rPr lang="pt-BR" sz="1000" dirty="0">
                 <a:solidFill>
                   <a:srgbClr val="4B4B4B"/>
                 </a:solidFill>
                 <a:latin typeface="Adobe Clean Light" panose="020B0303020404020204" pitchFamily="34" charset="0"/>
               </a:rPr>
-              <a:t>Technical &amp; operational governance to assist AEM as a Cloud Service Customers in adhering to industry standards and best practices for AEM as a Cloud Service.</a:t>
-            </a:r>
-            <a:endParaRPr sz="1000">
-              <a:solidFill>
-                <a:srgbClr val="4B4B4B"/>
-              </a:solidFill>
-              <a:latin typeface="Adobe Clean Light" panose="020B0303020404020204" pitchFamily="34" charset="0"/>
-            </a:endParaRPr>
+              <a:t>Governança técnica e operacional para auxiliar os clientes do AEM as a Cloud Service a seguirem os padrões do setor e as práticas recomendadas do AEM as a Cloud Service</a:t>
+            </a:r>
           </a:p>
         </p:txBody>
       </p:sp>
@@ -14281,7 +12685,7 @@
         <p:spPr>
           <a:xfrm>
             <a:off x="5181600" y="936612"/>
-            <a:ext cx="1972258" cy="461665"/>
+            <a:ext cx="1972258" cy="646331"/>
           </a:xfrm>
           <a:prstGeom prst="rect">
             <a:avLst/>
@@ -14302,489 +12706,34 @@
               </a:spcBef>
             </a:pPr>
             <a:r>
-              <a:rPr lang="en-US" sz="1200" b="1" spc="-15">
+              <a:rPr lang="pt-BR" sz="1200" b="1" dirty="0">
                 <a:solidFill>
                   <a:srgbClr val="020302"/>
                 </a:solidFill>
                 <a:latin typeface="Adobe Clean"/>
                 <a:cs typeface="Adobe Clean"/>
               </a:rPr>
-              <a:t>C</a:t>
-            </a:r>
-            <a:r>
-              <a:rPr lang="en-US" sz="1200" b="1" spc="-20">
+              <a:t>Práticas recomendadas </a:t>
+            </a:r>
+            <a:br>
+              <a:rPr lang="sk-SK" sz="1200" b="1" dirty="0">
                 <a:solidFill>
                   <a:srgbClr val="020302"/>
                 </a:solidFill>
                 <a:latin typeface="Adobe Clean"/>
                 <a:cs typeface="Adobe Clean"/>
               </a:rPr>
-              <a:t>u</a:t>
-            </a:r>
-            <a:r>
-              <a:rPr lang="en-US" sz="1200" b="1" spc="-25">
+            </a:br>
+            <a:r>
+              <a:rPr lang="pt-BR" sz="1200" b="1" dirty="0">
                 <a:solidFill>
                   <a:srgbClr val="020302"/>
                 </a:solidFill>
                 <a:latin typeface="Adobe Clean"/>
                 <a:cs typeface="Adobe Clean"/>
               </a:rPr>
-              <a:t>st</a:t>
-            </a:r>
-            <a:r>
-              <a:rPr lang="en-US" sz="1200" b="1" spc="-15">
-                <a:solidFill>
-                  <a:srgbClr val="020302"/>
-                </a:solidFill>
-                <a:latin typeface="Adobe Clean"/>
-                <a:cs typeface="Adobe Clean"/>
-              </a:rPr>
-              <a:t>o</a:t>
-            </a:r>
-            <a:r>
-              <a:rPr lang="en-US" sz="1200" b="1" spc="-20">
-                <a:solidFill>
-                  <a:srgbClr val="020302"/>
-                </a:solidFill>
-                <a:latin typeface="Adobe Clean"/>
-                <a:cs typeface="Adobe Clean"/>
-              </a:rPr>
-              <a:t>miza</a:t>
-            </a:r>
-            <a:r>
-              <a:rPr lang="en-US" sz="1200" b="1" spc="-25">
-                <a:solidFill>
-                  <a:srgbClr val="020302"/>
-                </a:solidFill>
-                <a:latin typeface="Adobe Clean"/>
-                <a:cs typeface="Adobe Clean"/>
-              </a:rPr>
-              <a:t>t</a:t>
-            </a:r>
-            <a:r>
-              <a:rPr lang="en-US" sz="1200" b="1" spc="-20">
-                <a:solidFill>
-                  <a:srgbClr val="020302"/>
-                </a:solidFill>
-                <a:latin typeface="Adobe Clean"/>
-                <a:cs typeface="Adobe Clean"/>
-              </a:rPr>
-              <a:t>i</a:t>
-            </a:r>
-            <a:r>
-              <a:rPr lang="en-US" sz="1200" b="1" spc="-15">
-                <a:solidFill>
-                  <a:srgbClr val="020302"/>
-                </a:solidFill>
-                <a:latin typeface="Adobe Clean"/>
-                <a:cs typeface="Adobe Clean"/>
-              </a:rPr>
-              <a:t>o</a:t>
-            </a:r>
-            <a:r>
-              <a:rPr lang="en-US" sz="1200" b="1">
-                <a:solidFill>
-                  <a:srgbClr val="020302"/>
-                </a:solidFill>
-                <a:latin typeface="Adobe Clean"/>
-                <a:cs typeface="Adobe Clean"/>
-              </a:rPr>
-              <a:t>n</a:t>
-            </a:r>
-            <a:r>
-              <a:rPr lang="en-US" sz="1200" b="1" spc="-50">
-                <a:solidFill>
-                  <a:srgbClr val="020302"/>
-                </a:solidFill>
-                <a:latin typeface="Adobe Clean"/>
-                <a:cs typeface="Adobe Clean"/>
-              </a:rPr>
-              <a:t> </a:t>
-            </a:r>
-            <a:r>
-              <a:rPr lang="en-US" sz="1200" b="1" spc="-20">
-                <a:solidFill>
-                  <a:srgbClr val="020302"/>
-                </a:solidFill>
-                <a:latin typeface="Adobe Clean"/>
-                <a:cs typeface="Adobe Clean"/>
-              </a:rPr>
-              <a:t>B</a:t>
-            </a:r>
-            <a:r>
-              <a:rPr lang="en-US" sz="1200" b="1" spc="-25">
-                <a:solidFill>
-                  <a:srgbClr val="020302"/>
-                </a:solidFill>
-                <a:latin typeface="Adobe Clean"/>
-                <a:cs typeface="Adobe Clean"/>
-              </a:rPr>
-              <a:t>es</a:t>
-            </a:r>
-            <a:r>
-              <a:rPr lang="en-US" sz="1200" b="1">
-                <a:solidFill>
-                  <a:srgbClr val="020302"/>
-                </a:solidFill>
-                <a:latin typeface="Adobe Clean"/>
-                <a:cs typeface="Adobe Clean"/>
-              </a:rPr>
-              <a:t>t</a:t>
-            </a:r>
-            <a:r>
-              <a:rPr lang="en-US" sz="1200" b="1" spc="-50">
-                <a:solidFill>
-                  <a:srgbClr val="020302"/>
-                </a:solidFill>
-                <a:latin typeface="Adobe Clean"/>
-                <a:cs typeface="Adobe Clean"/>
-              </a:rPr>
-              <a:t> </a:t>
-            </a:r>
-            <a:r>
-              <a:rPr lang="en-US" sz="1200" b="1" spc="-25">
-                <a:solidFill>
-                  <a:srgbClr val="020302"/>
-                </a:solidFill>
-                <a:latin typeface="Adobe Clean"/>
-                <a:cs typeface="Adobe Clean"/>
-              </a:rPr>
-              <a:t>P</a:t>
-            </a:r>
-            <a:r>
-              <a:rPr lang="en-US" sz="1200" b="1" spc="-20">
-                <a:solidFill>
-                  <a:srgbClr val="020302"/>
-                </a:solidFill>
-                <a:latin typeface="Adobe Clean"/>
-                <a:cs typeface="Adobe Clean"/>
-              </a:rPr>
-              <a:t>ra</a:t>
-            </a:r>
-            <a:r>
-              <a:rPr lang="en-US" sz="1200" b="1" spc="-30">
-                <a:solidFill>
-                  <a:srgbClr val="020302"/>
-                </a:solidFill>
-                <a:latin typeface="Adobe Clean"/>
-                <a:cs typeface="Adobe Clean"/>
-              </a:rPr>
-              <a:t>c</a:t>
-            </a:r>
-            <a:r>
-              <a:rPr lang="en-US" sz="1200" b="1" spc="-25">
-                <a:solidFill>
-                  <a:srgbClr val="020302"/>
-                </a:solidFill>
-                <a:latin typeface="Adobe Clean"/>
-                <a:cs typeface="Adobe Clean"/>
-              </a:rPr>
-              <a:t>t</a:t>
-            </a:r>
-            <a:r>
-              <a:rPr lang="en-US" sz="1200" b="1" spc="-20">
-                <a:solidFill>
-                  <a:srgbClr val="020302"/>
-                </a:solidFill>
-                <a:latin typeface="Adobe Clean"/>
-                <a:cs typeface="Adobe Clean"/>
-              </a:rPr>
-              <a:t>i</a:t>
-            </a:r>
-            <a:r>
-              <a:rPr lang="en-US" sz="1200" b="1" spc="-30">
-                <a:solidFill>
-                  <a:srgbClr val="020302"/>
-                </a:solidFill>
-                <a:latin typeface="Adobe Clean"/>
-                <a:cs typeface="Adobe Clean"/>
-              </a:rPr>
-              <a:t>c</a:t>
-            </a:r>
-            <a:r>
-              <a:rPr lang="en-US" sz="1200" b="1" spc="-25">
-                <a:solidFill>
-                  <a:srgbClr val="020302"/>
-                </a:solidFill>
-                <a:latin typeface="Adobe Clean"/>
-                <a:cs typeface="Adobe Clean"/>
-              </a:rPr>
-              <a:t>e</a:t>
-            </a:r>
-            <a:r>
-              <a:rPr lang="en-US" sz="1200" b="1">
-                <a:solidFill>
-                  <a:srgbClr val="020302"/>
-                </a:solidFill>
-                <a:latin typeface="Adobe Clean"/>
-                <a:cs typeface="Adobe Clean"/>
-              </a:rPr>
-              <a:t>s</a:t>
-            </a:r>
-            <a:r>
-              <a:rPr lang="en-US" sz="1200" b="1" spc="-45">
-                <a:solidFill>
-                  <a:srgbClr val="020302"/>
-                </a:solidFill>
-                <a:latin typeface="Adobe Clean"/>
-                <a:cs typeface="Adobe Clean"/>
-              </a:rPr>
-              <a:t> </a:t>
-            </a:r>
-            <a:r>
-              <a:rPr lang="en-US" sz="1200" b="1" spc="-25">
-                <a:solidFill>
-                  <a:srgbClr val="020302"/>
-                </a:solidFill>
-                <a:latin typeface="Adobe Clean"/>
-                <a:cs typeface="Adobe Clean"/>
-              </a:rPr>
-              <a:t>f</a:t>
-            </a:r>
-            <a:r>
-              <a:rPr lang="en-US" sz="1200" b="1" spc="-15">
-                <a:solidFill>
-                  <a:srgbClr val="020302"/>
-                </a:solidFill>
-                <a:latin typeface="Adobe Clean"/>
-                <a:cs typeface="Adobe Clean"/>
-              </a:rPr>
-              <a:t>o</a:t>
-            </a:r>
-            <a:r>
-              <a:rPr lang="en-US" sz="1200" b="1">
-                <a:solidFill>
-                  <a:srgbClr val="020302"/>
-                </a:solidFill>
-                <a:latin typeface="Adobe Clean"/>
-                <a:cs typeface="Adobe Clean"/>
-              </a:rPr>
-              <a:t>r</a:t>
-            </a:r>
-            <a:r>
-              <a:rPr lang="en-US" sz="1200" b="1" spc="-45">
-                <a:solidFill>
-                  <a:srgbClr val="020302"/>
-                </a:solidFill>
-                <a:latin typeface="Adobe Clean"/>
-                <a:cs typeface="Adobe Clean"/>
-              </a:rPr>
-              <a:t> </a:t>
-            </a:r>
-            <a:r>
-              <a:rPr lang="en-US" sz="1200" b="1" spc="-30">
-                <a:solidFill>
-                  <a:srgbClr val="020302"/>
-                </a:solidFill>
-                <a:latin typeface="Adobe Clean"/>
-                <a:cs typeface="Adobe Clean"/>
-              </a:rPr>
-              <a:t>AE</a:t>
-            </a:r>
-            <a:r>
-              <a:rPr lang="en-US" sz="1200" b="1">
-                <a:solidFill>
-                  <a:srgbClr val="020302"/>
-                </a:solidFill>
-                <a:latin typeface="Adobe Clean"/>
-                <a:cs typeface="Adobe Clean"/>
-              </a:rPr>
-              <a:t>M</a:t>
-            </a:r>
-            <a:r>
-              <a:rPr lang="en-US" sz="1200" b="1" spc="-55">
-                <a:solidFill>
-                  <a:srgbClr val="020302"/>
-                </a:solidFill>
-                <a:latin typeface="Adobe Clean"/>
-                <a:cs typeface="Adobe Clean"/>
-              </a:rPr>
-              <a:t> </a:t>
-            </a:r>
-            <a:r>
-              <a:rPr lang="en-US" sz="1200" b="1" spc="-20">
-                <a:solidFill>
-                  <a:srgbClr val="020302"/>
-                </a:solidFill>
-                <a:latin typeface="Adobe Clean"/>
-                <a:cs typeface="Adobe Clean"/>
-              </a:rPr>
-              <a:t>a</a:t>
-            </a:r>
-            <a:r>
-              <a:rPr lang="en-US" sz="1200" b="1">
-                <a:solidFill>
-                  <a:srgbClr val="020302"/>
-                </a:solidFill>
-                <a:latin typeface="Adobe Clean"/>
-                <a:cs typeface="Adobe Clean"/>
-              </a:rPr>
-              <a:t>s</a:t>
-            </a:r>
-            <a:r>
-              <a:rPr lang="en-US" sz="1200" b="1" spc="-45">
-                <a:solidFill>
-                  <a:srgbClr val="020302"/>
-                </a:solidFill>
-                <a:latin typeface="Adobe Clean"/>
-                <a:cs typeface="Adobe Clean"/>
-              </a:rPr>
-              <a:t> </a:t>
-            </a:r>
-            <a:r>
-              <a:rPr lang="en-US" sz="1200" b="1">
-                <a:solidFill>
-                  <a:srgbClr val="020302"/>
-                </a:solidFill>
-                <a:latin typeface="Adobe Clean"/>
-                <a:cs typeface="Adobe Clean"/>
-              </a:rPr>
-              <a:t>a</a:t>
-            </a:r>
-            <a:r>
-              <a:rPr lang="en-US" sz="1200" b="1" spc="-45">
-                <a:solidFill>
-                  <a:srgbClr val="020302"/>
-                </a:solidFill>
-                <a:latin typeface="Adobe Clean"/>
-                <a:cs typeface="Adobe Clean"/>
-              </a:rPr>
-              <a:t> </a:t>
-            </a:r>
-            <a:r>
-              <a:rPr lang="en-US" sz="1200" b="1" spc="-15">
-                <a:solidFill>
-                  <a:srgbClr val="020302"/>
-                </a:solidFill>
-                <a:latin typeface="Adobe Clean"/>
-                <a:cs typeface="Adobe Clean"/>
-              </a:rPr>
-              <a:t>C</a:t>
-            </a:r>
-            <a:r>
-              <a:rPr lang="en-US" sz="1200" b="1" spc="-25">
-                <a:solidFill>
-                  <a:srgbClr val="020302"/>
-                </a:solidFill>
-                <a:latin typeface="Adobe Clean"/>
-                <a:cs typeface="Adobe Clean"/>
-              </a:rPr>
-              <a:t>l</a:t>
-            </a:r>
-            <a:r>
-              <a:rPr lang="en-US" sz="1200" b="1" spc="-15">
-                <a:solidFill>
-                  <a:srgbClr val="020302"/>
-                </a:solidFill>
-                <a:latin typeface="Adobe Clean"/>
-                <a:cs typeface="Adobe Clean"/>
-              </a:rPr>
-              <a:t>o</a:t>
-            </a:r>
-            <a:r>
-              <a:rPr lang="en-US" sz="1200" b="1" spc="-20">
-                <a:solidFill>
-                  <a:srgbClr val="020302"/>
-                </a:solidFill>
-                <a:latin typeface="Adobe Clean"/>
-                <a:cs typeface="Adobe Clean"/>
-              </a:rPr>
-              <a:t>u</a:t>
-            </a:r>
-            <a:r>
-              <a:rPr lang="en-US" sz="1200" b="1">
-                <a:solidFill>
-                  <a:srgbClr val="020302"/>
-                </a:solidFill>
-                <a:latin typeface="Adobe Clean"/>
-                <a:cs typeface="Adobe Clean"/>
-              </a:rPr>
-              <a:t>d</a:t>
-            </a:r>
-            <a:r>
-              <a:rPr lang="en-US" sz="1200" b="1" spc="-50">
-                <a:solidFill>
-                  <a:srgbClr val="020302"/>
-                </a:solidFill>
-                <a:latin typeface="Adobe Clean"/>
-                <a:cs typeface="Adobe Clean"/>
-              </a:rPr>
-              <a:t> </a:t>
-            </a:r>
-            <a:r>
-              <a:rPr lang="en-US" sz="1200" b="1" spc="-20">
-                <a:solidFill>
-                  <a:srgbClr val="020302"/>
-                </a:solidFill>
-                <a:latin typeface="Adobe Clean"/>
-                <a:cs typeface="Adobe Clean"/>
-              </a:rPr>
-              <a:t>S</a:t>
-            </a:r>
-            <a:r>
-              <a:rPr lang="en-US" sz="1200" b="1" spc="-25">
-                <a:solidFill>
-                  <a:srgbClr val="020302"/>
-                </a:solidFill>
-                <a:latin typeface="Adobe Clean"/>
-                <a:cs typeface="Adobe Clean"/>
-              </a:rPr>
-              <a:t>e</a:t>
-            </a:r>
-            <a:r>
-              <a:rPr lang="en-US" sz="1200" b="1" spc="-20">
-                <a:solidFill>
-                  <a:srgbClr val="020302"/>
-                </a:solidFill>
-                <a:latin typeface="Adobe Clean"/>
-                <a:cs typeface="Adobe Clean"/>
-              </a:rPr>
-              <a:t>r</a:t>
-            </a:r>
-            <a:r>
-              <a:rPr lang="en-US" sz="1200" b="1" spc="-30">
-                <a:solidFill>
-                  <a:srgbClr val="020302"/>
-                </a:solidFill>
-                <a:latin typeface="Adobe Clean"/>
-                <a:cs typeface="Adobe Clean"/>
-              </a:rPr>
-              <a:t>v</a:t>
-            </a:r>
-            <a:r>
-              <a:rPr lang="en-US" sz="1200" b="1" spc="-20">
-                <a:solidFill>
-                  <a:srgbClr val="020302"/>
-                </a:solidFill>
-                <a:latin typeface="Adobe Clean"/>
-                <a:cs typeface="Adobe Clean"/>
-              </a:rPr>
-              <a:t>i</a:t>
-            </a:r>
-            <a:r>
-              <a:rPr lang="en-US" sz="1200" b="1" spc="-30">
-                <a:solidFill>
-                  <a:srgbClr val="020302"/>
-                </a:solidFill>
-                <a:latin typeface="Adobe Clean"/>
-                <a:cs typeface="Adobe Clean"/>
-              </a:rPr>
-              <a:t>c</a:t>
-            </a:r>
-            <a:r>
-              <a:rPr lang="en-US" sz="1200" b="1">
-                <a:solidFill>
-                  <a:srgbClr val="020302"/>
-                </a:solidFill>
-                <a:latin typeface="Adobe Clean"/>
-                <a:cs typeface="Adobe Clean"/>
-              </a:rPr>
-              <a:t>e</a:t>
-            </a:r>
-            <a:endParaRPr lang="en-US" sz="1200">
-              <a:latin typeface="Adobe Clean"/>
-              <a:cs typeface="Adobe Clean"/>
-            </a:endParaRPr>
+              <a:t>de personalização do AEM as a Cloud Service</a:t>
+            </a:r>
           </a:p>
         </p:txBody>
       </p:sp>
@@ -14802,8 +12751,8 @@
         </p:nvSpPr>
         <p:spPr>
           <a:xfrm>
-            <a:off x="2752588" y="908302"/>
-            <a:ext cx="1708650" cy="461665"/>
+            <a:off x="2752587" y="908302"/>
+            <a:ext cx="2135785" cy="461665"/>
           </a:xfrm>
           <a:prstGeom prst="rect">
             <a:avLst/>
@@ -14824,19 +12773,15 @@
               </a:spcBef>
             </a:pPr>
             <a:r>
-              <a:rPr lang="en-US" sz="1200" b="1" spc="-25">
+              <a:rPr lang="pt-BR" sz="1200" b="1" dirty="0">
                 <a:solidFill>
                   <a:srgbClr val="020302"/>
                 </a:solidFill>
                 <a:latin typeface="Adobe Clean"/>
                 <a:cs typeface="Adobe Clean"/>
               </a:rPr>
-              <a:t>Value-added Services for AEM as a Cloud Service</a:t>
-            </a:r>
-            <a:endParaRPr lang="en-US" sz="1200">
-              <a:latin typeface="Adobe Clean"/>
-              <a:cs typeface="Adobe Clean"/>
-            </a:endParaRPr>
+              <a:t>Serviços de valor agregado para o AEM as a Cloud Service</a:t>
+            </a:r>
           </a:p>
         </p:txBody>
       </p:sp>
@@ -14876,359 +12821,34 @@
               </a:spcBef>
             </a:pPr>
             <a:r>
-              <a:rPr lang="en-US" sz="1200" b="1" spc="-20">
+              <a:rPr lang="pt-BR" sz="1200" b="1" dirty="0">
                 <a:solidFill>
                   <a:srgbClr val="020302"/>
                 </a:solidFill>
                 <a:latin typeface="Adobe Clean"/>
                 <a:cs typeface="Adobe Clean"/>
               </a:rPr>
-              <a:t>G</a:t>
-            </a:r>
-            <a:r>
-              <a:rPr lang="en-US" sz="1200" b="1" spc="-15">
+              <a:t>Governança para o AEM </a:t>
+            </a:r>
+            <a:br>
+              <a:rPr lang="sk-SK" sz="1200" b="1" dirty="0">
                 <a:solidFill>
                   <a:srgbClr val="020302"/>
                 </a:solidFill>
                 <a:latin typeface="Adobe Clean"/>
                 <a:cs typeface="Adobe Clean"/>
               </a:rPr>
-              <a:t>o</a:t>
-            </a:r>
-            <a:r>
-              <a:rPr lang="en-US" sz="1200" b="1" spc="-25">
+            </a:br>
+            <a:r>
+              <a:rPr lang="pt-BR" sz="1200" b="1" dirty="0">
                 <a:solidFill>
                   <a:srgbClr val="020302"/>
                 </a:solidFill>
                 <a:latin typeface="Adobe Clean"/>
                 <a:cs typeface="Adobe Clean"/>
               </a:rPr>
-              <a:t>ve</a:t>
-            </a:r>
-            <a:r>
-              <a:rPr lang="en-US" sz="1200" b="1" spc="-20">
-                <a:solidFill>
-                  <a:srgbClr val="020302"/>
-                </a:solidFill>
-                <a:latin typeface="Adobe Clean"/>
-                <a:cs typeface="Adobe Clean"/>
-              </a:rPr>
-              <a:t>r</a:t>
-            </a:r>
-            <a:r>
-              <a:rPr lang="en-US" sz="1200" b="1" spc="-25">
-                <a:solidFill>
-                  <a:srgbClr val="020302"/>
-                </a:solidFill>
-                <a:latin typeface="Adobe Clean"/>
-                <a:cs typeface="Adobe Clean"/>
-              </a:rPr>
-              <a:t>n</a:t>
-            </a:r>
-            <a:r>
-              <a:rPr lang="en-US" sz="1200" b="1" spc="-20">
-                <a:solidFill>
-                  <a:srgbClr val="020302"/>
-                </a:solidFill>
-                <a:latin typeface="Adobe Clean"/>
-                <a:cs typeface="Adobe Clean"/>
-              </a:rPr>
-              <a:t>a</a:t>
-            </a:r>
-            <a:r>
-              <a:rPr lang="en-US" sz="1200" b="1" spc="-25">
-                <a:solidFill>
-                  <a:srgbClr val="020302"/>
-                </a:solidFill>
-                <a:latin typeface="Adobe Clean"/>
-                <a:cs typeface="Adobe Clean"/>
-              </a:rPr>
-              <a:t>n</a:t>
-            </a:r>
-            <a:r>
-              <a:rPr lang="en-US" sz="1200" b="1" spc="-30">
-                <a:solidFill>
-                  <a:srgbClr val="020302"/>
-                </a:solidFill>
-                <a:latin typeface="Adobe Clean"/>
-                <a:cs typeface="Adobe Clean"/>
-              </a:rPr>
-              <a:t>c</a:t>
-            </a:r>
-            <a:r>
-              <a:rPr lang="en-US" sz="1200" b="1">
-                <a:solidFill>
-                  <a:srgbClr val="020302"/>
-                </a:solidFill>
-                <a:latin typeface="Adobe Clean"/>
-                <a:cs typeface="Adobe Clean"/>
-              </a:rPr>
-              <a:t>e</a:t>
-            </a:r>
-            <a:r>
-              <a:rPr lang="en-US" sz="1200" b="1" spc="-50">
-                <a:solidFill>
-                  <a:srgbClr val="020302"/>
-                </a:solidFill>
-                <a:latin typeface="Adobe Clean"/>
-                <a:cs typeface="Adobe Clean"/>
-              </a:rPr>
-              <a:t> </a:t>
-            </a:r>
-            <a:r>
-              <a:rPr lang="en-US" sz="1200" b="1" spc="-25">
-                <a:solidFill>
-                  <a:srgbClr val="020302"/>
-                </a:solidFill>
-                <a:latin typeface="Adobe Clean"/>
-                <a:cs typeface="Adobe Clean"/>
-              </a:rPr>
-              <a:t>f</a:t>
-            </a:r>
-            <a:r>
-              <a:rPr lang="en-US" sz="1200" b="1" spc="-15">
-                <a:solidFill>
-                  <a:srgbClr val="020302"/>
-                </a:solidFill>
-                <a:latin typeface="Adobe Clean"/>
-                <a:cs typeface="Adobe Clean"/>
-              </a:rPr>
-              <a:t>o</a:t>
-            </a:r>
-            <a:r>
-              <a:rPr lang="en-US" sz="1200" b="1">
-                <a:solidFill>
-                  <a:srgbClr val="020302"/>
-                </a:solidFill>
-                <a:latin typeface="Adobe Clean"/>
-                <a:cs typeface="Adobe Clean"/>
-              </a:rPr>
-              <a:t>r</a:t>
-            </a:r>
-            <a:r>
-              <a:rPr lang="en-US" sz="1200" b="1" spc="-45">
-                <a:solidFill>
-                  <a:srgbClr val="020302"/>
-                </a:solidFill>
-                <a:latin typeface="Adobe Clean"/>
-                <a:cs typeface="Adobe Clean"/>
-              </a:rPr>
-              <a:t> </a:t>
-            </a:r>
-            <a:r>
-              <a:rPr lang="en-US" sz="1200" b="1" spc="-30">
-                <a:solidFill>
-                  <a:srgbClr val="020302"/>
-                </a:solidFill>
-                <a:latin typeface="Adobe Clean"/>
-                <a:cs typeface="Adobe Clean"/>
-              </a:rPr>
-              <a:t>A</a:t>
-            </a:r>
-            <a:r>
-              <a:rPr lang="en-US" sz="1200" b="1" spc="-25">
-                <a:solidFill>
-                  <a:srgbClr val="020302"/>
-                </a:solidFill>
-                <a:latin typeface="Adobe Clean"/>
-                <a:cs typeface="Adobe Clean"/>
-              </a:rPr>
-              <a:t>E</a:t>
-            </a:r>
-            <a:r>
-              <a:rPr lang="en-US" sz="1200" b="1">
-                <a:solidFill>
-                  <a:srgbClr val="020302"/>
-                </a:solidFill>
-                <a:latin typeface="Adobe Clean"/>
-                <a:cs typeface="Adobe Clean"/>
-              </a:rPr>
-              <a:t>M</a:t>
-            </a:r>
-            <a:r>
-              <a:rPr lang="en-US" sz="1200" b="1" spc="-50">
-                <a:solidFill>
-                  <a:srgbClr val="020302"/>
-                </a:solidFill>
-                <a:latin typeface="Adobe Clean"/>
-                <a:cs typeface="Adobe Clean"/>
-              </a:rPr>
-              <a:t> </a:t>
-            </a:r>
-            <a:r>
-              <a:rPr lang="en-US" sz="1200" b="1" spc="-20">
-                <a:solidFill>
-                  <a:srgbClr val="020302"/>
-                </a:solidFill>
-                <a:latin typeface="Adobe Clean"/>
-                <a:cs typeface="Adobe Clean"/>
-              </a:rPr>
-              <a:t>a</a:t>
-            </a:r>
-            <a:r>
-              <a:rPr lang="en-US" sz="1200" b="1">
-                <a:solidFill>
-                  <a:srgbClr val="020302"/>
-                </a:solidFill>
-                <a:latin typeface="Adobe Clean"/>
-                <a:cs typeface="Adobe Clean"/>
-              </a:rPr>
-              <a:t>s</a:t>
-            </a:r>
-            <a:r>
-              <a:rPr lang="en-US" sz="1200" b="1" spc="-45">
-                <a:solidFill>
-                  <a:srgbClr val="020302"/>
-                </a:solidFill>
-                <a:latin typeface="Adobe Clean"/>
-                <a:cs typeface="Adobe Clean"/>
-              </a:rPr>
-              <a:t> </a:t>
-            </a:r>
-            <a:r>
-              <a:rPr lang="en-US" sz="1200" b="1">
-                <a:solidFill>
-                  <a:srgbClr val="020302"/>
-                </a:solidFill>
-                <a:latin typeface="Adobe Clean"/>
-                <a:cs typeface="Adobe Clean"/>
-              </a:rPr>
-              <a:t>a</a:t>
-            </a:r>
-            <a:r>
-              <a:rPr lang="en-US" sz="1200" b="1" spc="-40">
-                <a:solidFill>
-                  <a:srgbClr val="020302"/>
-                </a:solidFill>
-                <a:latin typeface="Adobe Clean"/>
-                <a:cs typeface="Adobe Clean"/>
-              </a:rPr>
-              <a:t> </a:t>
-            </a:r>
-            <a:r>
-              <a:rPr lang="en-US" sz="1200" b="1" spc="-15">
-                <a:solidFill>
-                  <a:srgbClr val="020302"/>
-                </a:solidFill>
-                <a:latin typeface="Adobe Clean"/>
-                <a:cs typeface="Adobe Clean"/>
-              </a:rPr>
-              <a:t>C</a:t>
-            </a:r>
-            <a:r>
-              <a:rPr lang="en-US" sz="1200" b="1" spc="-25">
-                <a:solidFill>
-                  <a:srgbClr val="020302"/>
-                </a:solidFill>
-                <a:latin typeface="Adobe Clean"/>
-                <a:cs typeface="Adobe Clean"/>
-              </a:rPr>
-              <a:t>l</a:t>
-            </a:r>
-            <a:r>
-              <a:rPr lang="en-US" sz="1200" b="1" spc="-15">
-                <a:solidFill>
-                  <a:srgbClr val="020302"/>
-                </a:solidFill>
-                <a:latin typeface="Adobe Clean"/>
-                <a:cs typeface="Adobe Clean"/>
-              </a:rPr>
-              <a:t>ou</a:t>
-            </a:r>
-            <a:r>
-              <a:rPr lang="en-US" sz="1200" b="1">
-                <a:solidFill>
-                  <a:srgbClr val="020302"/>
-                </a:solidFill>
-                <a:latin typeface="Adobe Clean"/>
-                <a:cs typeface="Adobe Clean"/>
-              </a:rPr>
-              <a:t>d</a:t>
-            </a:r>
-            <a:r>
-              <a:rPr lang="en-US" sz="1200" b="1" spc="-50">
-                <a:solidFill>
-                  <a:srgbClr val="020302"/>
-                </a:solidFill>
-                <a:latin typeface="Adobe Clean"/>
-                <a:cs typeface="Adobe Clean"/>
-              </a:rPr>
-              <a:t> </a:t>
-            </a:r>
-            <a:r>
-              <a:rPr lang="en-US" sz="1200" b="1" spc="-20">
-                <a:solidFill>
-                  <a:srgbClr val="020302"/>
-                </a:solidFill>
-                <a:latin typeface="Adobe Clean"/>
-                <a:cs typeface="Adobe Clean"/>
-              </a:rPr>
-              <a:t>S</a:t>
-            </a:r>
-            <a:r>
-              <a:rPr lang="en-US" sz="1200" b="1" spc="-25">
-                <a:solidFill>
-                  <a:srgbClr val="020302"/>
-                </a:solidFill>
-                <a:latin typeface="Adobe Clean"/>
-                <a:cs typeface="Adobe Clean"/>
-              </a:rPr>
-              <a:t>e</a:t>
-            </a:r>
-            <a:r>
-              <a:rPr lang="en-US" sz="1200" b="1" spc="-20">
-                <a:solidFill>
-                  <a:srgbClr val="020302"/>
-                </a:solidFill>
-                <a:latin typeface="Adobe Clean"/>
-                <a:cs typeface="Adobe Clean"/>
-              </a:rPr>
-              <a:t>r</a:t>
-            </a:r>
-            <a:r>
-              <a:rPr lang="en-US" sz="1200" b="1" spc="-25">
-                <a:solidFill>
-                  <a:srgbClr val="020302"/>
-                </a:solidFill>
-                <a:latin typeface="Adobe Clean"/>
-                <a:cs typeface="Adobe Clean"/>
-              </a:rPr>
-              <a:t>v</a:t>
-            </a:r>
-            <a:r>
-              <a:rPr lang="en-US" sz="1200" b="1" spc="-20">
-                <a:solidFill>
-                  <a:srgbClr val="020302"/>
-                </a:solidFill>
-                <a:latin typeface="Adobe Clean"/>
-                <a:cs typeface="Adobe Clean"/>
-              </a:rPr>
-              <a:t>i</a:t>
-            </a:r>
-            <a:r>
-              <a:rPr lang="en-US" sz="1200" b="1" spc="-30">
-                <a:solidFill>
-                  <a:srgbClr val="020302"/>
-                </a:solidFill>
-                <a:latin typeface="Adobe Clean"/>
-                <a:cs typeface="Adobe Clean"/>
-              </a:rPr>
-              <a:t>c</a:t>
-            </a:r>
-            <a:r>
-              <a:rPr lang="en-US" sz="1200" b="1">
-                <a:solidFill>
-                  <a:srgbClr val="020302"/>
-                </a:solidFill>
-                <a:latin typeface="Adobe Clean"/>
-                <a:cs typeface="Adobe Clean"/>
-              </a:rPr>
-              <a:t>e</a:t>
-            </a:r>
-            <a:endParaRPr lang="en-US" sz="1200">
-              <a:latin typeface="Adobe Clean"/>
-              <a:cs typeface="Adobe Clean"/>
-            </a:endParaRPr>
+              <a:t>as a Cloud Service</a:t>
+            </a:r>
           </a:p>
         </p:txBody>
       </p:sp>
@@ -15289,49 +12909,15 @@
               </a:lnSpc>
             </a:pPr>
             <a:r>
-              <a:rPr sz="500" spc="-5">
+              <a:rPr lang="pt-BR" sz="500">
                 <a:solidFill>
                   <a:srgbClr val="6C6C6C"/>
                 </a:solidFill>
                 <a:latin typeface="Adobe Clean"/>
                 <a:cs typeface="Adobe Clean"/>
               </a:rPr>
-              <a:t>©2020 Adobe. All Rights Reserved. </a:t>
-            </a:r>
-            <a:r>
-              <a:rPr sz="500">
-                <a:solidFill>
-                  <a:srgbClr val="6C6C6C"/>
-                </a:solidFill>
-                <a:latin typeface="Adobe Clean"/>
-                <a:cs typeface="Adobe Clean"/>
-              </a:rPr>
-              <a:t>Adobe</a:t>
-            </a:r>
-            <a:r>
-              <a:rPr sz="500" spc="5">
-                <a:solidFill>
-                  <a:srgbClr val="6C6C6C"/>
-                </a:solidFill>
-                <a:latin typeface="Adobe Clean"/>
-                <a:cs typeface="Adobe Clean"/>
-              </a:rPr>
-              <a:t> </a:t>
-            </a:r>
-            <a:r>
-              <a:rPr sz="500" spc="-5">
-                <a:solidFill>
-                  <a:srgbClr val="6C6C6C"/>
-                </a:solidFill>
-                <a:latin typeface="Adobe Clean"/>
-                <a:cs typeface="Adobe Clean"/>
-              </a:rPr>
-              <a:t>Confidential.</a:t>
-            </a:r>
-            <a:endParaRPr sz="500">
-              <a:latin typeface="Adobe Clean"/>
-              <a:cs typeface="Adobe Clean"/>
-            </a:endParaRPr>
+              <a:t>©2020 Adobe. All Rights Reserved. Adobe Confidential.</a:t>
+            </a:r>
           </a:p>
           <a:p>
             <a:pPr>
@@ -15357,39 +12943,15 @@
               </a:spcBef>
             </a:pPr>
             <a:r>
-              <a:rPr sz="800" spc="-5">
+              <a:rPr lang="pt-BR" sz="800">
                 <a:solidFill>
                   <a:srgbClr val="6D6D6D"/>
                 </a:solidFill>
                 <a:latin typeface="Adobe Clean"/>
                 <a:cs typeface="Adobe Clean"/>
               </a:rPr>
-              <a:t>©2020 Adobe. All Rights Reserved. Adobe</a:t>
-            </a:r>
-            <a:r>
-              <a:rPr sz="800" spc="75">
-                <a:solidFill>
-                  <a:srgbClr val="6D6D6D"/>
-                </a:solidFill>
-                <a:latin typeface="Adobe Clean"/>
-                <a:cs typeface="Adobe Clean"/>
-              </a:rPr>
-              <a:t> </a:t>
-            </a:r>
-            <a:r>
-              <a:rPr sz="800" spc="-5">
-                <a:solidFill>
-                  <a:srgbClr val="6D6D6D"/>
-                </a:solidFill>
-                <a:latin typeface="Adobe Clean"/>
-                <a:cs typeface="Adobe Clean"/>
-              </a:rPr>
-              <a:t>Confidential.</a:t>
-            </a:r>
-            <a:endParaRPr sz="800">
-              <a:latin typeface="Adobe Clean"/>
-              <a:cs typeface="Adobe Clean"/>
-            </a:endParaRPr>
+              <a:t>©2020 Adobe. All Rights Reserved. Adobe Confidential.</a:t>
+            </a:r>
           </a:p>
         </p:txBody>
       </p:sp>
@@ -15473,19 +13035,15 @@
               </a:spcBef>
             </a:pPr>
             <a:r>
-              <a:rPr lang="en-US" sz="1400" b="1" spc="-15">
+              <a:rPr lang="pt-BR" sz="1400" b="1">
                 <a:solidFill>
                   <a:srgbClr val="020302"/>
                 </a:solidFill>
                 <a:latin typeface="Adobe Clean"/>
                 <a:cs typeface="Adobe Clean"/>
               </a:rPr>
-              <a:t>Resources</a:t>
-            </a:r>
-            <a:endParaRPr sz="1400">
-              <a:latin typeface="Adobe Clean"/>
-              <a:cs typeface="Adobe Clean"/>
-            </a:endParaRPr>
+              <a:t>Recursos</a:t>
+            </a:r>
           </a:p>
         </p:txBody>
       </p:sp>
@@ -15519,7 +13077,7 @@
               </a:spcBef>
             </a:pPr>
             <a:r>
-              <a:rPr sz="800" spc="-15">
+              <a:rPr lang="pt-BR" sz="800">
                 <a:solidFill>
                   <a:srgbClr val="777879"/>
                 </a:solidFill>
@@ -15528,10 +13086,6 @@
               </a:rPr>
               <a:t>Adobe</a:t>
             </a:r>
-            <a:endParaRPr sz="800">
-              <a:latin typeface="Adobe Clean"/>
-              <a:cs typeface="Adobe Clean"/>
-            </a:endParaRPr>
           </a:p>
           <a:p>
             <a:pPr marL="12700">
@@ -15540,39 +13094,15 @@
               </a:lnSpc>
             </a:pPr>
             <a:r>
-              <a:rPr sz="800" spc="-15">
+              <a:rPr lang="pt-BR" sz="800">
                 <a:solidFill>
                   <a:srgbClr val="777879"/>
                 </a:solidFill>
                 <a:latin typeface="Adobe Clean"/>
                 <a:cs typeface="Adobe Clean"/>
               </a:rPr>
-              <a:t>345 Park</a:t>
-            </a:r>
-            <a:r>
-              <a:rPr sz="800" spc="-100">
-                <a:solidFill>
-                  <a:srgbClr val="777879"/>
-                </a:solidFill>
-                <a:latin typeface="Adobe Clean"/>
-                <a:cs typeface="Adobe Clean"/>
-              </a:rPr>
-              <a:t> </a:t>
-            </a:r>
-            <a:r>
-              <a:rPr sz="800" spc="-15">
-                <a:solidFill>
-                  <a:srgbClr val="777879"/>
-                </a:solidFill>
-                <a:latin typeface="Adobe Clean"/>
-                <a:cs typeface="Adobe Clean"/>
-              </a:rPr>
-              <a:t>Avenue</a:t>
-            </a:r>
-            <a:endParaRPr sz="800">
-              <a:latin typeface="Adobe Clean"/>
-              <a:cs typeface="Adobe Clean"/>
-            </a:endParaRPr>
+              <a:t>345 Park Avenue</a:t>
+            </a:r>
           </a:p>
           <a:p>
             <a:pPr marL="12700">
@@ -15581,49 +13111,15 @@
               </a:lnSpc>
             </a:pPr>
             <a:r>
-              <a:rPr sz="800" spc="-10">
+              <a:rPr lang="pt-BR" sz="800">
                 <a:solidFill>
                   <a:srgbClr val="777879"/>
                 </a:solidFill>
                 <a:latin typeface="Adobe Clean"/>
                 <a:cs typeface="Adobe Clean"/>
               </a:rPr>
-              <a:t>San </a:t>
-            </a:r>
-            <a:r>
-              <a:rPr sz="800" spc="-15">
-                <a:solidFill>
-                  <a:srgbClr val="777879"/>
-                </a:solidFill>
-                <a:latin typeface="Adobe Clean"/>
-                <a:cs typeface="Adobe Clean"/>
-              </a:rPr>
-              <a:t>Jose,</a:t>
-            </a:r>
-            <a:r>
-              <a:rPr sz="800" spc="-140">
-                <a:solidFill>
-                  <a:srgbClr val="777879"/>
-                </a:solidFill>
-                <a:latin typeface="Adobe Clean"/>
-                <a:cs typeface="Adobe Clean"/>
-              </a:rPr>
-              <a:t> </a:t>
-            </a:r>
-            <a:r>
-              <a:rPr sz="800" spc="-20">
-                <a:solidFill>
-                  <a:srgbClr val="777879"/>
-                </a:solidFill>
-                <a:latin typeface="Adobe Clean"/>
-                <a:cs typeface="Adobe Clean"/>
-              </a:rPr>
-              <a:t>CA95110-2704</a:t>
-            </a:r>
-            <a:endParaRPr sz="800">
-              <a:latin typeface="Adobe Clean"/>
-              <a:cs typeface="Adobe Clean"/>
-            </a:endParaRPr>
+              <a:t>San Jose, CA95110-2704</a:t>
+            </a:r>
           </a:p>
           <a:p>
             <a:pPr marL="12700">
@@ -15635,7 +13131,7 @@
               </a:spcBef>
             </a:pPr>
             <a:r>
-              <a:rPr sz="800" spc="-10">
+              <a:rPr lang="pt-BR" sz="800">
                 <a:solidFill>
                   <a:srgbClr val="777879"/>
                 </a:solidFill>
@@ -15644,10 +13140,6 @@
               </a:rPr>
               <a:t>USA</a:t>
             </a:r>
-            <a:endParaRPr sz="800">
-              <a:latin typeface="Adobe Clean"/>
-              <a:cs typeface="Adobe Clean"/>
-            </a:endParaRPr>
           </a:p>
           <a:p>
             <a:pPr marL="12700">
@@ -15659,7 +13151,7 @@
               </a:spcBef>
             </a:pPr>
             <a:r>
-              <a:rPr sz="800" u="sng" spc="-25">
+              <a:rPr lang="pt-BR" sz="800" u="sng">
                 <a:solidFill>
                   <a:srgbClr val="5F5F5F"/>
                 </a:solidFill>
@@ -15674,10 +13166,6 @@
               </a:rPr>
               <a:t>www.adobe.com</a:t>
             </a:r>
-            <a:endParaRPr sz="800">
-              <a:latin typeface="Adobe Clean"/>
-              <a:cs typeface="Adobe Clean"/>
-            </a:endParaRPr>
           </a:p>
         </p:txBody>
       </p:sp>
@@ -15831,7 +13319,7 @@
         <p:spPr>
           <a:xfrm>
             <a:off x="75947" y="9437110"/>
-            <a:ext cx="5466715" cy="570865"/>
+            <a:ext cx="5715253" cy="570865"/>
           </a:xfrm>
           <a:prstGeom prst="rect">
             <a:avLst/>
@@ -15852,429 +13340,34 @@
               </a:spcBef>
             </a:pPr>
             <a:r>
-              <a:rPr sz="1100" i="1" spc="-10">
+              <a:rPr lang="pt-BR" sz="1100" i="1" dirty="0">
                 <a:solidFill>
                   <a:srgbClr val="777879"/>
                 </a:solidFill>
                 <a:latin typeface="AdobeClean-LightIt"/>
                 <a:cs typeface="AdobeClean-LightIt"/>
               </a:rPr>
-              <a:t>To</a:t>
-            </a:r>
-            <a:r>
-              <a:rPr sz="1100" i="1" spc="-50">
+              <a:t>Para saber mais sobre os Serviços de suporte Adobe e identificar o nível certo para você, entre em contato </a:t>
+            </a:r>
+            <a:br>
+              <a:rPr lang="sk-SK" sz="1100" i="1" dirty="0">
                 <a:solidFill>
                   <a:srgbClr val="777879"/>
                 </a:solidFill>
                 <a:latin typeface="AdobeClean-LightIt"/>
                 <a:cs typeface="AdobeClean-LightIt"/>
               </a:rPr>
-              <a:t> </a:t>
-            </a:r>
-            <a:r>
-              <a:rPr sz="1100" i="1" spc="-15">
+            </a:br>
+            <a:r>
+              <a:rPr lang="pt-BR" sz="1100" i="1" dirty="0">
                 <a:solidFill>
                   <a:srgbClr val="777879"/>
                 </a:solidFill>
                 <a:latin typeface="AdobeClean-LightIt"/>
                 <a:cs typeface="AdobeClean-LightIt"/>
               </a:rPr>
-              <a:t>learn</a:t>
-            </a:r>
-            <a:r>
-              <a:rPr sz="1100" i="1" spc="-40">
-                <a:solidFill>
-                  <a:srgbClr val="777879"/>
-                </a:solidFill>
-                <a:latin typeface="AdobeClean-LightIt"/>
-                <a:cs typeface="AdobeClean-LightIt"/>
-              </a:rPr>
-              <a:t> </a:t>
-            </a:r>
-            <a:r>
-              <a:rPr sz="1100" i="1" spc="-15">
-                <a:solidFill>
-                  <a:srgbClr val="777879"/>
-                </a:solidFill>
-                <a:latin typeface="AdobeClean-LightIt"/>
-                <a:cs typeface="AdobeClean-LightIt"/>
-              </a:rPr>
-              <a:t>more</a:t>
-            </a:r>
-            <a:r>
-              <a:rPr sz="1100" i="1" spc="-45">
-                <a:solidFill>
-                  <a:srgbClr val="777879"/>
-                </a:solidFill>
-                <a:latin typeface="AdobeClean-LightIt"/>
-                <a:cs typeface="AdobeClean-LightIt"/>
-              </a:rPr>
-              <a:t> </a:t>
-            </a:r>
-            <a:r>
-              <a:rPr sz="1100" i="1" spc="-15">
-                <a:solidFill>
-                  <a:srgbClr val="777879"/>
-                </a:solidFill>
-                <a:latin typeface="AdobeClean-LightIt"/>
-                <a:cs typeface="AdobeClean-LightIt"/>
-              </a:rPr>
-              <a:t>about</a:t>
-            </a:r>
-            <a:r>
-              <a:rPr sz="1100" i="1" spc="-45">
-                <a:solidFill>
-                  <a:srgbClr val="777879"/>
-                </a:solidFill>
-                <a:latin typeface="AdobeClean-LightIt"/>
-                <a:cs typeface="AdobeClean-LightIt"/>
-              </a:rPr>
-              <a:t> </a:t>
-            </a:r>
-            <a:r>
-              <a:rPr sz="1100" i="1" spc="-15">
-                <a:solidFill>
-                  <a:srgbClr val="777879"/>
-                </a:solidFill>
-                <a:latin typeface="AdobeClean-LightIt"/>
-                <a:cs typeface="AdobeClean-LightIt"/>
-              </a:rPr>
-              <a:t>Adobe</a:t>
-            </a:r>
-            <a:r>
-              <a:rPr sz="1100" i="1" spc="-60">
-                <a:solidFill>
-                  <a:srgbClr val="777879"/>
-                </a:solidFill>
-                <a:latin typeface="AdobeClean-LightIt"/>
-                <a:cs typeface="AdobeClean-LightIt"/>
-              </a:rPr>
-              <a:t> </a:t>
-            </a:r>
-            <a:r>
-              <a:rPr sz="1100" i="1" spc="-15">
-                <a:solidFill>
-                  <a:srgbClr val="777879"/>
-                </a:solidFill>
-                <a:latin typeface="AdobeClean-LightIt"/>
-                <a:cs typeface="AdobeClean-LightIt"/>
-              </a:rPr>
-              <a:t>Support</a:t>
-            </a:r>
-            <a:r>
-              <a:rPr lang="en-US" sz="1100" i="1" spc="-15">
-                <a:solidFill>
-                  <a:srgbClr val="777879"/>
-                </a:solidFill>
-                <a:latin typeface="AdobeClean-LightIt"/>
-                <a:cs typeface="AdobeClean-LightIt"/>
-              </a:rPr>
-              <a:t> Offerings</a:t>
-            </a:r>
-            <a:r>
-              <a:rPr sz="1100" i="1" spc="-75">
-                <a:solidFill>
-                  <a:srgbClr val="777879"/>
-                </a:solidFill>
-                <a:latin typeface="AdobeClean-LightIt"/>
-                <a:cs typeface="AdobeClean-LightIt"/>
-              </a:rPr>
-              <a:t> </a:t>
-            </a:r>
-            <a:r>
-              <a:rPr sz="1100" i="1" spc="-15">
-                <a:solidFill>
-                  <a:srgbClr val="777879"/>
-                </a:solidFill>
-                <a:latin typeface="AdobeClean-LightIt"/>
-                <a:cs typeface="AdobeClean-LightIt"/>
-              </a:rPr>
-              <a:t>and</a:t>
-            </a:r>
-            <a:r>
-              <a:rPr sz="1100" i="1" spc="-50">
-                <a:solidFill>
-                  <a:srgbClr val="777879"/>
-                </a:solidFill>
-                <a:latin typeface="AdobeClean-LightIt"/>
-                <a:cs typeface="AdobeClean-LightIt"/>
-              </a:rPr>
-              <a:t> </a:t>
-            </a:r>
-            <a:r>
-              <a:rPr sz="1100" i="1" spc="-15">
-                <a:solidFill>
-                  <a:srgbClr val="777879"/>
-                </a:solidFill>
-                <a:latin typeface="AdobeClean-LightIt"/>
-                <a:cs typeface="AdobeClean-LightIt"/>
-              </a:rPr>
-              <a:t>the</a:t>
-            </a:r>
-            <a:r>
-              <a:rPr sz="1100" i="1" spc="-55">
-                <a:solidFill>
-                  <a:srgbClr val="777879"/>
-                </a:solidFill>
-                <a:latin typeface="AdobeClean-LightIt"/>
-                <a:cs typeface="AdobeClean-LightIt"/>
-              </a:rPr>
-              <a:t> </a:t>
-            </a:r>
-            <a:r>
-              <a:rPr sz="1100" i="1" spc="-15">
-                <a:solidFill>
-                  <a:srgbClr val="777879"/>
-                </a:solidFill>
-                <a:latin typeface="AdobeClean-LightIt"/>
-                <a:cs typeface="AdobeClean-LightIt"/>
-              </a:rPr>
-              <a:t>right</a:t>
-            </a:r>
-            <a:r>
-              <a:rPr sz="1100" i="1" spc="-95">
-                <a:solidFill>
-                  <a:srgbClr val="777879"/>
-                </a:solidFill>
-                <a:latin typeface="AdobeClean-LightIt"/>
-                <a:cs typeface="AdobeClean-LightIt"/>
-              </a:rPr>
-              <a:t> </a:t>
-            </a:r>
-            <a:r>
-              <a:rPr sz="1100" i="1" spc="-15">
-                <a:solidFill>
-                  <a:srgbClr val="777879"/>
-                </a:solidFill>
-                <a:latin typeface="AdobeClean-LightIt"/>
-                <a:cs typeface="AdobeClean-LightIt"/>
-              </a:rPr>
-              <a:t>level</a:t>
-            </a:r>
-            <a:r>
-              <a:rPr sz="1100" i="1" spc="-55">
-                <a:solidFill>
-                  <a:srgbClr val="777879"/>
-                </a:solidFill>
-                <a:latin typeface="AdobeClean-LightIt"/>
-                <a:cs typeface="AdobeClean-LightIt"/>
-              </a:rPr>
-              <a:t> </a:t>
-            </a:r>
-            <a:r>
-              <a:rPr sz="1100" i="1" spc="-15">
-                <a:solidFill>
-                  <a:srgbClr val="777879"/>
-                </a:solidFill>
-                <a:latin typeface="AdobeClean-LightIt"/>
-                <a:cs typeface="AdobeClean-LightIt"/>
-              </a:rPr>
-              <a:t>for</a:t>
-            </a:r>
-            <a:r>
-              <a:rPr sz="1100" i="1" spc="-85">
-                <a:solidFill>
-                  <a:srgbClr val="777879"/>
-                </a:solidFill>
-                <a:latin typeface="AdobeClean-LightIt"/>
-                <a:cs typeface="AdobeClean-LightIt"/>
-              </a:rPr>
-              <a:t> </a:t>
-            </a:r>
-            <a:r>
-              <a:rPr sz="1100" i="1" spc="-15">
-                <a:solidFill>
-                  <a:srgbClr val="777879"/>
-                </a:solidFill>
-                <a:latin typeface="AdobeClean-LightIt"/>
-                <a:cs typeface="AdobeClean-LightIt"/>
-              </a:rPr>
-              <a:t>you,</a:t>
-            </a:r>
-            <a:r>
-              <a:rPr sz="1100" i="1" spc="-65">
-                <a:solidFill>
-                  <a:srgbClr val="777879"/>
-                </a:solidFill>
-                <a:latin typeface="AdobeClean-LightIt"/>
-                <a:cs typeface="AdobeClean-LightIt"/>
-              </a:rPr>
-              <a:t> </a:t>
-            </a:r>
-            <a:r>
-              <a:rPr sz="1100" i="1" spc="-15">
-                <a:solidFill>
-                  <a:srgbClr val="777879"/>
-                </a:solidFill>
-                <a:latin typeface="AdobeClean-LightIt"/>
-                <a:cs typeface="AdobeClean-LightIt"/>
-              </a:rPr>
-              <a:t>contact</a:t>
-            </a:r>
-            <a:r>
-              <a:rPr sz="1100" i="1" spc="-85">
-                <a:solidFill>
-                  <a:srgbClr val="777879"/>
-                </a:solidFill>
-                <a:latin typeface="AdobeClean-LightIt"/>
-                <a:cs typeface="AdobeClean-LightIt"/>
-              </a:rPr>
-              <a:t> </a:t>
-            </a:r>
-            <a:r>
-              <a:rPr sz="1100" i="1" spc="-15">
-                <a:solidFill>
-                  <a:srgbClr val="777879"/>
-                </a:solidFill>
-                <a:latin typeface="AdobeClean-LightIt"/>
-                <a:cs typeface="AdobeClean-LightIt"/>
-              </a:rPr>
-              <a:t>your</a:t>
-            </a:r>
-            <a:r>
-              <a:rPr sz="1100" i="1" spc="-70">
-                <a:solidFill>
-                  <a:srgbClr val="777879"/>
-                </a:solidFill>
-                <a:latin typeface="AdobeClean-LightIt"/>
-                <a:cs typeface="AdobeClean-LightIt"/>
-              </a:rPr>
-              <a:t> </a:t>
-            </a:r>
-            <a:r>
-              <a:rPr sz="1100" i="1" spc="-15">
-                <a:solidFill>
-                  <a:srgbClr val="777879"/>
-                </a:solidFill>
-                <a:latin typeface="AdobeClean-LightIt"/>
-                <a:cs typeface="AdobeClean-LightIt"/>
-              </a:rPr>
-              <a:t>Named</a:t>
-            </a:r>
-            <a:r>
-              <a:rPr sz="1100" i="1" spc="-55">
-                <a:solidFill>
-                  <a:srgbClr val="777879"/>
-                </a:solidFill>
-                <a:latin typeface="AdobeClean-LightIt"/>
-                <a:cs typeface="AdobeClean-LightIt"/>
-              </a:rPr>
-              <a:t> </a:t>
-            </a:r>
-            <a:r>
-              <a:rPr sz="1100" i="1" spc="-25">
-                <a:solidFill>
-                  <a:srgbClr val="777879"/>
-                </a:solidFill>
-                <a:latin typeface="AdobeClean-LightIt"/>
-                <a:cs typeface="AdobeClean-LightIt"/>
-              </a:rPr>
-              <a:t>Account</a:t>
-            </a:r>
-            <a:r>
-              <a:rPr sz="1100" i="1" spc="-120">
-                <a:solidFill>
-                  <a:srgbClr val="777879"/>
-                </a:solidFill>
-                <a:latin typeface="AdobeClean-LightIt"/>
-                <a:cs typeface="AdobeClean-LightIt"/>
-              </a:rPr>
-              <a:t> </a:t>
-            </a:r>
-            <a:r>
-              <a:rPr sz="1100" i="1" spc="-20">
-                <a:solidFill>
-                  <a:srgbClr val="777879"/>
-                </a:solidFill>
-                <a:latin typeface="AdobeClean-LightIt"/>
-                <a:cs typeface="AdobeClean-LightIt"/>
-              </a:rPr>
-              <a:t>Manager  </a:t>
-            </a:r>
-            <a:r>
-              <a:rPr sz="1100" i="1" spc="-15">
-                <a:solidFill>
-                  <a:srgbClr val="777879"/>
-                </a:solidFill>
-                <a:latin typeface="AdobeClean-LightIt"/>
-                <a:cs typeface="AdobeClean-LightIt"/>
-              </a:rPr>
-              <a:t>(NAM) </a:t>
-            </a:r>
-            <a:r>
-              <a:rPr sz="1100" i="1" spc="-10">
-                <a:solidFill>
-                  <a:srgbClr val="777879"/>
-                </a:solidFill>
-                <a:latin typeface="AdobeClean-LightIt"/>
-                <a:cs typeface="AdobeClean-LightIt"/>
-              </a:rPr>
-              <a:t>or </a:t>
-            </a:r>
-            <a:r>
-              <a:rPr sz="1100" i="1" spc="-15">
-                <a:solidFill>
-                  <a:srgbClr val="777879"/>
-                </a:solidFill>
-                <a:latin typeface="AdobeClean-LightIt"/>
-                <a:cs typeface="AdobeClean-LightIt"/>
-              </a:rPr>
-              <a:t>Customer </a:t>
-            </a:r>
-            <a:r>
-              <a:rPr sz="1100" i="1" spc="-20">
-                <a:solidFill>
-                  <a:srgbClr val="777879"/>
-                </a:solidFill>
-                <a:latin typeface="AdobeClean-LightIt"/>
-                <a:cs typeface="AdobeClean-LightIt"/>
-              </a:rPr>
-              <a:t>Success</a:t>
-            </a:r>
-            <a:r>
-              <a:rPr sz="1100" i="1" spc="-180">
-                <a:solidFill>
-                  <a:srgbClr val="777879"/>
-                </a:solidFill>
-                <a:latin typeface="AdobeClean-LightIt"/>
-                <a:cs typeface="AdobeClean-LightIt"/>
-              </a:rPr>
-              <a:t> </a:t>
-            </a:r>
-            <a:r>
-              <a:rPr sz="1100" i="1" spc="-15">
-                <a:solidFill>
-                  <a:srgbClr val="777879"/>
-                </a:solidFill>
-                <a:latin typeface="AdobeClean-LightIt"/>
-                <a:cs typeface="AdobeClean-LightIt"/>
-              </a:rPr>
-              <a:t>Manager</a:t>
-            </a:r>
-            <a:r>
-              <a:rPr lang="en-US" sz="1100" i="1" spc="-15">
-                <a:solidFill>
-                  <a:srgbClr val="777879"/>
-                </a:solidFill>
-                <a:latin typeface="AdobeClean-LightIt"/>
-                <a:cs typeface="AdobeClean-LightIt"/>
-              </a:rPr>
-              <a:t> </a:t>
-            </a:r>
-            <a:r>
-              <a:rPr sz="1100" i="1" spc="-15">
-                <a:solidFill>
-                  <a:srgbClr val="777879"/>
-                </a:solidFill>
-                <a:latin typeface="AdobeClean-LightIt"/>
-                <a:cs typeface="AdobeClean-LightIt"/>
-              </a:rPr>
-              <a:t>(CSM)</a:t>
-            </a:r>
-            <a:endParaRPr sz="1100">
-              <a:latin typeface="AdobeClean-LightIt"/>
-              <a:cs typeface="AdobeClean-LightIt"/>
-            </a:endParaRPr>
+              <a:t>com o seu Gerente de conta nomeado (NAM, em inglês) ou Gerente de sucesso do cliente (CSM, em inglês).</a:t>
+            </a:r>
           </a:p>
           <a:p>
             <a:pPr marL="34290">
@@ -16286,59 +13379,15 @@
               </a:spcBef>
             </a:pPr>
             <a:r>
-              <a:rPr sz="800" spc="-5">
+              <a:rPr lang="pt-BR" sz="800" dirty="0">
                 <a:solidFill>
                   <a:srgbClr val="6D6D6D"/>
                 </a:solidFill>
                 <a:latin typeface="Adobe Clean"/>
                 <a:cs typeface="Adobe Clean"/>
               </a:rPr>
-              <a:t>©202</a:t>
-            </a:r>
-            <a:r>
-              <a:rPr lang="en-US" sz="800" spc="-5">
-                <a:solidFill>
-                  <a:srgbClr val="6D6D6D"/>
-                </a:solidFill>
-                <a:latin typeface="Adobe Clean"/>
-                <a:cs typeface="Adobe Clean"/>
-              </a:rPr>
-              <a:t>1</a:t>
-            </a:r>
-            <a:r>
-              <a:rPr sz="800" spc="-5">
-                <a:solidFill>
-                  <a:srgbClr val="6D6D6D"/>
-                </a:solidFill>
-                <a:latin typeface="Adobe Clean"/>
-                <a:cs typeface="Adobe Clean"/>
-              </a:rPr>
-              <a:t> Adobe. All Rights Reserved. Adobe</a:t>
-            </a:r>
-            <a:r>
-              <a:rPr sz="800" spc="75">
-                <a:solidFill>
-                  <a:srgbClr val="6D6D6D"/>
-                </a:solidFill>
-                <a:latin typeface="Adobe Clean"/>
-                <a:cs typeface="Adobe Clean"/>
-              </a:rPr>
-              <a:t> </a:t>
-            </a:r>
-            <a:r>
-              <a:rPr sz="800" spc="-5">
-                <a:solidFill>
-                  <a:srgbClr val="6D6D6D"/>
-                </a:solidFill>
-                <a:latin typeface="Adobe Clean"/>
-                <a:cs typeface="Adobe Clean"/>
-              </a:rPr>
-              <a:t>Confidential.</a:t>
-            </a:r>
-            <a:endParaRPr sz="800">
-              <a:latin typeface="Adobe Clean"/>
-              <a:cs typeface="Adobe Clean"/>
-            </a:endParaRPr>
+              <a:t>©2021 Adobe. All Rights Reserved. Adobe Confidential.</a:t>
+            </a:r>
           </a:p>
         </p:txBody>
       </p:sp>
@@ -16375,19 +13424,15 @@
               </a:spcBef>
             </a:pPr>
             <a:r>
-              <a:rPr lang="en-US" sz="1400" b="1" spc="-15">
+              <a:rPr lang="pt-BR" sz="1400" b="1">
                 <a:solidFill>
                   <a:srgbClr val="020302"/>
                 </a:solidFill>
                 <a:latin typeface="Adobe Clean"/>
                 <a:cs typeface="Adobe Clean"/>
               </a:rPr>
-              <a:t>Regional scope of Adobe Support, Local Hours Of Operation And Language Support</a:t>
-            </a:r>
-            <a:endParaRPr lang="en-US" sz="1400" spc="-15">
-              <a:ea typeface="+mn-lt"/>
-              <a:cs typeface="+mn-lt"/>
-            </a:endParaRPr>
+              <a:t>Escopo regional do Suporte da Adobe, horário local de operação e suporte de idioma</a:t>
+            </a:r>
           </a:p>
           <a:p>
             <a:pPr>
@@ -16396,17 +13441,14 @@
               </a:spcBef>
             </a:pPr>
             <a:r>
-              <a:rPr lang="en-US" sz="1000" spc="-15">
+              <a:rPr lang="pt-BR" sz="1000">
                 <a:solidFill>
                   <a:srgbClr val="1F1F1F"/>
                 </a:solidFill>
                 <a:latin typeface="AdobeClean-Light"/>
               </a:rPr>
-              <a:t>The regional scope of Adobe Support is established by aligning the customer's billing address (via the Sales Order or other Adobe Support purchasing document) to one of the following regions:</a:t>
-            </a:r>
-            <a:endParaRPr lang="en-US" sz="1000">
-              <a:latin typeface="AdobeClean-Light"/>
-            </a:endParaRPr>
+              <a:t>O escopo regional do Suporte da Adobe é estabelecido alinhando o endereço de faturamento do cliente (conforme a ordem de venda ou outro documento de compra do Suporte da Adobe) a uma das regiões seguintes:</a:t>
+            </a:r>
           </a:p>
         </p:txBody>
       </p:sp>
@@ -16478,13 +13520,13 @@
                     <a:p>
                       <a:pPr algn="ctr"/>
                       <a:r>
-                        <a:rPr lang="en-US" sz="1100">
+                        <a:rPr lang="pt-BR" sz="1100">
                           <a:solidFill>
                             <a:schemeClr val="tx1"/>
                           </a:solidFill>
                           <a:latin typeface="Adobe Clean" panose="020B0503020404020204" pitchFamily="34" charset="0"/>
                         </a:rPr>
-                        <a:t>Americas</a:t>
+                        <a:t>Américas</a:t>
                       </a:r>
                     </a:p>
                   </a:txBody>
@@ -16543,13 +13585,13 @@
                     <a:p>
                       <a:pPr algn="ctr"/>
                       <a:r>
-                        <a:rPr lang="en-US" sz="1100">
+                        <a:rPr lang="pt-BR" sz="1100">
                           <a:solidFill>
                             <a:schemeClr val="tx1"/>
                           </a:solidFill>
                           <a:latin typeface="Adobe Clean" panose="020B0503020404020204" pitchFamily="34" charset="0"/>
                         </a:rPr>
-                        <a:t>Europe, Middle East &amp; Africa</a:t>
+                        <a:t>Europa, Oriente Médio e África</a:t>
                       </a:r>
                     </a:p>
                   </a:txBody>
@@ -16608,13 +13650,13 @@
                     <a:p>
                       <a:pPr algn="ctr"/>
                       <a:r>
-                        <a:rPr lang="en-US" sz="1100">
+                        <a:rPr lang="pt-BR" sz="1100">
                           <a:solidFill>
                             <a:schemeClr val="tx1"/>
                           </a:solidFill>
                           <a:latin typeface="Adobe Clean" panose="020B0503020404020204" pitchFamily="34" charset="0"/>
                         </a:rPr>
-                        <a:t>Asia Pacific</a:t>
+                        <a:t>Ásia–Pacífico</a:t>
                       </a:r>
                     </a:p>
                   </a:txBody>
@@ -16673,16 +13715,16 @@
                     <a:p>
                       <a:pPr algn="ctr"/>
                       <a:r>
-                        <a:rPr lang="en-US" sz="1100">
+                        <a:rPr lang="pt-BR" sz="1100">
                           <a:solidFill>
                             <a:schemeClr val="tx1"/>
                           </a:solidFill>
                           <a:latin typeface="Adobe Clean" panose="020B0503020404020204" pitchFamily="34" charset="0"/>
                         </a:rPr>
-                        <a:t>Japan </a:t>
+                        <a:t>Japão</a:t>
                       </a:r>
                       <a:r>
-                        <a:rPr lang="en-US" sz="1100" baseline="30000">
+                        <a:rPr lang="pt-BR" sz="1100" baseline="30000">
                           <a:solidFill>
                             <a:schemeClr val="tx1"/>
                           </a:solidFill>
@@ -16690,12 +13732,6 @@
                         </a:rPr>
                         <a:t>1 </a:t>
                       </a:r>
-                      <a:endParaRPr lang="en-US" sz="1100">
-                        <a:solidFill>
-                          <a:schemeClr val="tx1"/>
-                        </a:solidFill>
-                        <a:latin typeface="Adobe Clean" panose="020B0503020404020204" pitchFamily="34" charset="0"/>
-                      </a:endParaRPr>
                     </a:p>
                   </a:txBody>
                   <a:tcPr anchor="ctr">
@@ -16760,13 +13796,13 @@
                     <a:p>
                       <a:pPr algn="ctr"/>
                       <a:r>
-                        <a:rPr lang="en-US" sz="1100">
+                        <a:rPr lang="pt-BR" sz="1100">
                           <a:solidFill>
                             <a:schemeClr val="tx1"/>
                           </a:solidFill>
                           <a:latin typeface="Adobe Clean" panose="020B0503020404020204" pitchFamily="34" charset="0"/>
                         </a:rPr>
-                        <a:t>6 am – 5:30 pm</a:t>
+                        <a:t>6h – 17h30</a:t>
                       </a:r>
                     </a:p>
                   </a:txBody>
@@ -16825,13 +13861,13 @@
                     <a:p>
                       <a:pPr algn="ctr"/>
                       <a:r>
-                        <a:rPr lang="en-US" sz="1100">
+                        <a:rPr lang="pt-BR" sz="1100">
                           <a:solidFill>
                             <a:schemeClr val="tx1"/>
                           </a:solidFill>
                           <a:latin typeface="Adobe Clean" panose="020B0503020404020204" pitchFamily="34" charset="0"/>
                         </a:rPr>
-                        <a:t>9 am – 5 pm</a:t>
+                        <a:t>9h – 17h</a:t>
                       </a:r>
                     </a:p>
                   </a:txBody>
@@ -16890,13 +13926,13 @@
                     <a:p>
                       <a:pPr algn="ctr"/>
                       <a:r>
-                        <a:rPr lang="en-US" sz="1100">
+                        <a:rPr lang="pt-BR" sz="1100">
                           <a:solidFill>
                             <a:schemeClr val="tx1"/>
                           </a:solidFill>
                           <a:latin typeface="Adobe Clean" panose="020B0503020404020204" pitchFamily="34" charset="0"/>
                         </a:rPr>
-                        <a:t>9 am – 5 pm</a:t>
+                        <a:t>9h – 17h</a:t>
                       </a:r>
                     </a:p>
                   </a:txBody>
@@ -16955,13 +13991,13 @@
                     <a:p>
                       <a:pPr algn="ctr"/>
                       <a:r>
-                        <a:rPr lang="en-US" sz="1100">
+                        <a:rPr lang="pt-BR" sz="1100">
                           <a:solidFill>
                             <a:schemeClr val="tx1"/>
                           </a:solidFill>
                           <a:latin typeface="Adobe Clean" panose="020B0503020404020204" pitchFamily="34" charset="0"/>
                         </a:rPr>
-                        <a:t>9 am – 5:30 pm</a:t>
+                        <a:t>9h – 17h30</a:t>
                       </a:r>
                     </a:p>
                   </a:txBody>
@@ -17041,23 +14077,17 @@
                         <a:buNone/>
                       </a:pPr>
                       <a:r>
-                        <a:rPr lang="en-US" sz="1100">
+                        <a:rPr lang="pt-BR" sz="1100">
                           <a:solidFill>
                             <a:schemeClr val="tx1"/>
                           </a:solidFill>
                           <a:latin typeface="Adobe Clean"/>
                         </a:rPr>
-                        <a:t>Language support is only available in English and Japanese. </a:t>
+                        <a:t>O suporte de idioma está disponível somente em inglês e japonês. </a:t>
                       </a:r>
-                      <a:endParaRPr lang="en-US" sz="1100">
-                        <a:solidFill>
-                          <a:schemeClr val="tx1"/>
-                        </a:solidFill>
-                        <a:latin typeface="Adobe Clean" panose="020B0503020404020204" pitchFamily="34" charset="0"/>
-                      </a:endParaRPr>
                     </a:p>
                     <a:p>
-                      <a:pPr marL="0" marR="0" lvl="0" indent="0" algn="ctr" defTabSz="914400" eaLnBrk="1" fontAlgn="auto" latinLnBrk="0" hangingPunct="1">
+                      <a:pPr marL="0" marR="0" lvl="0" indent="0" algn="l" defTabSz="914400" rtl="0" eaLnBrk="1" fontAlgn="auto" latinLnBrk="0" hangingPunct="1">
                         <a:lnSpc>
                           <a:spcPct val="100000"/>
                         </a:lnSpc>
@@ -17074,7 +14104,7 @@
                         <a:tabLst/>
                         <a:defRPr/>
                       </a:pPr>
-                      <a:endParaRPr kumimoji="0" lang="en-US" sz="1100" b="1" i="0" u="none" strike="noStrike" kern="0" cap="none" spc="0" normalizeH="0" baseline="30000" noProof="0">
+                      <a:endParaRPr kumimoji="0" lang="en-US" sz="1100" b="1" i="0" u="none" strike="noStrike" kern="0" cap="none" spc="0" normalizeH="0" baseline="30000" noProof="0" dirty="0">
                         <a:ln>
                           <a:noFill/>
                         </a:ln>
@@ -17092,7 +14122,7 @@
                     <a:p>
                       <a:pPr algn="ctr"/>
                       <a:r>
-                        <a:rPr lang="en-US" sz="1100" i="0">
+                        <a:rPr lang="pt-BR" sz="1100" i="0">
                           <a:solidFill>
                             <a:schemeClr val="tx1"/>
                           </a:solidFill>
@@ -17101,29 +14131,23 @@
                         <a:t> </a:t>
                       </a:r>
                       <a:r>
-                        <a:rPr lang="en-US" sz="1100" i="0" baseline="30000">
+                        <a:rPr lang="pt-BR" sz="1100" i="0" baseline="30000">
                           <a:solidFill>
                             <a:schemeClr val="tx1"/>
                           </a:solidFill>
                           <a:latin typeface="Adobe Clean"/>
                         </a:rPr>
-                        <a:t>1 </a:t>
+                        <a:t>1</a:t>
                       </a:r>
                       <a:r>
-                        <a:rPr lang="en-US" sz="1100" i="0">
+                        <a:rPr lang="pt-BR" sz="1100" i="0">
                           <a:solidFill>
                             <a:schemeClr val="tx1"/>
                           </a:solidFill>
                           <a:latin typeface="Adobe Clean"/>
                         </a:rPr>
-                        <a:t>P2, P3, P4 cases are limited to business hours only in Japan.</a:t>
+                        <a:t>Os casos de prioridade P2, P3 e P4 estão limitados ao horário comercial somente no Japão.</a:t>
                       </a:r>
-                      <a:endParaRPr lang="en-US" sz="1100" b="1" i="0">
-                        <a:solidFill>
-                          <a:schemeClr val="tx1"/>
-                        </a:solidFill>
-                        <a:latin typeface="Adobe Clean"/>
-                      </a:endParaRPr>
                     </a:p>
                   </a:txBody>
                   <a:tcPr anchor="ctr">
@@ -17179,7 +14203,7 @@
                     <a:bodyPr/>
                     <a:lstStyle/>
                     <a:p>
-                      <a:endParaRPr lang="en-US" sz="1100">
+                      <a:endParaRPr lang="en-US" sz="1100" dirty="0">
                         <a:solidFill>
                           <a:schemeClr val="tx1"/>
                         </a:solidFill>
@@ -17240,7 +14264,7 @@
                     <a:bodyPr/>
                     <a:lstStyle/>
                     <a:p>
-                      <a:endParaRPr lang="en-US" sz="1100">
+                      <a:endParaRPr lang="en-US" sz="1100" dirty="0">
                         <a:solidFill>
                           <a:schemeClr val="tx1"/>
                         </a:solidFill>
@@ -17301,7 +14325,7 @@
                     <a:bodyPr/>
                     <a:lstStyle/>
                     <a:p>
-                      <a:endParaRPr lang="en-US" sz="1100">
+                      <a:endParaRPr lang="en-US" sz="1100" dirty="0">
                         <a:solidFill>
                           <a:schemeClr val="tx1"/>
                         </a:solidFill>
@@ -17478,7 +14502,7 @@
           </a:bodyPr>
           <a:lstStyle/>
           <a:p>
-            <a:pPr marL="139065" marR="5080" indent="-139065">
+            <a:pPr marR="5080" algn="ctr">
               <a:lnSpc>
                 <a:spcPts val="1390"/>
               </a:lnSpc>
@@ -17487,129 +14511,15 @@
               </a:spcBef>
             </a:pPr>
             <a:r>
-              <a:rPr sz="1200" b="1" spc="-15">
+              <a:rPr lang="pt-BR" sz="1200" b="1" dirty="0">
                 <a:solidFill>
                   <a:srgbClr val="FFFFFF"/>
                 </a:solidFill>
                 <a:latin typeface="Adobe Clean"/>
                 <a:cs typeface="Adobe Clean"/>
               </a:rPr>
-              <a:t>U</a:t>
-            </a:r>
-            <a:r>
-              <a:rPr sz="1200" b="1" spc="-20">
-                <a:solidFill>
-                  <a:srgbClr val="FFFFFF"/>
-                </a:solidFill>
-                <a:latin typeface="Adobe Clean"/>
-                <a:cs typeface="Adobe Clean"/>
-              </a:rPr>
-              <a:t>n</a:t>
-            </a:r>
-            <a:r>
-              <a:rPr sz="1200" b="1" spc="-25">
-                <a:solidFill>
-                  <a:srgbClr val="FFFFFF"/>
-                </a:solidFill>
-                <a:latin typeface="Adobe Clean"/>
-                <a:cs typeface="Adobe Clean"/>
-              </a:rPr>
-              <a:t>p</a:t>
-            </a:r>
-            <a:r>
-              <a:rPr sz="1200" b="1" spc="-15">
-                <a:solidFill>
-                  <a:srgbClr val="FFFFFF"/>
-                </a:solidFill>
-                <a:latin typeface="Adobe Clean"/>
-                <a:cs typeface="Adobe Clean"/>
-              </a:rPr>
-              <a:t>a</a:t>
-            </a:r>
-            <a:r>
-              <a:rPr sz="1200" b="1" spc="-25">
-                <a:solidFill>
-                  <a:srgbClr val="FFFFFF"/>
-                </a:solidFill>
-                <a:latin typeface="Adobe Clean"/>
-                <a:cs typeface="Adobe Clean"/>
-              </a:rPr>
-              <a:t>r</a:t>
-            </a:r>
-            <a:r>
-              <a:rPr sz="1200" b="1" spc="-15">
-                <a:solidFill>
-                  <a:srgbClr val="FFFFFF"/>
-                </a:solidFill>
-                <a:latin typeface="Adobe Clean"/>
-                <a:cs typeface="Adobe Clean"/>
-              </a:rPr>
-              <a:t>a</a:t>
-            </a:r>
-            <a:r>
-              <a:rPr sz="1200" b="1" spc="-30">
-                <a:solidFill>
-                  <a:srgbClr val="FFFFFF"/>
-                </a:solidFill>
-                <a:latin typeface="Adobe Clean"/>
-                <a:cs typeface="Adobe Clean"/>
-              </a:rPr>
-              <a:t>ll</a:t>
-            </a:r>
-            <a:r>
-              <a:rPr sz="1200" b="1" spc="-25">
-                <a:solidFill>
-                  <a:srgbClr val="FFFFFF"/>
-                </a:solidFill>
-                <a:latin typeface="Adobe Clean"/>
-                <a:cs typeface="Adobe Clean"/>
-              </a:rPr>
-              <a:t>e</a:t>
-            </a:r>
-            <a:r>
-              <a:rPr sz="1200" b="1" spc="-30">
-                <a:solidFill>
-                  <a:srgbClr val="FFFFFF"/>
-                </a:solidFill>
-                <a:latin typeface="Adobe Clean"/>
-                <a:cs typeface="Adobe Clean"/>
-              </a:rPr>
-              <a:t>l</a:t>
-            </a:r>
-            <a:r>
-              <a:rPr sz="1200" b="1" spc="-25">
-                <a:solidFill>
-                  <a:srgbClr val="FFFFFF"/>
-                </a:solidFill>
-                <a:latin typeface="Adobe Clean"/>
-                <a:cs typeface="Adobe Clean"/>
-              </a:rPr>
-              <a:t>e</a:t>
-            </a:r>
-            <a:r>
-              <a:rPr sz="1200" b="1">
-                <a:solidFill>
-                  <a:srgbClr val="FFFFFF"/>
-                </a:solidFill>
-                <a:latin typeface="Adobe Clean"/>
-                <a:cs typeface="Adobe Clean"/>
-              </a:rPr>
-              <a:t>d  </a:t>
-            </a:r>
-            <a:r>
-              <a:rPr sz="1200" b="1" spc="-25">
-                <a:solidFill>
-                  <a:srgbClr val="FFFFFF"/>
-                </a:solidFill>
-                <a:latin typeface="Adobe Clean"/>
-                <a:cs typeface="Adobe Clean"/>
-              </a:rPr>
-              <a:t>Expertise</a:t>
-            </a:r>
-            <a:endParaRPr sz="1200">
-              <a:latin typeface="Adobe Clean"/>
-              <a:cs typeface="Adobe Clean"/>
-            </a:endParaRPr>
+              <a:t>Experiência sem igual</a:t>
+            </a:r>
           </a:p>
         </p:txBody>
       </p:sp>
@@ -17627,7 +14537,7 @@
         </p:nvSpPr>
         <p:spPr>
           <a:xfrm>
-            <a:off x="4732495" y="8541244"/>
+            <a:off x="4675505" y="8541244"/>
             <a:ext cx="810895" cy="382797"/>
           </a:xfrm>
           <a:prstGeom prst="rect">
@@ -17640,7 +14550,7 @@
           </a:bodyPr>
           <a:lstStyle/>
           <a:p>
-            <a:pPr marL="139065" marR="5080" indent="-139065">
+            <a:pPr marR="5080" algn="ctr">
               <a:lnSpc>
                 <a:spcPts val="1390"/>
               </a:lnSpc>
@@ -17649,19 +14559,15 @@
               </a:spcBef>
             </a:pPr>
             <a:r>
-              <a:rPr lang="en-US" sz="1200" b="1" spc="-15">
+              <a:rPr lang="pt-BR" sz="1200" b="1" dirty="0">
                 <a:solidFill>
                   <a:srgbClr val="FFFFFF"/>
                 </a:solidFill>
                 <a:latin typeface="Adobe Clean"/>
                 <a:cs typeface="Adobe Clean"/>
               </a:rPr>
-              <a:t>Accelerated Support</a:t>
-            </a:r>
-            <a:endParaRPr sz="1200">
-              <a:latin typeface="Adobe Clean"/>
-              <a:cs typeface="Adobe Clean"/>
-            </a:endParaRPr>
+              <a:t>Suporte acelerado</a:t>
+            </a:r>
           </a:p>
         </p:txBody>
       </p:sp>
@@ -17679,8 +14585,8 @@
         </p:nvSpPr>
         <p:spPr>
           <a:xfrm>
-            <a:off x="6624119" y="8543943"/>
-            <a:ext cx="510540" cy="385445"/>
+            <a:off x="6477000" y="8543943"/>
+            <a:ext cx="810895" cy="382797"/>
           </a:xfrm>
           <a:prstGeom prst="rect">
             <a:avLst/>
@@ -17692,7 +14598,7 @@
           </a:bodyPr>
           <a:lstStyle/>
           <a:p>
-            <a:pPr marL="50800" marR="5080" indent="-51435">
+            <a:pPr marR="5080" algn="ctr">
               <a:lnSpc>
                 <a:spcPts val="1390"/>
               </a:lnSpc>
@@ -17701,109 +14607,15 @@
               </a:spcBef>
             </a:pPr>
             <a:r>
-              <a:rPr sz="1200" b="1" spc="-50">
+              <a:rPr lang="pt-BR" sz="1200" b="1" dirty="0">
                 <a:solidFill>
                   <a:srgbClr val="FFFFFF"/>
                 </a:solidFill>
                 <a:latin typeface="Adobe Clean"/>
                 <a:cs typeface="Adobe Clean"/>
               </a:rPr>
-              <a:t>S</a:t>
-            </a:r>
-            <a:r>
-              <a:rPr sz="1200" b="1" spc="-20">
-                <a:solidFill>
-                  <a:srgbClr val="FFFFFF"/>
-                </a:solidFill>
-                <a:latin typeface="Adobe Clean"/>
-                <a:cs typeface="Adobe Clean"/>
-              </a:rPr>
-              <a:t>t</a:t>
-            </a:r>
-            <a:r>
-              <a:rPr sz="1200" b="1" spc="-75">
-                <a:solidFill>
-                  <a:srgbClr val="FFFFFF"/>
-                </a:solidFill>
-                <a:latin typeface="Adobe Clean"/>
-                <a:cs typeface="Adobe Clean"/>
-              </a:rPr>
-              <a:t>r</a:t>
-            </a:r>
-            <a:r>
-              <a:rPr sz="1200" b="1" spc="-90">
-                <a:solidFill>
-                  <a:srgbClr val="FFFFFF"/>
-                </a:solidFill>
-                <a:latin typeface="Adobe Clean"/>
-                <a:cs typeface="Adobe Clean"/>
-              </a:rPr>
-              <a:t>a</a:t>
-            </a:r>
-            <a:r>
-              <a:rPr sz="1200" b="1" spc="-55">
-                <a:solidFill>
-                  <a:srgbClr val="FFFFFF"/>
-                </a:solidFill>
-                <a:latin typeface="Adobe Clean"/>
-                <a:cs typeface="Adobe Clean"/>
-              </a:rPr>
-              <a:t>t</a:t>
-            </a:r>
-            <a:r>
-              <a:rPr sz="1200" b="1" spc="-100">
-                <a:solidFill>
-                  <a:srgbClr val="FFFFFF"/>
-                </a:solidFill>
-                <a:latin typeface="Adobe Clean"/>
-                <a:cs typeface="Adobe Clean"/>
-              </a:rPr>
-              <a:t>e</a:t>
-            </a:r>
-            <a:r>
-              <a:rPr sz="1200" b="1" spc="-80">
-                <a:solidFill>
-                  <a:srgbClr val="FFFFFF"/>
-                </a:solidFill>
-                <a:latin typeface="Adobe Clean"/>
-                <a:cs typeface="Adobe Clean"/>
-              </a:rPr>
-              <a:t>g</a:t>
-            </a:r>
-            <a:r>
-              <a:rPr sz="1200" b="1" spc="-35">
-                <a:solidFill>
-                  <a:srgbClr val="FFFFFF"/>
-                </a:solidFill>
-                <a:latin typeface="Adobe Clean"/>
-                <a:cs typeface="Adobe Clean"/>
-              </a:rPr>
-              <a:t>i</a:t>
-            </a:r>
-            <a:r>
-              <a:rPr sz="1200" b="1">
-                <a:solidFill>
-                  <a:srgbClr val="FFFFFF"/>
-                </a:solidFill>
-                <a:latin typeface="Adobe Clean"/>
-                <a:cs typeface="Adobe Clean"/>
-              </a:rPr>
-              <a:t>c  </a:t>
-            </a:r>
-            <a:r>
-              <a:rPr sz="1200" b="1" spc="-45">
-                <a:solidFill>
-                  <a:srgbClr val="FFFFFF"/>
-                </a:solidFill>
-                <a:latin typeface="Adobe Clean"/>
-                <a:cs typeface="Adobe Clean"/>
-              </a:rPr>
-              <a:t>Advice</a:t>
-            </a:r>
-            <a:endParaRPr sz="1200">
-              <a:latin typeface="Adobe Clean"/>
-              <a:cs typeface="Adobe Clean"/>
-            </a:endParaRPr>
+              <a:t>Consultoria estratégica</a:t>
+            </a:r>
           </a:p>
         </p:txBody>
       </p:sp>
@@ -17822,14 +14634,14 @@
           <p:nvPr>
             <p:extLst>
               <p:ext uri="{D42A27DB-BD31-4B8C-83A1-F6EECF244321}">
-                <p14:modId xmlns:p14="http://schemas.microsoft.com/office/powerpoint/2010/main" val="1493671087"/>
+                <p14:modId xmlns:p14="http://schemas.microsoft.com/office/powerpoint/2010/main" val="4063016508"/>
               </p:ext>
             </p:extLst>
           </p:nvPr>
         </p:nvGraphicFramePr>
         <p:xfrm>
           <a:off x="194236" y="1059345"/>
-          <a:ext cx="7368291" cy="2931160"/>
+          <a:ext cx="7368291" cy="3388360"/>
         </p:xfrm>
         <a:graphic>
           <a:graphicData uri="http://schemas.openxmlformats.org/drawingml/2006/table">
@@ -17860,7 +14672,7 @@
                     <a:lstStyle/>
                     <a:p>
                       <a:r>
-                        <a:rPr lang="en-US" sz="1100" b="0">
+                        <a:rPr lang="pt-BR" sz="1100" b="0">
                           <a:solidFill>
                             <a:schemeClr val="tx1"/>
                           </a:solidFill>
@@ -17871,14 +14683,6 @@
                         </a:rPr>
                         <a:t>Experience League</a:t>
                       </a:r>
-                      <a:endParaRPr lang="en-US" sz="1100" b="0">
-                        <a:solidFill>
-                          <a:schemeClr val="tx1"/>
-                        </a:solidFill>
-                        <a:latin typeface="Adobe Clean" panose="020B0503020404020204" pitchFamily="34" charset="0"/>
-                        <a:ea typeface="+mn-ea"/>
-                        <a:cs typeface="+mn-cs"/>
-                      </a:endParaRPr>
                     </a:p>
                   </a:txBody>
                   <a:tcPr marL="47625" marR="47625" marT="0" marB="0" anchor="ctr">
@@ -17952,7 +14756,7 @@
                         <a:defRPr/>
                       </a:pPr>
                       <a:r>
-                        <a:rPr lang="en-US" sz="1000" b="0" kern="1200">
+                        <a:rPr lang="pt-BR" sz="1000" b="0" dirty="0">
                           <a:solidFill>
                             <a:srgbClr val="000000"/>
                           </a:solidFill>
@@ -17960,7 +14764,49 @@
                           <a:ea typeface="+mn-ea"/>
                           <a:cs typeface="+mn-cs"/>
                         </a:rPr>
-                        <a:t>Experience League is how Adobe helps businesses achieve the value they expect from their Adobe investment. It’s the unified place where customers can learn, connect, and grow along a personalized path to success that includes self-help tutorials, product documentation, instructor-led training, community and technical support. </a:t>
+                        <a:t>A Experience League foi criada para ajudar as empresas a alcançar </a:t>
+                      </a:r>
+                      <a:br>
+                        <a:rPr lang="sk-SK" sz="1000" b="0" dirty="0">
+                          <a:solidFill>
+                            <a:srgbClr val="000000"/>
+                          </a:solidFill>
+                          <a:latin typeface="Adobe Clean Light" panose="020B0303020404020204" pitchFamily="34" charset="0"/>
+                          <a:ea typeface="+mn-ea"/>
+                          <a:cs typeface="+mn-cs"/>
+                        </a:rPr>
+                      </a:br>
+                      <a:r>
+                        <a:rPr lang="pt-BR" sz="1000" b="0" dirty="0">
+                          <a:solidFill>
+                            <a:srgbClr val="000000"/>
+                          </a:solidFill>
+                          <a:latin typeface="Adobe Clean Light" panose="020B0303020404020204" pitchFamily="34" charset="0"/>
+                          <a:ea typeface="+mn-ea"/>
+                          <a:cs typeface="+mn-cs"/>
+                        </a:rPr>
+                        <a:t>o valor que esperam do seu investimento em produtos da Adobe. </a:t>
+                      </a:r>
+                      <a:br>
+                        <a:rPr lang="sk-SK" sz="1000" b="0" dirty="0">
+                          <a:solidFill>
+                            <a:srgbClr val="000000"/>
+                          </a:solidFill>
+                          <a:latin typeface="Adobe Clean Light" panose="020B0303020404020204" pitchFamily="34" charset="0"/>
+                          <a:ea typeface="+mn-ea"/>
+                          <a:cs typeface="+mn-cs"/>
+                        </a:rPr>
+                      </a:br>
+                      <a:r>
+                        <a:rPr lang="pt-BR" sz="1000" b="0" dirty="0">
+                          <a:solidFill>
+                            <a:srgbClr val="000000"/>
+                          </a:solidFill>
+                          <a:latin typeface="Adobe Clean Light" panose="020B0303020404020204" pitchFamily="34" charset="0"/>
+                          <a:ea typeface="+mn-ea"/>
+                          <a:cs typeface="+mn-cs"/>
+                        </a:rPr>
+                        <a:t>É o local unificado onde os clientes podem aprender, interagir e crescer ao longo de um caminho personalizado de sucesso que inclui tutoriais de autoatendimento, documentação dos produtos, treinamento com instrutores e suporte técnico e da comunidade. </a:t>
                       </a:r>
                     </a:p>
                   </a:txBody>
@@ -18042,39 +14888,28 @@
                         <a:defRPr/>
                       </a:pPr>
                       <a:r>
-                        <a:rPr lang="en-US" sz="1100">
+                        <a:rPr lang="pt-BR" sz="1100">
                           <a:solidFill>
                             <a:schemeClr val="dk1"/>
                           </a:solidFill>
-                          <a:effectLst/>
                           <a:latin typeface="Adobe Clean" panose="020B0503020404020204" pitchFamily="34" charset="0"/>
                           <a:ea typeface="+mn-ea"/>
                           <a:cs typeface="+mn-cs"/>
                           <a:hlinkClick r:id="rId8"/>
                         </a:rPr>
-                        <a:t>Training</a:t>
+                        <a:t>Treinamento</a:t>
                       </a:r>
                       <a:r>
-                        <a:rPr lang="en-US" sz="1100">
+                        <a:rPr lang="pt-BR" sz="1100">
                           <a:solidFill>
                             <a:schemeClr val="dk1"/>
                           </a:solidFill>
-                          <a:effectLst/>
                           <a:latin typeface="Adobe Clean" panose="020B0503020404020204" pitchFamily="34" charset="0"/>
                           <a:ea typeface="+mn-ea"/>
                           <a:cs typeface="+mn-cs"/>
                         </a:rPr>
                         <a:t> </a:t>
                       </a:r>
-                      <a:endParaRPr lang="en-US" sz="1100">
-                        <a:solidFill>
-                          <a:schemeClr val="tx1"/>
-                        </a:solidFill>
-                        <a:effectLst/>
-                        <a:latin typeface="Adobe Clean" panose="020B0503020404020204" pitchFamily="34" charset="0"/>
-                        <a:ea typeface="+mn-ea"/>
-                        <a:cs typeface="+mn-cs"/>
-                      </a:endParaRPr>
                     </a:p>
                   </a:txBody>
                   <a:tcPr anchor="ctr">
@@ -18148,7 +14983,7 @@
                         <a:defRPr/>
                       </a:pPr>
                       <a:r>
-                        <a:rPr lang="en-US" sz="1000" kern="1200">
+                        <a:rPr lang="pt-BR" sz="1000">
                           <a:solidFill>
                             <a:srgbClr val="000000"/>
                           </a:solidFill>
@@ -18156,7 +14991,7 @@
                           <a:ea typeface="+mn-ea"/>
                           <a:cs typeface="+mn-cs"/>
                         </a:rPr>
-                        <a:t>Adobe Digital Learning Services courses are accessible from Experience League. Learning courses integrate both on-demand and instructor-led lessons.  Here you can accrue skills that have recognized market value and position them to drive success in your organizations.</a:t>
+                        <a:t>O acesso aos cursos do Adobe Digital Learning Services está disponível na Experience League. Os cursos de aprendizagem incluem lições sob demanda e com instrutores.  É um lugar para adquirir habilidades com reconhecido valor de mercado que você pode pôr em prática para impulsionar o sucesso na sua organização.</a:t>
                       </a:r>
                     </a:p>
                   </a:txBody>
@@ -18238,27 +15073,17 @@
                         <a:defRPr/>
                       </a:pPr>
                       <a:r>
-                        <a:rPr lang="en-US" sz="1100">
+                        <a:rPr lang="pt-BR" sz="1100">
                           <a:solidFill>
                             <a:schemeClr val="tx1"/>
                           </a:solidFill>
-                          <a:effectLst/>
                           <a:latin typeface="Adobe Clean" panose="020B0503020404020204" pitchFamily="34" charset="0"/>
                           <a:ea typeface="+mn-ea"/>
                           <a:cs typeface="+mn-cs"/>
                           <a:hlinkClick r:id="rId9"/>
                         </a:rPr>
-                        <a:t>Production Issues &amp; System Outages</a:t>
+                        <a:t>Problemas de produção e paralisações do sistema</a:t>
                       </a:r>
-                      <a:endParaRPr lang="en-US" sz="1100">
-                        <a:solidFill>
-                          <a:schemeClr val="tx1"/>
-                        </a:solidFill>
-                        <a:effectLst/>
-                        <a:latin typeface="Adobe Clean" panose="020B0503020404020204" pitchFamily="34" charset="0"/>
-                        <a:ea typeface="+mn-ea"/>
-                        <a:cs typeface="+mn-cs"/>
-                      </a:endParaRPr>
                     </a:p>
                   </a:txBody>
                   <a:tcPr anchor="ctr">
@@ -18332,7 +15157,7 @@
                         <a:defRPr/>
                       </a:pPr>
                       <a:r>
-                        <a:rPr lang="en-US" sz="1000" kern="1200">
+                        <a:rPr lang="pt-BR" sz="1000" dirty="0">
                           <a:solidFill>
                             <a:srgbClr val="000000"/>
                           </a:solidFill>
@@ -18340,7 +15165,28 @@
                           <a:ea typeface="+mn-ea"/>
                           <a:cs typeface="+mn-cs"/>
                         </a:rPr>
-                        <a:t>Status.adobe.com conveys the health information of all Adobe products and services that are deployed in multi-tenant environments. Customers can choose their subscription preferences to get email notifications whenever Adobe creates, updates or resolves a product event. This can include scheduled maintenance or service issues of varying levels of severity. </a:t>
+                        <a:t>O Status.adobe.com transmite as informações de integridade de todos os produtos e serviços da Adobe implantados em ambientes de vários locatários. Os clientes podem escolher suas preferências de subscrição para receber notificações por email sempre que a Adobe criar, atualizar ou resolver um evento de produto. Isso pode incluir manutenção programada ou problemas de serviço com diferentes níveis </a:t>
+                      </a:r>
+                      <a:br>
+                        <a:rPr lang="sk-SK" sz="1000" dirty="0">
+                          <a:solidFill>
+                            <a:srgbClr val="000000"/>
+                          </a:solidFill>
+                          <a:latin typeface="Adobe Clean Light" panose="020B0303020404020204" pitchFamily="34" charset="0"/>
+                          <a:ea typeface="+mn-ea"/>
+                          <a:cs typeface="+mn-cs"/>
+                        </a:rPr>
+                      </a:br>
+                      <a:r>
+                        <a:rPr lang="pt-BR" sz="1000" dirty="0">
+                          <a:solidFill>
+                            <a:srgbClr val="000000"/>
+                          </a:solidFill>
+                          <a:latin typeface="Adobe Clean Light" panose="020B0303020404020204" pitchFamily="34" charset="0"/>
+                          <a:ea typeface="+mn-ea"/>
+                          <a:cs typeface="+mn-cs"/>
+                        </a:rPr>
+                        <a:t>de gravidade. </a:t>
                       </a:r>
                     </a:p>
                   </a:txBody>
@@ -18422,27 +15268,17 @@
                         <a:defRPr/>
                       </a:pPr>
                       <a:r>
-                        <a:rPr lang="en-US" sz="1100">
+                        <a:rPr lang="pt-BR" sz="1100">
                           <a:solidFill>
                             <a:schemeClr val="tx1"/>
                           </a:solidFill>
-                          <a:effectLst/>
                           <a:latin typeface="Adobe Clean" panose="020B0503020404020204" pitchFamily="34" charset="0"/>
                           <a:ea typeface="+mn-ea"/>
                           <a:cs typeface="+mn-cs"/>
                           <a:hlinkClick r:id="rId10"/>
                         </a:rPr>
-                        <a:t>Terms and Conditions</a:t>
+                        <a:t>Termos e condições</a:t>
                       </a:r>
-                      <a:endParaRPr lang="en-US" sz="1100">
-                        <a:solidFill>
-                          <a:schemeClr val="tx1"/>
-                        </a:solidFill>
-                        <a:effectLst/>
-                        <a:latin typeface="Adobe Clean" panose="020B0503020404020204" pitchFamily="34" charset="0"/>
-                        <a:ea typeface="+mn-ea"/>
-                        <a:cs typeface="+mn-cs"/>
-                      </a:endParaRPr>
                     </a:p>
                   </a:txBody>
                   <a:tcPr anchor="ctr">
@@ -18499,7 +15335,7 @@
                     <a:lstStyle/>
                     <a:p>
                       <a:r>
-                        <a:rPr lang="en-US" sz="1000" kern="1200">
+                        <a:rPr lang="pt-BR" sz="1000" dirty="0">
                           <a:solidFill>
                             <a:srgbClr val="000000"/>
                           </a:solidFill>
@@ -18507,7 +15343,7 @@
                           <a:ea typeface="+mn-ea"/>
                           <a:cs typeface="+mn-cs"/>
                         </a:rPr>
-                        <a:t>Terms and conditions detailing Support Services offerings</a:t>
+                        <a:t>Os Termos e condições que detalham os serviços de suporte</a:t>
                       </a:r>
                     </a:p>
                   </a:txBody>
@@ -19284,6 +16120,15 @@
 </file>
 
 <file path=customXml/item2.xml><?xml version="1.0" encoding="utf-8"?>
+<?mso-contentType ?>
+<FormTemplates xmlns="http://schemas.microsoft.com/sharepoint/v3/contenttype/forms">
+  <Display>DocumentLibraryForm</Display>
+  <Edit>DocumentLibraryForm</Edit>
+  <New>DocumentLibraryForm</New>
+</FormTemplates>
+</file>
+
+<file path=customXml/item3.xml><?xml version="1.0" encoding="utf-8"?>
 <ct:contentTypeSchema xmlns:ct="http://schemas.microsoft.com/office/2006/metadata/contentType" xmlns:ma="http://schemas.microsoft.com/office/2006/metadata/properties/metaAttributes" ct:_="" ma:_="" ma:contentTypeName="Document" ma:contentTypeID="0x010100E783BF6876BCC646A459363AF21A7736" ma:contentTypeVersion="10" ma:contentTypeDescription="Create a new document." ma:contentTypeScope="" ma:versionID="c4ffda7f4f415767600769e454c2ea87">
   <xsd:schema xmlns:xsd="http://www.w3.org/2001/XMLSchema" xmlns:xs="http://www.w3.org/2001/XMLSchema" xmlns:p="http://schemas.microsoft.com/office/2006/metadata/properties" xmlns:ns2="8a053bff-88be-49e4-9a87-e748e18b8b62" xmlns:ns3="6c8368ec-3776-49b5-a5bb-90648cf9530f" targetNamespace="http://schemas.microsoft.com/office/2006/metadata/properties" ma:root="true" ma:fieldsID="df3ec33bccc23e23bce7bc897fad43d1" ns2:_="" ns3:_="">
     <xsd:import namespace="8a053bff-88be-49e4-9a87-e748e18b8b62"/>
@@ -19488,15 +16333,6 @@
 </ct:contentTypeSchema>
 </file>
 
-<file path=customXml/item3.xml><?xml version="1.0" encoding="utf-8"?>
-<?mso-contentType ?>
-<FormTemplates xmlns="http://schemas.microsoft.com/sharepoint/v3/contenttype/forms">
-  <Display>DocumentLibraryForm</Display>
-  <Edit>DocumentLibraryForm</Edit>
-  <New>DocumentLibraryForm</New>
-</FormTemplates>
-</file>
-
 <file path=customXml/itemProps1.xml><?xml version="1.0" encoding="utf-8"?>
 <ds:datastoreItem xmlns:ds="http://schemas.openxmlformats.org/officeDocument/2006/customXml" ds:itemID="{CED41536-010B-47B1-9229-B72BE4090090}">
   <ds:schemaRefs>
@@ -19507,28 +16343,28 @@
 </file>
 
 <file path=customXml/itemProps2.xml><?xml version="1.0" encoding="utf-8"?>
-<ds:datastoreItem xmlns:ds="http://schemas.openxmlformats.org/officeDocument/2006/customXml" ds:itemID="{75C1A8FD-3884-41A0-BE37-D15776C885D1}">
+<ds:datastoreItem xmlns:ds="http://schemas.openxmlformats.org/officeDocument/2006/customXml" ds:itemID="{669D9D3B-3229-44EE-9964-24A06AE66887}">
   <ds:schemaRefs>
-    <ds:schemaRef ds:uri="6c8368ec-3776-49b5-a5bb-90648cf9530f"/>
-    <ds:schemaRef ds:uri="8a053bff-88be-49e4-9a87-e748e18b8b62"/>
-    <ds:schemaRef ds:uri="http://purl.org/dc/elements/1.1/"/>
-    <ds:schemaRef ds:uri="http://purl.org/dc/terms/"/>
-    <ds:schemaRef ds:uri="http://schemas.microsoft.com/internal/obd"/>
-    <ds:schemaRef ds:uri="http://schemas.microsoft.com/office/2006/documentManagement/types"/>
-    <ds:schemaRef ds:uri="http://schemas.microsoft.com/office/2006/metadata/contentType"/>
-    <ds:schemaRef ds:uri="http://schemas.microsoft.com/office/2006/metadata/properties"/>
-    <ds:schemaRef ds:uri="http://schemas.microsoft.com/office/2006/metadata/properties/metaAttributes"/>
-    <ds:schemaRef ds:uri="http://schemas.microsoft.com/office/infopath/2007/PartnerControls"/>
-    <ds:schemaRef ds:uri="http://schemas.openxmlformats.org/package/2006/metadata/core-properties"/>
-    <ds:schemaRef ds:uri="http://www.w3.org/2001/XMLSchema"/>
+    <ds:schemaRef ds:uri="http://schemas.microsoft.com/sharepoint/v3/contenttype/forms"/>
   </ds:schemaRefs>
 </ds:datastoreItem>
 </file>
 
 <file path=customXml/itemProps3.xml><?xml version="1.0" encoding="utf-8"?>
-<ds:datastoreItem xmlns:ds="http://schemas.openxmlformats.org/officeDocument/2006/customXml" ds:itemID="{669D9D3B-3229-44EE-9964-24A06AE66887}">
+<ds:datastoreItem xmlns:ds="http://schemas.openxmlformats.org/officeDocument/2006/customXml" ds:itemID="{75C1A8FD-3884-41A0-BE37-D15776C885D1}">
   <ds:schemaRefs>
-    <ds:schemaRef ds:uri="http://schemas.microsoft.com/sharepoint/v3/contenttype/forms"/>
+    <ds:schemaRef ds:uri="http://schemas.microsoft.com/office/2006/metadata/contentType"/>
+    <ds:schemaRef ds:uri="http://schemas.microsoft.com/office/2006/metadata/properties/metaAttributes"/>
+    <ds:schemaRef ds:uri="http://www.w3.org/2001/XMLSchema"/>
+    <ds:schemaRef ds:uri="http://schemas.microsoft.com/office/2006/metadata/properties"/>
+    <ds:schemaRef ds:uri="8a053bff-88be-49e4-9a87-e748e18b8b62"/>
+    <ds:schemaRef ds:uri="6c8368ec-3776-49b5-a5bb-90648cf9530f"/>
+    <ds:schemaRef ds:uri="http://schemas.microsoft.com/office/2006/documentManagement/types"/>
+    <ds:schemaRef ds:uri="http://schemas.microsoft.com/office/infopath/2007/PartnerControls"/>
+    <ds:schemaRef ds:uri="http://schemas.openxmlformats.org/package/2006/metadata/core-properties"/>
+    <ds:schemaRef ds:uri="http://purl.org/dc/elements/1.1/"/>
+    <ds:schemaRef ds:uri="http://purl.org/dc/terms/"/>
+    <ds:schemaRef ds:uri="http://schemas.microsoft.com/internal/obd"/>
   </ds:schemaRefs>
 </ds:datastoreItem>
 </file>
--- a/help/data-sheets/assets/EliteSupportDatasheet.pptx
+++ b/help/data-sheets/assets/EliteSupportDatasheet.pptx
@@ -151,9 +151,7 @@
 <file path=ppt/revisionInfo.xml><?xml version="1.0" encoding="utf-8"?>
 <p1510:revInfo xmlns:a="http://schemas.openxmlformats.org/drawingml/2006/main" xmlns:r="http://schemas.openxmlformats.org/officeDocument/2006/relationships" xmlns:p1510="http://schemas.microsoft.com/office/powerpoint/2015/10/main">
   <p1510:revLst>
-    <p1510:client id="{306579C9-8574-E621-57BF-C5D6F4C605CC}" v="6" dt="2021-09-22T22:58:26.163"/>
-    <p1510:client id="{86768B6F-E5DF-274A-B928-9320E1DF9962}" v="132" dt="2021-08-07T02:18:13.925"/>
-    <p1510:client id="{8C285145-5FF7-2B49-D44C-ABA3390CC068}" v="48" dt="2021-09-22T19:02:31.738"/>
+    <p1510:client id="{0BC4D7A0-4BBD-1B49-BE14-170949F0EA37}" v="4" dt="2021-10-13T19:10:14.670"/>
   </p1510:revLst>
 </p1510:revInfo>
 </file>
@@ -161,58 +159,26 @@
 <file path=ppt/changesInfos/changesInfo1.xml><?xml version="1.0" encoding="utf-8"?>
 <pc:chgInfo xmlns:a="http://schemas.openxmlformats.org/drawingml/2006/main" xmlns:r="http://schemas.openxmlformats.org/officeDocument/2006/relationships" xmlns:ac="http://schemas.microsoft.com/office/drawing/2013/main/command" xmlns:pc="http://schemas.microsoft.com/office/powerpoint/2013/main/command">
   <pc:docChgLst>
-    <pc:chgData name="Akilah Johnson" userId="S::akjohnso@adobe.com::2fa3aa60-0c9c-4d06-bae2-795983241227" providerId="AD" clId="Web-{306579C9-8574-E621-57BF-C5D6F4C605CC}"/>
+    <pc:chgData name="Lauren Schutte" userId="6e08b2d3-447a-4d66-86be-444d50df187f" providerId="ADAL" clId="{0BC4D7A0-4BBD-1B49-BE14-170949F0EA37}"/>
     <pc:docChg chg="modSld">
-      <pc:chgData name="Akilah Johnson" userId="S::akjohnso@adobe.com::2fa3aa60-0c9c-4d06-bae2-795983241227" providerId="AD" clId="Web-{306579C9-8574-E621-57BF-C5D6F4C605CC}" dt="2021-09-22T22:58:18.491" v="3"/>
+      <pc:chgData name="Lauren Schutte" userId="6e08b2d3-447a-4d66-86be-444d50df187f" providerId="ADAL" clId="{0BC4D7A0-4BBD-1B49-BE14-170949F0EA37}" dt="2021-10-13T19:10:14.671" v="3" actId="1035"/>
       <pc:docMkLst>
         <pc:docMk/>
       </pc:docMkLst>
-      <pc:sldChg chg="modSp">
-        <pc:chgData name="Akilah Johnson" userId="S::akjohnso@adobe.com::2fa3aa60-0c9c-4d06-bae2-795983241227" providerId="AD" clId="Web-{306579C9-8574-E621-57BF-C5D6F4C605CC}" dt="2021-09-22T22:58:18.491" v="3"/>
+      <pc:sldChg chg="modSp mod">
+        <pc:chgData name="Lauren Schutte" userId="6e08b2d3-447a-4d66-86be-444d50df187f" providerId="ADAL" clId="{0BC4D7A0-4BBD-1B49-BE14-170949F0EA37}" dt="2021-10-13T19:10:14.671" v="3" actId="1035"/>
         <pc:sldMkLst>
           <pc:docMk/>
-          <pc:sldMk cId="1050037809" sldId="261"/>
-        </pc:sldMkLst>
-        <pc:graphicFrameChg chg="mod modGraphic">
-          <ac:chgData name="Akilah Johnson" userId="S::akjohnso@adobe.com::2fa3aa60-0c9c-4d06-bae2-795983241227" providerId="AD" clId="Web-{306579C9-8574-E621-57BF-C5D6F4C605CC}" dt="2021-09-22T22:58:18.491" v="3"/>
-          <ac:graphicFrameMkLst>
-            <pc:docMk/>
-            <pc:sldMk cId="1050037809" sldId="261"/>
-            <ac:graphicFrameMk id="25" creationId="{3A91F5B0-3974-A14D-A146-FB590F2AAD18}"/>
-          </ac:graphicFrameMkLst>
-        </pc:graphicFrameChg>
-      </pc:sldChg>
-    </pc:docChg>
-  </pc:docChgLst>
-  <pc:docChgLst>
-    <pc:chgData name="Akilah Johnson" userId="S::akjohnso@adobe.com::2fa3aa60-0c9c-4d06-bae2-795983241227" providerId="AD" clId="Web-{8C285145-5FF7-2B49-D44C-ABA3390CC068}"/>
-    <pc:docChg chg="modSld">
-      <pc:chgData name="Akilah Johnson" userId="S::akjohnso@adobe.com::2fa3aa60-0c9c-4d06-bae2-795983241227" providerId="AD" clId="Web-{8C285145-5FF7-2B49-D44C-ABA3390CC068}" dt="2021-09-22T19:02:31.738" v="36" actId="1076"/>
-      <pc:docMkLst>
-        <pc:docMk/>
-      </pc:docMkLst>
-      <pc:sldChg chg="modSp">
-        <pc:chgData name="Akilah Johnson" userId="S::akjohnso@adobe.com::2fa3aa60-0c9c-4d06-bae2-795983241227" providerId="AD" clId="Web-{8C285145-5FF7-2B49-D44C-ABA3390CC068}" dt="2021-09-22T19:02:31.738" v="36" actId="1076"/>
-        <pc:sldMkLst>
-          <pc:docMk/>
-          <pc:sldMk cId="1050037809" sldId="261"/>
+          <pc:sldMk cId="0" sldId="256"/>
         </pc:sldMkLst>
         <pc:spChg chg="mod">
-          <ac:chgData name="Akilah Johnson" userId="S::akjohnso@adobe.com::2fa3aa60-0c9c-4d06-bae2-795983241227" providerId="AD" clId="Web-{8C285145-5FF7-2B49-D44C-ABA3390CC068}" dt="2021-09-22T19:02:31.738" v="36" actId="1076"/>
+          <ac:chgData name="Lauren Schutte" userId="6e08b2d3-447a-4d66-86be-444d50df187f" providerId="ADAL" clId="{0BC4D7A0-4BBD-1B49-BE14-170949F0EA37}" dt="2021-10-13T19:10:14.671" v="3" actId="1035"/>
           <ac:spMkLst>
             <pc:docMk/>
-            <pc:sldMk cId="1050037809" sldId="261"/>
-            <ac:spMk id="64" creationId="{41467BDC-3D83-D844-B922-CD07E94E5AAB}"/>
+            <pc:sldMk cId="0" sldId="256"/>
+            <ac:spMk id="4" creationId="{00000000-0000-0000-0000-000000000000}"/>
           </ac:spMkLst>
         </pc:spChg>
-        <pc:graphicFrameChg chg="mod modGraphic">
-          <ac:chgData name="Akilah Johnson" userId="S::akjohnso@adobe.com::2fa3aa60-0c9c-4d06-bae2-795983241227" providerId="AD" clId="Web-{8C285145-5FF7-2B49-D44C-ABA3390CC068}" dt="2021-09-22T18:59:49.504" v="34"/>
-          <ac:graphicFrameMkLst>
-            <pc:docMk/>
-            <pc:sldMk cId="1050037809" sldId="261"/>
-            <ac:graphicFrameMk id="25" creationId="{3A91F5B0-3974-A14D-A146-FB590F2AAD18}"/>
-          </ac:graphicFrameMkLst>
-        </pc:graphicFrameChg>
       </pc:sldChg>
     </pc:docChg>
   </pc:docChgLst>
@@ -301,7 +267,7 @@
           <a:p>
             <a:fld id="{C12E57D6-2086-AA47-A7A4-C0CDE7C14E44}" type="datetimeFigureOut">
               <a:rPr lang="en-US" smtClean="0"/>
-              <a:t>10/1/2021</a:t>
+              <a:t>11/12/2021</a:t>
             </a:fld>
             <a:endParaRPr lang="en-US"/>
           </a:p>
@@ -696,7 +662,7 @@
           <a:bodyPr/>
           <a:lstStyle/>
           <a:p>
-            <a:endParaRPr lang="en-US" dirty="0"/>
+            <a:endParaRPr lang="en-US"/>
           </a:p>
         </p:txBody>
       </p:sp>
@@ -875,7 +841,7 @@
           <a:p>
             <a:fld id="{1D8BD707-D9CF-40AE-B4C6-C98DA3205C09}" type="datetimeFigureOut">
               <a:rPr lang="en-US"/>
-              <a:t>10/1/2021</a:t>
+              <a:t>11/12/2021</a:t>
             </a:fld>
             <a:endParaRPr lang="en-US"/>
           </a:p>
@@ -915,7 +881,7 @@
               </a:spcBef>
             </a:pPr>
             <a:r>
-              <a:rPr spc="-5" dirty="0"/>
+              <a:rPr spc="-5"/>
               <a:t>©</a:t>
             </a:r>
             <a:fld id="{81D60167-4931-47E6-BA6A-407CBD079E47}" type="slidenum">
@@ -923,35 +889,35 @@
               <a:t>‹#›</a:t>
             </a:fld>
             <a:r>
-              <a:rPr spc="-5" dirty="0"/>
+              <a:rPr spc="-5"/>
               <a:t> Adobe. All</a:t>
             </a:r>
             <a:r>
-              <a:rPr spc="-15" dirty="0"/>
+              <a:rPr spc="-15"/>
               <a:t> Rights</a:t>
             </a:r>
             <a:r>
-              <a:rPr spc="-10" dirty="0"/>
+              <a:rPr spc="-10"/>
               <a:t> </a:t>
             </a:r>
             <a:r>
-              <a:rPr spc="-15" dirty="0"/>
+              <a:rPr spc="-15"/>
               <a:t>Reserved.</a:t>
             </a:r>
             <a:r>
-              <a:rPr spc="-10" dirty="0"/>
+              <a:rPr spc="-10"/>
               <a:t> </a:t>
             </a:r>
             <a:r>
-              <a:rPr spc="-5" dirty="0"/>
+              <a:rPr spc="-5"/>
               <a:t>Adobe</a:t>
             </a:r>
             <a:r>
-              <a:rPr spc="60" dirty="0"/>
+              <a:rPr spc="60"/>
               <a:t> </a:t>
             </a:r>
             <a:r>
-              <a:rPr spc="-15" dirty="0"/>
+              <a:rPr spc="-15"/>
               <a:t>Confidential.</a:t>
             </a:r>
           </a:p>
@@ -1120,7 +1086,7 @@
           <a:p>
             <a:fld id="{1D8BD707-D9CF-40AE-B4C6-C98DA3205C09}" type="datetimeFigureOut">
               <a:rPr lang="en-US"/>
-              <a:t>10/1/2021</a:t>
+              <a:t>11/12/2021</a:t>
             </a:fld>
             <a:endParaRPr lang="en-US"/>
           </a:p>
@@ -1160,7 +1126,7 @@
               </a:spcBef>
             </a:pPr>
             <a:r>
-              <a:rPr spc="-5" dirty="0"/>
+              <a:rPr spc="-5"/>
               <a:t>©</a:t>
             </a:r>
             <a:fld id="{81D60167-4931-47E6-BA6A-407CBD079E47}" type="slidenum">
@@ -1168,35 +1134,35 @@
               <a:t>‹#›</a:t>
             </a:fld>
             <a:r>
-              <a:rPr spc="-5" dirty="0"/>
+              <a:rPr spc="-5"/>
               <a:t> Adobe. All</a:t>
             </a:r>
             <a:r>
-              <a:rPr spc="-15" dirty="0"/>
+              <a:rPr spc="-15"/>
               <a:t> Rights</a:t>
             </a:r>
             <a:r>
-              <a:rPr spc="-10" dirty="0"/>
+              <a:rPr spc="-10"/>
               <a:t> </a:t>
             </a:r>
             <a:r>
-              <a:rPr spc="-15" dirty="0"/>
+              <a:rPr spc="-15"/>
               <a:t>Reserved.</a:t>
             </a:r>
             <a:r>
-              <a:rPr spc="-10" dirty="0"/>
+              <a:rPr spc="-10"/>
               <a:t> </a:t>
             </a:r>
             <a:r>
-              <a:rPr spc="-5" dirty="0"/>
+              <a:rPr spc="-5"/>
               <a:t>Adobe</a:t>
             </a:r>
             <a:r>
-              <a:rPr spc="60" dirty="0"/>
+              <a:rPr spc="60"/>
               <a:t> </a:t>
             </a:r>
             <a:r>
-              <a:rPr spc="-15" dirty="0"/>
+              <a:rPr spc="-15"/>
               <a:t>Confidential.</a:t>
             </a:r>
           </a:p>
@@ -1378,7 +1344,7 @@
           <a:p>
             <a:fld id="{1D8BD707-D9CF-40AE-B4C6-C98DA3205C09}" type="datetimeFigureOut">
               <a:rPr lang="en-US"/>
-              <a:t>10/1/2021</a:t>
+              <a:t>11/12/2021</a:t>
             </a:fld>
             <a:endParaRPr lang="en-US"/>
           </a:p>
@@ -1418,7 +1384,7 @@
               </a:spcBef>
             </a:pPr>
             <a:r>
-              <a:rPr spc="-5" dirty="0"/>
+              <a:rPr spc="-5"/>
               <a:t>©</a:t>
             </a:r>
             <a:fld id="{81D60167-4931-47E6-BA6A-407CBD079E47}" type="slidenum">
@@ -1426,35 +1392,35 @@
               <a:t>‹#›</a:t>
             </a:fld>
             <a:r>
-              <a:rPr spc="-5" dirty="0"/>
+              <a:rPr spc="-5"/>
               <a:t> Adobe. All</a:t>
             </a:r>
             <a:r>
-              <a:rPr spc="-15" dirty="0"/>
+              <a:rPr spc="-15"/>
               <a:t> Rights</a:t>
             </a:r>
             <a:r>
-              <a:rPr spc="-10" dirty="0"/>
+              <a:rPr spc="-10"/>
               <a:t> </a:t>
             </a:r>
             <a:r>
-              <a:rPr spc="-15" dirty="0"/>
+              <a:rPr spc="-15"/>
               <a:t>Reserved.</a:t>
             </a:r>
             <a:r>
-              <a:rPr spc="-10" dirty="0"/>
+              <a:rPr spc="-10"/>
               <a:t> </a:t>
             </a:r>
             <a:r>
-              <a:rPr spc="-5" dirty="0"/>
+              <a:rPr spc="-5"/>
               <a:t>Adobe</a:t>
             </a:r>
             <a:r>
-              <a:rPr spc="60" dirty="0"/>
+              <a:rPr spc="60"/>
               <a:t> </a:t>
             </a:r>
             <a:r>
-              <a:rPr spc="-15" dirty="0"/>
+              <a:rPr spc="-15"/>
               <a:t>Confidential.</a:t>
             </a:r>
           </a:p>
@@ -1570,7 +1536,7 @@
           <a:p>
             <a:fld id="{1D8BD707-D9CF-40AE-B4C6-C98DA3205C09}" type="datetimeFigureOut">
               <a:rPr lang="en-US"/>
-              <a:t>10/1/2021</a:t>
+              <a:t>11/12/2021</a:t>
             </a:fld>
             <a:endParaRPr lang="en-US"/>
           </a:p>
@@ -1610,7 +1576,7 @@
               </a:spcBef>
             </a:pPr>
             <a:r>
-              <a:rPr spc="-5" dirty="0"/>
+              <a:rPr spc="-5"/>
               <a:t>©</a:t>
             </a:r>
             <a:fld id="{81D60167-4931-47E6-BA6A-407CBD079E47}" type="slidenum">
@@ -1618,35 +1584,35 @@
               <a:t>‹#›</a:t>
             </a:fld>
             <a:r>
-              <a:rPr spc="-5" dirty="0"/>
+              <a:rPr spc="-5"/>
               <a:t> Adobe. All</a:t>
             </a:r>
             <a:r>
-              <a:rPr spc="-15" dirty="0"/>
+              <a:rPr spc="-15"/>
               <a:t> Rights</a:t>
             </a:r>
             <a:r>
-              <a:rPr spc="-10" dirty="0"/>
+              <a:rPr spc="-10"/>
               <a:t> </a:t>
             </a:r>
             <a:r>
-              <a:rPr spc="-15" dirty="0"/>
+              <a:rPr spc="-15"/>
               <a:t>Reserved.</a:t>
             </a:r>
             <a:r>
-              <a:rPr spc="-10" dirty="0"/>
+              <a:rPr spc="-10"/>
               <a:t> </a:t>
             </a:r>
             <a:r>
-              <a:rPr spc="-5" dirty="0"/>
+              <a:rPr spc="-5"/>
               <a:t>Adobe</a:t>
             </a:r>
             <a:r>
-              <a:rPr spc="60" dirty="0"/>
+              <a:rPr spc="60"/>
               <a:t> </a:t>
             </a:r>
             <a:r>
-              <a:rPr spc="-15" dirty="0"/>
+              <a:rPr spc="-15"/>
               <a:t>Confidential.</a:t>
             </a:r>
           </a:p>
@@ -1733,7 +1699,7 @@
           <a:p>
             <a:fld id="{1D8BD707-D9CF-40AE-B4C6-C98DA3205C09}" type="datetimeFigureOut">
               <a:rPr lang="en-US"/>
-              <a:t>10/1/2021</a:t>
+              <a:t>11/12/2021</a:t>
             </a:fld>
             <a:endParaRPr lang="en-US"/>
           </a:p>
@@ -1773,7 +1739,7 @@
               </a:spcBef>
             </a:pPr>
             <a:r>
-              <a:rPr spc="-5" dirty="0"/>
+              <a:rPr spc="-5"/>
               <a:t>©</a:t>
             </a:r>
             <a:fld id="{81D60167-4931-47E6-BA6A-407CBD079E47}" type="slidenum">
@@ -1781,35 +1747,35 @@
               <a:t>‹#›</a:t>
             </a:fld>
             <a:r>
-              <a:rPr spc="-5" dirty="0"/>
+              <a:rPr spc="-5"/>
               <a:t> Adobe. All</a:t>
             </a:r>
             <a:r>
-              <a:rPr spc="-15" dirty="0"/>
+              <a:rPr spc="-15"/>
               <a:t> Rights</a:t>
             </a:r>
             <a:r>
-              <a:rPr spc="-10" dirty="0"/>
+              <a:rPr spc="-10"/>
               <a:t> </a:t>
             </a:r>
             <a:r>
-              <a:rPr spc="-15" dirty="0"/>
+              <a:rPr spc="-15"/>
               <a:t>Reserved.</a:t>
             </a:r>
             <a:r>
-              <a:rPr spc="-10" dirty="0"/>
+              <a:rPr spc="-10"/>
               <a:t> </a:t>
             </a:r>
             <a:r>
-              <a:rPr spc="-5" dirty="0"/>
+              <a:rPr spc="-5"/>
               <a:t>Adobe</a:t>
             </a:r>
             <a:r>
-              <a:rPr spc="60" dirty="0"/>
+              <a:rPr spc="60"/>
               <a:t> </a:t>
             </a:r>
             <a:r>
-              <a:rPr spc="-15" dirty="0"/>
+              <a:rPr spc="-15"/>
               <a:t>Confidential.</a:t>
             </a:r>
           </a:p>
@@ -1996,7 +1962,7 @@
           <a:p>
             <a:fld id="{1D8BD707-D9CF-40AE-B4C6-C98DA3205C09}" type="datetimeFigureOut">
               <a:rPr lang="en-US"/>
-              <a:t>10/1/2021</a:t>
+              <a:t>11/12/2021</a:t>
             </a:fld>
             <a:endParaRPr lang="en-US"/>
           </a:p>
@@ -2046,7 +2012,7 @@
               </a:spcBef>
             </a:pPr>
             <a:r>
-              <a:rPr spc="-5" dirty="0"/>
+              <a:rPr spc="-5"/>
               <a:t>©</a:t>
             </a:r>
             <a:fld id="{81D60167-4931-47E6-BA6A-407CBD079E47}" type="slidenum">
@@ -2054,35 +2020,35 @@
               <a:t>‹#›</a:t>
             </a:fld>
             <a:r>
-              <a:rPr spc="-5" dirty="0"/>
+              <a:rPr spc="-5"/>
               <a:t> Adobe. All</a:t>
             </a:r>
             <a:r>
-              <a:rPr spc="-15" dirty="0"/>
+              <a:rPr spc="-15"/>
               <a:t> Rights</a:t>
             </a:r>
             <a:r>
-              <a:rPr spc="-10" dirty="0"/>
+              <a:rPr spc="-10"/>
               <a:t> </a:t>
             </a:r>
             <a:r>
-              <a:rPr spc="-15" dirty="0"/>
+              <a:rPr spc="-15"/>
               <a:t>Reserved.</a:t>
             </a:r>
             <a:r>
-              <a:rPr spc="-10" dirty="0"/>
+              <a:rPr spc="-10"/>
               <a:t> </a:t>
             </a:r>
             <a:r>
-              <a:rPr spc="-5" dirty="0"/>
+              <a:rPr spc="-5"/>
               <a:t>Adobe</a:t>
             </a:r>
             <a:r>
-              <a:rPr spc="60" dirty="0"/>
+              <a:rPr spc="60"/>
               <a:t> </a:t>
             </a:r>
             <a:r>
-              <a:rPr spc="-15" dirty="0"/>
+              <a:rPr spc="-15"/>
               <a:t>Confidential.</a:t>
             </a:r>
           </a:p>
@@ -2272,31 +2238,26 @@
         <p:spPr>
           <a:xfrm>
             <a:off x="502827" y="65103"/>
-            <a:ext cx="4725793" cy="366767"/>
+            <a:ext cx="4440233" cy="366767"/>
           </a:xfrm>
           <a:prstGeom prst="rect">
             <a:avLst/>
           </a:prstGeom>
         </p:spPr>
         <p:txBody>
-          <a:bodyPr vert="horz" wrap="square" lIns="0" tIns="12700" rIns="0" bIns="0" rtlCol="0">
+          <a:bodyPr vert="horz" wrap="square" lIns="0" tIns="12700" rIns="0" bIns="0" rtlCol="0" anchor="t">
             <a:spAutoFit/>
           </a:bodyPr>
           <a:lstStyle/>
           <a:p>
             <a:pPr marL="12700">
-              <a:lnSpc>
-                <a:spcPct val="100000"/>
-              </a:lnSpc>
               <a:spcBef>
                 <a:spcPts val="100"/>
               </a:spcBef>
             </a:pPr>
             <a:r>
-              <a:rPr lang="pt-BR" sz="2300" dirty="0">
-                <a:latin typeface="Adobe Clean" panose="020B0503020404020204" pitchFamily="34" charset="0"/>
-              </a:rPr>
-              <a:t>SERVIÇOS DE SUPORTE ADOBE</a:t>
+              <a:rPr lang="pt-BR" sz="2300" dirty="0"/>
+              <a:t>PLANOS DE SUPORTE DA ADOBE</a:t>
             </a:r>
           </a:p>
         </p:txBody>
@@ -2345,7 +2306,7 @@
                 <a:solidFill>
                   <a:srgbClr val="FFFFFF"/>
                 </a:solidFill>
-                <a:latin typeface="Arial"/>
+                <a:latin typeface="Adobe Clean" panose="020B0503020404020204" pitchFamily="34" charset="0"/>
                 <a:cs typeface="Arial"/>
               </a:rPr>
               <a:t>Elite</a:t>
@@ -2367,7 +2328,7 @@
               <a:t>A Adobe oferece uma ampla gama de recursos técnicos para prestar suporte à sua empresa, incluídos na sua assinatura </a:t>
             </a:r>
             <a:br>
-              <a:rPr lang="sk-SK" sz="900" dirty="0">
+              <a:rPr lang="pt-BR" sz="900" dirty="0">
                 <a:solidFill>
                   <a:schemeClr val="bg1"/>
                 </a:solidFill>
@@ -2381,10 +2342,10 @@
                 </a:solidFill>
                 <a:latin typeface="Adobe Clean SemiLight" panose="020B0403020404020204" pitchFamily="34" charset="0"/>
               </a:rPr>
-              <a:t>da Experience Cloud e com melhorias adicionais no pacote de suporte ELITE. O Suporte ELITE inclui acesso a caminhos </a:t>
+              <a:t>da Experience Cloud e com melhorias adicionais no pacote de suporte ELITE. O Suporte ELITE inclui acesso a caminhos de aprendizagem personalizados e a fóruns monitorados da comunidade na Adobe Experience League. Você tem à sua disposição </a:t>
             </a:r>
             <a:br>
-              <a:rPr lang="sk-SK" sz="900" dirty="0">
+              <a:rPr lang="pt-BR" sz="900" dirty="0">
                 <a:solidFill>
                   <a:schemeClr val="bg1"/>
                 </a:solidFill>
@@ -2398,10 +2359,10 @@
                 </a:solidFill>
                 <a:latin typeface="Adobe Clean SemiLight" panose="020B0403020404020204" pitchFamily="34" charset="0"/>
               </a:rPr>
-              <a:t>de aprendizagem personalizados e a fóruns monitorados da comunidade na Adobe Experience League. Você tem à sua disposição </a:t>
+              <a:t>a nossa documentação técnica de produto, com todos os detalhes, e as notas de versão atuais. Os clientes ELITE também contam com um Engenheiro de suporte nomeado e um Gerente técnico de conta, que atuam como contato técnico designado na </a:t>
             </a:r>
             <a:br>
-              <a:rPr lang="sk-SK" sz="900" dirty="0">
+              <a:rPr lang="pt-BR" sz="900" dirty="0">
                 <a:solidFill>
                   <a:schemeClr val="bg1"/>
                 </a:solidFill>
@@ -2415,10 +2376,10 @@
                 </a:solidFill>
                 <a:latin typeface="Adobe Clean SemiLight" panose="020B0403020404020204" pitchFamily="34" charset="0"/>
               </a:rPr>
-              <a:t>a nossa documentação técnica de produto, com todos os detalhes, e as notas de versão atuais. Os clientes ELITE também contam com um Engenheiro de suporte nomeado e um Gerente técnico de conta, que atuam como contato técnico designado na Equipe de suporte da Adobe e colaboram com você para prestar um suporte superior, rápido e proativo. Com ampla experiência </a:t>
+              <a:t>Equipe de suporte da Adobe e colaboram com você para prestar um suporte superior, rápido e proativo. Com ampla experiência em soluções da Experience Cloud, a Equipe de suporte trabalha para garantir que a Adobe esteja ao seu lado seja qual for </a:t>
             </a:r>
             <a:br>
-              <a:rPr lang="sk-SK" sz="900" dirty="0">
+              <a:rPr lang="pt-BR" sz="900" dirty="0">
                 <a:solidFill>
                   <a:schemeClr val="bg1"/>
                 </a:solidFill>
@@ -2432,27 +2393,10 @@
                 </a:solidFill>
                 <a:latin typeface="Adobe Clean SemiLight" panose="020B0403020404020204" pitchFamily="34" charset="0"/>
               </a:rPr>
-              <a:t>em soluções da Experience Cloud, a Equipe de suporte trabalha para garantir que a Adobe esteja ao seu lado seja qual for </a:t>
+              <a:t>a complexidade do problema, atuando de maneira preventiva para que você aproveite ao máximo seu investimento na </a:t>
             </a:r>
             <a:br>
-              <a:rPr lang="sk-SK" sz="900" dirty="0">
-                <a:solidFill>
-                  <a:schemeClr val="bg1"/>
-                </a:solidFill>
-                <a:latin typeface="Adobe Clean SemiLight" panose="020B0403020404020204" pitchFamily="34" charset="0"/>
-              </a:rPr>
-            </a:br>
-            <a:r>
               <a:rPr lang="pt-BR" sz="900" dirty="0">
-                <a:solidFill>
-                  <a:schemeClr val="bg1"/>
-                </a:solidFill>
-                <a:latin typeface="Adobe Clean SemiLight" panose="020B0403020404020204" pitchFamily="34" charset="0"/>
-              </a:rPr>
-              <a:t>a complexidade do problema, atuando de maneira preventiva para que você aproveite ao máximo seu investimento na </a:t>
-            </a:r>
-            <a:br>
-              <a:rPr lang="sk-SK" sz="900" dirty="0">
                 <a:solidFill>
                   <a:schemeClr val="bg1"/>
                 </a:solidFill>
@@ -2479,8 +2423,8 @@
         </p:nvSpPr>
         <p:spPr>
           <a:xfrm>
-            <a:off x="168564" y="7024371"/>
-            <a:ext cx="3565236" cy="228268"/>
+            <a:off x="168564" y="7162800"/>
+            <a:ext cx="5199726" cy="228268"/>
           </a:xfrm>
           <a:prstGeom prst="rect">
             <a:avLst/>
@@ -2527,14 +2471,14 @@
           <p:nvPr>
             <p:extLst>
               <p:ext uri="{D42A27DB-BD31-4B8C-83A1-F6EECF244321}">
-                <p14:modId xmlns:p14="http://schemas.microsoft.com/office/powerpoint/2010/main" val="4025285192"/>
+                <p14:modId xmlns:p14="http://schemas.microsoft.com/office/powerpoint/2010/main" val="2605916755"/>
               </p:ext>
             </p:extLst>
           </p:nvPr>
         </p:nvGraphicFramePr>
         <p:xfrm>
-          <a:off x="145668" y="7341479"/>
-          <a:ext cx="7409815" cy="2259721"/>
+          <a:off x="145668" y="7473158"/>
+          <a:ext cx="7409815" cy="2331721"/>
         </p:xfrm>
         <a:graphic>
           <a:graphicData uri="http://schemas.openxmlformats.org/drawingml/2006/table">
@@ -2626,20 +2570,30 @@
                     <a:bodyPr/>
                     <a:lstStyle/>
                     <a:p>
-                      <a:pPr marL="382905" algn="l">
+                      <a:pPr marL="2540" marR="0" lvl="0" indent="0" algn="ctr" defTabSz="914400" eaLnBrk="1" fontAlgn="auto" latinLnBrk="0" hangingPunct="1">
                         <a:lnSpc>
                           <a:spcPct val="100000"/>
                         </a:lnSpc>
                         <a:spcBef>
-                          <a:spcPts val="45"/>
+                          <a:spcPts val="60"/>
                         </a:spcBef>
+                        <a:spcAft>
+                          <a:spcPts val="0"/>
+                        </a:spcAft>
+                        <a:buClrTx/>
+                        <a:buSzTx/>
+                        <a:buFontTx/>
+                        <a:buNone/>
+                        <a:tabLst/>
+                        <a:defRPr/>
                       </a:pPr>
                       <a:r>
-                        <a:rPr lang="pt-BR" sz="900">
+                        <a:rPr lang="pt-BR" sz="900" dirty="0">
                           <a:solidFill>
-                            <a:srgbClr val="020302"/>
+                            <a:srgbClr val="404040"/>
                           </a:solidFill>
                           <a:latin typeface="Adobe Clean"/>
+                          <a:ea typeface="+mn-ea"/>
                           <a:cs typeface="Adobe Clean"/>
                         </a:rPr>
                         <a:t>Suporte Online</a:t>
@@ -2684,20 +2638,21 @@
                     <a:bodyPr/>
                     <a:lstStyle/>
                     <a:p>
-                      <a:pPr marL="263525" algn="l">
+                      <a:pPr marL="2540" algn="ctr">
                         <a:lnSpc>
                           <a:spcPct val="100000"/>
                         </a:lnSpc>
                         <a:spcBef>
-                          <a:spcPts val="65"/>
+                          <a:spcPts val="60"/>
                         </a:spcBef>
                       </a:pPr>
                       <a:r>
-                        <a:rPr lang="pt-BR" sz="900">
+                        <a:rPr lang="pt-BR" sz="900" dirty="0">
                           <a:solidFill>
                             <a:srgbClr val="FFFFFF"/>
                           </a:solidFill>
                           <a:latin typeface="Adobe Clean"/>
+                          <a:ea typeface="+mn-ea"/>
                           <a:cs typeface="Adobe Clean"/>
                         </a:rPr>
                         <a:t>Suporte Elite</a:t>
@@ -2784,27 +2739,10 @@
                           </a:solidFill>
                           <a:latin typeface="Adobe Clean Light" panose="020B0303020404020204" pitchFamily="34" charset="0"/>
                         </a:rPr>
-                        <a:t>As funções de produção do cliente estão inativas ou têm perda significativa de dados </a:t>
+                        <a:t>As funções de produção do cliente estão inativas ou têm perda significativa de dados ou degradação de serviços, e é necessária atenção imediata para restaurar a funcionalidade </a:t>
                       </a:r>
                       <a:br>
-                        <a:rPr lang="sk-SK" sz="900" b="0" i="0" u="none" strike="noStrike" dirty="0">
-                          <a:solidFill>
-                            <a:srgbClr val="000000"/>
-                          </a:solidFill>
-                          <a:latin typeface="Adobe Clean Light" panose="020B0303020404020204" pitchFamily="34" charset="0"/>
-                        </a:rPr>
-                      </a:br>
-                      <a:r>
                         <a:rPr lang="pt-BR" sz="900" b="0" i="0" u="none" strike="noStrike" dirty="0">
-                          <a:solidFill>
-                            <a:srgbClr val="000000"/>
-                          </a:solidFill>
-                          <a:latin typeface="Adobe Clean Light" panose="020B0303020404020204" pitchFamily="34" charset="0"/>
-                        </a:rPr>
-                        <a:t>ou degradação de serviços, e é necessária atenção imediata para restaurar a funcionalidade </a:t>
-                      </a:r>
-                      <a:br>
-                        <a:rPr lang="sk-SK" sz="900" b="0" i="0" u="none" strike="noStrike" dirty="0">
                           <a:solidFill>
                             <a:srgbClr val="000000"/>
                           </a:solidFill>
@@ -2822,7 +2760,7 @@
                       </a:r>
                     </a:p>
                   </a:txBody>
-                  <a:tcPr marL="0" marR="0" marT="0" marB="0" anchor="ctr">
+                  <a:tcPr marL="0" marR="0" marT="0" marB="36000" anchor="ctr">
                     <a:lnL w="6350">
                       <a:solidFill>
                         <a:srgbClr val="B7B8B8"/>
@@ -2857,20 +2795,33 @@
                     <a:bodyPr/>
                     <a:lstStyle/>
                     <a:p>
-                      <a:pPr marL="542925" marR="492125" algn="ctr">
+                      <a:pPr marL="2540" marR="0" lvl="0" indent="0" algn="ctr" defTabSz="914400" eaLnBrk="1" fontAlgn="auto" latinLnBrk="0" hangingPunct="1">
                         <a:lnSpc>
-                          <a:spcPct val="102200"/>
+                          <a:spcPct val="100000"/>
                         </a:lnSpc>
+                        <a:spcBef>
+                          <a:spcPts val="60"/>
+                        </a:spcBef>
+                        <a:spcAft>
+                          <a:spcPts val="0"/>
+                        </a:spcAft>
+                        <a:buClrTx/>
+                        <a:buSzTx/>
+                        <a:buFontTx/>
+                        <a:buNone/>
+                        <a:tabLst/>
+                        <a:defRPr/>
                       </a:pPr>
                       <a:r>
                         <a:rPr lang="pt-BR" sz="900" dirty="0">
                           <a:solidFill>
-                            <a:srgbClr val="020302"/>
+                            <a:srgbClr val="404040"/>
                           </a:solidFill>
-                          <a:latin typeface="AdobeClean-Light"/>
+                          <a:latin typeface="Adobe Clean Light" panose="020B0303020404020204" pitchFamily="34" charset="0"/>
+                          <a:ea typeface="+mn-ea"/>
                           <a:cs typeface="AdobeClean-Light"/>
                         </a:rPr>
-                        <a:t>24x7 /              1 hora</a:t>
+                        <a:t>24x7 / 1 hora</a:t>
                       </a:r>
                     </a:p>
                   </a:txBody>
@@ -2909,20 +2860,33 @@
                     <a:bodyPr/>
                     <a:lstStyle/>
                     <a:p>
-                      <a:pPr marL="405130" marR="459740" indent="92710" algn="ctr">
+                      <a:pPr marL="2540" marR="0" lvl="0" indent="0" algn="ctr" defTabSz="914400" eaLnBrk="1" fontAlgn="auto" latinLnBrk="0" hangingPunct="1">
                         <a:lnSpc>
                           <a:spcPct val="100000"/>
                         </a:lnSpc>
+                        <a:spcBef>
+                          <a:spcPts val="60"/>
+                        </a:spcBef>
+                        <a:spcAft>
+                          <a:spcPts val="0"/>
+                        </a:spcAft>
+                        <a:buClrTx/>
+                        <a:buSzTx/>
+                        <a:buFontTx/>
+                        <a:buNone/>
+                        <a:tabLst/>
+                        <a:defRPr/>
                       </a:pPr>
                       <a:r>
-                        <a:rPr lang="pt-BR" sz="900">
+                        <a:rPr lang="pt-BR" sz="900" dirty="0">
                           <a:solidFill>
-                            <a:srgbClr val="020302"/>
+                            <a:srgbClr val="404040"/>
                           </a:solidFill>
-                          <a:latin typeface="AdobeClean-Light"/>
+                          <a:latin typeface="Adobe Clean Light" panose="020B0303020404020204" pitchFamily="34" charset="0"/>
+                          <a:ea typeface="+mn-ea"/>
                           <a:cs typeface="AdobeClean-Light"/>
                         </a:rPr>
-                        <a:t>24x7 /         15 minutos</a:t>
+                        <a:t>24x7 / 15 minutos</a:t>
                       </a:r>
                     </a:p>
                   </a:txBody>
@@ -3050,20 +3014,54 @@
                     <a:bodyPr/>
                     <a:lstStyle/>
                     <a:p>
-                      <a:pPr marL="342900" marR="343535" indent="-44450" algn="ctr">
+                      <a:pPr marL="2540" marR="0" lvl="0" indent="0" algn="ctr" defTabSz="914400" eaLnBrk="1" fontAlgn="auto" latinLnBrk="0" hangingPunct="1">
                         <a:lnSpc>
-                          <a:spcPct val="102200"/>
+                          <a:spcPct val="100000"/>
                         </a:lnSpc>
+                        <a:spcBef>
+                          <a:spcPts val="60"/>
+                        </a:spcBef>
+                        <a:spcAft>
+                          <a:spcPts val="0"/>
+                        </a:spcAft>
+                        <a:buClrTx/>
+                        <a:buSzTx/>
+                        <a:buFontTx/>
+                        <a:buNone/>
+                        <a:tabLst/>
+                        <a:defRPr/>
                       </a:pPr>
                       <a:r>
                         <a:rPr lang="pt-BR" sz="900" dirty="0">
                           <a:solidFill>
-                            <a:srgbClr val="020302"/>
+                            <a:srgbClr val="404040"/>
                           </a:solidFill>
-                          <a:latin typeface="AdobeClean-Light"/>
+                          <a:latin typeface="Adobe Clean Light" panose="020B0303020404020204" pitchFamily="34" charset="0"/>
+                          <a:ea typeface="+mn-ea"/>
                           <a:cs typeface="AdobeClean-Light"/>
                         </a:rPr>
-                        <a:t>Horário comercial/           4 horas</a:t>
+                        <a:t>Horário  comercial /</a:t>
+                      </a:r>
+                      <a:br>
+                        <a:rPr lang="pt-BR" sz="900" dirty="0">
+                          <a:solidFill>
+                            <a:srgbClr val="404040"/>
+                          </a:solidFill>
+                          <a:latin typeface="Adobe Clean Light" panose="020B0303020404020204" pitchFamily="34" charset="0"/>
+                          <a:ea typeface="+mn-ea"/>
+                          <a:cs typeface="AdobeClean-Light"/>
+                        </a:rPr>
+                      </a:br>
+                      <a:r>
+                        <a:rPr lang="pt-BR" sz="900" dirty="0">
+                          <a:solidFill>
+                            <a:srgbClr val="404040"/>
+                          </a:solidFill>
+                          <a:latin typeface="Adobe Clean Light" panose="020B0303020404020204" pitchFamily="34" charset="0"/>
+                          <a:ea typeface="+mn-ea"/>
+                          <a:cs typeface="AdobeClean-Light"/>
+                        </a:rPr>
+                        <a:t>4 horas</a:t>
                       </a:r>
                     </a:p>
                   </a:txBody>
@@ -3099,20 +3097,33 @@
                     <a:bodyPr/>
                     <a:lstStyle/>
                     <a:p>
-                      <a:pPr marL="351790" marR="481330" indent="144145" algn="ctr">
+                      <a:pPr marL="2540" marR="0" lvl="0" indent="0" algn="ctr" defTabSz="914400" eaLnBrk="1" fontAlgn="auto" latinLnBrk="0" hangingPunct="1">
                         <a:lnSpc>
-                          <a:spcPct val="102299"/>
+                          <a:spcPct val="100000"/>
                         </a:lnSpc>
+                        <a:spcBef>
+                          <a:spcPts val="60"/>
+                        </a:spcBef>
+                        <a:spcAft>
+                          <a:spcPts val="0"/>
+                        </a:spcAft>
+                        <a:buClrTx/>
+                        <a:buSzTx/>
+                        <a:buFontTx/>
+                        <a:buNone/>
+                        <a:tabLst/>
+                        <a:defRPr/>
                       </a:pPr>
                       <a:r>
                         <a:rPr lang="pt-BR" sz="900" dirty="0">
                           <a:solidFill>
-                            <a:srgbClr val="020302"/>
+                            <a:srgbClr val="404040"/>
                           </a:solidFill>
-                          <a:latin typeface="AdobeClean-Light"/>
+                          <a:latin typeface="Adobe Clean Light" panose="020B0303020404020204" pitchFamily="34" charset="0"/>
+                          <a:ea typeface="+mn-ea"/>
                           <a:cs typeface="AdobeClean-Light"/>
                         </a:rPr>
-                        <a:t>24x5 /           30 minutos</a:t>
+                        <a:t>24x5 / 30 minutos</a:t>
                       </a:r>
                     </a:p>
                   </a:txBody>
@@ -3172,7 +3183,7 @@
                         </a:spcBef>
                       </a:pPr>
                       <a:r>
-                        <a:rPr lang="pt-BR" sz="900" b="1">
+                        <a:rPr lang="pt-BR" sz="900" b="1" dirty="0">
                           <a:solidFill>
                             <a:srgbClr val="020302"/>
                           </a:solidFill>
@@ -3192,7 +3203,7 @@
                         </a:spcBef>
                       </a:pPr>
                       <a:r>
-                        <a:rPr lang="pt-BR" sz="900" b="0" i="0" u="none" strike="noStrike">
+                        <a:rPr lang="pt-BR" sz="900" b="0" i="0" u="none" strike="noStrike" dirty="0">
                           <a:solidFill>
                             <a:srgbClr val="000000"/>
                           </a:solidFill>
@@ -3202,7 +3213,7 @@
                       </a:r>
                     </a:p>
                   </a:txBody>
-                  <a:tcPr marL="0" marR="0" marT="0" marB="0" anchor="ctr">
+                  <a:tcPr marL="0" marR="0" marT="0" marB="36000" anchor="ctr">
                     <a:lnL w="6350">
                       <a:solidFill>
                         <a:srgbClr val="B7B8B8"/>
@@ -3237,20 +3248,54 @@
                     <a:bodyPr/>
                     <a:lstStyle/>
                     <a:p>
-                      <a:pPr marL="285750" marR="343535" indent="12700" algn="ctr">
+                      <a:pPr marL="2540" marR="0" lvl="0" indent="0" algn="ctr" defTabSz="914400" eaLnBrk="1" fontAlgn="auto" latinLnBrk="0" hangingPunct="1">
                         <a:lnSpc>
-                          <a:spcPct val="102200"/>
+                          <a:spcPct val="100000"/>
                         </a:lnSpc>
+                        <a:spcBef>
+                          <a:spcPts val="60"/>
+                        </a:spcBef>
+                        <a:spcAft>
+                          <a:spcPts val="0"/>
+                        </a:spcAft>
+                        <a:buClrTx/>
+                        <a:buSzTx/>
+                        <a:buFontTx/>
+                        <a:buNone/>
+                        <a:tabLst/>
+                        <a:defRPr/>
                       </a:pPr>
                       <a:r>
                         <a:rPr lang="pt-BR" sz="900" dirty="0">
                           <a:solidFill>
-                            <a:srgbClr val="020302"/>
+                            <a:srgbClr val="404040"/>
                           </a:solidFill>
-                          <a:latin typeface="AdobeClean-Light"/>
+                          <a:latin typeface="Adobe Clean Light" panose="020B0303020404020204" pitchFamily="34" charset="0"/>
+                          <a:ea typeface="+mn-ea"/>
                           <a:cs typeface="AdobeClean-Light"/>
                         </a:rPr>
-                        <a:t>Horário comercial/           6 horas</a:t>
+                        <a:t>Horário comercial /           </a:t>
+                      </a:r>
+                      <a:br>
+                        <a:rPr lang="pt-BR" sz="900" dirty="0">
+                          <a:solidFill>
+                            <a:srgbClr val="404040"/>
+                          </a:solidFill>
+                          <a:latin typeface="Adobe Clean Light" panose="020B0303020404020204" pitchFamily="34" charset="0"/>
+                          <a:ea typeface="+mn-ea"/>
+                          <a:cs typeface="AdobeClean-Light"/>
+                        </a:rPr>
+                      </a:br>
+                      <a:r>
+                        <a:rPr lang="pt-BR" sz="900" dirty="0">
+                          <a:solidFill>
+                            <a:srgbClr val="404040"/>
+                          </a:solidFill>
+                          <a:latin typeface="Adobe Clean Light" panose="020B0303020404020204" pitchFamily="34" charset="0"/>
+                          <a:ea typeface="+mn-ea"/>
+                          <a:cs typeface="AdobeClean-Light"/>
+                        </a:rPr>
+                        <a:t>6 horas</a:t>
                       </a:r>
                     </a:p>
                   </a:txBody>
@@ -3286,17 +3331,29 @@
                     <a:bodyPr/>
                     <a:lstStyle/>
                     <a:p>
-                      <a:pPr marL="508000" marR="531495" indent="1270" algn="ctr">
+                      <a:pPr marL="2540" marR="0" lvl="0" indent="0" algn="ctr" defTabSz="914400" eaLnBrk="1" fontAlgn="auto" latinLnBrk="0" hangingPunct="1">
                         <a:lnSpc>
-                          <a:spcPct val="102200"/>
+                          <a:spcPct val="100000"/>
                         </a:lnSpc>
+                        <a:spcBef>
+                          <a:spcPts val="60"/>
+                        </a:spcBef>
+                        <a:spcAft>
+                          <a:spcPts val="0"/>
+                        </a:spcAft>
+                        <a:buClrTx/>
+                        <a:buSzTx/>
+                        <a:buFontTx/>
+                        <a:buNone/>
+                        <a:tabLst/>
+                        <a:defRPr/>
                       </a:pPr>
                       <a:r>
                         <a:rPr lang="pt-BR" sz="900" dirty="0">
                           <a:solidFill>
-                            <a:srgbClr val="020302"/>
+                            <a:srgbClr val="404040"/>
                           </a:solidFill>
-                          <a:latin typeface="AdobeClean-Light"/>
+                          <a:latin typeface="Adobe Clean Light" panose="020B0303020404020204" pitchFamily="34" charset="0"/>
                           <a:ea typeface="+mn-ea"/>
                           <a:cs typeface="Times New Roman"/>
                         </a:rPr>
@@ -3305,13 +3362,13 @@
                       <a:r>
                         <a:rPr lang="pt-BR" sz="900" dirty="0">
                           <a:solidFill>
-                            <a:srgbClr val="020302"/>
+                            <a:srgbClr val="404040"/>
                           </a:solidFill>
-                          <a:latin typeface="AdobeClean-Light"/>
+                          <a:latin typeface="Adobe Clean Light" panose="020B0303020404020204" pitchFamily="34" charset="0"/>
                           <a:ea typeface="+mn-ea"/>
                           <a:cs typeface="AdobeClean-Light"/>
                         </a:rPr>
-                        <a:t>4x5 /   1 hora</a:t>
+                        <a:t>4x5 / 1 hora</a:t>
                       </a:r>
                     </a:p>
                   </a:txBody>
@@ -3371,7 +3428,7 @@
                         </a:spcBef>
                       </a:pPr>
                       <a:r>
-                        <a:rPr lang="pt-BR" sz="900" b="1">
+                        <a:rPr lang="pt-BR" sz="900" b="1" dirty="0">
                           <a:solidFill>
                             <a:srgbClr val="020302"/>
                           </a:solidFill>
@@ -3391,7 +3448,7 @@
                         </a:spcBef>
                       </a:pPr>
                       <a:r>
-                        <a:rPr lang="pt-BR" sz="900" b="0" i="0" u="none" strike="noStrike">
+                        <a:rPr lang="pt-BR" sz="900" b="0" i="0" u="none" strike="noStrike" dirty="0">
                           <a:solidFill>
                             <a:srgbClr val="000000"/>
                           </a:solidFill>
@@ -3436,39 +3493,33 @@
                     <a:bodyPr/>
                     <a:lstStyle/>
                     <a:p>
-                      <a:pPr marL="285750" marR="343535" indent="12700" algn="ctr">
+                      <a:pPr marL="2540" marR="0" lvl="0" indent="0" algn="ctr" defTabSz="914400" eaLnBrk="1" fontAlgn="auto" latinLnBrk="0" hangingPunct="1">
                         <a:lnSpc>
-                          <a:spcPct val="102200"/>
+                          <a:spcPct val="100000"/>
                         </a:lnSpc>
+                        <a:spcBef>
+                          <a:spcPts val="60"/>
+                        </a:spcBef>
+                        <a:spcAft>
+                          <a:spcPts val="0"/>
+                        </a:spcAft>
+                        <a:buClrTx/>
+                        <a:buSzTx/>
+                        <a:buFontTx/>
+                        <a:buNone/>
+                        <a:tabLst/>
+                        <a:defRPr/>
                       </a:pPr>
                       <a:r>
                         <a:rPr lang="pt-BR" sz="900" dirty="0">
                           <a:solidFill>
-                            <a:srgbClr val="020302"/>
+                            <a:srgbClr val="404040"/>
                           </a:solidFill>
-                          <a:latin typeface="AdobeClean-Light"/>
+                          <a:latin typeface="Adobe Clean Light" panose="020B0303020404020204" pitchFamily="34" charset="0"/>
+                          <a:ea typeface="+mn-ea"/>
                           <a:cs typeface="AdobeClean-Light"/>
                         </a:rPr>
-                        <a:t>Dias úteis/ </a:t>
-                      </a:r>
-                      <a:br>
-                        <a:rPr lang="sk-SK" sz="900" dirty="0">
-                          <a:solidFill>
-                            <a:srgbClr val="020302"/>
-                          </a:solidFill>
-                          <a:latin typeface="AdobeClean-Light"/>
-                          <a:cs typeface="AdobeClean-Light"/>
-                        </a:rPr>
-                      </a:br>
-                      <a:r>
-                        <a:rPr lang="pt-BR" sz="900" dirty="0">
-                          <a:solidFill>
-                            <a:srgbClr val="020302"/>
-                          </a:solidFill>
-                          <a:latin typeface="AdobeClean-Light"/>
-                          <a:cs typeface="AdobeClean-Light"/>
-                        </a:rPr>
-                        <a:t>3 dias</a:t>
+                        <a:t>Dias úteis / 3 dias</a:t>
                       </a:r>
                     </a:p>
                   </a:txBody>
@@ -3504,17 +3555,30 @@
                     <a:bodyPr/>
                     <a:lstStyle/>
                     <a:p>
-                      <a:pPr marL="473709" marR="343535" indent="-175895" algn="ctr">
+                      <a:pPr marL="2540" marR="0" lvl="0" indent="0" algn="ctr" defTabSz="914400" eaLnBrk="1" fontAlgn="auto" latinLnBrk="0" hangingPunct="1">
                         <a:lnSpc>
-                          <a:spcPct val="102200"/>
+                          <a:spcPct val="100000"/>
                         </a:lnSpc>
+                        <a:spcBef>
+                          <a:spcPts val="60"/>
+                        </a:spcBef>
+                        <a:spcAft>
+                          <a:spcPts val="0"/>
+                        </a:spcAft>
+                        <a:buClrTx/>
+                        <a:buSzTx/>
+                        <a:buFontTx/>
+                        <a:buNone/>
+                        <a:tabLst/>
+                        <a:defRPr/>
                       </a:pPr>
                       <a:r>
                         <a:rPr lang="pt-BR" sz="900" dirty="0">
                           <a:solidFill>
-                            <a:srgbClr val="020302"/>
+                            <a:srgbClr val="404040"/>
                           </a:solidFill>
-                          <a:latin typeface="AdobeClean-Light"/>
+                          <a:latin typeface="Adobe Clean Light" panose="020B0303020404020204" pitchFamily="34" charset="0"/>
+                          <a:ea typeface="+mn-ea"/>
                           <a:cs typeface="AdobeClean-Light"/>
                         </a:rPr>
                         <a:t>Dia útil / 1 dia</a:t>
@@ -3597,7 +3661,7 @@
         <p:spPr>
           <a:xfrm>
             <a:off x="97786" y="9888626"/>
-            <a:ext cx="2721613" cy="133370"/>
+            <a:ext cx="2847343" cy="133370"/>
           </a:xfrm>
           <a:prstGeom prst="rect">
             <a:avLst/>
@@ -3625,7 +3689,87 @@
                 <a:latin typeface="Adobe Clean"/>
                 <a:cs typeface="Adobe Clean"/>
               </a:rPr>
-              <a:t>©2021 Adobe. All Rights Reserved. Adobe Confidential.</a:t>
+              <a:t>©2021 Adobe. </a:t>
+            </a:r>
+            <a:r>
+              <a:rPr lang="pt-BR" sz="800" dirty="0" err="1">
+                <a:solidFill>
+                  <a:srgbClr val="6D6D6D"/>
+                </a:solidFill>
+                <a:latin typeface="Adobe Clean"/>
+                <a:cs typeface="Adobe Clean"/>
+              </a:rPr>
+              <a:t>All</a:t>
+            </a:r>
+            <a:r>
+              <a:rPr lang="pt-BR" sz="800" dirty="0">
+                <a:solidFill>
+                  <a:srgbClr val="6D6D6D"/>
+                </a:solidFill>
+                <a:latin typeface="Adobe Clean"/>
+                <a:cs typeface="Adobe Clean"/>
+              </a:rPr>
+              <a:t> </a:t>
+            </a:r>
+            <a:r>
+              <a:rPr lang="pt-BR" sz="800" dirty="0" err="1">
+                <a:solidFill>
+                  <a:srgbClr val="6D6D6D"/>
+                </a:solidFill>
+                <a:latin typeface="Adobe Clean"/>
+                <a:cs typeface="Adobe Clean"/>
+              </a:rPr>
+              <a:t>Rights</a:t>
+            </a:r>
+            <a:r>
+              <a:rPr lang="pt-BR" sz="800" dirty="0">
+                <a:solidFill>
+                  <a:srgbClr val="6D6D6D"/>
+                </a:solidFill>
+                <a:latin typeface="Adobe Clean"/>
+                <a:cs typeface="Adobe Clean"/>
+              </a:rPr>
+              <a:t> </a:t>
+            </a:r>
+            <a:r>
+              <a:rPr lang="pt-BR" sz="800" dirty="0" err="1">
+                <a:solidFill>
+                  <a:srgbClr val="6D6D6D"/>
+                </a:solidFill>
+                <a:latin typeface="Adobe Clean"/>
+                <a:cs typeface="Adobe Clean"/>
+              </a:rPr>
+              <a:t>Reserved</a:t>
+            </a:r>
+            <a:r>
+              <a:rPr lang="pt-BR" sz="800" dirty="0">
+                <a:solidFill>
+                  <a:srgbClr val="6D6D6D"/>
+                </a:solidFill>
+                <a:latin typeface="Adobe Clean"/>
+                <a:cs typeface="Adobe Clean"/>
+              </a:rPr>
+              <a:t>. Adobe </a:t>
+            </a:r>
+            <a:r>
+              <a:rPr lang="pt-BR" sz="800" dirty="0" err="1">
+                <a:solidFill>
+                  <a:srgbClr val="6D6D6D"/>
+                </a:solidFill>
+                <a:latin typeface="Adobe Clean"/>
+                <a:cs typeface="Adobe Clean"/>
+              </a:rPr>
+              <a:t>Confidential</a:t>
+            </a:r>
+            <a:r>
+              <a:rPr lang="pt-BR" sz="800" dirty="0">
+                <a:solidFill>
+                  <a:srgbClr val="6D6D6D"/>
+                </a:solidFill>
+                <a:latin typeface="Adobe Clean"/>
+                <a:cs typeface="Adobe Clean"/>
+              </a:rPr>
+              <a:t>.</a:t>
             </a:r>
           </a:p>
         </p:txBody>
@@ -3684,7 +3828,7 @@
           <p:nvPr>
             <p:extLst>
               <p:ext uri="{D42A27DB-BD31-4B8C-83A1-F6EECF244321}">
-                <p14:modId xmlns:p14="http://schemas.microsoft.com/office/powerpoint/2010/main" val="1734001763"/>
+                <p14:modId xmlns:p14="http://schemas.microsoft.com/office/powerpoint/2010/main" val="469377476"/>
               </p:ext>
             </p:extLst>
           </p:nvPr>
@@ -3735,7 +3879,7 @@
                     <a:bodyPr/>
                     <a:lstStyle/>
                     <a:p>
-                      <a:endParaRPr lang="en-US" dirty="0"/>
+                      <a:endParaRPr lang="en-US"/>
                     </a:p>
                   </a:txBody>
                   <a:tcPr/>
@@ -3773,7 +3917,7 @@
                         <a:defRPr/>
                       </a:pPr>
                       <a:r>
-                        <a:rPr lang="pt-BR" sz="900">
+                        <a:rPr lang="pt-BR" sz="900" dirty="0">
                           <a:solidFill>
                             <a:srgbClr val="404040"/>
                           </a:solidFill>
@@ -3822,7 +3966,7 @@
                         </a:spcBef>
                       </a:pPr>
                       <a:r>
-                        <a:rPr lang="pt-BR" sz="900">
+                        <a:rPr lang="pt-BR" sz="900" dirty="0">
                           <a:solidFill>
                             <a:srgbClr val="FFFFFF"/>
                           </a:solidFill>
@@ -3875,7 +4019,7 @@
                     <a:bodyPr/>
                     <a:lstStyle/>
                     <a:p>
-                      <a:endParaRPr lang="en-US" dirty="0"/>
+                      <a:endParaRPr lang="en-US"/>
                     </a:p>
                   </a:txBody>
                   <a:tcPr/>
@@ -3912,7 +4056,7 @@
                         <a:tabLst/>
                         <a:defRPr/>
                       </a:pPr>
-                      <a:endParaRPr lang="en-US" sz="800" i="1" dirty="0">
+                      <a:endParaRPr lang="en-US" sz="800" i="1">
                         <a:solidFill>
                           <a:sysClr val="windowText" lastClr="000000"/>
                         </a:solidFill>
@@ -4152,7 +4296,7 @@
                           <a:spcPts val="470"/>
                         </a:spcBef>
                       </a:pPr>
-                      <a:endParaRPr sz="900" dirty="0">
+                      <a:endParaRPr sz="900">
                         <a:latin typeface="Wingdings"/>
                         <a:cs typeface="Wingdings"/>
                       </a:endParaRPr>
@@ -4193,7 +4337,7 @@
                           <a:spcPts val="470"/>
                         </a:spcBef>
                       </a:pPr>
-                      <a:endParaRPr sz="900" dirty="0">
+                      <a:endParaRPr sz="900">
                         <a:latin typeface="Wingdings"/>
                         <a:cs typeface="Wingdings"/>
                       </a:endParaRPr>
@@ -4236,7 +4380,7 @@
                           <a:spcPts val="459"/>
                         </a:spcBef>
                       </a:pPr>
-                      <a:endParaRPr sz="900" dirty="0">
+                      <a:endParaRPr sz="900">
                         <a:latin typeface="AdobeClean-Light"/>
                         <a:cs typeface="AdobeClean-Light"/>
                       </a:endParaRPr>
@@ -4274,7 +4418,7 @@
                         </a:spcBef>
                       </a:pPr>
                       <a:r>
-                        <a:rPr lang="pt-BR" sz="900" dirty="0">
+                        <a:rPr lang="pt-BR" sz="900">
                           <a:solidFill>
                             <a:srgbClr val="020302"/>
                           </a:solidFill>
@@ -4310,7 +4454,7 @@
                           <a:spcPct val="100000"/>
                         </a:lnSpc>
                       </a:pPr>
-                      <a:endParaRPr sz="900" dirty="0">
+                      <a:endParaRPr sz="900">
                         <a:latin typeface="Times New Roman"/>
                         <a:cs typeface="Times New Roman"/>
                       </a:endParaRPr>
@@ -4391,7 +4535,7 @@
                           <a:spcPts val="500"/>
                         </a:spcBef>
                       </a:pPr>
-                      <a:endParaRPr sz="900" dirty="0">
+                      <a:endParaRPr sz="900">
                         <a:latin typeface="AdobeClean-Light"/>
                         <a:cs typeface="AdobeClean-Light"/>
                       </a:endParaRPr>
@@ -4483,7 +4627,7 @@
                           <a:spcPct val="100000"/>
                         </a:lnSpc>
                       </a:pPr>
-                      <a:endParaRPr sz="900" dirty="0">
+                      <a:endParaRPr sz="900">
                         <a:latin typeface="Times New Roman"/>
                         <a:cs typeface="Times New Roman"/>
                       </a:endParaRPr>
@@ -4788,7 +4932,7 @@
                           <a:spcPts val="455"/>
                         </a:spcBef>
                       </a:pPr>
-                      <a:endParaRPr sz="900" dirty="0">
+                      <a:endParaRPr sz="900">
                         <a:latin typeface="AdobeClean-Light"/>
                         <a:cs typeface="AdobeClean-Light"/>
                       </a:endParaRPr>
@@ -4946,7 +5090,7 @@
                           <a:spcPts val="455"/>
                         </a:spcBef>
                       </a:pPr>
-                      <a:endParaRPr sz="900" dirty="0">
+                      <a:endParaRPr sz="900">
                         <a:latin typeface="AdobeClean-Light"/>
                         <a:cs typeface="AdobeClean-Light"/>
                       </a:endParaRPr>
@@ -5119,7 +5263,7 @@
                           <a:spcPts val="455"/>
                         </a:spcBef>
                       </a:pPr>
-                      <a:endParaRPr sz="900" dirty="0">
+                      <a:endParaRPr sz="900">
                         <a:latin typeface="AdobeClean-Light"/>
                         <a:cs typeface="AdobeClean-Light"/>
                       </a:endParaRPr>
@@ -5199,7 +5343,7 @@
                           <a:spcPts val="464"/>
                         </a:spcBef>
                       </a:pPr>
-                      <a:endParaRPr sz="900" dirty="0">
+                      <a:endParaRPr sz="900">
                         <a:latin typeface="Wingdings"/>
                         <a:cs typeface="Wingdings"/>
                       </a:endParaRPr>
@@ -5271,7 +5415,7 @@
                           <a:spcPts val="459"/>
                         </a:spcBef>
                       </a:pPr>
-                      <a:endParaRPr sz="900" dirty="0">
+                      <a:endParaRPr sz="900">
                         <a:latin typeface="AdobeClean-Light"/>
                         <a:cs typeface="AdobeClean-Light"/>
                       </a:endParaRPr>
@@ -5351,7 +5495,7 @@
                           <a:spcPts val="470"/>
                         </a:spcBef>
                       </a:pPr>
-                      <a:endParaRPr sz="900" dirty="0">
+                      <a:endParaRPr sz="900">
                         <a:latin typeface="Wingdings"/>
                         <a:cs typeface="Wingdings"/>
                       </a:endParaRPr>
@@ -5423,7 +5567,7 @@
                           <a:spcPts val="450"/>
                         </a:spcBef>
                       </a:pPr>
-                      <a:endParaRPr sz="900" dirty="0">
+                      <a:endParaRPr sz="900">
                         <a:latin typeface="AdobeClean-Light"/>
                         <a:cs typeface="AdobeClean-Light"/>
                       </a:endParaRPr>
@@ -5464,7 +5608,7 @@
                         </a:spcBef>
                       </a:pPr>
                       <a:r>
-                        <a:rPr lang="pt-BR" sz="900" dirty="0">
+                        <a:rPr lang="pt-BR" sz="900">
                           <a:solidFill>
                             <a:srgbClr val="020302"/>
                           </a:solidFill>
@@ -5500,7 +5644,7 @@
                           <a:spcPct val="100000"/>
                         </a:lnSpc>
                       </a:pPr>
-                      <a:endParaRPr sz="900" dirty="0">
+                      <a:endParaRPr sz="900">
                         <a:latin typeface="Times New Roman"/>
                         <a:cs typeface="Times New Roman"/>
                       </a:endParaRPr>
@@ -5616,7 +5760,7 @@
                           <a:spcPct val="100000"/>
                         </a:lnSpc>
                       </a:pPr>
-                      <a:endParaRPr sz="900" dirty="0">
+                      <a:endParaRPr sz="900">
                         <a:latin typeface="Times New Roman"/>
                         <a:cs typeface="Times New Roman"/>
                       </a:endParaRPr>
@@ -5732,7 +5876,7 @@
                           <a:spcPct val="100000"/>
                         </a:lnSpc>
                       </a:pPr>
-                      <a:endParaRPr sz="900" dirty="0">
+                      <a:endParaRPr sz="900">
                         <a:latin typeface="Times New Roman"/>
                         <a:cs typeface="Times New Roman"/>
                       </a:endParaRPr>
@@ -5813,7 +5957,7 @@
                           <a:spcPts val="459"/>
                         </a:spcBef>
                       </a:pPr>
-                      <a:endParaRPr sz="900" dirty="0">
+                      <a:endParaRPr sz="900">
                         <a:latin typeface="AdobeClean-Light"/>
                         <a:cs typeface="AdobeClean-Light"/>
                       </a:endParaRPr>
@@ -5905,7 +6049,7 @@
                           <a:spcPct val="100000"/>
                         </a:lnSpc>
                       </a:pPr>
-                      <a:endParaRPr sz="900" dirty="0">
+                      <a:endParaRPr sz="900">
                         <a:latin typeface="Times New Roman"/>
                         <a:cs typeface="Times New Roman"/>
                       </a:endParaRPr>
@@ -5986,7 +6130,7 @@
                           <a:spcPts val="465"/>
                         </a:spcBef>
                       </a:pPr>
-                      <a:endParaRPr sz="900" dirty="0">
+                      <a:endParaRPr sz="900">
                         <a:latin typeface="AdobeClean-Light"/>
                         <a:cs typeface="AdobeClean-Light"/>
                       </a:endParaRPr>
@@ -6063,7 +6207,7 @@
                           <a:spcPct val="100000"/>
                         </a:lnSpc>
                       </a:pPr>
-                      <a:endParaRPr sz="900" dirty="0">
+                      <a:endParaRPr sz="900">
                         <a:latin typeface="Times New Roman"/>
                         <a:cs typeface="Times New Roman"/>
                       </a:endParaRPr>
@@ -6144,7 +6288,7 @@
                           <a:spcPts val="500"/>
                         </a:spcBef>
                       </a:pPr>
-                      <a:endParaRPr sz="900" dirty="0">
+                      <a:endParaRPr sz="900">
                         <a:latin typeface="AdobeClean-Light"/>
                         <a:cs typeface="AdobeClean-Light"/>
                       </a:endParaRPr>
@@ -6221,7 +6365,7 @@
                           <a:spcPct val="100000"/>
                         </a:lnSpc>
                       </a:pPr>
-                      <a:endParaRPr sz="900" dirty="0">
+                      <a:endParaRPr sz="900">
                         <a:latin typeface="Times New Roman"/>
                         <a:cs typeface="Times New Roman"/>
                       </a:endParaRPr>
@@ -6302,7 +6446,7 @@
                           <a:spcPts val="530"/>
                         </a:spcBef>
                       </a:pPr>
-                      <a:endParaRPr sz="900" dirty="0">
+                      <a:endParaRPr sz="900">
                         <a:latin typeface="AdobeClean-Light"/>
                         <a:cs typeface="AdobeClean-Light"/>
                       </a:endParaRPr>
@@ -6352,7 +6496,7 @@
                         </a:spcBef>
                       </a:pPr>
                       <a:r>
-                        <a:rPr lang="pt-BR" sz="900">
+                        <a:rPr lang="pt-BR" sz="900" dirty="0">
                           <a:latin typeface="AdobeClean-Light"/>
                           <a:cs typeface="AdobeClean-Light"/>
                         </a:rPr>
@@ -6391,7 +6535,7 @@
                           <a:spcPct val="100000"/>
                         </a:lnSpc>
                       </a:pPr>
-                      <a:endParaRPr sz="900" dirty="0">
+                      <a:endParaRPr sz="900">
                         <a:latin typeface="Times New Roman"/>
                         <a:cs typeface="Times New Roman"/>
                       </a:endParaRPr>
@@ -6604,7 +6748,7 @@
                           <a:spcPct val="100000"/>
                         </a:lnSpc>
                       </a:pPr>
-                      <a:endParaRPr sz="900" dirty="0">
+                      <a:endParaRPr sz="900">
                         <a:latin typeface="Times New Roman"/>
                         <a:cs typeface="Times New Roman"/>
                       </a:endParaRPr>
@@ -6797,7 +6941,7 @@
                     <a:lstStyle/>
                     <a:p>
                       <a:pPr algn="l" rtl="0"/>
-                      <a:endParaRPr lang="en-US" dirty="0"/>
+                      <a:endParaRPr lang="en-US"/>
                     </a:p>
                   </a:txBody>
                   <a:tcPr marL="0" marR="0" marT="0" marB="0">
@@ -6941,8 +7085,8 @@
         </p:nvSpPr>
         <p:spPr>
           <a:xfrm>
-            <a:off x="357339" y="897486"/>
-            <a:ext cx="1942628" cy="45719"/>
+            <a:off x="357339" y="701233"/>
+            <a:ext cx="1942628" cy="71012"/>
           </a:xfrm>
           <a:custGeom>
             <a:avLst/>
@@ -6983,8 +7127,8 @@
         </p:nvSpPr>
         <p:spPr>
           <a:xfrm>
-            <a:off x="357339" y="608961"/>
-            <a:ext cx="2407636" cy="228268"/>
+            <a:off x="357339" y="412707"/>
+            <a:ext cx="2434387" cy="228268"/>
           </a:xfrm>
           <a:prstGeom prst="rect">
             <a:avLst/>
@@ -7025,8 +7169,8 @@
         </p:nvSpPr>
         <p:spPr>
           <a:xfrm>
-            <a:off x="2868167" y="1433668"/>
-            <a:ext cx="2194560" cy="936154"/>
+            <a:off x="2868167" y="1103607"/>
+            <a:ext cx="2346206" cy="936154"/>
           </a:xfrm>
           <a:prstGeom prst="rect">
             <a:avLst/>
@@ -7054,10 +7198,10 @@
                 <a:latin typeface="AdobeClean-Light"/>
                 <a:cs typeface="AdobeClean-Light"/>
               </a:rPr>
-              <a:t>Um engenheiro de suporte designado, familiarizado com seu ambiente de solução e objetivos de negócios. O engenheiro </a:t>
+              <a:t>Um engenheiro de suporte designado, familiarizado com seu ambiente de solução </a:t>
             </a:r>
             <a:br>
-              <a:rPr lang="sk-SK" sz="1000" dirty="0">
+              <a:rPr lang="pt-BR" sz="1000" dirty="0">
                 <a:solidFill>
                   <a:srgbClr val="4B4B4B"/>
                 </a:solidFill>
@@ -7073,10 +7217,10 @@
                 <a:latin typeface="AdobeClean-Light"/>
                 <a:cs typeface="AdobeClean-Light"/>
               </a:rPr>
-              <a:t>é um profissional experiente que ajuda </a:t>
+              <a:t>e objetivos de negócios. O NSE é um engenheiro de suporte experiente que ajuda </a:t>
             </a:r>
             <a:br>
-              <a:rPr lang="sk-SK" sz="1000" dirty="0">
+              <a:rPr lang="pt-BR" sz="1000" dirty="0">
                 <a:solidFill>
                   <a:srgbClr val="4B4B4B"/>
                 </a:solidFill>
@@ -7092,26 +7236,7 @@
                 <a:latin typeface="AdobeClean-Light"/>
                 <a:cs typeface="AdobeClean-Light"/>
               </a:rPr>
-              <a:t>a coordenar sua experiência </a:t>
-            </a:r>
-            <a:br>
-              <a:rPr lang="sk-SK" sz="1000" dirty="0">
-                <a:solidFill>
-                  <a:srgbClr val="4B4B4B"/>
-                </a:solidFill>
-                <a:latin typeface="AdobeClean-Light"/>
-                <a:cs typeface="AdobeClean-Light"/>
-              </a:rPr>
-            </a:br>
-            <a:r>
-              <a:rPr lang="pt-BR" sz="1000" dirty="0">
-                <a:solidFill>
-                  <a:srgbClr val="4B4B4B"/>
-                </a:solidFill>
-                <a:latin typeface="AdobeClean-Light"/>
-                <a:cs typeface="AdobeClean-Light"/>
-              </a:rPr>
-              <a:t>no Suporte Enterprise.</a:t>
+              <a:t>a coordenar sua experiência no Suporte Enterprise.</a:t>
             </a:r>
           </a:p>
         </p:txBody>
@@ -7132,7 +7257,7 @@
         </p:blipFill>
         <p:spPr>
           <a:xfrm>
-            <a:off x="2768925" y="1066800"/>
+            <a:off x="2768925" y="736739"/>
             <a:ext cx="365760" cy="365760"/>
           </a:xfrm>
           <a:prstGeom prst="rect">
@@ -7156,8 +7281,8 @@
         </p:blipFill>
         <p:spPr>
           <a:xfrm>
-            <a:off x="5257800" y="2561747"/>
-            <a:ext cx="365760" cy="365760"/>
+            <a:off x="5294417" y="2256873"/>
+            <a:ext cx="292526" cy="292526"/>
           </a:xfrm>
           <a:prstGeom prst="rect">
             <a:avLst/>
@@ -7172,7 +7297,7 @@
         </p:nvSpPr>
         <p:spPr>
           <a:xfrm>
-            <a:off x="5333365" y="1433668"/>
+            <a:off x="5333365" y="1103607"/>
             <a:ext cx="2413310" cy="936154"/>
           </a:xfrm>
           <a:prstGeom prst="rect">
@@ -7194,7 +7319,7 @@
               </a:spcBef>
             </a:pPr>
             <a:r>
-              <a:rPr lang="pt-BR" sz="1000" dirty="0">
+              <a:rPr lang="pt-BR" sz="1000" spc="-10" dirty="0">
                 <a:solidFill>
                   <a:srgbClr val="4B4B4B"/>
                 </a:solidFill>
@@ -7222,7 +7347,7 @@
         </p:blipFill>
         <p:spPr>
           <a:xfrm>
-            <a:off x="2768925" y="2500787"/>
+            <a:off x="2768925" y="2170726"/>
             <a:ext cx="241555" cy="365760"/>
           </a:xfrm>
           <a:prstGeom prst="rect">
@@ -7238,8 +7363,8 @@
         </p:nvSpPr>
         <p:spPr>
           <a:xfrm>
-            <a:off x="324340" y="1433668"/>
-            <a:ext cx="2413309" cy="782265"/>
+            <a:off x="324341" y="1103607"/>
+            <a:ext cx="2194560" cy="936154"/>
           </a:xfrm>
           <a:prstGeom prst="rect">
             <a:avLst/>
@@ -7267,7 +7392,26 @@
                 <a:latin typeface="AdobeClean-Light"/>
                 <a:cs typeface="AdobeClean-Light"/>
               </a:rPr>
-              <a:t>Um Gerente técnico de conta designado para supervisionar sua experiência com o Elite, coordenar o suporte e os contratos de serviços de campo e fornecer serviços proativos para maximizar o seu valor comercial.</a:t>
+              <a:t>Um Gerente técnico de conta designado para supervisionar sua experiência com </a:t>
+            </a:r>
+            <a:br>
+              <a:rPr lang="pt-BR" sz="1000" dirty="0">
+                <a:solidFill>
+                  <a:srgbClr val="020302"/>
+                </a:solidFill>
+                <a:latin typeface="AdobeClean-Light"/>
+                <a:cs typeface="AdobeClean-Light"/>
+              </a:rPr>
+            </a:br>
+            <a:r>
+              <a:rPr lang="pt-BR" sz="1000" dirty="0">
+                <a:solidFill>
+                  <a:srgbClr val="020302"/>
+                </a:solidFill>
+                <a:latin typeface="AdobeClean-Light"/>
+                <a:cs typeface="AdobeClean-Light"/>
+              </a:rPr>
+              <a:t>o Elite, coordenar o suporte e os contratos de serviços de campo e fornecer serviços proativos para maximizar o seu valor comercial.</a:t>
             </a:r>
           </a:p>
         </p:txBody>
@@ -7280,7 +7424,7 @@
         </p:nvSpPr>
         <p:spPr>
           <a:xfrm>
-            <a:off x="689237" y="1126245"/>
+            <a:off x="689237" y="796184"/>
             <a:ext cx="2194560" cy="169277"/>
           </a:xfrm>
           <a:prstGeom prst="rect">
@@ -7330,7 +7474,7 @@
         </p:blipFill>
         <p:spPr>
           <a:xfrm>
-            <a:off x="228600" y="1066800"/>
+            <a:off x="228600" y="736739"/>
             <a:ext cx="365760" cy="365760"/>
           </a:xfrm>
           <a:prstGeom prst="rect">
@@ -7354,7 +7498,7 @@
         </p:blipFill>
         <p:spPr>
           <a:xfrm>
-            <a:off x="5257800" y="1066800"/>
+            <a:off x="5257800" y="736739"/>
             <a:ext cx="365760" cy="365760"/>
           </a:xfrm>
           <a:prstGeom prst="rect">
@@ -7370,8 +7514,8 @@
         </p:nvSpPr>
         <p:spPr>
           <a:xfrm>
-            <a:off x="2791725" y="5243920"/>
-            <a:ext cx="2393319" cy="499111"/>
+            <a:off x="2791725" y="5127951"/>
+            <a:ext cx="2411721" cy="501356"/>
           </a:xfrm>
           <a:prstGeom prst="rect">
             <a:avLst/>
@@ -7399,7 +7543,26 @@
                 <a:latin typeface="AdobeClean-Light"/>
                 <a:cs typeface="AdobeClean-Light"/>
               </a:rPr>
-              <a:t>Transferência contínua de conhecimento da equipe de suporte da Adobe para fornecer práticas recomendadas sobre o uso da solução.</a:t>
+              <a:t>Transferência contínua de conhecimento </a:t>
+            </a:r>
+            <a:br>
+              <a:rPr lang="pt-BR" sz="1000" dirty="0">
+                <a:solidFill>
+                  <a:srgbClr val="020302"/>
+                </a:solidFill>
+                <a:latin typeface="AdobeClean-Light"/>
+                <a:cs typeface="AdobeClean-Light"/>
+              </a:rPr>
+            </a:br>
+            <a:r>
+              <a:rPr lang="pt-BR" sz="1000" dirty="0">
+                <a:solidFill>
+                  <a:srgbClr val="020302"/>
+                </a:solidFill>
+                <a:latin typeface="AdobeClean-Light"/>
+                <a:cs typeface="AdobeClean-Light"/>
+              </a:rPr>
+              <a:t>da equipe de suporte da Adobe para fornecer práticas recomendadas sobre o uso da solução.</a:t>
             </a:r>
           </a:p>
         </p:txBody>
@@ -7412,7 +7575,7 @@
         </p:nvSpPr>
         <p:spPr>
           <a:xfrm>
-            <a:off x="5265661" y="5243920"/>
+            <a:off x="5265661" y="5127951"/>
             <a:ext cx="2194560" cy="669927"/>
           </a:xfrm>
           <a:prstGeom prst="rect">
@@ -7454,8 +7617,8 @@
         </p:nvSpPr>
         <p:spPr>
           <a:xfrm>
-            <a:off x="324340" y="5228045"/>
-            <a:ext cx="2374093" cy="791755"/>
+            <a:off x="324340" y="5146235"/>
+            <a:ext cx="2226087" cy="879536"/>
           </a:xfrm>
           <a:prstGeom prst="rect">
             <a:avLst/>
@@ -7476,17 +7639,17 @@
               </a:spcBef>
             </a:pPr>
             <a:r>
-              <a:rPr lang="pt-BR" sz="900" dirty="0">
+              <a:rPr lang="pt-BR" sz="1000" dirty="0">
                 <a:solidFill>
                   <a:srgbClr val="020302"/>
                 </a:solidFill>
                 <a:latin typeface="AdobeClean-Light"/>
                 <a:cs typeface="AdobeClean-Light"/>
               </a:rPr>
-              <a:t>Receba orientação personalizada sobre novos recursos do produto para aproveitar as vantagens das inovações mais recentes e solicite aos especialistas da Adobe que revisem os planos </a:t>
+              <a:t>Receba orientação personalizada sobre novos recursos do produto para aproveitar as vantagens das inovações mais recentes </a:t>
             </a:r>
             <a:br>
-              <a:rPr lang="sk-SK" sz="900" dirty="0">
+              <a:rPr lang="pt-BR" sz="1000" dirty="0">
                 <a:solidFill>
                   <a:srgbClr val="020302"/>
                 </a:solidFill>
@@ -7495,14 +7658,14 @@
               </a:rPr>
             </a:br>
             <a:r>
-              <a:rPr lang="pt-BR" sz="900" dirty="0">
+              <a:rPr lang="pt-BR" sz="1000" dirty="0">
                 <a:solidFill>
                   <a:srgbClr val="020302"/>
                 </a:solidFill>
                 <a:latin typeface="AdobeClean-Light"/>
                 <a:cs typeface="AdobeClean-Light"/>
               </a:rPr>
-              <a:t>de versão e atualização.</a:t>
+              <a:t>e solicite aos especialistas da Adobe que revisem os planos de versão e atualização.</a:t>
             </a:r>
           </a:p>
         </p:txBody>
@@ -7515,8 +7678,8 @@
         </p:nvSpPr>
         <p:spPr>
           <a:xfrm>
-            <a:off x="97786" y="9888625"/>
-            <a:ext cx="2912693" cy="133370"/>
+            <a:off x="97787" y="9888625"/>
+            <a:ext cx="2599030" cy="133370"/>
           </a:xfrm>
           <a:prstGeom prst="rect">
             <a:avLst/>
@@ -7544,7 +7707,87 @@
                 <a:latin typeface="Adobe Clean"/>
                 <a:cs typeface="Adobe Clean"/>
               </a:rPr>
-              <a:t>©2021 Adobe. All Rights Reserved. Adobe Confidential.</a:t>
+              <a:t>©2021 Adobe. </a:t>
+            </a:r>
+            <a:r>
+              <a:rPr lang="pt-BR" sz="800" dirty="0" err="1">
+                <a:solidFill>
+                  <a:srgbClr val="6D6D6D"/>
+                </a:solidFill>
+                <a:latin typeface="Adobe Clean"/>
+                <a:cs typeface="Adobe Clean"/>
+              </a:rPr>
+              <a:t>All</a:t>
+            </a:r>
+            <a:r>
+              <a:rPr lang="pt-BR" sz="800" dirty="0">
+                <a:solidFill>
+                  <a:srgbClr val="6D6D6D"/>
+                </a:solidFill>
+                <a:latin typeface="Adobe Clean"/>
+                <a:cs typeface="Adobe Clean"/>
+              </a:rPr>
+              <a:t> </a:t>
+            </a:r>
+            <a:r>
+              <a:rPr lang="pt-BR" sz="800" dirty="0" err="1">
+                <a:solidFill>
+                  <a:srgbClr val="6D6D6D"/>
+                </a:solidFill>
+                <a:latin typeface="Adobe Clean"/>
+                <a:cs typeface="Adobe Clean"/>
+              </a:rPr>
+              <a:t>Rights</a:t>
+            </a:r>
+            <a:r>
+              <a:rPr lang="pt-BR" sz="800" dirty="0">
+                <a:solidFill>
+                  <a:srgbClr val="6D6D6D"/>
+                </a:solidFill>
+                <a:latin typeface="Adobe Clean"/>
+                <a:cs typeface="Adobe Clean"/>
+              </a:rPr>
+              <a:t> </a:t>
+            </a:r>
+            <a:r>
+              <a:rPr lang="pt-BR" sz="800" dirty="0" err="1">
+                <a:solidFill>
+                  <a:srgbClr val="6D6D6D"/>
+                </a:solidFill>
+                <a:latin typeface="Adobe Clean"/>
+                <a:cs typeface="Adobe Clean"/>
+              </a:rPr>
+              <a:t>Reserved</a:t>
+            </a:r>
+            <a:r>
+              <a:rPr lang="pt-BR" sz="800" dirty="0">
+                <a:solidFill>
+                  <a:srgbClr val="6D6D6D"/>
+                </a:solidFill>
+                <a:latin typeface="Adobe Clean"/>
+                <a:cs typeface="Adobe Clean"/>
+              </a:rPr>
+              <a:t>. Adobe </a:t>
+            </a:r>
+            <a:r>
+              <a:rPr lang="pt-BR" sz="800" dirty="0" err="1">
+                <a:solidFill>
+                  <a:srgbClr val="6D6D6D"/>
+                </a:solidFill>
+                <a:latin typeface="Adobe Clean"/>
+                <a:cs typeface="Adobe Clean"/>
+              </a:rPr>
+              <a:t>Confidential</a:t>
+            </a:r>
+            <a:r>
+              <a:rPr lang="pt-BR" sz="800" dirty="0">
+                <a:solidFill>
+                  <a:srgbClr val="6D6D6D"/>
+                </a:solidFill>
+                <a:latin typeface="Adobe Clean"/>
+                <a:cs typeface="Adobe Clean"/>
+              </a:rPr>
+              <a:t>.</a:t>
             </a:r>
           </a:p>
         </p:txBody>
@@ -7580,7 +7823,7 @@
         </p:blipFill>
         <p:spPr>
           <a:xfrm>
-            <a:off x="228599" y="2472569"/>
+            <a:off x="228599" y="2142508"/>
             <a:ext cx="365760" cy="365760"/>
           </a:xfrm>
           <a:prstGeom prst="rect">
@@ -7602,7 +7845,7 @@
         </p:nvSpPr>
         <p:spPr>
           <a:xfrm>
-            <a:off x="2791726" y="9060487"/>
+            <a:off x="2791726" y="8833009"/>
             <a:ext cx="2194560" cy="641201"/>
           </a:xfrm>
           <a:prstGeom prst="rect">
@@ -7634,7 +7877,7 @@
                 <a:latin typeface="AdobeClean-Light"/>
                 <a:cs typeface="AdobeClean-Light"/>
               </a:rPr>
-              <a:t>Inicie uma sessão de chat para obter respostas e ajuda com o envio de caso</a:t>
+              <a:t>Inicie uma sessão de chat para obter respostas e ajuda com o envio de caso.</a:t>
             </a:r>
           </a:p>
           <a:p>
@@ -7660,7 +7903,7 @@
               <a:t>*Nem todos os produtos têm suporte </a:t>
             </a:r>
             <a:br>
-              <a:rPr lang="sk-SK" sz="1000" i="1" dirty="0">
+              <a:rPr lang="pt-BR" sz="1000" i="1" dirty="0">
                 <a:solidFill>
                   <a:srgbClr val="7A7A7A"/>
                 </a:solidFill>
@@ -7707,7 +7950,7 @@
         </p:nvSpPr>
         <p:spPr>
           <a:xfrm>
-            <a:off x="689237" y="6756914"/>
+            <a:off x="689237" y="6529436"/>
             <a:ext cx="1568246" cy="184666"/>
           </a:xfrm>
           <a:prstGeom prst="rect">
@@ -7760,7 +8003,7 @@
         </p:nvSpPr>
         <p:spPr>
           <a:xfrm>
-            <a:off x="689237" y="6960100"/>
+            <a:off x="689237" y="6732622"/>
             <a:ext cx="959314" cy="184666"/>
           </a:xfrm>
           <a:prstGeom prst="rect">
@@ -7806,8 +8049,8 @@
         </p:nvSpPr>
         <p:spPr>
           <a:xfrm>
-            <a:off x="324341" y="7152361"/>
-            <a:ext cx="2194560" cy="959237"/>
+            <a:off x="324341" y="6924883"/>
+            <a:ext cx="2226086" cy="1113125"/>
           </a:xfrm>
           <a:prstGeom prst="rect">
             <a:avLst/>
@@ -7820,13 +8063,30 @@
           <a:lstStyle/>
           <a:p>
             <a:r>
-              <a:rPr lang="pt-BR" sz="1000">
+              <a:rPr lang="pt-BR" sz="1000" dirty="0">
                 <a:solidFill>
                   <a:srgbClr val="4B4B4B"/>
                 </a:solidFill>
                 <a:latin typeface="Adobe Clean Light" panose="020B0303020404020204" pitchFamily="34" charset="0"/>
               </a:rPr>
-              <a:t>Acesso online contínuo a um banco de dados cada vez maior de soluções técnicas, documentação do produto, perguntas frequentes e muito mais. Conecte-se com profissionais e outros clientes na Comunidade da Adobe para compartilhar práticas recomendadas e lições aprendidas</a:t>
+              <a:t>Acesso online contínuo a um banco de dados cada vez maior de soluções técnicas, documentação do produto, perguntas frequentes e muito mais. Conecte-se </a:t>
+            </a:r>
+            <a:br>
+              <a:rPr lang="pt-BR" sz="1000" dirty="0">
+                <a:solidFill>
+                  <a:srgbClr val="4B4B4B"/>
+                </a:solidFill>
+                <a:latin typeface="Adobe Clean Light" panose="020B0303020404020204" pitchFamily="34" charset="0"/>
+              </a:rPr>
+            </a:br>
+            <a:r>
+              <a:rPr lang="pt-BR" sz="1000" dirty="0">
+                <a:solidFill>
+                  <a:srgbClr val="4B4B4B"/>
+                </a:solidFill>
+                <a:latin typeface="Adobe Clean Light" panose="020B0303020404020204" pitchFamily="34" charset="0"/>
+              </a:rPr>
+              <a:t>com profissionais e outros clientes na Comunidade da Adobe para compartilhar práticas recomendadas e lições aprendidas.</a:t>
             </a:r>
           </a:p>
         </p:txBody>
@@ -7847,7 +8107,7 @@
         </p:nvSpPr>
         <p:spPr>
           <a:xfrm>
-            <a:off x="5723508" y="6756914"/>
+            <a:off x="5723508" y="6529436"/>
             <a:ext cx="1463040" cy="184666"/>
           </a:xfrm>
           <a:prstGeom prst="rect">
@@ -7900,7 +8160,7 @@
         </p:nvSpPr>
         <p:spPr>
           <a:xfrm>
-            <a:off x="5723508" y="6960100"/>
+            <a:off x="5723508" y="6732622"/>
             <a:ext cx="1316707" cy="184666"/>
           </a:xfrm>
           <a:prstGeom prst="rect">
@@ -7946,8 +8206,8 @@
         </p:nvSpPr>
         <p:spPr>
           <a:xfrm>
-            <a:off x="5265661" y="7152361"/>
-            <a:ext cx="2194560" cy="1113125"/>
+            <a:off x="5265660" y="6924883"/>
+            <a:ext cx="2270927" cy="1113125"/>
           </a:xfrm>
           <a:prstGeom prst="rect">
             <a:avLst/>
@@ -7966,10 +8226,10 @@
                 </a:solidFill>
                 <a:latin typeface="Adobe Clean Light" panose="020B0303020404020204" pitchFamily="34" charset="0"/>
               </a:rPr>
-              <a:t>A Experience League gera criadores </a:t>
+              <a:t>A Experience League gera criadores de experiências. Os clientes podem adquirir habilidades de gerenciamento de experiência do cliente com aprendizagem personalizada, participar de uma comunidade de pares global e conseguir reconhecimento </a:t>
             </a:r>
             <a:br>
-              <a:rPr lang="sk-SK" sz="1000" dirty="0">
+              <a:rPr lang="pt-BR" sz="1000" dirty="0">
                 <a:solidFill>
                   <a:srgbClr val="4B4B4B"/>
                 </a:solidFill>
@@ -7983,75 +8243,7 @@
                 </a:solidFill>
                 <a:latin typeface="Adobe Clean Light" panose="020B0303020404020204" pitchFamily="34" charset="0"/>
               </a:rPr>
-              <a:t>de experiências. Os clientes podem </a:t>
-            </a:r>
-            <a:br>
-              <a:rPr lang="sk-SK" sz="1000" dirty="0">
-                <a:solidFill>
-                  <a:srgbClr val="4B4B4B"/>
-                </a:solidFill>
-                <a:latin typeface="Adobe Clean Light" panose="020B0303020404020204" pitchFamily="34" charset="0"/>
-              </a:rPr>
-            </a:br>
-            <a:r>
-              <a:rPr lang="pt-BR" sz="1000" dirty="0">
-                <a:solidFill>
-                  <a:srgbClr val="4B4B4B"/>
-                </a:solidFill>
-                <a:latin typeface="Adobe Clean Light" panose="020B0303020404020204" pitchFamily="34" charset="0"/>
-              </a:rPr>
-              <a:t>adquirir habilidades de gerenciamento </a:t>
-            </a:r>
-            <a:br>
-              <a:rPr lang="sk-SK" sz="1000" dirty="0">
-                <a:solidFill>
-                  <a:srgbClr val="4B4B4B"/>
-                </a:solidFill>
-                <a:latin typeface="Adobe Clean Light" panose="020B0303020404020204" pitchFamily="34" charset="0"/>
-              </a:rPr>
-            </a:br>
-            <a:r>
-              <a:rPr lang="pt-BR" sz="1000" dirty="0">
-                <a:solidFill>
-                  <a:srgbClr val="4B4B4B"/>
-                </a:solidFill>
-                <a:latin typeface="Adobe Clean Light" panose="020B0303020404020204" pitchFamily="34" charset="0"/>
-              </a:rPr>
-              <a:t>de experiência do cliente com aprendizagem personalizada, participar </a:t>
-            </a:r>
-            <a:br>
-              <a:rPr lang="sk-SK" sz="1000" dirty="0">
-                <a:solidFill>
-                  <a:srgbClr val="4B4B4B"/>
-                </a:solidFill>
-                <a:latin typeface="Adobe Clean Light" panose="020B0303020404020204" pitchFamily="34" charset="0"/>
-              </a:rPr>
-            </a:br>
-            <a:r>
-              <a:rPr lang="pt-BR" sz="1000" dirty="0">
-                <a:solidFill>
-                  <a:srgbClr val="4B4B4B"/>
-                </a:solidFill>
-                <a:latin typeface="Adobe Clean Light" panose="020B0303020404020204" pitchFamily="34" charset="0"/>
-              </a:rPr>
-              <a:t>de uma comunidade de pares global </a:t>
-            </a:r>
-            <a:br>
-              <a:rPr lang="sk-SK" sz="1000" dirty="0">
-                <a:solidFill>
-                  <a:srgbClr val="4B4B4B"/>
-                </a:solidFill>
-                <a:latin typeface="Adobe Clean Light" panose="020B0303020404020204" pitchFamily="34" charset="0"/>
-              </a:rPr>
-            </a:br>
-            <a:r>
-              <a:rPr lang="pt-BR" sz="1000" dirty="0">
-                <a:solidFill>
-                  <a:srgbClr val="4B4B4B"/>
-                </a:solidFill>
-                <a:latin typeface="Adobe Clean Light" panose="020B0303020404020204" pitchFamily="34" charset="0"/>
-              </a:rPr>
-              <a:t>e conseguir reconhecimento de carreira</a:t>
+              <a:t>de carreira.</a:t>
             </a:r>
           </a:p>
         </p:txBody>
@@ -8072,7 +8264,7 @@
         </p:nvSpPr>
         <p:spPr>
           <a:xfrm>
-            <a:off x="3201544" y="8560230"/>
+            <a:off x="3201544" y="8332752"/>
             <a:ext cx="1543003" cy="184666"/>
           </a:xfrm>
           <a:prstGeom prst="rect">
@@ -8125,7 +8317,7 @@
         </p:nvSpPr>
         <p:spPr>
           <a:xfrm>
-            <a:off x="3201544" y="8741449"/>
+            <a:off x="3201544" y="8513971"/>
             <a:ext cx="840166" cy="184666"/>
           </a:xfrm>
           <a:prstGeom prst="rect">
@@ -8173,7 +8365,7 @@
         </p:nvSpPr>
         <p:spPr>
           <a:xfrm>
-            <a:off x="3201544" y="6756914"/>
+            <a:off x="3201544" y="6529436"/>
             <a:ext cx="2520000" cy="184666"/>
           </a:xfrm>
           <a:prstGeom prst="rect">
@@ -8226,7 +8418,7 @@
         </p:nvSpPr>
         <p:spPr>
           <a:xfrm>
-            <a:off x="3201544" y="6960100"/>
+            <a:off x="3201544" y="6732622"/>
             <a:ext cx="992259" cy="184666"/>
           </a:xfrm>
           <a:prstGeom prst="rect">
@@ -8272,8 +8464,8 @@
         </p:nvSpPr>
         <p:spPr>
           <a:xfrm>
-            <a:off x="2791726" y="7152361"/>
-            <a:ext cx="2194560" cy="959237"/>
+            <a:off x="2791726" y="6924883"/>
+            <a:ext cx="2270928" cy="959237"/>
           </a:xfrm>
           <a:prstGeom prst="rect">
             <a:avLst/>
@@ -8307,18 +8499,51 @@
               <a:rPr lang="pt-BR" sz="1000" dirty="0">
                 <a:latin typeface="Adobe Clean Light" panose="020B0303020404020204" pitchFamily="34" charset="0"/>
               </a:rPr>
-              <a:t> podem enviar problemas por todos os canais disponíveis (incluindo por telefone em prioridades P1) </a:t>
+              <a:t> podem enviar problemas </a:t>
             </a:r>
             <a:br>
-              <a:rPr lang="sk-SK" sz="1000" dirty="0">
-                <a:latin typeface="Adobe Clean Light" panose="020B0303020404020204" pitchFamily="34" charset="0"/>
-              </a:rPr>
-            </a:br>
-            <a:r>
               <a:rPr lang="pt-BR" sz="1000" dirty="0">
                 <a:latin typeface="Adobe Clean Light" panose="020B0303020404020204" pitchFamily="34" charset="0"/>
               </a:rPr>
-              <a:t>e contatar a equipe de suporte técnico em nome de sua empresa. </a:t>
+            </a:br>
+            <a:r>
+              <a:rPr lang="pt-BR" sz="1000" dirty="0">
+                <a:latin typeface="Adobe Clean Light" panose="020B0303020404020204" pitchFamily="34" charset="0"/>
+              </a:rPr>
+              <a:t>por todos os canais disponíveis (incluindo </a:t>
+            </a:r>
+            <a:br>
+              <a:rPr lang="pt-BR" sz="1000" dirty="0">
+                <a:latin typeface="Adobe Clean Light" panose="020B0303020404020204" pitchFamily="34" charset="0"/>
+              </a:rPr>
+            </a:br>
+            <a:r>
+              <a:rPr lang="pt-BR" sz="1000" dirty="0">
+                <a:latin typeface="Adobe Clean Light" panose="020B0303020404020204" pitchFamily="34" charset="0"/>
+              </a:rPr>
+              <a:t>por telefone em prioridades P1) e contatar </a:t>
+            </a:r>
+            <a:br>
+              <a:rPr lang="pt-BR" sz="1000" dirty="0">
+                <a:latin typeface="Adobe Clean Light" panose="020B0303020404020204" pitchFamily="34" charset="0"/>
+              </a:rPr>
+            </a:br>
+            <a:r>
+              <a:rPr lang="pt-BR" sz="1000" dirty="0">
+                <a:latin typeface="Adobe Clean Light" panose="020B0303020404020204" pitchFamily="34" charset="0"/>
+              </a:rPr>
+              <a:t>a equipe de suporte técnico em nome </a:t>
+            </a:r>
+            <a:br>
+              <a:rPr lang="pt-BR" sz="1000" dirty="0">
+                <a:latin typeface="Adobe Clean Light" panose="020B0303020404020204" pitchFamily="34" charset="0"/>
+              </a:rPr>
+            </a:br>
+            <a:r>
+              <a:rPr lang="pt-BR" sz="1000" dirty="0">
+                <a:latin typeface="Adobe Clean Light" panose="020B0303020404020204" pitchFamily="34" charset="0"/>
+              </a:rPr>
+              <a:t>de sua empresa. </a:t>
             </a:r>
           </a:p>
         </p:txBody>
@@ -8337,8 +8562,8 @@
         </p:nvSpPr>
         <p:spPr>
           <a:xfrm>
-            <a:off x="214971" y="6530426"/>
-            <a:ext cx="2042512" cy="98974"/>
+            <a:off x="214971" y="6447157"/>
+            <a:ext cx="2042512" cy="74668"/>
           </a:xfrm>
           <a:custGeom>
             <a:avLst/>
@@ -8387,7 +8612,7 @@
         </p:nvSpPr>
         <p:spPr>
           <a:xfrm>
-            <a:off x="689237" y="8560230"/>
+            <a:off x="689237" y="8332752"/>
             <a:ext cx="991521" cy="184666"/>
           </a:xfrm>
           <a:prstGeom prst="rect">
@@ -8440,7 +8665,7 @@
         </p:nvSpPr>
         <p:spPr>
           <a:xfrm>
-            <a:off x="689237" y="8741449"/>
+            <a:off x="689237" y="8513971"/>
             <a:ext cx="604974" cy="184666"/>
           </a:xfrm>
           <a:prstGeom prst="rect">
@@ -8486,8 +8711,8 @@
         </p:nvSpPr>
         <p:spPr>
           <a:xfrm>
-            <a:off x="355868" y="9026059"/>
-            <a:ext cx="2194560" cy="728405"/>
+            <a:off x="355867" y="8798581"/>
+            <a:ext cx="2276491" cy="959237"/>
           </a:xfrm>
           <a:prstGeom prst="rect">
             <a:avLst/>
@@ -8500,13 +8725,64 @@
           <a:lstStyle/>
           <a:p>
             <a:r>
-              <a:rPr lang="pt-BR" sz="900" dirty="0">
+              <a:rPr lang="pt-BR" sz="1000" dirty="0">
                 <a:solidFill>
                   <a:srgbClr val="4B4B4B"/>
                 </a:solidFill>
                 <a:latin typeface="Adobe Clean Light" panose="020B0303020404020204" pitchFamily="34" charset="0"/>
               </a:rPr>
-              <a:t>O Office Hours, apresentado pela equipe de Suporte ao cliente da Adobe, inclui sessões para informar e ajudar os participantes a solucionar problemas e fornecer dicas e truques para aproveitar ao máximo as soluções da Adobe. </a:t>
+              <a:t>O Office Hours, apresentado pela equipe </a:t>
+            </a:r>
+            <a:br>
+              <a:rPr lang="pt-BR" sz="1000" dirty="0">
+                <a:solidFill>
+                  <a:srgbClr val="4B4B4B"/>
+                </a:solidFill>
+                <a:latin typeface="Adobe Clean Light" panose="020B0303020404020204" pitchFamily="34" charset="0"/>
+              </a:rPr>
+            </a:br>
+            <a:r>
+              <a:rPr lang="pt-BR" sz="1000" dirty="0">
+                <a:solidFill>
+                  <a:srgbClr val="4B4B4B"/>
+                </a:solidFill>
+                <a:latin typeface="Adobe Clean Light" panose="020B0303020404020204" pitchFamily="34" charset="0"/>
+              </a:rPr>
+              <a:t>de Suporte ao cliente da Adobe, inclui sessões para informar e ajudar os participantes </a:t>
+            </a:r>
+            <a:br>
+              <a:rPr lang="pt-BR" sz="1000" dirty="0">
+                <a:solidFill>
+                  <a:srgbClr val="4B4B4B"/>
+                </a:solidFill>
+                <a:latin typeface="Adobe Clean Light" panose="020B0303020404020204" pitchFamily="34" charset="0"/>
+              </a:rPr>
+            </a:br>
+            <a:r>
+              <a:rPr lang="pt-BR" sz="1000" dirty="0">
+                <a:solidFill>
+                  <a:srgbClr val="4B4B4B"/>
+                </a:solidFill>
+                <a:latin typeface="Adobe Clean Light" panose="020B0303020404020204" pitchFamily="34" charset="0"/>
+              </a:rPr>
+              <a:t>a solucionar problemas e fornecer dicas </a:t>
+            </a:r>
+            <a:br>
+              <a:rPr lang="pt-BR" sz="1000" dirty="0">
+                <a:solidFill>
+                  <a:srgbClr val="4B4B4B"/>
+                </a:solidFill>
+                <a:latin typeface="Adobe Clean Light" panose="020B0303020404020204" pitchFamily="34" charset="0"/>
+              </a:rPr>
+            </a:br>
+            <a:r>
+              <a:rPr lang="pt-BR" sz="1000" dirty="0">
+                <a:solidFill>
+                  <a:srgbClr val="4B4B4B"/>
+                </a:solidFill>
+                <a:latin typeface="Adobe Clean Light" panose="020B0303020404020204" pitchFamily="34" charset="0"/>
+              </a:rPr>
+              <a:t>e truques para aproveitar ao máximo as soluções da Adobe. </a:t>
             </a:r>
           </a:p>
         </p:txBody>
@@ -8527,8 +8803,8 @@
         </p:nvSpPr>
         <p:spPr>
           <a:xfrm>
-            <a:off x="5723508" y="8560230"/>
-            <a:ext cx="1303746" cy="184666"/>
+            <a:off x="5723507" y="8332752"/>
+            <a:ext cx="1736713" cy="184666"/>
           </a:xfrm>
           <a:prstGeom prst="rect">
             <a:avLst/>
@@ -8554,7 +8830,7 @@
               <a:defRPr/>
             </a:pPr>
             <a:r>
-              <a:rPr lang="pt-BR" sz="1200">
+              <a:rPr lang="pt-BR" sz="1200" dirty="0">
                 <a:solidFill>
                   <a:srgbClr val="000000"/>
                 </a:solidFill>
@@ -8580,7 +8856,7 @@
         </p:nvSpPr>
         <p:spPr>
           <a:xfrm>
-            <a:off x="5723508" y="8741449"/>
+            <a:off x="5723508" y="8513971"/>
             <a:ext cx="1267206" cy="184666"/>
           </a:xfrm>
           <a:prstGeom prst="rect">
@@ -8626,7 +8902,7 @@
         </p:nvSpPr>
         <p:spPr>
           <a:xfrm>
-            <a:off x="5265661" y="8987081"/>
+            <a:off x="5265661" y="8759603"/>
             <a:ext cx="2194560" cy="959237"/>
           </a:xfrm>
           <a:prstGeom prst="rect">
@@ -8646,24 +8922,7 @@
                 </a:solidFill>
                 <a:latin typeface="Adobe Clean Light" panose="020B0303020404020204" pitchFamily="34" charset="0"/>
               </a:rPr>
-              <a:t>Acesso sob demanda ao Portal de autoatendimento online para enviar solicitações de suporte, revisar o status </a:t>
-            </a:r>
-            <a:br>
-              <a:rPr lang="sk-SK" sz="1000" dirty="0">
-                <a:solidFill>
-                  <a:srgbClr val="4B4B4B"/>
-                </a:solidFill>
-                <a:latin typeface="Adobe Clean Light" panose="020B0303020404020204" pitchFamily="34" charset="0"/>
-              </a:rPr>
-            </a:br>
-            <a:r>
-              <a:rPr lang="pt-BR" sz="1000" dirty="0">
-                <a:solidFill>
-                  <a:srgbClr val="4B4B4B"/>
-                </a:solidFill>
-                <a:latin typeface="Adobe Clean Light" panose="020B0303020404020204" pitchFamily="34" charset="0"/>
-              </a:rPr>
-              <a:t>do caso e procurar outros recursos, como nossa base de conhecimento, notícias e alertas, dicas em destaque e muito mais.</a:t>
+              <a:t>Acesso sob demanda ao Portal de autoatendimento online para enviar solicitações de suporte, revisar o status do caso e procurar outros recursos, como nossa base de conhecimento, notícias e alertas, dicas em destaque e muito mais.</a:t>
             </a:r>
           </a:p>
         </p:txBody>
@@ -8699,7 +8958,7 @@
         </p:blipFill>
         <p:spPr>
           <a:xfrm>
-            <a:off x="2768925" y="6771954"/>
+            <a:off x="2768925" y="6544476"/>
             <a:ext cx="411480" cy="411480"/>
           </a:xfrm>
           <a:prstGeom prst="rect">
@@ -8738,7 +8997,7 @@
         </p:blipFill>
         <p:spPr>
           <a:xfrm>
-            <a:off x="228600" y="8560230"/>
+            <a:off x="228600" y="8332752"/>
             <a:ext cx="411480" cy="411480"/>
           </a:xfrm>
           <a:prstGeom prst="rect">
@@ -8777,7 +9036,7 @@
         </p:blipFill>
         <p:spPr>
           <a:xfrm>
-            <a:off x="228600" y="6733286"/>
+            <a:off x="228600" y="6505808"/>
             <a:ext cx="411480" cy="411480"/>
           </a:xfrm>
           <a:prstGeom prst="rect">
@@ -8816,7 +9075,7 @@
         </p:blipFill>
         <p:spPr>
           <a:xfrm>
-            <a:off x="5257800" y="6721476"/>
+            <a:off x="5257800" y="6493998"/>
             <a:ext cx="411480" cy="411480"/>
           </a:xfrm>
           <a:prstGeom prst="rect">
@@ -8855,7 +9114,7 @@
         </p:blipFill>
         <p:spPr>
           <a:xfrm>
-            <a:off x="5257800" y="8560230"/>
+            <a:off x="5257800" y="8332752"/>
             <a:ext cx="411480" cy="411480"/>
           </a:xfrm>
           <a:prstGeom prst="rect">
@@ -8894,7 +9153,7 @@
         </p:blipFill>
         <p:spPr>
           <a:xfrm>
-            <a:off x="2776853" y="8560230"/>
+            <a:off x="2776853" y="8332752"/>
             <a:ext cx="411480" cy="411480"/>
           </a:xfrm>
           <a:prstGeom prst="rect">
@@ -8916,7 +9175,7 @@
         </p:nvSpPr>
         <p:spPr>
           <a:xfrm rot="5400000" flipH="1">
-            <a:off x="3863341" y="5600443"/>
+            <a:off x="3863341" y="5372965"/>
             <a:ext cx="45719" cy="5577840"/>
           </a:xfrm>
           <a:custGeom>
@@ -8971,7 +9230,7 @@
         </p:nvSpPr>
         <p:spPr>
           <a:xfrm>
-            <a:off x="214971" y="6207447"/>
+            <a:off x="214971" y="6124178"/>
             <a:ext cx="1930978" cy="307777"/>
           </a:xfrm>
           <a:prstGeom prst="rect">
@@ -8993,7 +9252,7 @@
               </a:spcBef>
             </a:pPr>
             <a:r>
-              <a:rPr lang="pt-BR" sz="1400" b="1" dirty="0">
+              <a:rPr lang="pt-BR" sz="1400" b="1">
                 <a:solidFill>
                   <a:srgbClr val="020302"/>
                 </a:solidFill>
@@ -9146,7 +9405,7 @@
         </p:nvSpPr>
         <p:spPr>
           <a:xfrm rot="5400000" flipH="1">
-            <a:off x="3863341" y="1912620"/>
+            <a:off x="3863341" y="1796651"/>
             <a:ext cx="45719" cy="5577840"/>
           </a:xfrm>
           <a:custGeom>
@@ -9201,7 +9460,7 @@
         </p:nvSpPr>
         <p:spPr>
           <a:xfrm>
-            <a:off x="324341" y="4031705"/>
+            <a:off x="324341" y="3911273"/>
             <a:ext cx="2194560" cy="499111"/>
           </a:xfrm>
           <a:prstGeom prst="rect">
@@ -9233,7 +9492,7 @@
               <a:t>Revisão proativa da implantação, configuração e arquitetura geral </a:t>
             </a:r>
             <a:br>
-              <a:rPr lang="sk-SK" sz="1000" dirty="0">
+              <a:rPr lang="pt-BR" sz="1000" dirty="0">
                 <a:solidFill>
                   <a:srgbClr val="020302"/>
                 </a:solidFill>
@@ -9268,7 +9527,7 @@
         </p:nvSpPr>
         <p:spPr>
           <a:xfrm>
-            <a:off x="5265661" y="4031705"/>
+            <a:off x="5265661" y="3911273"/>
             <a:ext cx="2194560" cy="652615"/>
           </a:xfrm>
           <a:prstGeom prst="rect">
@@ -9297,7 +9556,47 @@
                 <a:latin typeface="AdobeClean-Light"/>
                 <a:cs typeface="AdobeClean-Light"/>
               </a:rPr>
-              <a:t>Receba as práticas recomendadas de manutenção e as correções mais recentes (SP, MR, patches, FP) para ficar atualizado em todas as verificações de manutenção</a:t>
+              <a:t>Receba as práticas recomendadas de manutenção e as correções mais recentes (</a:t>
+            </a:r>
+            <a:r>
+              <a:rPr lang="pt-BR" sz="1000" dirty="0" err="1">
+                <a:solidFill>
+                  <a:srgbClr val="020302"/>
+                </a:solidFill>
+                <a:latin typeface="AdobeClean-Light"/>
+                <a:cs typeface="AdobeClean-Light"/>
+              </a:rPr>
+              <a:t>SPs</a:t>
+            </a:r>
+            <a:r>
+              <a:rPr lang="pt-BR" sz="1000" dirty="0">
+                <a:solidFill>
+                  <a:srgbClr val="020302"/>
+                </a:solidFill>
+                <a:latin typeface="AdobeClean-Light"/>
+                <a:cs typeface="AdobeClean-Light"/>
+              </a:rPr>
+              <a:t>, MR, patches, </a:t>
+            </a:r>
+            <a:r>
+              <a:rPr lang="pt-BR" sz="1000" dirty="0" err="1">
+                <a:solidFill>
+                  <a:srgbClr val="020302"/>
+                </a:solidFill>
+                <a:latin typeface="AdobeClean-Light"/>
+                <a:cs typeface="AdobeClean-Light"/>
+              </a:rPr>
+              <a:t>FPs</a:t>
+            </a:r>
+            <a:r>
+              <a:rPr lang="pt-BR" sz="1000" dirty="0">
+                <a:solidFill>
+                  <a:srgbClr val="020302"/>
+                </a:solidFill>
+                <a:latin typeface="AdobeClean-Light"/>
+                <a:cs typeface="AdobeClean-Light"/>
+              </a:rPr>
+              <a:t>) para ficar atualizado em todas as verificações de manutenção.</a:t>
             </a:r>
           </a:p>
         </p:txBody>
@@ -9316,8 +9615,8 @@
         </p:nvSpPr>
         <p:spPr>
           <a:xfrm>
-            <a:off x="2852426" y="2847845"/>
-            <a:ext cx="2332619" cy="461665"/>
+            <a:off x="2852427" y="2517784"/>
+            <a:ext cx="2351020" cy="461665"/>
           </a:xfrm>
           <a:prstGeom prst="rect">
             <a:avLst/>
@@ -9361,8 +9660,8 @@
         </p:nvSpPr>
         <p:spPr>
           <a:xfrm>
-            <a:off x="5431519" y="2971800"/>
-            <a:ext cx="2275101" cy="615553"/>
+            <a:off x="5431520" y="2658116"/>
+            <a:ext cx="2296114" cy="615553"/>
           </a:xfrm>
           <a:prstGeom prst="rect">
             <a:avLst/>
@@ -9406,8 +9705,8 @@
         </p:nvSpPr>
         <p:spPr>
           <a:xfrm>
-            <a:off x="324341" y="2842848"/>
-            <a:ext cx="2374092" cy="769441"/>
+            <a:off x="324340" y="2512787"/>
+            <a:ext cx="2308019" cy="923330"/>
           </a:xfrm>
           <a:prstGeom prst="rect">
             <a:avLst/>
@@ -9432,7 +9731,45 @@
                 <a:latin typeface="AdobeClean-Light"/>
                 <a:cs typeface="AdobeClean-Light"/>
               </a:rPr>
-              <a:t>Um ponto de contato designado na Adobe que pode fornecer assistência de encaminhamento, atualizações regulares e garantir que seja dada prioridade àquelas solicitações de suporte abertas que forem mais críticas.</a:t>
+              <a:t>Um ponto de contato designado na </a:t>
+            </a:r>
+            <a:br>
+              <a:rPr lang="pt-BR" sz="1000" dirty="0">
+                <a:solidFill>
+                  <a:srgbClr val="4B4B4B"/>
+                </a:solidFill>
+                <a:latin typeface="AdobeClean-Light"/>
+                <a:cs typeface="AdobeClean-Light"/>
+              </a:rPr>
+            </a:br>
+            <a:r>
+              <a:rPr lang="pt-BR" sz="1000" dirty="0">
+                <a:solidFill>
+                  <a:srgbClr val="4B4B4B"/>
+                </a:solidFill>
+                <a:latin typeface="AdobeClean-Light"/>
+                <a:cs typeface="AdobeClean-Light"/>
+              </a:rPr>
+              <a:t>Adobe que pode fornecer assistência de encaminhamento, atualizações regulares </a:t>
+            </a:r>
+            <a:br>
+              <a:rPr lang="pt-BR" sz="1000" dirty="0">
+                <a:solidFill>
+                  <a:srgbClr val="4B4B4B"/>
+                </a:solidFill>
+                <a:latin typeface="AdobeClean-Light"/>
+                <a:cs typeface="AdobeClean-Light"/>
+              </a:rPr>
+            </a:br>
+            <a:r>
+              <a:rPr lang="pt-BR" sz="1000" dirty="0">
+                <a:solidFill>
+                  <a:srgbClr val="4B4B4B"/>
+                </a:solidFill>
+                <a:latin typeface="AdobeClean-Light"/>
+                <a:cs typeface="AdobeClean-Light"/>
+              </a:rPr>
+              <a:t>e garantir que seja dada prioridade àquelas solicitações de suporte abertas que forem mais críticas.</a:t>
             </a:r>
           </a:p>
         </p:txBody>
@@ -9451,7 +9788,7 @@
         </p:nvSpPr>
         <p:spPr>
           <a:xfrm>
-            <a:off x="3153726" y="1126245"/>
+            <a:off x="3153726" y="796184"/>
             <a:ext cx="2194560" cy="169277"/>
           </a:xfrm>
           <a:prstGeom prst="rect">
@@ -9496,7 +9833,7 @@
         </p:nvSpPr>
         <p:spPr>
           <a:xfrm>
-            <a:off x="5723508" y="1126245"/>
+            <a:off x="5723508" y="796184"/>
             <a:ext cx="2194560" cy="169277"/>
           </a:xfrm>
           <a:prstGeom prst="rect">
@@ -9541,8 +9878,8 @@
         </p:nvSpPr>
         <p:spPr>
           <a:xfrm>
-            <a:off x="5723508" y="3778989"/>
-            <a:ext cx="2194560" cy="169277"/>
+            <a:off x="5723508" y="3574737"/>
+            <a:ext cx="2194560" cy="338554"/>
           </a:xfrm>
           <a:prstGeom prst="rect">
             <a:avLst/>
@@ -9560,14 +9897,33 @@
               </a:spcBef>
             </a:pPr>
             <a:r>
-              <a:rPr lang="pt-BR" sz="1100" b="1">
+              <a:rPr lang="pt-BR" sz="1100" b="1" dirty="0">
                 <a:solidFill>
                   <a:srgbClr val="020302"/>
                 </a:solidFill>
                 <a:latin typeface="Adobe Clean" panose="020B0503020404020204" pitchFamily="34" charset="0"/>
                 <a:cs typeface="Adobe Clean"/>
               </a:rPr>
-              <a:t>Manutenção e monitoramento</a:t>
+              <a:t>Manutenção </a:t>
+            </a:r>
+            <a:br>
+              <a:rPr lang="pt-BR" sz="1100" b="1" dirty="0">
+                <a:solidFill>
+                  <a:srgbClr val="020302"/>
+                </a:solidFill>
+                <a:latin typeface="Adobe Clean" panose="020B0503020404020204" pitchFamily="34" charset="0"/>
+                <a:cs typeface="Adobe Clean"/>
+              </a:rPr>
+            </a:br>
+            <a:r>
+              <a:rPr lang="pt-BR" sz="1100" b="1" dirty="0">
+                <a:solidFill>
+                  <a:srgbClr val="020302"/>
+                </a:solidFill>
+                <a:latin typeface="Adobe Clean" panose="020B0503020404020204" pitchFamily="34" charset="0"/>
+                <a:cs typeface="Adobe Clean"/>
+              </a:rPr>
+              <a:t>e monitoramento</a:t>
             </a:r>
           </a:p>
         </p:txBody>
@@ -9586,7 +9942,7 @@
         </p:nvSpPr>
         <p:spPr>
           <a:xfrm>
-            <a:off x="3138805" y="3778989"/>
+            <a:off x="3138805" y="3658557"/>
             <a:ext cx="2194560" cy="169277"/>
           </a:xfrm>
           <a:prstGeom prst="rect">
@@ -9631,7 +9987,7 @@
         </p:nvSpPr>
         <p:spPr>
           <a:xfrm>
-            <a:off x="689237" y="3778989"/>
+            <a:off x="689237" y="3658557"/>
             <a:ext cx="2194560" cy="169277"/>
           </a:xfrm>
           <a:prstGeom prst="rect">
@@ -9676,7 +10032,7 @@
         </p:nvSpPr>
         <p:spPr>
           <a:xfrm>
-            <a:off x="689237" y="2599639"/>
+            <a:off x="689237" y="2269578"/>
             <a:ext cx="2194560" cy="169277"/>
           </a:xfrm>
           <a:prstGeom prst="rect">
@@ -9721,7 +10077,7 @@
         </p:nvSpPr>
         <p:spPr>
           <a:xfrm>
-            <a:off x="3153726" y="2599639"/>
+            <a:off x="3153726" y="2269578"/>
             <a:ext cx="2194560" cy="169277"/>
           </a:xfrm>
           <a:prstGeom prst="rect">
@@ -9766,7 +10122,7 @@
         </p:nvSpPr>
         <p:spPr>
           <a:xfrm>
-            <a:off x="5723508" y="2599639"/>
+            <a:off x="5723508" y="2269578"/>
             <a:ext cx="2194560" cy="169277"/>
           </a:xfrm>
           <a:prstGeom prst="rect">
@@ -9811,7 +10167,7 @@
         </p:nvSpPr>
         <p:spPr>
           <a:xfrm>
-            <a:off x="689237" y="4901022"/>
+            <a:off x="689237" y="4819212"/>
             <a:ext cx="2194560" cy="169277"/>
           </a:xfrm>
           <a:prstGeom prst="rect">
@@ -9856,7 +10212,7 @@
         </p:nvSpPr>
         <p:spPr>
           <a:xfrm>
-            <a:off x="3114255" y="4914694"/>
+            <a:off x="3113405" y="4819212"/>
             <a:ext cx="2194560" cy="169277"/>
           </a:xfrm>
           <a:prstGeom prst="rect">
@@ -9878,7 +10234,7 @@
               </a:spcBef>
             </a:pPr>
             <a:r>
-              <a:rPr lang="pt-BR" sz="1100" b="1" dirty="0">
+              <a:rPr lang="pt-BR" sz="1100" b="1">
                 <a:solidFill>
                   <a:srgbClr val="020302"/>
                 </a:solidFill>
@@ -9904,7 +10260,7 @@
         </p:nvSpPr>
         <p:spPr>
           <a:xfrm>
-            <a:off x="5721544" y="4914900"/>
+            <a:off x="5723508" y="4819212"/>
             <a:ext cx="2194560" cy="169277"/>
           </a:xfrm>
           <a:prstGeom prst="rect">
@@ -9926,7 +10282,7 @@
               </a:spcBef>
             </a:pPr>
             <a:r>
-              <a:rPr lang="pt-BR" sz="1100" b="1" dirty="0">
+              <a:rPr lang="pt-BR" sz="1100" b="1">
                 <a:solidFill>
                   <a:srgbClr val="020302"/>
                 </a:solidFill>
@@ -9952,7 +10308,7 @@
         </p:nvSpPr>
         <p:spPr>
           <a:xfrm rot="5400000" flipH="1">
-            <a:off x="3863341" y="891540"/>
+            <a:off x="3863341" y="663257"/>
             <a:ext cx="45719" cy="5577840"/>
           </a:xfrm>
           <a:custGeom>
@@ -10007,7 +10363,7 @@
         </p:nvSpPr>
         <p:spPr>
           <a:xfrm rot="5400000" flipH="1">
-            <a:off x="3863341" y="-322580"/>
+            <a:off x="3863341" y="-652641"/>
             <a:ext cx="45719" cy="5577840"/>
           </a:xfrm>
           <a:custGeom>
@@ -10079,7 +10435,7 @@
         </p:blipFill>
         <p:spPr>
           <a:xfrm>
-            <a:off x="228599" y="3634381"/>
+            <a:off x="228599" y="3513949"/>
             <a:ext cx="457200" cy="457200"/>
           </a:xfrm>
           <a:prstGeom prst="rect">
@@ -10109,7 +10465,7 @@
         </p:blipFill>
         <p:spPr>
           <a:xfrm>
-            <a:off x="2768925" y="3722747"/>
+            <a:off x="2768925" y="3602315"/>
             <a:ext cx="309943" cy="288000"/>
           </a:xfrm>
           <a:prstGeom prst="rect">
@@ -10139,7 +10495,7 @@
         </p:blipFill>
         <p:spPr>
           <a:xfrm>
-            <a:off x="355868" y="4844234"/>
+            <a:off x="355868" y="4762424"/>
             <a:ext cx="240657" cy="300821"/>
           </a:xfrm>
           <a:prstGeom prst="rect">
@@ -10169,7 +10525,7 @@
         </p:blipFill>
         <p:spPr>
           <a:xfrm>
-            <a:off x="5276601" y="3720877"/>
+            <a:off x="5276601" y="3600445"/>
             <a:ext cx="328157" cy="284207"/>
           </a:xfrm>
           <a:prstGeom prst="rect">
@@ -10199,7 +10555,7 @@
         </p:blipFill>
         <p:spPr>
           <a:xfrm>
-            <a:off x="5276601" y="4876800"/>
+            <a:off x="5276601" y="4812360"/>
             <a:ext cx="347646" cy="264530"/>
           </a:xfrm>
           <a:prstGeom prst="rect">
@@ -10238,7 +10594,7 @@
         </p:blipFill>
         <p:spPr>
           <a:xfrm>
-            <a:off x="2768925" y="4800600"/>
+            <a:off x="2768925" y="4660404"/>
             <a:ext cx="365760" cy="365760"/>
           </a:xfrm>
           <a:prstGeom prst="rect">
@@ -10260,8 +10616,8 @@
         </p:nvSpPr>
         <p:spPr>
           <a:xfrm>
-            <a:off x="2764975" y="4039530"/>
-            <a:ext cx="2297752" cy="708399"/>
+            <a:off x="2764975" y="3919098"/>
+            <a:ext cx="2370905" cy="708399"/>
           </a:xfrm>
           <a:prstGeom prst="rect">
             <a:avLst/>
@@ -10596,9 +10952,9 @@
           <p:nvPr/>
         </p:nvSpPr>
         <p:spPr>
-          <a:xfrm flipV="1">
-            <a:off x="4419600" y="2654676"/>
-            <a:ext cx="2362191" cy="54282"/>
+          <a:xfrm>
+            <a:off x="4510681" y="2654678"/>
+            <a:ext cx="2380777" cy="51584"/>
           </a:xfrm>
           <a:custGeom>
             <a:avLst/>
@@ -10639,8 +10995,8 @@
         </p:nvSpPr>
         <p:spPr>
           <a:xfrm>
-            <a:off x="4419600" y="2329688"/>
-            <a:ext cx="2533596" cy="228268"/>
+            <a:off x="4499816" y="2329688"/>
+            <a:ext cx="2439095" cy="228268"/>
           </a:xfrm>
           <a:prstGeom prst="rect">
             <a:avLst/>
@@ -10682,7 +11038,7 @@
         <p:spPr>
           <a:xfrm>
             <a:off x="914421" y="2342312"/>
-            <a:ext cx="1407769" cy="228268"/>
+            <a:ext cx="1364887" cy="228268"/>
           </a:xfrm>
           <a:prstGeom prst="rect">
             <a:avLst/>
@@ -10703,15 +11059,42 @@
               </a:spcBef>
             </a:pPr>
             <a:r>
-              <a:rPr lang="pt-BR" sz="1400" b="1" dirty="0">
+              <a:rPr lang="pt-BR" sz="1400" b="1" dirty="0" err="1">
                 <a:solidFill>
                   <a:srgbClr val="020302"/>
                 </a:solidFill>
                 <a:latin typeface="Adobe Clean"/>
                 <a:cs typeface="Adobe Clean"/>
               </a:rPr>
-              <a:t>Launch Advisory</a:t>
-            </a:r>
+              <a:t>Launch</a:t>
+            </a:r>
+            <a:r>
+              <a:rPr lang="pt-BR" sz="1400" b="1" dirty="0">
+                <a:solidFill>
+                  <a:srgbClr val="020302"/>
+                </a:solidFill>
+                <a:latin typeface="Adobe Clean"/>
+                <a:cs typeface="Adobe Clean"/>
+              </a:rPr>
+              <a:t> </a:t>
+            </a:r>
+            <a:r>
+              <a:rPr lang="pt-BR" sz="1400" b="1" dirty="0" err="1">
+                <a:solidFill>
+                  <a:srgbClr val="020302"/>
+                </a:solidFill>
+                <a:latin typeface="Adobe Clean"/>
+                <a:cs typeface="Adobe Clean"/>
+              </a:rPr>
+              <a:t>Advisory</a:t>
+            </a:r>
+            <a:endParaRPr lang="pt-BR" sz="1400" b="1" dirty="0">
+              <a:solidFill>
+                <a:srgbClr val="020302"/>
+              </a:solidFill>
+              <a:latin typeface="Adobe Clean"/>
+              <a:cs typeface="Adobe Clean"/>
+            </a:endParaRPr>
           </a:p>
         </p:txBody>
       </p:sp>
@@ -10724,7 +11107,7 @@
         <p:spPr>
           <a:xfrm>
             <a:off x="242187" y="2787904"/>
-            <a:ext cx="3004185" cy="782265"/>
+            <a:ext cx="3004185" cy="628377"/>
           </a:xfrm>
           <a:prstGeom prst="rect">
             <a:avLst/>
@@ -10762,54 +11145,46 @@
                 <a:latin typeface="Adobe Clean"/>
                 <a:cs typeface="Adobe Clean"/>
               </a:rPr>
-              <a:t>nova solução </a:t>
-            </a:r>
-            <a:br>
-              <a:rPr lang="sk-SK" sz="1000" b="1" dirty="0">
-                <a:solidFill>
-                  <a:srgbClr val="1F1F1F"/>
-                </a:solidFill>
-                <a:latin typeface="Adobe Clean"/>
-                <a:cs typeface="Adobe Clean"/>
-              </a:rPr>
-            </a:br>
-            <a:r>
-              <a:rPr lang="pt-BR" sz="1000" b="1" dirty="0">
-                <a:solidFill>
-                  <a:srgbClr val="1F1F1F"/>
-                </a:solidFill>
-                <a:latin typeface="Adobe Clean"/>
-                <a:cs typeface="Adobe Clean"/>
-              </a:rPr>
-              <a:t>Adobe Experience Cloud, </a:t>
+              <a:t>nova solução Adobe Experience Cloud, </a:t>
             </a:r>
             <a:r>
               <a:rPr lang="pt-BR" sz="1000" dirty="0">
                 <a:latin typeface="AdobeClean-Light"/>
                 <a:cs typeface="AdobeClean-Light"/>
               </a:rPr>
-              <a:t>o Launch Advisory </a:t>
-            </a:r>
-            <a:br>
-              <a:rPr lang="sk-SK" sz="1000" dirty="0">
+              <a:t>o </a:t>
+            </a:r>
+            <a:r>
+              <a:rPr lang="pt-BR" sz="1000" dirty="0" err="1">
                 <a:latin typeface="AdobeClean-Light"/>
                 <a:cs typeface="AdobeClean-Light"/>
               </a:rPr>
-            </a:br>
+              <a:t>Launch</a:t>
+            </a:r>
             <a:r>
               <a:rPr lang="pt-BR" sz="1000" dirty="0">
                 <a:latin typeface="AdobeClean-Light"/>
                 <a:cs typeface="AdobeClean-Light"/>
               </a:rPr>
-              <a:t>é um </a:t>
+              <a:t> </a:t>
+            </a:r>
+            <a:r>
+              <a:rPr lang="pt-BR" sz="1000" dirty="0" err="1">
+                <a:latin typeface="AdobeClean-Light"/>
+                <a:cs typeface="AdobeClean-Light"/>
+              </a:rPr>
+              <a:t>Advisory</a:t>
+            </a:r>
+            <a:r>
+              <a:rPr lang="pt-BR" sz="1000" dirty="0">
+                <a:latin typeface="AdobeClean-Light"/>
+                <a:cs typeface="AdobeClean-Light"/>
+              </a:rPr>
+              <a:t> é um </a:t>
             </a:r>
             <a:r>
               <a:rPr lang="pt-BR" sz="1000" dirty="0"/>
-              <a:t>conjunto essencial de</a:t>
-            </a:r>
-            <a:r>
-              <a:rPr lang="sk-SK" sz="1000" dirty="0"/>
-              <a:t> </a:t>
+              <a:t>conjunto essencial de </a:t>
             </a:r>
             <a:r>
               <a:rPr lang="pt-BR" sz="950" dirty="0">
@@ -10823,47 +11198,21 @@
                 <a:latin typeface="AdobeClean-Light"/>
                 <a:cs typeface="AdobeClean-Light"/>
               </a:rPr>
-              <a:t> de consultoria </a:t>
-            </a:r>
-            <a:br>
-              <a:rPr lang="sk-SK" sz="1000" dirty="0">
+              <a:t> de consultoria e recomendações de eficácia </a:t>
+            </a:r>
+            <a:r>
+              <a:rPr lang="pt-BR" sz="950" dirty="0">
                 <a:latin typeface="AdobeClean-Light"/>
                 <a:cs typeface="AdobeClean-Light"/>
               </a:rPr>
-            </a:br>
+              <a:t>comprovada que aceleram</a:t>
+            </a:r>
             <a:r>
               <a:rPr lang="pt-BR" sz="1000" dirty="0">
                 <a:latin typeface="AdobeClean-Light"/>
                 <a:cs typeface="AdobeClean-Light"/>
               </a:rPr>
-              <a:t>e recomendações de eficácia </a:t>
-            </a:r>
-            <a:r>
-              <a:rPr lang="pt-BR" sz="950" dirty="0">
-                <a:latin typeface="AdobeClean-Light"/>
-                <a:cs typeface="AdobeClean-Light"/>
-              </a:rPr>
-              <a:t>comprovada que aceleram</a:t>
-            </a:r>
-            <a:r>
-              <a:rPr lang="pt-BR" sz="1000" dirty="0">
-                <a:latin typeface="AdobeClean-Light"/>
-                <a:cs typeface="AdobeClean-Light"/>
-              </a:rPr>
-              <a:t> </a:t>
-            </a:r>
-            <a:br>
-              <a:rPr lang="sk-SK" sz="1000" dirty="0">
-                <a:latin typeface="AdobeClean-Light"/>
-                <a:cs typeface="AdobeClean-Light"/>
-              </a:rPr>
-            </a:br>
-            <a:r>
-              <a:rPr lang="pt-BR" sz="1000" dirty="0">
-                <a:latin typeface="AdobeClean-Light"/>
-                <a:cs typeface="AdobeClean-Light"/>
-              </a:rPr>
-              <a:t>o </a:t>
+              <a:t> o </a:t>
             </a:r>
             <a:r>
               <a:rPr lang="pt-BR" sz="950" dirty="0">
@@ -10991,7 +11340,7 @@
               </a:spcBef>
             </a:pPr>
             <a:r>
-              <a:rPr lang="pt-BR" sz="1000">
+              <a:rPr lang="pt-BR" sz="1000" dirty="0">
                 <a:solidFill>
                   <a:srgbClr val="4B4B4B"/>
                 </a:solidFill>
@@ -11001,7 +11350,7 @@
               <a:t>Os serviços de campo são usados para </a:t>
             </a:r>
             <a:r>
-              <a:rPr lang="pt-BR" sz="1000" b="1">
+              <a:rPr lang="pt-BR" sz="1000" b="1" dirty="0">
                 <a:solidFill>
                   <a:srgbClr val="4B4B4B"/>
                 </a:solidFill>
@@ -11011,7 +11360,7 @@
               <a:t>resolução rápida</a:t>
             </a:r>
             <a:r>
-              <a:rPr lang="pt-BR" sz="1000">
+              <a:rPr lang="pt-BR" sz="1000" dirty="0">
                 <a:solidFill>
                   <a:srgbClr val="4B4B4B"/>
                 </a:solidFill>
@@ -11021,7 +11370,7 @@
               <a:t>, sucesso focado do cliente e </a:t>
             </a:r>
             <a:r>
-              <a:rPr lang="pt-BR" sz="1000" b="1">
+              <a:rPr lang="pt-BR" sz="1000" b="1" dirty="0">
                 <a:solidFill>
                   <a:srgbClr val="4B4B4B"/>
                 </a:solidFill>
@@ -11031,17 +11380,57 @@
               <a:t>tempo de implantação</a:t>
             </a:r>
             <a:r>
-              <a:rPr lang="pt-BR" sz="1000">
+              <a:rPr lang="pt-BR" sz="1000" dirty="0">
                 <a:solidFill>
                   <a:srgbClr val="4B4B4B"/>
                 </a:solidFill>
                 <a:latin typeface="AdobeClean-Light"/>
                 <a:cs typeface="AdobeClean-Light"/>
               </a:rPr>
-              <a:t> acelerado. Se o Launch Advisory estiver ativo, </a:t>
-            </a:r>
-            <a:r>
-              <a:rPr lang="pt-BR" sz="1000" b="1">
+              <a:t> acelerado. Se o </a:t>
+            </a:r>
+            <a:r>
+              <a:rPr lang="pt-BR" sz="1000" dirty="0" err="1">
+                <a:solidFill>
+                  <a:srgbClr val="4B4B4B"/>
+                </a:solidFill>
+                <a:latin typeface="AdobeClean-Light"/>
+                <a:cs typeface="AdobeClean-Light"/>
+              </a:rPr>
+              <a:t>Launch</a:t>
+            </a:r>
+            <a:r>
+              <a:rPr lang="pt-BR" sz="1000" dirty="0">
+                <a:solidFill>
+                  <a:srgbClr val="4B4B4B"/>
+                </a:solidFill>
+                <a:latin typeface="AdobeClean-Light"/>
+                <a:cs typeface="AdobeClean-Light"/>
+              </a:rPr>
+              <a:t> </a:t>
+            </a:r>
+            <a:r>
+              <a:rPr lang="pt-BR" sz="1000" dirty="0" err="1">
+                <a:solidFill>
+                  <a:srgbClr val="4B4B4B"/>
+                </a:solidFill>
+                <a:latin typeface="AdobeClean-Light"/>
+                <a:cs typeface="AdobeClean-Light"/>
+              </a:rPr>
+              <a:t>Advisory</a:t>
+            </a:r>
+            <a:r>
+              <a:rPr lang="pt-BR" sz="1000" dirty="0">
+                <a:solidFill>
+                  <a:srgbClr val="4B4B4B"/>
+                </a:solidFill>
+                <a:latin typeface="AdobeClean-Light"/>
+                <a:cs typeface="AdobeClean-Light"/>
+              </a:rPr>
+              <a:t> estiver ativo, </a:t>
+            </a:r>
+            <a:r>
+              <a:rPr lang="pt-BR" sz="1000" b="1" dirty="0">
                 <a:solidFill>
                   <a:srgbClr val="4B4B4B"/>
                 </a:solidFill>
@@ -11051,7 +11440,7 @@
               <a:t>não haverá Serviços de campo no ano 1</a:t>
             </a:r>
             <a:r>
-              <a:rPr lang="pt-BR" sz="1000">
+              <a:rPr lang="pt-BR" sz="1000" dirty="0">
                 <a:solidFill>
                   <a:srgbClr val="4B4B4B"/>
                 </a:solidFill>
@@ -11155,8 +11544,8 @@
         </p:nvSpPr>
         <p:spPr>
           <a:xfrm>
-            <a:off x="263464" y="5348732"/>
-            <a:ext cx="3428816" cy="482600"/>
+            <a:off x="263463" y="5348732"/>
+            <a:ext cx="3474719" cy="482600"/>
           </a:xfrm>
           <a:prstGeom prst="rect">
             <a:avLst/>
@@ -11181,7 +11570,48 @@
                 <a:latin typeface="AdobeClean-Light"/>
                 <a:cs typeface="AdobeClean-Light"/>
               </a:rPr>
-              <a:t>O Launch Advisory se alinhará com o agendamento do seu projeto por meio de marcos comuns (Início, Definição, Projeto, Lançamento e Pós-lançamento) para guiar, validar, avaliar e fazer recomendações.</a:t>
+              <a:t>O </a:t>
+            </a:r>
+            <a:r>
+              <a:rPr lang="pt-BR" sz="1000" dirty="0" err="1">
+                <a:latin typeface="AdobeClean-Light"/>
+                <a:cs typeface="AdobeClean-Light"/>
+              </a:rPr>
+              <a:t>Launch</a:t>
+            </a:r>
+            <a:r>
+              <a:rPr lang="pt-BR" sz="1000" dirty="0">
+                <a:latin typeface="AdobeClean-Light"/>
+                <a:cs typeface="AdobeClean-Light"/>
+              </a:rPr>
+              <a:t> </a:t>
+            </a:r>
+            <a:r>
+              <a:rPr lang="pt-BR" sz="1000" dirty="0" err="1">
+                <a:latin typeface="AdobeClean-Light"/>
+                <a:cs typeface="AdobeClean-Light"/>
+              </a:rPr>
+              <a:t>Advisory</a:t>
+            </a:r>
+            <a:r>
+              <a:rPr lang="pt-BR" sz="1000" dirty="0">
+                <a:latin typeface="AdobeClean-Light"/>
+                <a:cs typeface="AdobeClean-Light"/>
+              </a:rPr>
+              <a:t> se alinhará com o agendamento do seu projeto por meio de marcos comuns (Início, Definição, Projeto, Lançamento </a:t>
+            </a:r>
+            <a:br>
+              <a:rPr lang="pt-BR" sz="1000" dirty="0">
+                <a:latin typeface="AdobeClean-Light"/>
+                <a:cs typeface="AdobeClean-Light"/>
+              </a:rPr>
+            </a:br>
+            <a:r>
+              <a:rPr lang="pt-BR" sz="1000" dirty="0">
+                <a:latin typeface="AdobeClean-Light"/>
+                <a:cs typeface="AdobeClean-Light"/>
+              </a:rPr>
+              <a:t>e Pós-lançamento) para guiar, validar, avaliar e fazer recomendações.</a:t>
             </a:r>
           </a:p>
         </p:txBody>
@@ -11194,8 +11624,8 @@
         </p:nvSpPr>
         <p:spPr>
           <a:xfrm>
-            <a:off x="263464" y="5982714"/>
-            <a:ext cx="1565336" cy="166712"/>
+            <a:off x="263463" y="5982715"/>
+            <a:ext cx="2687063" cy="166712"/>
           </a:xfrm>
           <a:prstGeom prst="rect">
             <a:avLst/>
@@ -11307,7 +11737,7 @@
         <p:spPr>
           <a:xfrm>
             <a:off x="263463" y="4126991"/>
-            <a:ext cx="3428817" cy="1070610"/>
+            <a:ext cx="3365805" cy="1070610"/>
           </a:xfrm>
           <a:prstGeom prst="rect">
             <a:avLst/>
@@ -11385,7 +11815,7 @@
           <p:nvPr/>
         </p:nvPicPr>
         <p:blipFill>
-          <a:blip r:embed="rId3">
+          <a:blip r:embed="rId3" cstate="print">
             <a:extLst>
               <a:ext uri="{28A0092B-C50C-407E-A947-70E740481C1C}">
                 <a14:useLocalDpi xmlns:a14="http://schemas.microsoft.com/office/drawing/2010/main" val="0"/>
@@ -11397,8 +11827,8 @@
         </p:blipFill>
         <p:spPr>
           <a:xfrm>
-            <a:off x="363328" y="6932449"/>
-            <a:ext cx="3053821" cy="2815984"/>
+            <a:off x="363328" y="6930986"/>
+            <a:ext cx="3053821" cy="2818911"/>
           </a:xfrm>
           <a:prstGeom prst="rect">
             <a:avLst/>
@@ -11413,8 +11843,8 @@
         </p:nvSpPr>
         <p:spPr>
           <a:xfrm>
-            <a:off x="3947346" y="5363972"/>
-            <a:ext cx="3335020" cy="805029"/>
+            <a:off x="3947346" y="5297068"/>
+            <a:ext cx="3361232" cy="805029"/>
           </a:xfrm>
           <a:prstGeom prst="rect">
             <a:avLst/>
@@ -11436,30 +11866,50 @@
             </a:pPr>
             <a:r>
               <a:rPr lang="pt-BR" sz="1000" b="1" dirty="0">
-                <a:latin typeface="Arial"/>
+                <a:latin typeface="Adobe Clean" panose="020B0503020404020204" pitchFamily="34" charset="0"/>
                 <a:cs typeface="Arial"/>
               </a:rPr>
               <a:t>As Atividades técnicas</a:t>
+            </a:r>
+            <a:r>
+              <a:rPr lang="pt-BR" sz="1000" dirty="0">
+                <a:latin typeface="Adobe Clean" panose="020B0503020404020204" pitchFamily="34" charset="0"/>
+                <a:cs typeface="AdobeClean-Light"/>
+              </a:rPr>
+              <a:t> </a:t>
             </a:r>
             <a:r>
               <a:rPr lang="pt-BR" sz="1000" dirty="0">
                 <a:latin typeface="AdobeClean-Light"/>
                 <a:cs typeface="AdobeClean-Light"/>
               </a:rPr>
-              <a:t> verificam se os clientes estão apresentando solidez técnica e aproveitando ao máximo sua adoção de ferramentas. Especificamente, essas atividades incluem suporte e recomendações relacionados a configurações </a:t>
+              <a:t>verificam se os clientes estão apresentando solidez técnica e aproveitando ao máximo sua adoção </a:t>
             </a:r>
             <a:br>
-              <a:rPr lang="sk-SK" sz="1000" dirty="0">
-                <a:latin typeface="AdobeClean-Light"/>
-                <a:cs typeface="AdobeClean-Light"/>
-              </a:rPr>
-            </a:br>
-            <a:r>
               <a:rPr lang="pt-BR" sz="1000" dirty="0">
                 <a:latin typeface="AdobeClean-Light"/>
                 <a:cs typeface="AdobeClean-Light"/>
               </a:rPr>
-              <a:t>da plataforma, integrações e solução de problemas</a:t>
+            </a:br>
+            <a:r>
+              <a:rPr lang="pt-BR" sz="1000" dirty="0">
+                <a:latin typeface="AdobeClean-Light"/>
+                <a:cs typeface="AdobeClean-Light"/>
+              </a:rPr>
+              <a:t>de ferramentas. Especificamente, esses tipos de atividades incluem suporte e recomendações relacionados a configurações </a:t>
+            </a:r>
+            <a:br>
+              <a:rPr lang="pt-BR" sz="1000" dirty="0">
+                <a:latin typeface="AdobeClean-Light"/>
+                <a:cs typeface="AdobeClean-Light"/>
+              </a:rPr>
+            </a:br>
+            <a:r>
+              <a:rPr lang="pt-BR" sz="1000" dirty="0">
+                <a:latin typeface="AdobeClean-Light"/>
+                <a:cs typeface="AdobeClean-Light"/>
+              </a:rPr>
+              <a:t>da plataforma, integrações e solução de problemas.</a:t>
             </a:r>
           </a:p>
         </p:txBody>
@@ -11498,7 +11948,7 @@
                 <a:latin typeface="AdobeClean-Light"/>
                 <a:cs typeface="AdobeClean-Light"/>
               </a:rPr>
-              <a:t>Tipos de atividades técnicas disponíveis::</a:t>
+              <a:t>Tipos de atividades técnicas disponíveis:</a:t>
             </a:r>
           </a:p>
           <a:p>
@@ -11632,7 +12082,7 @@
         <p:spPr>
           <a:xfrm>
             <a:off x="3942774" y="7717028"/>
-            <a:ext cx="3208655" cy="1989006"/>
+            <a:ext cx="3309979" cy="1989006"/>
           </a:xfrm>
           <a:prstGeom prst="rect">
             <a:avLst/>
@@ -11654,56 +12104,50 @@
             </a:pPr>
             <a:r>
               <a:rPr lang="pt-BR" sz="1000" b="1" dirty="0">
-                <a:latin typeface="Arial"/>
+                <a:latin typeface="Adobe Clean" panose="020B0503020404020204" pitchFamily="34" charset="0"/>
                 <a:cs typeface="Arial"/>
               </a:rPr>
               <a:t>As Atividades estratégicas</a:t>
+            </a:r>
+            <a:r>
+              <a:rPr lang="pt-BR" sz="1000" dirty="0">
+                <a:latin typeface="Adobe Clean" panose="020B0503020404020204" pitchFamily="34" charset="0"/>
+                <a:cs typeface="AdobeClean-Light"/>
+              </a:rPr>
+              <a:t> </a:t>
             </a:r>
             <a:r>
               <a:rPr lang="pt-BR" sz="1000" dirty="0">
                 <a:latin typeface="AdobeClean-Light"/>
                 <a:cs typeface="AdobeClean-Light"/>
               </a:rPr>
-              <a:t> localizam oportunidades para garantir a obtenção de valor com as soluções da Adobe. </a:t>
+              <a:t>localizam oportunidades para garantir a obtenção de valor com as soluções da Adobe. Elas incluem recomendações de suporte relacionadas a estratégia, medição </a:t>
             </a:r>
             <a:br>
-              <a:rPr lang="sk-SK" sz="1000" dirty="0">
-                <a:latin typeface="AdobeClean-Light"/>
-                <a:cs typeface="AdobeClean-Light"/>
-              </a:rPr>
-            </a:br>
-            <a:r>
               <a:rPr lang="pt-BR" sz="1000" dirty="0">
                 <a:latin typeface="AdobeClean-Light"/>
                 <a:cs typeface="AdobeClean-Light"/>
               </a:rPr>
-              <a:t>Elas incluem recomendações de suporte relacionadas </a:t>
-            </a:r>
-            <a:br>
-              <a:rPr lang="sk-SK" sz="1000" dirty="0">
-                <a:latin typeface="AdobeClean-Light"/>
-                <a:cs typeface="AdobeClean-Light"/>
-              </a:rPr>
             </a:br>
             <a:r>
               <a:rPr lang="pt-BR" sz="1000" dirty="0">
                 <a:latin typeface="AdobeClean-Light"/>
                 <a:cs typeface="AdobeClean-Light"/>
               </a:rPr>
-              <a:t>a estratégia, medição e maturidade para impulsionar </a:t>
+              <a:t>e maturidade para impulsionar a obtenção de valor com uma </a:t>
             </a:r>
             <a:br>
-              <a:rPr lang="sk-SK" sz="1000" dirty="0">
-                <a:latin typeface="AdobeClean-Light"/>
-                <a:cs typeface="AdobeClean-Light"/>
-              </a:rPr>
-            </a:br>
-            <a:r>
               <a:rPr lang="pt-BR" sz="1000" dirty="0">
                 <a:latin typeface="AdobeClean-Light"/>
                 <a:cs typeface="AdobeClean-Light"/>
               </a:rPr>
-              <a:t>a obtenção de valor com uma ou mais soluções da Adobe.</a:t>
+            </a:br>
+            <a:r>
+              <a:rPr lang="pt-BR" sz="1000" dirty="0">
+                <a:latin typeface="AdobeClean-Light"/>
+                <a:cs typeface="AdobeClean-Light"/>
+              </a:rPr>
+              <a:t>ou mais soluções da Adobe.</a:t>
             </a:r>
           </a:p>
           <a:p>
@@ -11731,7 +12175,7 @@
                 <a:latin typeface="AdobeClean-Light"/>
                 <a:cs typeface="AdobeClean-Light"/>
               </a:rPr>
-              <a:t>Tipos de atividades estratégicas disponíveis::</a:t>
+              <a:t>Tipos de atividades estratégicas disponíveis:</a:t>
             </a:r>
           </a:p>
           <a:p>
@@ -11825,14 +12269,14 @@
         <p:spPr>
           <a:xfrm>
             <a:off x="3942773" y="4126991"/>
-            <a:ext cx="3275329" cy="969496"/>
+            <a:ext cx="3365805" cy="969496"/>
           </a:xfrm>
           <a:prstGeom prst="rect">
             <a:avLst/>
           </a:prstGeom>
         </p:spPr>
         <p:txBody>
-          <a:bodyPr vert="horz" wrap="square" lIns="0" tIns="12700" rIns="0" bIns="0" rtlCol="0">
+          <a:bodyPr vert="horz" wrap="square" lIns="0" tIns="12700" rIns="0" bIns="0" rtlCol="0" anchor="t">
             <a:spAutoFit/>
           </a:bodyPr>
           <a:lstStyle/>
@@ -11846,7 +12290,7 @@
               </a:spcBef>
             </a:pPr>
             <a:r>
-              <a:rPr lang="pt-BR" sz="1600">
+              <a:rPr lang="pt-BR" sz="1600" dirty="0">
                 <a:solidFill>
                   <a:srgbClr val="FFFFFF"/>
                 </a:solidFill>
@@ -11858,25 +12302,22 @@
           </a:p>
           <a:p>
             <a:pPr marL="12700">
-              <a:lnSpc>
-                <a:spcPct val="100000"/>
-              </a:lnSpc>
               <a:spcBef>
                 <a:spcPts val="1595"/>
               </a:spcBef>
             </a:pPr>
             <a:r>
-              <a:rPr lang="pt-BR" sz="1000">
+              <a:rPr lang="pt-BR" sz="1000" dirty="0">
                 <a:solidFill>
                   <a:srgbClr val="1F1F1F"/>
                 </a:solidFill>
-                <a:latin typeface="Adobe Clean"/>
+                <a:latin typeface="Adobe Clean" panose="020B0503020404020204" pitchFamily="34" charset="0"/>
                 <a:cs typeface="Adobe Clean"/>
               </a:rPr>
               <a:t>Como cliente Elite, você tem direito a</a:t>
             </a:r>
             <a:r>
-              <a:rPr lang="pt-BR" sz="1200">
+              <a:rPr lang="pt-BR" sz="1200" dirty="0">
                 <a:solidFill>
                   <a:srgbClr val="1F1F1F"/>
                 </a:solidFill>
@@ -11885,13 +12326,13 @@
                     <a:srgbClr val="1F1F1F"/>
                   </a:solidFill>
                 </a:uFill>
-                <a:latin typeface="Times New Roman"/>
+                <a:latin typeface="Adobe Clean" panose="020B0503020404020204" pitchFamily="34" charset="0"/>
                 <a:cs typeface="Times New Roman"/>
               </a:rPr>
               <a:t> </a:t>
             </a:r>
             <a:r>
-              <a:rPr lang="pt-BR" sz="1200" u="sng">
+              <a:rPr lang="pt-BR" sz="1200" u="sng" dirty="0">
                 <a:solidFill>
                   <a:srgbClr val="1F1F1F"/>
                 </a:solidFill>
@@ -11900,88 +12341,97 @@
                     <a:srgbClr val="1F1F1F"/>
                   </a:solidFill>
                 </a:uFill>
-                <a:latin typeface="Times New Roman"/>
+                <a:latin typeface="Adobe Clean" panose="020B0503020404020204" pitchFamily="34" charset="0"/>
                 <a:cs typeface="Times New Roman"/>
               </a:rPr>
               <a:t>4</a:t>
             </a:r>
             <a:r>
-              <a:rPr lang="pt-BR" sz="1200" b="1">
+              <a:rPr lang="pt-BR" sz="1200" b="1" dirty="0">
                 <a:solidFill>
                   <a:srgbClr val="1F1F1F"/>
                 </a:solidFill>
-                <a:latin typeface="Arial"/>
+                <a:latin typeface="Adobe Clean" panose="020B0503020404020204" pitchFamily="34" charset="0"/>
                 <a:cs typeface="Arial"/>
               </a:rPr>
               <a:t> </a:t>
             </a:r>
             <a:r>
-              <a:rPr lang="pt-BR" sz="1000" b="1">
+              <a:rPr lang="pt-BR" sz="1000" b="1" dirty="0">
                 <a:solidFill>
                   <a:srgbClr val="1F1F1F"/>
                 </a:solidFill>
-                <a:latin typeface="Arial"/>
+                <a:latin typeface="Adobe Clean" panose="020B0503020404020204" pitchFamily="34" charset="0"/>
                 <a:cs typeface="Arial"/>
               </a:rPr>
-              <a:t>atividades por ano</a:t>
-            </a:r>
-          </a:p>
-          <a:p>
-            <a:pPr marL="12700">
-              <a:lnSpc>
-                <a:spcPct val="100000"/>
-              </a:lnSpc>
-              <a:spcBef>
-                <a:spcPts val="55"/>
-              </a:spcBef>
-            </a:pPr>
-            <a:r>
-              <a:rPr lang="pt-BR" sz="1000">
+              <a:t>atividades por ano </a:t>
+            </a:r>
+            <a:br>
+              <a:rPr lang="pt-BR" sz="1000" b="1" dirty="0">
                 <a:solidFill>
                   <a:srgbClr val="1F1F1F"/>
                 </a:solidFill>
-                <a:latin typeface="Adobe Clean"/>
+                <a:latin typeface="Adobe Clean" panose="020B0503020404020204" pitchFamily="34" charset="0"/>
+                <a:cs typeface="Arial"/>
+              </a:rPr>
+            </a:br>
+            <a:r>
+              <a:rPr lang="pt-BR" sz="1000" dirty="0">
+                <a:solidFill>
+                  <a:srgbClr val="1F1F1F"/>
+                </a:solidFill>
+                <a:latin typeface="Adobe Clean" panose="020B0503020404020204" pitchFamily="34" charset="0"/>
+                <a:cs typeface="Arial"/>
+              </a:rPr>
+              <a:t>entre as opções a seguir:</a:t>
+            </a:r>
+            <a:r>
+              <a:rPr lang="pt-BR" sz="1000" dirty="0">
+                <a:solidFill>
+                  <a:srgbClr val="1F1F1F"/>
+                </a:solidFill>
+                <a:latin typeface="Adobe Clean" panose="020B0503020404020204" pitchFamily="34" charset="0"/>
                 <a:cs typeface="Adobe Clean"/>
               </a:rPr>
-              <a:t>entre as duas opções a seguir: </a:t>
-            </a:r>
-            <a:r>
-              <a:rPr lang="pt-BR" sz="1000" b="1">
+              <a:t> </a:t>
+            </a:r>
+            <a:r>
+              <a:rPr lang="pt-BR" sz="1000" b="1" dirty="0">
                 <a:solidFill>
                   <a:srgbClr val="1F1F1F"/>
                 </a:solidFill>
-                <a:latin typeface="Arial"/>
+                <a:latin typeface="Adobe Clean" panose="020B0503020404020204" pitchFamily="34" charset="0"/>
                 <a:cs typeface="Arial"/>
               </a:rPr>
               <a:t>Atividades técnicas </a:t>
             </a:r>
             <a:r>
-              <a:rPr lang="pt-BR" sz="1000">
+              <a:rPr lang="pt-BR" sz="1000" dirty="0">
                 <a:solidFill>
                   <a:srgbClr val="1F1F1F"/>
                 </a:solidFill>
-                <a:latin typeface="Adobe Clean"/>
+                <a:latin typeface="Adobe Clean" panose="020B0503020404020204" pitchFamily="34" charset="0"/>
                 <a:cs typeface="Adobe Clean"/>
               </a:rPr>
               <a:t>e/ou </a:t>
             </a:r>
             <a:r>
-              <a:rPr lang="pt-BR" sz="1000" b="1">
+              <a:rPr lang="pt-BR" sz="1000" b="1" dirty="0">
                 <a:solidFill>
                   <a:srgbClr val="1F1F1F"/>
                 </a:solidFill>
-                <a:latin typeface="Arial"/>
+                <a:latin typeface="Adobe Clean" panose="020B0503020404020204" pitchFamily="34" charset="0"/>
                 <a:cs typeface="Arial"/>
               </a:rPr>
               <a:t>Atividades estratégicas</a:t>
             </a:r>
             <a:r>
-              <a:rPr lang="pt-BR" sz="1000">
+              <a:rPr lang="pt-BR" sz="1000" dirty="0">
                 <a:solidFill>
                   <a:srgbClr val="1F1F1F"/>
                 </a:solidFill>
-                <a:latin typeface="AdobeClean-Light"/>
-                <a:cs typeface="AdobeClean-Light"/>
+                <a:latin typeface="Adobe Clean" panose="020B0503020404020204" pitchFamily="34" charset="0"/>
+                <a:cs typeface="Arial"/>
               </a:rPr>
               <a:t>.</a:t>
             </a:r>
@@ -11997,7 +12447,7 @@
         <p:spPr>
           <a:xfrm>
             <a:off x="923023" y="538480"/>
-            <a:ext cx="3053878" cy="228268"/>
+            <a:ext cx="3617754" cy="228268"/>
           </a:xfrm>
           <a:prstGeom prst="rect">
             <a:avLst/>
@@ -12018,7 +12468,7 @@
               </a:spcBef>
             </a:pPr>
             <a:r>
-              <a:rPr lang="pt-BR" sz="1400" b="1" dirty="0">
+              <a:rPr lang="pt-BR" sz="1400" b="1">
                 <a:solidFill>
                   <a:srgbClr val="020302"/>
                 </a:solidFill>
@@ -12039,7 +12489,7 @@
         <p:spPr>
           <a:xfrm>
             <a:off x="924894" y="814263"/>
-            <a:ext cx="3052007" cy="45719"/>
+            <a:ext cx="3052007" cy="84239"/>
           </a:xfrm>
           <a:custGeom>
             <a:avLst/>
@@ -12143,8 +12593,8 @@
         </p:nvSpPr>
         <p:spPr>
           <a:xfrm>
-            <a:off x="97787" y="9861195"/>
-            <a:ext cx="2820499" cy="133370"/>
+            <a:off x="97787" y="9861194"/>
+            <a:ext cx="2654800" cy="133370"/>
           </a:xfrm>
           <a:prstGeom prst="rect">
             <a:avLst/>
@@ -12166,7 +12616,39 @@
             </a:pPr>
             <a:r>
               <a:rPr lang="pt-BR" dirty="0"/>
-              <a:t>©2021 Adobe. All Rights Reserved. Adobe Confidential.</a:t>
+              <a:t>©2021 Adobe. </a:t>
+            </a:r>
+            <a:r>
+              <a:rPr lang="pt-BR" dirty="0" err="1"/>
+              <a:t>All</a:t>
+            </a:r>
+            <a:r>
+              <a:rPr lang="pt-BR" dirty="0"/>
+              <a:t> </a:t>
+            </a:r>
+            <a:r>
+              <a:rPr lang="pt-BR" dirty="0" err="1"/>
+              <a:t>Rights</a:t>
+            </a:r>
+            <a:r>
+              <a:rPr lang="pt-BR" dirty="0"/>
+              <a:t> </a:t>
+            </a:r>
+            <a:r>
+              <a:rPr lang="pt-BR" dirty="0" err="1"/>
+              <a:t>Reserved</a:t>
+            </a:r>
+            <a:r>
+              <a:rPr lang="pt-BR" dirty="0"/>
+              <a:t>. Adobe </a:t>
+            </a:r>
+            <a:r>
+              <a:rPr lang="pt-BR" dirty="0" err="1"/>
+              <a:t>Confidential</a:t>
+            </a:r>
+            <a:r>
+              <a:rPr lang="pt-BR" dirty="0"/>
+              <a:t>.</a:t>
             </a:r>
           </a:p>
         </p:txBody>
@@ -12299,8 +12781,8 @@
         </p:nvSpPr>
         <p:spPr>
           <a:xfrm>
-            <a:off x="2918286" y="3429000"/>
-            <a:ext cx="933111" cy="261610"/>
+            <a:off x="2628744" y="3466930"/>
+            <a:ext cx="1426462" cy="400110"/>
           </a:xfrm>
           <a:prstGeom prst="rect">
             <a:avLst/>
@@ -12315,8 +12797,15 @@
           <a:p>
             <a:pPr algn="ctr"/>
             <a:r>
-              <a:rPr lang="pt-BR" sz="1100" dirty="0"/>
-              <a:t>Pós-lançamento</a:t>
+              <a:rPr lang="pt-BR" sz="1000" dirty="0"/>
+              <a:t>Pós-</a:t>
+            </a:r>
+            <a:br>
+              <a:rPr lang="pt-BR" sz="1000" dirty="0"/>
+            </a:br>
+            <a:r>
+              <a:rPr lang="pt-BR" sz="1000" dirty="0"/>
+              <a:t>lançamento</a:t>
             </a:r>
           </a:p>
         </p:txBody>
@@ -12335,8 +12824,8 @@
         </p:nvSpPr>
         <p:spPr>
           <a:xfrm>
-            <a:off x="2236134" y="3586760"/>
-            <a:ext cx="826006" cy="261610"/>
+            <a:off x="2165411" y="3586760"/>
+            <a:ext cx="957926" cy="246221"/>
           </a:xfrm>
           <a:prstGeom prst="rect">
             <a:avLst/>
@@ -12351,7 +12840,7 @@
           <a:p>
             <a:pPr algn="ctr"/>
             <a:r>
-              <a:rPr lang="pt-BR" sz="1100"/>
+              <a:rPr lang="pt-BR" sz="1000" dirty="0"/>
               <a:t>Lançamento</a:t>
             </a:r>
           </a:p>
@@ -12372,7 +12861,7 @@
         <p:spPr>
           <a:xfrm>
             <a:off x="878679" y="3589913"/>
-            <a:ext cx="826006" cy="261610"/>
+            <a:ext cx="826006" cy="246221"/>
           </a:xfrm>
           <a:prstGeom prst="rect">
             <a:avLst/>
@@ -12387,7 +12876,7 @@
           <a:p>
             <a:pPr algn="ctr"/>
             <a:r>
-              <a:rPr lang="pt-BR" sz="1100"/>
+              <a:rPr lang="pt-BR" sz="1000"/>
               <a:t>Definição</a:t>
             </a:r>
           </a:p>
@@ -12408,7 +12897,7 @@
         <p:spPr>
           <a:xfrm>
             <a:off x="205422" y="3599713"/>
-            <a:ext cx="826006" cy="261610"/>
+            <a:ext cx="826006" cy="246221"/>
           </a:xfrm>
           <a:prstGeom prst="rect">
             <a:avLst/>
@@ -12423,7 +12912,7 @@
           <a:p>
             <a:pPr algn="ctr"/>
             <a:r>
-              <a:rPr lang="pt-BR" sz="1100"/>
+              <a:rPr lang="pt-BR" sz="1000"/>
               <a:t>Início</a:t>
             </a:r>
           </a:p>
@@ -12444,7 +12933,7 @@
         <p:spPr>
           <a:xfrm>
             <a:off x="1558548" y="3589913"/>
-            <a:ext cx="826006" cy="261610"/>
+            <a:ext cx="826006" cy="246221"/>
           </a:xfrm>
           <a:prstGeom prst="rect">
             <a:avLst/>
@@ -12459,7 +12948,7 @@
           <a:p>
             <a:pPr algn="ctr"/>
             <a:r>
-              <a:rPr lang="pt-BR" sz="1100"/>
+              <a:rPr lang="pt-BR" sz="1000"/>
               <a:t>Projeto</a:t>
             </a:r>
           </a:p>
@@ -12543,7 +13032,7 @@
         </p:nvSpPr>
         <p:spPr>
           <a:xfrm>
-            <a:off x="5265661" y="1596978"/>
+            <a:off x="5265661" y="1471646"/>
             <a:ext cx="2194560" cy="536622"/>
           </a:xfrm>
           <a:prstGeom prst="rect">
@@ -12571,7 +13060,24 @@
                 </a:solidFill>
                 <a:latin typeface="Adobe Clean Light" panose="020B0303020404020204" pitchFamily="34" charset="0"/>
               </a:rPr>
-              <a:t>Adoção de práticas recomendadas de personalização e dos componentes principais no AEM as a Cloud Service</a:t>
+              <a:t>Adoção de práticas recomendadas </a:t>
+            </a:r>
+            <a:br>
+              <a:rPr lang="pt-BR" sz="1000" dirty="0">
+                <a:solidFill>
+                  <a:srgbClr val="4B4B4B"/>
+                </a:solidFill>
+                <a:latin typeface="Adobe Clean Light" panose="020B0303020404020204" pitchFamily="34" charset="0"/>
+              </a:rPr>
+            </a:br>
+            <a:r>
+              <a:rPr lang="pt-BR" sz="1000" dirty="0">
+                <a:solidFill>
+                  <a:srgbClr val="4B4B4B"/>
+                </a:solidFill>
+                <a:latin typeface="Adobe Clean Light" panose="020B0303020404020204" pitchFamily="34" charset="0"/>
+              </a:rPr>
+              <a:t>de personalização e dos componentes principais no AEM as a Cloud Service.</a:t>
             </a:r>
           </a:p>
         </p:txBody>
@@ -12590,7 +13096,7 @@
         </p:nvSpPr>
         <p:spPr>
           <a:xfrm>
-            <a:off x="2835999" y="1416224"/>
+            <a:off x="2835999" y="1464006"/>
             <a:ext cx="2194560" cy="717376"/>
           </a:xfrm>
           <a:prstGeom prst="rect">
@@ -12618,7 +13124,7 @@
                 </a:solidFill>
                 <a:latin typeface="Adobe Clean Light" panose="020B0303020404020204" pitchFamily="34" charset="0"/>
               </a:rPr>
-              <a:t>Identificação, revisão e recomendações sobre áreas personalizadas da adoção de soluções com oportunidades de otimização</a:t>
+              <a:t>Identificação, revisão e recomendações sobre áreas personalizadas da adoção de soluções com oportunidades de otimização.</a:t>
             </a:r>
           </a:p>
         </p:txBody>
@@ -12665,7 +13171,7 @@
                 </a:solidFill>
                 <a:latin typeface="Adobe Clean Light" panose="020B0303020404020204" pitchFamily="34" charset="0"/>
               </a:rPr>
-              <a:t>Governança técnica e operacional para auxiliar os clientes do AEM as a Cloud Service a seguirem os padrões do setor e as práticas recomendadas do AEM as a Cloud Service</a:t>
+              <a:t>Governança técnica e operacional para auxiliar os clientes do AEM as a Cloud Service a seguirem os padrões do setor e as práticas recomendadas do AEM as a Cloud Service.</a:t>
             </a:r>
           </a:p>
         </p:txBody>
@@ -12684,8 +13190,8 @@
         </p:nvSpPr>
         <p:spPr>
           <a:xfrm>
-            <a:off x="5181600" y="936612"/>
-            <a:ext cx="1972258" cy="646331"/>
+            <a:off x="5181599" y="784958"/>
+            <a:ext cx="1998943" cy="646331"/>
           </a:xfrm>
           <a:prstGeom prst="rect">
             <a:avLst/>
@@ -12716,7 +13222,7 @@
               <a:t>Práticas recomendadas </a:t>
             </a:r>
             <a:br>
-              <a:rPr lang="sk-SK" sz="1200" b="1" dirty="0">
+              <a:rPr lang="pt-BR" sz="1200" b="1" dirty="0">
                 <a:solidFill>
                   <a:srgbClr val="020302"/>
                 </a:solidFill>
@@ -12752,7 +13258,7 @@
         <p:spPr>
           <a:xfrm>
             <a:off x="2752587" y="908302"/>
-            <a:ext cx="2135785" cy="461665"/>
+            <a:ext cx="2194559" cy="461665"/>
           </a:xfrm>
           <a:prstGeom prst="rect">
             <a:avLst/>
@@ -12831,7 +13337,7 @@
               <a:t>Governança para o AEM </a:t>
             </a:r>
             <a:br>
-              <a:rPr lang="sk-SK" sz="1200" b="1" dirty="0">
+              <a:rPr lang="pt-BR" sz="1200" b="1" dirty="0">
                 <a:solidFill>
                   <a:srgbClr val="020302"/>
                 </a:solidFill>
@@ -13056,7 +13562,7 @@
         <p:spPr>
           <a:xfrm>
             <a:off x="6754821" y="9283729"/>
-            <a:ext cx="930275" cy="662305"/>
+            <a:ext cx="1017579" cy="662305"/>
           </a:xfrm>
           <a:prstGeom prst="rect">
             <a:avLst/>
@@ -13077,7 +13583,7 @@
               </a:spcBef>
             </a:pPr>
             <a:r>
-              <a:rPr lang="pt-BR" sz="800">
+              <a:rPr lang="pt-BR" sz="800" dirty="0">
                 <a:solidFill>
                   <a:srgbClr val="777879"/>
                 </a:solidFill>
@@ -13094,7 +13600,7 @@
               </a:lnSpc>
             </a:pPr>
             <a:r>
-              <a:rPr lang="pt-BR" sz="800">
+              <a:rPr lang="pt-BR" sz="800" dirty="0">
                 <a:solidFill>
                   <a:srgbClr val="777879"/>
                 </a:solidFill>
@@ -13111,7 +13617,7 @@
               </a:lnSpc>
             </a:pPr>
             <a:r>
-              <a:rPr lang="pt-BR" sz="800">
+              <a:rPr lang="pt-BR" sz="800" dirty="0">
                 <a:solidFill>
                   <a:srgbClr val="777879"/>
                 </a:solidFill>
@@ -13131,7 +13637,7 @@
               </a:spcBef>
             </a:pPr>
             <a:r>
-              <a:rPr lang="pt-BR" sz="800">
+              <a:rPr lang="pt-BR" sz="800" dirty="0">
                 <a:solidFill>
                   <a:srgbClr val="777879"/>
                 </a:solidFill>
@@ -13151,7 +13657,7 @@
               </a:spcBef>
             </a:pPr>
             <a:r>
-              <a:rPr lang="pt-BR" sz="800" u="sng">
+              <a:rPr lang="pt-BR" sz="800" u="sng" dirty="0">
                 <a:solidFill>
                   <a:srgbClr val="5F5F5F"/>
                 </a:solidFill>
@@ -13319,7 +13825,7 @@
         <p:spPr>
           <a:xfrm>
             <a:off x="75947" y="9437110"/>
-            <a:ext cx="5715253" cy="570865"/>
+            <a:ext cx="5758371" cy="570865"/>
           </a:xfrm>
           <a:prstGeom prst="rect">
             <a:avLst/>
@@ -13347,26 +13853,7 @@
                 <a:latin typeface="AdobeClean-LightIt"/>
                 <a:cs typeface="AdobeClean-LightIt"/>
               </a:rPr>
-              <a:t>Para saber mais sobre os Serviços de suporte Adobe e identificar o nível certo para você, entre em contato </a:t>
-            </a:r>
-            <a:br>
-              <a:rPr lang="sk-SK" sz="1100" i="1" dirty="0">
-                <a:solidFill>
-                  <a:srgbClr val="777879"/>
-                </a:solidFill>
-                <a:latin typeface="AdobeClean-LightIt"/>
-                <a:cs typeface="AdobeClean-LightIt"/>
-              </a:rPr>
-            </a:br>
-            <a:r>
-              <a:rPr lang="pt-BR" sz="1100" i="1" dirty="0">
-                <a:solidFill>
-                  <a:srgbClr val="777879"/>
-                </a:solidFill>
-                <a:latin typeface="AdobeClean-LightIt"/>
-                <a:cs typeface="AdobeClean-LightIt"/>
-              </a:rPr>
-              <a:t>com o seu Gerente de conta nomeado (NAM, em inglês) ou Gerente de sucesso do cliente (CSM, em inglês).</a:t>
+              <a:t>Para saber mais sobre os Serviços de suporte Adobe e identificar o nível certo para você, entre em contato com o seu Gerente de conta nomeado (NAM, em inglês) ou Gerente de sucesso do cliente (CSM, em inglês).</a:t>
             </a:r>
           </a:p>
           <a:p>
@@ -13386,7 +13873,87 @@
                 <a:latin typeface="Adobe Clean"/>
                 <a:cs typeface="Adobe Clean"/>
               </a:rPr>
-              <a:t>©2021 Adobe. All Rights Reserved. Adobe Confidential.</a:t>
+              <a:t>©2021 Adobe. </a:t>
+            </a:r>
+            <a:r>
+              <a:rPr lang="pt-BR" sz="800" dirty="0" err="1">
+                <a:solidFill>
+                  <a:srgbClr val="6D6D6D"/>
+                </a:solidFill>
+                <a:latin typeface="Adobe Clean"/>
+                <a:cs typeface="Adobe Clean"/>
+              </a:rPr>
+              <a:t>All</a:t>
+            </a:r>
+            <a:r>
+              <a:rPr lang="pt-BR" sz="800" dirty="0">
+                <a:solidFill>
+                  <a:srgbClr val="6D6D6D"/>
+                </a:solidFill>
+                <a:latin typeface="Adobe Clean"/>
+                <a:cs typeface="Adobe Clean"/>
+              </a:rPr>
+              <a:t> </a:t>
+            </a:r>
+            <a:r>
+              <a:rPr lang="pt-BR" sz="800" dirty="0" err="1">
+                <a:solidFill>
+                  <a:srgbClr val="6D6D6D"/>
+                </a:solidFill>
+                <a:latin typeface="Adobe Clean"/>
+                <a:cs typeface="Adobe Clean"/>
+              </a:rPr>
+              <a:t>Rights</a:t>
+            </a:r>
+            <a:r>
+              <a:rPr lang="pt-BR" sz="800" dirty="0">
+                <a:solidFill>
+                  <a:srgbClr val="6D6D6D"/>
+                </a:solidFill>
+                <a:latin typeface="Adobe Clean"/>
+                <a:cs typeface="Adobe Clean"/>
+              </a:rPr>
+              <a:t> </a:t>
+            </a:r>
+            <a:r>
+              <a:rPr lang="pt-BR" sz="800" dirty="0" err="1">
+                <a:solidFill>
+                  <a:srgbClr val="6D6D6D"/>
+                </a:solidFill>
+                <a:latin typeface="Adobe Clean"/>
+                <a:cs typeface="Adobe Clean"/>
+              </a:rPr>
+              <a:t>Reserved</a:t>
+            </a:r>
+            <a:r>
+              <a:rPr lang="pt-BR" sz="800" dirty="0">
+                <a:solidFill>
+                  <a:srgbClr val="6D6D6D"/>
+                </a:solidFill>
+                <a:latin typeface="Adobe Clean"/>
+                <a:cs typeface="Adobe Clean"/>
+              </a:rPr>
+              <a:t>. Adobe </a:t>
+            </a:r>
+            <a:r>
+              <a:rPr lang="pt-BR" sz="800" dirty="0" err="1">
+                <a:solidFill>
+                  <a:srgbClr val="6D6D6D"/>
+                </a:solidFill>
+                <a:latin typeface="Adobe Clean"/>
+                <a:cs typeface="Adobe Clean"/>
+              </a:rPr>
+              <a:t>Confidential</a:t>
+            </a:r>
+            <a:r>
+              <a:rPr lang="pt-BR" sz="800" dirty="0">
+                <a:solidFill>
+                  <a:srgbClr val="6D6D6D"/>
+                </a:solidFill>
+                <a:latin typeface="Adobe Clean"/>
+                <a:cs typeface="Adobe Clean"/>
+              </a:rPr>
+              <a:t>.</a:t>
             </a:r>
           </a:p>
         </p:txBody>
@@ -13424,7 +13991,7 @@
               </a:spcBef>
             </a:pPr>
             <a:r>
-              <a:rPr lang="pt-BR" sz="1400" b="1">
+              <a:rPr lang="pt-BR" sz="1400" b="1" dirty="0">
                 <a:solidFill>
                   <a:srgbClr val="020302"/>
                 </a:solidFill>
@@ -13441,13 +14008,30 @@
               </a:spcBef>
             </a:pPr>
             <a:r>
-              <a:rPr lang="pt-BR" sz="1000">
+              <a:rPr lang="pt-BR" sz="1000" dirty="0">
                 <a:solidFill>
                   <a:srgbClr val="1F1F1F"/>
                 </a:solidFill>
                 <a:latin typeface="AdobeClean-Light"/>
               </a:rPr>
-              <a:t>O escopo regional do Suporte da Adobe é estabelecido alinhando o endereço de faturamento do cliente (conforme a ordem de venda ou outro documento de compra do Suporte da Adobe) a uma das regiões seguintes:</a:t>
+              <a:t>O escopo regional do Suporte da Adobe é estabelecido alinhando o endereço de faturamento do cliente (conforme a ordem de venda </a:t>
+            </a:r>
+            <a:br>
+              <a:rPr lang="pt-BR" sz="1000" dirty="0">
+                <a:solidFill>
+                  <a:srgbClr val="1F1F1F"/>
+                </a:solidFill>
+                <a:latin typeface="AdobeClean-Light"/>
+              </a:rPr>
+            </a:br>
+            <a:r>
+              <a:rPr lang="pt-BR" sz="1000" dirty="0">
+                <a:solidFill>
+                  <a:srgbClr val="1F1F1F"/>
+                </a:solidFill>
+                <a:latin typeface="AdobeClean-Light"/>
+              </a:rPr>
+              <a:t>ou outro documento de compra do Suporte da Adobe) a uma das regiões seguintes:</a:t>
             </a:r>
           </a:p>
         </p:txBody>
@@ -13467,7 +14051,7 @@
           <p:nvPr>
             <p:extLst>
               <p:ext uri="{D42A27DB-BD31-4B8C-83A1-F6EECF244321}">
-                <p14:modId xmlns:p14="http://schemas.microsoft.com/office/powerpoint/2010/main" val="3975465108"/>
+                <p14:modId xmlns:p14="http://schemas.microsoft.com/office/powerpoint/2010/main" val="1687314883"/>
               </p:ext>
             </p:extLst>
           </p:nvPr>
@@ -13585,13 +14169,30 @@
                     <a:p>
                       <a:pPr algn="ctr"/>
                       <a:r>
-                        <a:rPr lang="pt-BR" sz="1100">
+                        <a:rPr lang="pt-BR" sz="1100" dirty="0">
                           <a:solidFill>
                             <a:schemeClr val="tx1"/>
                           </a:solidFill>
                           <a:latin typeface="Adobe Clean" panose="020B0503020404020204" pitchFamily="34" charset="0"/>
                         </a:rPr>
-                        <a:t>Europa, Oriente Médio e África</a:t>
+                        <a:t>Europa, Oriente Médio </a:t>
+                      </a:r>
+                      <a:br>
+                        <a:rPr lang="pt-BR" sz="1100" dirty="0">
+                          <a:solidFill>
+                            <a:schemeClr val="tx1"/>
+                          </a:solidFill>
+                          <a:latin typeface="Adobe Clean" panose="020B0503020404020204" pitchFamily="34" charset="0"/>
+                        </a:rPr>
+                      </a:br>
+                      <a:r>
+                        <a:rPr lang="pt-BR" sz="1100" dirty="0">
+                          <a:solidFill>
+                            <a:schemeClr val="tx1"/>
+                          </a:solidFill>
+                          <a:latin typeface="Adobe Clean" panose="020B0503020404020204" pitchFamily="34" charset="0"/>
+                        </a:rPr>
+                        <a:t>e África</a:t>
                       </a:r>
                     </a:p>
                   </a:txBody>
@@ -14077,7 +14678,7 @@
                         <a:buNone/>
                       </a:pPr>
                       <a:r>
-                        <a:rPr lang="pt-BR" sz="1100">
+                        <a:rPr lang="pt-BR" sz="1100" dirty="0">
                           <a:solidFill>
                             <a:schemeClr val="tx1"/>
                           </a:solidFill>
@@ -14122,7 +14723,7 @@
                     <a:p>
                       <a:pPr algn="ctr"/>
                       <a:r>
-                        <a:rPr lang="pt-BR" sz="1100" i="0">
+                        <a:rPr lang="pt-BR" sz="1100" i="0" dirty="0">
                           <a:solidFill>
                             <a:schemeClr val="tx1"/>
                           </a:solidFill>
@@ -14131,7 +14732,7 @@
                         <a:t> </a:t>
                       </a:r>
                       <a:r>
-                        <a:rPr lang="pt-BR" sz="1100" i="0" baseline="30000">
+                        <a:rPr lang="pt-BR" sz="1100" i="0" baseline="30000" dirty="0">
                           <a:solidFill>
                             <a:schemeClr val="tx1"/>
                           </a:solidFill>
@@ -14140,7 +14741,7 @@
                         <a:t>1</a:t>
                       </a:r>
                       <a:r>
-                        <a:rPr lang="pt-BR" sz="1100" i="0">
+                        <a:rPr lang="pt-BR" sz="1100" i="0" dirty="0">
                           <a:solidFill>
                             <a:schemeClr val="tx1"/>
                           </a:solidFill>
@@ -14203,7 +14804,7 @@
                     <a:bodyPr/>
                     <a:lstStyle/>
                     <a:p>
-                      <a:endParaRPr lang="en-US" sz="1100" dirty="0">
+                      <a:endParaRPr lang="en-US" sz="1100">
                         <a:solidFill>
                           <a:schemeClr val="tx1"/>
                         </a:solidFill>
@@ -14264,7 +14865,7 @@
                     <a:bodyPr/>
                     <a:lstStyle/>
                     <a:p>
-                      <a:endParaRPr lang="en-US" sz="1100" dirty="0">
+                      <a:endParaRPr lang="en-US" sz="1100">
                         <a:solidFill>
                           <a:schemeClr val="tx1"/>
                         </a:solidFill>
@@ -14325,7 +14926,7 @@
                     <a:bodyPr/>
                     <a:lstStyle/>
                     <a:p>
-                      <a:endParaRPr lang="en-US" sz="1100" dirty="0">
+                      <a:endParaRPr lang="en-US" sz="1100">
                         <a:solidFill>
                           <a:schemeClr val="tx1"/>
                         </a:solidFill>
@@ -14537,7 +15138,7 @@
         </p:nvSpPr>
         <p:spPr>
           <a:xfrm>
-            <a:off x="4675505" y="8541244"/>
+            <a:off x="4732495" y="8541244"/>
             <a:ext cx="810895" cy="382797"/>
           </a:xfrm>
           <a:prstGeom prst="rect">
@@ -14585,8 +15186,8 @@
         </p:nvSpPr>
         <p:spPr>
           <a:xfrm>
-            <a:off x="6477000" y="8543943"/>
-            <a:ext cx="810895" cy="382797"/>
+            <a:off x="6323764" y="8543943"/>
+            <a:ext cx="1111250" cy="385445"/>
           </a:xfrm>
           <a:prstGeom prst="rect">
             <a:avLst/>
@@ -14598,7 +15199,7 @@
           </a:bodyPr>
           <a:lstStyle/>
           <a:p>
-            <a:pPr marR="5080" algn="ctr">
+            <a:pPr marL="9525" marR="5080" algn="ctr">
               <a:lnSpc>
                 <a:spcPts val="1390"/>
               </a:lnSpc>
@@ -14634,14 +15235,14 @@
           <p:nvPr>
             <p:extLst>
               <p:ext uri="{D42A27DB-BD31-4B8C-83A1-F6EECF244321}">
-                <p14:modId xmlns:p14="http://schemas.microsoft.com/office/powerpoint/2010/main" val="4063016508"/>
+                <p14:modId xmlns:p14="http://schemas.microsoft.com/office/powerpoint/2010/main" val="1013196607"/>
               </p:ext>
             </p:extLst>
           </p:nvPr>
         </p:nvGraphicFramePr>
         <p:xfrm>
-          <a:off x="194236" y="1059345"/>
-          <a:ext cx="7368291" cy="3388360"/>
+          <a:off x="194236" y="1096055"/>
+          <a:ext cx="7368291" cy="3235960"/>
         </p:xfrm>
         <a:graphic>
           <a:graphicData uri="http://schemas.openxmlformats.org/drawingml/2006/table">
@@ -14650,14 +15251,14 @@
                 <a:tableStyleId>{5C22544A-7EE6-4342-B048-85BDC9FD1C3A}</a:tableStyleId>
               </a:tblPr>
               <a:tblGrid>
-                <a:gridCol w="3691964">
+                <a:gridCol w="3548113">
                   <a:extLst>
                     <a:ext uri="{9D8B030D-6E8A-4147-A177-3AD203B41FA5}">
                       <a16:colId xmlns:a16="http://schemas.microsoft.com/office/drawing/2014/main" val="2364693614"/>
                     </a:ext>
                   </a:extLst>
                 </a:gridCol>
-                <a:gridCol w="3676327">
+                <a:gridCol w="3820178">
                   <a:extLst>
                     <a:ext uri="{9D8B030D-6E8A-4147-A177-3AD203B41FA5}">
                       <a16:colId xmlns:a16="http://schemas.microsoft.com/office/drawing/2014/main" val="1545335406"/>
@@ -14672,7 +15273,7 @@
                     <a:lstStyle/>
                     <a:p>
                       <a:r>
-                        <a:rPr lang="pt-BR" sz="1100" b="0">
+                        <a:rPr lang="pt-BR" sz="1100" b="0" dirty="0">
                           <a:solidFill>
                             <a:schemeClr val="tx1"/>
                           </a:solidFill>
@@ -14764,10 +15365,10 @@
                           <a:ea typeface="+mn-ea"/>
                           <a:cs typeface="+mn-cs"/>
                         </a:rPr>
-                        <a:t>A Experience League foi criada para ajudar as empresas a alcançar </a:t>
+                        <a:t>A Experience League foi criada para ajudar as empresas a alcançar o </a:t>
                       </a:r>
                       <a:br>
-                        <a:rPr lang="sk-SK" sz="1000" b="0" dirty="0">
+                        <a:rPr lang="pt-BR" sz="1000" b="0" dirty="0">
                           <a:solidFill>
                             <a:srgbClr val="000000"/>
                           </a:solidFill>
@@ -14785,28 +15386,7 @@
                           <a:ea typeface="+mn-ea"/>
                           <a:cs typeface="+mn-cs"/>
                         </a:rPr>
-                        <a:t>o valor que esperam do seu investimento em produtos da Adobe. </a:t>
-                      </a:r>
-                      <a:br>
-                        <a:rPr lang="sk-SK" sz="1000" b="0" dirty="0">
-                          <a:solidFill>
-                            <a:srgbClr val="000000"/>
-                          </a:solidFill>
-                          <a:latin typeface="Adobe Clean Light" panose="020B0303020404020204" pitchFamily="34" charset="0"/>
-                          <a:ea typeface="+mn-ea"/>
-                          <a:cs typeface="+mn-cs"/>
-                        </a:rPr>
-                      </a:br>
-                      <a:r>
-                        <a:rPr lang="pt-BR" sz="1000" b="0" dirty="0">
-                          <a:solidFill>
-                            <a:srgbClr val="000000"/>
-                          </a:solidFill>
-                          <a:latin typeface="Adobe Clean Light" panose="020B0303020404020204" pitchFamily="34" charset="0"/>
-                          <a:ea typeface="+mn-ea"/>
-                          <a:cs typeface="+mn-cs"/>
-                        </a:rPr>
-                        <a:t>É o local unificado onde os clientes podem aprender, interagir e crescer ao longo de um caminho personalizado de sucesso que inclui tutoriais de autoatendimento, documentação dos produtos, treinamento com instrutores e suporte técnico e da comunidade. </a:t>
+                        <a:t>valor que esperam do seu investimento em produtos da Adobe. É o local unificado onde os clientes podem aprender, interagir e crescer ao longo de um caminho personalizado de sucesso que inclui tutoriais de autoatendimento, documentação dos produtos, treinamento com instrutores e suporte técnico e da comunidade. </a:t>
                       </a:r>
                     </a:p>
                   </a:txBody>
@@ -14983,7 +15563,7 @@
                         <a:defRPr/>
                       </a:pPr>
                       <a:r>
-                        <a:rPr lang="pt-BR" sz="1000">
+                        <a:rPr lang="pt-BR" sz="1000" dirty="0">
                           <a:solidFill>
                             <a:srgbClr val="000000"/>
                           </a:solidFill>
@@ -14991,7 +15571,28 @@
                           <a:ea typeface="+mn-ea"/>
                           <a:cs typeface="+mn-cs"/>
                         </a:rPr>
-                        <a:t>O acesso aos cursos do Adobe Digital Learning Services está disponível na Experience League. Os cursos de aprendizagem incluem lições sob demanda e com instrutores.  É um lugar para adquirir habilidades com reconhecido valor de mercado que você pode pôr em prática para impulsionar o sucesso na sua organização.</a:t>
+                        <a:t>O acesso aos cursos do Adobe Digital Learning Services está disponível </a:t>
+                      </a:r>
+                      <a:br>
+                        <a:rPr lang="pt-BR" sz="1000" dirty="0">
+                          <a:solidFill>
+                            <a:srgbClr val="000000"/>
+                          </a:solidFill>
+                          <a:latin typeface="Adobe Clean Light" panose="020B0303020404020204" pitchFamily="34" charset="0"/>
+                          <a:ea typeface="+mn-ea"/>
+                          <a:cs typeface="+mn-cs"/>
+                        </a:rPr>
+                      </a:br>
+                      <a:r>
+                        <a:rPr lang="pt-BR" sz="1000" dirty="0">
+                          <a:solidFill>
+                            <a:srgbClr val="000000"/>
+                          </a:solidFill>
+                          <a:latin typeface="Adobe Clean Light" panose="020B0303020404020204" pitchFamily="34" charset="0"/>
+                          <a:ea typeface="+mn-ea"/>
+                          <a:cs typeface="+mn-cs"/>
+                        </a:rPr>
+                        <a:t>na Experience League. Os cursos de aprendizagem incluem lições sob demanda e com instrutores.  É um lugar para adquirir habilidades com reconhecido valor de mercado que você pode pôr em prática para impulsionar o sucesso na sua organização.</a:t>
                       </a:r>
                     </a:p>
                   </a:txBody>
@@ -15165,10 +15766,10 @@
                           <a:ea typeface="+mn-ea"/>
                           <a:cs typeface="+mn-cs"/>
                         </a:rPr>
-                        <a:t>O Status.adobe.com transmite as informações de integridade de todos os produtos e serviços da Adobe implantados em ambientes de vários locatários. Os clientes podem escolher suas preferências de subscrição para receber notificações por email sempre que a Adobe criar, atualizar ou resolver um evento de produto. Isso pode incluir manutenção programada ou problemas de serviço com diferentes níveis </a:t>
+                        <a:t>O Status.adobe.com transmite as informações de integridade de todos </a:t>
                       </a:r>
                       <a:br>
-                        <a:rPr lang="sk-SK" sz="1000" dirty="0">
+                        <a:rPr lang="pt-BR" sz="1000" dirty="0">
                           <a:solidFill>
                             <a:srgbClr val="000000"/>
                           </a:solidFill>
@@ -15186,7 +15787,50 @@
                           <a:ea typeface="+mn-ea"/>
                           <a:cs typeface="+mn-cs"/>
                         </a:rPr>
-                        <a:t>de gravidade. </a:t>
+                        <a:t>os produtos e serviços da Adobe implantados em ambientes de vários locatários. Os clientes podem escolher suas preferências de subscrição para receber notificações por </a:t>
+                      </a:r>
+                      <a:r>
+                        <a:rPr lang="pt-BR" sz="1000" dirty="0" err="1">
+                          <a:solidFill>
+                            <a:srgbClr val="000000"/>
+                          </a:solidFill>
+                          <a:latin typeface="Adobe Clean Light" panose="020B0303020404020204" pitchFamily="34" charset="0"/>
+                          <a:ea typeface="+mn-ea"/>
+                          <a:cs typeface="+mn-cs"/>
+                        </a:rPr>
+                        <a:t>email</a:t>
+                      </a:r>
+                      <a:r>
+                        <a:rPr lang="pt-BR" sz="1000" dirty="0">
+                          <a:solidFill>
+                            <a:srgbClr val="000000"/>
+                          </a:solidFill>
+                          <a:latin typeface="Adobe Clean Light" panose="020B0303020404020204" pitchFamily="34" charset="0"/>
+                          <a:ea typeface="+mn-ea"/>
+                          <a:cs typeface="+mn-cs"/>
+                        </a:rPr>
+                        <a:t> sempre que a Adobe criar, atualizar </a:t>
+                      </a:r>
+                      <a:br>
+                        <a:rPr lang="pt-BR" sz="1000" dirty="0">
+                          <a:solidFill>
+                            <a:srgbClr val="000000"/>
+                          </a:solidFill>
+                          <a:latin typeface="Adobe Clean Light" panose="020B0303020404020204" pitchFamily="34" charset="0"/>
+                          <a:ea typeface="+mn-ea"/>
+                          <a:cs typeface="+mn-cs"/>
+                        </a:rPr>
+                      </a:br>
+                      <a:r>
+                        <a:rPr lang="pt-BR" sz="1000" dirty="0">
+                          <a:solidFill>
+                            <a:srgbClr val="000000"/>
+                          </a:solidFill>
+                          <a:latin typeface="Adobe Clean Light" panose="020B0303020404020204" pitchFamily="34" charset="0"/>
+                          <a:ea typeface="+mn-ea"/>
+                          <a:cs typeface="+mn-cs"/>
+                        </a:rPr>
+                        <a:t>ou resolver um evento de produto. Isso pode incluir manutenção programada ou problemas de serviço com diferentes níveis de gravidade. </a:t>
                       </a:r>
                     </a:p>
                   </a:txBody>
@@ -16114,12 +16758,6 @@
 </file>
 
 <file path=customXml/item1.xml><?xml version="1.0" encoding="utf-8"?>
-<p:properties xmlns:p="http://schemas.microsoft.com/office/2006/metadata/properties" xmlns:xsi="http://www.w3.org/2001/XMLSchema-instance" xmlns:pc="http://schemas.microsoft.com/office/infopath/2007/PartnerControls">
-  <documentManagement/>
-</p:properties>
-</file>
-
-<file path=customXml/item2.xml><?xml version="1.0" encoding="utf-8"?>
 <?mso-contentType ?>
 <FormTemplates xmlns="http://schemas.microsoft.com/sharepoint/v3/contenttype/forms">
   <Display>DocumentLibraryForm</Display>
@@ -16128,7 +16766,7 @@
 </FormTemplates>
 </file>
 
-<file path=customXml/item3.xml><?xml version="1.0" encoding="utf-8"?>
+<file path=customXml/item2.xml><?xml version="1.0" encoding="utf-8"?>
 <ct:contentTypeSchema xmlns:ct="http://schemas.microsoft.com/office/2006/metadata/contentType" xmlns:ma="http://schemas.microsoft.com/office/2006/metadata/properties/metaAttributes" ct:_="" ma:_="" ma:contentTypeName="Document" ma:contentTypeID="0x010100E783BF6876BCC646A459363AF21A7736" ma:contentTypeVersion="10" ma:contentTypeDescription="Create a new document." ma:contentTypeScope="" ma:versionID="c4ffda7f4f415767600769e454c2ea87">
   <xsd:schema xmlns:xsd="http://www.w3.org/2001/XMLSchema" xmlns:xs="http://www.w3.org/2001/XMLSchema" xmlns:p="http://schemas.microsoft.com/office/2006/metadata/properties" xmlns:ns2="8a053bff-88be-49e4-9a87-e748e18b8b62" xmlns:ns3="6c8368ec-3776-49b5-a5bb-90648cf9530f" targetNamespace="http://schemas.microsoft.com/office/2006/metadata/properties" ma:root="true" ma:fieldsID="df3ec33bccc23e23bce7bc897fad43d1" ns2:_="" ns3:_="">
     <xsd:import namespace="8a053bff-88be-49e4-9a87-e748e18b8b62"/>
@@ -16333,16 +16971,13 @@
 </ct:contentTypeSchema>
 </file>
 
-<file path=customXml/itemProps1.xml><?xml version="1.0" encoding="utf-8"?>
-<ds:datastoreItem xmlns:ds="http://schemas.openxmlformats.org/officeDocument/2006/customXml" ds:itemID="{CED41536-010B-47B1-9229-B72BE4090090}">
-  <ds:schemaRefs>
-    <ds:schemaRef ds:uri="http://schemas.microsoft.com/office/2006/metadata/properties"/>
-    <ds:schemaRef ds:uri="http://schemas.microsoft.com/office/infopath/2007/PartnerControls"/>
-  </ds:schemaRefs>
-</ds:datastoreItem>
+<file path=customXml/item3.xml><?xml version="1.0" encoding="utf-8"?>
+<p:properties xmlns:p="http://schemas.microsoft.com/office/2006/metadata/properties" xmlns:xsi="http://www.w3.org/2001/XMLSchema-instance" xmlns:pc="http://schemas.microsoft.com/office/infopath/2007/PartnerControls">
+  <documentManagement/>
+</p:properties>
 </file>
 
-<file path=customXml/itemProps2.xml><?xml version="1.0" encoding="utf-8"?>
+<file path=customXml/itemProps1.xml><?xml version="1.0" encoding="utf-8"?>
 <ds:datastoreItem xmlns:ds="http://schemas.openxmlformats.org/officeDocument/2006/customXml" ds:itemID="{669D9D3B-3229-44EE-9964-24A06AE66887}">
   <ds:schemaRefs>
     <ds:schemaRef ds:uri="http://schemas.microsoft.com/sharepoint/v3/contenttype/forms"/>
@@ -16350,21 +16985,30 @@
 </ds:datastoreItem>
 </file>
 
-<file path=customXml/itemProps3.xml><?xml version="1.0" encoding="utf-8"?>
+<file path=customXml/itemProps2.xml><?xml version="1.0" encoding="utf-8"?>
 <ds:datastoreItem xmlns:ds="http://schemas.openxmlformats.org/officeDocument/2006/customXml" ds:itemID="{75C1A8FD-3884-41A0-BE37-D15776C885D1}">
   <ds:schemaRefs>
-    <ds:schemaRef ds:uri="http://schemas.microsoft.com/office/2006/metadata/contentType"/>
-    <ds:schemaRef ds:uri="http://schemas.microsoft.com/office/2006/metadata/properties/metaAttributes"/>
-    <ds:schemaRef ds:uri="http://www.w3.org/2001/XMLSchema"/>
-    <ds:schemaRef ds:uri="http://schemas.microsoft.com/office/2006/metadata/properties"/>
+    <ds:schemaRef ds:uri="6c8368ec-3776-49b5-a5bb-90648cf9530f"/>
     <ds:schemaRef ds:uri="8a053bff-88be-49e4-9a87-e748e18b8b62"/>
-    <ds:schemaRef ds:uri="6c8368ec-3776-49b5-a5bb-90648cf9530f"/>
-    <ds:schemaRef ds:uri="http://schemas.microsoft.com/office/2006/documentManagement/types"/>
-    <ds:schemaRef ds:uri="http://schemas.microsoft.com/office/infopath/2007/PartnerControls"/>
-    <ds:schemaRef ds:uri="http://schemas.openxmlformats.org/package/2006/metadata/core-properties"/>
     <ds:schemaRef ds:uri="http://purl.org/dc/elements/1.1/"/>
     <ds:schemaRef ds:uri="http://purl.org/dc/terms/"/>
     <ds:schemaRef ds:uri="http://schemas.microsoft.com/internal/obd"/>
+    <ds:schemaRef ds:uri="http://schemas.microsoft.com/office/2006/documentManagement/types"/>
+    <ds:schemaRef ds:uri="http://schemas.microsoft.com/office/2006/metadata/contentType"/>
+    <ds:schemaRef ds:uri="http://schemas.microsoft.com/office/2006/metadata/properties"/>
+    <ds:schemaRef ds:uri="http://schemas.microsoft.com/office/2006/metadata/properties/metaAttributes"/>
+    <ds:schemaRef ds:uri="http://schemas.microsoft.com/office/infopath/2007/PartnerControls"/>
+    <ds:schemaRef ds:uri="http://schemas.openxmlformats.org/package/2006/metadata/core-properties"/>
+    <ds:schemaRef ds:uri="http://www.w3.org/2001/XMLSchema"/>
+  </ds:schemaRefs>
+</ds:datastoreItem>
+</file>
+
+<file path=customXml/itemProps3.xml><?xml version="1.0" encoding="utf-8"?>
+<ds:datastoreItem xmlns:ds="http://schemas.openxmlformats.org/officeDocument/2006/customXml" ds:itemID="{CED41536-010B-47B1-9229-B72BE4090090}">
+  <ds:schemaRefs>
+    <ds:schemaRef ds:uri="http://schemas.microsoft.com/office/2006/metadata/properties"/>
+    <ds:schemaRef ds:uri="http://schemas.microsoft.com/office/infopath/2007/PartnerControls"/>
   </ds:schemaRefs>
 </ds:datastoreItem>
 </file>
--- a/help/data-sheets/assets/EliteSupportDatasheet.pptx
+++ b/help/data-sheets/assets/EliteSupportDatasheet.pptx
@@ -159,26 +159,26 @@
 <file path=ppt/changesInfos/changesInfo1.xml><?xml version="1.0" encoding="utf-8"?>
 <pc:chgInfo xmlns:a="http://schemas.openxmlformats.org/drawingml/2006/main" xmlns:r="http://schemas.openxmlformats.org/officeDocument/2006/relationships" xmlns:ac="http://schemas.microsoft.com/office/drawing/2013/main/command" xmlns:pc="http://schemas.microsoft.com/office/powerpoint/2013/main/command">
   <pc:docChgLst>
-    <pc:chgData name="Lauren Schutte" userId="6e08b2d3-447a-4d66-86be-444d50df187f" providerId="ADAL" clId="{0BC4D7A0-4BBD-1B49-BE14-170949F0EA37}"/>
+    <pc:chgData name="Akilah Johnson" userId="2fa3aa60-0c9c-4d06-bae2-795983241227" providerId="ADAL" clId="{4F9F8D59-37FF-0B43-9EF5-31D48C73FC8D}"/>
     <pc:docChg chg="modSld">
-      <pc:chgData name="Lauren Schutte" userId="6e08b2d3-447a-4d66-86be-444d50df187f" providerId="ADAL" clId="{0BC4D7A0-4BBD-1B49-BE14-170949F0EA37}" dt="2021-10-13T19:10:14.671" v="3" actId="1035"/>
+      <pc:chgData name="Akilah Johnson" userId="2fa3aa60-0c9c-4d06-bae2-795983241227" providerId="ADAL" clId="{4F9F8D59-37FF-0B43-9EF5-31D48C73FC8D}" dt="2021-11-24T00:07:01.857" v="8" actId="20577"/>
       <pc:docMkLst>
         <pc:docMk/>
       </pc:docMkLst>
       <pc:sldChg chg="modSp mod">
-        <pc:chgData name="Lauren Schutte" userId="6e08b2d3-447a-4d66-86be-444d50df187f" providerId="ADAL" clId="{0BC4D7A0-4BBD-1B49-BE14-170949F0EA37}" dt="2021-10-13T19:10:14.671" v="3" actId="1035"/>
+        <pc:chgData name="Akilah Johnson" userId="2fa3aa60-0c9c-4d06-bae2-795983241227" providerId="ADAL" clId="{4F9F8D59-37FF-0B43-9EF5-31D48C73FC8D}" dt="2021-11-24T00:07:01.857" v="8" actId="20577"/>
         <pc:sldMkLst>
           <pc:docMk/>
           <pc:sldMk cId="0" sldId="256"/>
         </pc:sldMkLst>
-        <pc:spChg chg="mod">
-          <ac:chgData name="Lauren Schutte" userId="6e08b2d3-447a-4d66-86be-444d50df187f" providerId="ADAL" clId="{0BC4D7A0-4BBD-1B49-BE14-170949F0EA37}" dt="2021-10-13T19:10:14.671" v="3" actId="1035"/>
-          <ac:spMkLst>
+        <pc:graphicFrameChg chg="modGraphic">
+          <ac:chgData name="Akilah Johnson" userId="2fa3aa60-0c9c-4d06-bae2-795983241227" providerId="ADAL" clId="{4F9F8D59-37FF-0B43-9EF5-31D48C73FC8D}" dt="2021-11-24T00:07:01.857" v="8" actId="20577"/>
+          <ac:graphicFrameMkLst>
             <pc:docMk/>
             <pc:sldMk cId="0" sldId="256"/>
-            <ac:spMk id="4" creationId="{00000000-0000-0000-0000-000000000000}"/>
-          </ac:spMkLst>
-        </pc:spChg>
+            <ac:graphicFrameMk id="7" creationId="{00000000-0000-0000-0000-000000000000}"/>
+          </ac:graphicFrameMkLst>
+        </pc:graphicFrameChg>
       </pc:sldChg>
     </pc:docChg>
   </pc:docChgLst>
@@ -203,6 +203,30 @@
             <ac:graphicFrameMk id="7" creationId="{00000000-0000-0000-0000-000000000000}"/>
           </ac:graphicFrameMkLst>
         </pc:graphicFrameChg>
+      </pc:sldChg>
+    </pc:docChg>
+  </pc:docChgLst>
+  <pc:docChgLst>
+    <pc:chgData name="Lauren Schutte" userId="6e08b2d3-447a-4d66-86be-444d50df187f" providerId="ADAL" clId="{0BC4D7A0-4BBD-1B49-BE14-170949F0EA37}"/>
+    <pc:docChg chg="modSld">
+      <pc:chgData name="Lauren Schutte" userId="6e08b2d3-447a-4d66-86be-444d50df187f" providerId="ADAL" clId="{0BC4D7A0-4BBD-1B49-BE14-170949F0EA37}" dt="2021-10-13T19:10:14.671" v="3" actId="1035"/>
+      <pc:docMkLst>
+        <pc:docMk/>
+      </pc:docMkLst>
+      <pc:sldChg chg="modSp mod">
+        <pc:chgData name="Lauren Schutte" userId="6e08b2d3-447a-4d66-86be-444d50df187f" providerId="ADAL" clId="{0BC4D7A0-4BBD-1B49-BE14-170949F0EA37}" dt="2021-10-13T19:10:14.671" v="3" actId="1035"/>
+        <pc:sldMkLst>
+          <pc:docMk/>
+          <pc:sldMk cId="0" sldId="256"/>
+        </pc:sldMkLst>
+        <pc:spChg chg="mod">
+          <ac:chgData name="Lauren Schutte" userId="6e08b2d3-447a-4d66-86be-444d50df187f" providerId="ADAL" clId="{0BC4D7A0-4BBD-1B49-BE14-170949F0EA37}" dt="2021-10-13T19:10:14.671" v="3" actId="1035"/>
+          <ac:spMkLst>
+            <pc:docMk/>
+            <pc:sldMk cId="0" sldId="256"/>
+            <ac:spMk id="4" creationId="{00000000-0000-0000-0000-000000000000}"/>
+          </ac:spMkLst>
+        </pc:spChg>
       </pc:sldChg>
     </pc:docChg>
   </pc:docChgLst>
@@ -261,30 +285,6 @@
       </pc:sldChg>
     </pc:docChg>
   </pc:docChgLst>
-  <pc:docChgLst>
-    <pc:chgData name="Akilah Johnson" userId="2fa3aa60-0c9c-4d06-bae2-795983241227" providerId="ADAL" clId="{4F9F8D59-37FF-0B43-9EF5-31D48C73FC8D}"/>
-    <pc:docChg chg="modSld">
-      <pc:chgData name="Akilah Johnson" userId="2fa3aa60-0c9c-4d06-bae2-795983241227" providerId="ADAL" clId="{4F9F8D59-37FF-0B43-9EF5-31D48C73FC8D}" dt="2021-11-24T00:07:01.857" v="8" actId="20577"/>
-      <pc:docMkLst>
-        <pc:docMk/>
-      </pc:docMkLst>
-      <pc:sldChg chg="modSp mod">
-        <pc:chgData name="Akilah Johnson" userId="2fa3aa60-0c9c-4d06-bae2-795983241227" providerId="ADAL" clId="{4F9F8D59-37FF-0B43-9EF5-31D48C73FC8D}" dt="2021-11-24T00:07:01.857" v="8" actId="20577"/>
-        <pc:sldMkLst>
-          <pc:docMk/>
-          <pc:sldMk cId="0" sldId="256"/>
-        </pc:sldMkLst>
-        <pc:graphicFrameChg chg="modGraphic">
-          <ac:chgData name="Akilah Johnson" userId="2fa3aa60-0c9c-4d06-bae2-795983241227" providerId="ADAL" clId="{4F9F8D59-37FF-0B43-9EF5-31D48C73FC8D}" dt="2021-11-24T00:07:01.857" v="8" actId="20577"/>
-          <ac:graphicFrameMkLst>
-            <pc:docMk/>
-            <pc:sldMk cId="0" sldId="256"/>
-            <ac:graphicFrameMk id="7" creationId="{00000000-0000-0000-0000-000000000000}"/>
-          </ac:graphicFrameMkLst>
-        </pc:graphicFrameChg>
-      </pc:sldChg>
-    </pc:docChg>
-  </pc:docChgLst>
 </pc:chgInfo>
 </file>
 
@@ -370,7 +370,7 @@
           <a:p>
             <a:fld id="{C12E57D6-2086-AA47-A7A4-C0CDE7C14E44}" type="datetimeFigureOut">
               <a:rPr lang="en-US" smtClean="0"/>
-              <a:t>1/20/22</a:t>
+              <a:t>2/14/2022</a:t>
             </a:fld>
             <a:endParaRPr lang="en-US"/>
           </a:p>
@@ -944,7 +944,7 @@
           <a:p>
             <a:fld id="{1D8BD707-D9CF-40AE-B4C6-C98DA3205C09}" type="datetimeFigureOut">
               <a:rPr lang="en-US"/>
-              <a:t>1/20/22</a:t>
+              <a:t>2/14/2022</a:t>
             </a:fld>
             <a:endParaRPr lang="en-US"/>
           </a:p>
@@ -1189,7 +1189,7 @@
           <a:p>
             <a:fld id="{1D8BD707-D9CF-40AE-B4C6-C98DA3205C09}" type="datetimeFigureOut">
               <a:rPr lang="en-US"/>
-              <a:t>1/20/22</a:t>
+              <a:t>2/14/2022</a:t>
             </a:fld>
             <a:endParaRPr lang="en-US"/>
           </a:p>
@@ -1447,7 +1447,7 @@
           <a:p>
             <a:fld id="{1D8BD707-D9CF-40AE-B4C6-C98DA3205C09}" type="datetimeFigureOut">
               <a:rPr lang="en-US"/>
-              <a:t>1/20/22</a:t>
+              <a:t>2/14/2022</a:t>
             </a:fld>
             <a:endParaRPr lang="en-US"/>
           </a:p>
@@ -1639,7 +1639,7 @@
           <a:p>
             <a:fld id="{1D8BD707-D9CF-40AE-B4C6-C98DA3205C09}" type="datetimeFigureOut">
               <a:rPr lang="en-US"/>
-              <a:t>1/20/22</a:t>
+              <a:t>2/14/2022</a:t>
             </a:fld>
             <a:endParaRPr lang="en-US"/>
           </a:p>
@@ -1802,7 +1802,7 @@
           <a:p>
             <a:fld id="{1D8BD707-D9CF-40AE-B4C6-C98DA3205C09}" type="datetimeFigureOut">
               <a:rPr lang="en-US"/>
-              <a:t>1/20/22</a:t>
+              <a:t>2/14/2022</a:t>
             </a:fld>
             <a:endParaRPr lang="en-US"/>
           </a:p>
@@ -2065,7 +2065,7 @@
           <a:p>
             <a:fld id="{1D8BD707-D9CF-40AE-B4C6-C98DA3205C09}" type="datetimeFigureOut">
               <a:rPr lang="en-US"/>
-              <a:t>1/20/22</a:t>
+              <a:t>2/14/2022</a:t>
             </a:fld>
             <a:endParaRPr lang="en-US"/>
           </a:p>
@@ -2340,8 +2340,8 @@
         </p:nvSpPr>
         <p:spPr>
           <a:xfrm>
-            <a:off x="502828" y="65103"/>
-            <a:ext cx="3840572" cy="366767"/>
+            <a:off x="502827" y="65103"/>
+            <a:ext cx="5050247" cy="366767"/>
           </a:xfrm>
           <a:prstGeom prst="rect">
             <a:avLst/>
@@ -2359,16 +2359,9 @@
               </a:spcBef>
             </a:pPr>
             <a:r>
-              <a:rPr sz="2300"/>
-              <a:t>ADOBE </a:t>
-            </a:r>
-            <a:r>
-              <a:rPr lang="en-US" sz="2300"/>
-              <a:t>SUPPORT PLANS</a:t>
-            </a:r>
-            <a:endParaRPr sz="2300">
-              <a:latin typeface="Adobe Clean" panose="020B0503020404020204" pitchFamily="34" charset="0"/>
-            </a:endParaRPr>
+              <a:rPr lang="pt-BR" sz="2300" dirty="0"/>
+              <a:t>PLANOS DE SUPORTE DA ADOBE</a:t>
+            </a:r>
           </a:p>
         </p:txBody>
       </p:sp>
@@ -2402,77 +2395,17 @@
               </a:spcBef>
             </a:pPr>
             <a:r>
-              <a:rPr lang="en-US" sz="1100" spc="-5" dirty="0">
+              <a:rPr lang="pt-BR" sz="1100" dirty="0">
                 <a:solidFill>
                   <a:srgbClr val="FFFFFF"/>
                 </a:solidFill>
                 <a:latin typeface="AdobeClean-Light"/>
                 <a:cs typeface="AdobeClean-Light"/>
               </a:rPr>
-              <a:t>Standard</a:t>
-            </a:r>
-            <a:r>
-              <a:rPr sz="1100" dirty="0">
-                <a:solidFill>
-                  <a:srgbClr val="FFFFFF"/>
-                </a:solidFill>
-                <a:latin typeface="AdobeClean-Light"/>
-                <a:cs typeface="AdobeClean-Light"/>
-              </a:rPr>
-              <a:t> |</a:t>
-            </a:r>
-            <a:r>
-              <a:rPr sz="1100" spc="10" dirty="0">
-                <a:solidFill>
-                  <a:srgbClr val="FFFFFF"/>
-                </a:solidFill>
-                <a:latin typeface="AdobeClean-Light"/>
-                <a:cs typeface="AdobeClean-Light"/>
-              </a:rPr>
-              <a:t> </a:t>
-            </a:r>
-            <a:r>
-              <a:rPr sz="1100" spc="-5" dirty="0">
-                <a:solidFill>
-                  <a:srgbClr val="FFFFFF"/>
-                </a:solidFill>
-                <a:latin typeface="AdobeClean-Light"/>
-                <a:cs typeface="AdobeClean-Light"/>
-              </a:rPr>
-              <a:t>Enterprise</a:t>
-            </a:r>
-            <a:r>
-              <a:rPr sz="1100" spc="10" dirty="0">
-                <a:solidFill>
-                  <a:srgbClr val="FFFFFF"/>
-                </a:solidFill>
-                <a:latin typeface="AdobeClean-Light"/>
-                <a:cs typeface="AdobeClean-Light"/>
-              </a:rPr>
-              <a:t> </a:t>
-            </a:r>
-            <a:r>
-              <a:rPr sz="1100" dirty="0">
-                <a:solidFill>
-                  <a:srgbClr val="FFFFFF"/>
-                </a:solidFill>
-                <a:latin typeface="AdobeClean-Light"/>
-                <a:cs typeface="AdobeClean-Light"/>
-              </a:rPr>
-              <a:t>|</a:t>
-            </a:r>
-            <a:r>
-              <a:rPr sz="1100" spc="5" dirty="0">
-                <a:solidFill>
-                  <a:srgbClr val="FFFFFF"/>
-                </a:solidFill>
-                <a:latin typeface="AdobeClean-Light"/>
-                <a:cs typeface="AdobeClean-Light"/>
-              </a:rPr>
-              <a:t> </a:t>
-            </a:r>
-            <a:r>
-              <a:rPr sz="1100" b="1" spc="-65" dirty="0">
+              <a:t>Standard | Enterprise | </a:t>
+            </a:r>
+            <a:r>
+              <a:rPr lang="pt-BR" sz="1100" b="1" dirty="0">
                 <a:solidFill>
                   <a:srgbClr val="FFFFFF"/>
                 </a:solidFill>
@@ -2481,10 +2414,6 @@
               </a:rPr>
               <a:t>Elite</a:t>
             </a:r>
-            <a:endParaRPr sz="1100" dirty="0">
-              <a:latin typeface="Arial"/>
-              <a:cs typeface="Arial"/>
-            </a:endParaRPr>
           </a:p>
           <a:p>
             <a:pPr marL="12700" marR="1076325">
@@ -2493,21 +2422,14 @@
               </a:spcBef>
             </a:pPr>
             <a:r>
-              <a:rPr lang="en-US" sz="900" dirty="0">
+              <a:rPr lang="pt-BR" sz="900" dirty="0">
                 <a:solidFill>
                   <a:schemeClr val="bg1"/>
                 </a:solidFill>
                 <a:latin typeface="Adobe Clean SemiLight" panose="020B0403020404020204" pitchFamily="34" charset="0"/>
               </a:rPr>
-              <a:t>Adobe provides a comprehensive range of technical resources to help support your business included as part of your Experience Cloud license subscription and further enhanced in the ELITE support package. ELITE support includes access to personalized learning paths and monitored community forums via the Adobe Experience League. You can also take advantage of our detailed and in-depth technical product documentation and current release notes. ELITE customers will also have access to a Named Support Engineer as well as a Technical Account Manager who combine and work in partnership with you to provide best in class proactive and reactive support while acting as your designated technical contacts in the Adobe Support Team. With deep experience in your designated Experience Cloud solutions, your support team work to ensure that no matter how complex your support needs are, the Adobe Support team will be there side by side with you throughout, to ensure you maximize your investment in the Adobe Experience Cloud solutions and to help you avoid problems before they happen.</a:t>
-            </a:r>
-            <a:endParaRPr sz="900" dirty="0">
-              <a:solidFill>
-                <a:schemeClr val="bg1"/>
-              </a:solidFill>
-              <a:latin typeface="AdobeClean-Light"/>
-              <a:cs typeface="AdobeClean-Light"/>
-            </a:endParaRPr>
+              <a:t>A Adobe oferece uma ampla gama de recursos técnicos para prestar suporte à sua empresa, incluídos na sua assinatura da Experience Cloud e com melhorias adicionais no pacote de suporte ELITE. O Suporte ELITE inclui acesso a caminhos de aprendizagem personalizados e a fóruns monitorados da comunidade na Adobe Experience League. Você tem à sua disposição a nossa documentação técnica de produto, com todos os detalhes, e as notas de versão atuais. Os clientes ELITE também contam com um Engenheiro de suporte nomeado e um Gerente técnico de conta, que atuam como contato técnico designado na Equipe de suporte da Adobe e colaboram com você para prestar um suporte superior, rápido e proativo. Com ampla experiência em soluções da Experience Cloud, a Equipe de suporte trabalha para garantir que a Adobe esteja ao seu lado seja qual for a complexidade do problema, atuando de maneira preventiva para que você aproveite ao máximo seu investimento na Adobe Experience Cloud.</a:t>
+            </a:r>
           </a:p>
         </p:txBody>
       </p:sp>
@@ -2520,7 +2442,7 @@
         <p:spPr>
           <a:xfrm>
             <a:off x="168564" y="7162800"/>
-            <a:ext cx="2780665" cy="238760"/>
+            <a:ext cx="4022436" cy="228268"/>
           </a:xfrm>
           <a:prstGeom prst="rect">
             <a:avLst/>
@@ -2541,7 +2463,7 @@
               </a:spcBef>
             </a:pPr>
             <a:r>
-              <a:rPr sz="1400" b="1" u="heavy" spc="20">
+              <a:rPr lang="pt-BR" sz="1400" b="1" u="heavy" dirty="0">
                 <a:solidFill>
                   <a:srgbClr val="020302"/>
                 </a:solidFill>
@@ -2553,447 +2475,8 @@
                 <a:latin typeface="Adobe Clean"/>
                 <a:cs typeface="Adobe Clean"/>
               </a:rPr>
-              <a:t>S</a:t>
-            </a:r>
-            <a:r>
-              <a:rPr sz="1400" b="1" u="heavy">
-                <a:solidFill>
-                  <a:srgbClr val="020302"/>
-                </a:solidFill>
-                <a:uFill>
-                  <a:solidFill>
-                    <a:srgbClr val="020302"/>
-                  </a:solidFill>
-                </a:uFill>
-                <a:latin typeface="Adobe Clean"/>
-                <a:cs typeface="Adobe Clean"/>
-              </a:rPr>
-              <a:t>er</a:t>
-            </a:r>
-            <a:r>
-              <a:rPr sz="1400" b="1" u="heavy" spc="10">
-                <a:solidFill>
-                  <a:srgbClr val="020302"/>
-                </a:solidFill>
-                <a:uFill>
-                  <a:solidFill>
-                    <a:srgbClr val="020302"/>
-                  </a:solidFill>
-                </a:uFill>
-                <a:latin typeface="Adobe Clean"/>
-                <a:cs typeface="Adobe Clean"/>
-              </a:rPr>
-              <a:t>vi</a:t>
-            </a:r>
-            <a:r>
-              <a:rPr sz="1400" b="1" u="heavy">
-                <a:solidFill>
-                  <a:srgbClr val="020302"/>
-                </a:solidFill>
-                <a:uFill>
-                  <a:solidFill>
-                    <a:srgbClr val="020302"/>
-                  </a:solidFill>
-                </a:uFill>
-                <a:latin typeface="Adobe Clean"/>
-                <a:cs typeface="Adobe Clean"/>
-              </a:rPr>
-              <a:t>ce</a:t>
-            </a:r>
-            <a:r>
-              <a:rPr sz="1400" b="1" u="heavy" spc="20">
-                <a:solidFill>
-                  <a:srgbClr val="020302"/>
-                </a:solidFill>
-                <a:uFill>
-                  <a:solidFill>
-                    <a:srgbClr val="020302"/>
-                  </a:solidFill>
-                </a:uFill>
-                <a:latin typeface="Adobe Clean"/>
-                <a:cs typeface="Adobe Clean"/>
-              </a:rPr>
-              <a:t> </a:t>
-            </a:r>
-            <a:r>
-              <a:rPr sz="1400" b="1" u="heavy" spc="-20">
-                <a:solidFill>
-                  <a:srgbClr val="020302"/>
-                </a:solidFill>
-                <a:uFill>
-                  <a:solidFill>
-                    <a:srgbClr val="020302"/>
-                  </a:solidFill>
-                </a:uFill>
-                <a:latin typeface="Adobe Clean"/>
-                <a:cs typeface="Adobe Clean"/>
-              </a:rPr>
-              <a:t>Le</a:t>
-            </a:r>
-            <a:r>
-              <a:rPr sz="1400" b="1" u="heavy" spc="-10">
-                <a:solidFill>
-                  <a:srgbClr val="020302"/>
-                </a:solidFill>
-                <a:uFill>
-                  <a:solidFill>
-                    <a:srgbClr val="020302"/>
-                  </a:solidFill>
-                </a:uFill>
-                <a:latin typeface="Adobe Clean"/>
-                <a:cs typeface="Adobe Clean"/>
-              </a:rPr>
-              <a:t>v</a:t>
-            </a:r>
-            <a:r>
-              <a:rPr sz="1400" b="1" u="heavy" spc="-20">
-                <a:solidFill>
-                  <a:srgbClr val="020302"/>
-                </a:solidFill>
-                <a:uFill>
-                  <a:solidFill>
-                    <a:srgbClr val="020302"/>
-                  </a:solidFill>
-                </a:uFill>
-                <a:latin typeface="Adobe Clean"/>
-                <a:cs typeface="Adobe Clean"/>
-              </a:rPr>
-              <a:t>e</a:t>
-            </a:r>
-            <a:r>
-              <a:rPr sz="1400" b="1" u="heavy">
-                <a:solidFill>
-                  <a:srgbClr val="020302"/>
-                </a:solidFill>
-                <a:uFill>
-                  <a:solidFill>
-                    <a:srgbClr val="020302"/>
-                  </a:solidFill>
-                </a:uFill>
-                <a:latin typeface="Adobe Clean"/>
-                <a:cs typeface="Adobe Clean"/>
-              </a:rPr>
-              <a:t>l</a:t>
-            </a:r>
-            <a:r>
-              <a:rPr sz="1400" b="1" u="heavy" spc="-10">
-                <a:solidFill>
-                  <a:srgbClr val="020302"/>
-                </a:solidFill>
-                <a:uFill>
-                  <a:solidFill>
-                    <a:srgbClr val="020302"/>
-                  </a:solidFill>
-                </a:uFill>
-                <a:latin typeface="Adobe Clean"/>
-                <a:cs typeface="Adobe Clean"/>
-              </a:rPr>
-              <a:t> </a:t>
-            </a:r>
-            <a:r>
-              <a:rPr sz="1400" b="1" u="heavy" spc="-65">
-                <a:solidFill>
-                  <a:srgbClr val="020302"/>
-                </a:solidFill>
-                <a:uFill>
-                  <a:solidFill>
-                    <a:srgbClr val="020302"/>
-                  </a:solidFill>
-                </a:uFill>
-                <a:latin typeface="Adobe Clean"/>
-                <a:cs typeface="Adobe Clean"/>
-              </a:rPr>
-              <a:t>T</a:t>
-            </a:r>
-            <a:r>
-              <a:rPr sz="1400" b="1" u="heavy" spc="-35">
-                <a:solidFill>
-                  <a:srgbClr val="020302"/>
-                </a:solidFill>
-                <a:uFill>
-                  <a:solidFill>
-                    <a:srgbClr val="020302"/>
-                  </a:solidFill>
-                </a:uFill>
-                <a:latin typeface="Adobe Clean"/>
-                <a:cs typeface="Adobe Clean"/>
-              </a:rPr>
-              <a:t>a</a:t>
-            </a:r>
-            <a:r>
-              <a:rPr sz="1400" b="1" u="heavy" spc="-45">
-                <a:solidFill>
-                  <a:srgbClr val="020302"/>
-                </a:solidFill>
-                <a:uFill>
-                  <a:solidFill>
-                    <a:srgbClr val="020302"/>
-                  </a:solidFill>
-                </a:uFill>
-                <a:latin typeface="Adobe Clean"/>
-                <a:cs typeface="Adobe Clean"/>
-              </a:rPr>
-              <a:t>r</a:t>
-            </a:r>
-            <a:r>
-              <a:rPr sz="1400" b="1" u="heavy" spc="-35">
-                <a:solidFill>
-                  <a:srgbClr val="020302"/>
-                </a:solidFill>
-                <a:uFill>
-                  <a:solidFill>
-                    <a:srgbClr val="020302"/>
-                  </a:solidFill>
-                </a:uFill>
-                <a:latin typeface="Adobe Clean"/>
-                <a:cs typeface="Adobe Clean"/>
-              </a:rPr>
-              <a:t>g</a:t>
-            </a:r>
-            <a:r>
-              <a:rPr sz="1400" b="1" u="heavy" spc="-55">
-                <a:solidFill>
-                  <a:srgbClr val="020302"/>
-                </a:solidFill>
-                <a:uFill>
-                  <a:solidFill>
-                    <a:srgbClr val="020302"/>
-                  </a:solidFill>
-                </a:uFill>
-                <a:latin typeface="Adobe Clean"/>
-                <a:cs typeface="Adobe Clean"/>
-              </a:rPr>
-              <a:t>et</a:t>
-            </a:r>
-            <a:r>
-              <a:rPr sz="1400" b="1" u="heavy" spc="-45">
-                <a:solidFill>
-                  <a:srgbClr val="020302"/>
-                </a:solidFill>
-                <a:uFill>
-                  <a:solidFill>
-                    <a:srgbClr val="020302"/>
-                  </a:solidFill>
-                </a:uFill>
-                <a:latin typeface="Adobe Clean"/>
-                <a:cs typeface="Adobe Clean"/>
-              </a:rPr>
-              <a:t>s</a:t>
-            </a:r>
-            <a:r>
-              <a:rPr sz="1400" b="1" u="heavy">
-                <a:solidFill>
-                  <a:srgbClr val="020302"/>
-                </a:solidFill>
-                <a:uFill>
-                  <a:solidFill>
-                    <a:srgbClr val="020302"/>
-                  </a:solidFill>
-                </a:uFill>
-                <a:latin typeface="Adobe Clean"/>
-                <a:cs typeface="Adobe Clean"/>
-              </a:rPr>
-              <a:t>:</a:t>
-            </a:r>
-            <a:r>
-              <a:rPr sz="1400" b="1" u="heavy" spc="-80">
-                <a:solidFill>
-                  <a:srgbClr val="020302"/>
-                </a:solidFill>
-                <a:uFill>
-                  <a:solidFill>
-                    <a:srgbClr val="020302"/>
-                  </a:solidFill>
-                </a:uFill>
-                <a:latin typeface="Adobe Clean"/>
-                <a:cs typeface="Adobe Clean"/>
-              </a:rPr>
-              <a:t> </a:t>
-            </a:r>
-            <a:r>
-              <a:rPr sz="1400" b="1" u="heavy" spc="-20">
-                <a:solidFill>
-                  <a:srgbClr val="020302"/>
-                </a:solidFill>
-                <a:uFill>
-                  <a:solidFill>
-                    <a:srgbClr val="020302"/>
-                  </a:solidFill>
-                </a:uFill>
-                <a:latin typeface="Adobe Clean"/>
-                <a:cs typeface="Adobe Clean"/>
-              </a:rPr>
-              <a:t>I</a:t>
-            </a:r>
-            <a:r>
-              <a:rPr sz="1400" b="1" u="heavy" spc="-10">
-                <a:solidFill>
-                  <a:srgbClr val="020302"/>
-                </a:solidFill>
-                <a:uFill>
-                  <a:solidFill>
-                    <a:srgbClr val="020302"/>
-                  </a:solidFill>
-                </a:uFill>
-                <a:latin typeface="Adobe Clean"/>
-                <a:cs typeface="Adobe Clean"/>
-              </a:rPr>
-              <a:t>ni</a:t>
-            </a:r>
-            <a:r>
-              <a:rPr sz="1400" b="1" u="heavy" spc="-20">
-                <a:solidFill>
-                  <a:srgbClr val="020302"/>
-                </a:solidFill>
-                <a:uFill>
-                  <a:solidFill>
-                    <a:srgbClr val="020302"/>
-                  </a:solidFill>
-                </a:uFill>
-                <a:latin typeface="Adobe Clean"/>
-                <a:cs typeface="Adobe Clean"/>
-              </a:rPr>
-              <a:t>t</a:t>
-            </a:r>
-            <a:r>
-              <a:rPr sz="1400" b="1" u="heavy" spc="-10">
-                <a:solidFill>
-                  <a:srgbClr val="020302"/>
-                </a:solidFill>
-                <a:uFill>
-                  <a:solidFill>
-                    <a:srgbClr val="020302"/>
-                  </a:solidFill>
-                </a:uFill>
-                <a:latin typeface="Adobe Clean"/>
-                <a:cs typeface="Adobe Clean"/>
-              </a:rPr>
-              <a:t>i</a:t>
-            </a:r>
-            <a:r>
-              <a:rPr sz="1400" b="1" u="heavy">
-                <a:solidFill>
-                  <a:srgbClr val="020302"/>
-                </a:solidFill>
-                <a:uFill>
-                  <a:solidFill>
-                    <a:srgbClr val="020302"/>
-                  </a:solidFill>
-                </a:uFill>
-                <a:latin typeface="Adobe Clean"/>
-                <a:cs typeface="Adobe Clean"/>
-              </a:rPr>
-              <a:t>al</a:t>
-            </a:r>
-            <a:r>
-              <a:rPr sz="1400" b="1" u="heavy" spc="-140">
-                <a:solidFill>
-                  <a:srgbClr val="020302"/>
-                </a:solidFill>
-                <a:uFill>
-                  <a:solidFill>
-                    <a:srgbClr val="020302"/>
-                  </a:solidFill>
-                </a:uFill>
-                <a:latin typeface="Adobe Clean"/>
-                <a:cs typeface="Adobe Clean"/>
-              </a:rPr>
-              <a:t> </a:t>
-            </a:r>
-            <a:r>
-              <a:rPr sz="1400" b="1" u="heavy" spc="-15">
-                <a:solidFill>
-                  <a:srgbClr val="020302"/>
-                </a:solidFill>
-                <a:uFill>
-                  <a:solidFill>
-                    <a:srgbClr val="020302"/>
-                  </a:solidFill>
-                </a:uFill>
-                <a:latin typeface="Adobe Clean"/>
-                <a:cs typeface="Adobe Clean"/>
-              </a:rPr>
-              <a:t>R</a:t>
-            </a:r>
-            <a:r>
-              <a:rPr sz="1400" b="1" u="heavy" spc="-25">
-                <a:solidFill>
-                  <a:srgbClr val="020302"/>
-                </a:solidFill>
-                <a:uFill>
-                  <a:solidFill>
-                    <a:srgbClr val="020302"/>
-                  </a:solidFill>
-                </a:uFill>
-                <a:latin typeface="Adobe Clean"/>
-                <a:cs typeface="Adobe Clean"/>
-              </a:rPr>
-              <a:t>e</a:t>
-            </a:r>
-            <a:r>
-              <a:rPr sz="1400" b="1" u="heavy" spc="-15">
-                <a:solidFill>
-                  <a:srgbClr val="020302"/>
-                </a:solidFill>
-                <a:uFill>
-                  <a:solidFill>
-                    <a:srgbClr val="020302"/>
-                  </a:solidFill>
-                </a:uFill>
-                <a:latin typeface="Adobe Clean"/>
-                <a:cs typeface="Adobe Clean"/>
-              </a:rPr>
-              <a:t>s</a:t>
-            </a:r>
-            <a:r>
-              <a:rPr sz="1400" b="1" u="heavy" spc="-25">
-                <a:solidFill>
-                  <a:srgbClr val="020302"/>
-                </a:solidFill>
-                <a:uFill>
-                  <a:solidFill>
-                    <a:srgbClr val="020302"/>
-                  </a:solidFill>
-                </a:uFill>
-                <a:latin typeface="Adobe Clean"/>
-                <a:cs typeface="Adobe Clean"/>
-              </a:rPr>
-              <a:t>p</a:t>
-            </a:r>
-            <a:r>
-              <a:rPr sz="1400" b="1" u="heavy" spc="-15">
-                <a:solidFill>
-                  <a:srgbClr val="020302"/>
-                </a:solidFill>
-                <a:uFill>
-                  <a:solidFill>
-                    <a:srgbClr val="020302"/>
-                  </a:solidFill>
-                </a:uFill>
-                <a:latin typeface="Adobe Clean"/>
-                <a:cs typeface="Adobe Clean"/>
-              </a:rPr>
-              <a:t>ons</a:t>
-            </a:r>
-            <a:r>
-              <a:rPr sz="1400" b="1" u="heavy">
-                <a:solidFill>
-                  <a:srgbClr val="020302"/>
-                </a:solidFill>
-                <a:uFill>
-                  <a:solidFill>
-                    <a:srgbClr val="020302"/>
-                  </a:solidFill>
-                </a:uFill>
-                <a:latin typeface="Adobe Clean"/>
-                <a:cs typeface="Adobe Clean"/>
-              </a:rPr>
-              <a:t>e</a:t>
-            </a:r>
-            <a:endParaRPr sz="1400">
-              <a:latin typeface="Adobe Clean"/>
-              <a:cs typeface="Adobe Clean"/>
-            </a:endParaRPr>
+              <a:t>Metas de nível de serviço: Resposta inicial</a:t>
+            </a:r>
           </a:p>
         </p:txBody>
       </p:sp>
@@ -3006,7 +2489,7 @@
           <p:nvPr>
             <p:extLst>
               <p:ext uri="{D42A27DB-BD31-4B8C-83A1-F6EECF244321}">
-                <p14:modId xmlns:p14="http://schemas.microsoft.com/office/powerpoint/2010/main" val="3940642931"/>
+                <p14:modId xmlns:p14="http://schemas.microsoft.com/office/powerpoint/2010/main" val="4099429445"/>
               </p:ext>
             </p:extLst>
           </p:nvPr>
@@ -3059,19 +2542,15 @@
                         </a:spcBef>
                       </a:pPr>
                       <a:r>
-                        <a:rPr sz="900" spc="0">
+                        <a:rPr lang="pt-BR" sz="900">
                           <a:solidFill>
                             <a:srgbClr val="020302"/>
                           </a:solidFill>
                           <a:latin typeface="Adobe Clean"/>
                           <a:cs typeface="Adobe Clean"/>
                         </a:rPr>
-                        <a:t>Priority</a:t>
+                        <a:t>Prioridade</a:t>
                       </a:r>
-                      <a:endParaRPr sz="900" spc="0">
-                        <a:latin typeface="Adobe Clean"/>
-                        <a:cs typeface="Adobe Clean"/>
-                      </a:endParaRPr>
                     </a:p>
                   </a:txBody>
                   <a:tcPr marL="0" marR="0" marT="5715" marB="0" anchor="ctr">
@@ -3118,29 +2597,15 @@
                         </a:spcBef>
                       </a:pPr>
                       <a:r>
-                        <a:rPr lang="en-US" sz="900" spc="0" dirty="0">
+                        <a:rPr lang="pt-BR" sz="900" dirty="0">
                           <a:solidFill>
                             <a:srgbClr val="020302"/>
                           </a:solidFill>
                           <a:latin typeface="Adobe Clean"/>
                           <a:cs typeface="Adobe Clean"/>
                         </a:rPr>
-                        <a:t>Standard </a:t>
+                        <a:t>Suporte Standard</a:t>
                       </a:r>
-                      <a:r>
-                        <a:rPr sz="900" spc="0" dirty="0">
-                          <a:solidFill>
-                            <a:srgbClr val="020302"/>
-                          </a:solidFill>
-                          <a:latin typeface="Adobe Clean"/>
-                          <a:cs typeface="Adobe Clean"/>
-                        </a:rPr>
-                        <a:t> Support</a:t>
-                      </a:r>
-                      <a:endParaRPr sz="900" spc="0" dirty="0">
-                        <a:latin typeface="Adobe Clean"/>
-                        <a:cs typeface="Adobe Clean"/>
-                      </a:endParaRPr>
                     </a:p>
                   </a:txBody>
                   <a:tcPr marL="0" marR="0" marT="5715" marB="0" anchor="ctr">
@@ -3190,39 +2655,15 @@
                         </a:spcBef>
                       </a:pPr>
                       <a:r>
-                        <a:rPr sz="900" spc="0">
+                        <a:rPr lang="pt-BR" sz="900">
                           <a:solidFill>
                             <a:srgbClr val="FFFFFF"/>
                           </a:solidFill>
                           <a:latin typeface="Adobe Clean"/>
                           <a:cs typeface="Adobe Clean"/>
                         </a:rPr>
-                        <a:t>Elite</a:t>
+                        <a:t>Suporte Elite</a:t>
                       </a:r>
-                      <a:r>
-                        <a:rPr lang="en-US" sz="900" spc="0">
-                          <a:solidFill>
-                            <a:srgbClr val="FFFFFF"/>
-                          </a:solidFill>
-                          <a:latin typeface="Adobe Clean"/>
-                          <a:cs typeface="Adobe Clean"/>
-                        </a:rPr>
-                        <a:t>  </a:t>
-                      </a:r>
-                      <a:r>
-                        <a:rPr sz="900" spc="0">
-                          <a:solidFill>
-                            <a:srgbClr val="FFFFFF"/>
-                          </a:solidFill>
-                          <a:latin typeface="Adobe Clean"/>
-                          <a:cs typeface="Adobe Clean"/>
-                        </a:rPr>
-                        <a:t>Support</a:t>
-                      </a:r>
-                      <a:endParaRPr sz="900" spc="0">
-                        <a:latin typeface="Adobe Clean"/>
-                        <a:cs typeface="Adobe Clean"/>
-                      </a:endParaRPr>
                     </a:p>
                   </a:txBody>
                   <a:tcPr marL="0" marR="0" marT="8255" marB="0" anchor="ctr">
@@ -3279,19 +2720,15 @@
                         </a:spcBef>
                       </a:pPr>
                       <a:r>
-                        <a:rPr sz="900" b="1" spc="0">
+                        <a:rPr lang="pt-BR" sz="900" b="1" dirty="0">
                           <a:solidFill>
                             <a:srgbClr val="020302"/>
                           </a:solidFill>
                           <a:latin typeface="Adobe Clean"/>
                           <a:cs typeface="Adobe Clean"/>
                         </a:rPr>
-                        <a:t>PRIORITY 1</a:t>
+                        <a:t>PRIORIDADE 1</a:t>
                       </a:r>
-                      <a:endParaRPr sz="900" spc="0">
-                        <a:latin typeface="Adobe Clean"/>
-                        <a:cs typeface="Adobe Clean"/>
-                      </a:endParaRPr>
                     </a:p>
                     <a:p>
                       <a:pPr marL="50165" marR="495300" algn="l">
@@ -3303,19 +2740,31 @@
                         </a:spcBef>
                       </a:pPr>
                       <a:r>
-                        <a:rPr lang="en-US" sz="900" b="0" i="0" u="none" strike="noStrike" spc="0">
+                        <a:rPr lang="pt-BR" sz="900" b="0" i="0" u="none" strike="noStrike" dirty="0">
                           <a:solidFill>
                             <a:srgbClr val="000000"/>
                           </a:solidFill>
-                          <a:effectLst/>
                           <a:latin typeface="Adobe Clean Light"/>
                         </a:rPr>
-                        <a:t>Customer's production business functions are down or have significant data loss or service degradation and immediate attention is required to restore functionality and usability</a:t>
+                        <a:t>As funções de produção do cliente estão inativas ou têm perda significativa de dados ou degradação de serviços, e é necessária atenção imediata para restaurar a funcionalidade </a:t>
                       </a:r>
-                      <a:endParaRPr sz="900" spc="0">
-                        <a:latin typeface="Adobe Clean Light"/>
-                        <a:cs typeface="AdobeClean-Light"/>
-                      </a:endParaRPr>
+                      <a:br>
+                        <a:rPr lang="pt-BR" sz="900" b="0" i="0" u="none" strike="noStrike" dirty="0">
+                          <a:solidFill>
+                            <a:srgbClr val="000000"/>
+                          </a:solidFill>
+                          <a:latin typeface="Adobe Clean Light"/>
+                        </a:rPr>
+                      </a:br>
+                      <a:r>
+                        <a:rPr lang="pt-BR" sz="900" b="0" i="0" u="none" strike="noStrike" dirty="0">
+                          <a:solidFill>
+                            <a:srgbClr val="000000"/>
+                          </a:solidFill>
+                          <a:latin typeface="Adobe Clean Light"/>
+                        </a:rPr>
+                        <a:t>e a usabilidade</a:t>
+                      </a:r>
                     </a:p>
                   </a:txBody>
                   <a:tcPr marL="0" marR="0" marT="0" marB="0" anchor="ctr">
@@ -3353,65 +2802,40 @@
                     <a:bodyPr/>
                     <a:lstStyle/>
                     <a:p>
-                      <a:pPr marL="542925" marR="492125" algn="ctr">
+                      <a:pPr marL="457200" marR="492125" indent="0" algn="ctr" defTabSz="1371600">
                         <a:lnSpc>
                           <a:spcPct val="102200"/>
                         </a:lnSpc>
                       </a:pPr>
                       <a:r>
-                        <a:rPr sz="900" spc="0">
+                        <a:rPr lang="pt-BR" sz="900" dirty="0">
                           <a:solidFill>
                             <a:srgbClr val="020302"/>
                           </a:solidFill>
                           <a:latin typeface="AdobeClean-Light"/>
                           <a:cs typeface="AdobeClean-Light"/>
                         </a:rPr>
-                        <a:t>24x7/</a:t>
+                        <a:t>24x7/ </a:t>
                       </a:r>
-                      <a:r>
-                        <a:rPr lang="en-US" sz="900" spc="0">
+                      <a:br>
+                        <a:rPr lang="pt-BR" sz="900" dirty="0">
                           <a:solidFill>
                             <a:srgbClr val="020302"/>
                           </a:solidFill>
                           <a:latin typeface="AdobeClean-Light"/>
                           <a:cs typeface="AdobeClean-Light"/>
                         </a:rPr>
-                        <a:t>          </a:t>
-                      </a:r>
+                      </a:br>
                       <a:r>
-                        <a:rPr sz="900" spc="0">
+                        <a:rPr lang="pt-BR" sz="900" dirty="0">
                           <a:solidFill>
                             <a:srgbClr val="020302"/>
                           </a:solidFill>
                           <a:latin typeface="AdobeClean-Light"/>
                           <a:cs typeface="AdobeClean-Light"/>
                         </a:rPr>
-                        <a:t> 1</a:t>
+                        <a:t>1 hora</a:t>
                       </a:r>
-                      <a:r>
-                        <a:rPr lang="en-US" sz="900" spc="0">
-                          <a:solidFill>
-                            <a:srgbClr val="020302"/>
-                          </a:solidFill>
-                          <a:latin typeface="AdobeClean-Light"/>
-                          <a:cs typeface="AdobeClean-Light"/>
-                        </a:rPr>
-                        <a:t> </a:t>
-                      </a:r>
-                      <a:r>
-                        <a:rPr sz="900" spc="0">
-                          <a:solidFill>
-                            <a:srgbClr val="020302"/>
-                          </a:solidFill>
-                          <a:latin typeface="AdobeClean-Light"/>
-                          <a:cs typeface="AdobeClean-Light"/>
-                        </a:rPr>
-                        <a:t>hour</a:t>
-                      </a:r>
-                      <a:endParaRPr sz="900" spc="0">
-                        <a:latin typeface="AdobeClean-Light"/>
-                        <a:cs typeface="AdobeClean-Light"/>
-                      </a:endParaRPr>
                     </a:p>
                   </a:txBody>
                   <a:tcPr marL="0" marR="0" marT="0" marB="0" anchor="ctr">
@@ -3449,75 +2873,40 @@
                     <a:bodyPr/>
                     <a:lstStyle/>
                     <a:p>
-                      <a:pPr marL="405130" marR="459740" indent="92710" algn="l">
+                      <a:pPr marL="404813" marR="459740" indent="-4763" algn="ctr">
                         <a:lnSpc>
                           <a:spcPct val="100000"/>
                         </a:lnSpc>
                       </a:pPr>
                       <a:r>
-                        <a:rPr lang="en-US" sz="900" spc="0">
+                        <a:rPr lang="pt-BR" sz="900" dirty="0">
                           <a:solidFill>
                             <a:srgbClr val="020302"/>
                           </a:solidFill>
                           <a:latin typeface="AdobeClean-Light"/>
                           <a:cs typeface="AdobeClean-Light"/>
                         </a:rPr>
-                        <a:t>2</a:t>
+                        <a:t>24x7 /</a:t>
                       </a:r>
-                      <a:r>
-                        <a:rPr sz="900" spc="0">
+                      <a:br>
+                        <a:rPr lang="pt-BR" sz="900" dirty="0">
                           <a:solidFill>
                             <a:srgbClr val="020302"/>
                           </a:solidFill>
                           <a:latin typeface="AdobeClean-Light"/>
                           <a:cs typeface="AdobeClean-Light"/>
                         </a:rPr>
-                        <a:t>4x7 /</a:t>
-                      </a:r>
+                      </a:br>
                       <a:r>
-                        <a:rPr lang="en-US" sz="900" spc="0">
+                        <a:rPr lang="pt-BR" sz="900" dirty="0">
                           <a:solidFill>
                             <a:srgbClr val="020302"/>
                           </a:solidFill>
                           <a:latin typeface="AdobeClean-Light"/>
                           <a:cs typeface="AdobeClean-Light"/>
                         </a:rPr>
-                        <a:t>  </a:t>
+                        <a:t>15 minutos</a:t>
                       </a:r>
-                      <a:r>
-                        <a:rPr sz="900" spc="0">
-                          <a:solidFill>
-                            <a:srgbClr val="020302"/>
-                          </a:solidFill>
-                          <a:latin typeface="AdobeClean-Light"/>
-                          <a:cs typeface="AdobeClean-Light"/>
-                        </a:rPr>
-                        <a:t> 15</a:t>
-                      </a:r>
-                      <a:r>
-                        <a:rPr lang="en-US" sz="900" spc="0">
-                          <a:solidFill>
-                            <a:srgbClr val="020302"/>
-                          </a:solidFill>
-                          <a:latin typeface="AdobeClean-Light"/>
-                          <a:cs typeface="AdobeClean-Light"/>
-                        </a:rPr>
-                        <a:t> </a:t>
-                      </a:r>
-                      <a:r>
-                        <a:rPr sz="900" spc="0">
-                          <a:solidFill>
-                            <a:srgbClr val="020302"/>
-                          </a:solidFill>
-                          <a:latin typeface="AdobeClean-Light"/>
-                          <a:cs typeface="AdobeClean-Light"/>
-                        </a:rPr>
-                        <a:t>minutes</a:t>
-                      </a:r>
-                      <a:endParaRPr sz="900" spc="0">
-                        <a:latin typeface="AdobeClean-Light"/>
-                        <a:cs typeface="AdobeClean-Light"/>
-                      </a:endParaRPr>
                     </a:p>
                   </a:txBody>
                   <a:tcPr marL="0" marR="0" marT="2540" marB="0" anchor="ctr">
@@ -3579,19 +2968,15 @@
                         </a:spcBef>
                       </a:pPr>
                       <a:r>
-                        <a:rPr sz="900" b="1" spc="0">
+                        <a:rPr lang="pt-BR" sz="900" b="1" dirty="0">
                           <a:solidFill>
                             <a:srgbClr val="020302"/>
                           </a:solidFill>
                           <a:latin typeface="Adobe Clean"/>
                           <a:cs typeface="Adobe Clean"/>
                         </a:rPr>
-                        <a:t>PRIORITY 2</a:t>
+                        <a:t>PRIORIDADE 2</a:t>
                       </a:r>
-                      <a:endParaRPr sz="900" spc="0">
-                        <a:latin typeface="Adobe Clean"/>
-                        <a:cs typeface="Adobe Clean"/>
-                      </a:endParaRPr>
                     </a:p>
                     <a:p>
                       <a:pPr marL="49530" marR="719455" algn="l">
@@ -3603,19 +2988,14 @@
                         </a:spcBef>
                       </a:pPr>
                       <a:r>
-                        <a:rPr lang="en-US" sz="900" b="0" i="0" u="none" strike="noStrike" spc="0">
+                        <a:rPr lang="pt-BR" sz="900" b="0" i="0" u="none" strike="noStrike" dirty="0">
                           <a:solidFill>
                             <a:srgbClr val="000000"/>
                           </a:solidFill>
-                          <a:effectLst/>
                           <a:latin typeface="Adobe Clean Light"/>
                         </a:rPr>
-                        <a:t>Customer's business functions have major service degradation or potential data loss, or a major feature is impacted</a:t>
+                        <a:t>As funções empresariais do cliente têm grande degradação de serviços, perda potencial de dados ou foi afetado um recurso importante</a:t>
                       </a:r>
-                      <a:endParaRPr sz="900" spc="0">
-                        <a:latin typeface="Adobe Clean Light"/>
-                        <a:cs typeface="AdobeClean-Light"/>
-                      </a:endParaRPr>
                     </a:p>
                   </a:txBody>
                   <a:tcPr marL="0" marR="0" marT="0" marB="0" anchor="ctr">
@@ -3653,65 +3033,40 @@
                     <a:bodyPr/>
                     <a:lstStyle/>
                     <a:p>
-                      <a:pPr marL="473075" marR="343535" indent="-175895" algn="l">
+                      <a:pPr marL="457200" marR="343535" indent="0" algn="ctr" defTabSz="1314450">
                         <a:lnSpc>
                           <a:spcPct val="102200"/>
                         </a:lnSpc>
                       </a:pPr>
                       <a:r>
-                        <a:rPr sz="900" spc="0">
+                        <a:rPr lang="pt-BR" sz="900" dirty="0">
                           <a:solidFill>
                             <a:srgbClr val="020302"/>
                           </a:solidFill>
                           <a:latin typeface="AdobeClean-Light"/>
                           <a:cs typeface="AdobeClean-Light"/>
                         </a:rPr>
-                        <a:t>Business hours</a:t>
+                        <a:t>Horário comercial /</a:t>
                       </a:r>
-                      <a:r>
-                        <a:rPr lang="en-US" sz="900" spc="0">
+                      <a:br>
+                        <a:rPr lang="pt-BR" sz="900" dirty="0">
                           <a:solidFill>
                             <a:srgbClr val="020302"/>
                           </a:solidFill>
                           <a:latin typeface="AdobeClean-Light"/>
                           <a:cs typeface="AdobeClean-Light"/>
                         </a:rPr>
-                        <a:t> </a:t>
-                      </a:r>
+                      </a:br>
                       <a:r>
-                        <a:rPr sz="900" spc="0">
+                        <a:rPr lang="pt-BR" sz="900" dirty="0">
                           <a:solidFill>
                             <a:srgbClr val="020302"/>
                           </a:solidFill>
                           <a:latin typeface="AdobeClean-Light"/>
                           <a:cs typeface="AdobeClean-Light"/>
                         </a:rPr>
-                        <a:t>/</a:t>
+                        <a:t>4 horas</a:t>
                       </a:r>
-                      <a:r>
-                        <a:rPr lang="en-US" sz="900" spc="0">
-                          <a:solidFill>
-                            <a:srgbClr val="020302"/>
-                          </a:solidFill>
-                          <a:latin typeface="AdobeClean-Light"/>
-                          <a:cs typeface="AdobeClean-Light"/>
-                        </a:rPr>
-                        <a:t>       </a:t>
-                      </a:r>
-                      <a:r>
-                        <a:rPr sz="900" spc="0">
-                          <a:solidFill>
-                            <a:srgbClr val="020302"/>
-                          </a:solidFill>
-                          <a:latin typeface="AdobeClean-Light"/>
-                          <a:cs typeface="AdobeClean-Light"/>
-                        </a:rPr>
-                        <a:t>4 hours</a:t>
-                      </a:r>
-                      <a:endParaRPr sz="900" spc="0">
-                        <a:latin typeface="AdobeClean-Light"/>
-                        <a:cs typeface="AdobeClean-Light"/>
-                      </a:endParaRPr>
                     </a:p>
                   </a:txBody>
                   <a:tcPr marL="0" marR="0" marT="0" marB="0" anchor="ctr">
@@ -3746,13 +3101,17 @@
                     <a:bodyPr/>
                     <a:lstStyle/>
                     <a:p>
-                      <a:pPr marL="351790" marR="481330" indent="144145" algn="l">
+                      <a:pPr marL="342900" marR="481330" indent="0" algn="ctr">
                         <a:lnSpc>
                           <a:spcPct val="102299"/>
                         </a:lnSpc>
+                        <a:tabLst>
+                          <a:tab pos="400050" algn="l"/>
+                          <a:tab pos="1314450" algn="l"/>
+                        </a:tabLst>
                       </a:pPr>
                       <a:r>
-                        <a:rPr sz="900" spc="0">
+                        <a:rPr lang="pt-BR" sz="900" dirty="0">
                           <a:solidFill>
                             <a:srgbClr val="020302"/>
                           </a:solidFill>
@@ -3761,50 +3120,25 @@
                         </a:rPr>
                         <a:t>24x5 /</a:t>
                       </a:r>
-                      <a:r>
-                        <a:rPr lang="en-US" sz="900" spc="0">
+                      <a:br>
+                        <a:rPr lang="pt-BR" sz="900" dirty="0">
                           <a:solidFill>
                             <a:srgbClr val="020302"/>
                           </a:solidFill>
                           <a:latin typeface="AdobeClean-Light"/>
                           <a:cs typeface="AdobeClean-Light"/>
                         </a:rPr>
-                        <a:t> </a:t>
-                      </a:r>
+                      </a:br>
                       <a:r>
-                        <a:rPr sz="900" spc="0">
+                        <a:rPr lang="pt-BR" sz="900" dirty="0">
                           <a:solidFill>
                             <a:srgbClr val="020302"/>
                           </a:solidFill>
                           <a:latin typeface="AdobeClean-Light"/>
                           <a:cs typeface="AdobeClean-Light"/>
                         </a:rPr>
-                        <a:t> 30</a:t>
+                        <a:t>30 minutos</a:t>
                       </a:r>
-                      <a:r>
-                        <a:rPr lang="en-US" sz="900" spc="0">
-                          <a:solidFill>
-                            <a:srgbClr val="020302"/>
-                          </a:solidFill>
-                          <a:latin typeface="AdobeClean-Light"/>
-                          <a:cs typeface="AdobeClean-Light"/>
-                        </a:rPr>
-                        <a:t> m</a:t>
-                      </a:r>
-                      <a:r>
-                        <a:rPr sz="900" spc="0">
-                          <a:solidFill>
-                            <a:srgbClr val="020302"/>
-                          </a:solidFill>
-                          <a:latin typeface="AdobeClean-Light"/>
-                          <a:cs typeface="AdobeClean-Light"/>
-                        </a:rPr>
-                        <a:t>inutes</a:t>
-                      </a:r>
-                      <a:endParaRPr sz="900" spc="0">
-                        <a:latin typeface="AdobeClean-Light"/>
-                        <a:cs typeface="AdobeClean-Light"/>
-                      </a:endParaRPr>
                     </a:p>
                   </a:txBody>
                   <a:tcPr marL="0" marR="0" marT="5080" marB="0" anchor="ctr">
@@ -3863,19 +3197,15 @@
                         </a:spcBef>
                       </a:pPr>
                       <a:r>
-                        <a:rPr sz="900" b="1" spc="0">
+                        <a:rPr lang="pt-BR" sz="900" b="1" dirty="0">
                           <a:solidFill>
                             <a:srgbClr val="020302"/>
                           </a:solidFill>
                           <a:latin typeface="Adobe Clean"/>
                           <a:cs typeface="Adobe Clean"/>
                         </a:rPr>
-                        <a:t>PRIORITY 3</a:t>
+                        <a:t>PRIORIDADE 3</a:t>
                       </a:r>
-                      <a:endParaRPr sz="900" spc="0">
-                        <a:latin typeface="Adobe Clean"/>
-                        <a:cs typeface="Adobe Clean"/>
-                      </a:endParaRPr>
                     </a:p>
                     <a:p>
                       <a:pPr marL="48895" marR="387985" indent="-2540" algn="l">
@@ -3887,19 +3217,14 @@
                         </a:spcBef>
                       </a:pPr>
                       <a:r>
-                        <a:rPr lang="en-US" sz="900" b="0" i="0" u="none" strike="noStrike" spc="0">
+                        <a:rPr lang="pt-BR" sz="900" b="0" i="0" u="none" strike="noStrike" dirty="0">
                           <a:solidFill>
                             <a:srgbClr val="000000"/>
                           </a:solidFill>
-                          <a:effectLst/>
                           <a:latin typeface="Adobe Clean Light"/>
                         </a:rPr>
-                        <a:t>Customer’s business functions have minor to no service degradation but there exists a solution/workaround allowing business functions to continue normally</a:t>
+                        <a:t>As funções empresariais do cliente têm pouca degradação dos serviços, e há uma solução/alternativa que permite que as funções empresariais continuem normalmente</a:t>
                       </a:r>
-                      <a:endParaRPr sz="900" spc="0">
-                        <a:latin typeface="AdobeClean-Light"/>
-                        <a:cs typeface="AdobeClean-Light"/>
-                      </a:endParaRPr>
                     </a:p>
                   </a:txBody>
                   <a:tcPr marL="0" marR="0" marT="0" marB="0" anchor="ctr">
@@ -3937,25 +3262,40 @@
                     <a:bodyPr/>
                     <a:lstStyle/>
                     <a:p>
-                      <a:pPr marL="473075" marR="343535" indent="-175895" algn="l">
+                      <a:pPr marL="457200" marR="343535" indent="0" algn="ctr">
                         <a:lnSpc>
                           <a:spcPct val="102200"/>
                         </a:lnSpc>
                       </a:pPr>
                       <a:r>
-                        <a:rPr lang="en-US" sz="900" spc="0">
+                        <a:rPr lang="pt-BR" sz="900" dirty="0">
                           <a:solidFill>
                             <a:srgbClr val="020302"/>
                           </a:solidFill>
                           <a:latin typeface="AdobeClean-Light"/>
                           <a:cs typeface="AdobeClean-Light"/>
                         </a:rPr>
-                        <a:t>Business hours /       6 hours</a:t>
+                        <a:t>Horário comercial /</a:t>
                       </a:r>
-                      <a:endParaRPr lang="en-US" sz="900" spc="0">
-                        <a:latin typeface="AdobeClean-Light"/>
-                        <a:cs typeface="AdobeClean-Light"/>
-                      </a:endParaRPr>
+                      <a:br>
+                        <a:rPr lang="pt-BR" sz="900" dirty="0">
+                          <a:solidFill>
+                            <a:srgbClr val="020302"/>
+                          </a:solidFill>
+                          <a:latin typeface="AdobeClean-Light"/>
+                          <a:cs typeface="AdobeClean-Light"/>
+                        </a:rPr>
+                      </a:br>
+                      <a:r>
+                        <a:rPr lang="pt-BR" sz="900" dirty="0">
+                          <a:solidFill>
+                            <a:srgbClr val="020302"/>
+                          </a:solidFill>
+                          <a:latin typeface="AdobeClean-Light"/>
+                          <a:cs typeface="AdobeClean-Light"/>
+                        </a:rPr>
+                        <a:t>6 horas</a:t>
+                      </a:r>
                     </a:p>
                   </a:txBody>
                   <a:tcPr marL="0" marR="0" marT="0" marB="0" anchor="ctr">
@@ -3996,7 +3336,7 @@
                         </a:lnSpc>
                       </a:pPr>
                       <a:r>
-                        <a:rPr lang="en-US" sz="900" spc="0">
+                        <a:rPr lang="pt-BR" sz="900" dirty="0">
                           <a:solidFill>
                             <a:srgbClr val="020302"/>
                           </a:solidFill>
@@ -4007,7 +3347,7 @@
                         <a:t>2</a:t>
                       </a:r>
                       <a:r>
-                        <a:rPr sz="900" spc="0">
+                        <a:rPr lang="pt-BR" sz="900" dirty="0">
                           <a:solidFill>
                             <a:srgbClr val="020302"/>
                           </a:solidFill>
@@ -4015,29 +3355,7 @@
                           <a:ea typeface="+mn-ea"/>
                           <a:cs typeface="AdobeClean-Light"/>
                         </a:rPr>
-                        <a:t>4x5/</a:t>
-                      </a:r>
-                      <a:r>
-                        <a:rPr lang="en-US" sz="900" spc="0">
-                          <a:solidFill>
-                            <a:srgbClr val="020302"/>
-                          </a:solidFill>
-                          <a:latin typeface="AdobeClean-Light"/>
-                          <a:ea typeface="+mn-ea"/>
-                          <a:cs typeface="AdobeClean-Light"/>
-                        </a:rPr>
-                        <a:t>   </a:t>
-                      </a:r>
-                      <a:r>
-                        <a:rPr sz="900" spc="0">
-                          <a:solidFill>
-                            <a:srgbClr val="020302"/>
-                          </a:solidFill>
-                          <a:latin typeface="AdobeClean-Light"/>
-                          <a:ea typeface="+mn-ea"/>
-                          <a:cs typeface="AdobeClean-Light"/>
-                        </a:rPr>
-                        <a:t>1 hour</a:t>
+                        <a:t>4x5/   1 hora</a:t>
                       </a:r>
                     </a:p>
                   </a:txBody>
@@ -4097,19 +3415,15 @@
                         </a:spcBef>
                       </a:pPr>
                       <a:r>
-                        <a:rPr sz="900" b="1" spc="0">
+                        <a:rPr lang="pt-BR" sz="900" b="1" dirty="0">
                           <a:solidFill>
                             <a:srgbClr val="020302"/>
                           </a:solidFill>
                           <a:latin typeface="Adobe Clean"/>
                           <a:cs typeface="Adobe Clean"/>
                         </a:rPr>
-                        <a:t>PRIORITY 4</a:t>
+                        <a:t>PRIORIDADE 4</a:t>
                       </a:r>
-                      <a:endParaRPr sz="900" spc="0">
-                        <a:latin typeface="Adobe Clean"/>
-                        <a:cs typeface="Adobe Clean"/>
-                      </a:endParaRPr>
                     </a:p>
                     <a:p>
                       <a:pPr marL="62230" algn="l">
@@ -4121,19 +3435,14 @@
                         </a:spcBef>
                       </a:pPr>
                       <a:r>
-                        <a:rPr lang="en-US" sz="900" b="0" i="0" u="none" strike="noStrike" spc="0">
+                        <a:rPr lang="pt-BR" sz="900" b="0" i="0" u="none" strike="noStrike" dirty="0">
                           <a:solidFill>
                             <a:srgbClr val="000000"/>
                           </a:solidFill>
-                          <a:effectLst/>
                           <a:latin typeface="Adobe Clean Light"/>
                         </a:rPr>
-                        <a:t>General question regarding current product functionality or an enhancement request</a:t>
+                        <a:t>Pergunta geral sobre a funcionalidade atual do produto ou solicitação de melhoria</a:t>
                       </a:r>
-                      <a:endParaRPr sz="900" spc="0">
-                        <a:latin typeface="Adobe Clean Light"/>
-                        <a:cs typeface="AdobeClean-Light"/>
-                      </a:endParaRPr>
                     </a:p>
                   </a:txBody>
                   <a:tcPr marL="0" marR="0" marT="0" marB="0" anchor="ctr">
@@ -4171,25 +3480,40 @@
                     <a:bodyPr/>
                     <a:lstStyle/>
                     <a:p>
-                      <a:pPr marL="473075" marR="343535" indent="-175895" algn="l">
+                      <a:pPr marL="457200" marR="343535" indent="0" algn="ctr">
                         <a:lnSpc>
                           <a:spcPct val="102200"/>
                         </a:lnSpc>
                       </a:pPr>
                       <a:r>
-                        <a:rPr lang="en-US" sz="900" spc="0">
+                        <a:rPr lang="pt-BR" sz="900" dirty="0">
                           <a:solidFill>
                             <a:srgbClr val="020302"/>
                           </a:solidFill>
                           <a:latin typeface="AdobeClean-Light"/>
                           <a:cs typeface="AdobeClean-Light"/>
                         </a:rPr>
-                        <a:t>Business days /       3 days</a:t>
+                        <a:t>Dias úteis /</a:t>
                       </a:r>
-                      <a:endParaRPr lang="en-US" sz="900" spc="0">
-                        <a:latin typeface="AdobeClean-Light"/>
-                        <a:cs typeface="AdobeClean-Light"/>
-                      </a:endParaRPr>
+                      <a:br>
+                        <a:rPr lang="pt-BR" sz="900" dirty="0">
+                          <a:solidFill>
+                            <a:srgbClr val="020302"/>
+                          </a:solidFill>
+                          <a:latin typeface="AdobeClean-Light"/>
+                          <a:cs typeface="AdobeClean-Light"/>
+                        </a:rPr>
+                      </a:br>
+                      <a:r>
+                        <a:rPr lang="pt-BR" sz="900" dirty="0">
+                          <a:solidFill>
+                            <a:srgbClr val="020302"/>
+                          </a:solidFill>
+                          <a:latin typeface="AdobeClean-Light"/>
+                          <a:cs typeface="AdobeClean-Light"/>
+                        </a:rPr>
+                        <a:t>3 dias</a:t>
+                      </a:r>
                     </a:p>
                   </a:txBody>
                   <a:tcPr marL="0" marR="0" marT="0" marB="0" anchor="ctr">
@@ -4224,25 +3548,40 @@
                     <a:bodyPr/>
                     <a:lstStyle/>
                     <a:p>
-                      <a:pPr marL="473075" marR="343535" indent="-175895" algn="l">
+                      <a:pPr marL="342900" marR="343535" indent="0" algn="ctr">
                         <a:lnSpc>
                           <a:spcPct val="102200"/>
                         </a:lnSpc>
                       </a:pPr>
                       <a:r>
-                        <a:rPr lang="en-US" sz="900" spc="0" dirty="0">
+                        <a:rPr lang="pt-BR" sz="900" dirty="0">
                           <a:solidFill>
                             <a:srgbClr val="020302"/>
                           </a:solidFill>
                           <a:latin typeface="AdobeClean-Light"/>
                           <a:cs typeface="AdobeClean-Light"/>
                         </a:rPr>
-                        <a:t>Business days /       1 day</a:t>
+                        <a:t>Dias úteis /</a:t>
                       </a:r>
-                      <a:endParaRPr lang="en-US" sz="900" spc="0" dirty="0">
-                        <a:latin typeface="AdobeClean-Light"/>
-                        <a:cs typeface="AdobeClean-Light"/>
-                      </a:endParaRPr>
+                      <a:br>
+                        <a:rPr lang="pt-BR" sz="900" dirty="0">
+                          <a:solidFill>
+                            <a:srgbClr val="020302"/>
+                          </a:solidFill>
+                          <a:latin typeface="AdobeClean-Light"/>
+                          <a:cs typeface="AdobeClean-Light"/>
+                        </a:rPr>
+                      </a:br>
+                      <a:r>
+                        <a:rPr lang="pt-BR" sz="900" dirty="0">
+                          <a:solidFill>
+                            <a:srgbClr val="020302"/>
+                          </a:solidFill>
+                          <a:latin typeface="AdobeClean-Light"/>
+                          <a:cs typeface="AdobeClean-Light"/>
+                        </a:rPr>
+                        <a:t>1 dia</a:t>
+                      </a:r>
                     </a:p>
                   </a:txBody>
                   <a:tcPr marL="0" marR="0" marT="27940" marB="0" anchor="ctr">
@@ -4321,7 +3660,7 @@
         <p:spPr>
           <a:xfrm>
             <a:off x="97787" y="9888626"/>
-            <a:ext cx="2202180" cy="149860"/>
+            <a:ext cx="2468880" cy="149860"/>
           </a:xfrm>
           <a:prstGeom prst="rect">
             <a:avLst/>
@@ -4342,99 +3681,15 @@
               </a:spcBef>
             </a:pPr>
             <a:r>
-              <a:rPr sz="800" spc="-15">
+              <a:rPr lang="pt-BR" sz="800" dirty="0">
                 <a:solidFill>
                   <a:srgbClr val="6D6D6D"/>
                 </a:solidFill>
                 <a:latin typeface="Adobe Clean"/>
                 <a:cs typeface="Adobe Clean"/>
               </a:rPr>
-              <a:t>©2021 </a:t>
-            </a:r>
-            <a:r>
-              <a:rPr sz="800" spc="-5">
-                <a:solidFill>
-                  <a:srgbClr val="6D6D6D"/>
-                </a:solidFill>
-                <a:latin typeface="Adobe Clean"/>
-                <a:cs typeface="Adobe Clean"/>
-              </a:rPr>
-              <a:t>Adobe. All</a:t>
-            </a:r>
-            <a:r>
-              <a:rPr sz="800" spc="-15">
-                <a:solidFill>
-                  <a:srgbClr val="6D6D6D"/>
-                </a:solidFill>
-                <a:latin typeface="Adobe Clean"/>
-                <a:cs typeface="Adobe Clean"/>
-              </a:rPr>
-              <a:t> Rights</a:t>
-            </a:r>
-            <a:r>
-              <a:rPr sz="800" spc="-5">
-                <a:solidFill>
-                  <a:srgbClr val="6D6D6D"/>
-                </a:solidFill>
-                <a:latin typeface="Adobe Clean"/>
-                <a:cs typeface="Adobe Clean"/>
-              </a:rPr>
-              <a:t> </a:t>
-            </a:r>
-            <a:r>
-              <a:rPr sz="800" spc="-15">
-                <a:solidFill>
-                  <a:srgbClr val="6D6D6D"/>
-                </a:solidFill>
-                <a:latin typeface="Adobe Clean"/>
-                <a:cs typeface="Adobe Clean"/>
-              </a:rPr>
-              <a:t>Reserved.</a:t>
-            </a:r>
-            <a:r>
-              <a:rPr sz="800" spc="-10">
-                <a:solidFill>
-                  <a:srgbClr val="6D6D6D"/>
-                </a:solidFill>
-                <a:latin typeface="Adobe Clean"/>
-                <a:cs typeface="Adobe Clean"/>
-              </a:rPr>
-              <a:t> </a:t>
-            </a:r>
-            <a:r>
-              <a:rPr sz="800" spc="-5">
-                <a:solidFill>
-                  <a:srgbClr val="6D6D6D"/>
-                </a:solidFill>
-                <a:latin typeface="Adobe Clean"/>
-                <a:cs typeface="Adobe Clean"/>
-              </a:rPr>
-              <a:t>Adobe</a:t>
-            </a:r>
-            <a:r>
-              <a:rPr sz="800" spc="65">
-                <a:solidFill>
-                  <a:srgbClr val="6D6D6D"/>
-                </a:solidFill>
-                <a:latin typeface="Adobe Clean"/>
-                <a:cs typeface="Adobe Clean"/>
-              </a:rPr>
-              <a:t> </a:t>
-            </a:r>
-            <a:r>
-              <a:rPr sz="800" spc="-15">
-                <a:solidFill>
-                  <a:srgbClr val="6D6D6D"/>
-                </a:solidFill>
-                <a:latin typeface="Adobe Clean"/>
-                <a:cs typeface="Adobe Clean"/>
-              </a:rPr>
-              <a:t>Confidential.</a:t>
-            </a:r>
-            <a:endParaRPr sz="800">
-              <a:latin typeface="Adobe Clean"/>
-              <a:cs typeface="Adobe Clean"/>
-            </a:endParaRPr>
+              <a:t>©2021 Adobe. All Rights Reserved. Adobe Confidential.</a:t>
+            </a:r>
           </a:p>
         </p:txBody>
       </p:sp>
@@ -4467,7 +3722,7 @@
           <a:lstStyle/>
           <a:p>
             <a:r>
-              <a:rPr lang="en-US" sz="700" i="1">
+              <a:rPr lang="pt-BR" sz="700" i="1">
                 <a:solidFill>
                   <a:schemeClr val="bg1"/>
                 </a:solidFill>
@@ -4499,7 +3754,7 @@
         </p:nvGraphicFramePr>
         <p:xfrm>
           <a:off x="273550" y="2258474"/>
-          <a:ext cx="7281935" cy="4738570"/>
+          <a:ext cx="7281935" cy="4838895"/>
         </p:xfrm>
         <a:graphic>
           <a:graphicData uri="http://schemas.openxmlformats.org/drawingml/2006/table">
@@ -4581,39 +3836,15 @@
                         <a:defRPr/>
                       </a:pPr>
                       <a:r>
-                        <a:rPr lang="en-US" sz="900" spc="-20" dirty="0">
+                        <a:rPr lang="pt-BR" sz="900">
                           <a:solidFill>
                             <a:srgbClr val="404040"/>
                           </a:solidFill>
                           <a:latin typeface="Adobe Clean"/>
                           <a:cs typeface="Adobe Clean"/>
                         </a:rPr>
-                        <a:t>Standard </a:t>
+                        <a:t>Suporte Standard</a:t>
                       </a:r>
-                      <a:r>
-                        <a:rPr lang="en-US" sz="900" spc="-135" dirty="0">
-                          <a:solidFill>
-                            <a:srgbClr val="404040"/>
-                          </a:solidFill>
-                          <a:latin typeface="Adobe Clean"/>
-                          <a:cs typeface="Adobe Clean"/>
-                        </a:rPr>
-                        <a:t> </a:t>
-                      </a:r>
-                      <a:r>
-                        <a:rPr lang="en-US" sz="900" spc="-20" dirty="0">
-                          <a:solidFill>
-                            <a:srgbClr val="404040"/>
-                          </a:solidFill>
-                          <a:latin typeface="Adobe Clean"/>
-                          <a:cs typeface="Adobe Clean"/>
-                        </a:rPr>
-                        <a:t>Support</a:t>
-                      </a:r>
-                      <a:endParaRPr lang="en-US" sz="900" dirty="0">
-                        <a:latin typeface="Adobe Clean"/>
-                        <a:cs typeface="Adobe Clean"/>
-                      </a:endParaRPr>
                     </a:p>
                   </a:txBody>
                   <a:tcPr marL="0" marR="0" marT="7620" marB="0" anchor="ctr">
@@ -4654,29 +3885,15 @@
                         </a:spcBef>
                       </a:pPr>
                       <a:r>
-                        <a:rPr lang="en-US" sz="900" spc="-20">
+                        <a:rPr lang="pt-BR" sz="900">
                           <a:solidFill>
                             <a:srgbClr val="FFFFFF"/>
                           </a:solidFill>
                           <a:latin typeface="Adobe Clean"/>
                           <a:cs typeface="Adobe Clean"/>
                         </a:rPr>
-                        <a:t>Elite </a:t>
+                        <a:t>Suporte Elite</a:t>
                       </a:r>
-                      <a:r>
-                        <a:rPr sz="900" spc="-20">
-                          <a:solidFill>
-                            <a:srgbClr val="FFFFFF"/>
-                          </a:solidFill>
-                          <a:latin typeface="Adobe Clean"/>
-                          <a:cs typeface="Adobe Clean"/>
-                        </a:rPr>
-                        <a:t>Support</a:t>
-                      </a:r>
-                      <a:endParaRPr sz="900">
-                        <a:latin typeface="Adobe Clean"/>
-                        <a:cs typeface="Adobe Clean"/>
-                      </a:endParaRPr>
                     </a:p>
                   </a:txBody>
                   <a:tcPr marL="0" marR="0" marT="7620" marB="0" anchor="ctr">
@@ -4741,7 +3958,7 @@
                     <a:bodyPr/>
                     <a:lstStyle/>
                     <a:p>
-                      <a:pPr marL="0" marR="0" lvl="0" indent="0" algn="ctr" defTabSz="914400" eaLnBrk="1" fontAlgn="auto" latinLnBrk="0" hangingPunct="1">
+                      <a:pPr marL="0" marR="0" lvl="0" indent="0" algn="l" defTabSz="914400" rtl="0" eaLnBrk="1" fontAlgn="auto" latinLnBrk="0" hangingPunct="1">
                         <a:lnSpc>
                           <a:spcPct val="100000"/>
                         </a:lnSpc>
@@ -4822,13 +4039,13 @@
                         <a:defRPr/>
                       </a:pPr>
                       <a:r>
-                        <a:rPr lang="en-US" sz="800" i="1">
+                        <a:rPr lang="pt-BR" sz="800" i="1">
                           <a:solidFill>
                             <a:schemeClr val="bg1"/>
                           </a:solidFill>
                           <a:latin typeface="Adobe Clean Light" panose="020B0303020404020204" pitchFamily="34" charset="0"/>
                         </a:rPr>
-                        <a:t>Paid Support ($)</a:t>
+                        <a:t>Suporte pago ($)</a:t>
                       </a:r>
                     </a:p>
                   </a:txBody>
@@ -4892,22 +4109,15 @@
                         </a:spcBef>
                       </a:pPr>
                       <a:r>
-                        <a:rPr lang="en-US" sz="1000" b="1" i="0" spc="0">
+                        <a:rPr lang="pt-BR" sz="1000" b="1" i="0">
                           <a:solidFill>
                             <a:schemeClr val="bg1"/>
                           </a:solidFill>
                           <a:latin typeface="Adobe Clean" panose="020B0503020404020204" pitchFamily="34" charset="0"/>
                           <a:cs typeface="AdobeClean-Light"/>
                         </a:rPr>
-                        <a:t>Assigned Experts</a:t>
+                        <a:t>Especialistas atribuídos</a:t>
                       </a:r>
-                      <a:endParaRPr sz="1000" b="1" i="0" spc="0">
-                        <a:solidFill>
-                          <a:schemeClr val="bg1"/>
-                        </a:solidFill>
-                        <a:latin typeface="Adobe Clean" panose="020B0503020404020204" pitchFamily="34" charset="0"/>
-                        <a:cs typeface="AdobeClean-Light"/>
-                      </a:endParaRPr>
                     </a:p>
                   </a:txBody>
                   <a:tcPr marL="0" marR="0" marT="58419" marB="0" anchor="ctr">
@@ -4954,19 +4164,15 @@
                         </a:spcBef>
                       </a:pPr>
                       <a:r>
-                        <a:rPr sz="900" spc="0">
+                        <a:rPr lang="pt-BR" sz="900">
                           <a:solidFill>
                             <a:srgbClr val="020302"/>
                           </a:solidFill>
                           <a:latin typeface="AdobeClean-Light"/>
                           <a:cs typeface="AdobeClean-Light"/>
                         </a:rPr>
-                        <a:t>Account Support Lead</a:t>
+                        <a:t>Líder de suporte da conta</a:t>
                       </a:r>
-                      <a:endParaRPr sz="900" spc="0">
-                        <a:latin typeface="AdobeClean-Light"/>
-                        <a:cs typeface="AdobeClean-Light"/>
-                      </a:endParaRPr>
                     </a:p>
                   </a:txBody>
                   <a:tcPr marL="0" marR="0" marT="58419" marB="0">
@@ -5001,7 +4207,7 @@
                     <a:bodyPr/>
                     <a:lstStyle/>
                     <a:p>
-                      <a:pPr algn="ctr">
+                      <a:pPr algn="l" rtl="0">
                         <a:lnSpc>
                           <a:spcPct val="100000"/>
                         </a:lnSpc>
@@ -5042,7 +4248,7 @@
                     <a:bodyPr/>
                     <a:lstStyle/>
                     <a:p>
-                      <a:pPr algn="ctr">
+                      <a:pPr algn="l" rtl="0">
                         <a:lnSpc>
                           <a:spcPct val="100000"/>
                         </a:lnSpc>
@@ -5085,7 +4291,7 @@
                     <a:bodyPr/>
                     <a:lstStyle/>
                     <a:p>
-                      <a:pPr marL="50800">
+                      <a:pPr marL="50800" algn="l" rtl="0">
                         <a:lnSpc>
                           <a:spcPct val="100000"/>
                         </a:lnSpc>
@@ -5131,19 +4337,15 @@
                         </a:spcBef>
                       </a:pPr>
                       <a:r>
-                        <a:rPr sz="900" spc="0">
+                        <a:rPr lang="pt-BR" sz="900" dirty="0">
                           <a:solidFill>
                             <a:srgbClr val="020302"/>
                           </a:solidFill>
                           <a:latin typeface="AdobeClean-Light"/>
                           <a:cs typeface="AdobeClean-Light"/>
                         </a:rPr>
-                        <a:t>Named Support Engineer</a:t>
+                        <a:t>Engenheiro de suporte nomeado</a:t>
                       </a:r>
-                      <a:endParaRPr sz="900" spc="0">
-                        <a:latin typeface="AdobeClean-Light"/>
-                        <a:cs typeface="AdobeClean-Light"/>
-                      </a:endParaRPr>
                     </a:p>
                   </a:txBody>
                   <a:tcPr marL="0" marR="0" marT="58419" marB="0">
@@ -5166,7 +4368,7 @@
                     <a:bodyPr/>
                     <a:lstStyle/>
                     <a:p>
-                      <a:pPr algn="ctr">
+                      <a:pPr algn="l" rtl="0">
                         <a:lnSpc>
                           <a:spcPct val="100000"/>
                         </a:lnSpc>
@@ -5213,7 +4415,7 @@
                         <a:defRPr/>
                       </a:pPr>
                       <a:r>
-                        <a:rPr lang="en-US" sz="900">
+                        <a:rPr lang="pt-BR" sz="900">
                           <a:solidFill>
                             <a:srgbClr val="020302"/>
                           </a:solidFill>
@@ -5222,10 +4424,6 @@
                         </a:rPr>
                         <a:t></a:t>
                       </a:r>
-                      <a:endParaRPr lang="en-US" sz="900">
-                        <a:latin typeface="Wingdings"/>
-                        <a:cs typeface="Wingdings"/>
-                      </a:endParaRPr>
                     </a:p>
                   </a:txBody>
                   <a:tcPr marL="0" marR="0" marT="0" marB="0" anchor="ctr">
@@ -5248,7 +4446,7 @@
                     <a:bodyPr/>
                     <a:lstStyle/>
                     <a:p>
-                      <a:pPr marL="50800">
+                      <a:pPr marL="50800" algn="l" rtl="0">
                         <a:lnSpc>
                           <a:spcPct val="100000"/>
                         </a:lnSpc>
@@ -5306,19 +4504,15 @@
                         </a:spcBef>
                       </a:pPr>
                       <a:r>
-                        <a:rPr sz="900" spc="0">
+                        <a:rPr lang="pt-BR" sz="900">
                           <a:solidFill>
                             <a:srgbClr val="020302"/>
                           </a:solidFill>
                           <a:latin typeface="AdobeClean-Light"/>
                           <a:cs typeface="AdobeClean-Light"/>
                         </a:rPr>
-                        <a:t>Technical Account Manager</a:t>
+                        <a:t>Gerente técnico de conta</a:t>
                       </a:r>
-                      <a:endParaRPr sz="900" spc="0">
-                        <a:latin typeface="AdobeClean-Light"/>
-                        <a:cs typeface="AdobeClean-Light"/>
-                      </a:endParaRPr>
                     </a:p>
                   </a:txBody>
                   <a:tcPr marL="0" marR="0" marT="63500" marB="0">
@@ -5347,7 +4541,7 @@
                     <a:bodyPr/>
                     <a:lstStyle/>
                     <a:p>
-                      <a:pPr algn="ctr">
+                      <a:pPr algn="l" rtl="0">
                         <a:lnSpc>
                           <a:spcPct val="100000"/>
                         </a:lnSpc>
@@ -5403,7 +4597,7 @@
                         <a:defRPr/>
                       </a:pPr>
                       <a:r>
-                        <a:rPr lang="en-US" sz="900">
+                        <a:rPr lang="pt-BR" sz="900">
                           <a:solidFill>
                             <a:srgbClr val="020302"/>
                           </a:solidFill>
@@ -5412,10 +4606,6 @@
                         </a:rPr>
                         <a:t></a:t>
                       </a:r>
-                      <a:endParaRPr lang="en-US" sz="900">
-                        <a:latin typeface="Wingdings"/>
-                        <a:cs typeface="Wingdings"/>
-                      </a:endParaRPr>
                     </a:p>
                   </a:txBody>
                   <a:tcPr marL="0" marR="0" marT="0" marB="0" anchor="ctr">
@@ -5456,22 +4646,15 @@
                         </a:spcBef>
                       </a:pPr>
                       <a:r>
-                        <a:rPr lang="en-US" sz="1000" b="1" i="0" spc="0">
+                        <a:rPr lang="pt-BR" sz="1000" b="1" i="0">
                           <a:solidFill>
                             <a:schemeClr val="bg1"/>
                           </a:solidFill>
                           <a:latin typeface="Adobe Clean" panose="020B0503020404020204" pitchFamily="34" charset="0"/>
                           <a:cs typeface="AdobeClean-Light"/>
                         </a:rPr>
-                        <a:t>Support Services</a:t>
+                        <a:t>Serviços de suporte</a:t>
                       </a:r>
-                      <a:endParaRPr sz="1000" b="1" i="0" spc="0">
-                        <a:solidFill>
-                          <a:schemeClr val="bg1"/>
-                        </a:solidFill>
-                        <a:latin typeface="Adobe Clean" panose="020B0503020404020204" pitchFamily="34" charset="0"/>
-                        <a:cs typeface="AdobeClean-Light"/>
-                      </a:endParaRPr>
                     </a:p>
                   </a:txBody>
                   <a:tcPr marL="0" marR="0" marT="57150" marB="0" anchor="ctr">
@@ -5527,29 +4710,15 @@
                         </a:spcBef>
                       </a:pPr>
                       <a:r>
-                        <a:rPr lang="en-US" sz="900" spc="0">
+                        <a:rPr lang="pt-BR" sz="900">
                           <a:solidFill>
                             <a:srgbClr val="020302"/>
                           </a:solidFill>
                           <a:latin typeface="AdobeClean-Light"/>
                           <a:cs typeface="AdobeClean-Light"/>
                         </a:rPr>
-                        <a:t>Online</a:t>
+                        <a:t>Suporte Online</a:t>
                       </a:r>
-                      <a:r>
-                        <a:rPr sz="900" spc="0">
-                          <a:solidFill>
-                            <a:srgbClr val="020302"/>
-                          </a:solidFill>
-                          <a:latin typeface="AdobeClean-Light"/>
-                          <a:cs typeface="AdobeClean-Light"/>
-                        </a:rPr>
-                        <a:t> Support</a:t>
-                      </a:r>
-                      <a:endParaRPr sz="900" spc="0">
-                        <a:latin typeface="AdobeClean-Light"/>
-                        <a:cs typeface="AdobeClean-Light"/>
-                      </a:endParaRPr>
                     </a:p>
                   </a:txBody>
                   <a:tcPr marL="0" marR="0" marT="57150" marB="0">
@@ -5587,39 +4756,15 @@
                         </a:spcBef>
                       </a:pPr>
                       <a:r>
-                        <a:rPr sz="900" spc="-25">
+                        <a:rPr lang="pt-BR" sz="900">
                           <a:solidFill>
                             <a:srgbClr val="020302"/>
                           </a:solidFill>
                           <a:latin typeface="AdobeClean-Light"/>
                           <a:cs typeface="AdobeClean-Light"/>
                         </a:rPr>
-                        <a:t>Business</a:t>
+                        <a:t>Horário comercial</a:t>
                       </a:r>
-                      <a:r>
-                        <a:rPr sz="900" spc="-15">
-                          <a:solidFill>
-                            <a:srgbClr val="020302"/>
-                          </a:solidFill>
-                          <a:latin typeface="AdobeClean-Light"/>
-                          <a:cs typeface="AdobeClean-Light"/>
-                        </a:rPr>
-                        <a:t> </a:t>
-                      </a:r>
-                      <a:r>
-                        <a:rPr sz="900" spc="-30">
-                          <a:solidFill>
-                            <a:srgbClr val="020302"/>
-                          </a:solidFill>
-                          <a:latin typeface="AdobeClean-Light"/>
-                          <a:cs typeface="AdobeClean-Light"/>
-                        </a:rPr>
-                        <a:t>hours</a:t>
-                      </a:r>
-                      <a:endParaRPr sz="900">
-                        <a:latin typeface="AdobeClean-Light"/>
-                        <a:cs typeface="AdobeClean-Light"/>
-                      </a:endParaRPr>
                     </a:p>
                   </a:txBody>
                   <a:tcPr marL="0" marR="0" marT="67945" marB="0">
@@ -5658,7 +4803,7 @@
                         </a:spcBef>
                       </a:pPr>
                       <a:r>
-                        <a:rPr lang="en-US" sz="900" spc="-25">
+                        <a:rPr lang="pt-BR" sz="900">
                           <a:solidFill>
                             <a:srgbClr val="020302"/>
                           </a:solidFill>
@@ -5667,10 +4812,6 @@
                         </a:rPr>
                         <a:t>24x5</a:t>
                       </a:r>
-                      <a:endParaRPr sz="900">
-                        <a:latin typeface="AdobeClean-Light"/>
-                        <a:cs typeface="AdobeClean-Light"/>
-                      </a:endParaRPr>
                     </a:p>
                   </a:txBody>
                   <a:tcPr marL="0" marR="0" marT="67945" marB="0" anchor="ctr">
@@ -5702,7 +4843,7 @@
                     <a:bodyPr/>
                     <a:lstStyle/>
                     <a:p>
-                      <a:pPr marL="50800">
+                      <a:pPr marL="50800" algn="l" rtl="0">
                         <a:lnSpc>
                           <a:spcPct val="100000"/>
                         </a:lnSpc>
@@ -5751,39 +4892,15 @@
                         </a:spcBef>
                       </a:pPr>
                       <a:r>
-                        <a:rPr sz="900" spc="0">
+                        <a:rPr lang="pt-BR" sz="900">
                           <a:solidFill>
                             <a:srgbClr val="020302"/>
                           </a:solidFill>
                           <a:latin typeface="AdobeClean-Light"/>
                           <a:cs typeface="AdobeClean-Light"/>
                         </a:rPr>
-                        <a:t>24x7</a:t>
+                        <a:t>Suporte 24x7x365 para prioridades P1</a:t>
                       </a:r>
-                      <a:r>
-                        <a:rPr lang="en-US" sz="900" spc="0">
-                          <a:solidFill>
-                            <a:srgbClr val="020302"/>
-                          </a:solidFill>
-                          <a:latin typeface="AdobeClean-Light"/>
-                          <a:cs typeface="AdobeClean-Light"/>
-                        </a:rPr>
-                        <a:t>x365</a:t>
-                      </a:r>
-                      <a:r>
-                        <a:rPr sz="900" spc="0">
-                          <a:solidFill>
-                            <a:srgbClr val="020302"/>
-                          </a:solidFill>
-                          <a:latin typeface="AdobeClean-Light"/>
-                          <a:cs typeface="AdobeClean-Light"/>
-                        </a:rPr>
-                        <a:t> P1 Issue Support</a:t>
-                      </a:r>
-                      <a:endParaRPr sz="900" spc="0">
-                        <a:latin typeface="AdobeClean-Light"/>
-                        <a:cs typeface="AdobeClean-Light"/>
-                      </a:endParaRPr>
                     </a:p>
                   </a:txBody>
                   <a:tcPr marL="0" marR="0" marT="57785" marB="0">
@@ -5815,7 +4932,7 @@
                         </a:spcBef>
                       </a:pPr>
                       <a:r>
-                        <a:rPr sz="900">
+                        <a:rPr lang="pt-BR" sz="900">
                           <a:solidFill>
                             <a:srgbClr val="020302"/>
                           </a:solidFill>
@@ -5824,10 +4941,6 @@
                         </a:rPr>
                         <a:t></a:t>
                       </a:r>
-                      <a:endParaRPr sz="900">
-                        <a:latin typeface="Wingdings"/>
-                        <a:cs typeface="Wingdings"/>
-                      </a:endParaRPr>
                     </a:p>
                   </a:txBody>
                   <a:tcPr marL="0" marR="0" marT="58419" marB="0">
@@ -5857,7 +4970,7 @@
                         </a:spcBef>
                       </a:pPr>
                       <a:r>
-                        <a:rPr sz="900">
+                        <a:rPr lang="pt-BR" sz="900">
                           <a:solidFill>
                             <a:srgbClr val="020302"/>
                           </a:solidFill>
@@ -5866,10 +4979,6 @@
                         </a:rPr>
                         <a:t></a:t>
                       </a:r>
-                      <a:endParaRPr sz="900">
-                        <a:latin typeface="Wingdings"/>
-                        <a:cs typeface="Wingdings"/>
-                      </a:endParaRPr>
                     </a:p>
                   </a:txBody>
                   <a:tcPr marL="0" marR="0" marT="58419" marB="0" anchor="ctr">
@@ -5892,7 +5001,7 @@
                     <a:bodyPr/>
                     <a:lstStyle/>
                     <a:p>
-                      <a:pPr marL="50800">
+                      <a:pPr marL="50800" algn="l" rtl="0">
                         <a:lnSpc>
                           <a:spcPct val="100000"/>
                         </a:lnSpc>
@@ -5950,19 +5059,15 @@
                         </a:spcBef>
                       </a:pPr>
                       <a:r>
-                        <a:rPr lang="en-US" sz="900" spc="0">
+                        <a:rPr lang="pt-BR" sz="900">
                           <a:solidFill>
                             <a:srgbClr val="020302"/>
                           </a:solidFill>
                           <a:latin typeface="AdobeClean-Light"/>
                           <a:cs typeface="AdobeClean-Light"/>
                         </a:rPr>
-                        <a:t>Named Support Contacts (per product)</a:t>
+                        <a:t>Contatos de suporte nomeados (por produto)</a:t>
                       </a:r>
-                      <a:endParaRPr sz="900" spc="0">
-                        <a:latin typeface="AdobeClean-Light"/>
-                        <a:cs typeface="AdobeClean-Light"/>
-                      </a:endParaRPr>
                     </a:p>
                   </a:txBody>
                   <a:tcPr marL="0" marR="0" marT="57785" marB="0">
@@ -6000,7 +5105,7 @@
                         </a:spcBef>
                       </a:pPr>
                       <a:r>
-                        <a:rPr sz="900">
+                        <a:rPr lang="pt-BR" sz="900">
                           <a:solidFill>
                             <a:srgbClr val="020302"/>
                           </a:solidFill>
@@ -6009,10 +5114,6 @@
                         </a:rPr>
                         <a:t>4</a:t>
                       </a:r>
-                      <a:endParaRPr sz="900">
-                        <a:latin typeface="AdobeClean-Light"/>
-                        <a:cs typeface="AdobeClean-Light"/>
-                      </a:endParaRPr>
                     </a:p>
                   </a:txBody>
                   <a:tcPr marL="0" marR="0" marT="57785" marB="0">
@@ -6042,7 +5143,7 @@
                         </a:spcBef>
                       </a:pPr>
                       <a:r>
-                        <a:rPr lang="en-US" sz="900">
+                        <a:rPr lang="pt-BR" sz="900">
                           <a:solidFill>
                             <a:srgbClr val="020302"/>
                           </a:solidFill>
@@ -6051,10 +5152,6 @@
                         </a:rPr>
                         <a:t>15</a:t>
                       </a:r>
-                      <a:endParaRPr sz="900">
-                        <a:latin typeface="AdobeClean-Light"/>
-                        <a:cs typeface="AdobeClean-Light"/>
-                      </a:endParaRPr>
                     </a:p>
                   </a:txBody>
                   <a:tcPr marL="0" marR="0" marT="57785" marB="0" anchor="ctr">
@@ -6077,7 +5174,7 @@
                     <a:bodyPr/>
                     <a:lstStyle/>
                     <a:p>
-                      <a:pPr marL="50800">
+                      <a:pPr marL="50800" algn="l" rtl="0">
                         <a:lnSpc>
                           <a:spcPct val="100000"/>
                         </a:lnSpc>
@@ -6126,19 +5223,15 @@
                         </a:spcBef>
                       </a:pPr>
                       <a:r>
-                        <a:rPr lang="en-US" sz="900" spc="0">
+                        <a:rPr lang="pt-BR" sz="900">
                           <a:solidFill>
                             <a:srgbClr val="020302"/>
                           </a:solidFill>
                           <a:latin typeface="AdobeClean-Light"/>
                           <a:cs typeface="AdobeClean-Light"/>
                         </a:rPr>
-                        <a:t>Live Telephone Support</a:t>
+                        <a:t>Suporte telefônico ao vivo</a:t>
                       </a:r>
-                      <a:endParaRPr sz="900" spc="0">
-                        <a:latin typeface="AdobeClean-Light"/>
-                        <a:cs typeface="AdobeClean-Light"/>
-                      </a:endParaRPr>
                     </a:p>
                   </a:txBody>
                   <a:tcPr marL="0" marR="0" marT="57785" marB="0">
@@ -6161,7 +5254,7 @@
                     <a:bodyPr/>
                     <a:lstStyle/>
                     <a:p>
-                      <a:pPr algn="ctr">
+                      <a:pPr algn="l" rtl="0">
                         <a:lnSpc>
                           <a:spcPct val="100000"/>
                         </a:lnSpc>
@@ -6202,7 +5295,7 @@
                         </a:spcBef>
                       </a:pPr>
                       <a:r>
-                        <a:rPr sz="900">
+                        <a:rPr lang="pt-BR" sz="900">
                           <a:solidFill>
                             <a:srgbClr val="020302"/>
                           </a:solidFill>
@@ -6211,10 +5304,6 @@
                         </a:rPr>
                         <a:t></a:t>
                       </a:r>
-                      <a:endParaRPr sz="900">
-                        <a:latin typeface="Wingdings"/>
-                        <a:cs typeface="Wingdings"/>
-                      </a:endParaRPr>
                     </a:p>
                   </a:txBody>
                   <a:tcPr marL="0" marR="0" marT="59054" marB="0" anchor="ctr">
@@ -6237,7 +5326,7 @@
                     <a:bodyPr/>
                     <a:lstStyle/>
                     <a:p>
-                      <a:pPr marL="50800">
+                      <a:pPr marL="50800" algn="l" rtl="0">
                         <a:lnSpc>
                           <a:spcPct val="100000"/>
                         </a:lnSpc>
@@ -6286,19 +5375,15 @@
                         </a:spcBef>
                       </a:pPr>
                       <a:r>
-                        <a:rPr sz="900" spc="0">
+                        <a:rPr lang="pt-BR" sz="900">
                           <a:solidFill>
                             <a:srgbClr val="020302"/>
                           </a:solidFill>
                           <a:latin typeface="AdobeClean-Light"/>
                           <a:cs typeface="AdobeClean-Light"/>
                         </a:rPr>
-                        <a:t>Escalation Management</a:t>
+                        <a:t>Gestão de encaminhamento</a:t>
                       </a:r>
-                      <a:endParaRPr sz="900" spc="0">
-                        <a:latin typeface="AdobeClean-Light"/>
-                        <a:cs typeface="AdobeClean-Light"/>
-                      </a:endParaRPr>
                     </a:p>
                   </a:txBody>
                   <a:tcPr marL="0" marR="0" marT="58419" marB="0">
@@ -6321,7 +5406,7 @@
                     <a:bodyPr/>
                     <a:lstStyle/>
                     <a:p>
-                      <a:pPr algn="ctr">
+                      <a:pPr algn="l" rtl="0">
                         <a:lnSpc>
                           <a:spcPct val="100000"/>
                         </a:lnSpc>
@@ -6362,7 +5447,7 @@
                         </a:spcBef>
                       </a:pPr>
                       <a:r>
-                        <a:rPr sz="900">
+                        <a:rPr lang="pt-BR" sz="900">
                           <a:solidFill>
                             <a:srgbClr val="020302"/>
                           </a:solidFill>
@@ -6371,10 +5456,6 @@
                         </a:rPr>
                         <a:t></a:t>
                       </a:r>
-                      <a:endParaRPr sz="900">
-                        <a:latin typeface="Wingdings"/>
-                        <a:cs typeface="Wingdings"/>
-                      </a:endParaRPr>
                     </a:p>
                   </a:txBody>
                   <a:tcPr marL="0" marR="0" marT="59690" marB="0" anchor="ctr">
@@ -6397,7 +5478,7 @@
                     <a:bodyPr/>
                     <a:lstStyle/>
                     <a:p>
-                      <a:pPr marL="50800">
+                      <a:pPr marL="50800" algn="l" rtl="0">
                         <a:lnSpc>
                           <a:spcPct val="100000"/>
                         </a:lnSpc>
@@ -6446,29 +5527,15 @@
                         </a:spcBef>
                       </a:pPr>
                       <a:r>
-                        <a:rPr sz="900" spc="0">
+                        <a:rPr lang="pt-BR" sz="900">
                           <a:solidFill>
                             <a:srgbClr val="020302"/>
                           </a:solidFill>
                           <a:latin typeface="AdobeClean-Light"/>
                           <a:cs typeface="AdobeClean-Light"/>
                         </a:rPr>
-                        <a:t>Service Reviews </a:t>
+                        <a:t>Revisões de serviço por ano</a:t>
                       </a:r>
-                      <a:r>
-                        <a:rPr lang="en-US" sz="900" spc="0">
-                          <a:solidFill>
-                            <a:srgbClr val="020302"/>
-                          </a:solidFill>
-                          <a:latin typeface="AdobeClean-Light"/>
-                          <a:cs typeface="AdobeClean-Light"/>
-                        </a:rPr>
-                        <a:t>per Year</a:t>
-                      </a:r>
-                      <a:endParaRPr sz="900" spc="0">
-                        <a:latin typeface="AdobeClean-Light"/>
-                        <a:cs typeface="AdobeClean-Light"/>
-                      </a:endParaRPr>
                     </a:p>
                   </a:txBody>
                   <a:tcPr marL="0" marR="0" marT="57150" marB="0">
@@ -6491,7 +5558,7 @@
                     <a:bodyPr/>
                     <a:lstStyle/>
                     <a:p>
-                      <a:pPr>
+                      <a:pPr algn="l" rtl="0">
                         <a:lnSpc>
                           <a:spcPct val="100000"/>
                         </a:lnSpc>
@@ -6526,16 +5593,12 @@
                         </a:lnSpc>
                       </a:pPr>
                       <a:r>
-                        <a:rPr lang="en-US" sz="900">
+                        <a:rPr lang="pt-BR" sz="900">
                           <a:latin typeface="Times New Roman"/>
                           <a:cs typeface="Times New Roman"/>
                         </a:rPr>
                         <a:t>4</a:t>
                       </a:r>
-                      <a:endParaRPr sz="900">
-                        <a:latin typeface="Times New Roman"/>
-                        <a:cs typeface="Times New Roman"/>
-                      </a:endParaRPr>
                     </a:p>
                   </a:txBody>
                   <a:tcPr marL="0" marR="0" marT="0" marB="0" anchor="ctr">
@@ -6577,16 +5640,12 @@
                         </a:spcBef>
                       </a:pPr>
                       <a:r>
-                        <a:rPr lang="en-US" sz="900" spc="0">
+                        <a:rPr lang="pt-BR" sz="900">
                           <a:latin typeface="AdobeClean-Light"/>
                           <a:cs typeface="AdobeClean-Light"/>
                         </a:rPr>
-                        <a:t>Expert Sessions per Year</a:t>
+                        <a:t>Sessões de especialistas por ano</a:t>
                       </a:r>
-                      <a:endParaRPr sz="900" spc="0">
-                        <a:latin typeface="AdobeClean-Light"/>
-                        <a:cs typeface="AdobeClean-Light"/>
-                      </a:endParaRPr>
                     </a:p>
                   </a:txBody>
                   <a:tcPr marL="0" marR="0" marT="57150" marB="0">
@@ -6615,7 +5674,7 @@
                     <a:bodyPr/>
                     <a:lstStyle/>
                     <a:p>
-                      <a:pPr>
+                      <a:pPr algn="l" rtl="0">
                         <a:lnSpc>
                           <a:spcPct val="100000"/>
                         </a:lnSpc>
@@ -6650,16 +5709,12 @@
                         </a:lnSpc>
                       </a:pPr>
                       <a:r>
-                        <a:rPr lang="en-US" sz="900">
+                        <a:rPr lang="pt-BR" sz="900">
                           <a:latin typeface="Times New Roman"/>
                           <a:cs typeface="Times New Roman"/>
                         </a:rPr>
                         <a:t>4</a:t>
                       </a:r>
-                      <a:endParaRPr sz="900">
-                        <a:latin typeface="Times New Roman"/>
-                        <a:cs typeface="Times New Roman"/>
-                      </a:endParaRPr>
                     </a:p>
                   </a:txBody>
                   <a:tcPr marL="0" marR="0" marT="0" marB="0" anchor="ctr">
@@ -6701,16 +5756,12 @@
                         </a:spcBef>
                       </a:pPr>
                       <a:r>
-                        <a:rPr lang="en-US" sz="900" spc="0">
+                        <a:rPr lang="pt-BR" sz="900">
                           <a:latin typeface="AdobeClean-Light"/>
                           <a:cs typeface="AdobeClean-Light"/>
                         </a:rPr>
-                        <a:t>Case Reviews</a:t>
+                        <a:t>Revisões de caso</a:t>
                       </a:r>
-                      <a:endParaRPr sz="900" spc="0">
-                        <a:latin typeface="AdobeClean-Light"/>
-                        <a:cs typeface="AdobeClean-Light"/>
-                      </a:endParaRPr>
                     </a:p>
                   </a:txBody>
                   <a:tcPr marL="0" marR="0" marT="57150" marB="0">
@@ -6739,7 +5790,7 @@
                     <a:bodyPr/>
                     <a:lstStyle/>
                     <a:p>
-                      <a:pPr>
+                      <a:pPr algn="l" rtl="0">
                         <a:lnSpc>
                           <a:spcPct val="100000"/>
                         </a:lnSpc>
@@ -6786,7 +5837,7 @@
                         <a:defRPr/>
                       </a:pPr>
                       <a:r>
-                        <a:rPr lang="en-US" sz="900">
+                        <a:rPr lang="pt-BR" sz="900">
                           <a:solidFill>
                             <a:srgbClr val="020302"/>
                           </a:solidFill>
@@ -6795,10 +5846,6 @@
                         </a:rPr>
                         <a:t></a:t>
                       </a:r>
-                      <a:endParaRPr lang="en-US" sz="900">
-                        <a:latin typeface="Wingdings"/>
-                        <a:cs typeface="Wingdings"/>
-                      </a:endParaRPr>
                     </a:p>
                   </a:txBody>
                   <a:tcPr marL="0" marR="0" marT="0" marB="0" anchor="ctr">
@@ -6821,7 +5868,7 @@
                     <a:bodyPr/>
                     <a:lstStyle/>
                     <a:p>
-                      <a:pPr marL="48895">
+                      <a:pPr marL="48895" algn="l" rtl="0">
                         <a:lnSpc>
                           <a:spcPct val="100000"/>
                         </a:lnSpc>
@@ -6879,29 +5926,15 @@
                         </a:spcBef>
                       </a:pPr>
                       <a:r>
-                        <a:rPr sz="900" spc="0">
+                        <a:rPr lang="pt-BR" sz="900">
                           <a:solidFill>
                             <a:srgbClr val="020302"/>
                           </a:solidFill>
                           <a:latin typeface="AdobeClean-Light"/>
                           <a:cs typeface="AdobeClean-Light"/>
                         </a:rPr>
-                        <a:t>Event </a:t>
+                        <a:t>Gerenciamento de eventos</a:t>
                       </a:r>
-                      <a:r>
-                        <a:rPr lang="en-US" sz="900" spc="0">
-                          <a:solidFill>
-                            <a:srgbClr val="020302"/>
-                          </a:solidFill>
-                          <a:latin typeface="AdobeClean-Light"/>
-                          <a:cs typeface="AdobeClean-Light"/>
-                        </a:rPr>
-                        <a:t>Management</a:t>
-                      </a:r>
-                      <a:endParaRPr sz="900" spc="0">
-                        <a:latin typeface="AdobeClean-Light"/>
-                        <a:cs typeface="AdobeClean-Light"/>
-                      </a:endParaRPr>
                     </a:p>
                   </a:txBody>
                   <a:tcPr marL="0" marR="0" marT="58419" marB="0">
@@ -6930,7 +5963,7 @@
                     <a:bodyPr/>
                     <a:lstStyle/>
                     <a:p>
-                      <a:pPr>
+                      <a:pPr algn="l" rtl="0">
                         <a:lnSpc>
                           <a:spcPct val="100000"/>
                         </a:lnSpc>
@@ -6977,7 +6010,7 @@
                         <a:defRPr/>
                       </a:pPr>
                       <a:r>
-                        <a:rPr lang="en-US" sz="900">
+                        <a:rPr lang="pt-BR" sz="900">
                           <a:solidFill>
                             <a:srgbClr val="020302"/>
                           </a:solidFill>
@@ -6986,10 +6019,6 @@
                         </a:rPr>
                         <a:t></a:t>
                       </a:r>
-                      <a:endParaRPr lang="en-US" sz="900">
-                        <a:latin typeface="Wingdings"/>
-                        <a:cs typeface="Wingdings"/>
-                      </a:endParaRPr>
                     </a:p>
                   </a:txBody>
                   <a:tcPr marL="0" marR="0" marT="0" marB="0" anchor="ctr">
@@ -7012,7 +6041,7 @@
                     <a:bodyPr/>
                     <a:lstStyle/>
                     <a:p>
-                      <a:pPr marL="48895">
+                      <a:pPr marL="48895" algn="l" rtl="0">
                         <a:lnSpc>
                           <a:spcPct val="100000"/>
                         </a:lnSpc>
@@ -7061,39 +6090,15 @@
                         </a:spcBef>
                       </a:pPr>
                       <a:r>
-                        <a:rPr sz="900" spc="0">
+                        <a:rPr lang="pt-BR" sz="900">
                           <a:solidFill>
                             <a:srgbClr val="020302"/>
                           </a:solidFill>
                           <a:latin typeface="AdobeClean-Light"/>
                           <a:cs typeface="AdobeClean-Light"/>
                         </a:rPr>
-                        <a:t>Environment</a:t>
+                        <a:t>Revisão, manutenção e monitoramento do ambiente</a:t>
                       </a:r>
-                      <a:r>
-                        <a:rPr lang="en-US" sz="900" spc="0">
-                          <a:solidFill>
-                            <a:srgbClr val="020302"/>
-                          </a:solidFill>
-                          <a:latin typeface="AdobeClean-Light"/>
-                          <a:cs typeface="AdobeClean-Light"/>
-                        </a:rPr>
-                        <a:t> </a:t>
-                      </a:r>
-                      <a:r>
-                        <a:rPr sz="900" spc="0">
-                          <a:solidFill>
-                            <a:srgbClr val="020302"/>
-                          </a:solidFill>
-                          <a:latin typeface="AdobeClean-Light"/>
-                          <a:cs typeface="AdobeClean-Light"/>
-                        </a:rPr>
-                        <a:t>Review, Maintenance &amp; Monitoring</a:t>
-                      </a:r>
-                      <a:endParaRPr sz="900" spc="0">
-                        <a:latin typeface="AdobeClean-Light"/>
-                        <a:cs typeface="AdobeClean-Light"/>
-                      </a:endParaRPr>
                     </a:p>
                   </a:txBody>
                   <a:tcPr marL="0" marR="0" marT="59055" marB="0">
@@ -7116,7 +6121,7 @@
                     <a:bodyPr/>
                     <a:lstStyle/>
                     <a:p>
-                      <a:pPr>
+                      <a:pPr algn="l" rtl="0">
                         <a:lnSpc>
                           <a:spcPct val="100000"/>
                         </a:lnSpc>
@@ -7163,7 +6168,7 @@
                         <a:defRPr/>
                       </a:pPr>
                       <a:r>
-                        <a:rPr lang="en-US" sz="900">
+                        <a:rPr lang="pt-BR" sz="900">
                           <a:solidFill>
                             <a:srgbClr val="020302"/>
                           </a:solidFill>
@@ -7172,10 +6177,6 @@
                         </a:rPr>
                         <a:t></a:t>
                       </a:r>
-                      <a:endParaRPr lang="en-US" sz="900">
-                        <a:latin typeface="Wingdings"/>
-                        <a:cs typeface="Wingdings"/>
-                      </a:endParaRPr>
                     </a:p>
                   </a:txBody>
                   <a:tcPr marL="0" marR="0" marT="0" marB="0" anchor="ctr">
@@ -7198,7 +6199,7 @@
                     <a:bodyPr/>
                     <a:lstStyle/>
                     <a:p>
-                      <a:pPr marL="49530">
+                      <a:pPr marL="49530" algn="l" rtl="0">
                         <a:lnSpc>
                           <a:spcPct val="100000"/>
                         </a:lnSpc>
@@ -7247,19 +6248,15 @@
                         </a:spcBef>
                       </a:pPr>
                       <a:r>
-                        <a:rPr sz="900" spc="0">
+                        <a:rPr lang="pt-BR" sz="900">
                           <a:solidFill>
                             <a:srgbClr val="020302"/>
                           </a:solidFill>
                           <a:latin typeface="AdobeClean-Light"/>
                           <a:cs typeface="AdobeClean-Light"/>
                         </a:rPr>
-                        <a:t>Release, Migration, Upgrade &amp; Product Roadmap Review</a:t>
+                        <a:t>Revisão de versão, migração, atualização e roteiro de produtos</a:t>
                       </a:r>
-                      <a:endParaRPr sz="900" spc="0">
-                        <a:latin typeface="AdobeClean-Light"/>
-                        <a:cs typeface="AdobeClean-Light"/>
-                      </a:endParaRPr>
                     </a:p>
                   </a:txBody>
                   <a:tcPr marL="0" marR="0" marT="63500" marB="0">
@@ -7282,7 +6279,7 @@
                     <a:bodyPr/>
                     <a:lstStyle/>
                     <a:p>
-                      <a:pPr>
+                      <a:pPr algn="l" rtl="0">
                         <a:lnSpc>
                           <a:spcPct val="100000"/>
                         </a:lnSpc>
@@ -7329,7 +6326,7 @@
                         <a:defRPr/>
                       </a:pPr>
                       <a:r>
-                        <a:rPr lang="en-US" sz="900">
+                        <a:rPr lang="pt-BR" sz="900">
                           <a:solidFill>
                             <a:srgbClr val="020302"/>
                           </a:solidFill>
@@ -7338,10 +6335,6 @@
                         </a:rPr>
                         <a:t></a:t>
                       </a:r>
-                      <a:endParaRPr lang="en-US" sz="900">
-                        <a:latin typeface="Wingdings"/>
-                        <a:cs typeface="Wingdings"/>
-                      </a:endParaRPr>
                     </a:p>
                   </a:txBody>
                   <a:tcPr marL="0" marR="0" marT="0" marB="0" anchor="ctr">
@@ -7364,7 +6357,7 @@
                     <a:bodyPr/>
                     <a:lstStyle/>
                     <a:p>
-                      <a:pPr marL="49530">
+                      <a:pPr marL="49530" algn="l" rtl="0">
                         <a:lnSpc>
                           <a:spcPct val="100000"/>
                         </a:lnSpc>
@@ -7422,11 +6415,11 @@
                         </a:spcBef>
                       </a:pPr>
                       <a:r>
-                        <a:rPr sz="900" spc="0">
+                        <a:rPr lang="pt-BR" sz="900">
                           <a:latin typeface="AdobeClean-Light"/>
                           <a:cs typeface="AdobeClean-Light"/>
                         </a:rPr>
-                        <a:t>Cloud Support Activities – Experience Manager as Cloud</a:t>
+                        <a:t>Atividades de suporte na nuvem — Experience Manager as Cloud</a:t>
                       </a:r>
                     </a:p>
                   </a:txBody>
@@ -7456,7 +6449,7 @@
                     <a:bodyPr/>
                     <a:lstStyle/>
                     <a:p>
-                      <a:pPr>
+                      <a:pPr algn="l" rtl="0">
                         <a:lnSpc>
                           <a:spcPct val="100000"/>
                         </a:lnSpc>
@@ -7512,7 +6505,7 @@
                         <a:defRPr/>
                       </a:pPr>
                       <a:r>
-                        <a:rPr lang="en-US" sz="900">
+                        <a:rPr lang="pt-BR" sz="900">
                           <a:solidFill>
                             <a:srgbClr val="020302"/>
                           </a:solidFill>
@@ -7521,10 +6514,6 @@
                         </a:rPr>
                         <a:t></a:t>
                       </a:r>
-                      <a:endParaRPr lang="en-US" sz="900">
-                        <a:latin typeface="Wingdings"/>
-                        <a:cs typeface="Wingdings"/>
-                      </a:endParaRPr>
                     </a:p>
                   </a:txBody>
                   <a:tcPr marL="0" marR="0" marT="0" marB="0" anchor="ctr">
@@ -7565,22 +6554,15 @@
                         </a:spcBef>
                       </a:pPr>
                       <a:r>
-                        <a:rPr lang="en-US" sz="1000" b="1" i="0" spc="0">
+                        <a:rPr lang="pt-BR" sz="1000" b="1" i="0">
                           <a:solidFill>
                             <a:schemeClr val="bg1"/>
                           </a:solidFill>
                           <a:latin typeface="Adobe Clean" panose="020B0503020404020204" pitchFamily="34" charset="0"/>
                           <a:cs typeface="AdobeClean-Light"/>
                         </a:rPr>
-                        <a:t>Field Services</a:t>
+                        <a:t>Serviços de campo</a:t>
                       </a:r>
-                      <a:endParaRPr sz="1000" b="1" i="0" spc="0">
-                        <a:solidFill>
-                          <a:schemeClr val="bg1"/>
-                        </a:solidFill>
-                        <a:latin typeface="Adobe Clean" panose="020B0503020404020204" pitchFamily="34" charset="0"/>
-                        <a:cs typeface="AdobeClean-Light"/>
-                      </a:endParaRPr>
                     </a:p>
                   </a:txBody>
                   <a:tcPr marL="0" marR="0" marT="48260" marB="0" anchor="ctr">
@@ -7633,14 +6615,14 @@
                         </a:spcBef>
                       </a:pPr>
                       <a:r>
-                        <a:rPr sz="900" spc="0">
+                        <a:rPr lang="pt-BR" sz="900">
                           <a:solidFill>
                             <a:srgbClr val="020302"/>
                           </a:solidFill>
                           <a:latin typeface="AdobeClean-Light"/>
                           <a:cs typeface="AdobeClean-Light"/>
                         </a:rPr>
-                        <a:t>Launch Advisory Services – First Year of new solution</a:t>
+                        <a:t>Launch Advisory Services — primeiro ano da nova solução</a:t>
                       </a:r>
                     </a:p>
                   </a:txBody>
@@ -7680,7 +6662,7 @@
                     <a:bodyPr/>
                     <a:lstStyle/>
                     <a:p>
-                      <a:pPr>
+                      <a:pPr algn="l" rtl="0">
                         <a:lnSpc>
                           <a:spcPct val="100000"/>
                         </a:lnSpc>
@@ -7752,7 +6734,7 @@
                         <a:defRPr/>
                       </a:pPr>
                       <a:r>
-                        <a:rPr lang="en-US" sz="900">
+                        <a:rPr lang="pt-BR" sz="900">
                           <a:solidFill>
                             <a:srgbClr val="020302"/>
                           </a:solidFill>
@@ -7761,10 +6743,6 @@
                         </a:rPr>
                         <a:t></a:t>
                       </a:r>
-                      <a:endParaRPr lang="en-US" sz="900">
-                        <a:latin typeface="Wingdings"/>
-                        <a:cs typeface="Wingdings"/>
-                      </a:endParaRPr>
                     </a:p>
                   </a:txBody>
                   <a:tcPr marL="0" marR="0" marT="0" marB="0" anchor="ctr">
@@ -7843,11 +6821,11 @@
                         <a:defRPr/>
                       </a:pPr>
                       <a:r>
-                        <a:rPr lang="en-US" sz="900" spc="0">
+                        <a:rPr lang="pt-BR" sz="900">
                           <a:latin typeface="AdobeClean-Light"/>
                           <a:cs typeface="AdobeClean-Light"/>
                         </a:rPr>
-                        <a:t>Field Service Activities </a:t>
+                        <a:t>Atividades de serviço de campo </a:t>
                       </a:r>
                     </a:p>
                   </a:txBody>
@@ -7881,7 +6859,7 @@
                     <a:bodyPr/>
                     <a:lstStyle/>
                     <a:p>
-                      <a:pPr algn="ctr"/>
+                      <a:pPr algn="l" rtl="0"/>
                       <a:endParaRPr lang="en-US"/>
                     </a:p>
                   </a:txBody>
@@ -7930,13 +6908,12 @@
                     <a:p>
                       <a:pPr algn="ctr"/>
                       <a:r>
-                        <a:rPr lang="en-US" sz="900" dirty="0">
+                        <a:rPr lang="pt-BR" sz="900" dirty="0">
                           <a:latin typeface="Times New Roman"/>
                           <a:cs typeface="Times New Roman"/>
                         </a:rPr>
                         <a:t>4</a:t>
                       </a:r>
-                      <a:endParaRPr lang="en-US" dirty="0"/>
                     </a:p>
                   </a:txBody>
                   <a:tcPr marL="0" marR="0" marT="0" marB="0" anchor="ctr">
@@ -8070,7 +7047,7 @@
         <p:spPr>
           <a:xfrm>
             <a:off x="357339" y="608961"/>
-            <a:ext cx="1647825" cy="238760"/>
+            <a:ext cx="2161562" cy="228268"/>
           </a:xfrm>
           <a:prstGeom prst="rect">
             <a:avLst/>
@@ -8091,59 +7068,15 @@
               </a:spcBef>
             </a:pPr>
             <a:r>
-              <a:rPr sz="1400" b="1" spc="-10">
+              <a:rPr lang="pt-BR" sz="1400" b="1" dirty="0">
                 <a:solidFill>
                   <a:srgbClr val="020302"/>
                 </a:solidFill>
                 <a:latin typeface="Adobe Clean"/>
                 <a:cs typeface="Adobe Clean"/>
               </a:rPr>
-              <a:t>Elite</a:t>
-            </a:r>
-            <a:r>
-              <a:rPr sz="1400" b="1" spc="-50">
-                <a:solidFill>
-                  <a:srgbClr val="020302"/>
-                </a:solidFill>
-                <a:latin typeface="Adobe Clean"/>
-                <a:cs typeface="Adobe Clean"/>
-              </a:rPr>
-              <a:t> </a:t>
-            </a:r>
-            <a:r>
-              <a:rPr sz="1400" b="1" spc="-10">
-                <a:solidFill>
-                  <a:srgbClr val="020302"/>
-                </a:solidFill>
-                <a:latin typeface="Adobe Clean"/>
-                <a:cs typeface="Adobe Clean"/>
-              </a:rPr>
-              <a:t>Support</a:t>
-            </a:r>
-            <a:r>
-              <a:rPr sz="1400" b="1" spc="-45">
-                <a:solidFill>
-                  <a:srgbClr val="020302"/>
-                </a:solidFill>
-                <a:latin typeface="Adobe Clean"/>
-                <a:cs typeface="Adobe Clean"/>
-              </a:rPr>
-              <a:t> </a:t>
-            </a:r>
-            <a:r>
-              <a:rPr sz="1400" b="1" spc="-15">
-                <a:solidFill>
-                  <a:srgbClr val="020302"/>
-                </a:solidFill>
-                <a:latin typeface="Adobe Clean"/>
-                <a:cs typeface="Adobe Clean"/>
-              </a:rPr>
-              <a:t>Features</a:t>
-            </a:r>
-            <a:endParaRPr sz="1400">
-              <a:latin typeface="Adobe Clean"/>
-              <a:cs typeface="Adobe Clean"/>
-            </a:endParaRPr>
+              <a:t>Recursos do Suporte Elite</a:t>
+            </a:r>
           </a:p>
         </p:txBody>
       </p:sp>
@@ -8156,7 +7089,7 @@
         <p:spPr>
           <a:xfrm>
             <a:off x="2868167" y="1433668"/>
-            <a:ext cx="2194560" cy="936154"/>
+            <a:ext cx="2194560" cy="705321"/>
           </a:xfrm>
           <a:prstGeom prst="rect">
             <a:avLst/>
@@ -8177,19 +7110,15 @@
               </a:spcBef>
             </a:pPr>
             <a:r>
-              <a:rPr sz="1000">
+              <a:rPr lang="pt-BR" sz="900" dirty="0">
                 <a:solidFill>
                   <a:srgbClr val="4B4B4B"/>
                 </a:solidFill>
                 <a:latin typeface="AdobeClean-Light"/>
                 <a:cs typeface="AdobeClean-Light"/>
               </a:rPr>
-              <a:t>A designated support engineer who  becomes familiar with your solution  environment and business goals. The NSE  is an experienced support engineer that  helps coordinate your Enterprise Support  experience.</a:t>
-            </a:r>
-            <a:endParaRPr sz="1000">
-              <a:latin typeface="AdobeClean-Light"/>
-              <a:cs typeface="AdobeClean-Light"/>
-            </a:endParaRPr>
+              <a:t>Um engenheiro de suporte designado, familiarizado com seu ambiente de solução e objetivos de negócios. O NSE é um engenheiro de suporte experiente que ajuda a coordenar sua experiência no Suporte Enterprise.</a:t>
+            </a:r>
           </a:p>
         </p:txBody>
       </p:sp>
@@ -8250,7 +7179,7 @@
         <p:spPr>
           <a:xfrm>
             <a:off x="5333365" y="1433668"/>
-            <a:ext cx="2194560" cy="936154"/>
+            <a:ext cx="2194559" cy="982320"/>
           </a:xfrm>
           <a:prstGeom prst="rect">
             <a:avLst/>
@@ -8271,19 +7200,34 @@
               </a:spcBef>
             </a:pPr>
             <a:r>
-              <a:rPr sz="1000">
+              <a:rPr lang="pt-BR" sz="900" dirty="0">
                 <a:solidFill>
                   <a:srgbClr val="4B4B4B"/>
                 </a:solidFill>
                 <a:latin typeface="AdobeClean-Light"/>
                 <a:cs typeface="AdobeClean-Light"/>
               </a:rPr>
-              <a:t>Regular scheduled review of open  support requests, ensuring customer  alignment on case description, business  impact, status, priority and agreement on  next steps required to ensure an  expedient resolution.</a:t>
-            </a:r>
-            <a:endParaRPr sz="1000">
-              <a:latin typeface="AdobeClean-Light"/>
-              <a:cs typeface="AdobeClean-Light"/>
-            </a:endParaRPr>
+              <a:t>Revisão regular das solicitações de suporte abertas, garantindo o alinhamento do cliente considerando a descrição do caso, </a:t>
+            </a:r>
+            <a:br>
+              <a:rPr lang="pt-BR" sz="900" dirty="0">
+                <a:solidFill>
+                  <a:srgbClr val="4B4B4B"/>
+                </a:solidFill>
+                <a:latin typeface="AdobeClean-Light"/>
+                <a:cs typeface="AdobeClean-Light"/>
+              </a:rPr>
+            </a:br>
+            <a:r>
+              <a:rPr lang="pt-BR" sz="900" dirty="0">
+                <a:solidFill>
+                  <a:srgbClr val="4B4B4B"/>
+                </a:solidFill>
+                <a:latin typeface="AdobeClean-Light"/>
+                <a:cs typeface="AdobeClean-Light"/>
+              </a:rPr>
+              <a:t>o impacto nos negócios, o status, a prioridade e o acordo sobre as próximas etapas necessárias para garantir uma resolução adequada.</a:t>
+            </a:r>
           </a:p>
         </p:txBody>
       </p:sp>
@@ -8320,7 +7264,7 @@
         <p:spPr>
           <a:xfrm>
             <a:off x="324341" y="1433668"/>
-            <a:ext cx="2194560" cy="782265"/>
+            <a:ext cx="2194560" cy="843821"/>
           </a:xfrm>
           <a:prstGeom prst="rect">
             <a:avLst/>
@@ -8341,24 +7285,14 @@
               </a:spcBef>
             </a:pPr>
             <a:r>
-              <a:rPr sz="1000">
+              <a:rPr lang="pt-BR" sz="900" dirty="0">
                 <a:solidFill>
                   <a:srgbClr val="020302"/>
                 </a:solidFill>
                 <a:latin typeface="AdobeClean-Light"/>
                 <a:cs typeface="AdobeClean-Light"/>
               </a:rPr>
-              <a:t>A designated Technical Account Manager to  oversee your Elite experience, coordinate  the support and field services  engagements, and provide proactive services  to maximize your business valu</a:t>
-            </a:r>
-            <a:r>
-              <a:rPr lang="en-US" sz="1000">
-                <a:solidFill>
-                  <a:srgbClr val="020302"/>
-                </a:solidFill>
-                <a:latin typeface="AdobeClean-Light"/>
-                <a:cs typeface="AdobeClean-Light"/>
-              </a:rPr>
-              <a:t>e.</a:t>
+              <a:t>Um Gerente técnico de conta designado para supervisionar sua experiência com o Elite, coordenar o suporte e os contratos de serviços de campo e fornecer serviços proativos para maximizar o seu valor comercial.</a:t>
             </a:r>
           </a:p>
         </p:txBody>
@@ -8393,19 +7327,15 @@
               </a:spcBef>
             </a:pPr>
             <a:r>
-              <a:rPr sz="1100" b="1">
+              <a:rPr lang="pt-BR" sz="1100" b="1">
                 <a:solidFill>
                   <a:srgbClr val="020302"/>
                 </a:solidFill>
                 <a:latin typeface="Adobe Clean" panose="020B0503020404020204" pitchFamily="34" charset="0"/>
                 <a:cs typeface="Arial"/>
               </a:rPr>
-              <a:t>Technical Account Manager</a:t>
-            </a:r>
-            <a:endParaRPr sz="1100">
-              <a:latin typeface="Adobe Clean" panose="020B0503020404020204" pitchFamily="34" charset="0"/>
-              <a:cs typeface="Arial"/>
-            </a:endParaRPr>
+              <a:t>Gerente técnico de conta</a:t>
+            </a:r>
           </a:p>
         </p:txBody>
       </p:sp>
@@ -8466,7 +7396,7 @@
         <p:spPr>
           <a:xfrm>
             <a:off x="2791726" y="5243920"/>
-            <a:ext cx="2194560" cy="499111"/>
+            <a:ext cx="2194560" cy="452368"/>
           </a:xfrm>
           <a:prstGeom prst="rect">
             <a:avLst/>
@@ -8487,49 +7417,15 @@
               </a:spcBef>
             </a:pPr>
             <a:r>
-              <a:rPr sz="1000">
+              <a:rPr lang="pt-BR" sz="900" dirty="0">
                 <a:solidFill>
                   <a:srgbClr val="020302"/>
                 </a:solidFill>
                 <a:latin typeface="AdobeClean-Light"/>
                 <a:cs typeface="AdobeClean-Light"/>
               </a:rPr>
-              <a:t>Ongoing knowledge transfer from Adobe  </a:t>
-            </a:r>
-            <a:r>
-              <a:rPr lang="en-US" sz="1000">
-                <a:solidFill>
-                  <a:srgbClr val="020302"/>
-                </a:solidFill>
-                <a:latin typeface="AdobeClean-Light"/>
-                <a:cs typeface="AdobeClean-Light"/>
-              </a:rPr>
-              <a:t>Support team</a:t>
-            </a:r>
-            <a:r>
-              <a:rPr sz="1000">
-                <a:solidFill>
-                  <a:srgbClr val="020302"/>
-                </a:solidFill>
-                <a:latin typeface="AdobeClean-Light"/>
-                <a:cs typeface="AdobeClean-Light"/>
-              </a:rPr>
-              <a:t> to provide </a:t>
-            </a:r>
-            <a:r>
-              <a:rPr lang="en-US" sz="1000">
-                <a:solidFill>
-                  <a:srgbClr val="020302"/>
-                </a:solidFill>
-                <a:latin typeface="AdobeClean-Light"/>
-                <a:cs typeface="AdobeClean-Light"/>
-              </a:rPr>
-              <a:t>best practices around solution usage.</a:t>
-            </a:r>
-            <a:endParaRPr sz="1000">
-              <a:latin typeface="AdobeClean-Light"/>
-              <a:cs typeface="AdobeClean-Light"/>
-            </a:endParaRPr>
+              <a:t>Transferência contínua de conhecimento da equipe de suporte da Adobe para fornecer práticas recomendadas sobre o uso da solução.</a:t>
+            </a:r>
           </a:p>
         </p:txBody>
       </p:sp>
@@ -8542,7 +7438,7 @@
         <p:spPr>
           <a:xfrm>
             <a:off x="5265661" y="5243920"/>
-            <a:ext cx="2194560" cy="669927"/>
+            <a:ext cx="2194560" cy="606128"/>
           </a:xfrm>
           <a:prstGeom prst="rect">
             <a:avLst/>
@@ -8563,19 +7459,34 @@
               </a:spcBef>
             </a:pPr>
             <a:r>
-              <a:rPr sz="1000">
+              <a:rPr lang="pt-BR" sz="900" dirty="0">
                 <a:solidFill>
                   <a:srgbClr val="020302"/>
                 </a:solidFill>
                 <a:latin typeface="AdobeClean-Light"/>
                 <a:cs typeface="AdobeClean-Light"/>
               </a:rPr>
-              <a:t>Manage key events to ensure you have the  right level of support, coverage, and  mitigation plan in place during those key  business and project milestones.</a:t>
-            </a:r>
-            <a:endParaRPr sz="1000">
-              <a:latin typeface="AdobeClean-Light"/>
-              <a:cs typeface="AdobeClean-Light"/>
-            </a:endParaRPr>
+              <a:t>Gerencie eventos importantes para garantir </a:t>
+            </a:r>
+            <a:br>
+              <a:rPr lang="pt-BR" sz="900" dirty="0">
+                <a:solidFill>
+                  <a:srgbClr val="020302"/>
+                </a:solidFill>
+                <a:latin typeface="AdobeClean-Light"/>
+                <a:cs typeface="AdobeClean-Light"/>
+              </a:rPr>
+            </a:br>
+            <a:r>
+              <a:rPr lang="pt-BR" sz="900" dirty="0">
+                <a:solidFill>
+                  <a:srgbClr val="020302"/>
+                </a:solidFill>
+                <a:latin typeface="AdobeClean-Light"/>
+                <a:cs typeface="AdobeClean-Light"/>
+              </a:rPr>
+              <a:t>o nível certo de suporte, cobertura e plano de mitigação durante marcos importantes de negócios e projetos.</a:t>
+            </a:r>
           </a:p>
         </p:txBody>
       </p:sp>
@@ -8588,7 +7499,7 @@
         <p:spPr>
           <a:xfrm>
             <a:off x="324341" y="5262204"/>
-            <a:ext cx="2194560" cy="698781"/>
+            <a:ext cx="2194560" cy="792781"/>
           </a:xfrm>
           <a:prstGeom prst="rect">
             <a:avLst/>
@@ -8609,19 +7520,15 @@
               </a:spcBef>
             </a:pPr>
             <a:r>
-              <a:rPr sz="1000">
+              <a:rPr lang="pt-BR" sz="900" dirty="0">
                 <a:solidFill>
                   <a:srgbClr val="020302"/>
                 </a:solidFill>
                 <a:latin typeface="AdobeClean-Light"/>
                 <a:cs typeface="AdobeClean-Light"/>
               </a:rPr>
-              <a:t>Receive personalized guidance on new  product features to take advantage of  latest innovations, and have Adobe  experts review release and upgrade plan.</a:t>
-            </a:r>
-            <a:endParaRPr sz="1000">
-              <a:latin typeface="AdobeClean-Light"/>
-              <a:cs typeface="AdobeClean-Light"/>
-            </a:endParaRPr>
+              <a:t>Receba orientação personalizada sobre novos recursos do produto para aproveitar as vantagens das inovações mais recentes e solicite aos especialistas da Adobe que revisem os planos de versão e atualização.</a:t>
+            </a:r>
           </a:p>
         </p:txBody>
       </p:sp>
@@ -8634,7 +7541,7 @@
         <p:spPr>
           <a:xfrm>
             <a:off x="97787" y="9888626"/>
-            <a:ext cx="2202180" cy="149860"/>
+            <a:ext cx="2377440" cy="149860"/>
           </a:xfrm>
           <a:prstGeom prst="rect">
             <a:avLst/>
@@ -8655,99 +7562,15 @@
               </a:spcBef>
             </a:pPr>
             <a:r>
-              <a:rPr sz="800" spc="-15">
+              <a:rPr lang="pt-BR" sz="800" dirty="0">
                 <a:solidFill>
                   <a:srgbClr val="6D6D6D"/>
                 </a:solidFill>
                 <a:latin typeface="Adobe Clean"/>
                 <a:cs typeface="Adobe Clean"/>
               </a:rPr>
-              <a:t>©2021 </a:t>
-            </a:r>
-            <a:r>
-              <a:rPr sz="800" spc="-5">
-                <a:solidFill>
-                  <a:srgbClr val="6D6D6D"/>
-                </a:solidFill>
-                <a:latin typeface="Adobe Clean"/>
-                <a:cs typeface="Adobe Clean"/>
-              </a:rPr>
-              <a:t>Adobe. All</a:t>
-            </a:r>
-            <a:r>
-              <a:rPr sz="800" spc="-15">
-                <a:solidFill>
-                  <a:srgbClr val="6D6D6D"/>
-                </a:solidFill>
-                <a:latin typeface="Adobe Clean"/>
-                <a:cs typeface="Adobe Clean"/>
-              </a:rPr>
-              <a:t> Rights</a:t>
-            </a:r>
-            <a:r>
-              <a:rPr sz="800" spc="-5">
-                <a:solidFill>
-                  <a:srgbClr val="6D6D6D"/>
-                </a:solidFill>
-                <a:latin typeface="Adobe Clean"/>
-                <a:cs typeface="Adobe Clean"/>
-              </a:rPr>
-              <a:t> </a:t>
-            </a:r>
-            <a:r>
-              <a:rPr sz="800" spc="-15">
-                <a:solidFill>
-                  <a:srgbClr val="6D6D6D"/>
-                </a:solidFill>
-                <a:latin typeface="Adobe Clean"/>
-                <a:cs typeface="Adobe Clean"/>
-              </a:rPr>
-              <a:t>Reserved.</a:t>
-            </a:r>
-            <a:r>
-              <a:rPr sz="800" spc="-10">
-                <a:solidFill>
-                  <a:srgbClr val="6D6D6D"/>
-                </a:solidFill>
-                <a:latin typeface="Adobe Clean"/>
-                <a:cs typeface="Adobe Clean"/>
-              </a:rPr>
-              <a:t> </a:t>
-            </a:r>
-            <a:r>
-              <a:rPr sz="800" spc="-5">
-                <a:solidFill>
-                  <a:srgbClr val="6D6D6D"/>
-                </a:solidFill>
-                <a:latin typeface="Adobe Clean"/>
-                <a:cs typeface="Adobe Clean"/>
-              </a:rPr>
-              <a:t>Adobe</a:t>
-            </a:r>
-            <a:r>
-              <a:rPr sz="800" spc="65">
-                <a:solidFill>
-                  <a:srgbClr val="6D6D6D"/>
-                </a:solidFill>
-                <a:latin typeface="Adobe Clean"/>
-                <a:cs typeface="Adobe Clean"/>
-              </a:rPr>
-              <a:t> </a:t>
-            </a:r>
-            <a:r>
-              <a:rPr sz="800" spc="-15">
-                <a:solidFill>
-                  <a:srgbClr val="6D6D6D"/>
-                </a:solidFill>
-                <a:latin typeface="Adobe Clean"/>
-                <a:cs typeface="Adobe Clean"/>
-              </a:rPr>
-              <a:t>Confidential.</a:t>
-            </a:r>
-            <a:endParaRPr sz="800">
-              <a:latin typeface="Adobe Clean"/>
-              <a:cs typeface="Adobe Clean"/>
-            </a:endParaRPr>
+              <a:t>©2021 Adobe. All Rights Reserved. Adobe Confidential.</a:t>
+            </a:r>
           </a:p>
         </p:txBody>
       </p:sp>
@@ -8805,7 +7628,7 @@
         <p:spPr>
           <a:xfrm>
             <a:off x="2791726" y="9060487"/>
-            <a:ext cx="2194560" cy="487313"/>
+            <a:ext cx="2194560" cy="579646"/>
           </a:xfrm>
           <a:prstGeom prst="rect">
             <a:avLst/>
@@ -8829,154 +7652,14 @@
               </a:tabLst>
             </a:pPr>
             <a:r>
-              <a:rPr sz="1000" spc="-20">
+              <a:rPr lang="pt-BR" sz="900" dirty="0">
                 <a:solidFill>
                   <a:srgbClr val="020302"/>
                 </a:solidFill>
                 <a:latin typeface="AdobeClean-Light"/>
                 <a:cs typeface="AdobeClean-Light"/>
               </a:rPr>
-              <a:t>Start </a:t>
-            </a:r>
-            <a:r>
-              <a:rPr sz="1000">
-                <a:solidFill>
-                  <a:srgbClr val="020302"/>
-                </a:solidFill>
-                <a:latin typeface="AdobeClean-Light"/>
-                <a:cs typeface="AdobeClean-Light"/>
-              </a:rPr>
-              <a:t>a </a:t>
-            </a:r>
-            <a:r>
-              <a:rPr sz="1000" spc="-15">
-                <a:solidFill>
-                  <a:srgbClr val="020302"/>
-                </a:solidFill>
-                <a:latin typeface="AdobeClean-Light"/>
-                <a:cs typeface="AdobeClean-Light"/>
-              </a:rPr>
-              <a:t>chat </a:t>
-            </a:r>
-            <a:r>
-              <a:rPr sz="1000" spc="-10">
-                <a:solidFill>
-                  <a:srgbClr val="020302"/>
-                </a:solidFill>
-                <a:latin typeface="AdobeClean-Light"/>
-                <a:cs typeface="AdobeClean-Light"/>
-              </a:rPr>
-              <a:t>session </a:t>
-            </a:r>
-            <a:r>
-              <a:rPr sz="1000" spc="-5">
-                <a:solidFill>
-                  <a:srgbClr val="020302"/>
-                </a:solidFill>
-                <a:latin typeface="AdobeClean-Light"/>
-                <a:cs typeface="AdobeClean-Light"/>
-              </a:rPr>
-              <a:t>to </a:t>
-            </a:r>
-            <a:r>
-              <a:rPr sz="1000" spc="-10">
-                <a:solidFill>
-                  <a:srgbClr val="020302"/>
-                </a:solidFill>
-                <a:latin typeface="AdobeClean-Light"/>
-                <a:cs typeface="AdobeClean-Light"/>
-              </a:rPr>
-              <a:t>get </a:t>
-            </a:r>
-            <a:r>
-              <a:rPr sz="1000" spc="-20">
-                <a:solidFill>
-                  <a:srgbClr val="020302"/>
-                </a:solidFill>
-                <a:latin typeface="AdobeClean-Light"/>
-                <a:cs typeface="AdobeClean-Light"/>
-              </a:rPr>
-              <a:t>answers</a:t>
-            </a:r>
-            <a:r>
-              <a:rPr lang="en-US" sz="1000" spc="-45">
-                <a:solidFill>
-                  <a:srgbClr val="020302"/>
-                </a:solidFill>
-                <a:latin typeface="AdobeClean-Light"/>
-                <a:cs typeface="AdobeClean-Light"/>
-              </a:rPr>
-              <a:t> </a:t>
-            </a:r>
-            <a:r>
-              <a:rPr lang="en-US" sz="1000">
-                <a:solidFill>
-                  <a:srgbClr val="020302"/>
-                </a:solidFill>
-                <a:latin typeface="AdobeClean-Light"/>
-                <a:cs typeface="AdobeClean-Light"/>
-              </a:rPr>
-              <a:t>&amp; </a:t>
-            </a:r>
-            <a:r>
-              <a:rPr sz="1000" spc="-15">
-                <a:solidFill>
-                  <a:srgbClr val="020302"/>
-                </a:solidFill>
-                <a:latin typeface="AdobeClean-Light"/>
-                <a:cs typeface="AdobeClean-Light"/>
-              </a:rPr>
-              <a:t>help </a:t>
-            </a:r>
-            <a:r>
-              <a:rPr sz="1000" spc="-10">
-                <a:solidFill>
-                  <a:srgbClr val="020302"/>
-                </a:solidFill>
-                <a:latin typeface="AdobeClean-Light"/>
-                <a:cs typeface="AdobeClean-Light"/>
-              </a:rPr>
-              <a:t>with</a:t>
-            </a:r>
-            <a:r>
-              <a:rPr sz="1000" spc="85">
-                <a:solidFill>
-                  <a:srgbClr val="020302"/>
-                </a:solidFill>
-                <a:latin typeface="AdobeClean-Light"/>
-                <a:cs typeface="AdobeClean-Light"/>
-              </a:rPr>
-              <a:t> </a:t>
-            </a:r>
-            <a:r>
-              <a:rPr sz="1000" spc="-10">
-                <a:solidFill>
-                  <a:srgbClr val="020302"/>
-                </a:solidFill>
-                <a:latin typeface="AdobeClean-Light"/>
-                <a:cs typeface="AdobeClean-Light"/>
-              </a:rPr>
-              <a:t>case </a:t>
-            </a:r>
-            <a:r>
-              <a:rPr sz="1000" spc="-20">
-                <a:solidFill>
-                  <a:srgbClr val="020302"/>
-                </a:solidFill>
-                <a:latin typeface="AdobeClean-Light"/>
-                <a:cs typeface="AdobeClean-Light"/>
-              </a:rPr>
-              <a:t>submission</a:t>
-            </a:r>
-            <a:r>
-              <a:rPr lang="en-US" sz="1000" spc="-20">
-                <a:solidFill>
-                  <a:srgbClr val="020302"/>
-                </a:solidFill>
-                <a:latin typeface="AdobeClean-Light"/>
-                <a:cs typeface="AdobeClean-Light"/>
-              </a:rPr>
-              <a:t>.</a:t>
+              <a:t>Inicie uma sessão de chat para obter respostas e ajuda com o envio de caso.</a:t>
             </a:r>
           </a:p>
           <a:p>
@@ -8992,39 +7675,15 @@
               </a:tabLst>
             </a:pPr>
             <a:r>
-              <a:rPr sz="1000" i="1" spc="-10">
+              <a:rPr lang="pt-BR" sz="900" i="1" dirty="0">
                 <a:solidFill>
                   <a:srgbClr val="7A7A7A"/>
                 </a:solidFill>
                 <a:latin typeface="AdobeClean-LightIt"/>
                 <a:cs typeface="AdobeClean-LightIt"/>
               </a:rPr>
-              <a:t>*Not all </a:t>
-            </a:r>
-            <a:r>
-              <a:rPr sz="1000" i="1" spc="-20">
-                <a:solidFill>
-                  <a:srgbClr val="7A7A7A"/>
-                </a:solidFill>
-                <a:latin typeface="AdobeClean-LightIt"/>
-                <a:cs typeface="AdobeClean-LightIt"/>
-              </a:rPr>
-              <a:t>products have live chat support</a:t>
-            </a:r>
-            <a:r>
-              <a:rPr sz="900" i="1" spc="-20">
-                <a:solidFill>
-                  <a:srgbClr val="7A7A7A"/>
-                </a:solidFill>
-                <a:latin typeface="AdobeClean-LightIt"/>
-                <a:cs typeface="AdobeClean-LightIt"/>
-              </a:rPr>
-              <a:t>.  </a:t>
-            </a:r>
-            <a:endParaRPr sz="900">
-              <a:latin typeface="AdobeClean-Light"/>
-              <a:cs typeface="AdobeClean-Light"/>
-            </a:endParaRPr>
+              <a:t>*Nem todos os produtos têm suporte de chat ao vivo.  </a:t>
+            </a:r>
           </a:p>
         </p:txBody>
       </p:sp>
@@ -9071,12 +7730,12 @@
               <a:defRPr/>
             </a:pPr>
             <a:r>
-              <a:rPr lang="en-US" sz="1200">
+              <a:rPr lang="pt-BR" sz="1200">
                 <a:solidFill>
                   <a:srgbClr val="000000"/>
                 </a:solidFill>
               </a:rPr>
-              <a:t>Community Forums</a:t>
+              <a:t>Fóruns da comunidade</a:t>
             </a:r>
           </a:p>
         </p:txBody>
@@ -9119,12 +7778,12 @@
               </a:spcAft>
             </a:pPr>
             <a:r>
-              <a:rPr lang="en-US" sz="1200" b="1">
+              <a:rPr lang="pt-BR" sz="1200" b="1">
                 <a:latin typeface="+mj-lt"/>
                 <a:ea typeface="Open Sans" pitchFamily="34" charset="0"/>
                 <a:cs typeface="Open Sans" pitchFamily="34" charset="0"/>
               </a:rPr>
-              <a:t>Online Forums</a:t>
+              <a:t>Fóruns online</a:t>
             </a:r>
           </a:p>
         </p:txBody>
@@ -9144,7 +7803,7 @@
         <p:spPr>
           <a:xfrm>
             <a:off x="324341" y="7152361"/>
-            <a:ext cx="2194560" cy="959237"/>
+            <a:ext cx="2194560" cy="1005403"/>
           </a:xfrm>
           <a:prstGeom prst="rect">
             <a:avLst/>
@@ -9157,13 +7816,13 @@
           <a:lstStyle/>
           <a:p>
             <a:r>
-              <a:rPr lang="en-US" sz="1000">
+              <a:rPr lang="pt-BR" sz="900" dirty="0">
                 <a:solidFill>
                   <a:srgbClr val="4B4B4B"/>
                 </a:solidFill>
                 <a:latin typeface="Adobe Clean Light" panose="020B0303020404020204" pitchFamily="34" charset="0"/>
               </a:rPr>
-              <a:t>Continuous online access to a growing database of technical solutions, product documentation, FAQs and more. Connect with practitioners and other customers on Adobe Community to share best practices and lessons learned.</a:t>
+              <a:t>Acesso online contínuo a um banco de dados cada vez maior de soluções técnicas, documentação do produto, perguntas frequentes e muito mais. Conecte-se com profissionais e outros clientes na Comunidade da Adobe para compartilhar práticas recomendadas e lições aprendidas.</a:t>
             </a:r>
           </a:p>
         </p:txBody>
@@ -9211,7 +7870,7 @@
               <a:defRPr/>
             </a:pPr>
             <a:r>
-              <a:rPr lang="en-US" sz="1200">
+              <a:rPr lang="pt-BR" sz="1200">
                 <a:solidFill>
                   <a:srgbClr val="000000"/>
                 </a:solidFill>
@@ -9259,12 +7918,12 @@
               </a:spcAft>
             </a:pPr>
             <a:r>
-              <a:rPr lang="en-US" sz="1200" b="1">
+              <a:rPr lang="pt-BR" sz="1200" b="1">
                 <a:latin typeface="+mj-lt"/>
                 <a:ea typeface="Open Sans" pitchFamily="34" charset="0"/>
                 <a:cs typeface="Open Sans" pitchFamily="34" charset="0"/>
               </a:rPr>
-              <a:t>Self-guided Journeys</a:t>
+              <a:t>Jornadas autoguiadas</a:t>
             </a:r>
           </a:p>
         </p:txBody>
@@ -9284,7 +7943,7 @@
         <p:spPr>
           <a:xfrm>
             <a:off x="5265661" y="7152361"/>
-            <a:ext cx="2194560" cy="1113125"/>
+            <a:ext cx="2194560" cy="866904"/>
           </a:xfrm>
           <a:prstGeom prst="rect">
             <a:avLst/>
@@ -9297,13 +7956,13 @@
           <a:lstStyle/>
           <a:p>
             <a:r>
-              <a:rPr lang="en-US" sz="1000">
+              <a:rPr lang="pt-BR" sz="900" dirty="0">
                 <a:solidFill>
                   <a:srgbClr val="4B4B4B"/>
                 </a:solidFill>
                 <a:latin typeface="Adobe Clean Light" panose="020B0303020404020204" pitchFamily="34" charset="0"/>
               </a:rPr>
-              <a:t>Experience Makers are made with Experience League. Customers can kickstart their Customer Experience Management abilities with personalized learning to develop skills, engage with a global community of peers, and earn career advancing recognition.</a:t>
+              <a:t>A Experience League gera criadores de experiências. Os clientes podem adquirir habilidades de gerenciamento de experiência do cliente com aprendizagem personalizada, participar de uma comunidade de pares global e conseguir reconhecimento de carreira.</a:t>
             </a:r>
           </a:p>
         </p:txBody>
@@ -9325,7 +7984,7 @@
         <p:spPr>
           <a:xfrm>
             <a:off x="3201544" y="8560230"/>
-            <a:ext cx="1543003" cy="184666"/>
+            <a:ext cx="1784742" cy="184666"/>
           </a:xfrm>
           <a:prstGeom prst="rect">
             <a:avLst/>
@@ -9351,12 +8010,12 @@
               <a:defRPr/>
             </a:pPr>
             <a:r>
-              <a:rPr lang="en-US" sz="1200">
+              <a:rPr lang="pt-BR" sz="1200" dirty="0">
                 <a:solidFill>
                   <a:srgbClr val="000000"/>
                 </a:solidFill>
               </a:rPr>
-              <a:t>Live Chat  Support*</a:t>
+              <a:t>Suporte por chat ao vivo*</a:t>
             </a:r>
           </a:p>
         </p:txBody>
@@ -9399,12 +8058,12 @@
               </a:spcAft>
             </a:pPr>
             <a:r>
-              <a:rPr lang="en-US" sz="1200" b="1">
+              <a:rPr lang="pt-BR" sz="1200" b="1">
                 <a:latin typeface="+mj-lt"/>
                 <a:ea typeface="Open Sans" pitchFamily="34" charset="0"/>
                 <a:cs typeface="Open Sans" pitchFamily="34" charset="0"/>
               </a:rPr>
-              <a:t>Chat Support</a:t>
+              <a:t>Suporte por chat</a:t>
             </a:r>
           </a:p>
         </p:txBody>
@@ -9452,12 +8111,12 @@
               <a:defRPr/>
             </a:pPr>
             <a:r>
-              <a:rPr lang="en-US" sz="1200">
+              <a:rPr lang="pt-BR" sz="1200">
                 <a:solidFill>
                   <a:srgbClr val="000000"/>
                 </a:solidFill>
               </a:rPr>
-              <a:t>24X7 P1 </a:t>
+              <a:t>24X7 prioridades P1 </a:t>
             </a:r>
           </a:p>
         </p:txBody>
@@ -9500,12 +8159,12 @@
               </a:spcAft>
             </a:pPr>
             <a:r>
-              <a:rPr lang="en-US" sz="1200" b="1">
+              <a:rPr lang="pt-BR" sz="1200" b="1">
                 <a:latin typeface="+mj-lt"/>
                 <a:ea typeface="Open Sans" pitchFamily="34" charset="0"/>
                 <a:cs typeface="Open Sans" pitchFamily="34" charset="0"/>
               </a:rPr>
-              <a:t>Phone  Support</a:t>
+              <a:t>Suporte telefônico</a:t>
             </a:r>
           </a:p>
         </p:txBody>
@@ -9525,7 +8184,7 @@
         <p:spPr>
           <a:xfrm>
             <a:off x="2791726" y="7152361"/>
-            <a:ext cx="2194560" cy="805349"/>
+            <a:ext cx="2194560" cy="728405"/>
           </a:xfrm>
           <a:prstGeom prst="rect">
             <a:avLst/>
@@ -9538,35 +8197,29 @@
           <a:lstStyle/>
           <a:p>
             <a:r>
-              <a:rPr lang="en-US" sz="1000">
+              <a:rPr lang="pt-BR" sz="900" dirty="0">
                 <a:solidFill>
                   <a:srgbClr val="020302"/>
                 </a:solidFill>
                 <a:latin typeface="AdobeClean-Light"/>
               </a:rPr>
-              <a:t>Authorized users or </a:t>
-            </a:r>
-            <a:r>
-              <a:rPr lang="en-US" sz="1000" b="1">
+              <a:t>Usuários autorizados ou </a:t>
+            </a:r>
+            <a:r>
+              <a:rPr lang="pt-BR" sz="900" b="1" dirty="0">
                 <a:solidFill>
                   <a:srgbClr val="020302"/>
                 </a:solidFill>
                 <a:latin typeface="AdobeClean-Light"/>
               </a:rPr>
-              <a:t>Named Support Contacts </a:t>
-            </a:r>
-            <a:r>
-              <a:rPr lang="en-US" sz="1000">
+              <a:t>contatos de suporte nomeados</a:t>
+            </a:r>
+            <a:r>
+              <a:rPr lang="pt-BR" sz="900" dirty="0">
                 <a:latin typeface="Adobe Clean Light" panose="020B0303020404020204" pitchFamily="34" charset="0"/>
               </a:rPr>
-              <a:t>can submit issues through all available  channels (including phone for P1) and interact with our technical support team on behalf of your company. </a:t>
-            </a:r>
-            <a:endParaRPr lang="en-US" sz="1000">
-              <a:solidFill>
-                <a:srgbClr val="000000"/>
-              </a:solidFill>
-              <a:latin typeface="Adobe Clean Light" panose="020B0303020404020204" pitchFamily="34" charset="0"/>
-            </a:endParaRPr>
+              <a:t> podem enviar problemas por todos os canais disponíveis (incluindo por telefone em prioridades P1) e contatar a equipe de suporte técnico em nome de sua empresa. </a:t>
+            </a:r>
           </a:p>
         </p:txBody>
       </p:sp>
@@ -9661,7 +8314,7 @@
               <a:defRPr/>
             </a:pPr>
             <a:r>
-              <a:rPr lang="en-US" sz="1200">
+              <a:rPr lang="pt-BR" sz="1200">
                 <a:solidFill>
                   <a:srgbClr val="000000"/>
                 </a:solidFill>
@@ -9709,12 +8362,12 @@
               </a:spcAft>
             </a:pPr>
             <a:r>
-              <a:rPr lang="en-US" sz="1200" b="1">
+              <a:rPr lang="pt-BR" sz="1200" b="1">
                 <a:latin typeface="+mj-lt"/>
                 <a:ea typeface="Open Sans" pitchFamily="34" charset="0"/>
                 <a:cs typeface="Open Sans" pitchFamily="34" charset="0"/>
               </a:rPr>
-              <a:t>Webinars</a:t>
+              <a:t>Webinários</a:t>
             </a:r>
           </a:p>
         </p:txBody>
@@ -9734,7 +8387,7 @@
         <p:spPr>
           <a:xfrm>
             <a:off x="355868" y="9026059"/>
-            <a:ext cx="2194560" cy="805349"/>
+            <a:ext cx="2194560" cy="728405"/>
           </a:xfrm>
           <a:prstGeom prst="rect">
             <a:avLst/>
@@ -9747,13 +8400,13 @@
           <a:lstStyle/>
           <a:p>
             <a:r>
-              <a:rPr lang="en-US" sz="1000">
+              <a:rPr lang="pt-BR" sz="900">
                 <a:solidFill>
                   <a:srgbClr val="4B4B4B"/>
                 </a:solidFill>
                 <a:latin typeface="Adobe Clean Light" panose="020B0303020404020204" pitchFamily="34" charset="0"/>
               </a:rPr>
-              <a:t>Office Hours led by the Adobe Customer Support team includes sessions designed to inform as well as help participants troubleshoot problems and provide tips and tricks for success with Adobe solutions. </a:t>
+              <a:t>O Office Hours, apresentado pela equipe de Suporte ao cliente da Adobe, inclui sessões para informar e ajudar os participantes a solucionar problemas e fornecer dicas e truques para aproveitar ao máximo as soluções da Adobe. </a:t>
             </a:r>
           </a:p>
         </p:txBody>
@@ -9775,7 +8428,7 @@
         <p:spPr>
           <a:xfrm>
             <a:off x="5723508" y="8560230"/>
-            <a:ext cx="1303746" cy="184666"/>
+            <a:ext cx="1902572" cy="184666"/>
           </a:xfrm>
           <a:prstGeom prst="rect">
             <a:avLst/>
@@ -9801,12 +8454,12 @@
               <a:defRPr/>
             </a:pPr>
             <a:r>
-              <a:rPr lang="en-US" sz="1200">
+              <a:rPr lang="pt-BR" sz="1200" dirty="0">
                 <a:solidFill>
                   <a:srgbClr val="000000"/>
                 </a:solidFill>
               </a:rPr>
-              <a:t>Self-help Portals</a:t>
+              <a:t>Portais de autoatendimento</a:t>
             </a:r>
           </a:p>
         </p:txBody>
@@ -9849,12 +8502,12 @@
               </a:spcAft>
             </a:pPr>
             <a:r>
-              <a:rPr lang="en-US" sz="1200" b="1">
+              <a:rPr lang="pt-BR" sz="1200" b="1">
                 <a:latin typeface="+mj-lt"/>
                 <a:ea typeface="Open Sans" pitchFamily="34" charset="0"/>
                 <a:cs typeface="Open Sans" pitchFamily="34" charset="0"/>
               </a:rPr>
-              <a:t>24/7 Support Portal</a:t>
+              <a:t>Portal de suporte 24/7</a:t>
             </a:r>
           </a:p>
         </p:txBody>
@@ -9874,7 +8527,7 @@
         <p:spPr>
           <a:xfrm>
             <a:off x="5265661" y="8987081"/>
-            <a:ext cx="2194560" cy="805349"/>
+            <a:ext cx="2194560" cy="866904"/>
           </a:xfrm>
           <a:prstGeom prst="rect">
             <a:avLst/>
@@ -9887,30 +8540,13 @@
           <a:lstStyle/>
           <a:p>
             <a:r>
-              <a:rPr lang="en-US" sz="1000">
+              <a:rPr lang="pt-BR" sz="900" dirty="0">
                 <a:solidFill>
                   <a:srgbClr val="4B4B4B"/>
                 </a:solidFill>
                 <a:latin typeface="Adobe Clean Light" panose="020B0303020404020204" pitchFamily="34" charset="0"/>
               </a:rPr>
-              <a:t>On-demand access to the online </a:t>
-            </a:r>
-            <a:br>
-              <a:rPr lang="en-US" sz="1000">
-                <a:solidFill>
-                  <a:srgbClr val="4B4B4B"/>
-                </a:solidFill>
-                <a:latin typeface="Adobe Clean Light" panose="020B0303020404020204" pitchFamily="34" charset="0"/>
-              </a:rPr>
-            </a:br>
-            <a:r>
-              <a:rPr lang="en-US" sz="1000">
-                <a:solidFill>
-                  <a:srgbClr val="4B4B4B"/>
-                </a:solidFill>
-                <a:latin typeface="Adobe Clean Light" panose="020B0303020404020204" pitchFamily="34" charset="0"/>
-              </a:rPr>
-              <a:t>Self-help Support Portal to submit support requests, review case status, and browse other resources, like our knowledgebase, news and alerts, featured tips, and more.</a:t>
+              <a:t>Acesso sob demanda ao Portal de autoatendimento online para enviar solicitações de suporte, revisar o status do caso e procurar outros recursos, como nossa base de conhecimento, notícias e alertas, dicas em destaque e muito mais.</a:t>
             </a:r>
           </a:p>
         </p:txBody>
@@ -10240,19 +8876,15 @@
               </a:spcBef>
             </a:pPr>
             <a:r>
-              <a:rPr lang="en-US" sz="1400" b="1" dirty="0">
+              <a:rPr lang="pt-BR" sz="1400" b="1" dirty="0">
                 <a:solidFill>
                   <a:srgbClr val="020302"/>
                 </a:solidFill>
                 <a:latin typeface="Adobe Clean"/>
                 <a:cs typeface="Adobe Clean"/>
               </a:rPr>
-              <a:t>Standard Support Features</a:t>
-            </a:r>
-            <a:endParaRPr lang="en-US" sz="1400" dirty="0">
-              <a:latin typeface="Adobe Clean"/>
-              <a:cs typeface="Adobe Clean"/>
-            </a:endParaRPr>
+              <a:t>Recursos do Suporte Standard</a:t>
+            </a:r>
           </a:p>
         </p:txBody>
       </p:sp>
@@ -10453,7 +9085,7 @@
         <p:spPr>
           <a:xfrm>
             <a:off x="324341" y="4031705"/>
-            <a:ext cx="2194560" cy="499111"/>
+            <a:ext cx="2194560" cy="452368"/>
           </a:xfrm>
           <a:prstGeom prst="rect">
             <a:avLst/>
@@ -10474,22 +9106,15 @@
               </a:spcBef>
             </a:pPr>
             <a:r>
-              <a:rPr lang="en-US" sz="1000">
+              <a:rPr lang="pt-BR" sz="900" dirty="0">
                 <a:solidFill>
                   <a:srgbClr val="020302"/>
                 </a:solidFill>
                 <a:latin typeface="AdobeClean-Light"/>
                 <a:cs typeface="AdobeClean-Light"/>
               </a:rPr>
-              <a:t>Proactive review of your solution  deployment, configuration, and overall  architecture, including integrations.</a:t>
-            </a:r>
-            <a:endParaRPr lang="en-US" sz="1000">
-              <a:solidFill>
-                <a:prstClr val="black"/>
-              </a:solidFill>
-              <a:latin typeface="AdobeClean-Light"/>
-              <a:cs typeface="AdobeClean-Light"/>
-            </a:endParaRPr>
+              <a:t>Revisão proativa da implantação, configuração e arquitetura geral da solução, incluindo integrações.</a:t>
+            </a:r>
           </a:p>
         </p:txBody>
       </p:sp>
@@ -10508,7 +9133,7 @@
         <p:spPr>
           <a:xfrm>
             <a:off x="5265661" y="4031705"/>
-            <a:ext cx="2194560" cy="652615"/>
+            <a:ext cx="2194560" cy="590483"/>
           </a:xfrm>
           <a:prstGeom prst="rect">
             <a:avLst/>
@@ -10529,22 +9154,15 @@
               </a:spcBef>
             </a:pPr>
             <a:r>
-              <a:rPr lang="en-US" sz="1000">
+              <a:rPr lang="pt-BR" sz="900" dirty="0">
                 <a:solidFill>
                   <a:srgbClr val="020302"/>
                 </a:solidFill>
                 <a:latin typeface="AdobeClean-Light"/>
                 <a:cs typeface="AdobeClean-Light"/>
               </a:rPr>
-              <a:t>Receive maintenance best practices and latest  fixes (SPs, MR, patches, FPs) to remain up-to-  date on all maintenance checks.</a:t>
-            </a:r>
-            <a:endParaRPr lang="en-US" sz="1000">
-              <a:solidFill>
-                <a:prstClr val="black"/>
-              </a:solidFill>
-              <a:latin typeface="AdobeClean-Light"/>
-              <a:cs typeface="AdobeClean-Light"/>
-            </a:endParaRPr>
+              <a:t>Receba as práticas recomendadas de manutenção e as correções mais recentes (SPs, MR, patches, FPs) para ficar atualizado em todas as verificações de manutenção.</a:t>
+            </a:r>
           </a:p>
         </p:txBody>
       </p:sp>
@@ -10563,7 +9181,7 @@
         <p:spPr>
           <a:xfrm>
             <a:off x="2852427" y="2847845"/>
-            <a:ext cx="2194560" cy="615553"/>
+            <a:ext cx="2194560" cy="415498"/>
           </a:xfrm>
           <a:prstGeom prst="rect">
             <a:avLst/>
@@ -10581,22 +9199,15 @@
               </a:spcBef>
             </a:pPr>
             <a:r>
-              <a:rPr lang="en-US" sz="1000">
+              <a:rPr lang="pt-BR" sz="900">
                 <a:solidFill>
                   <a:srgbClr val="4B4B4B"/>
                 </a:solidFill>
                 <a:latin typeface="AdobeClean-Light"/>
                 <a:cs typeface="AdobeClean-Light"/>
               </a:rPr>
-              <a:t>A regular review of Elite program services, support metrics, and deliverables, including a forward-looking plan</a:t>
-            </a:r>
-            <a:endParaRPr lang="en-US" sz="1000">
-              <a:solidFill>
-                <a:prstClr val="black"/>
-              </a:solidFill>
-              <a:latin typeface="AdobeClean-Light"/>
-              <a:cs typeface="AdobeClean-Light"/>
-            </a:endParaRPr>
+              <a:t>Revisão regular dos serviços do programa Elite, métricas de suporte e entregas, incluindo um plano de prospectivo</a:t>
+            </a:r>
           </a:p>
         </p:txBody>
       </p:sp>
@@ -10615,7 +9226,7 @@
         <p:spPr>
           <a:xfrm>
             <a:off x="5431520" y="2854370"/>
-            <a:ext cx="2194560" cy="615553"/>
+            <a:ext cx="2194560" cy="553998"/>
           </a:xfrm>
           <a:prstGeom prst="rect">
             <a:avLst/>
@@ -10633,22 +9244,15 @@
               </a:spcBef>
             </a:pPr>
             <a:r>
-              <a:rPr lang="en-US" sz="1000">
+              <a:rPr lang="pt-BR" sz="900">
                 <a:solidFill>
                   <a:srgbClr val="4B4B4B"/>
                 </a:solidFill>
                 <a:latin typeface="AdobeClean-Light"/>
                 <a:cs typeface="AdobeClean-Light"/>
               </a:rPr>
-              <a:t>A 60-minute session focusing on a  specific product feature and how it can  be utilized to solve common business  problems.</a:t>
-            </a:r>
-            <a:endParaRPr lang="en-US" sz="1000">
-              <a:solidFill>
-                <a:prstClr val="black"/>
-              </a:solidFill>
-              <a:latin typeface="AdobeClean-Light"/>
-              <a:cs typeface="AdobeClean-Light"/>
-            </a:endParaRPr>
+              <a:t>Uma sessão de 60 minutos focada em um recurso específico do produto e em como ele pode ser usado para resolver problemas empresariais comuns.</a:t>
+            </a:r>
           </a:p>
         </p:txBody>
       </p:sp>
@@ -10666,15 +9270,15 @@
         </p:nvSpPr>
         <p:spPr>
           <a:xfrm>
-            <a:off x="324341" y="2842848"/>
-            <a:ext cx="2194560" cy="615553"/>
+            <a:off x="324340" y="2842848"/>
+            <a:ext cx="2233771" cy="692497"/>
           </a:xfrm>
           <a:prstGeom prst="rect">
             <a:avLst/>
           </a:prstGeom>
         </p:spPr>
         <p:txBody>
-          <a:bodyPr lIns="0" tIns="0" rIns="0" bIns="0">
+          <a:bodyPr wrap="square" lIns="0" tIns="0" rIns="0" bIns="0">
             <a:spAutoFit/>
           </a:bodyPr>
           <a:lstStyle/>
@@ -10685,16 +9289,15 @@
               </a:spcBef>
             </a:pPr>
             <a:r>
-              <a:rPr lang="en-US" sz="1000">
+              <a:rPr lang="pt-BR" sz="900" dirty="0">
                 <a:solidFill>
                   <a:srgbClr val="4B4B4B"/>
                 </a:solidFill>
                 <a:latin typeface="AdobeClean-Light"/>
                 <a:cs typeface="AdobeClean-Light"/>
               </a:rPr>
-              <a:t>A designated point of contact within Adobe  who can provide escalation assistance,  regular updates and ensure priority is given  to your most critical open support requests.</a:t>
-            </a:r>
-            <a:endParaRPr lang="en-US"/>
+              <a:t>Um ponto de contato designado na Adobe que pode fornecer assistência de encaminhamento, atualizações regulares e garantir que seja dada prioridade àquelas solicitações de suporte abertas que forem mais críticas.</a:t>
+            </a:r>
           </a:p>
         </p:txBody>
       </p:sp>
@@ -10731,22 +9334,15 @@
               </a:spcBef>
             </a:pPr>
             <a:r>
-              <a:rPr lang="en-US" sz="1100" b="1">
+              <a:rPr lang="pt-BR" sz="1100" b="1">
                 <a:solidFill>
                   <a:srgbClr val="020302"/>
                 </a:solidFill>
                 <a:latin typeface="Adobe Clean" panose="020B0503020404020204" pitchFamily="34" charset="0"/>
                 <a:cs typeface="Arial"/>
               </a:rPr>
-              <a:t>Named Support Engineer</a:t>
-            </a:r>
-            <a:endParaRPr lang="en-US" sz="1100">
-              <a:solidFill>
-                <a:prstClr val="black"/>
-              </a:solidFill>
-              <a:latin typeface="Adobe Clean" panose="020B0503020404020204" pitchFamily="34" charset="0"/>
-              <a:cs typeface="Arial"/>
-            </a:endParaRPr>
+              <a:t>Engenheiro de suporte nomeado</a:t>
+            </a:r>
           </a:p>
         </p:txBody>
       </p:sp>
@@ -10783,22 +9379,15 @@
               </a:spcBef>
             </a:pPr>
             <a:r>
-              <a:rPr lang="en-US" sz="1100" b="1">
+              <a:rPr lang="pt-BR" sz="1100" b="1">
                 <a:solidFill>
                   <a:srgbClr val="020302"/>
                 </a:solidFill>
                 <a:latin typeface="Adobe Clean" panose="020B0503020404020204" pitchFamily="34" charset="0"/>
                 <a:cs typeface="Arial"/>
               </a:rPr>
-              <a:t>Case Reviews</a:t>
-            </a:r>
-            <a:endParaRPr lang="en-US" sz="1100">
-              <a:solidFill>
-                <a:prstClr val="black"/>
-              </a:solidFill>
-              <a:latin typeface="Adobe Clean" panose="020B0503020404020204" pitchFamily="34" charset="0"/>
-              <a:cs typeface="Arial"/>
-            </a:endParaRPr>
+              <a:t>Revisões de caso</a:t>
+            </a:r>
           </a:p>
         </p:txBody>
       </p:sp>
@@ -10835,22 +9424,15 @@
               </a:spcBef>
             </a:pPr>
             <a:r>
-              <a:rPr lang="en-US" sz="1100" b="1">
+              <a:rPr lang="pt-BR" sz="1100" b="1">
                 <a:solidFill>
                   <a:srgbClr val="020302"/>
                 </a:solidFill>
                 <a:latin typeface="Adobe Clean" panose="020B0503020404020204" pitchFamily="34" charset="0"/>
                 <a:cs typeface="Adobe Clean"/>
               </a:rPr>
-              <a:t>Maintenance &amp; Monitoring</a:t>
-            </a:r>
-            <a:endParaRPr lang="en-US" sz="1100">
-              <a:solidFill>
-                <a:prstClr val="black"/>
-              </a:solidFill>
-              <a:latin typeface="Adobe Clean" panose="020B0503020404020204" pitchFamily="34" charset="0"/>
-              <a:cs typeface="Adobe Clean"/>
-            </a:endParaRPr>
+              <a:t>Manutenção e monitoramento</a:t>
+            </a:r>
           </a:p>
         </p:txBody>
       </p:sp>
@@ -10887,22 +9469,15 @@
               </a:spcBef>
             </a:pPr>
             <a:r>
-              <a:rPr lang="en-US" sz="1100" b="1">
+              <a:rPr lang="pt-BR" sz="1100" b="1">
                 <a:solidFill>
                   <a:srgbClr val="020302"/>
                 </a:solidFill>
                 <a:latin typeface="Adobe Clean" panose="020B0503020404020204" pitchFamily="34" charset="0"/>
                 <a:cs typeface="Adobe Clean"/>
               </a:rPr>
-              <a:t>Solution Roadmap Review</a:t>
-            </a:r>
-            <a:endParaRPr lang="en-US" sz="1100">
-              <a:solidFill>
-                <a:prstClr val="black"/>
-              </a:solidFill>
-              <a:latin typeface="Adobe Clean" panose="020B0503020404020204" pitchFamily="34" charset="0"/>
-              <a:cs typeface="Adobe Clean"/>
-            </a:endParaRPr>
+              <a:t>Revisão do roteiro da solução</a:t>
+            </a:r>
           </a:p>
         </p:txBody>
       </p:sp>
@@ -10939,22 +9514,15 @@
               </a:spcBef>
             </a:pPr>
             <a:r>
-              <a:rPr lang="en-US" sz="1100" b="1">
+              <a:rPr lang="pt-BR" sz="1100" b="1">
                 <a:solidFill>
                   <a:srgbClr val="020302"/>
                 </a:solidFill>
                 <a:latin typeface="Adobe Clean" panose="020B0503020404020204" pitchFamily="34" charset="0"/>
                 <a:cs typeface="Adobe Clean"/>
               </a:rPr>
-              <a:t>Environment Review</a:t>
-            </a:r>
-            <a:endParaRPr lang="en-US" sz="1100">
-              <a:solidFill>
-                <a:prstClr val="black"/>
-              </a:solidFill>
-              <a:latin typeface="Adobe Clean" panose="020B0503020404020204" pitchFamily="34" charset="0"/>
-              <a:cs typeface="Adobe Clean"/>
-            </a:endParaRPr>
+              <a:t>Revisão do ambiente</a:t>
+            </a:r>
           </a:p>
         </p:txBody>
       </p:sp>
@@ -10991,22 +9559,15 @@
               </a:spcBef>
             </a:pPr>
             <a:r>
-              <a:rPr lang="en-US" sz="1100" b="1">
+              <a:rPr lang="pt-BR" sz="1100" b="1">
                 <a:solidFill>
                   <a:srgbClr val="020302"/>
                 </a:solidFill>
                 <a:latin typeface="Adobe Clean" panose="020B0503020404020204" pitchFamily="34" charset="0"/>
                 <a:cs typeface="Adobe Clean"/>
               </a:rPr>
-              <a:t>Escalation Management</a:t>
-            </a:r>
-            <a:endParaRPr lang="en-US" sz="1100">
-              <a:solidFill>
-                <a:prstClr val="black"/>
-              </a:solidFill>
-              <a:latin typeface="Adobe Clean" panose="020B0503020404020204" pitchFamily="34" charset="0"/>
-              <a:cs typeface="Adobe Clean"/>
-            </a:endParaRPr>
+              <a:t>Gestão de encaminhamento</a:t>
+            </a:r>
           </a:p>
         </p:txBody>
       </p:sp>
@@ -11043,22 +9604,15 @@
               </a:spcBef>
             </a:pPr>
             <a:r>
-              <a:rPr lang="en-US" sz="1100" b="1">
+              <a:rPr lang="pt-BR" sz="1100" b="1">
                 <a:solidFill>
                   <a:srgbClr val="020302"/>
                 </a:solidFill>
                 <a:latin typeface="Adobe Clean" panose="020B0503020404020204" pitchFamily="34" charset="0"/>
                 <a:cs typeface="Adobe Clean"/>
               </a:rPr>
-              <a:t>Service Reviews</a:t>
-            </a:r>
-            <a:endParaRPr lang="en-US" sz="1100">
-              <a:solidFill>
-                <a:prstClr val="black"/>
-              </a:solidFill>
-              <a:latin typeface="Adobe Clean" panose="020B0503020404020204" pitchFamily="34" charset="0"/>
-              <a:cs typeface="Adobe Clean"/>
-            </a:endParaRPr>
+              <a:t>Revisões de serviço</a:t>
+            </a:r>
           </a:p>
         </p:txBody>
       </p:sp>
@@ -11095,22 +9649,15 @@
               </a:spcBef>
             </a:pPr>
             <a:r>
-              <a:rPr lang="en-US" sz="1100" b="1">
+              <a:rPr lang="pt-BR" sz="1100" b="1">
                 <a:solidFill>
                   <a:srgbClr val="020302"/>
                 </a:solidFill>
                 <a:latin typeface="Adobe Clean" panose="020B0503020404020204" pitchFamily="34" charset="0"/>
                 <a:cs typeface="Adobe Clean"/>
               </a:rPr>
-              <a:t>Expert Sessions</a:t>
-            </a:r>
-            <a:endParaRPr lang="en-US" sz="1100">
-              <a:solidFill>
-                <a:prstClr val="black"/>
-              </a:solidFill>
-              <a:latin typeface="Adobe Clean" panose="020B0503020404020204" pitchFamily="34" charset="0"/>
-              <a:cs typeface="Adobe Clean"/>
-            </a:endParaRPr>
+              <a:t>Sessões com especialistas</a:t>
+            </a:r>
           </a:p>
         </p:txBody>
       </p:sp>
@@ -11147,22 +9694,15 @@
               </a:spcBef>
             </a:pPr>
             <a:r>
-              <a:rPr lang="en-US" sz="1100" b="1">
+              <a:rPr lang="pt-BR" sz="1100" b="1">
                 <a:solidFill>
                   <a:srgbClr val="020302"/>
                 </a:solidFill>
                 <a:latin typeface="Adobe Clean" panose="020B0503020404020204" pitchFamily="34" charset="0"/>
                 <a:cs typeface="Adobe Clean"/>
               </a:rPr>
-              <a:t>Release Preparation &amp; Review</a:t>
-            </a:r>
-            <a:endParaRPr lang="en-US" sz="1100">
-              <a:solidFill>
-                <a:prstClr val="black"/>
-              </a:solidFill>
-              <a:latin typeface="Adobe Clean" panose="020B0503020404020204" pitchFamily="34" charset="0"/>
-              <a:cs typeface="Adobe Clean"/>
-            </a:endParaRPr>
+              <a:t>Preparação e revisão da versão</a:t>
+            </a:r>
           </a:p>
         </p:txBody>
       </p:sp>
@@ -11202,19 +9742,15 @@
               </a:spcBef>
             </a:pPr>
             <a:r>
-              <a:rPr lang="en-US" sz="1100" b="1">
+              <a:rPr lang="pt-BR" sz="1100" b="1">
                 <a:solidFill>
                   <a:srgbClr val="020302"/>
                 </a:solidFill>
                 <a:latin typeface="Adobe Clean" panose="020B0503020404020204" pitchFamily="34" charset="0"/>
                 <a:cs typeface="Adobe Clean"/>
               </a:rPr>
-              <a:t>Knowledge Transfer</a:t>
-            </a:r>
-            <a:endParaRPr lang="en-US" sz="1100">
-              <a:latin typeface="Adobe Clean" panose="020B0503020404020204" pitchFamily="34" charset="0"/>
-              <a:cs typeface="Adobe Clean"/>
-            </a:endParaRPr>
+              <a:t>Transferência de conhecimento</a:t>
+            </a:r>
           </a:p>
         </p:txBody>
       </p:sp>
@@ -11254,19 +9790,15 @@
               </a:spcBef>
             </a:pPr>
             <a:r>
-              <a:rPr lang="en-US" sz="1100" b="1">
+              <a:rPr lang="pt-BR" sz="1100" b="1">
                 <a:solidFill>
                   <a:srgbClr val="020302"/>
                 </a:solidFill>
                 <a:latin typeface="Adobe Clean" panose="020B0503020404020204" pitchFamily="34" charset="0"/>
                 <a:cs typeface="Adobe Clean"/>
               </a:rPr>
-              <a:t>Event Management</a:t>
-            </a:r>
-            <a:endParaRPr lang="en-US" sz="1100">
-              <a:latin typeface="Adobe Clean" panose="020B0503020404020204" pitchFamily="34" charset="0"/>
-              <a:cs typeface="Adobe Clean"/>
-            </a:endParaRPr>
+              <a:t>Gerenciamento de eventos</a:t>
+            </a:r>
           </a:p>
         </p:txBody>
       </p:sp>
@@ -11593,7 +10125,7 @@
         <p:spPr>
           <a:xfrm>
             <a:off x="2764975" y="4039530"/>
-            <a:ext cx="2282011" cy="708399"/>
+            <a:ext cx="2282011" cy="644600"/>
           </a:xfrm>
           <a:prstGeom prst="rect">
             <a:avLst/>
@@ -11614,19 +10146,15 @@
               </a:spcBef>
             </a:pPr>
             <a:r>
-              <a:rPr lang="en-US" sz="1000">
+              <a:rPr lang="pt-BR" sz="900" dirty="0">
                 <a:solidFill>
                   <a:srgbClr val="020302"/>
                 </a:solidFill>
                 <a:latin typeface="AdobeClean-Light"/>
                 <a:cs typeface="AdobeClean-Light"/>
               </a:rPr>
-              <a:t>Compare and align Adobe solution  roadmap with your project roadmap to  mitigate risk and prepare for the future.</a:t>
-            </a:r>
-            <a:endParaRPr lang="en-US" sz="1000">
-              <a:latin typeface="AdobeClean-Light"/>
-              <a:cs typeface="AdobeClean-Light"/>
-            </a:endParaRPr>
+              <a:t>Compare e alinhe o roteiro da solução Adobe com o roteiro do seu projeto para reduzir riscos e se preparar para o futuro.</a:t>
+            </a:r>
           </a:p>
           <a:p>
             <a:pPr marL="18415" marR="262255" lvl="0">
@@ -11638,7 +10166,7 @@
               </a:spcBef>
             </a:pPr>
             <a:r>
-              <a:rPr lang="en-US" sz="1000">
+              <a:rPr lang="pt-BR" sz="900" dirty="0">
                 <a:solidFill>
                   <a:srgbClr val="020302"/>
                 </a:solidFill>
@@ -11647,13 +10175,6 @@
               </a:rPr>
               <a:t>.</a:t>
             </a:r>
-            <a:endParaRPr lang="en-US" sz="1000">
-              <a:solidFill>
-                <a:prstClr val="black"/>
-              </a:solidFill>
-              <a:latin typeface="AdobeClean-Light"/>
-              <a:cs typeface="AdobeClean-Light"/>
-            </a:endParaRPr>
           </a:p>
         </p:txBody>
       </p:sp>
@@ -11982,8 +10503,8 @@
         </p:nvSpPr>
         <p:spPr>
           <a:xfrm>
-            <a:off x="4843269" y="2329688"/>
-            <a:ext cx="1656080" cy="238760"/>
+            <a:off x="4795643" y="2329688"/>
+            <a:ext cx="2616951" cy="228268"/>
           </a:xfrm>
           <a:prstGeom prst="rect">
             <a:avLst/>
@@ -12004,179 +10525,15 @@
               </a:spcBef>
             </a:pPr>
             <a:r>
-              <a:rPr sz="1400" b="1" spc="-25">
+              <a:rPr lang="pt-BR" sz="1400" b="1" dirty="0">
                 <a:solidFill>
                   <a:srgbClr val="020302"/>
                 </a:solidFill>
                 <a:latin typeface="Adobe Clean"/>
                 <a:cs typeface="Adobe Clean"/>
               </a:rPr>
-              <a:t>Fi</a:t>
-            </a:r>
-            <a:r>
-              <a:rPr sz="1400" b="1" spc="-35">
-                <a:solidFill>
-                  <a:srgbClr val="020302"/>
-                </a:solidFill>
-                <a:latin typeface="Adobe Clean"/>
-                <a:cs typeface="Adobe Clean"/>
-              </a:rPr>
-              <a:t>e</a:t>
-            </a:r>
-            <a:r>
-              <a:rPr sz="1400" b="1" spc="-25">
-                <a:solidFill>
-                  <a:srgbClr val="020302"/>
-                </a:solidFill>
-                <a:latin typeface="Adobe Clean"/>
-                <a:cs typeface="Adobe Clean"/>
-              </a:rPr>
-              <a:t>l</a:t>
-            </a:r>
-            <a:r>
-              <a:rPr sz="1400" b="1">
-                <a:solidFill>
-                  <a:srgbClr val="020302"/>
-                </a:solidFill>
-                <a:latin typeface="Adobe Clean"/>
-                <a:cs typeface="Adobe Clean"/>
-              </a:rPr>
-              <a:t>d</a:t>
-            </a:r>
-            <a:r>
-              <a:rPr sz="1400" b="1" spc="-40">
-                <a:solidFill>
-                  <a:srgbClr val="020302"/>
-                </a:solidFill>
-                <a:latin typeface="Adobe Clean"/>
-                <a:cs typeface="Adobe Clean"/>
-              </a:rPr>
-              <a:t> </a:t>
-            </a:r>
-            <a:r>
-              <a:rPr sz="1400" b="1" spc="25">
-                <a:solidFill>
-                  <a:srgbClr val="020302"/>
-                </a:solidFill>
-                <a:latin typeface="Adobe Clean"/>
-                <a:cs typeface="Adobe Clean"/>
-              </a:rPr>
-              <a:t>S</a:t>
-            </a:r>
-            <a:r>
-              <a:rPr sz="1400" b="1" spc="5">
-                <a:solidFill>
-                  <a:srgbClr val="020302"/>
-                </a:solidFill>
-                <a:latin typeface="Adobe Clean"/>
-                <a:cs typeface="Adobe Clean"/>
-              </a:rPr>
-              <a:t>e</a:t>
-            </a:r>
-            <a:r>
-              <a:rPr sz="1400" b="1" spc="15">
-                <a:solidFill>
-                  <a:srgbClr val="020302"/>
-                </a:solidFill>
-                <a:latin typeface="Adobe Clean"/>
-                <a:cs typeface="Adobe Clean"/>
-              </a:rPr>
-              <a:t>rvi</a:t>
-            </a:r>
-            <a:r>
-              <a:rPr sz="1400" b="1" spc="5">
-                <a:solidFill>
-                  <a:srgbClr val="020302"/>
-                </a:solidFill>
-                <a:latin typeface="Adobe Clean"/>
-                <a:cs typeface="Adobe Clean"/>
-              </a:rPr>
-              <a:t>c</a:t>
-            </a:r>
-            <a:r>
-              <a:rPr sz="1400" b="1">
-                <a:solidFill>
-                  <a:srgbClr val="020302"/>
-                </a:solidFill>
-                <a:latin typeface="Adobe Clean"/>
-                <a:cs typeface="Adobe Clean"/>
-              </a:rPr>
-              <a:t>e</a:t>
-            </a:r>
-            <a:r>
-              <a:rPr sz="1400" b="1" spc="-190">
-                <a:solidFill>
-                  <a:srgbClr val="020302"/>
-                </a:solidFill>
-                <a:latin typeface="Adobe Clean"/>
-                <a:cs typeface="Adobe Clean"/>
-              </a:rPr>
-              <a:t> </a:t>
-            </a:r>
-            <a:r>
-              <a:rPr sz="1400" b="1" spc="5">
-                <a:solidFill>
-                  <a:srgbClr val="020302"/>
-                </a:solidFill>
-                <a:latin typeface="Adobe Clean"/>
-                <a:cs typeface="Adobe Clean"/>
-              </a:rPr>
-              <a:t>A</a:t>
-            </a:r>
-            <a:r>
-              <a:rPr sz="1400" b="1" spc="-5">
-                <a:solidFill>
-                  <a:srgbClr val="020302"/>
-                </a:solidFill>
-                <a:latin typeface="Adobe Clean"/>
-                <a:cs typeface="Adobe Clean"/>
-              </a:rPr>
-              <a:t>ct</a:t>
-            </a:r>
-            <a:r>
-              <a:rPr sz="1400" b="1" spc="5">
-                <a:solidFill>
-                  <a:srgbClr val="020302"/>
-                </a:solidFill>
-                <a:latin typeface="Adobe Clean"/>
-                <a:cs typeface="Adobe Clean"/>
-              </a:rPr>
-              <a:t>ivi</a:t>
-            </a:r>
-            <a:r>
-              <a:rPr sz="1400" b="1" spc="-5">
-                <a:solidFill>
-                  <a:srgbClr val="020302"/>
-                </a:solidFill>
-                <a:latin typeface="Adobe Clean"/>
-                <a:cs typeface="Adobe Clean"/>
-              </a:rPr>
-              <a:t>t</a:t>
-            </a:r>
-            <a:r>
-              <a:rPr sz="1400" b="1" spc="5">
-                <a:solidFill>
-                  <a:srgbClr val="020302"/>
-                </a:solidFill>
-                <a:latin typeface="Adobe Clean"/>
-                <a:cs typeface="Adobe Clean"/>
-              </a:rPr>
-              <a:t>i</a:t>
-            </a:r>
-            <a:r>
-              <a:rPr sz="1400" b="1" spc="-5">
-                <a:solidFill>
-                  <a:srgbClr val="020302"/>
-                </a:solidFill>
-                <a:latin typeface="Adobe Clean"/>
-                <a:cs typeface="Adobe Clean"/>
-              </a:rPr>
-              <a:t>es</a:t>
-            </a:r>
-            <a:endParaRPr sz="1400">
-              <a:latin typeface="Adobe Clean"/>
-              <a:cs typeface="Adobe Clean"/>
-            </a:endParaRPr>
+              <a:t>Atividades de serviço de campo</a:t>
+            </a:r>
           </a:p>
         </p:txBody>
       </p:sp>
@@ -12188,8 +10545,8 @@
         </p:nvSpPr>
         <p:spPr>
           <a:xfrm>
-            <a:off x="914422" y="2342312"/>
-            <a:ext cx="1242060" cy="238760"/>
+            <a:off x="914421" y="2342312"/>
+            <a:ext cx="1626871" cy="228268"/>
           </a:xfrm>
           <a:prstGeom prst="rect">
             <a:avLst/>
@@ -12210,99 +10567,15 @@
               </a:spcBef>
             </a:pPr>
             <a:r>
-              <a:rPr sz="1400" b="1" spc="-25">
+              <a:rPr lang="pt-BR" sz="1400" b="1" dirty="0">
                 <a:solidFill>
                   <a:srgbClr val="020302"/>
                 </a:solidFill>
                 <a:latin typeface="Adobe Clean"/>
                 <a:cs typeface="Adobe Clean"/>
               </a:rPr>
-              <a:t>L</a:t>
-            </a:r>
-            <a:r>
-              <a:rPr sz="1400" b="1" spc="-5">
-                <a:solidFill>
-                  <a:srgbClr val="020302"/>
-                </a:solidFill>
-                <a:latin typeface="Adobe Clean"/>
-                <a:cs typeface="Adobe Clean"/>
-              </a:rPr>
-              <a:t>a</a:t>
-            </a:r>
-            <a:r>
-              <a:rPr sz="1400" b="1" spc="-20">
-                <a:solidFill>
-                  <a:srgbClr val="020302"/>
-                </a:solidFill>
-                <a:latin typeface="Adobe Clean"/>
-                <a:cs typeface="Adobe Clean"/>
-              </a:rPr>
-              <a:t>u</a:t>
-            </a:r>
-            <a:r>
-              <a:rPr sz="1400" b="1" spc="-15">
-                <a:solidFill>
-                  <a:srgbClr val="020302"/>
-                </a:solidFill>
-                <a:latin typeface="Adobe Clean"/>
-                <a:cs typeface="Adobe Clean"/>
-              </a:rPr>
-              <a:t>n</a:t>
-            </a:r>
-            <a:r>
-              <a:rPr sz="1400" b="1" spc="-25">
-                <a:solidFill>
-                  <a:srgbClr val="020302"/>
-                </a:solidFill>
-                <a:latin typeface="Adobe Clean"/>
-                <a:cs typeface="Adobe Clean"/>
-              </a:rPr>
-              <a:t>c</a:t>
-            </a:r>
-            <a:r>
-              <a:rPr sz="1400" b="1">
-                <a:solidFill>
-                  <a:srgbClr val="020302"/>
-                </a:solidFill>
-                <a:latin typeface="Adobe Clean"/>
-                <a:cs typeface="Adobe Clean"/>
-              </a:rPr>
-              <a:t>h</a:t>
-            </a:r>
-            <a:r>
-              <a:rPr sz="1400" b="1" spc="-25">
-                <a:solidFill>
-                  <a:srgbClr val="020302"/>
-                </a:solidFill>
-                <a:latin typeface="Adobe Clean"/>
-                <a:cs typeface="Adobe Clean"/>
-              </a:rPr>
-              <a:t> </a:t>
-            </a:r>
-            <a:r>
-              <a:rPr sz="1400" b="1" spc="-10">
-                <a:solidFill>
-                  <a:srgbClr val="020302"/>
-                </a:solidFill>
-                <a:latin typeface="Adobe Clean"/>
-                <a:cs typeface="Adobe Clean"/>
-              </a:rPr>
-              <a:t>Advisor</a:t>
-            </a:r>
-            <a:r>
-              <a:rPr sz="1400" b="1">
-                <a:solidFill>
-                  <a:srgbClr val="020302"/>
-                </a:solidFill>
-                <a:latin typeface="Adobe Clean"/>
-                <a:cs typeface="Adobe Clean"/>
-              </a:rPr>
-              <a:t>y</a:t>
-            </a:r>
-            <a:endParaRPr sz="1400">
-              <a:latin typeface="Adobe Clean"/>
-              <a:cs typeface="Adobe Clean"/>
-            </a:endParaRPr>
+              <a:t>Launch Advisory</a:t>
+            </a:r>
           </a:p>
         </p:txBody>
       </p:sp>
@@ -12315,7 +10588,7 @@
         <p:spPr>
           <a:xfrm>
             <a:off x="242187" y="2787904"/>
-            <a:ext cx="3004185" cy="635000"/>
+            <a:ext cx="3004185" cy="782265"/>
           </a:xfrm>
           <a:prstGeom prst="rect">
             <a:avLst/>
@@ -12336,90 +10609,86 @@
               </a:spcBef>
             </a:pPr>
             <a:r>
-              <a:rPr sz="1000">
+              <a:rPr lang="pt-BR" sz="1000" dirty="0">
                 <a:solidFill>
                   <a:srgbClr val="1F1F1F"/>
                 </a:solidFill>
                 <a:latin typeface="AdobeClean-Light"/>
                 <a:cs typeface="AdobeClean-Light"/>
               </a:rPr>
-              <a:t>For customers implementing a </a:t>
-            </a:r>
-            <a:r>
-              <a:rPr sz="1000" b="1">
+              <a:t>Para clientes que implementam uma </a:t>
+            </a:r>
+            <a:r>
+              <a:rPr lang="pt-BR" sz="1000" b="1" dirty="0">
                 <a:solidFill>
                   <a:srgbClr val="1F1F1F"/>
                 </a:solidFill>
                 <a:latin typeface="Adobe Clean"/>
                 <a:cs typeface="Adobe Clean"/>
               </a:rPr>
-              <a:t>new Adobe Experience Cloud  solution, </a:t>
-            </a:r>
-            <a:r>
-              <a:rPr sz="1000">
+              <a:t>nova solução Adobe Experience Cloud, </a:t>
+            </a:r>
+            <a:r>
+              <a:rPr lang="pt-BR" sz="1000" dirty="0">
                 <a:latin typeface="AdobeClean-Light"/>
                 <a:cs typeface="AdobeClean-Light"/>
               </a:rPr>
-              <a:t>Launch Advisory </a:t>
-            </a:r>
-            <a:r>
-              <a:rPr sz="1000">
+              <a:t>o Launch Advisory é um </a:t>
+            </a:r>
+            <a:r>
+              <a:rPr lang="pt-BR" sz="1000" dirty="0"/>
+              <a:t>conjunto essencial de </a:t>
+            </a:r>
+            <a:r>
+              <a:rPr lang="pt-BR" sz="950" dirty="0">
                 <a:latin typeface="AdobeClean-SemiLight"/>
                 <a:cs typeface="AdobeClean-SemiLight"/>
               </a:rPr>
-              <a:t>is a </a:t>
-            </a:r>
-            <a:r>
-              <a:rPr sz="950">
-                <a:latin typeface="AdobeClean-SemiLight"/>
-                <a:cs typeface="AdobeClean-SemiLight"/>
-              </a:rPr>
-              <a:t>core set of advisory</a:t>
-            </a:r>
-          </a:p>
-          <a:p>
-            <a:pPr marL="12700" marR="86995" indent="-635">
-              <a:lnSpc>
-                <a:spcPct val="100000"/>
-              </a:lnSpc>
-            </a:pPr>
-            <a:r>
-              <a:rPr sz="950">
-                <a:latin typeface="AdobeClean-SemiLight"/>
-                <a:cs typeface="AdobeClean-SemiLight"/>
-              </a:rPr>
-              <a:t>services </a:t>
-            </a:r>
-            <a:r>
-              <a:rPr sz="1000">
+              <a:t>serviços</a:t>
+            </a:r>
+            <a:r>
+              <a:rPr lang="pt-BR" sz="1000" dirty="0">
                 <a:latin typeface="AdobeClean-Light"/>
                 <a:cs typeface="AdobeClean-Light"/>
               </a:rPr>
-              <a:t>and recommendations that are proven to </a:t>
-            </a:r>
-            <a:r>
-              <a:rPr sz="950">
+              <a:t> de consultoria e recomendações de eficácia </a:t>
+            </a:r>
+            <a:r>
+              <a:rPr lang="pt-BR" sz="950" dirty="0">
                 <a:latin typeface="AdobeClean-Light"/>
                 <a:cs typeface="AdobeClean-Light"/>
               </a:rPr>
-              <a:t>support  successful deployments </a:t>
-            </a:r>
-            <a:r>
-              <a:rPr sz="1000">
+              <a:t>comprovada que aceleram</a:t>
+            </a:r>
+            <a:r>
+              <a:rPr lang="pt-BR" sz="1000" dirty="0">
                 <a:latin typeface="AdobeClean-Light"/>
                 <a:cs typeface="AdobeClean-Light"/>
               </a:rPr>
-              <a:t>and </a:t>
-            </a:r>
-            <a:r>
-              <a:rPr sz="950">
+              <a:t> </a:t>
+            </a:r>
+            <a:br>
+              <a:rPr lang="pt-BR" sz="1000" dirty="0">
                 <a:latin typeface="AdobeClean-Light"/>
                 <a:cs typeface="AdobeClean-Light"/>
               </a:rPr>
-              <a:t>accelerate time-to-value</a:t>
-            </a:r>
-            <a:r>
-              <a:rPr sz="1000">
+            </a:br>
+            <a:r>
+              <a:rPr lang="pt-BR" sz="1000" dirty="0">
+                <a:latin typeface="AdobeClean-Light"/>
+                <a:cs typeface="AdobeClean-Light"/>
+              </a:rPr>
+              <a:t>o </a:t>
+            </a:r>
+            <a:r>
+              <a:rPr lang="pt-BR" sz="950" dirty="0">
+                <a:latin typeface="AdobeClean-Light"/>
+                <a:cs typeface="AdobeClean-Light"/>
+              </a:rPr>
+              <a:t>tempo de implantação</a:t>
+            </a:r>
+            <a:r>
+              <a:rPr lang="pt-BR" sz="1000" dirty="0">
                 <a:latin typeface="AdobeClean-Light"/>
                 <a:cs typeface="AdobeClean-Light"/>
               </a:rPr>
@@ -12537,79 +10806,75 @@
               </a:spcBef>
             </a:pPr>
             <a:r>
-              <a:rPr sz="1000">
+              <a:rPr lang="pt-BR" sz="1000" dirty="0">
                 <a:solidFill>
                   <a:srgbClr val="4B4B4B"/>
                 </a:solidFill>
                 <a:latin typeface="AdobeClean-Light"/>
                 <a:cs typeface="AdobeClean-Light"/>
               </a:rPr>
-              <a:t>Field Services are used for </a:t>
-            </a:r>
-            <a:r>
-              <a:rPr sz="1000" b="1">
+              <a:t>Os serviços de campo são usados para </a:t>
+            </a:r>
+            <a:r>
+              <a:rPr lang="pt-BR" sz="1000" b="1" dirty="0">
                 <a:solidFill>
                   <a:srgbClr val="4B4B4B"/>
                 </a:solidFill>
                 <a:latin typeface="Adobe Clean"/>
                 <a:cs typeface="Adobe Clean"/>
               </a:rPr>
-              <a:t>quick resolution</a:t>
-            </a:r>
-            <a:r>
-              <a:rPr sz="1000">
+              <a:t>resolução rápida</a:t>
+            </a:r>
+            <a:r>
+              <a:rPr lang="pt-BR" sz="1000" dirty="0">
                 <a:solidFill>
                   <a:srgbClr val="4B4B4B"/>
                 </a:solidFill>
                 <a:latin typeface="AdobeClean-Light"/>
                 <a:cs typeface="AdobeClean-Light"/>
               </a:rPr>
-              <a:t>, focused customer success  and accelerated </a:t>
-            </a:r>
-            <a:r>
-              <a:rPr sz="1000" b="1">
+              <a:t>, sucesso focado do cliente e </a:t>
+            </a:r>
+            <a:r>
+              <a:rPr lang="pt-BR" sz="1000" b="1" dirty="0">
                 <a:solidFill>
                   <a:srgbClr val="4B4B4B"/>
                 </a:solidFill>
                 <a:latin typeface="Adobe Clean"/>
                 <a:cs typeface="Adobe Clean"/>
               </a:rPr>
-              <a:t>time-to-value</a:t>
-            </a:r>
-            <a:r>
-              <a:rPr sz="1000">
+              <a:t>tempo de implantação</a:t>
+            </a:r>
+            <a:r>
+              <a:rPr lang="pt-BR" sz="1000" dirty="0">
                 <a:solidFill>
                   <a:srgbClr val="4B4B4B"/>
                 </a:solidFill>
                 <a:latin typeface="AdobeClean-Light"/>
                 <a:cs typeface="AdobeClean-Light"/>
               </a:rPr>
-              <a:t>. If Launch advisory is active there will be  </a:t>
-            </a:r>
-            <a:r>
-              <a:rPr sz="1000" b="1">
+              <a:t> acelerado. Se o Launch Advisory estiver ativo, </a:t>
+            </a:r>
+            <a:r>
+              <a:rPr lang="pt-BR" sz="1000" b="1" dirty="0">
                 <a:solidFill>
                   <a:srgbClr val="4B4B4B"/>
                 </a:solidFill>
                 <a:latin typeface="Adobe Clean"/>
                 <a:cs typeface="Adobe Clean"/>
               </a:rPr>
-              <a:t>no Field Services in year 1 </a:t>
-            </a:r>
-            <a:r>
-              <a:rPr sz="1000">
+              <a:t>não haverá Serviços de campo no ano 1</a:t>
+            </a:r>
+            <a:r>
+              <a:rPr lang="pt-BR" sz="1000" dirty="0">
                 <a:solidFill>
                   <a:srgbClr val="4B4B4B"/>
                 </a:solidFill>
                 <a:latin typeface="AdobeClean-Light"/>
                 <a:cs typeface="AdobeClean-Light"/>
               </a:rPr>
-              <a:t>for any solution product covered by a  Support contract.</a:t>
-            </a:r>
-            <a:endParaRPr sz="1000">
-              <a:latin typeface="AdobeClean-Light"/>
-              <a:cs typeface="AdobeClean-Light"/>
-            </a:endParaRPr>
+              <a:t> para nenhuma solução coberta por um contrato de suporte da Adobe.</a:t>
+            </a:r>
           </a:p>
         </p:txBody>
       </p:sp>
@@ -12705,7 +10970,7 @@
         </p:nvSpPr>
         <p:spPr>
           <a:xfrm>
-            <a:off x="263464" y="5348732"/>
+            <a:off x="263464" y="5282057"/>
             <a:ext cx="3114040" cy="482600"/>
           </a:xfrm>
           <a:prstGeom prst="rect">
@@ -12727,11 +10992,11 @@
               </a:spcBef>
             </a:pPr>
             <a:r>
-              <a:rPr sz="1000">
+              <a:rPr lang="pt-BR" sz="1000" dirty="0">
                 <a:latin typeface="AdobeClean-Light"/>
                 <a:cs typeface="AdobeClean-Light"/>
               </a:rPr>
-              <a:t>Launch Advisory will align with your project schedule through  common milestones (Kickoff, Define, Design, Go-live and Post  Launch) to guide, validate, assess and make recommendations.</a:t>
+              <a:t>O Launch Advisory se alinhará com o agendamento do seu projeto por meio de marcos comuns (Início, Definição, Projeto, Lançamento e Pós-lançamento) para guiar, validar, avaliar e fazer recomendações.</a:t>
             </a:r>
           </a:p>
         </p:txBody>
@@ -12744,7 +11009,7 @@
         </p:nvSpPr>
         <p:spPr>
           <a:xfrm>
-            <a:off x="263464" y="5982715"/>
+            <a:off x="263464" y="5916040"/>
             <a:ext cx="1247140" cy="166712"/>
           </a:xfrm>
           <a:prstGeom prst="rect">
@@ -12766,11 +11031,11 @@
               </a:spcBef>
             </a:pPr>
             <a:r>
-              <a:rPr sz="1000">
+              <a:rPr lang="pt-BR" sz="1000" dirty="0">
                 <a:latin typeface="AdobeClean-Light"/>
                 <a:cs typeface="AdobeClean-Light"/>
               </a:rPr>
-              <a:t>Key Deliverables include:</a:t>
+              <a:t>Os principais serviços incluem:</a:t>
             </a:r>
           </a:p>
         </p:txBody>
@@ -12783,7 +11048,7 @@
         </p:nvSpPr>
         <p:spPr>
           <a:xfrm>
-            <a:off x="205422" y="6308299"/>
+            <a:off x="205422" y="6241624"/>
             <a:ext cx="2745105" cy="592470"/>
           </a:xfrm>
           <a:prstGeom prst="rect">
@@ -12804,12 +11069,12 @@
               <a:buChar char="•"/>
             </a:pPr>
             <a:r>
-              <a:rPr lang="en-US" sz="1000">
+              <a:rPr lang="pt-BR" sz="1000" dirty="0">
                 <a:solidFill>
                   <a:prstClr val="black"/>
                 </a:solidFill>
               </a:rPr>
-              <a:t>Kickoff (including project collaboration plan) deck</a:t>
+              <a:t>Plataforma de início (incluindo plano de colaboração do projeto)</a:t>
             </a:r>
           </a:p>
           <a:p>
@@ -12821,12 +11086,12 @@
               <a:buChar char="•"/>
             </a:pPr>
             <a:r>
-              <a:rPr lang="en-US" sz="1000">
+              <a:rPr lang="pt-BR" sz="1000" dirty="0">
                 <a:solidFill>
                   <a:prstClr val="black"/>
                 </a:solidFill>
               </a:rPr>
-              <a:t>Assessment &amp; recommendations document(s)</a:t>
+              <a:t>Documentos de avaliação e recomendações</a:t>
             </a:r>
           </a:p>
           <a:p>
@@ -12838,12 +11103,12 @@
               <a:buChar char="•"/>
             </a:pPr>
             <a:r>
-              <a:rPr lang="en-US" sz="1000">
+              <a:rPr lang="pt-BR" sz="1000" dirty="0">
                 <a:solidFill>
                   <a:prstClr val="black"/>
                 </a:solidFill>
               </a:rPr>
-              <a:t>Engagement summary</a:t>
+              <a:t>Resumo de engajamento</a:t>
             </a:r>
           </a:p>
         </p:txBody>
@@ -12856,8 +11121,8 @@
         </p:nvSpPr>
         <p:spPr>
           <a:xfrm>
-            <a:off x="263464" y="4126991"/>
-            <a:ext cx="3141980" cy="1070610"/>
+            <a:off x="263463" y="4126991"/>
+            <a:ext cx="3365805" cy="1070610"/>
           </a:xfrm>
           <a:prstGeom prst="rect">
             <a:avLst/>
@@ -12878,19 +11143,15 @@
               </a:spcBef>
             </a:pPr>
             <a:r>
-              <a:rPr sz="1600">
+              <a:rPr lang="pt-BR" sz="1600" dirty="0">
                 <a:solidFill>
                   <a:srgbClr val="FFFFFF"/>
                 </a:solidFill>
                 <a:latin typeface="Arial"/>
                 <a:cs typeface="Arial"/>
               </a:rPr>
-              <a:t>Implementation</a:t>
-            </a:r>
-            <a:endParaRPr sz="1600">
-              <a:latin typeface="Arial"/>
-              <a:cs typeface="Arial"/>
-            </a:endParaRPr>
+              <a:t>Implementação</a:t>
+            </a:r>
           </a:p>
           <a:p>
             <a:pPr marL="12700" marR="5080">
@@ -12902,32 +11163,32 @@
               </a:spcBef>
             </a:pPr>
             <a:r>
-              <a:rPr sz="1000">
+              <a:rPr lang="pt-BR" sz="1000" dirty="0">
                 <a:latin typeface="AdobeClean-Light"/>
                 <a:cs typeface="AdobeClean-Light"/>
               </a:rPr>
-              <a:t>Adobe solution experts help validate requirements, architecture,  development process, and launch readiness reviews </a:t>
-            </a:r>
-            <a:r>
-              <a:rPr sz="1000">
+              <a:t>Os especialistas em soluções da Adobe ajudam a validar os requisitos, a arquitetura, o processo de desenvolvimento e iniciam revisões de prontidão </a:t>
+            </a:r>
+            <a:r>
+              <a:rPr lang="pt-BR" sz="1000" dirty="0">
                 <a:latin typeface="AdobeClean-SemiLight"/>
                 <a:cs typeface="AdobeClean-SemiLight"/>
               </a:rPr>
-              <a:t>with </a:t>
-            </a:r>
-            <a:r>
-              <a:rPr sz="950">
+              <a:t>com </a:t>
+            </a:r>
+            <a:r>
+              <a:rPr lang="pt-BR" sz="950" dirty="0">
                 <a:latin typeface="AdobeClean-SemiLight"/>
                 <a:cs typeface="AdobeClean-SemiLight"/>
               </a:rPr>
-              <a:t>best  practice-based guidance </a:t>
-            </a:r>
-            <a:r>
-              <a:rPr sz="1000">
+              <a:t>orientação baseada em práticas recomendadas</a:t>
+            </a:r>
+            <a:r>
+              <a:rPr lang="pt-BR" sz="1000" dirty="0">
                 <a:latin typeface="AdobeClean-SemiLight"/>
                 <a:cs typeface="AdobeClean-SemiLight"/>
               </a:rPr>
-              <a:t>to customers and implementation  partners.</a:t>
+              <a:t> para clientes e parceiros de implementação.</a:t>
             </a:r>
           </a:p>
         </p:txBody>
@@ -12939,15 +11200,20 @@
           <p:nvPr/>
         </p:nvPicPr>
         <p:blipFill>
-          <a:blip r:embed="rId3" cstate="print"/>
-          <a:stretch>
-            <a:fillRect/>
-          </a:stretch>
+          <a:blip r:embed="rId3" cstate="print">
+            <a:extLst>
+              <a:ext uri="{28A0092B-C50C-407E-A947-70E740481C1C}">
+                <a14:useLocalDpi xmlns:a14="http://schemas.microsoft.com/office/drawing/2010/main" val="0"/>
+              </a:ext>
+            </a:extLst>
+          </a:blip>
+          <a:srcRect/>
+          <a:stretch/>
         </p:blipFill>
         <p:spPr>
           <a:xfrm>
-            <a:off x="363328" y="6930985"/>
-            <a:ext cx="3053821" cy="2818913"/>
+            <a:off x="363328" y="6997661"/>
+            <a:ext cx="3053821" cy="2818911"/>
           </a:xfrm>
           <a:prstGeom prst="rect">
             <a:avLst/>
@@ -12962,7 +11228,7 @@
         </p:nvSpPr>
         <p:spPr>
           <a:xfrm>
-            <a:off x="3947346" y="5363972"/>
+            <a:off x="3947346" y="5297297"/>
             <a:ext cx="3335020" cy="659765"/>
           </a:xfrm>
           <a:prstGeom prst="rect">
@@ -12984,30 +11250,19 @@
               </a:spcBef>
             </a:pPr>
             <a:r>
-              <a:rPr sz="1000" b="1">
+              <a:rPr lang="pt-BR" sz="1000" b="1" dirty="0">
                 <a:latin typeface="Arial"/>
                 <a:cs typeface="Arial"/>
               </a:rPr>
-              <a:t>Technical Track Activities </a:t>
-            </a:r>
-            <a:r>
-              <a:rPr sz="1000">
+              <a:t>As Atividades técnicas</a:t>
+            </a:r>
+            <a:r>
+              <a:rPr lang="pt-BR" sz="1000" dirty="0">
                 <a:latin typeface="AdobeClean-Light"/>
                 <a:cs typeface="AdobeClean-Light"/>
               </a:rPr>
-              <a:t>ensure customers are technically sound  and maximizing their tool adoption. Specifically, these types of  activities include support and recommendations related to platform  configurations, integrations and troubleshooting</a:t>
-            </a:r>
-            <a:r>
-              <a:rPr lang="en-US" sz="1000">
-                <a:latin typeface="AdobeClean-Light"/>
-                <a:cs typeface="AdobeClean-Light"/>
-              </a:rPr>
-              <a:t>.</a:t>
-            </a:r>
-            <a:endParaRPr sz="1000">
-              <a:latin typeface="AdobeClean-Light"/>
-              <a:cs typeface="AdobeClean-Light"/>
-            </a:endParaRPr>
+              <a:t> verificam se os clientes estão apresentando solidez técnica e aproveitando ao máximo sua adoção de ferramentas. Especificamente, esses tipos de atividades incluem suporte e recomendações relacionados a configurações da plataforma, integrações e solução de problemas.</a:t>
+            </a:r>
           </a:p>
         </p:txBody>
       </p:sp>
@@ -13019,7 +11274,7 @@
         </p:nvSpPr>
         <p:spPr>
           <a:xfrm>
-            <a:off x="3947346" y="6174740"/>
+            <a:off x="3947346" y="6108065"/>
             <a:ext cx="2099310" cy="1436291"/>
           </a:xfrm>
           <a:prstGeom prst="rect">
@@ -13041,11 +11296,11 @@
               </a:spcBef>
             </a:pPr>
             <a:r>
-              <a:rPr sz="1000">
+              <a:rPr lang="pt-BR" sz="1000" dirty="0">
                 <a:latin typeface="AdobeClean-Light"/>
                 <a:cs typeface="AdobeClean-Light"/>
               </a:rPr>
-              <a:t>Types of technical activities available::</a:t>
+              <a:t>Tipos de atividades técnicas disponíveis::</a:t>
             </a:r>
           </a:p>
           <a:p>
@@ -13060,12 +11315,12 @@
               <a:buChar char="ü"/>
             </a:pPr>
             <a:r>
-              <a:rPr lang="en-US" sz="1000">
+              <a:rPr lang="pt-BR" sz="1000" dirty="0">
                 <a:solidFill>
                   <a:prstClr val="black"/>
                 </a:solidFill>
               </a:rPr>
-              <a:t>Health audit</a:t>
+              <a:t>Auditoria de integridade</a:t>
             </a:r>
           </a:p>
           <a:p>
@@ -13080,12 +11335,12 @@
               <a:buChar char="ü"/>
             </a:pPr>
             <a:r>
-              <a:rPr lang="en-US" sz="1000">
+              <a:rPr lang="pt-BR" sz="1000" dirty="0">
                 <a:solidFill>
                   <a:prstClr val="black"/>
                 </a:solidFill>
               </a:rPr>
-              <a:t>Platform audit</a:t>
+              <a:t>Auditoria da plataforma</a:t>
             </a:r>
           </a:p>
           <a:p>
@@ -13100,12 +11355,12 @@
               <a:buChar char="ü"/>
             </a:pPr>
             <a:r>
-              <a:rPr lang="en-US" sz="1000">
+              <a:rPr lang="pt-BR" sz="1000" dirty="0">
                 <a:solidFill>
                   <a:prstClr val="black"/>
                 </a:solidFill>
               </a:rPr>
-              <a:t>Feature set enablement</a:t>
+              <a:t>Ativação do conjunto de recursos</a:t>
             </a:r>
           </a:p>
           <a:p>
@@ -13120,12 +11375,12 @@
               <a:buChar char="ü"/>
             </a:pPr>
             <a:r>
-              <a:rPr lang="en-US" sz="1000">
+              <a:rPr lang="pt-BR" sz="1000" dirty="0">
                 <a:solidFill>
                   <a:prstClr val="black"/>
                 </a:solidFill>
               </a:rPr>
-              <a:t>Basic integrations and configurations</a:t>
+              <a:t>Integrações e configurações básicas</a:t>
             </a:r>
           </a:p>
           <a:p>
@@ -13140,12 +11395,12 @@
               <a:buChar char="ü"/>
             </a:pPr>
             <a:r>
-              <a:rPr lang="en-US" sz="1000">
+              <a:rPr lang="pt-BR" sz="1000" dirty="0">
                 <a:solidFill>
                   <a:prstClr val="black"/>
                 </a:solidFill>
               </a:rPr>
-              <a:t>Customer solution troubleshooting</a:t>
+              <a:t>Solução de problemas do cliente</a:t>
             </a:r>
           </a:p>
           <a:p>
@@ -13160,12 +11415,12 @@
               <a:buChar char="ü"/>
             </a:pPr>
             <a:r>
-              <a:rPr lang="en-US" sz="1000">
+              <a:rPr lang="pt-BR" sz="1000" dirty="0">
                 <a:solidFill>
                   <a:prstClr val="black"/>
                 </a:solidFill>
               </a:rPr>
-              <a:t>Cloud service support</a:t>
+              <a:t>Suporte ao serviço na nuvem</a:t>
             </a:r>
           </a:p>
         </p:txBody>
@@ -13178,7 +11433,7 @@
         </p:nvSpPr>
         <p:spPr>
           <a:xfrm>
-            <a:off x="3942774" y="7717028"/>
+            <a:off x="3942774" y="7650353"/>
             <a:ext cx="3208655" cy="1989006"/>
           </a:xfrm>
           <a:prstGeom prst="rect">
@@ -13200,18 +11455,18 @@
               </a:spcBef>
             </a:pPr>
             <a:r>
-              <a:rPr sz="1000" b="1">
+              <a:rPr lang="pt-BR" sz="1000" b="1" dirty="0">
                 <a:latin typeface="Arial"/>
                 <a:cs typeface="Arial"/>
               </a:rPr>
-              <a:t>Strategic Track Activities </a:t>
-            </a:r>
-            <a:r>
-              <a:rPr sz="1000">
+              <a:t>As Atividades estratégicas</a:t>
+            </a:r>
+            <a:r>
+              <a:rPr lang="pt-BR" sz="1000" dirty="0">
                 <a:latin typeface="AdobeClean-Light"/>
                 <a:cs typeface="AdobeClean-Light"/>
               </a:rPr>
-              <a:t>locate opportunities to ensure value is  being realized from a customer’s Adobe solutions. They include  support recommendations related to strategy, measurement and  maturity to drive value realization across one or more Adobe  solutions.</a:t>
+              <a:t> localizam oportunidades para garantir a obtenção de valor com as soluções da Adobe. Elas incluem recomendações de suporte relacionadas a estratégia, medição e maturidade para impulsionar a obtenção de valor com uma ou mais soluções da Adobe.</a:t>
             </a:r>
           </a:p>
           <a:p>
@@ -13223,7 +11478,7 @@
                 <a:spcPts val="40"/>
               </a:spcBef>
             </a:pPr>
-            <a:endParaRPr sz="1100">
+            <a:endParaRPr sz="1100" dirty="0">
               <a:latin typeface="AdobeClean-Light"/>
               <a:cs typeface="AdobeClean-Light"/>
             </a:endParaRPr>
@@ -13235,11 +11490,11 @@
               </a:lnSpc>
             </a:pPr>
             <a:r>
-              <a:rPr sz="1000">
+              <a:rPr lang="pt-BR" sz="1000" dirty="0">
                 <a:latin typeface="AdobeClean-Light"/>
                 <a:cs typeface="AdobeClean-Light"/>
               </a:rPr>
-              <a:t>Types of strategic activities available::</a:t>
+              <a:t>Tipos de atividades estratégicas disponíveis::</a:t>
             </a:r>
           </a:p>
           <a:p>
@@ -13254,12 +11509,12 @@
               <a:buChar char="ü"/>
             </a:pPr>
             <a:r>
-              <a:rPr lang="en-US" sz="1000">
+              <a:rPr lang="pt-BR" sz="1000" dirty="0">
                 <a:solidFill>
                   <a:prstClr val="black"/>
                 </a:solidFill>
               </a:rPr>
-              <a:t>Maturity Roadmap</a:t>
+              <a:t>Roteiro de maturidade</a:t>
             </a:r>
           </a:p>
           <a:p>
@@ -13274,12 +11529,12 @@
               <a:buChar char="ü"/>
             </a:pPr>
             <a:r>
-              <a:rPr lang="en-US" sz="1000">
+              <a:rPr lang="pt-BR" sz="1000" dirty="0">
                 <a:solidFill>
                   <a:prstClr val="black"/>
                 </a:solidFill>
               </a:rPr>
-              <a:t>Use case development/measurement</a:t>
+              <a:t>Desenvolvimento/medição de caso de uso</a:t>
             </a:r>
           </a:p>
           <a:p>
@@ -13294,12 +11549,12 @@
               <a:buChar char="ü"/>
             </a:pPr>
             <a:r>
-              <a:rPr lang="en-US" sz="1000">
+              <a:rPr lang="pt-BR" sz="1000" dirty="0">
                 <a:solidFill>
                   <a:prstClr val="black"/>
                 </a:solidFill>
               </a:rPr>
-              <a:t>Reporting &amp; analysis</a:t>
+              <a:t>Relatórios e análise</a:t>
             </a:r>
           </a:p>
           <a:p>
@@ -13314,12 +11569,12 @@
               <a:buChar char="ü"/>
             </a:pPr>
             <a:r>
-              <a:rPr lang="en-US" sz="1000">
+              <a:rPr lang="pt-BR" sz="1000" dirty="0">
                 <a:solidFill>
                   <a:prstClr val="black"/>
                 </a:solidFill>
               </a:rPr>
-              <a:t>Best practices enablement</a:t>
+              <a:t>Ativação de práticas recomendadas</a:t>
             </a:r>
           </a:p>
         </p:txBody>
@@ -13354,19 +11609,15 @@
               </a:spcBef>
             </a:pPr>
             <a:r>
-              <a:rPr sz="1600">
+              <a:rPr lang="pt-BR" sz="1600">
                 <a:solidFill>
                   <a:srgbClr val="FFFFFF"/>
                 </a:solidFill>
                 <a:latin typeface="Arial"/>
                 <a:cs typeface="Arial"/>
               </a:rPr>
-              <a:t>Run &amp; Operate</a:t>
-            </a:r>
-            <a:endParaRPr sz="1600">
-              <a:latin typeface="Arial"/>
-              <a:cs typeface="Arial"/>
-            </a:endParaRPr>
+              <a:t>Execução e operação</a:t>
+            </a:r>
           </a:p>
           <a:p>
             <a:pPr marL="12700">
@@ -13375,57 +11626,17 @@
               </a:spcBef>
             </a:pPr>
             <a:r>
-              <a:rPr sz="1000">
+              <a:rPr lang="pt-BR" sz="1000">
                 <a:solidFill>
                   <a:srgbClr val="1F1F1F"/>
                 </a:solidFill>
                 <a:latin typeface="Adobe Clean"/>
                 <a:cs typeface="Adobe Clean"/>
               </a:rPr>
-              <a:t>As an </a:t>
-            </a:r>
-            <a:r>
-              <a:rPr lang="en-US" sz="1000">
-                <a:solidFill>
-                  <a:srgbClr val="1F1F1F"/>
-                </a:solidFill>
-                <a:latin typeface="Adobe Clean"/>
-                <a:cs typeface="Adobe Clean"/>
-              </a:rPr>
-              <a:t>Elite</a:t>
-            </a:r>
-            <a:r>
-              <a:rPr sz="1000">
-                <a:solidFill>
-                  <a:srgbClr val="1F1F1F"/>
-                </a:solidFill>
-                <a:latin typeface="Adobe Clean"/>
-                <a:cs typeface="Adobe Clean"/>
-              </a:rPr>
-              <a:t> customer, you are</a:t>
-            </a:r>
-            <a:r>
-              <a:rPr lang="en-US" sz="1000">
-                <a:solidFill>
-                  <a:srgbClr val="1F1F1F"/>
-                </a:solidFill>
-                <a:latin typeface="Adobe Clean"/>
-                <a:cs typeface="Adobe Clean"/>
-              </a:rPr>
-              <a:t> </a:t>
-            </a:r>
-            <a:r>
-              <a:rPr sz="1000">
-                <a:solidFill>
-                  <a:srgbClr val="1F1F1F"/>
-                </a:solidFill>
-                <a:latin typeface="Adobe Clean"/>
-                <a:cs typeface="Adobe Clean"/>
-              </a:rPr>
-              <a:t> eligible for</a:t>
-            </a:r>
-            <a:r>
-              <a:rPr lang="en-US" sz="1200">
+              <a:t>Como cliente Elite, você tem direito a</a:t>
+            </a:r>
+            <a:r>
+              <a:rPr lang="pt-BR" sz="1200">
                 <a:solidFill>
                   <a:srgbClr val="1F1F1F"/>
                 </a:solidFill>
@@ -13440,7 +11651,7 @@
               <a:t> </a:t>
             </a:r>
             <a:r>
-              <a:rPr lang="en-US" sz="1200" u="sng">
+              <a:rPr lang="pt-BR" sz="1200" u="sng">
                 <a:solidFill>
                   <a:srgbClr val="1F1F1F"/>
                 </a:solidFill>
@@ -13455,7 +11666,7 @@
               <a:t>4</a:t>
             </a:r>
             <a:r>
-              <a:rPr sz="1200" b="1">
+              <a:rPr lang="pt-BR" sz="1200" b="1">
                 <a:solidFill>
                   <a:srgbClr val="1F1F1F"/>
                 </a:solidFill>
@@ -13465,77 +11676,67 @@
               <a:t> </a:t>
             </a:r>
             <a:r>
-              <a:rPr sz="1000" b="1">
+              <a:rPr lang="pt-BR" sz="1000" b="1">
                 <a:solidFill>
                   <a:srgbClr val="1F1F1F"/>
                 </a:solidFill>
                 <a:latin typeface="Arial"/>
                 <a:cs typeface="Arial"/>
               </a:rPr>
-              <a:t>activities per </a:t>
-            </a:r>
-            <a:r>
-              <a:rPr lang="en-US" sz="1000" b="1">
+              <a:t>atividades por ano </a:t>
+            </a:r>
+            <a:r>
+              <a:rPr lang="pt-BR" sz="1000">
+                <a:solidFill>
+                  <a:srgbClr val="1F1F1F"/>
+                </a:solidFill>
+                <a:latin typeface="Adobe Clean"/>
+                <a:cs typeface="Arial"/>
+              </a:rPr>
+              <a:t>entre</a:t>
+            </a:r>
+            <a:r>
+              <a:rPr lang="pt-BR" sz="1000">
+                <a:solidFill>
+                  <a:srgbClr val="1F1F1F"/>
+                </a:solidFill>
+                <a:latin typeface="Adobe Clean"/>
+                <a:cs typeface="Adobe Clean"/>
+              </a:rPr>
+              <a:t> as opções a seguir: </a:t>
+            </a:r>
+            <a:r>
+              <a:rPr lang="pt-BR" sz="1000" b="1">
                 <a:solidFill>
                   <a:srgbClr val="1F1F1F"/>
                 </a:solidFill>
                 <a:latin typeface="Arial"/>
                 <a:cs typeface="Arial"/>
               </a:rPr>
-              <a:t>year </a:t>
-            </a:r>
-            <a:r>
-              <a:rPr lang="en-US" sz="1000">
-                <a:solidFill>
-                  <a:srgbClr val="1F1F1F"/>
-                </a:solidFill>
-                <a:latin typeface="Adobe Clean"/>
-                <a:cs typeface="Arial"/>
-              </a:rPr>
-              <a:t>from</a:t>
-            </a:r>
-            <a:r>
-              <a:rPr sz="1000">
+              <a:t>Técnicas </a:t>
+            </a:r>
+            <a:r>
+              <a:rPr lang="pt-BR" sz="1000">
                 <a:solidFill>
                   <a:srgbClr val="1F1F1F"/>
                 </a:solidFill>
                 <a:latin typeface="Adobe Clean"/>
                 <a:cs typeface="Adobe Clean"/>
               </a:rPr>
-              <a:t> the following two tracks: </a:t>
-            </a:r>
-            <a:r>
-              <a:rPr sz="1000" b="1">
+              <a:t>e/ou </a:t>
+            </a:r>
+            <a:r>
+              <a:rPr lang="pt-BR" sz="1000" b="1">
                 <a:solidFill>
                   <a:srgbClr val="1F1F1F"/>
                 </a:solidFill>
                 <a:latin typeface="Arial"/>
                 <a:cs typeface="Arial"/>
               </a:rPr>
-              <a:t>Technical </a:t>
-            </a:r>
-            <a:r>
-              <a:rPr sz="1000">
-                <a:solidFill>
-                  <a:srgbClr val="1F1F1F"/>
-                </a:solidFill>
-                <a:latin typeface="Adobe Clean"/>
-                <a:cs typeface="Adobe Clean"/>
-              </a:rPr>
-              <a:t>and/or </a:t>
-            </a:r>
-            <a:r>
-              <a:rPr sz="1000" b="1">
-                <a:solidFill>
-                  <a:srgbClr val="1F1F1F"/>
-                </a:solidFill>
-                <a:latin typeface="Arial"/>
-                <a:cs typeface="Arial"/>
-              </a:rPr>
-              <a:t>Strategic</a:t>
-            </a:r>
-            <a:r>
-              <a:rPr lang="en-US" sz="1000" b="1">
+              <a:t>Estratégicos</a:t>
+            </a:r>
+            <a:r>
+              <a:rPr lang="pt-BR" sz="1000" b="1">
                 <a:solidFill>
                   <a:srgbClr val="1F1F1F"/>
                 </a:solidFill>
@@ -13544,10 +11745,6 @@
               </a:rPr>
               <a:t>.</a:t>
             </a:r>
-            <a:endParaRPr sz="1000">
-              <a:latin typeface="AdobeClean-Light"/>
-              <a:cs typeface="AdobeClean-Light"/>
-            </a:endParaRPr>
           </a:p>
         </p:txBody>
       </p:sp>
@@ -13559,8 +11756,8 @@
         </p:nvSpPr>
         <p:spPr>
           <a:xfrm>
-            <a:off x="923023" y="538480"/>
-            <a:ext cx="2323349" cy="228268"/>
+            <a:off x="923022" y="538480"/>
+            <a:ext cx="3200400" cy="228268"/>
           </a:xfrm>
           <a:prstGeom prst="rect">
             <a:avLst/>
@@ -13581,69 +11778,15 @@
               </a:spcBef>
             </a:pPr>
             <a:r>
-              <a:rPr sz="1400" b="1" spc="-15">
+              <a:rPr lang="pt-BR" sz="1400" b="1" dirty="0">
                 <a:solidFill>
                   <a:srgbClr val="020302"/>
                 </a:solidFill>
                 <a:latin typeface="Adobe Clean"/>
                 <a:cs typeface="Adobe Clean"/>
               </a:rPr>
-              <a:t>Cloud</a:t>
-            </a:r>
-            <a:r>
-              <a:rPr sz="1400" b="1" spc="-45">
-                <a:solidFill>
-                  <a:srgbClr val="020302"/>
-                </a:solidFill>
-                <a:latin typeface="Adobe Clean"/>
-                <a:cs typeface="Adobe Clean"/>
-              </a:rPr>
-              <a:t> </a:t>
-            </a:r>
-            <a:r>
-              <a:rPr sz="1400" b="1" spc="-15">
-                <a:solidFill>
-                  <a:srgbClr val="020302"/>
-                </a:solidFill>
-                <a:latin typeface="Adobe Clean"/>
-                <a:cs typeface="Adobe Clean"/>
-              </a:rPr>
-              <a:t>Support</a:t>
-            </a:r>
-            <a:r>
-              <a:rPr sz="1400" b="1" spc="-50">
-                <a:solidFill>
-                  <a:srgbClr val="020302"/>
-                </a:solidFill>
-                <a:latin typeface="Adobe Clean"/>
-                <a:cs typeface="Adobe Clean"/>
-              </a:rPr>
-              <a:t> </a:t>
-            </a:r>
-            <a:r>
-              <a:rPr sz="1400" b="1" spc="-15">
-                <a:solidFill>
-                  <a:srgbClr val="020302"/>
-                </a:solidFill>
-                <a:latin typeface="Adobe Clean"/>
-                <a:cs typeface="Adobe Clean"/>
-              </a:rPr>
-              <a:t>Activities</a:t>
-            </a:r>
-            <a:r>
-              <a:rPr lang="en-US" sz="1400" b="1" spc="-15">
-                <a:solidFill>
-                  <a:srgbClr val="020302"/>
-                </a:solidFill>
-                <a:latin typeface="Adobe Clean"/>
-                <a:cs typeface="Adobe Clean"/>
-              </a:rPr>
-              <a:t> - AEM</a:t>
-            </a:r>
-            <a:endParaRPr sz="1400">
-              <a:latin typeface="Adobe Clean"/>
-              <a:cs typeface="Adobe Clean"/>
-            </a:endParaRPr>
+              <a:t>Atividades de suporte na nuvem — AEM</a:t>
+            </a:r>
           </a:p>
         </p:txBody>
       </p:sp>
@@ -13759,6 +11902,10 @@
           </p:nvPr>
         </p:nvSpPr>
         <p:spPr>
+          <a:xfrm>
+            <a:off x="97786" y="9861194"/>
+            <a:ext cx="2377440" cy="149859"/>
+          </a:xfrm>
           <a:prstGeom prst="rect">
             <a:avLst/>
           </a:prstGeom>
@@ -13778,36 +11925,8 @@
               </a:spcBef>
             </a:pPr>
             <a:r>
-              <a:rPr spc="-5"/>
-              <a:t>©2021 Adobe. All</a:t>
-            </a:r>
-            <a:r>
-              <a:rPr spc="-15"/>
-              <a:t> Rights</a:t>
-            </a:r>
-            <a:r>
-              <a:rPr spc="-10"/>
-              <a:t> </a:t>
-            </a:r>
-            <a:r>
-              <a:rPr spc="-15"/>
-              <a:t>Reserved.</a:t>
-            </a:r>
-            <a:r>
-              <a:rPr spc="-10"/>
-              <a:t> </a:t>
-            </a:r>
-            <a:r>
-              <a:rPr spc="-5"/>
-              <a:t>Adobe</a:t>
-            </a:r>
-            <a:r>
-              <a:rPr spc="60"/>
-              <a:t> </a:t>
-            </a:r>
-            <a:r>
-              <a:rPr spc="-15"/>
-              <a:t>Confidential.</a:t>
+              <a:rPr lang="pt-BR" dirty="0"/>
+              <a:t>©2021 Adobe. All Rights Reserved. Adobe Confidential.</a:t>
             </a:r>
           </a:p>
         </p:txBody>
@@ -13863,8 +11982,8 @@
           <a:p>
             <a:pPr algn="ctr"/>
             <a:r>
-              <a:rPr lang="en-US" sz="1600"/>
-              <a:t>Run &amp; Operate</a:t>
+              <a:rPr lang="pt-BR" sz="1600" dirty="0"/>
+              <a:t>Execução e operação</a:t>
             </a:r>
           </a:p>
         </p:txBody>
@@ -13920,8 +12039,8 @@
           <a:p>
             <a:pPr algn="ctr"/>
             <a:r>
-              <a:rPr lang="en-US" sz="1600"/>
-              <a:t>Implementation</a:t>
+              <a:rPr lang="pt-BR" sz="1600"/>
+              <a:t>Implementação</a:t>
             </a:r>
           </a:p>
         </p:txBody>
@@ -13941,7 +12060,7 @@
         <p:spPr>
           <a:xfrm>
             <a:off x="2918286" y="3586760"/>
-            <a:ext cx="933111" cy="261610"/>
+            <a:ext cx="1205135" cy="261610"/>
           </a:xfrm>
           <a:prstGeom prst="rect">
             <a:avLst/>
@@ -13956,8 +12075,8 @@
           <a:p>
             <a:pPr algn="ctr"/>
             <a:r>
-              <a:rPr lang="en-US" sz="1100"/>
-              <a:t>Post Launch</a:t>
+              <a:rPr lang="pt-BR" sz="1100" dirty="0"/>
+              <a:t>Pós-lançamento</a:t>
             </a:r>
           </a:p>
         </p:txBody>
@@ -13992,8 +12111,8 @@
           <a:p>
             <a:pPr algn="ctr"/>
             <a:r>
-              <a:rPr lang="en-US" sz="1100"/>
-              <a:t>Go-Live</a:t>
+              <a:rPr lang="pt-BR" sz="1100"/>
+              <a:t>Lançamento</a:t>
             </a:r>
           </a:p>
         </p:txBody>
@@ -14028,8 +12147,8 @@
           <a:p>
             <a:pPr algn="ctr"/>
             <a:r>
-              <a:rPr lang="en-US" sz="1100"/>
-              <a:t>Define</a:t>
+              <a:rPr lang="pt-BR" sz="1100"/>
+              <a:t>Definição</a:t>
             </a:r>
           </a:p>
         </p:txBody>
@@ -14064,8 +12183,8 @@
           <a:p>
             <a:pPr algn="ctr"/>
             <a:r>
-              <a:rPr lang="en-US" sz="1100"/>
-              <a:t>Kickoff</a:t>
+              <a:rPr lang="pt-BR" sz="1100"/>
+              <a:t>Início</a:t>
             </a:r>
           </a:p>
         </p:txBody>
@@ -14100,8 +12219,8 @@
           <a:p>
             <a:pPr algn="ctr"/>
             <a:r>
-              <a:rPr lang="en-US" sz="1100"/>
-              <a:t>Design</a:t>
+              <a:rPr lang="pt-BR" sz="1100"/>
+              <a:t>Projeto</a:t>
             </a:r>
           </a:p>
         </p:txBody>
@@ -14158,14 +12277,14 @@
           <a:p>
             <a:pPr algn="ctr"/>
             <a:r>
-              <a:rPr lang="en-US" sz="1400">
+              <a:rPr lang="pt-BR" sz="1400" dirty="0">
                 <a:solidFill>
                   <a:schemeClr val="accent1">
                     <a:lumMod val="50000"/>
                   </a:schemeClr>
                 </a:solidFill>
               </a:rPr>
-              <a:t>4 Activities per Year</a:t>
+              <a:t>4 atividades por ano</a:t>
             </a:r>
           </a:p>
         </p:txBody>
@@ -14206,20 +12325,14 @@
               </a:spcBef>
             </a:pPr>
             <a:r>
-              <a:rPr lang="en-US" sz="1000">
+              <a:rPr lang="pt-BR" sz="1000" dirty="0">
                 <a:solidFill>
                   <a:srgbClr val="4B4B4B"/>
                 </a:solidFill>
                 <a:latin typeface="Adobe Clean Light" panose="020B0303020404020204" pitchFamily="34" charset="0"/>
               </a:rPr>
-              <a:t>Drive adoption of customization best practices and core components in AEM as a Cloud Service.</a:t>
-            </a:r>
-            <a:endParaRPr sz="1000">
-              <a:solidFill>
-                <a:srgbClr val="4B4B4B"/>
-              </a:solidFill>
-              <a:latin typeface="Adobe Clean Light" panose="020B0303020404020204" pitchFamily="34" charset="0"/>
-            </a:endParaRPr>
+              <a:t>Adoção de práticas recomendadas de personalização e dos componentes principais no AEM as a Cloud Service.</a:t>
+            </a:r>
           </a:p>
         </p:txBody>
       </p:sp>
@@ -14259,20 +12372,14 @@
               </a:spcBef>
             </a:pPr>
             <a:r>
-              <a:rPr lang="en-US" sz="1000">
+              <a:rPr lang="pt-BR" sz="1000" dirty="0">
                 <a:solidFill>
                   <a:srgbClr val="4B4B4B"/>
                 </a:solidFill>
                 <a:latin typeface="Adobe Clean Light" panose="020B0303020404020204" pitchFamily="34" charset="0"/>
               </a:rPr>
-              <a:t>Identify, review and provide recommendations on customized solution adoption areas that have opportunities for optimization.</a:t>
-            </a:r>
-            <a:endParaRPr sz="1000">
-              <a:solidFill>
-                <a:srgbClr val="4B4B4B"/>
-              </a:solidFill>
-              <a:latin typeface="Adobe Clean Light" panose="020B0303020404020204" pitchFamily="34" charset="0"/>
-            </a:endParaRPr>
+              <a:t>Identificação, revisão e recomendações sobre áreas personalizadas da adoção de soluções com oportunidades de otimização.</a:t>
+            </a:r>
           </a:p>
         </p:txBody>
       </p:sp>
@@ -14312,20 +12419,14 @@
               </a:spcBef>
             </a:pPr>
             <a:r>
-              <a:rPr lang="en-US" sz="1000">
+              <a:rPr lang="pt-BR" sz="1000" dirty="0">
                 <a:solidFill>
                   <a:srgbClr val="4B4B4B"/>
                 </a:solidFill>
                 <a:latin typeface="Adobe Clean Light" panose="020B0303020404020204" pitchFamily="34" charset="0"/>
               </a:rPr>
-              <a:t>Technical &amp; operational governance to assist AEM as a Cloud Service Customers in adhering to industry standards and best practices for AEM as a Cloud Service.</a:t>
-            </a:r>
-            <a:endParaRPr sz="1000">
-              <a:solidFill>
-                <a:srgbClr val="4B4B4B"/>
-              </a:solidFill>
-              <a:latin typeface="Adobe Clean Light" panose="020B0303020404020204" pitchFamily="34" charset="0"/>
-            </a:endParaRPr>
+              <a:t>Governança técnica e operacional para auxiliar os clientes do AEM as a Cloud Service a seguirem os padrões do setor e as práticas recomendadas do AEM as a Cloud Service.</a:t>
+            </a:r>
           </a:p>
         </p:txBody>
       </p:sp>
@@ -14365,489 +12466,15 @@
               </a:spcBef>
             </a:pPr>
             <a:r>
-              <a:rPr lang="en-US" sz="1200" b="1" spc="-15">
+              <a:rPr lang="pt-BR" sz="1200" b="1" dirty="0">
                 <a:solidFill>
                   <a:srgbClr val="020302"/>
                 </a:solidFill>
                 <a:latin typeface="Adobe Clean"/>
                 <a:cs typeface="Adobe Clean"/>
               </a:rPr>
-              <a:t>C</a:t>
-            </a:r>
-            <a:r>
-              <a:rPr lang="en-US" sz="1200" b="1" spc="-20">
-                <a:solidFill>
-                  <a:srgbClr val="020302"/>
-                </a:solidFill>
-                <a:latin typeface="Adobe Clean"/>
-                <a:cs typeface="Adobe Clean"/>
-              </a:rPr>
-              <a:t>u</a:t>
-            </a:r>
-            <a:r>
-              <a:rPr lang="en-US" sz="1200" b="1" spc="-25">
-                <a:solidFill>
-                  <a:srgbClr val="020302"/>
-                </a:solidFill>
-                <a:latin typeface="Adobe Clean"/>
-                <a:cs typeface="Adobe Clean"/>
-              </a:rPr>
-              <a:t>st</a:t>
-            </a:r>
-            <a:r>
-              <a:rPr lang="en-US" sz="1200" b="1" spc="-15">
-                <a:solidFill>
-                  <a:srgbClr val="020302"/>
-                </a:solidFill>
-                <a:latin typeface="Adobe Clean"/>
-                <a:cs typeface="Adobe Clean"/>
-              </a:rPr>
-              <a:t>o</a:t>
-            </a:r>
-            <a:r>
-              <a:rPr lang="en-US" sz="1200" b="1" spc="-20">
-                <a:solidFill>
-                  <a:srgbClr val="020302"/>
-                </a:solidFill>
-                <a:latin typeface="Adobe Clean"/>
-                <a:cs typeface="Adobe Clean"/>
-              </a:rPr>
-              <a:t>miza</a:t>
-            </a:r>
-            <a:r>
-              <a:rPr lang="en-US" sz="1200" b="1" spc="-25">
-                <a:solidFill>
-                  <a:srgbClr val="020302"/>
-                </a:solidFill>
-                <a:latin typeface="Adobe Clean"/>
-                <a:cs typeface="Adobe Clean"/>
-              </a:rPr>
-              <a:t>t</a:t>
-            </a:r>
-            <a:r>
-              <a:rPr lang="en-US" sz="1200" b="1" spc="-20">
-                <a:solidFill>
-                  <a:srgbClr val="020302"/>
-                </a:solidFill>
-                <a:latin typeface="Adobe Clean"/>
-                <a:cs typeface="Adobe Clean"/>
-              </a:rPr>
-              <a:t>i</a:t>
-            </a:r>
-            <a:r>
-              <a:rPr lang="en-US" sz="1200" b="1" spc="-15">
-                <a:solidFill>
-                  <a:srgbClr val="020302"/>
-                </a:solidFill>
-                <a:latin typeface="Adobe Clean"/>
-                <a:cs typeface="Adobe Clean"/>
-              </a:rPr>
-              <a:t>o</a:t>
-            </a:r>
-            <a:r>
-              <a:rPr lang="en-US" sz="1200" b="1">
-                <a:solidFill>
-                  <a:srgbClr val="020302"/>
-                </a:solidFill>
-                <a:latin typeface="Adobe Clean"/>
-                <a:cs typeface="Adobe Clean"/>
-              </a:rPr>
-              <a:t>n</a:t>
-            </a:r>
-            <a:r>
-              <a:rPr lang="en-US" sz="1200" b="1" spc="-50">
-                <a:solidFill>
-                  <a:srgbClr val="020302"/>
-                </a:solidFill>
-                <a:latin typeface="Adobe Clean"/>
-                <a:cs typeface="Adobe Clean"/>
-              </a:rPr>
-              <a:t> </a:t>
-            </a:r>
-            <a:r>
-              <a:rPr lang="en-US" sz="1200" b="1" spc="-20">
-                <a:solidFill>
-                  <a:srgbClr val="020302"/>
-                </a:solidFill>
-                <a:latin typeface="Adobe Clean"/>
-                <a:cs typeface="Adobe Clean"/>
-              </a:rPr>
-              <a:t>B</a:t>
-            </a:r>
-            <a:r>
-              <a:rPr lang="en-US" sz="1200" b="1" spc="-25">
-                <a:solidFill>
-                  <a:srgbClr val="020302"/>
-                </a:solidFill>
-                <a:latin typeface="Adobe Clean"/>
-                <a:cs typeface="Adobe Clean"/>
-              </a:rPr>
-              <a:t>es</a:t>
-            </a:r>
-            <a:r>
-              <a:rPr lang="en-US" sz="1200" b="1">
-                <a:solidFill>
-                  <a:srgbClr val="020302"/>
-                </a:solidFill>
-                <a:latin typeface="Adobe Clean"/>
-                <a:cs typeface="Adobe Clean"/>
-              </a:rPr>
-              <a:t>t</a:t>
-            </a:r>
-            <a:r>
-              <a:rPr lang="en-US" sz="1200" b="1" spc="-50">
-                <a:solidFill>
-                  <a:srgbClr val="020302"/>
-                </a:solidFill>
-                <a:latin typeface="Adobe Clean"/>
-                <a:cs typeface="Adobe Clean"/>
-              </a:rPr>
-              <a:t> </a:t>
-            </a:r>
-            <a:r>
-              <a:rPr lang="en-US" sz="1200" b="1" spc="-25">
-                <a:solidFill>
-                  <a:srgbClr val="020302"/>
-                </a:solidFill>
-                <a:latin typeface="Adobe Clean"/>
-                <a:cs typeface="Adobe Clean"/>
-              </a:rPr>
-              <a:t>P</a:t>
-            </a:r>
-            <a:r>
-              <a:rPr lang="en-US" sz="1200" b="1" spc="-20">
-                <a:solidFill>
-                  <a:srgbClr val="020302"/>
-                </a:solidFill>
-                <a:latin typeface="Adobe Clean"/>
-                <a:cs typeface="Adobe Clean"/>
-              </a:rPr>
-              <a:t>ra</a:t>
-            </a:r>
-            <a:r>
-              <a:rPr lang="en-US" sz="1200" b="1" spc="-30">
-                <a:solidFill>
-                  <a:srgbClr val="020302"/>
-                </a:solidFill>
-                <a:latin typeface="Adobe Clean"/>
-                <a:cs typeface="Adobe Clean"/>
-              </a:rPr>
-              <a:t>c</a:t>
-            </a:r>
-            <a:r>
-              <a:rPr lang="en-US" sz="1200" b="1" spc="-25">
-                <a:solidFill>
-                  <a:srgbClr val="020302"/>
-                </a:solidFill>
-                <a:latin typeface="Adobe Clean"/>
-                <a:cs typeface="Adobe Clean"/>
-              </a:rPr>
-              <a:t>t</a:t>
-            </a:r>
-            <a:r>
-              <a:rPr lang="en-US" sz="1200" b="1" spc="-20">
-                <a:solidFill>
-                  <a:srgbClr val="020302"/>
-                </a:solidFill>
-                <a:latin typeface="Adobe Clean"/>
-                <a:cs typeface="Adobe Clean"/>
-              </a:rPr>
-              <a:t>i</a:t>
-            </a:r>
-            <a:r>
-              <a:rPr lang="en-US" sz="1200" b="1" spc="-30">
-                <a:solidFill>
-                  <a:srgbClr val="020302"/>
-                </a:solidFill>
-                <a:latin typeface="Adobe Clean"/>
-                <a:cs typeface="Adobe Clean"/>
-              </a:rPr>
-              <a:t>c</a:t>
-            </a:r>
-            <a:r>
-              <a:rPr lang="en-US" sz="1200" b="1" spc="-25">
-                <a:solidFill>
-                  <a:srgbClr val="020302"/>
-                </a:solidFill>
-                <a:latin typeface="Adobe Clean"/>
-                <a:cs typeface="Adobe Clean"/>
-              </a:rPr>
-              <a:t>e</a:t>
-            </a:r>
-            <a:r>
-              <a:rPr lang="en-US" sz="1200" b="1">
-                <a:solidFill>
-                  <a:srgbClr val="020302"/>
-                </a:solidFill>
-                <a:latin typeface="Adobe Clean"/>
-                <a:cs typeface="Adobe Clean"/>
-              </a:rPr>
-              <a:t>s</a:t>
-            </a:r>
-            <a:r>
-              <a:rPr lang="en-US" sz="1200" b="1" spc="-45">
-                <a:solidFill>
-                  <a:srgbClr val="020302"/>
-                </a:solidFill>
-                <a:latin typeface="Adobe Clean"/>
-                <a:cs typeface="Adobe Clean"/>
-              </a:rPr>
-              <a:t> </a:t>
-            </a:r>
-            <a:r>
-              <a:rPr lang="en-US" sz="1200" b="1" spc="-25">
-                <a:solidFill>
-                  <a:srgbClr val="020302"/>
-                </a:solidFill>
-                <a:latin typeface="Adobe Clean"/>
-                <a:cs typeface="Adobe Clean"/>
-              </a:rPr>
-              <a:t>f</a:t>
-            </a:r>
-            <a:r>
-              <a:rPr lang="en-US" sz="1200" b="1" spc="-15">
-                <a:solidFill>
-                  <a:srgbClr val="020302"/>
-                </a:solidFill>
-                <a:latin typeface="Adobe Clean"/>
-                <a:cs typeface="Adobe Clean"/>
-              </a:rPr>
-              <a:t>o</a:t>
-            </a:r>
-            <a:r>
-              <a:rPr lang="en-US" sz="1200" b="1">
-                <a:solidFill>
-                  <a:srgbClr val="020302"/>
-                </a:solidFill>
-                <a:latin typeface="Adobe Clean"/>
-                <a:cs typeface="Adobe Clean"/>
-              </a:rPr>
-              <a:t>r</a:t>
-            </a:r>
-            <a:r>
-              <a:rPr lang="en-US" sz="1200" b="1" spc="-45">
-                <a:solidFill>
-                  <a:srgbClr val="020302"/>
-                </a:solidFill>
-                <a:latin typeface="Adobe Clean"/>
-                <a:cs typeface="Adobe Clean"/>
-              </a:rPr>
-              <a:t> </a:t>
-            </a:r>
-            <a:r>
-              <a:rPr lang="en-US" sz="1200" b="1" spc="-30">
-                <a:solidFill>
-                  <a:srgbClr val="020302"/>
-                </a:solidFill>
-                <a:latin typeface="Adobe Clean"/>
-                <a:cs typeface="Adobe Clean"/>
-              </a:rPr>
-              <a:t>AE</a:t>
-            </a:r>
-            <a:r>
-              <a:rPr lang="en-US" sz="1200" b="1">
-                <a:solidFill>
-                  <a:srgbClr val="020302"/>
-                </a:solidFill>
-                <a:latin typeface="Adobe Clean"/>
-                <a:cs typeface="Adobe Clean"/>
-              </a:rPr>
-              <a:t>M</a:t>
-            </a:r>
-            <a:r>
-              <a:rPr lang="en-US" sz="1200" b="1" spc="-55">
-                <a:solidFill>
-                  <a:srgbClr val="020302"/>
-                </a:solidFill>
-                <a:latin typeface="Adobe Clean"/>
-                <a:cs typeface="Adobe Clean"/>
-              </a:rPr>
-              <a:t> </a:t>
-            </a:r>
-            <a:r>
-              <a:rPr lang="en-US" sz="1200" b="1" spc="-20">
-                <a:solidFill>
-                  <a:srgbClr val="020302"/>
-                </a:solidFill>
-                <a:latin typeface="Adobe Clean"/>
-                <a:cs typeface="Adobe Clean"/>
-              </a:rPr>
-              <a:t>a</a:t>
-            </a:r>
-            <a:r>
-              <a:rPr lang="en-US" sz="1200" b="1">
-                <a:solidFill>
-                  <a:srgbClr val="020302"/>
-                </a:solidFill>
-                <a:latin typeface="Adobe Clean"/>
-                <a:cs typeface="Adobe Clean"/>
-              </a:rPr>
-              <a:t>s</a:t>
-            </a:r>
-            <a:r>
-              <a:rPr lang="en-US" sz="1200" b="1" spc="-45">
-                <a:solidFill>
-                  <a:srgbClr val="020302"/>
-                </a:solidFill>
-                <a:latin typeface="Adobe Clean"/>
-                <a:cs typeface="Adobe Clean"/>
-              </a:rPr>
-              <a:t> </a:t>
-            </a:r>
-            <a:r>
-              <a:rPr lang="en-US" sz="1200" b="1">
-                <a:solidFill>
-                  <a:srgbClr val="020302"/>
-                </a:solidFill>
-                <a:latin typeface="Adobe Clean"/>
-                <a:cs typeface="Adobe Clean"/>
-              </a:rPr>
-              <a:t>a</a:t>
-            </a:r>
-            <a:r>
-              <a:rPr lang="en-US" sz="1200" b="1" spc="-45">
-                <a:solidFill>
-                  <a:srgbClr val="020302"/>
-                </a:solidFill>
-                <a:latin typeface="Adobe Clean"/>
-                <a:cs typeface="Adobe Clean"/>
-              </a:rPr>
-              <a:t> </a:t>
-            </a:r>
-            <a:r>
-              <a:rPr lang="en-US" sz="1200" b="1" spc="-15">
-                <a:solidFill>
-                  <a:srgbClr val="020302"/>
-                </a:solidFill>
-                <a:latin typeface="Adobe Clean"/>
-                <a:cs typeface="Adobe Clean"/>
-              </a:rPr>
-              <a:t>C</a:t>
-            </a:r>
-            <a:r>
-              <a:rPr lang="en-US" sz="1200" b="1" spc="-25">
-                <a:solidFill>
-                  <a:srgbClr val="020302"/>
-                </a:solidFill>
-                <a:latin typeface="Adobe Clean"/>
-                <a:cs typeface="Adobe Clean"/>
-              </a:rPr>
-              <a:t>l</a:t>
-            </a:r>
-            <a:r>
-              <a:rPr lang="en-US" sz="1200" b="1" spc="-15">
-                <a:solidFill>
-                  <a:srgbClr val="020302"/>
-                </a:solidFill>
-                <a:latin typeface="Adobe Clean"/>
-                <a:cs typeface="Adobe Clean"/>
-              </a:rPr>
-              <a:t>o</a:t>
-            </a:r>
-            <a:r>
-              <a:rPr lang="en-US" sz="1200" b="1" spc="-20">
-                <a:solidFill>
-                  <a:srgbClr val="020302"/>
-                </a:solidFill>
-                <a:latin typeface="Adobe Clean"/>
-                <a:cs typeface="Adobe Clean"/>
-              </a:rPr>
-              <a:t>u</a:t>
-            </a:r>
-            <a:r>
-              <a:rPr lang="en-US" sz="1200" b="1">
-                <a:solidFill>
-                  <a:srgbClr val="020302"/>
-                </a:solidFill>
-                <a:latin typeface="Adobe Clean"/>
-                <a:cs typeface="Adobe Clean"/>
-              </a:rPr>
-              <a:t>d</a:t>
-            </a:r>
-            <a:r>
-              <a:rPr lang="en-US" sz="1200" b="1" spc="-50">
-                <a:solidFill>
-                  <a:srgbClr val="020302"/>
-                </a:solidFill>
-                <a:latin typeface="Adobe Clean"/>
-                <a:cs typeface="Adobe Clean"/>
-              </a:rPr>
-              <a:t> </a:t>
-            </a:r>
-            <a:r>
-              <a:rPr lang="en-US" sz="1200" b="1" spc="-20">
-                <a:solidFill>
-                  <a:srgbClr val="020302"/>
-                </a:solidFill>
-                <a:latin typeface="Adobe Clean"/>
-                <a:cs typeface="Adobe Clean"/>
-              </a:rPr>
-              <a:t>S</a:t>
-            </a:r>
-            <a:r>
-              <a:rPr lang="en-US" sz="1200" b="1" spc="-25">
-                <a:solidFill>
-                  <a:srgbClr val="020302"/>
-                </a:solidFill>
-                <a:latin typeface="Adobe Clean"/>
-                <a:cs typeface="Adobe Clean"/>
-              </a:rPr>
-              <a:t>e</a:t>
-            </a:r>
-            <a:r>
-              <a:rPr lang="en-US" sz="1200" b="1" spc="-20">
-                <a:solidFill>
-                  <a:srgbClr val="020302"/>
-                </a:solidFill>
-                <a:latin typeface="Adobe Clean"/>
-                <a:cs typeface="Adobe Clean"/>
-              </a:rPr>
-              <a:t>r</a:t>
-            </a:r>
-            <a:r>
-              <a:rPr lang="en-US" sz="1200" b="1" spc="-30">
-                <a:solidFill>
-                  <a:srgbClr val="020302"/>
-                </a:solidFill>
-                <a:latin typeface="Adobe Clean"/>
-                <a:cs typeface="Adobe Clean"/>
-              </a:rPr>
-              <a:t>v</a:t>
-            </a:r>
-            <a:r>
-              <a:rPr lang="en-US" sz="1200" b="1" spc="-20">
-                <a:solidFill>
-                  <a:srgbClr val="020302"/>
-                </a:solidFill>
-                <a:latin typeface="Adobe Clean"/>
-                <a:cs typeface="Adobe Clean"/>
-              </a:rPr>
-              <a:t>i</a:t>
-            </a:r>
-            <a:r>
-              <a:rPr lang="en-US" sz="1200" b="1" spc="-30">
-                <a:solidFill>
-                  <a:srgbClr val="020302"/>
-                </a:solidFill>
-                <a:latin typeface="Adobe Clean"/>
-                <a:cs typeface="Adobe Clean"/>
-              </a:rPr>
-              <a:t>c</a:t>
-            </a:r>
-            <a:r>
-              <a:rPr lang="en-US" sz="1200" b="1">
-                <a:solidFill>
-                  <a:srgbClr val="020302"/>
-                </a:solidFill>
-                <a:latin typeface="Adobe Clean"/>
-                <a:cs typeface="Adobe Clean"/>
-              </a:rPr>
-              <a:t>e</a:t>
-            </a:r>
-            <a:endParaRPr lang="en-US" sz="1200">
-              <a:latin typeface="Adobe Clean"/>
-              <a:cs typeface="Adobe Clean"/>
-            </a:endParaRPr>
+              <a:t>Práticas recomendadas de personalização do AEM as a Cloud Service</a:t>
+            </a:r>
           </a:p>
         </p:txBody>
       </p:sp>
@@ -14887,19 +12514,15 @@
               </a:spcBef>
             </a:pPr>
             <a:r>
-              <a:rPr lang="en-US" sz="1200" b="1" spc="-25">
+              <a:rPr lang="pt-BR" sz="1200" b="1" dirty="0">
                 <a:solidFill>
                   <a:srgbClr val="020302"/>
                 </a:solidFill>
                 <a:latin typeface="Adobe Clean"/>
                 <a:cs typeface="Adobe Clean"/>
               </a:rPr>
-              <a:t>Value-added Services for AEM as a Cloud Service</a:t>
-            </a:r>
-            <a:endParaRPr lang="en-US" sz="1200">
-              <a:latin typeface="Adobe Clean"/>
-              <a:cs typeface="Adobe Clean"/>
-            </a:endParaRPr>
+              <a:t>Serviços de valor agregado para o AEM as a Cloud Service</a:t>
+            </a:r>
           </a:p>
         </p:txBody>
       </p:sp>
@@ -14939,359 +12562,15 @@
               </a:spcBef>
             </a:pPr>
             <a:r>
-              <a:rPr lang="en-US" sz="1200" b="1" spc="-20">
+              <a:rPr lang="pt-BR" sz="1200" b="1">
                 <a:solidFill>
                   <a:srgbClr val="020302"/>
                 </a:solidFill>
                 <a:latin typeface="Adobe Clean"/>
                 <a:cs typeface="Adobe Clean"/>
               </a:rPr>
-              <a:t>G</a:t>
-            </a:r>
-            <a:r>
-              <a:rPr lang="en-US" sz="1200" b="1" spc="-15">
-                <a:solidFill>
-                  <a:srgbClr val="020302"/>
-                </a:solidFill>
-                <a:latin typeface="Adobe Clean"/>
-                <a:cs typeface="Adobe Clean"/>
-              </a:rPr>
-              <a:t>o</a:t>
-            </a:r>
-            <a:r>
-              <a:rPr lang="en-US" sz="1200" b="1" spc="-25">
-                <a:solidFill>
-                  <a:srgbClr val="020302"/>
-                </a:solidFill>
-                <a:latin typeface="Adobe Clean"/>
-                <a:cs typeface="Adobe Clean"/>
-              </a:rPr>
-              <a:t>ve</a:t>
-            </a:r>
-            <a:r>
-              <a:rPr lang="en-US" sz="1200" b="1" spc="-20">
-                <a:solidFill>
-                  <a:srgbClr val="020302"/>
-                </a:solidFill>
-                <a:latin typeface="Adobe Clean"/>
-                <a:cs typeface="Adobe Clean"/>
-              </a:rPr>
-              <a:t>r</a:t>
-            </a:r>
-            <a:r>
-              <a:rPr lang="en-US" sz="1200" b="1" spc="-25">
-                <a:solidFill>
-                  <a:srgbClr val="020302"/>
-                </a:solidFill>
-                <a:latin typeface="Adobe Clean"/>
-                <a:cs typeface="Adobe Clean"/>
-              </a:rPr>
-              <a:t>n</a:t>
-            </a:r>
-            <a:r>
-              <a:rPr lang="en-US" sz="1200" b="1" spc="-20">
-                <a:solidFill>
-                  <a:srgbClr val="020302"/>
-                </a:solidFill>
-                <a:latin typeface="Adobe Clean"/>
-                <a:cs typeface="Adobe Clean"/>
-              </a:rPr>
-              <a:t>a</a:t>
-            </a:r>
-            <a:r>
-              <a:rPr lang="en-US" sz="1200" b="1" spc="-25">
-                <a:solidFill>
-                  <a:srgbClr val="020302"/>
-                </a:solidFill>
-                <a:latin typeface="Adobe Clean"/>
-                <a:cs typeface="Adobe Clean"/>
-              </a:rPr>
-              <a:t>n</a:t>
-            </a:r>
-            <a:r>
-              <a:rPr lang="en-US" sz="1200" b="1" spc="-30">
-                <a:solidFill>
-                  <a:srgbClr val="020302"/>
-                </a:solidFill>
-                <a:latin typeface="Adobe Clean"/>
-                <a:cs typeface="Adobe Clean"/>
-              </a:rPr>
-              <a:t>c</a:t>
-            </a:r>
-            <a:r>
-              <a:rPr lang="en-US" sz="1200" b="1">
-                <a:solidFill>
-                  <a:srgbClr val="020302"/>
-                </a:solidFill>
-                <a:latin typeface="Adobe Clean"/>
-                <a:cs typeface="Adobe Clean"/>
-              </a:rPr>
-              <a:t>e</a:t>
-            </a:r>
-            <a:r>
-              <a:rPr lang="en-US" sz="1200" b="1" spc="-50">
-                <a:solidFill>
-                  <a:srgbClr val="020302"/>
-                </a:solidFill>
-                <a:latin typeface="Adobe Clean"/>
-                <a:cs typeface="Adobe Clean"/>
-              </a:rPr>
-              <a:t> </a:t>
-            </a:r>
-            <a:r>
-              <a:rPr lang="en-US" sz="1200" b="1" spc="-25">
-                <a:solidFill>
-                  <a:srgbClr val="020302"/>
-                </a:solidFill>
-                <a:latin typeface="Adobe Clean"/>
-                <a:cs typeface="Adobe Clean"/>
-              </a:rPr>
-              <a:t>f</a:t>
-            </a:r>
-            <a:r>
-              <a:rPr lang="en-US" sz="1200" b="1" spc="-15">
-                <a:solidFill>
-                  <a:srgbClr val="020302"/>
-                </a:solidFill>
-                <a:latin typeface="Adobe Clean"/>
-                <a:cs typeface="Adobe Clean"/>
-              </a:rPr>
-              <a:t>o</a:t>
-            </a:r>
-            <a:r>
-              <a:rPr lang="en-US" sz="1200" b="1">
-                <a:solidFill>
-                  <a:srgbClr val="020302"/>
-                </a:solidFill>
-                <a:latin typeface="Adobe Clean"/>
-                <a:cs typeface="Adobe Clean"/>
-              </a:rPr>
-              <a:t>r</a:t>
-            </a:r>
-            <a:r>
-              <a:rPr lang="en-US" sz="1200" b="1" spc="-45">
-                <a:solidFill>
-                  <a:srgbClr val="020302"/>
-                </a:solidFill>
-                <a:latin typeface="Adobe Clean"/>
-                <a:cs typeface="Adobe Clean"/>
-              </a:rPr>
-              <a:t> </a:t>
-            </a:r>
-            <a:r>
-              <a:rPr lang="en-US" sz="1200" b="1" spc="-30">
-                <a:solidFill>
-                  <a:srgbClr val="020302"/>
-                </a:solidFill>
-                <a:latin typeface="Adobe Clean"/>
-                <a:cs typeface="Adobe Clean"/>
-              </a:rPr>
-              <a:t>A</a:t>
-            </a:r>
-            <a:r>
-              <a:rPr lang="en-US" sz="1200" b="1" spc="-25">
-                <a:solidFill>
-                  <a:srgbClr val="020302"/>
-                </a:solidFill>
-                <a:latin typeface="Adobe Clean"/>
-                <a:cs typeface="Adobe Clean"/>
-              </a:rPr>
-              <a:t>E</a:t>
-            </a:r>
-            <a:r>
-              <a:rPr lang="en-US" sz="1200" b="1">
-                <a:solidFill>
-                  <a:srgbClr val="020302"/>
-                </a:solidFill>
-                <a:latin typeface="Adobe Clean"/>
-                <a:cs typeface="Adobe Clean"/>
-              </a:rPr>
-              <a:t>M</a:t>
-            </a:r>
-            <a:r>
-              <a:rPr lang="en-US" sz="1200" b="1" spc="-50">
-                <a:solidFill>
-                  <a:srgbClr val="020302"/>
-                </a:solidFill>
-                <a:latin typeface="Adobe Clean"/>
-                <a:cs typeface="Adobe Clean"/>
-              </a:rPr>
-              <a:t> </a:t>
-            </a:r>
-            <a:r>
-              <a:rPr lang="en-US" sz="1200" b="1" spc="-20">
-                <a:solidFill>
-                  <a:srgbClr val="020302"/>
-                </a:solidFill>
-                <a:latin typeface="Adobe Clean"/>
-                <a:cs typeface="Adobe Clean"/>
-              </a:rPr>
-              <a:t>a</a:t>
-            </a:r>
-            <a:r>
-              <a:rPr lang="en-US" sz="1200" b="1">
-                <a:solidFill>
-                  <a:srgbClr val="020302"/>
-                </a:solidFill>
-                <a:latin typeface="Adobe Clean"/>
-                <a:cs typeface="Adobe Clean"/>
-              </a:rPr>
-              <a:t>s</a:t>
-            </a:r>
-            <a:r>
-              <a:rPr lang="en-US" sz="1200" b="1" spc="-45">
-                <a:solidFill>
-                  <a:srgbClr val="020302"/>
-                </a:solidFill>
-                <a:latin typeface="Adobe Clean"/>
-                <a:cs typeface="Adobe Clean"/>
-              </a:rPr>
-              <a:t> </a:t>
-            </a:r>
-            <a:r>
-              <a:rPr lang="en-US" sz="1200" b="1">
-                <a:solidFill>
-                  <a:srgbClr val="020302"/>
-                </a:solidFill>
-                <a:latin typeface="Adobe Clean"/>
-                <a:cs typeface="Adobe Clean"/>
-              </a:rPr>
-              <a:t>a</a:t>
-            </a:r>
-            <a:r>
-              <a:rPr lang="en-US" sz="1200" b="1" spc="-40">
-                <a:solidFill>
-                  <a:srgbClr val="020302"/>
-                </a:solidFill>
-                <a:latin typeface="Adobe Clean"/>
-                <a:cs typeface="Adobe Clean"/>
-              </a:rPr>
-              <a:t> </a:t>
-            </a:r>
-            <a:r>
-              <a:rPr lang="en-US" sz="1200" b="1" spc="-15">
-                <a:solidFill>
-                  <a:srgbClr val="020302"/>
-                </a:solidFill>
-                <a:latin typeface="Adobe Clean"/>
-                <a:cs typeface="Adobe Clean"/>
-              </a:rPr>
-              <a:t>C</a:t>
-            </a:r>
-            <a:r>
-              <a:rPr lang="en-US" sz="1200" b="1" spc="-25">
-                <a:solidFill>
-                  <a:srgbClr val="020302"/>
-                </a:solidFill>
-                <a:latin typeface="Adobe Clean"/>
-                <a:cs typeface="Adobe Clean"/>
-              </a:rPr>
-              <a:t>l</a:t>
-            </a:r>
-            <a:r>
-              <a:rPr lang="en-US" sz="1200" b="1" spc="-15">
-                <a:solidFill>
-                  <a:srgbClr val="020302"/>
-                </a:solidFill>
-                <a:latin typeface="Adobe Clean"/>
-                <a:cs typeface="Adobe Clean"/>
-              </a:rPr>
-              <a:t>ou</a:t>
-            </a:r>
-            <a:r>
-              <a:rPr lang="en-US" sz="1200" b="1">
-                <a:solidFill>
-                  <a:srgbClr val="020302"/>
-                </a:solidFill>
-                <a:latin typeface="Adobe Clean"/>
-                <a:cs typeface="Adobe Clean"/>
-              </a:rPr>
-              <a:t>d</a:t>
-            </a:r>
-            <a:r>
-              <a:rPr lang="en-US" sz="1200" b="1" spc="-50">
-                <a:solidFill>
-                  <a:srgbClr val="020302"/>
-                </a:solidFill>
-                <a:latin typeface="Adobe Clean"/>
-                <a:cs typeface="Adobe Clean"/>
-              </a:rPr>
-              <a:t> </a:t>
-            </a:r>
-            <a:r>
-              <a:rPr lang="en-US" sz="1200" b="1" spc="-20">
-                <a:solidFill>
-                  <a:srgbClr val="020302"/>
-                </a:solidFill>
-                <a:latin typeface="Adobe Clean"/>
-                <a:cs typeface="Adobe Clean"/>
-              </a:rPr>
-              <a:t>S</a:t>
-            </a:r>
-            <a:r>
-              <a:rPr lang="en-US" sz="1200" b="1" spc="-25">
-                <a:solidFill>
-                  <a:srgbClr val="020302"/>
-                </a:solidFill>
-                <a:latin typeface="Adobe Clean"/>
-                <a:cs typeface="Adobe Clean"/>
-              </a:rPr>
-              <a:t>e</a:t>
-            </a:r>
-            <a:r>
-              <a:rPr lang="en-US" sz="1200" b="1" spc="-20">
-                <a:solidFill>
-                  <a:srgbClr val="020302"/>
-                </a:solidFill>
-                <a:latin typeface="Adobe Clean"/>
-                <a:cs typeface="Adobe Clean"/>
-              </a:rPr>
-              <a:t>r</a:t>
-            </a:r>
-            <a:r>
-              <a:rPr lang="en-US" sz="1200" b="1" spc="-25">
-                <a:solidFill>
-                  <a:srgbClr val="020302"/>
-                </a:solidFill>
-                <a:latin typeface="Adobe Clean"/>
-                <a:cs typeface="Adobe Clean"/>
-              </a:rPr>
-              <a:t>v</a:t>
-            </a:r>
-            <a:r>
-              <a:rPr lang="en-US" sz="1200" b="1" spc="-20">
-                <a:solidFill>
-                  <a:srgbClr val="020302"/>
-                </a:solidFill>
-                <a:latin typeface="Adobe Clean"/>
-                <a:cs typeface="Adobe Clean"/>
-              </a:rPr>
-              <a:t>i</a:t>
-            </a:r>
-            <a:r>
-              <a:rPr lang="en-US" sz="1200" b="1" spc="-30">
-                <a:solidFill>
-                  <a:srgbClr val="020302"/>
-                </a:solidFill>
-                <a:latin typeface="Adobe Clean"/>
-                <a:cs typeface="Adobe Clean"/>
-              </a:rPr>
-              <a:t>c</a:t>
-            </a:r>
-            <a:r>
-              <a:rPr lang="en-US" sz="1200" b="1">
-                <a:solidFill>
-                  <a:srgbClr val="020302"/>
-                </a:solidFill>
-                <a:latin typeface="Adobe Clean"/>
-                <a:cs typeface="Adobe Clean"/>
-              </a:rPr>
-              <a:t>e</a:t>
-            </a:r>
-            <a:endParaRPr lang="en-US" sz="1200">
-              <a:latin typeface="Adobe Clean"/>
-              <a:cs typeface="Adobe Clean"/>
-            </a:endParaRPr>
+              <a:t>Governança para o AEM as a Cloud Service</a:t>
+            </a:r>
           </a:p>
         </p:txBody>
       </p:sp>
@@ -15352,49 +12631,15 @@
               </a:lnSpc>
             </a:pPr>
             <a:r>
-              <a:rPr sz="500" spc="-5">
+              <a:rPr lang="pt-BR" sz="500">
                 <a:solidFill>
                   <a:srgbClr val="6C6C6C"/>
                 </a:solidFill>
                 <a:latin typeface="Adobe Clean"/>
                 <a:cs typeface="Adobe Clean"/>
               </a:rPr>
-              <a:t>©2020 Adobe. All Rights Reserved. </a:t>
-            </a:r>
-            <a:r>
-              <a:rPr sz="500">
-                <a:solidFill>
-                  <a:srgbClr val="6C6C6C"/>
-                </a:solidFill>
-                <a:latin typeface="Adobe Clean"/>
-                <a:cs typeface="Adobe Clean"/>
-              </a:rPr>
-              <a:t>Adobe</a:t>
-            </a:r>
-            <a:r>
-              <a:rPr sz="500" spc="5">
-                <a:solidFill>
-                  <a:srgbClr val="6C6C6C"/>
-                </a:solidFill>
-                <a:latin typeface="Adobe Clean"/>
-                <a:cs typeface="Adobe Clean"/>
-              </a:rPr>
-              <a:t> </a:t>
-            </a:r>
-            <a:r>
-              <a:rPr sz="500" spc="-5">
-                <a:solidFill>
-                  <a:srgbClr val="6C6C6C"/>
-                </a:solidFill>
-                <a:latin typeface="Adobe Clean"/>
-                <a:cs typeface="Adobe Clean"/>
-              </a:rPr>
-              <a:t>Confidential.</a:t>
-            </a:r>
-            <a:endParaRPr sz="500">
-              <a:latin typeface="Adobe Clean"/>
-              <a:cs typeface="Adobe Clean"/>
-            </a:endParaRPr>
+              <a:t>©2020 Adobe. All Rights Reserved. Adobe Confidential.</a:t>
+            </a:r>
           </a:p>
           <a:p>
             <a:pPr>
@@ -15420,39 +12665,15 @@
               </a:spcBef>
             </a:pPr>
             <a:r>
-              <a:rPr sz="800" spc="-5">
+              <a:rPr lang="pt-BR" sz="800">
                 <a:solidFill>
                   <a:srgbClr val="6D6D6D"/>
                 </a:solidFill>
                 <a:latin typeface="Adobe Clean"/>
                 <a:cs typeface="Adobe Clean"/>
               </a:rPr>
-              <a:t>©2020 Adobe. All Rights Reserved. Adobe</a:t>
-            </a:r>
-            <a:r>
-              <a:rPr sz="800" spc="75">
-                <a:solidFill>
-                  <a:srgbClr val="6D6D6D"/>
-                </a:solidFill>
-                <a:latin typeface="Adobe Clean"/>
-                <a:cs typeface="Adobe Clean"/>
-              </a:rPr>
-              <a:t> </a:t>
-            </a:r>
-            <a:r>
-              <a:rPr sz="800" spc="-5">
-                <a:solidFill>
-                  <a:srgbClr val="6D6D6D"/>
-                </a:solidFill>
-                <a:latin typeface="Adobe Clean"/>
-                <a:cs typeface="Adobe Clean"/>
-              </a:rPr>
-              <a:t>Confidential.</a:t>
-            </a:r>
-            <a:endParaRPr sz="800">
-              <a:latin typeface="Adobe Clean"/>
-              <a:cs typeface="Adobe Clean"/>
-            </a:endParaRPr>
+              <a:t>©2020 Adobe. All Rights Reserved. Adobe Confidential.</a:t>
+            </a:r>
           </a:p>
         </p:txBody>
       </p:sp>
@@ -15536,19 +12757,15 @@
               </a:spcBef>
             </a:pPr>
             <a:r>
-              <a:rPr lang="en-US" sz="1400" b="1" spc="-15">
+              <a:rPr lang="pt-BR" sz="1400" b="1">
                 <a:solidFill>
                   <a:srgbClr val="020302"/>
                 </a:solidFill>
                 <a:latin typeface="Adobe Clean"/>
                 <a:cs typeface="Adobe Clean"/>
               </a:rPr>
-              <a:t>Resources</a:t>
-            </a:r>
-            <a:endParaRPr sz="1400">
-              <a:latin typeface="Adobe Clean"/>
-              <a:cs typeface="Adobe Clean"/>
-            </a:endParaRPr>
+              <a:t>Recursos</a:t>
+            </a:r>
           </a:p>
         </p:txBody>
       </p:sp>
@@ -15582,7 +12799,7 @@
               </a:spcBef>
             </a:pPr>
             <a:r>
-              <a:rPr sz="800" spc="-15">
+              <a:rPr lang="pt-BR" sz="800">
                 <a:solidFill>
                   <a:srgbClr val="777879"/>
                 </a:solidFill>
@@ -15591,10 +12808,6 @@
               </a:rPr>
               <a:t>Adobe</a:t>
             </a:r>
-            <a:endParaRPr sz="800">
-              <a:latin typeface="Adobe Clean"/>
-              <a:cs typeface="Adobe Clean"/>
-            </a:endParaRPr>
           </a:p>
           <a:p>
             <a:pPr marL="12700">
@@ -15603,90 +12816,32 @@
               </a:lnSpc>
             </a:pPr>
             <a:r>
-              <a:rPr sz="800" spc="-15">
+              <a:rPr lang="pt-BR" sz="800">
                 <a:solidFill>
                   <a:srgbClr val="777879"/>
                 </a:solidFill>
                 <a:latin typeface="Adobe Clean"/>
                 <a:cs typeface="Adobe Clean"/>
               </a:rPr>
-              <a:t>345 Park</a:t>
-            </a:r>
-            <a:r>
-              <a:rPr sz="800" spc="-100">
+              <a:t>345 Park Avenue</a:t>
+            </a:r>
+          </a:p>
+          <a:p>
+            <a:pPr marL="12700">
+              <a:lnSpc>
+                <a:spcPts val="944"/>
+              </a:lnSpc>
+            </a:pPr>
+            <a:r>
+              <a:rPr lang="pt-BR" sz="800">
                 <a:solidFill>
                   <a:srgbClr val="777879"/>
                 </a:solidFill>
                 <a:latin typeface="Adobe Clean"/>
                 <a:cs typeface="Adobe Clean"/>
               </a:rPr>
-              <a:t> </a:t>
-            </a:r>
-            <a:r>
-              <a:rPr sz="800" spc="-15">
-                <a:solidFill>
-                  <a:srgbClr val="777879"/>
-                </a:solidFill>
-                <a:latin typeface="Adobe Clean"/>
-                <a:cs typeface="Adobe Clean"/>
-              </a:rPr>
-              <a:t>Avenue</a:t>
-            </a:r>
-            <a:endParaRPr sz="800">
-              <a:latin typeface="Adobe Clean"/>
-              <a:cs typeface="Adobe Clean"/>
-            </a:endParaRPr>
-          </a:p>
-          <a:p>
-            <a:pPr marL="12700">
-              <a:lnSpc>
-                <a:spcPts val="944"/>
-              </a:lnSpc>
-            </a:pPr>
-            <a:r>
-              <a:rPr sz="800" spc="-10">
-                <a:solidFill>
-                  <a:srgbClr val="777879"/>
-                </a:solidFill>
-                <a:latin typeface="Adobe Clean"/>
-                <a:cs typeface="Adobe Clean"/>
-              </a:rPr>
-              <a:t>San </a:t>
-            </a:r>
-            <a:r>
-              <a:rPr sz="800" spc="-15">
-                <a:solidFill>
-                  <a:srgbClr val="777879"/>
-                </a:solidFill>
-                <a:latin typeface="Adobe Clean"/>
-                <a:cs typeface="Adobe Clean"/>
-              </a:rPr>
-              <a:t>Jose,</a:t>
-            </a:r>
-            <a:r>
-              <a:rPr sz="800" spc="-140">
-                <a:solidFill>
-                  <a:srgbClr val="777879"/>
-                </a:solidFill>
-                <a:latin typeface="Adobe Clean"/>
-                <a:cs typeface="Adobe Clean"/>
-              </a:rPr>
-              <a:t> </a:t>
-            </a:r>
-            <a:r>
-              <a:rPr sz="800" spc="-20">
-                <a:solidFill>
-                  <a:srgbClr val="777879"/>
-                </a:solidFill>
-                <a:latin typeface="Adobe Clean"/>
-                <a:cs typeface="Adobe Clean"/>
-              </a:rPr>
-              <a:t>CA95110-2704</a:t>
-            </a:r>
-            <a:endParaRPr sz="800">
-              <a:latin typeface="Adobe Clean"/>
-              <a:cs typeface="Adobe Clean"/>
-            </a:endParaRPr>
+              <a:t>San Jose, CA95110-2704</a:t>
+            </a:r>
           </a:p>
           <a:p>
             <a:pPr marL="12700">
@@ -15698,7 +12853,7 @@
               </a:spcBef>
             </a:pPr>
             <a:r>
-              <a:rPr sz="800" spc="-10">
+              <a:rPr lang="pt-BR" sz="800">
                 <a:solidFill>
                   <a:srgbClr val="777879"/>
                 </a:solidFill>
@@ -15707,10 +12862,6 @@
               </a:rPr>
               <a:t>USA</a:t>
             </a:r>
-            <a:endParaRPr sz="800">
-              <a:latin typeface="Adobe Clean"/>
-              <a:cs typeface="Adobe Clean"/>
-            </a:endParaRPr>
           </a:p>
           <a:p>
             <a:pPr marL="12700">
@@ -15722,7 +12873,7 @@
               </a:spcBef>
             </a:pPr>
             <a:r>
-              <a:rPr sz="800" u="sng" spc="-25">
+              <a:rPr lang="pt-BR" sz="800" u="sng">
                 <a:solidFill>
                   <a:srgbClr val="5F5F5F"/>
                 </a:solidFill>
@@ -15737,10 +12888,6 @@
               </a:rPr>
               <a:t>www.adobe.com</a:t>
             </a:r>
-            <a:endParaRPr sz="800">
-              <a:latin typeface="Adobe Clean"/>
-              <a:cs typeface="Adobe Clean"/>
-            </a:endParaRPr>
           </a:p>
         </p:txBody>
       </p:sp>
@@ -15894,7 +13041,7 @@
         <p:spPr>
           <a:xfrm>
             <a:off x="75947" y="9437110"/>
-            <a:ext cx="5466715" cy="570865"/>
+            <a:ext cx="5896662" cy="570865"/>
           </a:xfrm>
           <a:prstGeom prst="rect">
             <a:avLst/>
@@ -15915,429 +13062,15 @@
               </a:spcBef>
             </a:pPr>
             <a:r>
-              <a:rPr sz="1100" i="1" spc="-10">
+              <a:rPr lang="pt-BR" sz="1100" i="1" dirty="0">
                 <a:solidFill>
                   <a:srgbClr val="777879"/>
                 </a:solidFill>
                 <a:latin typeface="AdobeClean-LightIt"/>
                 <a:cs typeface="AdobeClean-LightIt"/>
               </a:rPr>
-              <a:t>To</a:t>
-            </a:r>
-            <a:r>
-              <a:rPr sz="1100" i="1" spc="-50">
-                <a:solidFill>
-                  <a:srgbClr val="777879"/>
-                </a:solidFill>
-                <a:latin typeface="AdobeClean-LightIt"/>
-                <a:cs typeface="AdobeClean-LightIt"/>
-              </a:rPr>
-              <a:t> </a:t>
-            </a:r>
-            <a:r>
-              <a:rPr sz="1100" i="1" spc="-15">
-                <a:solidFill>
-                  <a:srgbClr val="777879"/>
-                </a:solidFill>
-                <a:latin typeface="AdobeClean-LightIt"/>
-                <a:cs typeface="AdobeClean-LightIt"/>
-              </a:rPr>
-              <a:t>learn</a:t>
-            </a:r>
-            <a:r>
-              <a:rPr sz="1100" i="1" spc="-40">
-                <a:solidFill>
-                  <a:srgbClr val="777879"/>
-                </a:solidFill>
-                <a:latin typeface="AdobeClean-LightIt"/>
-                <a:cs typeface="AdobeClean-LightIt"/>
-              </a:rPr>
-              <a:t> </a:t>
-            </a:r>
-            <a:r>
-              <a:rPr sz="1100" i="1" spc="-15">
-                <a:solidFill>
-                  <a:srgbClr val="777879"/>
-                </a:solidFill>
-                <a:latin typeface="AdobeClean-LightIt"/>
-                <a:cs typeface="AdobeClean-LightIt"/>
-              </a:rPr>
-              <a:t>more</a:t>
-            </a:r>
-            <a:r>
-              <a:rPr sz="1100" i="1" spc="-45">
-                <a:solidFill>
-                  <a:srgbClr val="777879"/>
-                </a:solidFill>
-                <a:latin typeface="AdobeClean-LightIt"/>
-                <a:cs typeface="AdobeClean-LightIt"/>
-              </a:rPr>
-              <a:t> </a:t>
-            </a:r>
-            <a:r>
-              <a:rPr sz="1100" i="1" spc="-15">
-                <a:solidFill>
-                  <a:srgbClr val="777879"/>
-                </a:solidFill>
-                <a:latin typeface="AdobeClean-LightIt"/>
-                <a:cs typeface="AdobeClean-LightIt"/>
-              </a:rPr>
-              <a:t>about</a:t>
-            </a:r>
-            <a:r>
-              <a:rPr sz="1100" i="1" spc="-45">
-                <a:solidFill>
-                  <a:srgbClr val="777879"/>
-                </a:solidFill>
-                <a:latin typeface="AdobeClean-LightIt"/>
-                <a:cs typeface="AdobeClean-LightIt"/>
-              </a:rPr>
-              <a:t> </a:t>
-            </a:r>
-            <a:r>
-              <a:rPr sz="1100" i="1" spc="-15">
-                <a:solidFill>
-                  <a:srgbClr val="777879"/>
-                </a:solidFill>
-                <a:latin typeface="AdobeClean-LightIt"/>
-                <a:cs typeface="AdobeClean-LightIt"/>
-              </a:rPr>
-              <a:t>Adobe</a:t>
-            </a:r>
-            <a:r>
-              <a:rPr sz="1100" i="1" spc="-60">
-                <a:solidFill>
-                  <a:srgbClr val="777879"/>
-                </a:solidFill>
-                <a:latin typeface="AdobeClean-LightIt"/>
-                <a:cs typeface="AdobeClean-LightIt"/>
-              </a:rPr>
-              <a:t> </a:t>
-            </a:r>
-            <a:r>
-              <a:rPr sz="1100" i="1" spc="-15">
-                <a:solidFill>
-                  <a:srgbClr val="777879"/>
-                </a:solidFill>
-                <a:latin typeface="AdobeClean-LightIt"/>
-                <a:cs typeface="AdobeClean-LightIt"/>
-              </a:rPr>
-              <a:t>Support</a:t>
-            </a:r>
-            <a:r>
-              <a:rPr lang="en-US" sz="1100" i="1" spc="-15">
-                <a:solidFill>
-                  <a:srgbClr val="777879"/>
-                </a:solidFill>
-                <a:latin typeface="AdobeClean-LightIt"/>
-                <a:cs typeface="AdobeClean-LightIt"/>
-              </a:rPr>
-              <a:t> Offerings</a:t>
-            </a:r>
-            <a:r>
-              <a:rPr sz="1100" i="1" spc="-75">
-                <a:solidFill>
-                  <a:srgbClr val="777879"/>
-                </a:solidFill>
-                <a:latin typeface="AdobeClean-LightIt"/>
-                <a:cs typeface="AdobeClean-LightIt"/>
-              </a:rPr>
-              <a:t> </a:t>
-            </a:r>
-            <a:r>
-              <a:rPr sz="1100" i="1" spc="-15">
-                <a:solidFill>
-                  <a:srgbClr val="777879"/>
-                </a:solidFill>
-                <a:latin typeface="AdobeClean-LightIt"/>
-                <a:cs typeface="AdobeClean-LightIt"/>
-              </a:rPr>
-              <a:t>and</a:t>
-            </a:r>
-            <a:r>
-              <a:rPr sz="1100" i="1" spc="-50">
-                <a:solidFill>
-                  <a:srgbClr val="777879"/>
-                </a:solidFill>
-                <a:latin typeface="AdobeClean-LightIt"/>
-                <a:cs typeface="AdobeClean-LightIt"/>
-              </a:rPr>
-              <a:t> </a:t>
-            </a:r>
-            <a:r>
-              <a:rPr sz="1100" i="1" spc="-15">
-                <a:solidFill>
-                  <a:srgbClr val="777879"/>
-                </a:solidFill>
-                <a:latin typeface="AdobeClean-LightIt"/>
-                <a:cs typeface="AdobeClean-LightIt"/>
-              </a:rPr>
-              <a:t>the</a:t>
-            </a:r>
-            <a:r>
-              <a:rPr sz="1100" i="1" spc="-55">
-                <a:solidFill>
-                  <a:srgbClr val="777879"/>
-                </a:solidFill>
-                <a:latin typeface="AdobeClean-LightIt"/>
-                <a:cs typeface="AdobeClean-LightIt"/>
-              </a:rPr>
-              <a:t> </a:t>
-            </a:r>
-            <a:r>
-              <a:rPr sz="1100" i="1" spc="-15">
-                <a:solidFill>
-                  <a:srgbClr val="777879"/>
-                </a:solidFill>
-                <a:latin typeface="AdobeClean-LightIt"/>
-                <a:cs typeface="AdobeClean-LightIt"/>
-              </a:rPr>
-              <a:t>right</a:t>
-            </a:r>
-            <a:r>
-              <a:rPr sz="1100" i="1" spc="-95">
-                <a:solidFill>
-                  <a:srgbClr val="777879"/>
-                </a:solidFill>
-                <a:latin typeface="AdobeClean-LightIt"/>
-                <a:cs typeface="AdobeClean-LightIt"/>
-              </a:rPr>
-              <a:t> </a:t>
-            </a:r>
-            <a:r>
-              <a:rPr sz="1100" i="1" spc="-15">
-                <a:solidFill>
-                  <a:srgbClr val="777879"/>
-                </a:solidFill>
-                <a:latin typeface="AdobeClean-LightIt"/>
-                <a:cs typeface="AdobeClean-LightIt"/>
-              </a:rPr>
-              <a:t>level</a:t>
-            </a:r>
-            <a:r>
-              <a:rPr sz="1100" i="1" spc="-55">
-                <a:solidFill>
-                  <a:srgbClr val="777879"/>
-                </a:solidFill>
-                <a:latin typeface="AdobeClean-LightIt"/>
-                <a:cs typeface="AdobeClean-LightIt"/>
-              </a:rPr>
-              <a:t> </a:t>
-            </a:r>
-            <a:r>
-              <a:rPr sz="1100" i="1" spc="-15">
-                <a:solidFill>
-                  <a:srgbClr val="777879"/>
-                </a:solidFill>
-                <a:latin typeface="AdobeClean-LightIt"/>
-                <a:cs typeface="AdobeClean-LightIt"/>
-              </a:rPr>
-              <a:t>for</a:t>
-            </a:r>
-            <a:r>
-              <a:rPr sz="1100" i="1" spc="-85">
-                <a:solidFill>
-                  <a:srgbClr val="777879"/>
-                </a:solidFill>
-                <a:latin typeface="AdobeClean-LightIt"/>
-                <a:cs typeface="AdobeClean-LightIt"/>
-              </a:rPr>
-              <a:t> </a:t>
-            </a:r>
-            <a:r>
-              <a:rPr sz="1100" i="1" spc="-15">
-                <a:solidFill>
-                  <a:srgbClr val="777879"/>
-                </a:solidFill>
-                <a:latin typeface="AdobeClean-LightIt"/>
-                <a:cs typeface="AdobeClean-LightIt"/>
-              </a:rPr>
-              <a:t>you,</a:t>
-            </a:r>
-            <a:r>
-              <a:rPr sz="1100" i="1" spc="-65">
-                <a:solidFill>
-                  <a:srgbClr val="777879"/>
-                </a:solidFill>
-                <a:latin typeface="AdobeClean-LightIt"/>
-                <a:cs typeface="AdobeClean-LightIt"/>
-              </a:rPr>
-              <a:t> </a:t>
-            </a:r>
-            <a:r>
-              <a:rPr sz="1100" i="1" spc="-15">
-                <a:solidFill>
-                  <a:srgbClr val="777879"/>
-                </a:solidFill>
-                <a:latin typeface="AdobeClean-LightIt"/>
-                <a:cs typeface="AdobeClean-LightIt"/>
-              </a:rPr>
-              <a:t>contact</a:t>
-            </a:r>
-            <a:r>
-              <a:rPr sz="1100" i="1" spc="-85">
-                <a:solidFill>
-                  <a:srgbClr val="777879"/>
-                </a:solidFill>
-                <a:latin typeface="AdobeClean-LightIt"/>
-                <a:cs typeface="AdobeClean-LightIt"/>
-              </a:rPr>
-              <a:t> </a:t>
-            </a:r>
-            <a:r>
-              <a:rPr sz="1100" i="1" spc="-15">
-                <a:solidFill>
-                  <a:srgbClr val="777879"/>
-                </a:solidFill>
-                <a:latin typeface="AdobeClean-LightIt"/>
-                <a:cs typeface="AdobeClean-LightIt"/>
-              </a:rPr>
-              <a:t>your</a:t>
-            </a:r>
-            <a:r>
-              <a:rPr sz="1100" i="1" spc="-70">
-                <a:solidFill>
-                  <a:srgbClr val="777879"/>
-                </a:solidFill>
-                <a:latin typeface="AdobeClean-LightIt"/>
-                <a:cs typeface="AdobeClean-LightIt"/>
-              </a:rPr>
-              <a:t> </a:t>
-            </a:r>
-            <a:r>
-              <a:rPr sz="1100" i="1" spc="-15">
-                <a:solidFill>
-                  <a:srgbClr val="777879"/>
-                </a:solidFill>
-                <a:latin typeface="AdobeClean-LightIt"/>
-                <a:cs typeface="AdobeClean-LightIt"/>
-              </a:rPr>
-              <a:t>Named</a:t>
-            </a:r>
-            <a:r>
-              <a:rPr sz="1100" i="1" spc="-55">
-                <a:solidFill>
-                  <a:srgbClr val="777879"/>
-                </a:solidFill>
-                <a:latin typeface="AdobeClean-LightIt"/>
-                <a:cs typeface="AdobeClean-LightIt"/>
-              </a:rPr>
-              <a:t> </a:t>
-            </a:r>
-            <a:r>
-              <a:rPr sz="1100" i="1" spc="-25">
-                <a:solidFill>
-                  <a:srgbClr val="777879"/>
-                </a:solidFill>
-                <a:latin typeface="AdobeClean-LightIt"/>
-                <a:cs typeface="AdobeClean-LightIt"/>
-              </a:rPr>
-              <a:t>Account</a:t>
-            </a:r>
-            <a:r>
-              <a:rPr sz="1100" i="1" spc="-120">
-                <a:solidFill>
-                  <a:srgbClr val="777879"/>
-                </a:solidFill>
-                <a:latin typeface="AdobeClean-LightIt"/>
-                <a:cs typeface="AdobeClean-LightIt"/>
-              </a:rPr>
-              <a:t> </a:t>
-            </a:r>
-            <a:r>
-              <a:rPr sz="1100" i="1" spc="-20">
-                <a:solidFill>
-                  <a:srgbClr val="777879"/>
-                </a:solidFill>
-                <a:latin typeface="AdobeClean-LightIt"/>
-                <a:cs typeface="AdobeClean-LightIt"/>
-              </a:rPr>
-              <a:t>Manager  </a:t>
-            </a:r>
-            <a:r>
-              <a:rPr sz="1100" i="1" spc="-15">
-                <a:solidFill>
-                  <a:srgbClr val="777879"/>
-                </a:solidFill>
-                <a:latin typeface="AdobeClean-LightIt"/>
-                <a:cs typeface="AdobeClean-LightIt"/>
-              </a:rPr>
-              <a:t>(NAM) </a:t>
-            </a:r>
-            <a:r>
-              <a:rPr sz="1100" i="1" spc="-10">
-                <a:solidFill>
-                  <a:srgbClr val="777879"/>
-                </a:solidFill>
-                <a:latin typeface="AdobeClean-LightIt"/>
-                <a:cs typeface="AdobeClean-LightIt"/>
-              </a:rPr>
-              <a:t>or </a:t>
-            </a:r>
-            <a:r>
-              <a:rPr sz="1100" i="1" spc="-15">
-                <a:solidFill>
-                  <a:srgbClr val="777879"/>
-                </a:solidFill>
-                <a:latin typeface="AdobeClean-LightIt"/>
-                <a:cs typeface="AdobeClean-LightIt"/>
-              </a:rPr>
-              <a:t>Customer </a:t>
-            </a:r>
-            <a:r>
-              <a:rPr sz="1100" i="1" spc="-20">
-                <a:solidFill>
-                  <a:srgbClr val="777879"/>
-                </a:solidFill>
-                <a:latin typeface="AdobeClean-LightIt"/>
-                <a:cs typeface="AdobeClean-LightIt"/>
-              </a:rPr>
-              <a:t>Success</a:t>
-            </a:r>
-            <a:r>
-              <a:rPr sz="1100" i="1" spc="-180">
-                <a:solidFill>
-                  <a:srgbClr val="777879"/>
-                </a:solidFill>
-                <a:latin typeface="AdobeClean-LightIt"/>
-                <a:cs typeface="AdobeClean-LightIt"/>
-              </a:rPr>
-              <a:t> </a:t>
-            </a:r>
-            <a:r>
-              <a:rPr sz="1100" i="1" spc="-15">
-                <a:solidFill>
-                  <a:srgbClr val="777879"/>
-                </a:solidFill>
-                <a:latin typeface="AdobeClean-LightIt"/>
-                <a:cs typeface="AdobeClean-LightIt"/>
-              </a:rPr>
-              <a:t>Manager</a:t>
-            </a:r>
-            <a:r>
-              <a:rPr lang="en-US" sz="1100" i="1" spc="-15">
-                <a:solidFill>
-                  <a:srgbClr val="777879"/>
-                </a:solidFill>
-                <a:latin typeface="AdobeClean-LightIt"/>
-                <a:cs typeface="AdobeClean-LightIt"/>
-              </a:rPr>
-              <a:t> </a:t>
-            </a:r>
-            <a:r>
-              <a:rPr sz="1100" i="1" spc="-15">
-                <a:solidFill>
-                  <a:srgbClr val="777879"/>
-                </a:solidFill>
-                <a:latin typeface="AdobeClean-LightIt"/>
-                <a:cs typeface="AdobeClean-LightIt"/>
-              </a:rPr>
-              <a:t>(CSM)</a:t>
-            </a:r>
-            <a:endParaRPr sz="1100">
-              <a:latin typeface="AdobeClean-LightIt"/>
-              <a:cs typeface="AdobeClean-LightIt"/>
-            </a:endParaRPr>
+              <a:t>Para saber mais sobre os Serviços de suporte Adobe e identificar o nível certo para você, entre em contato com o seu Gerente de conta nomeado (NAM, em inglês) ou Gerente de sucesso do cliente (CSM, em inglês).</a:t>
+            </a:r>
           </a:p>
           <a:p>
             <a:pPr marL="34290">
@@ -16349,59 +13082,15 @@
               </a:spcBef>
             </a:pPr>
             <a:r>
-              <a:rPr sz="800" spc="-5">
+              <a:rPr lang="pt-BR" sz="800" dirty="0">
                 <a:solidFill>
                   <a:srgbClr val="6D6D6D"/>
                 </a:solidFill>
                 <a:latin typeface="Adobe Clean"/>
                 <a:cs typeface="Adobe Clean"/>
               </a:rPr>
-              <a:t>©202</a:t>
-            </a:r>
-            <a:r>
-              <a:rPr lang="en-US" sz="800" spc="-5">
-                <a:solidFill>
-                  <a:srgbClr val="6D6D6D"/>
-                </a:solidFill>
-                <a:latin typeface="Adobe Clean"/>
-                <a:cs typeface="Adobe Clean"/>
-              </a:rPr>
-              <a:t>1</a:t>
-            </a:r>
-            <a:r>
-              <a:rPr sz="800" spc="-5">
-                <a:solidFill>
-                  <a:srgbClr val="6D6D6D"/>
-                </a:solidFill>
-                <a:latin typeface="Adobe Clean"/>
-                <a:cs typeface="Adobe Clean"/>
-              </a:rPr>
-              <a:t> Adobe. All Rights Reserved. Adobe</a:t>
-            </a:r>
-            <a:r>
-              <a:rPr sz="800" spc="75">
-                <a:solidFill>
-                  <a:srgbClr val="6D6D6D"/>
-                </a:solidFill>
-                <a:latin typeface="Adobe Clean"/>
-                <a:cs typeface="Adobe Clean"/>
-              </a:rPr>
-              <a:t> </a:t>
-            </a:r>
-            <a:r>
-              <a:rPr sz="800" spc="-5">
-                <a:solidFill>
-                  <a:srgbClr val="6D6D6D"/>
-                </a:solidFill>
-                <a:latin typeface="Adobe Clean"/>
-                <a:cs typeface="Adobe Clean"/>
-              </a:rPr>
-              <a:t>Confidential.</a:t>
-            </a:r>
-            <a:endParaRPr sz="800">
-              <a:latin typeface="Adobe Clean"/>
-              <a:cs typeface="Adobe Clean"/>
-            </a:endParaRPr>
+              <a:t>©2021 Adobe. All Rights Reserved. Adobe Confidential.</a:t>
+            </a:r>
           </a:p>
         </p:txBody>
       </p:sp>
@@ -16438,19 +13127,15 @@
               </a:spcBef>
             </a:pPr>
             <a:r>
-              <a:rPr lang="en-US" sz="1400" b="1" spc="-15">
+              <a:rPr lang="pt-BR" sz="1400" b="1" dirty="0">
                 <a:solidFill>
                   <a:srgbClr val="020302"/>
                 </a:solidFill>
                 <a:latin typeface="Adobe Clean"/>
                 <a:cs typeface="Adobe Clean"/>
               </a:rPr>
-              <a:t>Regional scope of Adobe Support, Local Hours Of Operation And Language Support</a:t>
-            </a:r>
-            <a:endParaRPr lang="en-US" sz="1400" spc="-15">
-              <a:ea typeface="+mn-lt"/>
-              <a:cs typeface="+mn-lt"/>
-            </a:endParaRPr>
+              <a:t>Escopo regional do Suporte da Adobe, horário local de operação e suporte de idioma</a:t>
+            </a:r>
           </a:p>
           <a:p>
             <a:pPr>
@@ -16459,17 +13144,14 @@
               </a:spcBef>
             </a:pPr>
             <a:r>
-              <a:rPr lang="en-US" sz="1000" spc="-15">
+              <a:rPr lang="pt-BR" sz="1000" dirty="0">
                 <a:solidFill>
                   <a:srgbClr val="1F1F1F"/>
                 </a:solidFill>
                 <a:latin typeface="AdobeClean-Light"/>
               </a:rPr>
-              <a:t>The regional scope of Adobe Support is established by aligning the customer's billing address (via the Sales Order or other Adobe Support purchasing document) to one of the following regions:</a:t>
-            </a:r>
-            <a:endParaRPr lang="en-US" sz="1000">
-              <a:latin typeface="AdobeClean-Light"/>
-            </a:endParaRPr>
+              <a:t>O escopo regional do Suporte da Adobe é estabelecido alinhando o endereço de faturamento do cliente (conforme a ordem de venda ou outro documento de compra do Suporte da Adobe) a uma das regiões seguintes:</a:t>
+            </a:r>
           </a:p>
         </p:txBody>
       </p:sp>
@@ -16488,7 +13170,7 @@
           <p:nvPr>
             <p:extLst>
               <p:ext uri="{D42A27DB-BD31-4B8C-83A1-F6EECF244321}">
-                <p14:modId xmlns:p14="http://schemas.microsoft.com/office/powerpoint/2010/main" val="3975465108"/>
+                <p14:modId xmlns:p14="http://schemas.microsoft.com/office/powerpoint/2010/main" val="3389676726"/>
               </p:ext>
             </p:extLst>
           </p:nvPr>
@@ -16541,13 +13223,13 @@
                     <a:p>
                       <a:pPr algn="ctr"/>
                       <a:r>
-                        <a:rPr lang="en-US" sz="1100">
+                        <a:rPr lang="pt-BR" sz="1100">
                           <a:solidFill>
                             <a:schemeClr val="tx1"/>
                           </a:solidFill>
                           <a:latin typeface="Adobe Clean" panose="020B0503020404020204" pitchFamily="34" charset="0"/>
                         </a:rPr>
-                        <a:t>Americas</a:t>
+                        <a:t>Américas</a:t>
                       </a:r>
                     </a:p>
                   </a:txBody>
@@ -16606,13 +13288,30 @@
                     <a:p>
                       <a:pPr algn="ctr"/>
                       <a:r>
-                        <a:rPr lang="en-US" sz="1100">
+                        <a:rPr lang="pt-BR" sz="1100" dirty="0">
                           <a:solidFill>
                             <a:schemeClr val="tx1"/>
                           </a:solidFill>
                           <a:latin typeface="Adobe Clean" panose="020B0503020404020204" pitchFamily="34" charset="0"/>
                         </a:rPr>
-                        <a:t>Europe, Middle East &amp; Africa</a:t>
+                        <a:t>Europa, Oriente Médio </a:t>
+                      </a:r>
+                      <a:br>
+                        <a:rPr lang="pt-BR" sz="1100" dirty="0">
+                          <a:solidFill>
+                            <a:schemeClr val="tx1"/>
+                          </a:solidFill>
+                          <a:latin typeface="Adobe Clean" panose="020B0503020404020204" pitchFamily="34" charset="0"/>
+                        </a:rPr>
+                      </a:br>
+                      <a:r>
+                        <a:rPr lang="pt-BR" sz="1100" dirty="0">
+                          <a:solidFill>
+                            <a:schemeClr val="tx1"/>
+                          </a:solidFill>
+                          <a:latin typeface="Adobe Clean" panose="020B0503020404020204" pitchFamily="34" charset="0"/>
+                        </a:rPr>
+                        <a:t>e África</a:t>
                       </a:r>
                     </a:p>
                   </a:txBody>
@@ -16671,13 +13370,13 @@
                     <a:p>
                       <a:pPr algn="ctr"/>
                       <a:r>
-                        <a:rPr lang="en-US" sz="1100">
+                        <a:rPr lang="pt-BR" sz="1100">
                           <a:solidFill>
                             <a:schemeClr val="tx1"/>
                           </a:solidFill>
                           <a:latin typeface="Adobe Clean" panose="020B0503020404020204" pitchFamily="34" charset="0"/>
                         </a:rPr>
-                        <a:t>Asia Pacific</a:t>
+                        <a:t>Ásia–Pacífico</a:t>
                       </a:r>
                     </a:p>
                   </a:txBody>
@@ -16736,16 +13435,16 @@
                     <a:p>
                       <a:pPr algn="ctr"/>
                       <a:r>
-                        <a:rPr lang="en-US" sz="1100">
+                        <a:rPr lang="pt-BR" sz="1100">
                           <a:solidFill>
                             <a:schemeClr val="tx1"/>
                           </a:solidFill>
                           <a:latin typeface="Adobe Clean" panose="020B0503020404020204" pitchFamily="34" charset="0"/>
                         </a:rPr>
-                        <a:t>Japan </a:t>
+                        <a:t>Japão</a:t>
                       </a:r>
                       <a:r>
-                        <a:rPr lang="en-US" sz="1100" baseline="30000">
+                        <a:rPr lang="pt-BR" sz="1100" baseline="30000">
                           <a:solidFill>
                             <a:schemeClr val="tx1"/>
                           </a:solidFill>
@@ -16753,12 +13452,6 @@
                         </a:rPr>
                         <a:t>1 </a:t>
                       </a:r>
-                      <a:endParaRPr lang="en-US" sz="1100">
-                        <a:solidFill>
-                          <a:schemeClr val="tx1"/>
-                        </a:solidFill>
-                        <a:latin typeface="Adobe Clean" panose="020B0503020404020204" pitchFamily="34" charset="0"/>
-                      </a:endParaRPr>
                     </a:p>
                   </a:txBody>
                   <a:tcPr anchor="ctr">
@@ -16823,13 +13516,13 @@
                     <a:p>
                       <a:pPr algn="ctr"/>
                       <a:r>
-                        <a:rPr lang="en-US" sz="1100">
+                        <a:rPr lang="pt-BR" sz="1100">
                           <a:solidFill>
                             <a:schemeClr val="tx1"/>
                           </a:solidFill>
                           <a:latin typeface="Adobe Clean" panose="020B0503020404020204" pitchFamily="34" charset="0"/>
                         </a:rPr>
-                        <a:t>6 am – 5:30 pm</a:t>
+                        <a:t>6h – 17h30</a:t>
                       </a:r>
                     </a:p>
                   </a:txBody>
@@ -16888,13 +13581,13 @@
                     <a:p>
                       <a:pPr algn="ctr"/>
                       <a:r>
-                        <a:rPr lang="en-US" sz="1100">
+                        <a:rPr lang="pt-BR" sz="1100">
                           <a:solidFill>
                             <a:schemeClr val="tx1"/>
                           </a:solidFill>
                           <a:latin typeface="Adobe Clean" panose="020B0503020404020204" pitchFamily="34" charset="0"/>
                         </a:rPr>
-                        <a:t>9 am – 5 pm</a:t>
+                        <a:t>9h – 17h</a:t>
                       </a:r>
                     </a:p>
                   </a:txBody>
@@ -16953,13 +13646,13 @@
                     <a:p>
                       <a:pPr algn="ctr"/>
                       <a:r>
-                        <a:rPr lang="en-US" sz="1100">
+                        <a:rPr lang="pt-BR" sz="1100">
                           <a:solidFill>
                             <a:schemeClr val="tx1"/>
                           </a:solidFill>
                           <a:latin typeface="Adobe Clean" panose="020B0503020404020204" pitchFamily="34" charset="0"/>
                         </a:rPr>
-                        <a:t>9 am – 5 pm</a:t>
+                        <a:t>9h – 17h</a:t>
                       </a:r>
                     </a:p>
                   </a:txBody>
@@ -17018,13 +13711,13 @@
                     <a:p>
                       <a:pPr algn="ctr"/>
                       <a:r>
-                        <a:rPr lang="en-US" sz="1100">
+                        <a:rPr lang="pt-BR" sz="1100">
                           <a:solidFill>
                             <a:schemeClr val="tx1"/>
                           </a:solidFill>
                           <a:latin typeface="Adobe Clean" panose="020B0503020404020204" pitchFamily="34" charset="0"/>
                         </a:rPr>
-                        <a:t>9 am – 5:30 pm</a:t>
+                        <a:t>9h – 17h30</a:t>
                       </a:r>
                     </a:p>
                   </a:txBody>
@@ -17104,23 +13797,17 @@
                         <a:buNone/>
                       </a:pPr>
                       <a:r>
-                        <a:rPr lang="en-US" sz="1100">
+                        <a:rPr lang="pt-BR" sz="1100" dirty="0">
                           <a:solidFill>
                             <a:schemeClr val="tx1"/>
                           </a:solidFill>
                           <a:latin typeface="Adobe Clean"/>
                         </a:rPr>
-                        <a:t>Language support is only available in English and Japanese. </a:t>
+                        <a:t>O suporte de idioma está disponível somente em inglês e japonês. </a:t>
                       </a:r>
-                      <a:endParaRPr lang="en-US" sz="1100">
-                        <a:solidFill>
-                          <a:schemeClr val="tx1"/>
-                        </a:solidFill>
-                        <a:latin typeface="Adobe Clean" panose="020B0503020404020204" pitchFamily="34" charset="0"/>
-                      </a:endParaRPr>
                     </a:p>
                     <a:p>
-                      <a:pPr marL="0" marR="0" lvl="0" indent="0" algn="ctr" defTabSz="914400" eaLnBrk="1" fontAlgn="auto" latinLnBrk="0" hangingPunct="1">
+                      <a:pPr marL="0" marR="0" lvl="0" indent="0" algn="l" defTabSz="914400" rtl="0" eaLnBrk="1" fontAlgn="auto" latinLnBrk="0" hangingPunct="1">
                         <a:lnSpc>
                           <a:spcPct val="100000"/>
                         </a:lnSpc>
@@ -17137,7 +13824,7 @@
                         <a:tabLst/>
                         <a:defRPr/>
                       </a:pPr>
-                      <a:endParaRPr kumimoji="0" lang="en-US" sz="1100" b="1" i="0" u="none" strike="noStrike" kern="0" cap="none" spc="0" normalizeH="0" baseline="30000" noProof="0">
+                      <a:endParaRPr kumimoji="0" lang="en-US" sz="1100" b="1" i="0" u="none" strike="noStrike" kern="0" cap="none" spc="0" normalizeH="0" baseline="30000" noProof="0" dirty="0">
                         <a:ln>
                           <a:noFill/>
                         </a:ln>
@@ -17155,7 +13842,7 @@
                     <a:p>
                       <a:pPr algn="ctr"/>
                       <a:r>
-                        <a:rPr lang="en-US" sz="1100" i="0">
+                        <a:rPr lang="pt-BR" sz="1100" i="0" dirty="0">
                           <a:solidFill>
                             <a:schemeClr val="tx1"/>
                           </a:solidFill>
@@ -17164,29 +13851,23 @@
                         <a:t> </a:t>
                       </a:r>
                       <a:r>
-                        <a:rPr lang="en-US" sz="1100" i="0" baseline="30000">
+                        <a:rPr lang="pt-BR" sz="1100" i="0" baseline="30000" dirty="0">
                           <a:solidFill>
                             <a:schemeClr val="tx1"/>
                           </a:solidFill>
                           <a:latin typeface="Adobe Clean"/>
                         </a:rPr>
-                        <a:t>1 </a:t>
+                        <a:t>1</a:t>
                       </a:r>
                       <a:r>
-                        <a:rPr lang="en-US" sz="1100" i="0">
+                        <a:rPr lang="pt-BR" sz="1100" i="0" dirty="0">
                           <a:solidFill>
                             <a:schemeClr val="tx1"/>
                           </a:solidFill>
                           <a:latin typeface="Adobe Clean"/>
                         </a:rPr>
-                        <a:t>P2, P3, P4 cases are limited to business hours only in Japan.</a:t>
+                        <a:t>Os casos de prioridade P2, P3 e P4 estão limitados ao horário comercial somente no Japão.</a:t>
                       </a:r>
-                      <a:endParaRPr lang="en-US" sz="1100" b="1" i="0">
-                        <a:solidFill>
-                          <a:schemeClr val="tx1"/>
-                        </a:solidFill>
-                        <a:latin typeface="Adobe Clean"/>
-                      </a:endParaRPr>
                     </a:p>
                   </a:txBody>
                   <a:tcPr anchor="ctr">
@@ -17541,7 +14222,7 @@
           </a:bodyPr>
           <a:lstStyle/>
           <a:p>
-            <a:pPr marL="139065" marR="5080" indent="-139065">
+            <a:pPr marR="5080" algn="ctr">
               <a:lnSpc>
                 <a:spcPts val="1390"/>
               </a:lnSpc>
@@ -17550,129 +14231,15 @@
               </a:spcBef>
             </a:pPr>
             <a:r>
-              <a:rPr sz="1200" b="1" spc="-15">
+              <a:rPr lang="pt-BR" sz="1200" b="1" dirty="0">
                 <a:solidFill>
                   <a:srgbClr val="FFFFFF"/>
                 </a:solidFill>
                 <a:latin typeface="Adobe Clean"/>
                 <a:cs typeface="Adobe Clean"/>
               </a:rPr>
-              <a:t>U</a:t>
-            </a:r>
-            <a:r>
-              <a:rPr sz="1200" b="1" spc="-20">
-                <a:solidFill>
-                  <a:srgbClr val="FFFFFF"/>
-                </a:solidFill>
-                <a:latin typeface="Adobe Clean"/>
-                <a:cs typeface="Adobe Clean"/>
-              </a:rPr>
-              <a:t>n</a:t>
-            </a:r>
-            <a:r>
-              <a:rPr sz="1200" b="1" spc="-25">
-                <a:solidFill>
-                  <a:srgbClr val="FFFFFF"/>
-                </a:solidFill>
-                <a:latin typeface="Adobe Clean"/>
-                <a:cs typeface="Adobe Clean"/>
-              </a:rPr>
-              <a:t>p</a:t>
-            </a:r>
-            <a:r>
-              <a:rPr sz="1200" b="1" spc="-15">
-                <a:solidFill>
-                  <a:srgbClr val="FFFFFF"/>
-                </a:solidFill>
-                <a:latin typeface="Adobe Clean"/>
-                <a:cs typeface="Adobe Clean"/>
-              </a:rPr>
-              <a:t>a</a:t>
-            </a:r>
-            <a:r>
-              <a:rPr sz="1200" b="1" spc="-25">
-                <a:solidFill>
-                  <a:srgbClr val="FFFFFF"/>
-                </a:solidFill>
-                <a:latin typeface="Adobe Clean"/>
-                <a:cs typeface="Adobe Clean"/>
-              </a:rPr>
-              <a:t>r</a:t>
-            </a:r>
-            <a:r>
-              <a:rPr sz="1200" b="1" spc="-15">
-                <a:solidFill>
-                  <a:srgbClr val="FFFFFF"/>
-                </a:solidFill>
-                <a:latin typeface="Adobe Clean"/>
-                <a:cs typeface="Adobe Clean"/>
-              </a:rPr>
-              <a:t>a</a:t>
-            </a:r>
-            <a:r>
-              <a:rPr sz="1200" b="1" spc="-30">
-                <a:solidFill>
-                  <a:srgbClr val="FFFFFF"/>
-                </a:solidFill>
-                <a:latin typeface="Adobe Clean"/>
-                <a:cs typeface="Adobe Clean"/>
-              </a:rPr>
-              <a:t>ll</a:t>
-            </a:r>
-            <a:r>
-              <a:rPr sz="1200" b="1" spc="-25">
-                <a:solidFill>
-                  <a:srgbClr val="FFFFFF"/>
-                </a:solidFill>
-                <a:latin typeface="Adobe Clean"/>
-                <a:cs typeface="Adobe Clean"/>
-              </a:rPr>
-              <a:t>e</a:t>
-            </a:r>
-            <a:r>
-              <a:rPr sz="1200" b="1" spc="-30">
-                <a:solidFill>
-                  <a:srgbClr val="FFFFFF"/>
-                </a:solidFill>
-                <a:latin typeface="Adobe Clean"/>
-                <a:cs typeface="Adobe Clean"/>
-              </a:rPr>
-              <a:t>l</a:t>
-            </a:r>
-            <a:r>
-              <a:rPr sz="1200" b="1" spc="-25">
-                <a:solidFill>
-                  <a:srgbClr val="FFFFFF"/>
-                </a:solidFill>
-                <a:latin typeface="Adobe Clean"/>
-                <a:cs typeface="Adobe Clean"/>
-              </a:rPr>
-              <a:t>e</a:t>
-            </a:r>
-            <a:r>
-              <a:rPr sz="1200" b="1">
-                <a:solidFill>
-                  <a:srgbClr val="FFFFFF"/>
-                </a:solidFill>
-                <a:latin typeface="Adobe Clean"/>
-                <a:cs typeface="Adobe Clean"/>
-              </a:rPr>
-              <a:t>d  </a:t>
-            </a:r>
-            <a:r>
-              <a:rPr sz="1200" b="1" spc="-25">
-                <a:solidFill>
-                  <a:srgbClr val="FFFFFF"/>
-                </a:solidFill>
-                <a:latin typeface="Adobe Clean"/>
-                <a:cs typeface="Adobe Clean"/>
-              </a:rPr>
-              <a:t>Expertise</a:t>
-            </a:r>
-            <a:endParaRPr sz="1200">
-              <a:latin typeface="Adobe Clean"/>
-              <a:cs typeface="Adobe Clean"/>
-            </a:endParaRPr>
+              <a:t>Experiência sem igual</a:t>
+            </a:r>
           </a:p>
         </p:txBody>
       </p:sp>
@@ -17703,7 +14270,7 @@
           </a:bodyPr>
           <a:lstStyle/>
           <a:p>
-            <a:pPr marL="139065" marR="5080" indent="-139065">
+            <a:pPr marR="5080" algn="ctr">
               <a:lnSpc>
                 <a:spcPts val="1390"/>
               </a:lnSpc>
@@ -17712,19 +14279,15 @@
               </a:spcBef>
             </a:pPr>
             <a:r>
-              <a:rPr lang="en-US" sz="1200" b="1" spc="-15">
+              <a:rPr lang="pt-BR" sz="1200" b="1" dirty="0">
                 <a:solidFill>
                   <a:srgbClr val="FFFFFF"/>
                 </a:solidFill>
                 <a:latin typeface="Adobe Clean"/>
                 <a:cs typeface="Adobe Clean"/>
               </a:rPr>
-              <a:t>Accelerated Support</a:t>
-            </a:r>
-            <a:endParaRPr sz="1200">
-              <a:latin typeface="Adobe Clean"/>
-              <a:cs typeface="Adobe Clean"/>
-            </a:endParaRPr>
+              <a:t>Suporte acelerado</a:t>
+            </a:r>
           </a:p>
         </p:txBody>
       </p:sp>
@@ -17742,8 +14305,8 @@
         </p:nvSpPr>
         <p:spPr>
           <a:xfrm>
-            <a:off x="6624119" y="8543943"/>
-            <a:ext cx="510540" cy="385445"/>
+            <a:off x="6528868" y="8543943"/>
+            <a:ext cx="810895" cy="382797"/>
           </a:xfrm>
           <a:prstGeom prst="rect">
             <a:avLst/>
@@ -17755,7 +14318,7 @@
           </a:bodyPr>
           <a:lstStyle/>
           <a:p>
-            <a:pPr marL="50800" marR="5080" indent="-51435">
+            <a:pPr marR="5080" algn="ctr">
               <a:lnSpc>
                 <a:spcPts val="1390"/>
               </a:lnSpc>
@@ -17764,109 +14327,15 @@
               </a:spcBef>
             </a:pPr>
             <a:r>
-              <a:rPr sz="1200" b="1" spc="-50">
+              <a:rPr lang="pt-BR" sz="1200" b="1" dirty="0">
                 <a:solidFill>
                   <a:srgbClr val="FFFFFF"/>
                 </a:solidFill>
                 <a:latin typeface="Adobe Clean"/>
                 <a:cs typeface="Adobe Clean"/>
               </a:rPr>
-              <a:t>S</a:t>
-            </a:r>
-            <a:r>
-              <a:rPr sz="1200" b="1" spc="-20">
-                <a:solidFill>
-                  <a:srgbClr val="FFFFFF"/>
-                </a:solidFill>
-                <a:latin typeface="Adobe Clean"/>
-                <a:cs typeface="Adobe Clean"/>
-              </a:rPr>
-              <a:t>t</a:t>
-            </a:r>
-            <a:r>
-              <a:rPr sz="1200" b="1" spc="-75">
-                <a:solidFill>
-                  <a:srgbClr val="FFFFFF"/>
-                </a:solidFill>
-                <a:latin typeface="Adobe Clean"/>
-                <a:cs typeface="Adobe Clean"/>
-              </a:rPr>
-              <a:t>r</a:t>
-            </a:r>
-            <a:r>
-              <a:rPr sz="1200" b="1" spc="-90">
-                <a:solidFill>
-                  <a:srgbClr val="FFFFFF"/>
-                </a:solidFill>
-                <a:latin typeface="Adobe Clean"/>
-                <a:cs typeface="Adobe Clean"/>
-              </a:rPr>
-              <a:t>a</a:t>
-            </a:r>
-            <a:r>
-              <a:rPr sz="1200" b="1" spc="-55">
-                <a:solidFill>
-                  <a:srgbClr val="FFFFFF"/>
-                </a:solidFill>
-                <a:latin typeface="Adobe Clean"/>
-                <a:cs typeface="Adobe Clean"/>
-              </a:rPr>
-              <a:t>t</a:t>
-            </a:r>
-            <a:r>
-              <a:rPr sz="1200" b="1" spc="-100">
-                <a:solidFill>
-                  <a:srgbClr val="FFFFFF"/>
-                </a:solidFill>
-                <a:latin typeface="Adobe Clean"/>
-                <a:cs typeface="Adobe Clean"/>
-              </a:rPr>
-              <a:t>e</a:t>
-            </a:r>
-            <a:r>
-              <a:rPr sz="1200" b="1" spc="-80">
-                <a:solidFill>
-                  <a:srgbClr val="FFFFFF"/>
-                </a:solidFill>
-                <a:latin typeface="Adobe Clean"/>
-                <a:cs typeface="Adobe Clean"/>
-              </a:rPr>
-              <a:t>g</a:t>
-            </a:r>
-            <a:r>
-              <a:rPr sz="1200" b="1" spc="-35">
-                <a:solidFill>
-                  <a:srgbClr val="FFFFFF"/>
-                </a:solidFill>
-                <a:latin typeface="Adobe Clean"/>
-                <a:cs typeface="Adobe Clean"/>
-              </a:rPr>
-              <a:t>i</a:t>
-            </a:r>
-            <a:r>
-              <a:rPr sz="1200" b="1">
-                <a:solidFill>
-                  <a:srgbClr val="FFFFFF"/>
-                </a:solidFill>
-                <a:latin typeface="Adobe Clean"/>
-                <a:cs typeface="Adobe Clean"/>
-              </a:rPr>
-              <a:t>c  </a:t>
-            </a:r>
-            <a:r>
-              <a:rPr sz="1200" b="1" spc="-45">
-                <a:solidFill>
-                  <a:srgbClr val="FFFFFF"/>
-                </a:solidFill>
-                <a:latin typeface="Adobe Clean"/>
-                <a:cs typeface="Adobe Clean"/>
-              </a:rPr>
-              <a:t>Advice</a:t>
-            </a:r>
-            <a:endParaRPr sz="1200">
-              <a:latin typeface="Adobe Clean"/>
-              <a:cs typeface="Adobe Clean"/>
-            </a:endParaRPr>
+              <a:t>Consultoria estratégica</a:t>
+            </a:r>
           </a:p>
         </p:txBody>
       </p:sp>
@@ -17885,14 +14354,14 @@
           <p:nvPr>
             <p:extLst>
               <p:ext uri="{D42A27DB-BD31-4B8C-83A1-F6EECF244321}">
-                <p14:modId xmlns:p14="http://schemas.microsoft.com/office/powerpoint/2010/main" val="1493671087"/>
+                <p14:modId xmlns:p14="http://schemas.microsoft.com/office/powerpoint/2010/main" val="1337331537"/>
               </p:ext>
             </p:extLst>
           </p:nvPr>
         </p:nvGraphicFramePr>
         <p:xfrm>
           <a:off x="194236" y="1059345"/>
-          <a:ext cx="7368291" cy="2931160"/>
+          <a:ext cx="7368291" cy="3388360"/>
         </p:xfrm>
         <a:graphic>
           <a:graphicData uri="http://schemas.openxmlformats.org/drawingml/2006/table">
@@ -17923,7 +14392,7 @@
                     <a:lstStyle/>
                     <a:p>
                       <a:r>
-                        <a:rPr lang="en-US" sz="1100" b="0">
+                        <a:rPr lang="pt-BR" sz="1100" b="0">
                           <a:solidFill>
                             <a:schemeClr val="tx1"/>
                           </a:solidFill>
@@ -17934,14 +14403,6 @@
                         </a:rPr>
                         <a:t>Experience League</a:t>
                       </a:r>
-                      <a:endParaRPr lang="en-US" sz="1100" b="0">
-                        <a:solidFill>
-                          <a:schemeClr val="tx1"/>
-                        </a:solidFill>
-                        <a:latin typeface="Adobe Clean" panose="020B0503020404020204" pitchFamily="34" charset="0"/>
-                        <a:ea typeface="+mn-ea"/>
-                        <a:cs typeface="+mn-cs"/>
-                      </a:endParaRPr>
                     </a:p>
                   </a:txBody>
                   <a:tcPr marL="47625" marR="47625" marT="0" marB="0" anchor="ctr">
@@ -18015,7 +14476,7 @@
                         <a:defRPr/>
                       </a:pPr>
                       <a:r>
-                        <a:rPr lang="en-US" sz="1000" b="0" kern="1200">
+                        <a:rPr lang="pt-BR" sz="1000" b="0" dirty="0">
                           <a:solidFill>
                             <a:srgbClr val="000000"/>
                           </a:solidFill>
@@ -18023,7 +14484,70 @@
                           <a:ea typeface="+mn-ea"/>
                           <a:cs typeface="+mn-cs"/>
                         </a:rPr>
-                        <a:t>Experience League is how Adobe helps businesses achieve the value they expect from their Adobe investment. It’s the unified place where customers can learn, connect, and grow along a personalized path to success that includes self-help tutorials, product documentation, instructor-led training, community and technical support. </a:t>
+                        <a:t>A Experience League foi criada para ajudar as empresas a alcançar </a:t>
+                      </a:r>
+                      <a:br>
+                        <a:rPr lang="pt-BR" sz="1000" b="0" dirty="0">
+                          <a:solidFill>
+                            <a:srgbClr val="000000"/>
+                          </a:solidFill>
+                          <a:latin typeface="Adobe Clean Light" panose="020B0303020404020204" pitchFamily="34" charset="0"/>
+                          <a:ea typeface="+mn-ea"/>
+                          <a:cs typeface="+mn-cs"/>
+                        </a:rPr>
+                      </a:br>
+                      <a:r>
+                        <a:rPr lang="pt-BR" sz="1000" b="0" dirty="0">
+                          <a:solidFill>
+                            <a:srgbClr val="000000"/>
+                          </a:solidFill>
+                          <a:latin typeface="Adobe Clean Light" panose="020B0303020404020204" pitchFamily="34" charset="0"/>
+                          <a:ea typeface="+mn-ea"/>
+                          <a:cs typeface="+mn-cs"/>
+                        </a:rPr>
+                        <a:t>o valor que esperam do seu investimento em produtos da Adobe. </a:t>
+                      </a:r>
+                      <a:br>
+                        <a:rPr lang="pt-BR" sz="1000" b="0" dirty="0">
+                          <a:solidFill>
+                            <a:srgbClr val="000000"/>
+                          </a:solidFill>
+                          <a:latin typeface="Adobe Clean Light" panose="020B0303020404020204" pitchFamily="34" charset="0"/>
+                          <a:ea typeface="+mn-ea"/>
+                          <a:cs typeface="+mn-cs"/>
+                        </a:rPr>
+                      </a:br>
+                      <a:r>
+                        <a:rPr lang="pt-BR" sz="1000" b="0" dirty="0">
+                          <a:solidFill>
+                            <a:srgbClr val="000000"/>
+                          </a:solidFill>
+                          <a:latin typeface="Adobe Clean Light" panose="020B0303020404020204" pitchFamily="34" charset="0"/>
+                          <a:ea typeface="+mn-ea"/>
+                          <a:cs typeface="+mn-cs"/>
+                        </a:rPr>
+                        <a:t>É o local unificado onde os clientes podem aprender, interagir </a:t>
+                      </a:r>
+                      <a:br>
+                        <a:rPr lang="pt-BR" sz="1000" b="0" dirty="0">
+                          <a:solidFill>
+                            <a:srgbClr val="000000"/>
+                          </a:solidFill>
+                          <a:latin typeface="Adobe Clean Light" panose="020B0303020404020204" pitchFamily="34" charset="0"/>
+                          <a:ea typeface="+mn-ea"/>
+                          <a:cs typeface="+mn-cs"/>
+                        </a:rPr>
+                      </a:br>
+                      <a:r>
+                        <a:rPr lang="pt-BR" sz="1000" b="0" dirty="0">
+                          <a:solidFill>
+                            <a:srgbClr val="000000"/>
+                          </a:solidFill>
+                          <a:latin typeface="Adobe Clean Light" panose="020B0303020404020204" pitchFamily="34" charset="0"/>
+                          <a:ea typeface="+mn-ea"/>
+                          <a:cs typeface="+mn-cs"/>
+                        </a:rPr>
+                        <a:t>e crescer ao longo de um caminho personalizado de sucesso que inclui tutoriais de autoatendimento, documentação dos produtos, treinamento com instrutores e suporte técnico e da comunidade. </a:t>
                       </a:r>
                     </a:p>
                   </a:txBody>
@@ -18105,39 +14629,28 @@
                         <a:defRPr/>
                       </a:pPr>
                       <a:r>
-                        <a:rPr lang="en-US" sz="1100">
+                        <a:rPr lang="pt-BR" sz="1100">
                           <a:solidFill>
                             <a:schemeClr val="dk1"/>
                           </a:solidFill>
-                          <a:effectLst/>
                           <a:latin typeface="Adobe Clean" panose="020B0503020404020204" pitchFamily="34" charset="0"/>
                           <a:ea typeface="+mn-ea"/>
                           <a:cs typeface="+mn-cs"/>
                           <a:hlinkClick r:id="rId8"/>
                         </a:rPr>
-                        <a:t>Training</a:t>
+                        <a:t>Treinamento</a:t>
                       </a:r>
                       <a:r>
-                        <a:rPr lang="en-US" sz="1100">
+                        <a:rPr lang="pt-BR" sz="1100">
                           <a:solidFill>
                             <a:schemeClr val="dk1"/>
                           </a:solidFill>
-                          <a:effectLst/>
                           <a:latin typeface="Adobe Clean" panose="020B0503020404020204" pitchFamily="34" charset="0"/>
                           <a:ea typeface="+mn-ea"/>
                           <a:cs typeface="+mn-cs"/>
                         </a:rPr>
                         <a:t> </a:t>
                       </a:r>
-                      <a:endParaRPr lang="en-US" sz="1100">
-                        <a:solidFill>
-                          <a:schemeClr val="tx1"/>
-                        </a:solidFill>
-                        <a:effectLst/>
-                        <a:latin typeface="Adobe Clean" panose="020B0503020404020204" pitchFamily="34" charset="0"/>
-                        <a:ea typeface="+mn-ea"/>
-                        <a:cs typeface="+mn-cs"/>
-                      </a:endParaRPr>
                     </a:p>
                   </a:txBody>
                   <a:tcPr anchor="ctr">
@@ -18211,7 +14724,7 @@
                         <a:defRPr/>
                       </a:pPr>
                       <a:r>
-                        <a:rPr lang="en-US" sz="1000" kern="1200">
+                        <a:rPr lang="pt-BR" sz="1000">
                           <a:solidFill>
                             <a:srgbClr val="000000"/>
                           </a:solidFill>
@@ -18219,7 +14732,7 @@
                           <a:ea typeface="+mn-ea"/>
                           <a:cs typeface="+mn-cs"/>
                         </a:rPr>
-                        <a:t>Adobe Digital Learning Services courses are accessible from Experience League. Learning courses integrate both on-demand and instructor-led lessons.  Here you can accrue skills that have recognized market value and position them to drive success in your organizations.</a:t>
+                        <a:t>O acesso aos cursos do Adobe Digital Learning Services está disponível na Experience League. Os cursos de aprendizagem incluem lições sob demanda e com instrutores.  É um lugar para adquirir habilidades com reconhecido valor de mercado que você pode pôr em prática para impulsionar o sucesso na sua organização.</a:t>
                       </a:r>
                     </a:p>
                   </a:txBody>
@@ -18301,27 +14814,17 @@
                         <a:defRPr/>
                       </a:pPr>
                       <a:r>
-                        <a:rPr lang="en-US" sz="1100">
+                        <a:rPr lang="pt-BR" sz="1100">
                           <a:solidFill>
                             <a:schemeClr val="tx1"/>
                           </a:solidFill>
-                          <a:effectLst/>
                           <a:latin typeface="Adobe Clean" panose="020B0503020404020204" pitchFamily="34" charset="0"/>
                           <a:ea typeface="+mn-ea"/>
                           <a:cs typeface="+mn-cs"/>
                           <a:hlinkClick r:id="rId9"/>
                         </a:rPr>
-                        <a:t>Production Issues &amp; System Outages</a:t>
+                        <a:t>Problemas de produção e paralisações do sistema</a:t>
                       </a:r>
-                      <a:endParaRPr lang="en-US" sz="1100">
-                        <a:solidFill>
-                          <a:schemeClr val="tx1"/>
-                        </a:solidFill>
-                        <a:effectLst/>
-                        <a:latin typeface="Adobe Clean" panose="020B0503020404020204" pitchFamily="34" charset="0"/>
-                        <a:ea typeface="+mn-ea"/>
-                        <a:cs typeface="+mn-cs"/>
-                      </a:endParaRPr>
                     </a:p>
                   </a:txBody>
                   <a:tcPr anchor="ctr">
@@ -18395,7 +14898,7 @@
                         <a:defRPr/>
                       </a:pPr>
                       <a:r>
-                        <a:rPr lang="en-US" sz="1000" kern="1200">
+                        <a:rPr lang="pt-BR" sz="1000" dirty="0">
                           <a:solidFill>
                             <a:srgbClr val="000000"/>
                           </a:solidFill>
@@ -18403,7 +14906,7 @@
                           <a:ea typeface="+mn-ea"/>
                           <a:cs typeface="+mn-cs"/>
                         </a:rPr>
-                        <a:t>Status.adobe.com conveys the health information of all Adobe products and services that are deployed in multi-tenant environments. Customers can choose their subscription preferences to get email notifications whenever Adobe creates, updates or resolves a product event. This can include scheduled maintenance or service issues of varying levels of severity. </a:t>
+                        <a:t>O Status.adobe.com transmite as informações de integridade de todos os produtos e serviços da Adobe implantados em ambientes de vários locatários. Os clientes podem escolher suas preferências de subscrição para receber notificações por email sempre que a Adobe criar, atualizar ou resolver um evento de produto. Isso pode incluir manutenção programada ou problemas de serviço com diferentes níveis de gravidade. </a:t>
                       </a:r>
                     </a:p>
                   </a:txBody>
@@ -18485,27 +14988,17 @@
                         <a:defRPr/>
                       </a:pPr>
                       <a:r>
-                        <a:rPr lang="en-US" sz="1100">
+                        <a:rPr lang="pt-BR" sz="1100">
                           <a:solidFill>
                             <a:schemeClr val="tx1"/>
                           </a:solidFill>
-                          <a:effectLst/>
                           <a:latin typeface="Adobe Clean" panose="020B0503020404020204" pitchFamily="34" charset="0"/>
                           <a:ea typeface="+mn-ea"/>
                           <a:cs typeface="+mn-cs"/>
                           <a:hlinkClick r:id="rId10"/>
                         </a:rPr>
-                        <a:t>Terms and Conditions</a:t>
+                        <a:t>Termos e condições</a:t>
                       </a:r>
-                      <a:endParaRPr lang="en-US" sz="1100">
-                        <a:solidFill>
-                          <a:schemeClr val="tx1"/>
-                        </a:solidFill>
-                        <a:effectLst/>
-                        <a:latin typeface="Adobe Clean" panose="020B0503020404020204" pitchFamily="34" charset="0"/>
-                        <a:ea typeface="+mn-ea"/>
-                        <a:cs typeface="+mn-cs"/>
-                      </a:endParaRPr>
                     </a:p>
                   </a:txBody>
                   <a:tcPr anchor="ctr">
@@ -18562,7 +15055,7 @@
                     <a:lstStyle/>
                     <a:p>
                       <a:r>
-                        <a:rPr lang="en-US" sz="1000" kern="1200">
+                        <a:rPr lang="pt-BR" sz="1000" dirty="0">
                           <a:solidFill>
                             <a:srgbClr val="000000"/>
                           </a:solidFill>
@@ -18570,7 +15063,7 @@
                           <a:ea typeface="+mn-ea"/>
                           <a:cs typeface="+mn-cs"/>
                         </a:rPr>
-                        <a:t>Terms and conditions detailing Support Services offerings</a:t>
+                        <a:t>Os Termos e condições que detalham os serviços de suporte</a:t>
                       </a:r>
                     </a:p>
                   </a:txBody>
@@ -19341,12 +15834,9 @@
 </file>
 
 <file path=customXml/item1.xml><?xml version="1.0" encoding="utf-8"?>
-<?mso-contentType ?>
-<FormTemplates xmlns="http://schemas.microsoft.com/sharepoint/v3/contenttype/forms">
-  <Display>DocumentLibraryForm</Display>
-  <Edit>DocumentLibraryForm</Edit>
-  <New>DocumentLibraryForm</New>
-</FormTemplates>
+<p:properties xmlns:p="http://schemas.microsoft.com/office/2006/metadata/properties" xmlns:xsi="http://www.w3.org/2001/XMLSchema-instance" xmlns:pc="http://schemas.microsoft.com/office/infopath/2007/PartnerControls">
+  <documentManagement/>
+</p:properties>
 </file>
 
 <file path=customXml/item2.xml><?xml version="1.0" encoding="utf-8"?>
@@ -19555,15 +16045,19 @@
 </file>
 
 <file path=customXml/item3.xml><?xml version="1.0" encoding="utf-8"?>
-<p:properties xmlns:p="http://schemas.microsoft.com/office/2006/metadata/properties" xmlns:xsi="http://www.w3.org/2001/XMLSchema-instance" xmlns:pc="http://schemas.microsoft.com/office/infopath/2007/PartnerControls">
-  <documentManagement/>
-</p:properties>
+<?mso-contentType ?>
+<FormTemplates xmlns="http://schemas.microsoft.com/sharepoint/v3/contenttype/forms">
+  <Display>DocumentLibraryForm</Display>
+  <Edit>DocumentLibraryForm</Edit>
+  <New>DocumentLibraryForm</New>
+</FormTemplates>
 </file>
 
 <file path=customXml/itemProps1.xml><?xml version="1.0" encoding="utf-8"?>
-<ds:datastoreItem xmlns:ds="http://schemas.openxmlformats.org/officeDocument/2006/customXml" ds:itemID="{669D9D3B-3229-44EE-9964-24A06AE66887}">
+<ds:datastoreItem xmlns:ds="http://schemas.openxmlformats.org/officeDocument/2006/customXml" ds:itemID="{CED41536-010B-47B1-9229-B72BE4090090}">
   <ds:schemaRefs>
-    <ds:schemaRef ds:uri="http://schemas.microsoft.com/sharepoint/v3/contenttype/forms"/>
+    <ds:schemaRef ds:uri="http://schemas.microsoft.com/office/2006/metadata/properties"/>
+    <ds:schemaRef ds:uri="http://schemas.microsoft.com/office/infopath/2007/PartnerControls"/>
   </ds:schemaRefs>
 </ds:datastoreItem>
 </file>
@@ -19588,10 +16082,9 @@
 </file>
 
 <file path=customXml/itemProps3.xml><?xml version="1.0" encoding="utf-8"?>
-<ds:datastoreItem xmlns:ds="http://schemas.openxmlformats.org/officeDocument/2006/customXml" ds:itemID="{CED41536-010B-47B1-9229-B72BE4090090}">
+<ds:datastoreItem xmlns:ds="http://schemas.openxmlformats.org/officeDocument/2006/customXml" ds:itemID="{669D9D3B-3229-44EE-9964-24A06AE66887}">
   <ds:schemaRefs>
-    <ds:schemaRef ds:uri="http://schemas.microsoft.com/office/2006/metadata/properties"/>
-    <ds:schemaRef ds:uri="http://schemas.microsoft.com/office/infopath/2007/PartnerControls"/>
+    <ds:schemaRef ds:uri="http://schemas.microsoft.com/sharepoint/v3/contenttype/forms"/>
   </ds:schemaRefs>
 </ds:datastoreItem>
 </file>